--- a/Presentation.pptx
+++ b/Presentation.pptx
@@ -114,6 +114,11 @@
       </a:defRPr>
     </a:lvl9pPr>
   </p:defaultTextStyle>
+  <p:extLst>
+    <p:ext uri="{EFAFB233-063F-42B5-8137-9DF3F51BA10A}">
+      <p15:sldGuideLst xmlns:p15="http://schemas.microsoft.com/office/powerpoint/2012/main"/>
+    </p:ext>
+  </p:extLst>
 </p:presentation>
 </file>
 
@@ -264,7 +269,7 @@
           <a:p>
             <a:fld id="{59ED46AA-65FE-4AA6-90A6-8BABD663A628}" type="datetimeFigureOut">
               <a:rPr lang="en-US" smtClean="0"/>
-              <a:t>1/17/2021</a:t>
+              <a:t>1/21/2021</a:t>
             </a:fld>
             <a:endParaRPr lang="en-US"/>
           </a:p>
@@ -462,7 +467,7 @@
           <a:p>
             <a:fld id="{59ED46AA-65FE-4AA6-90A6-8BABD663A628}" type="datetimeFigureOut">
               <a:rPr lang="en-US" smtClean="0"/>
-              <a:t>1/17/2021</a:t>
+              <a:t>1/21/2021</a:t>
             </a:fld>
             <a:endParaRPr lang="en-US"/>
           </a:p>
@@ -670,7 +675,7 @@
           <a:p>
             <a:fld id="{59ED46AA-65FE-4AA6-90A6-8BABD663A628}" type="datetimeFigureOut">
               <a:rPr lang="en-US" smtClean="0"/>
-              <a:t>1/17/2021</a:t>
+              <a:t>1/21/2021</a:t>
             </a:fld>
             <a:endParaRPr lang="en-US"/>
           </a:p>
@@ -868,7 +873,7 @@
           <a:p>
             <a:fld id="{59ED46AA-65FE-4AA6-90A6-8BABD663A628}" type="datetimeFigureOut">
               <a:rPr lang="en-US" smtClean="0"/>
-              <a:t>1/17/2021</a:t>
+              <a:t>1/21/2021</a:t>
             </a:fld>
             <a:endParaRPr lang="en-US"/>
           </a:p>
@@ -1143,7 +1148,7 @@
           <a:p>
             <a:fld id="{59ED46AA-65FE-4AA6-90A6-8BABD663A628}" type="datetimeFigureOut">
               <a:rPr lang="en-US" smtClean="0"/>
-              <a:t>1/17/2021</a:t>
+              <a:t>1/21/2021</a:t>
             </a:fld>
             <a:endParaRPr lang="en-US"/>
           </a:p>
@@ -1408,7 +1413,7 @@
           <a:p>
             <a:fld id="{59ED46AA-65FE-4AA6-90A6-8BABD663A628}" type="datetimeFigureOut">
               <a:rPr lang="en-US" smtClean="0"/>
-              <a:t>1/17/2021</a:t>
+              <a:t>1/21/2021</a:t>
             </a:fld>
             <a:endParaRPr lang="en-US"/>
           </a:p>
@@ -1820,7 +1825,7 @@
           <a:p>
             <a:fld id="{59ED46AA-65FE-4AA6-90A6-8BABD663A628}" type="datetimeFigureOut">
               <a:rPr lang="en-US" smtClean="0"/>
-              <a:t>1/17/2021</a:t>
+              <a:t>1/21/2021</a:t>
             </a:fld>
             <a:endParaRPr lang="en-US"/>
           </a:p>
@@ -1961,7 +1966,7 @@
           <a:p>
             <a:fld id="{59ED46AA-65FE-4AA6-90A6-8BABD663A628}" type="datetimeFigureOut">
               <a:rPr lang="en-US" smtClean="0"/>
-              <a:t>1/17/2021</a:t>
+              <a:t>1/21/2021</a:t>
             </a:fld>
             <a:endParaRPr lang="en-US"/>
           </a:p>
@@ -2074,7 +2079,7 @@
           <a:p>
             <a:fld id="{59ED46AA-65FE-4AA6-90A6-8BABD663A628}" type="datetimeFigureOut">
               <a:rPr lang="en-US" smtClean="0"/>
-              <a:t>1/17/2021</a:t>
+              <a:t>1/21/2021</a:t>
             </a:fld>
             <a:endParaRPr lang="en-US"/>
           </a:p>
@@ -2385,7 +2390,7 @@
           <a:p>
             <a:fld id="{59ED46AA-65FE-4AA6-90A6-8BABD663A628}" type="datetimeFigureOut">
               <a:rPr lang="en-US" smtClean="0"/>
-              <a:t>1/17/2021</a:t>
+              <a:t>1/21/2021</a:t>
             </a:fld>
             <a:endParaRPr lang="en-US"/>
           </a:p>
@@ -2673,7 +2678,7 @@
           <a:p>
             <a:fld id="{59ED46AA-65FE-4AA6-90A6-8BABD663A628}" type="datetimeFigureOut">
               <a:rPr lang="en-US" smtClean="0"/>
-              <a:t>1/17/2021</a:t>
+              <a:t>1/21/2021</a:t>
             </a:fld>
             <a:endParaRPr lang="en-US"/>
           </a:p>
@@ -2914,7 +2919,7 @@
           <a:p>
             <a:fld id="{59ED46AA-65FE-4AA6-90A6-8BABD663A628}" type="datetimeFigureOut">
               <a:rPr lang="en-US" smtClean="0"/>
-              <a:t>1/17/2021</a:t>
+              <a:t>1/21/2021</a:t>
             </a:fld>
             <a:endParaRPr lang="en-US"/>
           </a:p>
@@ -4365,7 +4370,10 @@
     <p:bg>
       <p:bgPr>
         <a:solidFill>
-          <a:schemeClr val="bg1"/>
+          <a:schemeClr val="bg1">
+            <a:tint val="95000"/>
+            <a:satMod val="170000"/>
+          </a:schemeClr>
         </a:solidFill>
         <a:effectLst/>
       </p:bgPr>
@@ -4384,12 +4392,12 @@
           <a:chExt cx="0" cy="0"/>
         </a:xfrm>
       </p:grpSpPr>
-      <p:sp>
-        <p:nvSpPr>
-          <p:cNvPr id="13" name="Rectangle 8">
-            <a:extLst>
-              <a:ext uri="{FF2B5EF4-FFF2-40B4-BE49-F238E27FC236}">
-                <a16:creationId xmlns:a16="http://schemas.microsoft.com/office/drawing/2014/main" id="{02D886F1-CB4A-4FC1-AAA7-9402B0D0DDDD}"/>
+      <p:sp useBgFill="1">
+        <p:nvSpPr>
+          <p:cNvPr id="19" name="Rectangle 18">
+            <a:extLst>
+              <a:ext uri="{FF2B5EF4-FFF2-40B4-BE49-F238E27FC236}">
+                <a16:creationId xmlns:a16="http://schemas.microsoft.com/office/drawing/2014/main" id="{9B76D444-2756-434F-AE61-96D69830C13E}"/>
               </a:ext>
               <a:ext uri="{C183D7F6-B498-43B3-948B-1728B52AA6E4}">
                 <adec:decorative xmlns:adec="http://schemas.microsoft.com/office/drawing/2017/decorative" val="1"/>
@@ -4410,14 +4418,11 @@
         <p:spPr>
           <a:xfrm>
             <a:off x="0" y="0"/>
-            <a:ext cx="2013557" cy="6858000"/>
+            <a:ext cx="12188952" cy="6858000"/>
           </a:xfrm>
           <a:prstGeom prst="rect">
             <a:avLst/>
           </a:prstGeom>
-          <a:solidFill>
-            <a:srgbClr val="7F7F7F"/>
-          </a:solidFill>
           <a:ln>
             <a:noFill/>
           </a:ln>
@@ -4442,55 +4447,99 @@
           <a:bodyPr rtlCol="0" anchor="ctr"/>
           <a:lstStyle/>
           <a:p>
-            <a:pPr marL="0" marR="0" lvl="0" indent="0" algn="ctr" defTabSz="914400" rtl="0" eaLnBrk="1" fontAlgn="auto" latinLnBrk="0" hangingPunct="1">
-              <a:lnSpc>
-                <a:spcPct val="100000"/>
-              </a:lnSpc>
-              <a:spcBef>
-                <a:spcPts val="0"/>
-              </a:spcBef>
-              <a:spcAft>
-                <a:spcPts val="0"/>
-              </a:spcAft>
-              <a:buClrTx/>
-              <a:buSzTx/>
-              <a:buFontTx/>
-              <a:buNone/>
-              <a:tabLst/>
-              <a:defRPr/>
-            </a:pPr>
-            <a:endParaRPr kumimoji="0" lang="en-US" sz="1800" b="0" i="0" u="none" strike="noStrike" kern="1200" cap="none" spc="0" normalizeH="0" baseline="0" noProof="0">
-              <a:ln>
-                <a:noFill/>
-              </a:ln>
-              <a:solidFill>
-                <a:prstClr val="white"/>
-              </a:solidFill>
-              <a:effectLst/>
-              <a:uLnTx/>
-              <a:uFillTx/>
-              <a:latin typeface="Calibri" panose="020F0502020204030204"/>
-              <a:ea typeface="+mn-ea"/>
-              <a:cs typeface="+mn-cs"/>
-            </a:endParaRPr>
-          </a:p>
-        </p:txBody>
-      </p:sp>
-      <p:sp>
-        <p:nvSpPr>
-          <p:cNvPr id="14" name="Rectangle 10">
-            <a:extLst>
-              <a:ext uri="{FF2B5EF4-FFF2-40B4-BE49-F238E27FC236}">
-                <a16:creationId xmlns:a16="http://schemas.microsoft.com/office/drawing/2014/main" id="{762B7B97-C3EE-4AEE-A61F-AFA873FE2FCA}"/>
+            <a:pPr algn="ctr"/>
+            <a:endParaRPr lang="en-US"/>
+          </a:p>
+        </p:txBody>
+      </p:sp>
+      <p:sp>
+        <p:nvSpPr>
+          <p:cNvPr id="2" name="Title 1">
+            <a:extLst>
+              <a:ext uri="{FF2B5EF4-FFF2-40B4-BE49-F238E27FC236}">
+                <a16:creationId xmlns:a16="http://schemas.microsoft.com/office/drawing/2014/main" id="{416F4A36-D118-4435-A2EB-B07D35D2D7EF}"/>
+              </a:ext>
+            </a:extLst>
+          </p:cNvPr>
+          <p:cNvSpPr>
+            <a:spLocks noGrp="1"/>
+          </p:cNvSpPr>
+          <p:nvPr>
+            <p:ph type="title"/>
+          </p:nvPr>
+        </p:nvSpPr>
+        <p:spPr>
+          <a:xfrm>
+            <a:off x="6688181" y="573678"/>
+            <a:ext cx="4887685" cy="1293060"/>
+          </a:xfrm>
+          <a:prstGeom prst="ellipse">
+            <a:avLst/>
+          </a:prstGeom>
+        </p:spPr>
+        <p:txBody>
+          <a:bodyPr vert="horz" lIns="91440" tIns="45720" rIns="91440" bIns="45720" rtlCol="0" anchor="b">
+            <a:normAutofit/>
+          </a:bodyPr>
+          <a:lstStyle/>
+          <a:p>
+            <a:r>
+              <a:rPr lang="en-US" sz="4000" dirty="0"/>
+              <a:t>Doug Timothy</a:t>
+            </a:r>
+          </a:p>
+        </p:txBody>
+      </p:sp>
+      <p:pic>
+        <p:nvPicPr>
+          <p:cNvPr id="8" name="Picture 7" descr="A person with a beard&#10;&#10;Description automatically generated with low confidence">
+            <a:extLst>
+              <a:ext uri="{FF2B5EF4-FFF2-40B4-BE49-F238E27FC236}">
+                <a16:creationId xmlns:a16="http://schemas.microsoft.com/office/drawing/2014/main" id="{23DD5109-2832-4D30-8E9B-D642A9FD346D}"/>
+              </a:ext>
+            </a:extLst>
+          </p:cNvPr>
+          <p:cNvPicPr>
+            <a:picLocks noChangeAspect="1"/>
+          </p:cNvPicPr>
+          <p:nvPr/>
+        </p:nvPicPr>
+        <p:blipFill rotWithShape="1">
+          <a:blip r:embed="rId2">
+            <a:extLst>
+              <a:ext uri="{28A0092B-C50C-407E-A947-70E740481C1C}">
+                <a14:useLocalDpi xmlns:a14="http://schemas.microsoft.com/office/drawing/2010/main" val="0"/>
+              </a:ext>
+            </a:extLst>
+          </a:blip>
+          <a:srcRect t="8777" b="28277"/>
+          <a:stretch/>
+        </p:blipFill>
+        <p:spPr>
+          <a:xfrm>
+            <a:off x="391903" y="573678"/>
+            <a:ext cx="5103206" cy="5710645"/>
+          </a:xfrm>
+          <a:prstGeom prst="rect">
+            <a:avLst/>
+          </a:prstGeom>
+        </p:spPr>
+      </p:pic>
+      <p:cxnSp>
+        <p:nvCxnSpPr>
+          <p:cNvPr id="21" name="Straight Connector 20">
+            <a:extLst>
+              <a:ext uri="{FF2B5EF4-FFF2-40B4-BE49-F238E27FC236}">
+                <a16:creationId xmlns:a16="http://schemas.microsoft.com/office/drawing/2014/main" id="{CF8F36E2-BBE5-43FE-822F-AD8CAE08C071}"/>
               </a:ext>
               <a:ext uri="{C183D7F6-B498-43B3-948B-1728B52AA6E4}">
                 <adec:decorative xmlns:adec="http://schemas.microsoft.com/office/drawing/2017/decorative" val="1"/>
               </a:ext>
             </a:extLst>
           </p:cNvPr>
-          <p:cNvSpPr>
-            <a:spLocks noGrp="1" noRot="1" noChangeAspect="1" noMove="1" noResize="1" noEditPoints="1" noAdjustHandles="1" noChangeArrowheads="1" noChangeShapeType="1" noTextEdit="1"/>
-          </p:cNvSpPr>
+          <p:cNvCxnSpPr>
+            <a:cxnSpLocks noGrp="1" noRot="1" noChangeAspect="1" noMove="1" noResize="1" noEditPoints="1" noAdjustHandles="1" noChangeArrowheads="1" noChangeShapeType="1"/>
+          </p:cNvCxnSpPr>
           <p:nvPr>
             <p:extLst>
               <p:ext uri="{386F3935-93C4-4BCD-93E2-E3B085C9AB24}">
@@ -4498,85 +4547,42 @@
               </p:ext>
             </p:extLst>
           </p:nvPr>
-        </p:nvSpPr>
+        </p:nvCxnSpPr>
         <p:spPr>
-          <a:xfrm flipH="1">
-            <a:off x="2013557" y="0"/>
-            <a:ext cx="10178443" cy="6858000"/>
+          <a:xfrm>
+            <a:off x="6096000" y="1417320"/>
+            <a:ext cx="0" cy="4023360"/>
           </a:xfrm>
-          <a:prstGeom prst="rect">
+          <a:prstGeom prst="line">
             <a:avLst/>
           </a:prstGeom>
-          <a:solidFill>
-            <a:schemeClr val="tx1">
-              <a:lumMod val="75000"/>
-              <a:lumOff val="25000"/>
-            </a:schemeClr>
-          </a:solidFill>
-          <a:ln>
-            <a:noFill/>
+          <a:ln w="15875">
+            <a:solidFill>
+              <a:schemeClr val="tx1"/>
+            </a:solidFill>
           </a:ln>
         </p:spPr>
         <p:style>
-          <a:lnRef idx="2">
-            <a:schemeClr val="accent1">
-              <a:shade val="50000"/>
-            </a:schemeClr>
+          <a:lnRef idx="1">
+            <a:schemeClr val="accent1"/>
           </a:lnRef>
-          <a:fillRef idx="1">
+          <a:fillRef idx="0">
             <a:schemeClr val="accent1"/>
           </a:fillRef>
           <a:effectRef idx="0">
             <a:schemeClr val="accent1"/>
           </a:effectRef>
           <a:fontRef idx="minor">
-            <a:schemeClr val="lt1"/>
+            <a:schemeClr val="tx1"/>
           </a:fontRef>
         </p:style>
-        <p:txBody>
-          <a:bodyPr rtlCol="0" anchor="ctr"/>
-          <a:lstStyle/>
-          <a:p>
-            <a:pPr marL="0" marR="0" lvl="0" indent="0" algn="ctr" defTabSz="914400" rtl="0" eaLnBrk="1" fontAlgn="auto" latinLnBrk="0" hangingPunct="1">
-              <a:lnSpc>
-                <a:spcPct val="100000"/>
-              </a:lnSpc>
-              <a:spcBef>
-                <a:spcPts val="0"/>
-              </a:spcBef>
-              <a:spcAft>
-                <a:spcPts val="0"/>
-              </a:spcAft>
-              <a:buClrTx/>
-              <a:buSzTx/>
-              <a:buFontTx/>
-              <a:buNone/>
-              <a:tabLst/>
-              <a:defRPr/>
-            </a:pPr>
-            <a:endParaRPr kumimoji="0" lang="en-US" sz="1800" b="0" i="0" u="none" strike="noStrike" kern="1200" cap="none" spc="0" normalizeH="0" baseline="0" noProof="0">
-              <a:ln>
-                <a:noFill/>
-              </a:ln>
-              <a:solidFill>
-                <a:prstClr val="white"/>
-              </a:solidFill>
-              <a:effectLst/>
-              <a:uLnTx/>
-              <a:uFillTx/>
-              <a:latin typeface="Calibri" panose="020F0502020204030204"/>
-              <a:ea typeface="+mn-ea"/>
-              <a:cs typeface="+mn-cs"/>
-            </a:endParaRPr>
-          </a:p>
-        </p:txBody>
-      </p:sp>
-      <p:sp>
-        <p:nvSpPr>
-          <p:cNvPr id="2" name="Title 1">
-            <a:extLst>
-              <a:ext uri="{FF2B5EF4-FFF2-40B4-BE49-F238E27FC236}">
-                <a16:creationId xmlns:a16="http://schemas.microsoft.com/office/drawing/2014/main" id="{416F4A36-D118-4435-A2EB-B07D35D2D7EF}"/>
+      </p:cxnSp>
+      <p:sp>
+        <p:nvSpPr>
+          <p:cNvPr id="4" name="Text Placeholder 3">
+            <a:extLst>
+              <a:ext uri="{FF2B5EF4-FFF2-40B4-BE49-F238E27FC236}">
+                <a16:creationId xmlns:a16="http://schemas.microsoft.com/office/drawing/2014/main" id="{D022F3E7-16C9-42BB-8D8D-ACB507B3997E}"/>
               </a:ext>
             </a:extLst>
           </p:cNvPr>
@@ -4584,71 +4590,17 @@
             <a:spLocks noGrp="1"/>
           </p:cNvSpPr>
           <p:nvPr>
-            <p:ph type="title"/>
+            <p:ph type="body" sz="half" idx="2"/>
           </p:nvPr>
         </p:nvSpPr>
         <p:spPr>
           <a:xfrm>
-            <a:off x="623787" y="1635358"/>
-            <a:ext cx="2752344" cy="2706624"/>
-          </a:xfrm>
-          <a:prstGeom prst="ellipse">
-            <a:avLst/>
-          </a:prstGeom>
-          <a:solidFill>
-            <a:schemeClr val="bg1"/>
-          </a:solidFill>
-          <a:ln w="174625" cmpd="thinThick">
-            <a:solidFill>
-              <a:schemeClr val="bg1"/>
-            </a:solidFill>
-          </a:ln>
-        </p:spPr>
-        <p:txBody>
-          <a:bodyPr vert="horz" lIns="91440" tIns="45720" rIns="91440" bIns="45720" rtlCol="0" anchor="ctr">
-            <a:normAutofit/>
-          </a:bodyPr>
-          <a:lstStyle/>
-          <a:p>
-            <a:pPr algn="ctr"/>
-            <a:r>
-              <a:rPr lang="en-US" sz="2600" kern="1200" dirty="0">
-                <a:solidFill>
-                  <a:schemeClr val="tx1"/>
-                </a:solidFill>
-                <a:latin typeface="+mj-lt"/>
-                <a:ea typeface="+mj-ea"/>
-                <a:cs typeface="+mj-cs"/>
-              </a:rPr>
-              <a:t>Add Pic here</a:t>
-            </a:r>
-          </a:p>
-        </p:txBody>
-      </p:sp>
-      <p:sp>
-        <p:nvSpPr>
-          <p:cNvPr id="4" name="Text Placeholder 3">
-            <a:extLst>
-              <a:ext uri="{FF2B5EF4-FFF2-40B4-BE49-F238E27FC236}">
-                <a16:creationId xmlns:a16="http://schemas.microsoft.com/office/drawing/2014/main" id="{D022F3E7-16C9-42BB-8D8D-ACB507B3997E}"/>
-              </a:ext>
-            </a:extLst>
-          </p:cNvPr>
-          <p:cNvSpPr>
-            <a:spLocks noGrp="1"/>
-          </p:cNvSpPr>
-          <p:nvPr>
-            <p:ph type="body" sz="half" idx="2"/>
-          </p:nvPr>
-        </p:nvSpPr>
-        <p:spPr>
-          <a:xfrm>
-            <a:off x="4256690" y="1088137"/>
-            <a:ext cx="6180082" cy="3801067"/>
+            <a:off x="6544490" y="2440416"/>
+            <a:ext cx="4887685" cy="3210179"/>
           </a:xfrm>
         </p:spPr>
         <p:txBody>
-          <a:bodyPr vert="horz" lIns="91440" tIns="45720" rIns="91440" bIns="45720" rtlCol="0" anchor="ctr">
+          <a:bodyPr vert="horz" lIns="91440" tIns="45720" rIns="91440" bIns="45720" rtlCol="0" anchor="t">
             <a:normAutofit/>
           </a:bodyPr>
           <a:lstStyle/>
@@ -4657,45 +4609,59 @@
               <a:buFont typeface="Arial" panose="020B0604020202020204" pitchFamily="34" charset="0"/>
               <a:buChar char="•"/>
             </a:pPr>
-            <a:endParaRPr lang="en-US" sz="2000">
-              <a:solidFill>
-                <a:schemeClr val="bg1"/>
-              </a:solidFill>
-            </a:endParaRPr>
-          </a:p>
-        </p:txBody>
-      </p:sp>
-      <p:sp>
-        <p:nvSpPr>
-          <p:cNvPr id="6" name="TextBox 5">
-            <a:extLst>
-              <a:ext uri="{FF2B5EF4-FFF2-40B4-BE49-F238E27FC236}">
-                <a16:creationId xmlns:a16="http://schemas.microsoft.com/office/drawing/2014/main" id="{324EBCB6-052E-4AD8-8C9F-130202721071}"/>
-              </a:ext>
-            </a:extLst>
-          </p:cNvPr>
-          <p:cNvSpPr txBox="1"/>
-          <p:nvPr/>
-        </p:nvSpPr>
-        <p:spPr>
-          <a:xfrm>
-            <a:off x="1306211" y="4519872"/>
-            <a:ext cx="1584960" cy="369332"/>
-          </a:xfrm>
-          <a:prstGeom prst="rect">
-            <a:avLst/>
-          </a:prstGeom>
-          <a:noFill/>
-        </p:spPr>
-        <p:txBody>
-          <a:bodyPr wrap="square" rtlCol="0">
-            <a:spAutoFit/>
-          </a:bodyPr>
-          <a:lstStyle/>
-          <a:p>
             <a:r>
-              <a:rPr lang="en-US" dirty="0"/>
-              <a:t>Doug Timothy</a:t>
+              <a:rPr lang="en-US" sz="1900" dirty="0"/>
+              <a:t>BS in Mathematics</a:t>
+            </a:r>
+          </a:p>
+          <a:p>
+            <a:pPr indent="-228600">
+              <a:buFont typeface="Arial" panose="020B0604020202020204" pitchFamily="34" charset="0"/>
+              <a:buChar char="•"/>
+            </a:pPr>
+            <a:r>
+              <a:rPr lang="en-US" sz="1900" dirty="0"/>
+              <a:t>BS in Cartography</a:t>
+            </a:r>
+          </a:p>
+          <a:p>
+            <a:pPr indent="-228600">
+              <a:buFont typeface="Arial" panose="020B0604020202020204" pitchFamily="34" charset="0"/>
+              <a:buChar char="•"/>
+            </a:pPr>
+            <a:r>
+              <a:rPr lang="en-US" sz="1900" dirty="0"/>
+              <a:t>Professional Surveyor and Mapper since  Dec 2011</a:t>
+            </a:r>
+          </a:p>
+          <a:p>
+            <a:pPr indent="-228600">
+              <a:buFont typeface="Arial" panose="020B0604020202020204" pitchFamily="34" charset="0"/>
+              <a:buChar char="•"/>
+            </a:pPr>
+            <a:r>
+              <a:rPr lang="en-US" sz="1900" dirty="0"/>
+              <a:t>Been in the mapping field for about 23 years</a:t>
+            </a:r>
+          </a:p>
+          <a:p>
+            <a:pPr indent="-228600">
+              <a:buFont typeface="Arial" panose="020B0604020202020204" pitchFamily="34" charset="0"/>
+              <a:buChar char="•"/>
+            </a:pPr>
+            <a:r>
+              <a:rPr lang="en-US" sz="1900" dirty="0"/>
+              <a:t>Currently working for Pickett and Associates and have been with them for about 17 years</a:t>
+            </a:r>
+          </a:p>
+          <a:p>
+            <a:pPr indent="-228600">
+              <a:buFont typeface="Arial" panose="020B0604020202020204" pitchFamily="34" charset="0"/>
+              <a:buChar char="•"/>
+            </a:pPr>
+            <a:r>
+              <a:rPr lang="en-US" sz="1900" dirty="0"/>
+              <a:t>Soon-to-be graduate of Bethel Tech Coding Bootcamp</a:t>
             </a:r>
           </a:p>
         </p:txBody>
@@ -4708,7 +4674,7 @@
     </p:extLst>
   </p:cSld>
   <p:clrMapOvr>
-    <a:masterClrMapping/>
+    <a:overrideClrMapping bg1="dk1" tx1="lt1" bg2="dk2" tx2="lt2" accent1="accent1" accent2="accent2" accent3="accent3" accent4="accent4" accent5="accent5" accent6="accent6" hlink="hlink" folHlink="folHlink"/>
   </p:clrMapOvr>
 </p:sld>
 </file>

--- a/Presentation.pptx
+++ b/Presentation.pptx
@@ -269,7 +269,7 @@
           <a:p>
             <a:fld id="{59ED46AA-65FE-4AA6-90A6-8BABD663A628}" type="datetimeFigureOut">
               <a:rPr lang="en-US" smtClean="0"/>
-              <a:t>1/21/2021</a:t>
+              <a:t>1/23/2021</a:t>
             </a:fld>
             <a:endParaRPr lang="en-US"/>
           </a:p>
@@ -467,7 +467,7 @@
           <a:p>
             <a:fld id="{59ED46AA-65FE-4AA6-90A6-8BABD663A628}" type="datetimeFigureOut">
               <a:rPr lang="en-US" smtClean="0"/>
-              <a:t>1/21/2021</a:t>
+              <a:t>1/23/2021</a:t>
             </a:fld>
             <a:endParaRPr lang="en-US"/>
           </a:p>
@@ -675,7 +675,7 @@
           <a:p>
             <a:fld id="{59ED46AA-65FE-4AA6-90A6-8BABD663A628}" type="datetimeFigureOut">
               <a:rPr lang="en-US" smtClean="0"/>
-              <a:t>1/21/2021</a:t>
+              <a:t>1/23/2021</a:t>
             </a:fld>
             <a:endParaRPr lang="en-US"/>
           </a:p>
@@ -873,7 +873,7 @@
           <a:p>
             <a:fld id="{59ED46AA-65FE-4AA6-90A6-8BABD663A628}" type="datetimeFigureOut">
               <a:rPr lang="en-US" smtClean="0"/>
-              <a:t>1/21/2021</a:t>
+              <a:t>1/23/2021</a:t>
             </a:fld>
             <a:endParaRPr lang="en-US"/>
           </a:p>
@@ -1148,7 +1148,7 @@
           <a:p>
             <a:fld id="{59ED46AA-65FE-4AA6-90A6-8BABD663A628}" type="datetimeFigureOut">
               <a:rPr lang="en-US" smtClean="0"/>
-              <a:t>1/21/2021</a:t>
+              <a:t>1/23/2021</a:t>
             </a:fld>
             <a:endParaRPr lang="en-US"/>
           </a:p>
@@ -1413,7 +1413,7 @@
           <a:p>
             <a:fld id="{59ED46AA-65FE-4AA6-90A6-8BABD663A628}" type="datetimeFigureOut">
               <a:rPr lang="en-US" smtClean="0"/>
-              <a:t>1/21/2021</a:t>
+              <a:t>1/23/2021</a:t>
             </a:fld>
             <a:endParaRPr lang="en-US"/>
           </a:p>
@@ -1825,7 +1825,7 @@
           <a:p>
             <a:fld id="{59ED46AA-65FE-4AA6-90A6-8BABD663A628}" type="datetimeFigureOut">
               <a:rPr lang="en-US" smtClean="0"/>
-              <a:t>1/21/2021</a:t>
+              <a:t>1/23/2021</a:t>
             </a:fld>
             <a:endParaRPr lang="en-US"/>
           </a:p>
@@ -1966,7 +1966,7 @@
           <a:p>
             <a:fld id="{59ED46AA-65FE-4AA6-90A6-8BABD663A628}" type="datetimeFigureOut">
               <a:rPr lang="en-US" smtClean="0"/>
-              <a:t>1/21/2021</a:t>
+              <a:t>1/23/2021</a:t>
             </a:fld>
             <a:endParaRPr lang="en-US"/>
           </a:p>
@@ -2079,7 +2079,7 @@
           <a:p>
             <a:fld id="{59ED46AA-65FE-4AA6-90A6-8BABD663A628}" type="datetimeFigureOut">
               <a:rPr lang="en-US" smtClean="0"/>
-              <a:t>1/21/2021</a:t>
+              <a:t>1/23/2021</a:t>
             </a:fld>
             <a:endParaRPr lang="en-US"/>
           </a:p>
@@ -2390,7 +2390,7 @@
           <a:p>
             <a:fld id="{59ED46AA-65FE-4AA6-90A6-8BABD663A628}" type="datetimeFigureOut">
               <a:rPr lang="en-US" smtClean="0"/>
-              <a:t>1/21/2021</a:t>
+              <a:t>1/23/2021</a:t>
             </a:fld>
             <a:endParaRPr lang="en-US"/>
           </a:p>
@@ -2678,7 +2678,7 @@
           <a:p>
             <a:fld id="{59ED46AA-65FE-4AA6-90A6-8BABD663A628}" type="datetimeFigureOut">
               <a:rPr lang="en-US" smtClean="0"/>
-              <a:t>1/21/2021</a:t>
+              <a:t>1/23/2021</a:t>
             </a:fld>
             <a:endParaRPr lang="en-US"/>
           </a:p>
@@ -2919,7 +2919,7 @@
           <a:p>
             <a:fld id="{59ED46AA-65FE-4AA6-90A6-8BABD663A628}" type="datetimeFigureOut">
               <a:rPr lang="en-US" smtClean="0"/>
-              <a:t>1/21/2021</a:t>
+              <a:t>1/23/2021</a:t>
             </a:fld>
             <a:endParaRPr lang="en-US"/>
           </a:p>
@@ -3494,7 +3494,7 @@
                 <a:ea typeface="+mj-ea"/>
                 <a:cs typeface="+mj-cs"/>
               </a:rPr>
-              <a:t>Title page</a:t>
+              <a:t>Effects of Covid 19</a:t>
             </a:r>
           </a:p>
         </p:txBody>
@@ -8156,8 +8156,8 @@
         </p:nvSpPr>
         <p:spPr>
           <a:xfrm>
-            <a:off x="285007" y="89317"/>
-            <a:ext cx="2926080" cy="1335662"/>
+            <a:off x="285006" y="89317"/>
+            <a:ext cx="11753533" cy="1335662"/>
           </a:xfrm>
         </p:spPr>
         <p:txBody>
@@ -8168,14 +8168,7 @@
           <a:p>
             <a:r>
               <a:rPr lang="en-US" sz="4000" dirty="0"/>
-              <a:t>Results </a:t>
-            </a:r>
-            <a:br>
-              <a:rPr lang="en-US" sz="4000" dirty="0"/>
-            </a:br>
-            <a:r>
-              <a:rPr lang="en-US" sz="4000" dirty="0"/>
-              <a:t>Obj 2</a:t>
+              <a:t>Obj 2:  How has labor costs been affected by Covid?  Was there a change in productivity?</a:t>
             </a:r>
           </a:p>
         </p:txBody>
@@ -8595,7 +8588,7 @@
         </p:blipFill>
         <p:spPr>
           <a:xfrm>
-            <a:off x="1303842" y="1342496"/>
+            <a:off x="1192383" y="1607701"/>
             <a:ext cx="5328800" cy="5328800"/>
           </a:xfrm>
         </p:spPr>
@@ -9829,8 +9822,8 @@
         </p:nvSpPr>
         <p:spPr>
           <a:xfrm>
-            <a:off x="285007" y="89317"/>
-            <a:ext cx="2926080" cy="1335662"/>
+            <a:off x="285006" y="89317"/>
+            <a:ext cx="11591607" cy="1335662"/>
           </a:xfrm>
         </p:spPr>
         <p:txBody>
@@ -9841,14 +9834,7 @@
           <a:p>
             <a:r>
               <a:rPr lang="en-US" sz="4000" dirty="0"/>
-              <a:t>Results </a:t>
-            </a:r>
-            <a:br>
-              <a:rPr lang="en-US" sz="4000" dirty="0"/>
-            </a:br>
-            <a:r>
-              <a:rPr lang="en-US" sz="4000" dirty="0"/>
-              <a:t>Obj 3</a:t>
+              <a:t>Obj 3:  How has ordering changed during Covid?</a:t>
             </a:r>
           </a:p>
         </p:txBody>

--- a/Presentation.pptx
+++ b/Presentation.pptx
@@ -10,12 +10,13 @@
     <p:sldId id="265" r:id="rId4"/>
     <p:sldId id="256" r:id="rId5"/>
     <p:sldId id="269" r:id="rId6"/>
-    <p:sldId id="259" r:id="rId7"/>
-    <p:sldId id="268" r:id="rId8"/>
-    <p:sldId id="267" r:id="rId9"/>
-    <p:sldId id="257" r:id="rId10"/>
-    <p:sldId id="266" r:id="rId11"/>
-    <p:sldId id="260" r:id="rId12"/>
+    <p:sldId id="271" r:id="rId7"/>
+    <p:sldId id="259" r:id="rId8"/>
+    <p:sldId id="268" r:id="rId9"/>
+    <p:sldId id="267" r:id="rId10"/>
+    <p:sldId id="257" r:id="rId11"/>
+    <p:sldId id="266" r:id="rId12"/>
+    <p:sldId id="260" r:id="rId13"/>
   </p:sldIdLst>
   <p:sldSz cx="12192000" cy="6858000"/>
   <p:notesSz cx="6858000" cy="9144000"/>
@@ -3623,6 +3624,17 @@
 <file path=ppt/slides/slide10.xml><?xml version="1.0" encoding="utf-8"?>
 <p:sld xmlns:a="http://schemas.openxmlformats.org/drawingml/2006/main" xmlns:r="http://schemas.openxmlformats.org/officeDocument/2006/relationships" xmlns:p="http://schemas.openxmlformats.org/presentationml/2006/main">
   <p:cSld>
+    <p:bg>
+      <p:bgPr>
+        <a:solidFill>
+          <a:schemeClr val="bg1">
+            <a:tint val="95000"/>
+            <a:satMod val="170000"/>
+          </a:schemeClr>
+        </a:solidFill>
+        <a:effectLst/>
+      </p:bgPr>
+    </p:bg>
     <p:spTree>
       <p:nvGrpSpPr>
         <p:cNvPr id="1" name=""/>
@@ -3642,6 +3654,280 @@
           <p:cNvPr id="2" name="Title 1">
             <a:extLst>
               <a:ext uri="{FF2B5EF4-FFF2-40B4-BE49-F238E27FC236}">
+                <a16:creationId xmlns:a16="http://schemas.microsoft.com/office/drawing/2014/main" id="{E9ECB909-3470-44FA-8414-06629D2BD904}"/>
+              </a:ext>
+            </a:extLst>
+          </p:cNvPr>
+          <p:cNvSpPr>
+            <a:spLocks noGrp="1"/>
+          </p:cNvSpPr>
+          <p:nvPr>
+            <p:ph type="title"/>
+          </p:nvPr>
+        </p:nvSpPr>
+        <p:spPr>
+          <a:xfrm>
+            <a:off x="7464614" y="1783959"/>
+            <a:ext cx="4087306" cy="2889114"/>
+          </a:xfrm>
+        </p:spPr>
+        <p:txBody>
+          <a:bodyPr vert="horz" lIns="91440" tIns="45720" rIns="91440" bIns="45720" rtlCol="0" anchor="b">
+            <a:normAutofit/>
+          </a:bodyPr>
+          <a:lstStyle/>
+          <a:p>
+            <a:r>
+              <a:rPr lang="en-US" sz="5400" dirty="0"/>
+              <a:t>Summary</a:t>
+            </a:r>
+          </a:p>
+        </p:txBody>
+      </p:sp>
+      <p:sp>
+        <p:nvSpPr>
+          <p:cNvPr id="50" name="Freeform: Shape 49">
+            <a:extLst>
+              <a:ext uri="{FF2B5EF4-FFF2-40B4-BE49-F238E27FC236}">
+                <a16:creationId xmlns:a16="http://schemas.microsoft.com/office/drawing/2014/main" id="{E49CC64F-7275-4E33-961B-0C5CDC439875}"/>
+              </a:ext>
+              <a:ext uri="{C183D7F6-B498-43B3-948B-1728B52AA6E4}">
+                <adec:decorative xmlns:adec="http://schemas.microsoft.com/office/drawing/2017/decorative" val="1"/>
+              </a:ext>
+            </a:extLst>
+          </p:cNvPr>
+          <p:cNvSpPr>
+            <a:spLocks noGrp="1" noRot="1" noChangeAspect="1" noMove="1" noResize="1" noEditPoints="1" noAdjustHandles="1" noChangeArrowheads="1" noChangeShapeType="1" noTextEdit="1"/>
+          </p:cNvSpPr>
+          <p:nvPr>
+            <p:extLst>
+              <p:ext uri="{386F3935-93C4-4BCD-93E2-E3B085C9AB24}">
+                <p16:designElem xmlns:p16="http://schemas.microsoft.com/office/powerpoint/2015/main" val="1"/>
+              </p:ext>
+            </p:extLst>
+          </p:nvPr>
+        </p:nvSpPr>
+        <p:spPr>
+          <a:xfrm flipH="1" flipV="1">
+            <a:off x="1" y="0"/>
+            <a:ext cx="7188051" cy="6858000"/>
+          </a:xfrm>
+          <a:custGeom>
+            <a:avLst/>
+            <a:gdLst>
+              <a:gd name="connsiteX0" fmla="*/ 7188051 w 7188051"/>
+              <a:gd name="connsiteY0" fmla="*/ 6858000 h 6858000"/>
+              <a:gd name="connsiteX1" fmla="*/ 108694 w 7188051"/>
+              <a:gd name="connsiteY1" fmla="*/ 6858000 h 6858000"/>
+              <a:gd name="connsiteX2" fmla="*/ 79127 w 7188051"/>
+              <a:gd name="connsiteY2" fmla="*/ 6681235 h 6858000"/>
+              <a:gd name="connsiteX3" fmla="*/ 0 w 7188051"/>
+              <a:gd name="connsiteY3" fmla="*/ 5565888 h 6858000"/>
+              <a:gd name="connsiteX4" fmla="*/ 2190696 w 7188051"/>
+              <a:gd name="connsiteY4" fmla="*/ 145339 h 6858000"/>
+              <a:gd name="connsiteX5" fmla="*/ 2339431 w 7188051"/>
+              <a:gd name="connsiteY5" fmla="*/ 0 h 6858000"/>
+              <a:gd name="connsiteX6" fmla="*/ 7188051 w 7188051"/>
+              <a:gd name="connsiteY6" fmla="*/ 0 h 6858000"/>
+            </a:gdLst>
+            <a:ahLst/>
+            <a:cxnLst>
+              <a:cxn ang="0">
+                <a:pos x="connsiteX0" y="connsiteY0"/>
+              </a:cxn>
+              <a:cxn ang="0">
+                <a:pos x="connsiteX1" y="connsiteY1"/>
+              </a:cxn>
+              <a:cxn ang="0">
+                <a:pos x="connsiteX2" y="connsiteY2"/>
+              </a:cxn>
+              <a:cxn ang="0">
+                <a:pos x="connsiteX3" y="connsiteY3"/>
+              </a:cxn>
+              <a:cxn ang="0">
+                <a:pos x="connsiteX4" y="connsiteY4"/>
+              </a:cxn>
+              <a:cxn ang="0">
+                <a:pos x="connsiteX5" y="connsiteY5"/>
+              </a:cxn>
+              <a:cxn ang="0">
+                <a:pos x="connsiteX6" y="connsiteY6"/>
+              </a:cxn>
+            </a:cxnLst>
+            <a:rect l="l" t="t" r="r" b="b"/>
+            <a:pathLst>
+              <a:path w="7188051" h="6858000">
+                <a:moveTo>
+                  <a:pt x="7188051" y="6858000"/>
+                </a:moveTo>
+                <a:lnTo>
+                  <a:pt x="108694" y="6858000"/>
+                </a:lnTo>
+                <a:lnTo>
+                  <a:pt x="79127" y="6681235"/>
+                </a:lnTo>
+                <a:cubicBezTo>
+                  <a:pt x="26981" y="6316967"/>
+                  <a:pt x="0" y="5944579"/>
+                  <a:pt x="0" y="5565888"/>
+                </a:cubicBezTo>
+                <a:cubicBezTo>
+                  <a:pt x="0" y="3459953"/>
+                  <a:pt x="834428" y="1548908"/>
+                  <a:pt x="2190696" y="145339"/>
+                </a:cubicBezTo>
+                <a:lnTo>
+                  <a:pt x="2339431" y="0"/>
+                </a:lnTo>
+                <a:lnTo>
+                  <a:pt x="7188051" y="0"/>
+                </a:lnTo>
+                <a:close/>
+              </a:path>
+            </a:pathLst>
+          </a:custGeom>
+          <a:solidFill>
+            <a:schemeClr val="tx1">
+              <a:alpha val="80000"/>
+            </a:schemeClr>
+          </a:solidFill>
+          <a:ln>
+            <a:noFill/>
+          </a:ln>
+        </p:spPr>
+        <p:style>
+          <a:lnRef idx="2">
+            <a:schemeClr val="accent1">
+              <a:shade val="50000"/>
+            </a:schemeClr>
+          </a:lnRef>
+          <a:fillRef idx="1">
+            <a:schemeClr val="accent1"/>
+          </a:fillRef>
+          <a:effectRef idx="0">
+            <a:schemeClr val="accent1"/>
+          </a:effectRef>
+          <a:fontRef idx="minor">
+            <a:schemeClr val="lt1"/>
+          </a:fontRef>
+        </p:style>
+        <p:txBody>
+          <a:bodyPr wrap="square" rtlCol="0" anchor="ctr">
+            <a:noAutofit/>
+          </a:bodyPr>
+          <a:lstStyle/>
+          <a:p>
+            <a:pPr algn="ctr"/>
+            <a:endParaRPr lang="en-US"/>
+          </a:p>
+        </p:txBody>
+      </p:sp>
+      <p:pic>
+        <p:nvPicPr>
+          <p:cNvPr id="37" name="Content Placeholder 36">
+            <a:extLst>
+              <a:ext uri="{FF2B5EF4-FFF2-40B4-BE49-F238E27FC236}">
+                <a16:creationId xmlns:a16="http://schemas.microsoft.com/office/drawing/2014/main" id="{37F7892E-C573-48E3-9666-3F2283A380EE}"/>
+              </a:ext>
+            </a:extLst>
+          </p:cNvPr>
+          <p:cNvPicPr>
+            <a:picLocks noGrp="1" noChangeAspect="1"/>
+          </p:cNvPicPr>
+          <p:nvPr>
+            <p:ph idx="1"/>
+          </p:nvPr>
+        </p:nvPicPr>
+        <p:blipFill rotWithShape="1">
+          <a:blip r:embed="rId2">
+            <a:extLst>
+              <a:ext uri="{28A0092B-C50C-407E-A947-70E740481C1C}">
+                <a14:useLocalDpi xmlns:a14="http://schemas.microsoft.com/office/drawing/2010/main" val="0"/>
+              </a:ext>
+            </a:extLst>
+          </a:blip>
+          <a:srcRect l="26008" r="16344"/>
+          <a:stretch/>
+        </p:blipFill>
+        <p:spPr>
+          <a:xfrm>
+            <a:off x="1" y="10"/>
+            <a:ext cx="7028495" cy="6857990"/>
+          </a:xfrm>
+          <a:custGeom>
+            <a:avLst/>
+            <a:gdLst/>
+            <a:ahLst/>
+            <a:cxnLst/>
+            <a:rect l="l" t="t" r="r" b="b"/>
+            <a:pathLst>
+              <a:path w="7028495" h="6858000">
+                <a:moveTo>
+                  <a:pt x="0" y="0"/>
+                </a:moveTo>
+                <a:lnTo>
+                  <a:pt x="6915668" y="0"/>
+                </a:lnTo>
+                <a:lnTo>
+                  <a:pt x="6952411" y="219663"/>
+                </a:lnTo>
+                <a:cubicBezTo>
+                  <a:pt x="7002551" y="569921"/>
+                  <a:pt x="7028495" y="927986"/>
+                  <a:pt x="7028495" y="1292112"/>
+                </a:cubicBezTo>
+                <a:cubicBezTo>
+                  <a:pt x="7028495" y="3343346"/>
+                  <a:pt x="6205186" y="5202289"/>
+                  <a:pt x="4870994" y="6556512"/>
+                </a:cubicBezTo>
+                <a:lnTo>
+                  <a:pt x="4556185" y="6858000"/>
+                </a:lnTo>
+                <a:lnTo>
+                  <a:pt x="0" y="6858000"/>
+                </a:lnTo>
+                <a:close/>
+              </a:path>
+            </a:pathLst>
+          </a:custGeom>
+        </p:spPr>
+      </p:pic>
+    </p:spTree>
+    <p:extLst>
+      <p:ext uri="{BB962C8B-B14F-4D97-AF65-F5344CB8AC3E}">
+        <p14:creationId xmlns:p14="http://schemas.microsoft.com/office/powerpoint/2010/main" val="3486705944"/>
+      </p:ext>
+    </p:extLst>
+  </p:cSld>
+  <p:clrMapOvr>
+    <a:overrideClrMapping bg1="dk1" tx1="lt1" bg2="dk2" tx2="lt2" accent1="accent1" accent2="accent2" accent3="accent3" accent4="accent4" accent5="accent5" accent6="accent6" hlink="hlink" folHlink="folHlink"/>
+  </p:clrMapOvr>
+</p:sld>
+</file>
+
+<file path=ppt/slides/slide11.xml><?xml version="1.0" encoding="utf-8"?>
+<p:sld xmlns:a="http://schemas.openxmlformats.org/drawingml/2006/main" xmlns:r="http://schemas.openxmlformats.org/officeDocument/2006/relationships" xmlns:p="http://schemas.openxmlformats.org/presentationml/2006/main">
+  <p:cSld>
+    <p:spTree>
+      <p:nvGrpSpPr>
+        <p:cNvPr id="1" name=""/>
+        <p:cNvGrpSpPr/>
+        <p:nvPr/>
+      </p:nvGrpSpPr>
+      <p:grpSpPr>
+        <a:xfrm>
+          <a:off x="0" y="0"/>
+          <a:ext cx="0" cy="0"/>
+          <a:chOff x="0" y="0"/>
+          <a:chExt cx="0" cy="0"/>
+        </a:xfrm>
+      </p:grpSpPr>
+      <p:sp>
+        <p:nvSpPr>
+          <p:cNvPr id="2" name="Title 1">
+            <a:extLst>
+              <a:ext uri="{FF2B5EF4-FFF2-40B4-BE49-F238E27FC236}">
                 <a16:creationId xmlns:a16="http://schemas.microsoft.com/office/drawing/2014/main" id="{60DF1081-9D6E-4F5F-8A60-F01894F3D8FF}"/>
               </a:ext>
             </a:extLst>
@@ -3721,7 +4007,7 @@
 </p:sld>
 </file>
 
-<file path=ppt/slides/slide11.xml><?xml version="1.0" encoding="utf-8"?>
+<file path=ppt/slides/slide12.xml><?xml version="1.0" encoding="utf-8"?>
 <p:sld xmlns:a="http://schemas.openxmlformats.org/drawingml/2006/main" xmlns:r="http://schemas.openxmlformats.org/officeDocument/2006/relationships" xmlns:p="http://schemas.openxmlformats.org/presentationml/2006/main">
   <p:cSld>
     <p:bg>
@@ -4791,7 +5077,7 @@
         </p:blipFill>
         <p:spPr>
           <a:xfrm>
-            <a:off x="-3047" y="10"/>
+            <a:off x="30480" y="0"/>
             <a:ext cx="12191999" cy="6857990"/>
           </a:xfrm>
           <a:prstGeom prst="rect">
@@ -4908,8 +5194,8 @@
         </p:nvSpPr>
         <p:spPr>
           <a:xfrm>
-            <a:off x="1097280" y="325550"/>
-            <a:ext cx="10058400" cy="3574778"/>
+            <a:off x="1097280" y="288324"/>
+            <a:ext cx="10058400" cy="1977081"/>
           </a:xfrm>
           <a:effectLst>
             <a:outerShdw blurRad="50800" dist="38100" dir="2700000" algn="tl" rotWithShape="0">
@@ -4921,42 +5207,61 @@
         </p:spPr>
         <p:txBody>
           <a:bodyPr>
-            <a:normAutofit/>
+            <a:normAutofit fontScale="90000"/>
           </a:bodyPr>
           <a:lstStyle/>
           <a:p>
             <a:r>
-              <a:rPr lang="en-US" sz="5200" dirty="0">
+              <a:rPr lang="en-US" sz="2400" b="1" dirty="0">
                 <a:solidFill>
-                  <a:srgbClr val="FFFFFF"/>
+                  <a:schemeClr val="bg1"/>
                 </a:solidFill>
+                <a:effectLst/>
+                <a:latin typeface="Helvetica" panose="020B0604020202020204" pitchFamily="34" charset="0"/>
+                <a:ea typeface="Times New Roman" panose="02020603050405020304" pitchFamily="18" charset="0"/>
               </a:rPr>
-              <a:t>Intro</a:t>
-            </a:r>
-          </a:p>
-        </p:txBody>
-      </p:sp>
-      <p:sp>
-        <p:nvSpPr>
-          <p:cNvPr id="3" name="Subtitle 2">
-            <a:extLst>
-              <a:ext uri="{FF2B5EF4-FFF2-40B4-BE49-F238E27FC236}">
-                <a16:creationId xmlns:a16="http://schemas.microsoft.com/office/drawing/2014/main" id="{39742540-99B5-4058-92BF-D2C181E9C1E9}"/>
-              </a:ext>
-            </a:extLst>
-          </p:cNvPr>
-          <p:cNvSpPr>
-            <a:spLocks noGrp="1"/>
-          </p:cNvSpPr>
-          <p:nvPr>
-            <p:ph type="subTitle" idx="1"/>
-          </p:nvPr>
+              <a:t>Covid 19 has negatively impacted the restaurant industry, but how has it impacted one specific location of the CFA restaurant chain?  This project will analyze data from a CFA location in Charleston, SC.   CFA has given access to unlimited data but due to the time constraints of this project the we will only be considering a few questions.</a:t>
+            </a:r>
+            <a:br>
+              <a:rPr lang="en-US" sz="2400" b="1" i="1" dirty="0">
+                <a:solidFill>
+                  <a:schemeClr val="bg1"/>
+                </a:solidFill>
+                <a:effectLst/>
+                <a:latin typeface="Helvetica" panose="020B0604020202020204" pitchFamily="34" charset="0"/>
+                <a:ea typeface="Times New Roman" panose="02020603050405020304" pitchFamily="18" charset="0"/>
+              </a:rPr>
+            </a:br>
+            <a:endParaRPr lang="en-US" sz="2400" b="1" i="1" dirty="0">
+              <a:solidFill>
+                <a:schemeClr val="bg1"/>
+              </a:solidFill>
+            </a:endParaRPr>
+          </a:p>
+        </p:txBody>
+      </p:sp>
+      <p:sp>
+        <p:nvSpPr>
+          <p:cNvPr id="7" name="Title 1">
+            <a:extLst>
+              <a:ext uri="{FF2B5EF4-FFF2-40B4-BE49-F238E27FC236}">
+                <a16:creationId xmlns:a16="http://schemas.microsoft.com/office/drawing/2014/main" id="{1829CD57-F64C-426E-9ACA-6961A0995425}"/>
+              </a:ext>
+            </a:extLst>
+          </p:cNvPr>
+          <p:cNvSpPr txBox="1">
+            <a:spLocks/>
+          </p:cNvSpPr>
+          <p:nvPr/>
         </p:nvSpPr>
         <p:spPr>
           <a:xfrm>
-            <a:off x="1100051" y="4072043"/>
-            <a:ext cx="10058400" cy="1282707"/>
+            <a:off x="4053017" y="2108738"/>
+            <a:ext cx="6801982" cy="2265406"/>
           </a:xfrm>
+          <a:prstGeom prst="rect">
+            <a:avLst/>
+          </a:prstGeom>
           <a:effectLst>
             <a:outerShdw blurRad="50800" dist="38100" dir="2700000" algn="tl" rotWithShape="0">
               <a:prstClr val="black">
@@ -4966,14 +5271,80 @@
           </a:effectLst>
         </p:spPr>
         <p:txBody>
-          <a:bodyPr>
+          <a:bodyPr vert="horz" lIns="91440" tIns="45720" rIns="91440" bIns="45720" rtlCol="0" anchor="b">
             <a:normAutofit/>
           </a:bodyPr>
-          <a:lstStyle/>
-          <a:p>
-            <a:endParaRPr lang="en-US" dirty="0">
+          <a:lstStyle>
+            <a:lvl1pPr algn="ctr" defTabSz="914400" rtl="0" eaLnBrk="1" latinLnBrk="0" hangingPunct="1">
+              <a:lnSpc>
+                <a:spcPct val="90000"/>
+              </a:lnSpc>
+              <a:spcBef>
+                <a:spcPct val="0"/>
+              </a:spcBef>
+              <a:buNone/>
+              <a:defRPr sz="6000" kern="1200">
+                <a:solidFill>
+                  <a:schemeClr val="tx1"/>
+                </a:solidFill>
+                <a:latin typeface="+mj-lt"/>
+                <a:ea typeface="+mj-ea"/>
+                <a:cs typeface="+mj-cs"/>
+              </a:defRPr>
+            </a:lvl1pPr>
+          </a:lstStyle>
+          <a:p>
+            <a:r>
+              <a:rPr lang="en-US" sz="2400" b="1" i="1" dirty="0">
+                <a:solidFill>
+                  <a:schemeClr val="bg1"/>
+                </a:solidFill>
+                <a:latin typeface="Helvetica" panose="020B0604020202020204" pitchFamily="34" charset="0"/>
+                <a:ea typeface="Times New Roman" panose="02020603050405020304" pitchFamily="18" charset="0"/>
+              </a:rPr>
+              <a:t>How successful has CFA evolved to fit the new norm of drive-thru only?</a:t>
+            </a:r>
+          </a:p>
+          <a:p>
+            <a:endParaRPr lang="en-US" sz="2400" b="1" i="1" dirty="0">
               <a:solidFill>
-                <a:srgbClr val="FFFFFF"/>
+                <a:schemeClr val="bg1"/>
+              </a:solidFill>
+              <a:latin typeface="Helvetica" panose="020B0604020202020204" pitchFamily="34" charset="0"/>
+            </a:endParaRPr>
+          </a:p>
+          <a:p>
+            <a:r>
+              <a:rPr lang="en-US" sz="2400" b="1" i="1" dirty="0">
+                <a:solidFill>
+                  <a:schemeClr val="bg1"/>
+                </a:solidFill>
+                <a:latin typeface="Helvetica" panose="020B0604020202020204" pitchFamily="34" charset="0"/>
+              </a:rPr>
+              <a:t>How have labor cost been affected by Covid?</a:t>
+            </a:r>
+          </a:p>
+          <a:p>
+            <a:endParaRPr lang="en-US" sz="2400" b="1" i="1" dirty="0">
+              <a:solidFill>
+                <a:schemeClr val="bg1"/>
+              </a:solidFill>
+              <a:latin typeface="Helvetica" panose="020B0604020202020204" pitchFamily="34" charset="0"/>
+            </a:endParaRPr>
+          </a:p>
+          <a:p>
+            <a:r>
+              <a:rPr lang="en-US" sz="2400" b="1" i="1" dirty="0">
+                <a:solidFill>
+                  <a:schemeClr val="bg1"/>
+                </a:solidFill>
+                <a:latin typeface="Helvetica" panose="020B0604020202020204" pitchFamily="34" charset="0"/>
+              </a:rPr>
+              <a:t>How has ordering changed during Covid?</a:t>
+            </a:r>
+            <a:endParaRPr lang="en-US" sz="2400" b="1" i="1" dirty="0">
+              <a:solidFill>
+                <a:schemeClr val="bg1"/>
               </a:solidFill>
             </a:endParaRPr>
           </a:p>
@@ -5122,7 +5493,7 @@
                   <a:schemeClr val="bg1"/>
                 </a:solidFill>
               </a:rPr>
-              <a:t>Methods</a:t>
+              <a:t>Methods of Analysis used for this project:</a:t>
             </a:r>
           </a:p>
         </p:txBody>
@@ -5207,7 +5578,90 @@
           </a:bodyPr>
           <a:lstStyle/>
           <a:p>
-            <a:endParaRPr lang="en-US" sz="2400">
+            <a:r>
+              <a:rPr lang="en-US" sz="2400" dirty="0">
+                <a:solidFill>
+                  <a:schemeClr val="bg1"/>
+                </a:solidFill>
+              </a:rPr>
+              <a:t>Objective 1 – We used the </a:t>
+            </a:r>
+            <a:r>
+              <a:rPr lang="en-US" sz="2400" dirty="0" err="1">
+                <a:solidFill>
+                  <a:schemeClr val="bg1"/>
+                </a:solidFill>
+              </a:rPr>
+              <a:t>anova</a:t>
+            </a:r>
+            <a:r>
+              <a:rPr lang="en-US" sz="2400" dirty="0">
+                <a:solidFill>
+                  <a:schemeClr val="bg1"/>
+                </a:solidFill>
+              </a:rPr>
+              <a:t> analysis and the following variables: Sales, NormDT, 3rdParty and Time.</a:t>
+            </a:r>
+          </a:p>
+          <a:p>
+            <a:endParaRPr lang="en-US" sz="2400" dirty="0">
+              <a:solidFill>
+                <a:schemeClr val="bg1"/>
+              </a:solidFill>
+            </a:endParaRPr>
+          </a:p>
+          <a:p>
+            <a:r>
+              <a:rPr lang="en-US" sz="2400" dirty="0">
+                <a:solidFill>
+                  <a:schemeClr val="bg1"/>
+                </a:solidFill>
+              </a:rPr>
+              <a:t>Objective 2 – We used a linear regression analysis using the variables Productivity and Time.</a:t>
+            </a:r>
+          </a:p>
+          <a:p>
+            <a:endParaRPr lang="en-US" sz="2400" dirty="0">
+              <a:solidFill>
+                <a:schemeClr val="bg1"/>
+              </a:solidFill>
+            </a:endParaRPr>
+          </a:p>
+          <a:p>
+            <a:r>
+              <a:rPr lang="en-US" sz="2400" dirty="0">
+                <a:solidFill>
+                  <a:schemeClr val="bg1"/>
+                </a:solidFill>
+              </a:rPr>
+              <a:t>Objective 3 – We used the </a:t>
+            </a:r>
+            <a:r>
+              <a:rPr lang="en-US" sz="2400" dirty="0" err="1">
+                <a:solidFill>
+                  <a:schemeClr val="bg1"/>
+                </a:solidFill>
+              </a:rPr>
+              <a:t>manova</a:t>
+            </a:r>
+            <a:r>
+              <a:rPr lang="en-US" sz="2400" dirty="0">
+                <a:solidFill>
+                  <a:schemeClr val="bg1"/>
+                </a:solidFill>
+              </a:rPr>
+              <a:t> analysis and looked at the following variables: MobCO, MobDI, DineIn, Catering, CarryO, NormDT, 3rdParty, and Time.</a:t>
+            </a:r>
+          </a:p>
+          <a:p>
+            <a:endParaRPr lang="en-US" sz="2400" dirty="0">
+              <a:solidFill>
+                <a:schemeClr val="bg1"/>
+              </a:solidFill>
+            </a:endParaRPr>
+          </a:p>
+          <a:p>
+            <a:endParaRPr lang="en-US" sz="2400" dirty="0">
               <a:solidFill>
                 <a:schemeClr val="bg1"/>
               </a:solidFill>
@@ -5234,7 +5688,10 @@
     <p:bg>
       <p:bgPr>
         <a:solidFill>
-          <a:schemeClr val="bg1"/>
+          <a:schemeClr val="tx1">
+            <a:lumMod val="75000"/>
+            <a:lumOff val="25000"/>
+          </a:schemeClr>
         </a:solidFill>
         <a:effectLst/>
       </p:bgPr>
@@ -5255,1183 +5712,10 @@
       </p:grpSpPr>
       <p:sp>
         <p:nvSpPr>
-          <p:cNvPr id="15" name="Freeform 5">
-            <a:extLst>
-              <a:ext uri="{FF2B5EF4-FFF2-40B4-BE49-F238E27FC236}">
-                <a16:creationId xmlns:a16="http://schemas.microsoft.com/office/drawing/2014/main" id="{07322A9E-F1EC-405E-8971-BA906EFFCCB8}"/>
-              </a:ext>
-              <a:ext uri="{C183D7F6-B498-43B3-948B-1728B52AA6E4}">
-                <adec:decorative xmlns:adec="http://schemas.microsoft.com/office/drawing/2017/decorative" val="1"/>
-              </a:ext>
-            </a:extLst>
-          </p:cNvPr>
-          <p:cNvSpPr>
-            <a:spLocks noGrp="1" noRot="1" noChangeAspect="1" noMove="1" noResize="1" noEditPoints="1" noAdjustHandles="1" noChangeArrowheads="1" noChangeShapeType="1" noTextEdit="1"/>
-          </p:cNvSpPr>
-          <p:nvPr>
-            <p:extLst>
-              <p:ext uri="{386F3935-93C4-4BCD-93E2-E3B085C9AB24}">
-                <p16:designElem xmlns:p16="http://schemas.microsoft.com/office/powerpoint/2015/main" val="1"/>
-              </p:ext>
-            </p:extLst>
-          </p:nvPr>
-        </p:nvSpPr>
-        <p:spPr bwMode="auto">
-          <a:xfrm>
-            <a:off x="-329674" y="1290909"/>
-            <a:ext cx="9702800" cy="5573512"/>
-          </a:xfrm>
-          <a:custGeom>
-            <a:avLst/>
-            <a:gdLst>
-              <a:gd name="T0" fmla="*/ 1752 w 2038"/>
-              <a:gd name="T1" fmla="*/ 1169 h 1169"/>
-              <a:gd name="T2" fmla="*/ 1487 w 2038"/>
-              <a:gd name="T3" fmla="*/ 334 h 1169"/>
-              <a:gd name="T4" fmla="*/ 860 w 2038"/>
-              <a:gd name="T5" fmla="*/ 22 h 1169"/>
-              <a:gd name="T6" fmla="*/ 199 w 2038"/>
-              <a:gd name="T7" fmla="*/ 318 h 1169"/>
-              <a:gd name="T8" fmla="*/ 399 w 2038"/>
-              <a:gd name="T9" fmla="*/ 1165 h 1169"/>
-            </a:gdLst>
-            <a:ahLst/>
-            <a:cxnLst>
-              <a:cxn ang="0">
-                <a:pos x="T0" y="T1"/>
-              </a:cxn>
-              <a:cxn ang="0">
-                <a:pos x="T2" y="T3"/>
-              </a:cxn>
-              <a:cxn ang="0">
-                <a:pos x="T4" y="T5"/>
-              </a:cxn>
-              <a:cxn ang="0">
-                <a:pos x="T6" y="T7"/>
-              </a:cxn>
-              <a:cxn ang="0">
-                <a:pos x="T8" y="T9"/>
-              </a:cxn>
-            </a:cxnLst>
-            <a:rect l="0" t="0" r="r" b="b"/>
-            <a:pathLst>
-              <a:path w="2038" h="1169">
-                <a:moveTo>
-                  <a:pt x="1752" y="1169"/>
-                </a:moveTo>
-                <a:cubicBezTo>
-                  <a:pt x="2038" y="928"/>
-                  <a:pt x="1673" y="513"/>
-                  <a:pt x="1487" y="334"/>
-                </a:cubicBezTo>
-                <a:cubicBezTo>
-                  <a:pt x="1316" y="170"/>
-                  <a:pt x="1099" y="43"/>
-                  <a:pt x="860" y="22"/>
-                </a:cubicBezTo>
-                <a:cubicBezTo>
-                  <a:pt x="621" y="0"/>
-                  <a:pt x="341" y="128"/>
-                  <a:pt x="199" y="318"/>
-                </a:cubicBezTo>
-                <a:cubicBezTo>
-                  <a:pt x="0" y="586"/>
-                  <a:pt x="184" y="965"/>
-                  <a:pt x="399" y="1165"/>
-                </a:cubicBezTo>
-              </a:path>
-            </a:pathLst>
-          </a:custGeom>
-          <a:noFill/>
-          <a:ln w="9525" cap="flat">
-            <a:solidFill>
-              <a:schemeClr val="tx1">
-                <a:alpha val="20000"/>
-              </a:schemeClr>
-            </a:solidFill>
-            <a:prstDash val="solid"/>
-            <a:miter lim="800000"/>
-            <a:headEnd/>
-            <a:tailEnd/>
-          </a:ln>
-          <a:extLst>
-            <a:ext uri="{909E8E84-426E-40DD-AFC4-6F175D3DCCD1}">
-              <a14:hiddenFill xmlns:a14="http://schemas.microsoft.com/office/drawing/2010/main">
-                <a:solidFill>
-                  <a:srgbClr val="FFFFFF"/>
-                </a:solidFill>
-              </a14:hiddenFill>
-            </a:ext>
-          </a:extLst>
-        </p:spPr>
-        <p:txBody>
-          <a:bodyPr vert="horz" wrap="square" lIns="91440" tIns="45720" rIns="91440" bIns="45720" numCol="1" anchor="t" anchorCtr="0" compatLnSpc="1">
-            <a:prstTxWarp prst="textNoShape">
-              <a:avLst/>
-            </a:prstTxWarp>
-          </a:bodyPr>
-          <a:lstStyle/>
-          <a:p>
-            <a:endParaRPr lang="en-US"/>
-          </a:p>
-        </p:txBody>
-      </p:sp>
-      <p:sp>
-        <p:nvSpPr>
-          <p:cNvPr id="17" name="Freeform 6">
-            <a:extLst>
-              <a:ext uri="{FF2B5EF4-FFF2-40B4-BE49-F238E27FC236}">
-                <a16:creationId xmlns:a16="http://schemas.microsoft.com/office/drawing/2014/main" id="{A5704422-1118-4FD1-95AD-29A064EB80D9}"/>
-              </a:ext>
-              <a:ext uri="{C183D7F6-B498-43B3-948B-1728B52AA6E4}">
-                <adec:decorative xmlns:adec="http://schemas.microsoft.com/office/drawing/2017/decorative" val="1"/>
-              </a:ext>
-            </a:extLst>
-          </p:cNvPr>
-          <p:cNvSpPr>
-            <a:spLocks noGrp="1" noRot="1" noChangeAspect="1" noMove="1" noResize="1" noEditPoints="1" noAdjustHandles="1" noChangeArrowheads="1" noChangeShapeType="1" noTextEdit="1"/>
-          </p:cNvSpPr>
-          <p:nvPr>
-            <p:extLst>
-              <p:ext uri="{386F3935-93C4-4BCD-93E2-E3B085C9AB24}">
-                <p16:designElem xmlns:p16="http://schemas.microsoft.com/office/powerpoint/2015/main" val="1"/>
-              </p:ext>
-            </p:extLst>
-          </p:nvPr>
-        </p:nvSpPr>
-        <p:spPr bwMode="auto">
-          <a:xfrm>
-            <a:off x="670451" y="2010741"/>
-            <a:ext cx="7373938" cy="4848892"/>
-          </a:xfrm>
-          <a:custGeom>
-            <a:avLst/>
-            <a:gdLst>
-              <a:gd name="T0" fmla="*/ 1025 w 1549"/>
-              <a:gd name="T1" fmla="*/ 1016 h 1017"/>
-              <a:gd name="T2" fmla="*/ 1443 w 1549"/>
-              <a:gd name="T3" fmla="*/ 592 h 1017"/>
-              <a:gd name="T4" fmla="*/ 782 w 1549"/>
-              <a:gd name="T5" fmla="*/ 53 h 1017"/>
-              <a:gd name="T6" fmla="*/ 150 w 1549"/>
-              <a:gd name="T7" fmla="*/ 329 h 1017"/>
-              <a:gd name="T8" fmla="*/ 477 w 1549"/>
-              <a:gd name="T9" fmla="*/ 1017 h 1017"/>
-            </a:gdLst>
-            <a:ahLst/>
-            <a:cxnLst>
-              <a:cxn ang="0">
-                <a:pos x="T0" y="T1"/>
-              </a:cxn>
-              <a:cxn ang="0">
-                <a:pos x="T2" y="T3"/>
-              </a:cxn>
-              <a:cxn ang="0">
-                <a:pos x="T4" y="T5"/>
-              </a:cxn>
-              <a:cxn ang="0">
-                <a:pos x="T6" y="T7"/>
-              </a:cxn>
-              <a:cxn ang="0">
-                <a:pos x="T8" y="T9"/>
-              </a:cxn>
-            </a:cxnLst>
-            <a:rect l="0" t="0" r="r" b="b"/>
-            <a:pathLst>
-              <a:path w="1549" h="1017">
-                <a:moveTo>
-                  <a:pt x="1025" y="1016"/>
-                </a:moveTo>
-                <a:cubicBezTo>
-                  <a:pt x="1223" y="971"/>
-                  <a:pt x="1549" y="857"/>
-                  <a:pt x="1443" y="592"/>
-                </a:cubicBezTo>
-                <a:cubicBezTo>
-                  <a:pt x="1344" y="344"/>
-                  <a:pt x="1041" y="111"/>
-                  <a:pt x="782" y="53"/>
-                </a:cubicBezTo>
-                <a:cubicBezTo>
-                  <a:pt x="545" y="0"/>
-                  <a:pt x="275" y="117"/>
-                  <a:pt x="150" y="329"/>
-                </a:cubicBezTo>
-                <a:cubicBezTo>
-                  <a:pt x="0" y="584"/>
-                  <a:pt x="243" y="911"/>
-                  <a:pt x="477" y="1017"/>
-                </a:cubicBezTo>
-              </a:path>
-            </a:pathLst>
-          </a:custGeom>
-          <a:noFill/>
-          <a:ln w="9525" cap="flat">
-            <a:solidFill>
-              <a:schemeClr val="tx1">
-                <a:alpha val="20000"/>
-              </a:schemeClr>
-            </a:solidFill>
-            <a:prstDash val="solid"/>
-            <a:miter lim="800000"/>
-            <a:headEnd/>
-            <a:tailEnd/>
-          </a:ln>
-          <a:extLst>
-            <a:ext uri="{909E8E84-426E-40DD-AFC4-6F175D3DCCD1}">
-              <a14:hiddenFill xmlns:a14="http://schemas.microsoft.com/office/drawing/2010/main">
-                <a:solidFill>
-                  <a:srgbClr val="FFFFFF"/>
-                </a:solidFill>
-              </a14:hiddenFill>
-            </a:ext>
-          </a:extLst>
-        </p:spPr>
-        <p:txBody>
-          <a:bodyPr vert="horz" wrap="square" lIns="91440" tIns="45720" rIns="91440" bIns="45720" numCol="1" anchor="t" anchorCtr="0" compatLnSpc="1">
-            <a:prstTxWarp prst="textNoShape">
-              <a:avLst/>
-            </a:prstTxWarp>
-          </a:bodyPr>
-          <a:lstStyle/>
-          <a:p>
-            <a:endParaRPr lang="en-US"/>
-          </a:p>
-        </p:txBody>
-      </p:sp>
-      <p:sp>
-        <p:nvSpPr>
-          <p:cNvPr id="19" name="Freeform 7">
-            <a:extLst>
-              <a:ext uri="{FF2B5EF4-FFF2-40B4-BE49-F238E27FC236}">
-                <a16:creationId xmlns:a16="http://schemas.microsoft.com/office/drawing/2014/main" id="{A88B2AAA-B805-498E-A9E6-98B885855498}"/>
-              </a:ext>
-              <a:ext uri="{C183D7F6-B498-43B3-948B-1728B52AA6E4}">
-                <adec:decorative xmlns:adec="http://schemas.microsoft.com/office/drawing/2017/decorative" val="1"/>
-              </a:ext>
-            </a:extLst>
-          </p:cNvPr>
-          <p:cNvSpPr>
-            <a:spLocks noGrp="1" noRot="1" noChangeAspect="1" noMove="1" noResize="1" noEditPoints="1" noAdjustHandles="1" noChangeArrowheads="1" noChangeShapeType="1" noTextEdit="1"/>
-          </p:cNvSpPr>
-          <p:nvPr>
-            <p:extLst>
-              <p:ext uri="{386F3935-93C4-4BCD-93E2-E3B085C9AB24}">
-                <p16:designElem xmlns:p16="http://schemas.microsoft.com/office/powerpoint/2015/main" val="1"/>
-              </p:ext>
-            </p:extLst>
-          </p:nvPr>
-        </p:nvSpPr>
-        <p:spPr bwMode="auto">
-          <a:xfrm>
-            <a:off x="251351" y="1780905"/>
-            <a:ext cx="8035925" cy="5083516"/>
-          </a:xfrm>
-          <a:custGeom>
-            <a:avLst/>
-            <a:gdLst>
-              <a:gd name="T0" fmla="*/ 1302 w 1688"/>
-              <a:gd name="T1" fmla="*/ 1066 h 1066"/>
-              <a:gd name="T2" fmla="*/ 1613 w 1688"/>
-              <a:gd name="T3" fmla="*/ 850 h 1066"/>
-              <a:gd name="T4" fmla="*/ 1517 w 1688"/>
-              <a:gd name="T5" fmla="*/ 471 h 1066"/>
-              <a:gd name="T6" fmla="*/ 798 w 1688"/>
-              <a:gd name="T7" fmla="*/ 28 h 1066"/>
-              <a:gd name="T8" fmla="*/ 181 w 1688"/>
-              <a:gd name="T9" fmla="*/ 333 h 1066"/>
-              <a:gd name="T10" fmla="*/ 420 w 1688"/>
-              <a:gd name="T11" fmla="*/ 1066 h 1066"/>
-            </a:gdLst>
-            <a:ahLst/>
-            <a:cxnLst>
-              <a:cxn ang="0">
-                <a:pos x="T0" y="T1"/>
-              </a:cxn>
-              <a:cxn ang="0">
-                <a:pos x="T2" y="T3"/>
-              </a:cxn>
-              <a:cxn ang="0">
-                <a:pos x="T4" y="T5"/>
-              </a:cxn>
-              <a:cxn ang="0">
-                <a:pos x="T6" y="T7"/>
-              </a:cxn>
-              <a:cxn ang="0">
-                <a:pos x="T8" y="T9"/>
-              </a:cxn>
-              <a:cxn ang="0">
-                <a:pos x="T10" y="T11"/>
-              </a:cxn>
-            </a:cxnLst>
-            <a:rect l="0" t="0" r="r" b="b"/>
-            <a:pathLst>
-              <a:path w="1688" h="1066">
-                <a:moveTo>
-                  <a:pt x="1302" y="1066"/>
-                </a:moveTo>
-                <a:cubicBezTo>
-                  <a:pt x="1416" y="1024"/>
-                  <a:pt x="1551" y="962"/>
-                  <a:pt x="1613" y="850"/>
-                </a:cubicBezTo>
-                <a:cubicBezTo>
-                  <a:pt x="1688" y="715"/>
-                  <a:pt x="1606" y="575"/>
-                  <a:pt x="1517" y="471"/>
-                </a:cubicBezTo>
-                <a:cubicBezTo>
-                  <a:pt x="1336" y="258"/>
-                  <a:pt x="1084" y="62"/>
-                  <a:pt x="798" y="28"/>
-                </a:cubicBezTo>
-                <a:cubicBezTo>
-                  <a:pt x="559" y="0"/>
-                  <a:pt x="317" y="138"/>
-                  <a:pt x="181" y="333"/>
-                </a:cubicBezTo>
-                <a:cubicBezTo>
-                  <a:pt x="0" y="592"/>
-                  <a:pt x="191" y="907"/>
-                  <a:pt x="420" y="1066"/>
-                </a:cubicBezTo>
-              </a:path>
-            </a:pathLst>
-          </a:custGeom>
-          <a:noFill/>
-          <a:ln w="9525" cap="flat">
-            <a:solidFill>
-              <a:schemeClr val="tx1">
-                <a:alpha val="20000"/>
-              </a:schemeClr>
-            </a:solidFill>
-            <a:prstDash val="dash"/>
-            <a:miter lim="800000"/>
-            <a:headEnd/>
-            <a:tailEnd/>
-          </a:ln>
-          <a:extLst>
-            <a:ext uri="{909E8E84-426E-40DD-AFC4-6F175D3DCCD1}">
-              <a14:hiddenFill xmlns:a14="http://schemas.microsoft.com/office/drawing/2010/main">
-                <a:solidFill>
-                  <a:srgbClr val="FFFFFF"/>
-                </a:solidFill>
-              </a14:hiddenFill>
-            </a:ext>
-          </a:extLst>
-        </p:spPr>
-        <p:txBody>
-          <a:bodyPr vert="horz" wrap="square" lIns="91440" tIns="45720" rIns="91440" bIns="45720" numCol="1" anchor="t" anchorCtr="0" compatLnSpc="1">
-            <a:prstTxWarp prst="textNoShape">
-              <a:avLst/>
-            </a:prstTxWarp>
-          </a:bodyPr>
-          <a:lstStyle/>
-          <a:p>
-            <a:endParaRPr lang="en-US"/>
-          </a:p>
-        </p:txBody>
-      </p:sp>
-      <p:sp>
-        <p:nvSpPr>
-          <p:cNvPr id="21" name="Freeform 8">
-            <a:extLst>
-              <a:ext uri="{FF2B5EF4-FFF2-40B4-BE49-F238E27FC236}">
-                <a16:creationId xmlns:a16="http://schemas.microsoft.com/office/drawing/2014/main" id="{9B8051E0-19D7-43E1-BFD9-E6DBFEB3A3F1}"/>
-              </a:ext>
-              <a:ext uri="{C183D7F6-B498-43B3-948B-1728B52AA6E4}">
-                <adec:decorative xmlns:adec="http://schemas.microsoft.com/office/drawing/2017/decorative" val="1"/>
-              </a:ext>
-            </a:extLst>
-          </p:cNvPr>
-          <p:cNvSpPr>
-            <a:spLocks noGrp="1" noRot="1" noChangeAspect="1" noMove="1" noResize="1" noEditPoints="1" noAdjustHandles="1" noChangeArrowheads="1" noChangeShapeType="1" noTextEdit="1"/>
-          </p:cNvSpPr>
-          <p:nvPr>
-            <p:extLst>
-              <p:ext uri="{386F3935-93C4-4BCD-93E2-E3B085C9AB24}">
-                <p16:designElem xmlns:p16="http://schemas.microsoft.com/office/powerpoint/2015/main" val="1"/>
-              </p:ext>
-            </p:extLst>
-          </p:nvPr>
-        </p:nvSpPr>
-        <p:spPr bwMode="auto">
-          <a:xfrm>
-            <a:off x="-1061" y="542347"/>
-            <a:ext cx="10334625" cy="6322075"/>
-          </a:xfrm>
-          <a:custGeom>
-            <a:avLst/>
-            <a:gdLst>
-              <a:gd name="T0" fmla="*/ 1873 w 2171"/>
-              <a:gd name="T1" fmla="*/ 1326 h 1326"/>
-              <a:gd name="T2" fmla="*/ 1609 w 2171"/>
-              <a:gd name="T3" fmla="*/ 473 h 1326"/>
-              <a:gd name="T4" fmla="*/ 880 w 2171"/>
-              <a:gd name="T5" fmla="*/ 63 h 1326"/>
-              <a:gd name="T6" fmla="*/ 0 w 2171"/>
-              <a:gd name="T7" fmla="*/ 423 h 1326"/>
-            </a:gdLst>
-            <a:ahLst/>
-            <a:cxnLst>
-              <a:cxn ang="0">
-                <a:pos x="T0" y="T1"/>
-              </a:cxn>
-              <a:cxn ang="0">
-                <a:pos x="T2" y="T3"/>
-              </a:cxn>
-              <a:cxn ang="0">
-                <a:pos x="T4" y="T5"/>
-              </a:cxn>
-              <a:cxn ang="0">
-                <a:pos x="T6" y="T7"/>
-              </a:cxn>
-            </a:cxnLst>
-            <a:rect l="0" t="0" r="r" b="b"/>
-            <a:pathLst>
-              <a:path w="2171" h="1326">
-                <a:moveTo>
-                  <a:pt x="1873" y="1326"/>
-                </a:moveTo>
-                <a:cubicBezTo>
-                  <a:pt x="2171" y="1045"/>
-                  <a:pt x="1825" y="678"/>
-                  <a:pt x="1609" y="473"/>
-                </a:cubicBezTo>
-                <a:cubicBezTo>
-                  <a:pt x="1406" y="281"/>
-                  <a:pt x="1159" y="116"/>
-                  <a:pt x="880" y="63"/>
-                </a:cubicBezTo>
-                <a:cubicBezTo>
-                  <a:pt x="545" y="0"/>
-                  <a:pt x="214" y="161"/>
-                  <a:pt x="0" y="423"/>
-                </a:cubicBezTo>
-              </a:path>
-            </a:pathLst>
-          </a:custGeom>
-          <a:noFill/>
-          <a:ln w="9525" cap="flat">
-            <a:solidFill>
-              <a:schemeClr val="tx1">
-                <a:alpha val="20000"/>
-              </a:schemeClr>
-            </a:solidFill>
-            <a:prstDash val="solid"/>
-            <a:miter lim="800000"/>
-            <a:headEnd/>
-            <a:tailEnd/>
-          </a:ln>
-          <a:extLst>
-            <a:ext uri="{909E8E84-426E-40DD-AFC4-6F175D3DCCD1}">
-              <a14:hiddenFill xmlns:a14="http://schemas.microsoft.com/office/drawing/2010/main">
-                <a:solidFill>
-                  <a:srgbClr val="FFFFFF"/>
-                </a:solidFill>
-              </a14:hiddenFill>
-            </a:ext>
-          </a:extLst>
-        </p:spPr>
-        <p:txBody>
-          <a:bodyPr vert="horz" wrap="square" lIns="91440" tIns="45720" rIns="91440" bIns="45720" numCol="1" anchor="t" anchorCtr="0" compatLnSpc="1">
-            <a:prstTxWarp prst="textNoShape">
-              <a:avLst/>
-            </a:prstTxWarp>
-          </a:bodyPr>
-          <a:lstStyle/>
-          <a:p>
-            <a:endParaRPr lang="en-US"/>
-          </a:p>
-        </p:txBody>
-      </p:sp>
-      <p:sp>
-        <p:nvSpPr>
-          <p:cNvPr id="23" name="Freeform 9">
-            <a:extLst>
-              <a:ext uri="{FF2B5EF4-FFF2-40B4-BE49-F238E27FC236}">
-                <a16:creationId xmlns:a16="http://schemas.microsoft.com/office/drawing/2014/main" id="{4EDB2B02-86A2-46F5-A4BE-B7D9B10411D6}"/>
-              </a:ext>
-              <a:ext uri="{C183D7F6-B498-43B3-948B-1728B52AA6E4}">
-                <adec:decorative xmlns:adec="http://schemas.microsoft.com/office/drawing/2017/decorative" val="1"/>
-              </a:ext>
-            </a:extLst>
-          </p:cNvPr>
-          <p:cNvSpPr>
-            <a:spLocks noGrp="1" noRot="1" noChangeAspect="1" noMove="1" noResize="1" noEditPoints="1" noAdjustHandles="1" noChangeArrowheads="1" noChangeShapeType="1" noTextEdit="1"/>
-          </p:cNvSpPr>
-          <p:nvPr>
-            <p:extLst>
-              <p:ext uri="{386F3935-93C4-4BCD-93E2-E3B085C9AB24}">
-                <p16:designElem xmlns:p16="http://schemas.microsoft.com/office/powerpoint/2015/main" val="1"/>
-              </p:ext>
-            </p:extLst>
-          </p:nvPr>
-        </p:nvSpPr>
-        <p:spPr bwMode="auto">
-          <a:xfrm>
-            <a:off x="3701" y="6178751"/>
-            <a:ext cx="504825" cy="681527"/>
-          </a:xfrm>
-          <a:custGeom>
-            <a:avLst/>
-            <a:gdLst>
-              <a:gd name="T0" fmla="*/ 0 w 106"/>
-              <a:gd name="T1" fmla="*/ 0 h 143"/>
-              <a:gd name="T2" fmla="*/ 106 w 106"/>
-              <a:gd name="T3" fmla="*/ 143 h 143"/>
-            </a:gdLst>
-            <a:ahLst/>
-            <a:cxnLst>
-              <a:cxn ang="0">
-                <a:pos x="T0" y="T1"/>
-              </a:cxn>
-              <a:cxn ang="0">
-                <a:pos x="T2" y="T3"/>
-              </a:cxn>
-            </a:cxnLst>
-            <a:rect l="0" t="0" r="r" b="b"/>
-            <a:pathLst>
-              <a:path w="106" h="143">
-                <a:moveTo>
-                  <a:pt x="0" y="0"/>
-                </a:moveTo>
-                <a:cubicBezTo>
-                  <a:pt x="35" y="54"/>
-                  <a:pt x="70" y="101"/>
-                  <a:pt x="106" y="143"/>
-                </a:cubicBezTo>
-              </a:path>
-            </a:pathLst>
-          </a:custGeom>
-          <a:noFill/>
-          <a:ln w="4763" cap="flat">
-            <a:solidFill>
-              <a:schemeClr val="tx1">
-                <a:alpha val="20000"/>
-              </a:schemeClr>
-            </a:solidFill>
-            <a:prstDash val="solid"/>
-            <a:miter lim="800000"/>
-            <a:headEnd/>
-            <a:tailEnd/>
-          </a:ln>
-          <a:extLst>
-            <a:ext uri="{909E8E84-426E-40DD-AFC4-6F175D3DCCD1}">
-              <a14:hiddenFill xmlns:a14="http://schemas.microsoft.com/office/drawing/2010/main">
-                <a:solidFill>
-                  <a:srgbClr val="FFFFFF"/>
-                </a:solidFill>
-              </a14:hiddenFill>
-            </a:ext>
-          </a:extLst>
-        </p:spPr>
-        <p:txBody>
-          <a:bodyPr vert="horz" wrap="square" lIns="91440" tIns="45720" rIns="91440" bIns="45720" numCol="1" anchor="t" anchorCtr="0" compatLnSpc="1">
-            <a:prstTxWarp prst="textNoShape">
-              <a:avLst/>
-            </a:prstTxWarp>
-          </a:bodyPr>
-          <a:lstStyle/>
-          <a:p>
-            <a:endParaRPr lang="en-US"/>
-          </a:p>
-        </p:txBody>
-      </p:sp>
-      <p:sp>
-        <p:nvSpPr>
-          <p:cNvPr id="25" name="Freeform 10">
-            <a:extLst>
-              <a:ext uri="{FF2B5EF4-FFF2-40B4-BE49-F238E27FC236}">
-                <a16:creationId xmlns:a16="http://schemas.microsoft.com/office/drawing/2014/main" id="{43954639-FB5D-41F4-9560-6F6DFE778425}"/>
-              </a:ext>
-              <a:ext uri="{C183D7F6-B498-43B3-948B-1728B52AA6E4}">
-                <adec:decorative xmlns:adec="http://schemas.microsoft.com/office/drawing/2017/decorative" val="1"/>
-              </a:ext>
-            </a:extLst>
-          </p:cNvPr>
-          <p:cNvSpPr>
-            <a:spLocks noGrp="1" noRot="1" noChangeAspect="1" noMove="1" noResize="1" noEditPoints="1" noAdjustHandles="1" noChangeArrowheads="1" noChangeShapeType="1" noTextEdit="1"/>
-          </p:cNvSpPr>
-          <p:nvPr>
-            <p:extLst>
-              <p:ext uri="{386F3935-93C4-4BCD-93E2-E3B085C9AB24}">
-                <p16:designElem xmlns:p16="http://schemas.microsoft.com/office/powerpoint/2015/main" val="1"/>
-              </p:ext>
-            </p:extLst>
-          </p:nvPr>
-        </p:nvSpPr>
-        <p:spPr bwMode="auto">
-          <a:xfrm>
-            <a:off x="-1061" y="-59376"/>
-            <a:ext cx="11091863" cy="6923796"/>
-          </a:xfrm>
-          <a:custGeom>
-            <a:avLst/>
-            <a:gdLst>
-              <a:gd name="T0" fmla="*/ 2046 w 2330"/>
-              <a:gd name="T1" fmla="*/ 1452 h 1452"/>
-              <a:gd name="T2" fmla="*/ 1813 w 2330"/>
-              <a:gd name="T3" fmla="*/ 601 h 1452"/>
-              <a:gd name="T4" fmla="*/ 956 w 2330"/>
-              <a:gd name="T5" fmla="*/ 97 h 1452"/>
-              <a:gd name="T6" fmla="*/ 0 w 2330"/>
-              <a:gd name="T7" fmla="*/ 366 h 1452"/>
-            </a:gdLst>
-            <a:ahLst/>
-            <a:cxnLst>
-              <a:cxn ang="0">
-                <a:pos x="T0" y="T1"/>
-              </a:cxn>
-              <a:cxn ang="0">
-                <a:pos x="T2" y="T3"/>
-              </a:cxn>
-              <a:cxn ang="0">
-                <a:pos x="T4" y="T5"/>
-              </a:cxn>
-              <a:cxn ang="0">
-                <a:pos x="T6" y="T7"/>
-              </a:cxn>
-            </a:cxnLst>
-            <a:rect l="0" t="0" r="r" b="b"/>
-            <a:pathLst>
-              <a:path w="2330" h="1452">
-                <a:moveTo>
-                  <a:pt x="2046" y="1452"/>
-                </a:moveTo>
-                <a:cubicBezTo>
-                  <a:pt x="2330" y="1153"/>
-                  <a:pt x="2049" y="821"/>
-                  <a:pt x="1813" y="601"/>
-                </a:cubicBezTo>
-                <a:cubicBezTo>
-                  <a:pt x="1569" y="375"/>
-                  <a:pt x="1282" y="179"/>
-                  <a:pt x="956" y="97"/>
-                </a:cubicBezTo>
-                <a:cubicBezTo>
-                  <a:pt x="572" y="0"/>
-                  <a:pt x="292" y="101"/>
-                  <a:pt x="0" y="366"/>
-                </a:cubicBezTo>
-              </a:path>
-            </a:pathLst>
-          </a:custGeom>
-          <a:noFill/>
-          <a:ln w="9525" cap="flat">
-            <a:solidFill>
-              <a:schemeClr val="tx1">
-                <a:alpha val="20000"/>
-              </a:schemeClr>
-            </a:solidFill>
-            <a:prstDash val="solid"/>
-            <a:miter lim="800000"/>
-            <a:headEnd/>
-            <a:tailEnd/>
-          </a:ln>
-          <a:extLst>
-            <a:ext uri="{909E8E84-426E-40DD-AFC4-6F175D3DCCD1}">
-              <a14:hiddenFill xmlns:a14="http://schemas.microsoft.com/office/drawing/2010/main">
-                <a:solidFill>
-                  <a:srgbClr val="FFFFFF"/>
-                </a:solidFill>
-              </a14:hiddenFill>
-            </a:ext>
-          </a:extLst>
-        </p:spPr>
-        <p:txBody>
-          <a:bodyPr vert="horz" wrap="square" lIns="91440" tIns="45720" rIns="91440" bIns="45720" numCol="1" anchor="t" anchorCtr="0" compatLnSpc="1">
-            <a:prstTxWarp prst="textNoShape">
-              <a:avLst/>
-            </a:prstTxWarp>
-          </a:bodyPr>
-          <a:lstStyle/>
-          <a:p>
-            <a:endParaRPr lang="en-US"/>
-          </a:p>
-        </p:txBody>
-      </p:sp>
-      <p:sp>
-        <p:nvSpPr>
-          <p:cNvPr id="27" name="Freeform 12">
-            <a:extLst>
-              <a:ext uri="{FF2B5EF4-FFF2-40B4-BE49-F238E27FC236}">
-                <a16:creationId xmlns:a16="http://schemas.microsoft.com/office/drawing/2014/main" id="{E898931C-0323-41FA-A036-20F818B1FF81}"/>
-              </a:ext>
-              <a:ext uri="{C183D7F6-B498-43B3-948B-1728B52AA6E4}">
-                <adec:decorative xmlns:adec="http://schemas.microsoft.com/office/drawing/2017/decorative" val="1"/>
-              </a:ext>
-            </a:extLst>
-          </p:cNvPr>
-          <p:cNvSpPr>
-            <a:spLocks noGrp="1" noRot="1" noChangeAspect="1" noMove="1" noResize="1" noEditPoints="1" noAdjustHandles="1" noChangeArrowheads="1" noChangeShapeType="1" noTextEdit="1"/>
-          </p:cNvSpPr>
-          <p:nvPr>
-            <p:extLst>
-              <p:ext uri="{386F3935-93C4-4BCD-93E2-E3B085C9AB24}">
-                <p16:designElem xmlns:p16="http://schemas.microsoft.com/office/powerpoint/2015/main" val="1"/>
-              </p:ext>
-            </p:extLst>
-          </p:nvPr>
-        </p:nvSpPr>
-        <p:spPr bwMode="auto">
-          <a:xfrm>
-            <a:off x="-1061" y="-1916"/>
-            <a:ext cx="1057275" cy="614491"/>
-          </a:xfrm>
-          <a:custGeom>
-            <a:avLst/>
-            <a:gdLst>
-              <a:gd name="T0" fmla="*/ 222 w 222"/>
-              <a:gd name="T1" fmla="*/ 0 h 129"/>
-              <a:gd name="T2" fmla="*/ 0 w 222"/>
-              <a:gd name="T3" fmla="*/ 129 h 129"/>
-            </a:gdLst>
-            <a:ahLst/>
-            <a:cxnLst>
-              <a:cxn ang="0">
-                <a:pos x="T0" y="T1"/>
-              </a:cxn>
-              <a:cxn ang="0">
-                <a:pos x="T2" y="T3"/>
-              </a:cxn>
-            </a:cxnLst>
-            <a:rect l="0" t="0" r="r" b="b"/>
-            <a:pathLst>
-              <a:path w="222" h="129">
-                <a:moveTo>
-                  <a:pt x="222" y="0"/>
-                </a:moveTo>
-                <a:cubicBezTo>
-                  <a:pt x="152" y="35"/>
-                  <a:pt x="76" y="78"/>
-                  <a:pt x="0" y="129"/>
-                </a:cubicBezTo>
-              </a:path>
-            </a:pathLst>
-          </a:custGeom>
-          <a:noFill/>
-          <a:ln w="9525" cap="flat">
-            <a:solidFill>
-              <a:schemeClr val="tx1">
-                <a:alpha val="20000"/>
-              </a:schemeClr>
-            </a:solidFill>
-            <a:prstDash val="solid"/>
-            <a:miter lim="800000"/>
-            <a:headEnd/>
-            <a:tailEnd/>
-          </a:ln>
-          <a:extLst>
-            <a:ext uri="{909E8E84-426E-40DD-AFC4-6F175D3DCCD1}">
-              <a14:hiddenFill xmlns:a14="http://schemas.microsoft.com/office/drawing/2010/main">
-                <a:solidFill>
-                  <a:srgbClr val="FFFFFF"/>
-                </a:solidFill>
-              </a14:hiddenFill>
-            </a:ext>
-          </a:extLst>
-        </p:spPr>
-        <p:txBody>
-          <a:bodyPr vert="horz" wrap="square" lIns="91440" tIns="45720" rIns="91440" bIns="45720" numCol="1" anchor="t" anchorCtr="0" compatLnSpc="1">
-            <a:prstTxWarp prst="textNoShape">
-              <a:avLst/>
-            </a:prstTxWarp>
-          </a:bodyPr>
-          <a:lstStyle/>
-          <a:p>
-            <a:endParaRPr lang="en-US"/>
-          </a:p>
-        </p:txBody>
-      </p:sp>
-      <p:sp>
-        <p:nvSpPr>
-          <p:cNvPr id="29" name="Freeform 14">
-            <a:extLst>
-              <a:ext uri="{FF2B5EF4-FFF2-40B4-BE49-F238E27FC236}">
-                <a16:creationId xmlns:a16="http://schemas.microsoft.com/office/drawing/2014/main" id="{89AFE9DD-0792-4B98-B4EB-97ACA17E6AA8}"/>
-              </a:ext>
-              <a:ext uri="{C183D7F6-B498-43B3-948B-1728B52AA6E4}">
-                <adec:decorative xmlns:adec="http://schemas.microsoft.com/office/drawing/2017/decorative" val="1"/>
-              </a:ext>
-            </a:extLst>
-          </p:cNvPr>
-          <p:cNvSpPr>
-            <a:spLocks noGrp="1" noRot="1" noChangeAspect="1" noMove="1" noResize="1" noEditPoints="1" noAdjustHandles="1" noChangeArrowheads="1" noChangeShapeType="1" noTextEdit="1"/>
-          </p:cNvSpPr>
-          <p:nvPr>
-            <p:extLst>
-              <p:ext uri="{386F3935-93C4-4BCD-93E2-E3B085C9AB24}">
-                <p16:designElem xmlns:p16="http://schemas.microsoft.com/office/powerpoint/2015/main" val="1"/>
-              </p:ext>
-            </p:extLst>
-          </p:nvPr>
-        </p:nvSpPr>
-        <p:spPr bwMode="auto">
-          <a:xfrm>
-            <a:off x="3701" y="-6705"/>
-            <a:ext cx="595313" cy="352734"/>
-          </a:xfrm>
-          <a:custGeom>
-            <a:avLst/>
-            <a:gdLst>
-              <a:gd name="T0" fmla="*/ 125 w 125"/>
-              <a:gd name="T1" fmla="*/ 0 h 74"/>
-              <a:gd name="T2" fmla="*/ 0 w 125"/>
-              <a:gd name="T3" fmla="*/ 74 h 74"/>
-            </a:gdLst>
-            <a:ahLst/>
-            <a:cxnLst>
-              <a:cxn ang="0">
-                <a:pos x="T0" y="T1"/>
-              </a:cxn>
-              <a:cxn ang="0">
-                <a:pos x="T2" y="T3"/>
-              </a:cxn>
-            </a:cxnLst>
-            <a:rect l="0" t="0" r="r" b="b"/>
-            <a:pathLst>
-              <a:path w="125" h="74">
-                <a:moveTo>
-                  <a:pt x="125" y="0"/>
-                </a:moveTo>
-                <a:cubicBezTo>
-                  <a:pt x="85" y="22"/>
-                  <a:pt x="43" y="47"/>
-                  <a:pt x="0" y="74"/>
-                </a:cubicBezTo>
-              </a:path>
-            </a:pathLst>
-          </a:custGeom>
-          <a:noFill/>
-          <a:ln w="9525" cap="flat">
-            <a:solidFill>
-              <a:schemeClr val="tx1">
-                <a:alpha val="20000"/>
-              </a:schemeClr>
-            </a:solidFill>
-            <a:prstDash val="dash"/>
-            <a:miter lim="800000"/>
-            <a:headEnd/>
-            <a:tailEnd/>
-          </a:ln>
-          <a:extLst>
-            <a:ext uri="{909E8E84-426E-40DD-AFC4-6F175D3DCCD1}">
-              <a14:hiddenFill xmlns:a14="http://schemas.microsoft.com/office/drawing/2010/main">
-                <a:solidFill>
-                  <a:srgbClr val="FFFFFF"/>
-                </a:solidFill>
-              </a14:hiddenFill>
-            </a:ext>
-          </a:extLst>
-        </p:spPr>
-        <p:txBody>
-          <a:bodyPr vert="horz" wrap="square" lIns="91440" tIns="45720" rIns="91440" bIns="45720" numCol="1" anchor="t" anchorCtr="0" compatLnSpc="1">
-            <a:prstTxWarp prst="textNoShape">
-              <a:avLst/>
-            </a:prstTxWarp>
-          </a:bodyPr>
-          <a:lstStyle/>
-          <a:p>
-            <a:endParaRPr lang="en-US"/>
-          </a:p>
-        </p:txBody>
-      </p:sp>
-      <p:sp>
-        <p:nvSpPr>
-          <p:cNvPr id="31" name="Freeform 16">
-            <a:extLst>
-              <a:ext uri="{FF2B5EF4-FFF2-40B4-BE49-F238E27FC236}">
-                <a16:creationId xmlns:a16="http://schemas.microsoft.com/office/drawing/2014/main" id="{3981F5C4-9AE1-404E-AF44-A4E6DB374F9D}"/>
-              </a:ext>
-              <a:ext uri="{C183D7F6-B498-43B3-948B-1728B52AA6E4}">
-                <adec:decorative xmlns:adec="http://schemas.microsoft.com/office/drawing/2017/decorative" val="1"/>
-              </a:ext>
-            </a:extLst>
-          </p:cNvPr>
-          <p:cNvSpPr>
-            <a:spLocks noGrp="1" noRot="1" noChangeAspect="1" noMove="1" noResize="1" noEditPoints="1" noAdjustHandles="1" noChangeArrowheads="1" noChangeShapeType="1" noTextEdit="1"/>
-          </p:cNvSpPr>
-          <p:nvPr>
-            <p:extLst>
-              <p:ext uri="{386F3935-93C4-4BCD-93E2-E3B085C9AB24}">
-                <p16:designElem xmlns:p16="http://schemas.microsoft.com/office/powerpoint/2015/main" val="1"/>
-              </p:ext>
-            </p:extLst>
-          </p:nvPr>
-        </p:nvSpPr>
-        <p:spPr bwMode="auto">
-          <a:xfrm>
-            <a:off x="-1061" y="-1916"/>
-            <a:ext cx="357188" cy="213875"/>
-          </a:xfrm>
-          <a:custGeom>
-            <a:avLst/>
-            <a:gdLst>
-              <a:gd name="T0" fmla="*/ 75 w 75"/>
-              <a:gd name="T1" fmla="*/ 0 h 45"/>
-              <a:gd name="T2" fmla="*/ 0 w 75"/>
-              <a:gd name="T3" fmla="*/ 45 h 45"/>
-            </a:gdLst>
-            <a:ahLst/>
-            <a:cxnLst>
-              <a:cxn ang="0">
-                <a:pos x="T0" y="T1"/>
-              </a:cxn>
-              <a:cxn ang="0">
-                <a:pos x="T2" y="T3"/>
-              </a:cxn>
-            </a:cxnLst>
-            <a:rect l="0" t="0" r="r" b="b"/>
-            <a:pathLst>
-              <a:path w="75" h="45">
-                <a:moveTo>
-                  <a:pt x="75" y="0"/>
-                </a:moveTo>
-                <a:cubicBezTo>
-                  <a:pt x="50" y="14"/>
-                  <a:pt x="25" y="29"/>
-                  <a:pt x="0" y="45"/>
-                </a:cubicBezTo>
-              </a:path>
-            </a:pathLst>
-          </a:custGeom>
-          <a:noFill/>
-          <a:ln w="12700" cap="flat">
-            <a:solidFill>
-              <a:schemeClr val="tx1">
-                <a:alpha val="20000"/>
-              </a:schemeClr>
-            </a:solidFill>
-            <a:prstDash val="dashDot"/>
-            <a:miter lim="800000"/>
-            <a:headEnd/>
-            <a:tailEnd/>
-          </a:ln>
-          <a:extLst>
-            <a:ext uri="{909E8E84-426E-40DD-AFC4-6F175D3DCCD1}">
-              <a14:hiddenFill xmlns:a14="http://schemas.microsoft.com/office/drawing/2010/main">
-                <a:solidFill>
-                  <a:srgbClr val="FFFFFF"/>
-                </a:solidFill>
-              </a14:hiddenFill>
-            </a:ext>
-          </a:extLst>
-        </p:spPr>
-        <p:txBody>
-          <a:bodyPr vert="horz" wrap="square" lIns="91440" tIns="45720" rIns="91440" bIns="45720" numCol="1" anchor="t" anchorCtr="0" compatLnSpc="1">
-            <a:prstTxWarp prst="textNoShape">
-              <a:avLst/>
-            </a:prstTxWarp>
-          </a:bodyPr>
-          <a:lstStyle/>
-          <a:p>
-            <a:endParaRPr lang="en-US"/>
-          </a:p>
-        </p:txBody>
-      </p:sp>
-      <p:sp>
-        <p:nvSpPr>
-          <p:cNvPr id="33" name="Freeform 11">
-            <a:extLst>
-              <a:ext uri="{FF2B5EF4-FFF2-40B4-BE49-F238E27FC236}">
-                <a16:creationId xmlns:a16="http://schemas.microsoft.com/office/drawing/2014/main" id="{763C1781-8726-4FAC-8C45-FF40376BE409}"/>
-              </a:ext>
-              <a:ext uri="{C183D7F6-B498-43B3-948B-1728B52AA6E4}">
-                <adec:decorative xmlns:adec="http://schemas.microsoft.com/office/drawing/2017/decorative" val="1"/>
-              </a:ext>
-            </a:extLst>
-          </p:cNvPr>
-          <p:cNvSpPr>
-            <a:spLocks noGrp="1" noRot="1" noChangeAspect="1" noMove="1" noResize="1" noEditPoints="1" noAdjustHandles="1" noChangeArrowheads="1" noChangeShapeType="1" noTextEdit="1"/>
-          </p:cNvSpPr>
-          <p:nvPr>
-            <p:extLst>
-              <p:ext uri="{386F3935-93C4-4BCD-93E2-E3B085C9AB24}">
-                <p16:designElem xmlns:p16="http://schemas.microsoft.com/office/powerpoint/2015/main" val="1"/>
-              </p:ext>
-            </p:extLst>
-          </p:nvPr>
-        </p:nvSpPr>
-        <p:spPr bwMode="auto">
-          <a:xfrm>
-            <a:off x="5426601" y="-1916"/>
-            <a:ext cx="5788025" cy="6847184"/>
-          </a:xfrm>
-          <a:custGeom>
-            <a:avLst/>
-            <a:gdLst>
-              <a:gd name="T0" fmla="*/ 1094 w 1216"/>
-              <a:gd name="T1" fmla="*/ 1436 h 1436"/>
-              <a:gd name="T2" fmla="*/ 709 w 1216"/>
-              <a:gd name="T3" fmla="*/ 551 h 1436"/>
-              <a:gd name="T4" fmla="*/ 0 w 1216"/>
-              <a:gd name="T5" fmla="*/ 0 h 1436"/>
-            </a:gdLst>
-            <a:ahLst/>
-            <a:cxnLst>
-              <a:cxn ang="0">
-                <a:pos x="T0" y="T1"/>
-              </a:cxn>
-              <a:cxn ang="0">
-                <a:pos x="T2" y="T3"/>
-              </a:cxn>
-              <a:cxn ang="0">
-                <a:pos x="T4" y="T5"/>
-              </a:cxn>
-            </a:cxnLst>
-            <a:rect l="0" t="0" r="r" b="b"/>
-            <a:pathLst>
-              <a:path w="1216" h="1436">
-                <a:moveTo>
-                  <a:pt x="1094" y="1436"/>
-                </a:moveTo>
-                <a:cubicBezTo>
-                  <a:pt x="1216" y="1114"/>
-                  <a:pt x="904" y="770"/>
-                  <a:pt x="709" y="551"/>
-                </a:cubicBezTo>
-                <a:cubicBezTo>
-                  <a:pt x="509" y="327"/>
-                  <a:pt x="274" y="127"/>
-                  <a:pt x="0" y="0"/>
-                </a:cubicBezTo>
-              </a:path>
-            </a:pathLst>
-          </a:custGeom>
-          <a:noFill/>
-          <a:ln w="9525" cap="flat">
-            <a:solidFill>
-              <a:schemeClr val="tx1">
-                <a:alpha val="20000"/>
-              </a:schemeClr>
-            </a:solidFill>
-            <a:prstDash val="solid"/>
-            <a:miter lim="800000"/>
-            <a:headEnd/>
-            <a:tailEnd/>
-          </a:ln>
-          <a:extLst>
-            <a:ext uri="{909E8E84-426E-40DD-AFC4-6F175D3DCCD1}">
-              <a14:hiddenFill xmlns:a14="http://schemas.microsoft.com/office/drawing/2010/main">
-                <a:solidFill>
-                  <a:srgbClr val="FFFFFF"/>
-                </a:solidFill>
-              </a14:hiddenFill>
-            </a:ext>
-          </a:extLst>
-        </p:spPr>
-        <p:txBody>
-          <a:bodyPr vert="horz" wrap="square" lIns="91440" tIns="45720" rIns="91440" bIns="45720" numCol="1" anchor="t" anchorCtr="0" compatLnSpc="1">
-            <a:prstTxWarp prst="textNoShape">
-              <a:avLst/>
-            </a:prstTxWarp>
-          </a:bodyPr>
-          <a:lstStyle/>
-          <a:p>
-            <a:endParaRPr lang="en-US"/>
-          </a:p>
-        </p:txBody>
-      </p:sp>
-      <p:sp>
-        <p:nvSpPr>
-          <p:cNvPr id="35" name="Freeform 21">
-            <a:extLst>
-              <a:ext uri="{FF2B5EF4-FFF2-40B4-BE49-F238E27FC236}">
-                <a16:creationId xmlns:a16="http://schemas.microsoft.com/office/drawing/2014/main" id="{301491B5-56C7-43DC-A3D9-861EECCA056A}"/>
-              </a:ext>
-              <a:ext uri="{C183D7F6-B498-43B3-948B-1728B52AA6E4}">
-                <adec:decorative xmlns:adec="http://schemas.microsoft.com/office/drawing/2017/decorative" val="1"/>
-              </a:ext>
-            </a:extLst>
-          </p:cNvPr>
-          <p:cNvSpPr>
-            <a:spLocks noGrp="1" noRot="1" noChangeAspect="1" noMove="1" noResize="1" noEditPoints="1" noAdjustHandles="1" noChangeArrowheads="1" noChangeShapeType="1" noTextEdit="1"/>
-          </p:cNvSpPr>
-          <p:nvPr>
-            <p:extLst>
-              <p:ext uri="{386F3935-93C4-4BCD-93E2-E3B085C9AB24}">
-                <p16:designElem xmlns:p16="http://schemas.microsoft.com/office/powerpoint/2015/main" val="1"/>
-              </p:ext>
-            </p:extLst>
-          </p:nvPr>
-        </p:nvSpPr>
-        <p:spPr bwMode="auto">
-          <a:xfrm>
-            <a:off x="9235014" y="2872"/>
-            <a:ext cx="2951163" cy="2555325"/>
-          </a:xfrm>
-          <a:custGeom>
-            <a:avLst/>
-            <a:gdLst>
-              <a:gd name="T0" fmla="*/ 620 w 620"/>
-              <a:gd name="T1" fmla="*/ 536 h 536"/>
-              <a:gd name="T2" fmla="*/ 0 w 620"/>
-              <a:gd name="T3" fmla="*/ 0 h 536"/>
-            </a:gdLst>
-            <a:ahLst/>
-            <a:cxnLst>
-              <a:cxn ang="0">
-                <a:pos x="T0" y="T1"/>
-              </a:cxn>
-              <a:cxn ang="0">
-                <a:pos x="T2" y="T3"/>
-              </a:cxn>
-            </a:cxnLst>
-            <a:rect l="0" t="0" r="r" b="b"/>
-            <a:pathLst>
-              <a:path w="620" h="536">
-                <a:moveTo>
-                  <a:pt x="620" y="536"/>
-                </a:moveTo>
-                <a:cubicBezTo>
-                  <a:pt x="404" y="314"/>
-                  <a:pt x="196" y="138"/>
-                  <a:pt x="0" y="0"/>
-                </a:cubicBezTo>
-              </a:path>
-            </a:pathLst>
-          </a:custGeom>
-          <a:noFill/>
-          <a:ln w="9525" cap="flat">
-            <a:solidFill>
-              <a:schemeClr val="tx1">
-                <a:alpha val="20000"/>
-              </a:schemeClr>
-            </a:solidFill>
-            <a:prstDash val="solid"/>
-            <a:miter lim="800000"/>
-            <a:headEnd/>
-            <a:tailEnd/>
-          </a:ln>
-          <a:extLst>
-            <a:ext uri="{909E8E84-426E-40DD-AFC4-6F175D3DCCD1}">
-              <a14:hiddenFill xmlns:a14="http://schemas.microsoft.com/office/drawing/2010/main">
-                <a:solidFill>
-                  <a:srgbClr val="FFFFFF"/>
-                </a:solidFill>
-              </a14:hiddenFill>
-            </a:ext>
-          </a:extLst>
-        </p:spPr>
-        <p:txBody>
-          <a:bodyPr vert="horz" wrap="square" lIns="91440" tIns="45720" rIns="91440" bIns="45720" numCol="1" anchor="t" anchorCtr="0" compatLnSpc="1">
-            <a:prstTxWarp prst="textNoShape">
-              <a:avLst/>
-            </a:prstTxWarp>
-          </a:bodyPr>
-          <a:lstStyle/>
-          <a:p>
-            <a:endParaRPr lang="en-US"/>
-          </a:p>
-        </p:txBody>
-      </p:sp>
-      <p:sp>
-        <p:nvSpPr>
           <p:cNvPr id="2" name="Title 1">
             <a:extLst>
               <a:ext uri="{FF2B5EF4-FFF2-40B4-BE49-F238E27FC236}">
-                <a16:creationId xmlns:a16="http://schemas.microsoft.com/office/drawing/2014/main" id="{D1CAD71B-8A0D-4167-B114-8C9D3F9ED1D2}"/>
+                <a16:creationId xmlns:a16="http://schemas.microsoft.com/office/drawing/2014/main" id="{AC7C8176-7EFC-4ACF-8066-1A0266BFA34E}"/>
               </a:ext>
             </a:extLst>
           </p:cNvPr>
@@ -6444,493 +5728,731 @@
         </p:nvSpPr>
         <p:spPr>
           <a:xfrm>
-            <a:off x="285007" y="89317"/>
-            <a:ext cx="2926080" cy="1335662"/>
+            <a:off x="838200" y="365126"/>
+            <a:ext cx="10515600" cy="646552"/>
           </a:xfrm>
         </p:spPr>
         <p:txBody>
-          <a:bodyPr vert="horz" lIns="91440" tIns="45720" rIns="91440" bIns="45720" rtlCol="0" anchor="b">
-            <a:normAutofit/>
-          </a:bodyPr>
-          <a:lstStyle/>
-          <a:p>
-            <a:r>
-              <a:rPr lang="en-US" sz="4000" dirty="0"/>
-              <a:t>Results </a:t>
-            </a:r>
-            <a:br>
-              <a:rPr lang="en-US" sz="4000" dirty="0"/>
-            </a:br>
-            <a:r>
-              <a:rPr lang="en-US" sz="4000" dirty="0"/>
-              <a:t>Obj 1</a:t>
-            </a:r>
-          </a:p>
-        </p:txBody>
-      </p:sp>
-      <p:sp>
-        <p:nvSpPr>
-          <p:cNvPr id="37" name="Freeform 22">
-            <a:extLst>
-              <a:ext uri="{FF2B5EF4-FFF2-40B4-BE49-F238E27FC236}">
-                <a16:creationId xmlns:a16="http://schemas.microsoft.com/office/drawing/2014/main" id="{237E2353-22DF-46E0-A200-FB30F8F394E2}"/>
-              </a:ext>
-              <a:ext uri="{C183D7F6-B498-43B3-948B-1728B52AA6E4}">
-                <adec:decorative xmlns:adec="http://schemas.microsoft.com/office/drawing/2017/decorative" val="1"/>
-              </a:ext>
-            </a:extLst>
-          </p:cNvPr>
-          <p:cNvSpPr>
-            <a:spLocks noGrp="1" noRot="1" noChangeAspect="1" noMove="1" noResize="1" noEditPoints="1" noAdjustHandles="1" noChangeArrowheads="1" noChangeShapeType="1" noTextEdit="1"/>
-          </p:cNvSpPr>
-          <p:nvPr>
-            <p:extLst>
-              <p:ext uri="{386F3935-93C4-4BCD-93E2-E3B085C9AB24}">
-                <p16:designElem xmlns:p16="http://schemas.microsoft.com/office/powerpoint/2015/main" val="1"/>
-              </p:ext>
-            </p:extLst>
-          </p:nvPr>
-        </p:nvSpPr>
-        <p:spPr bwMode="auto">
-          <a:xfrm>
-            <a:off x="10020826" y="-1916"/>
-            <a:ext cx="2165350" cy="1358265"/>
-          </a:xfrm>
-          <a:custGeom>
-            <a:avLst/>
-            <a:gdLst>
-              <a:gd name="T0" fmla="*/ 0 w 455"/>
-              <a:gd name="T1" fmla="*/ 0 h 285"/>
-              <a:gd name="T2" fmla="*/ 455 w 455"/>
-              <a:gd name="T3" fmla="*/ 285 h 285"/>
-            </a:gdLst>
-            <a:ahLst/>
-            <a:cxnLst>
-              <a:cxn ang="0">
-                <a:pos x="T0" y="T1"/>
-              </a:cxn>
-              <a:cxn ang="0">
-                <a:pos x="T2" y="T3"/>
-              </a:cxn>
-            </a:cxnLst>
-            <a:rect l="0" t="0" r="r" b="b"/>
-            <a:pathLst>
-              <a:path w="455" h="285">
-                <a:moveTo>
-                  <a:pt x="0" y="0"/>
-                </a:moveTo>
-                <a:cubicBezTo>
-                  <a:pt x="153" y="85"/>
-                  <a:pt x="308" y="180"/>
-                  <a:pt x="455" y="285"/>
-                </a:cubicBezTo>
-              </a:path>
-            </a:pathLst>
-          </a:custGeom>
-          <a:noFill/>
-          <a:ln w="9525" cap="flat">
-            <a:solidFill>
-              <a:schemeClr val="tx1">
-                <a:alpha val="20000"/>
-              </a:schemeClr>
-            </a:solidFill>
-            <a:prstDash val="dash"/>
-            <a:miter lim="800000"/>
-            <a:headEnd/>
-            <a:tailEnd/>
-          </a:ln>
-          <a:extLst>
-            <a:ext uri="{909E8E84-426E-40DD-AFC4-6F175D3DCCD1}">
-              <a14:hiddenFill xmlns:a14="http://schemas.microsoft.com/office/drawing/2010/main">
-                <a:solidFill>
-                  <a:srgbClr val="FFFFFF"/>
-                </a:solidFill>
-              </a14:hiddenFill>
-            </a:ext>
-          </a:extLst>
-        </p:spPr>
-        <p:txBody>
-          <a:bodyPr vert="horz" wrap="square" lIns="91440" tIns="45720" rIns="91440" bIns="45720" numCol="1" anchor="t" anchorCtr="0" compatLnSpc="1">
-            <a:prstTxWarp prst="textNoShape">
-              <a:avLst/>
-            </a:prstTxWarp>
-          </a:bodyPr>
-          <a:lstStyle/>
-          <a:p>
-            <a:endParaRPr lang="en-US"/>
-          </a:p>
-        </p:txBody>
-      </p:sp>
-      <p:sp>
-        <p:nvSpPr>
-          <p:cNvPr id="39" name="Freeform 23">
-            <a:extLst>
-              <a:ext uri="{FF2B5EF4-FFF2-40B4-BE49-F238E27FC236}">
-                <a16:creationId xmlns:a16="http://schemas.microsoft.com/office/drawing/2014/main" id="{DD6138DB-057B-45F7-A5F4-E7BFDA20D02C}"/>
-              </a:ext>
-              <a:ext uri="{C183D7F6-B498-43B3-948B-1728B52AA6E4}">
-                <adec:decorative xmlns:adec="http://schemas.microsoft.com/office/drawing/2017/decorative" val="1"/>
-              </a:ext>
-            </a:extLst>
-          </p:cNvPr>
-          <p:cNvSpPr>
-            <a:spLocks noGrp="1" noRot="1" noChangeAspect="1" noMove="1" noResize="1" noEditPoints="1" noAdjustHandles="1" noChangeArrowheads="1" noChangeShapeType="1" noTextEdit="1"/>
-          </p:cNvSpPr>
-          <p:nvPr>
-            <p:extLst>
-              <p:ext uri="{386F3935-93C4-4BCD-93E2-E3B085C9AB24}">
-                <p16:designElem xmlns:p16="http://schemas.microsoft.com/office/powerpoint/2015/main" val="1"/>
-              </p:ext>
-            </p:extLst>
-          </p:nvPr>
-        </p:nvSpPr>
-        <p:spPr bwMode="auto">
-          <a:xfrm>
-            <a:off x="11290826" y="-1916"/>
-            <a:ext cx="895350" cy="534687"/>
-          </a:xfrm>
-          <a:custGeom>
-            <a:avLst/>
-            <a:gdLst>
-              <a:gd name="T0" fmla="*/ 0 w 188"/>
-              <a:gd name="T1" fmla="*/ 0 h 112"/>
-              <a:gd name="T2" fmla="*/ 188 w 188"/>
-              <a:gd name="T3" fmla="*/ 112 h 112"/>
-            </a:gdLst>
-            <a:ahLst/>
-            <a:cxnLst>
-              <a:cxn ang="0">
-                <a:pos x="T0" y="T1"/>
-              </a:cxn>
-              <a:cxn ang="0">
-                <a:pos x="T2" y="T3"/>
-              </a:cxn>
-            </a:cxnLst>
-            <a:rect l="0" t="0" r="r" b="b"/>
-            <a:pathLst>
-              <a:path w="188" h="112">
-                <a:moveTo>
-                  <a:pt x="0" y="0"/>
-                </a:moveTo>
-                <a:cubicBezTo>
-                  <a:pt x="63" y="36"/>
-                  <a:pt x="126" y="73"/>
-                  <a:pt x="188" y="112"/>
-                </a:cubicBezTo>
-              </a:path>
-            </a:pathLst>
-          </a:custGeom>
-          <a:noFill/>
-          <a:ln w="9525" cap="flat">
-            <a:solidFill>
-              <a:schemeClr val="tx1">
-                <a:alpha val="20000"/>
-              </a:schemeClr>
-            </a:solidFill>
-            <a:prstDash val="solid"/>
-            <a:miter lim="800000"/>
-            <a:headEnd/>
-            <a:tailEnd/>
-          </a:ln>
-          <a:extLst>
-            <a:ext uri="{909E8E84-426E-40DD-AFC4-6F175D3DCCD1}">
-              <a14:hiddenFill xmlns:a14="http://schemas.microsoft.com/office/drawing/2010/main">
-                <a:solidFill>
-                  <a:srgbClr val="FFFFFF"/>
-                </a:solidFill>
-              </a14:hiddenFill>
-            </a:ext>
-          </a:extLst>
-        </p:spPr>
-        <p:txBody>
-          <a:bodyPr vert="horz" wrap="square" lIns="91440" tIns="45720" rIns="91440" bIns="45720" numCol="1" anchor="t" anchorCtr="0" compatLnSpc="1">
-            <a:prstTxWarp prst="textNoShape">
-              <a:avLst/>
-            </a:prstTxWarp>
-          </a:bodyPr>
-          <a:lstStyle/>
-          <a:p>
-            <a:endParaRPr lang="en-US"/>
-          </a:p>
-        </p:txBody>
-      </p:sp>
-      <p:sp>
-        <p:nvSpPr>
-          <p:cNvPr id="41" name="Freeform: Shape 40">
-            <a:extLst>
-              <a:ext uri="{FF2B5EF4-FFF2-40B4-BE49-F238E27FC236}">
-                <a16:creationId xmlns:a16="http://schemas.microsoft.com/office/drawing/2014/main" id="{79A54AB1-B64F-4843-BFAB-81CB74E66B65}"/>
-              </a:ext>
-              <a:ext uri="{C183D7F6-B498-43B3-948B-1728B52AA6E4}">
-                <adec:decorative xmlns:adec="http://schemas.microsoft.com/office/drawing/2017/decorative" val="1"/>
-              </a:ext>
-            </a:extLst>
-          </p:cNvPr>
-          <p:cNvSpPr>
-            <a:spLocks noGrp="1" noRot="1" noChangeAspect="1" noMove="1" noResize="1" noEditPoints="1" noAdjustHandles="1" noChangeArrowheads="1" noChangeShapeType="1" noTextEdit="1"/>
-          </p:cNvSpPr>
-          <p:nvPr>
-            <p:extLst>
-              <p:ext uri="{386F3935-93C4-4BCD-93E2-E3B085C9AB24}">
-                <p16:designElem xmlns:p16="http://schemas.microsoft.com/office/powerpoint/2015/main" val="1"/>
-              </p:ext>
-            </p:extLst>
-          </p:nvPr>
-        </p:nvSpPr>
-        <p:spPr>
-          <a:xfrm rot="20931529">
-            <a:off x="752078" y="2218040"/>
-            <a:ext cx="4418757" cy="4259609"/>
-          </a:xfrm>
-          <a:custGeom>
-            <a:avLst/>
-            <a:gdLst>
-              <a:gd name="connsiteX0" fmla="*/ 404107 w 4507111"/>
-              <a:gd name="connsiteY0" fmla="*/ 0 h 4344781"/>
-              <a:gd name="connsiteX1" fmla="*/ 371857 w 4507111"/>
-              <a:gd name="connsiteY1" fmla="*/ 117359 h 4344781"/>
-              <a:gd name="connsiteX2" fmla="*/ 307833 w 4507111"/>
-              <a:gd name="connsiteY2" fmla="*/ 632970 h 4344781"/>
-              <a:gd name="connsiteX3" fmla="*/ 3569418 w 4507111"/>
-              <a:gd name="connsiteY3" fmla="*/ 4141149 h 4344781"/>
-              <a:gd name="connsiteX4" fmla="*/ 4440861 w 4507111"/>
-              <a:gd name="connsiteY4" fmla="*/ 4332480 h 4344781"/>
-              <a:gd name="connsiteX5" fmla="*/ 4507111 w 4507111"/>
-              <a:gd name="connsiteY5" fmla="*/ 4341752 h 4344781"/>
-              <a:gd name="connsiteX6" fmla="*/ 4296045 w 4507111"/>
-              <a:gd name="connsiteY6" fmla="*/ 4344781 h 4344781"/>
-              <a:gd name="connsiteX7" fmla="*/ 3749565 w 4507111"/>
-              <a:gd name="connsiteY7" fmla="*/ 4321853 h 4344781"/>
-              <a:gd name="connsiteX8" fmla="*/ 36764 w 4507111"/>
-              <a:gd name="connsiteY8" fmla="*/ 1629794 h 4344781"/>
-              <a:gd name="connsiteX9" fmla="*/ 300069 w 4507111"/>
-              <a:gd name="connsiteY9" fmla="*/ 144750 h 4344781"/>
-            </a:gdLst>
-            <a:ahLst/>
-            <a:cxnLst>
-              <a:cxn ang="0">
-                <a:pos x="connsiteX0" y="connsiteY0"/>
-              </a:cxn>
-              <a:cxn ang="0">
-                <a:pos x="connsiteX1" y="connsiteY1"/>
-              </a:cxn>
-              <a:cxn ang="0">
-                <a:pos x="connsiteX2" y="connsiteY2"/>
-              </a:cxn>
-              <a:cxn ang="0">
-                <a:pos x="connsiteX3" y="connsiteY3"/>
-              </a:cxn>
-              <a:cxn ang="0">
-                <a:pos x="connsiteX4" y="connsiteY4"/>
-              </a:cxn>
-              <a:cxn ang="0">
-                <a:pos x="connsiteX5" y="connsiteY5"/>
-              </a:cxn>
-              <a:cxn ang="0">
-                <a:pos x="connsiteX6" y="connsiteY6"/>
-              </a:cxn>
-              <a:cxn ang="0">
-                <a:pos x="connsiteX7" y="connsiteY7"/>
-              </a:cxn>
-              <a:cxn ang="0">
-                <a:pos x="connsiteX8" y="connsiteY8"/>
-              </a:cxn>
-              <a:cxn ang="0">
-                <a:pos x="connsiteX9" y="connsiteY9"/>
-              </a:cxn>
-            </a:cxnLst>
-            <a:rect l="l" t="t" r="r" b="b"/>
-            <a:pathLst>
-              <a:path w="4507111" h="4344781">
-                <a:moveTo>
-                  <a:pt x="404107" y="0"/>
-                </a:moveTo>
-                <a:lnTo>
-                  <a:pt x="371857" y="117359"/>
-                </a:lnTo>
-                <a:cubicBezTo>
-                  <a:pt x="333827" y="278567"/>
-                  <a:pt x="311875" y="450459"/>
-                  <a:pt x="307833" y="632970"/>
-                </a:cubicBezTo>
-                <a:cubicBezTo>
-                  <a:pt x="264711" y="2579752"/>
-                  <a:pt x="2253987" y="3769243"/>
-                  <a:pt x="3569418" y="4141149"/>
-                </a:cubicBezTo>
-                <a:cubicBezTo>
-                  <a:pt x="3816061" y="4210881"/>
-                  <a:pt x="4114807" y="4279754"/>
-                  <a:pt x="4440861" y="4332480"/>
-                </a:cubicBezTo>
-                <a:lnTo>
-                  <a:pt x="4507111" y="4341752"/>
-                </a:lnTo>
-                <a:lnTo>
-                  <a:pt x="4296045" y="4344781"/>
-                </a:lnTo>
-                <a:cubicBezTo>
-                  <a:pt x="4097363" y="4343711"/>
-                  <a:pt x="3912623" y="4335104"/>
-                  <a:pt x="3749565" y="4321853"/>
-                </a:cubicBezTo>
-                <a:cubicBezTo>
-                  <a:pt x="2445102" y="4215850"/>
-                  <a:pt x="356405" y="3466499"/>
-                  <a:pt x="36764" y="1629794"/>
-                </a:cubicBezTo>
-                <a:cubicBezTo>
-                  <a:pt x="-63123" y="1055823"/>
-                  <a:pt x="45741" y="555869"/>
-                  <a:pt x="300069" y="144750"/>
-                </a:cubicBezTo>
-                <a:close/>
-              </a:path>
-            </a:pathLst>
-          </a:custGeom>
-          <a:solidFill>
-            <a:schemeClr val="tx1">
-              <a:alpha val="70000"/>
-            </a:schemeClr>
-          </a:solidFill>
-          <a:ln>
-            <a:noFill/>
-          </a:ln>
-        </p:spPr>
-        <p:style>
-          <a:lnRef idx="2">
-            <a:schemeClr val="accent1">
-              <a:shade val="50000"/>
-            </a:schemeClr>
-          </a:lnRef>
-          <a:fillRef idx="1">
-            <a:schemeClr val="accent1"/>
-          </a:fillRef>
-          <a:effectRef idx="0">
-            <a:schemeClr val="accent1"/>
-          </a:effectRef>
-          <a:fontRef idx="minor">
-            <a:schemeClr val="lt1"/>
-          </a:fontRef>
-        </p:style>
-        <p:txBody>
-          <a:bodyPr wrap="square" rtlCol="0" anchor="ctr">
+          <a:bodyPr>
             <a:noAutofit/>
           </a:bodyPr>
           <a:lstStyle/>
           <a:p>
-            <a:pPr marL="0" marR="0" lvl="0" indent="0" algn="ctr" defTabSz="457200" rtl="0" eaLnBrk="1" fontAlgn="auto" latinLnBrk="0" hangingPunct="1">
+            <a:r>
+              <a:rPr lang="en-US" sz="4800" u="sng" dirty="0">
+                <a:solidFill>
+                  <a:schemeClr val="bg1"/>
+                </a:solidFill>
+              </a:rPr>
+              <a:t>Variables used in analysis:                           </a:t>
+            </a:r>
+            <a:endParaRPr lang="en-US" sz="4800" u="sng" dirty="0"/>
+          </a:p>
+        </p:txBody>
+      </p:sp>
+      <p:sp>
+        <p:nvSpPr>
+          <p:cNvPr id="3" name="Content Placeholder 2">
+            <a:extLst>
+              <a:ext uri="{FF2B5EF4-FFF2-40B4-BE49-F238E27FC236}">
+                <a16:creationId xmlns:a16="http://schemas.microsoft.com/office/drawing/2014/main" id="{CD32B198-7AE3-4D1C-8E43-29C5143BDA9D}"/>
+              </a:ext>
+            </a:extLst>
+          </p:cNvPr>
+          <p:cNvSpPr>
+            <a:spLocks noGrp="1"/>
+          </p:cNvSpPr>
+          <p:nvPr>
+            <p:ph idx="1"/>
+          </p:nvPr>
+        </p:nvSpPr>
+        <p:spPr>
+          <a:xfrm>
+            <a:off x="838200" y="1769758"/>
+            <a:ext cx="10515600" cy="4723116"/>
+          </a:xfrm>
+        </p:spPr>
+        <p:txBody>
+          <a:bodyPr>
+            <a:normAutofit fontScale="47500" lnSpcReduction="20000"/>
+          </a:bodyPr>
+          <a:lstStyle/>
+          <a:p>
+            <a:pPr marL="0" marR="0" indent="0">
               <a:lnSpc>
-                <a:spcPct val="100000"/>
+                <a:spcPct val="107000"/>
               </a:lnSpc>
               <a:spcBef>
                 <a:spcPts val="0"/>
               </a:spcBef>
               <a:spcAft>
+                <a:spcPts val="800"/>
+              </a:spcAft>
+              <a:buNone/>
+            </a:pPr>
+            <a:r>
+              <a:rPr lang="en-US" sz="2900" b="1" dirty="0">
+                <a:solidFill>
+                  <a:schemeClr val="bg1"/>
+                </a:solidFill>
+                <a:effectLst/>
+                <a:latin typeface="Calibri" panose="020F0502020204030204" pitchFamily="34" charset="0"/>
+                <a:ea typeface="Calibri" panose="020F0502020204030204" pitchFamily="34" charset="0"/>
+                <a:cs typeface="Times New Roman" panose="02020603050405020304" pitchFamily="18" charset="0"/>
+              </a:rPr>
+              <a:t>Sales</a:t>
+            </a:r>
+            <a:r>
+              <a:rPr lang="en-US" sz="2900" dirty="0">
+                <a:solidFill>
+                  <a:schemeClr val="bg1"/>
+                </a:solidFill>
+                <a:effectLst/>
+                <a:latin typeface="Calibri" panose="020F0502020204030204" pitchFamily="34" charset="0"/>
+                <a:ea typeface="Calibri" panose="020F0502020204030204" pitchFamily="34" charset="0"/>
+                <a:cs typeface="Times New Roman" panose="02020603050405020304" pitchFamily="18" charset="0"/>
+              </a:rPr>
+              <a:t>: Total amount of sales in USD.</a:t>
+            </a:r>
+          </a:p>
+          <a:p>
+            <a:pPr marL="0" marR="0" indent="0">
+              <a:lnSpc>
+                <a:spcPct val="107000"/>
+              </a:lnSpc>
+              <a:spcBef>
                 <a:spcPts val="0"/>
+              </a:spcBef>
+              <a:spcAft>
+                <a:spcPts val="800"/>
               </a:spcAft>
-              <a:buClrTx/>
-              <a:buSzTx/>
-              <a:buFontTx/>
               <a:buNone/>
-              <a:tabLst/>
-              <a:defRPr/>
             </a:pPr>
-            <a:endParaRPr kumimoji="0" lang="en-US" sz="1800" b="0" i="0" u="none" strike="noStrike" kern="1200" cap="none" spc="0" normalizeH="0" baseline="0" noProof="0">
-              <a:ln>
-                <a:noFill/>
-              </a:ln>
-              <a:solidFill>
-                <a:prstClr val="white"/>
-              </a:solidFill>
-              <a:effectLst/>
-              <a:uLnTx/>
-              <a:uFillTx/>
-              <a:latin typeface="Rockwell" panose="02060603020205020403"/>
-              <a:ea typeface="+mn-ea"/>
-              <a:cs typeface="+mn-cs"/>
-            </a:endParaRPr>
-          </a:p>
-        </p:txBody>
-      </p:sp>
-      <p:pic>
-        <p:nvPicPr>
-          <p:cNvPr id="5" name="Content Placeholder 4" descr="A picture containing plate, table, food, nut&#10;&#10;Description automatically generated">
-            <a:extLst>
-              <a:ext uri="{FF2B5EF4-FFF2-40B4-BE49-F238E27FC236}">
-                <a16:creationId xmlns:a16="http://schemas.microsoft.com/office/drawing/2014/main" id="{F2A125C0-2EB1-4F96-A285-9BE2ABBE64A1}"/>
-              </a:ext>
-            </a:extLst>
-          </p:cNvPr>
-          <p:cNvPicPr>
-            <a:picLocks noGrp="1" noChangeAspect="1"/>
-          </p:cNvPicPr>
-          <p:nvPr>
-            <p:ph idx="1"/>
-          </p:nvPr>
-        </p:nvPicPr>
-        <p:blipFill rotWithShape="1">
-          <a:blip r:embed="rId2">
-            <a:extLst>
-              <a:ext uri="{28A0092B-C50C-407E-A947-70E740481C1C}">
-                <a14:useLocalDpi xmlns:a14="http://schemas.microsoft.com/office/drawing/2010/main" val="0"/>
-              </a:ext>
-            </a:extLst>
-          </a:blip>
-          <a:srcRect t="18211" r="-4" b="12949"/>
-          <a:stretch/>
-        </p:blipFill>
-        <p:spPr>
-          <a:xfrm>
-            <a:off x="905776" y="2237376"/>
-            <a:ext cx="5346811" cy="3680577"/>
-          </a:xfrm>
-          <a:custGeom>
-            <a:avLst/>
-            <a:gdLst/>
-            <a:ahLst/>
-            <a:cxnLst/>
-            <a:rect l="l" t="t" r="r" b="b"/>
-            <a:pathLst>
-              <a:path w="7761924" h="5343065">
-                <a:moveTo>
-                  <a:pt x="3025687" y="76"/>
-                </a:moveTo>
-                <a:cubicBezTo>
-                  <a:pt x="3140786" y="756"/>
-                  <a:pt x="3256631" y="6055"/>
-                  <a:pt x="3372722" y="16088"/>
-                </a:cubicBezTo>
-                <a:cubicBezTo>
-                  <a:pt x="5230178" y="176616"/>
-                  <a:pt x="7761924" y="1424594"/>
-                  <a:pt x="7761924" y="3316816"/>
-                </a:cubicBezTo>
-                <a:cubicBezTo>
-                  <a:pt x="7646022" y="5237647"/>
-                  <a:pt x="4988715" y="5423921"/>
-                  <a:pt x="3701109" y="5320611"/>
-                </a:cubicBezTo>
-                <a:cubicBezTo>
-                  <a:pt x="2413504" y="5217301"/>
-                  <a:pt x="351800" y="4486992"/>
-                  <a:pt x="36290" y="2696959"/>
-                </a:cubicBezTo>
-                <a:cubicBezTo>
-                  <a:pt x="-259500" y="1018804"/>
-                  <a:pt x="1299198" y="-10133"/>
-                  <a:pt x="3025687" y="76"/>
-                </a:cubicBezTo>
-                <a:close/>
-              </a:path>
-            </a:pathLst>
-          </a:custGeom>
-        </p:spPr>
-      </p:pic>
+            <a:r>
+              <a:rPr lang="en-US" sz="2900" b="1" dirty="0">
+                <a:solidFill>
+                  <a:schemeClr val="bg1"/>
+                </a:solidFill>
+                <a:effectLst/>
+                <a:latin typeface="Calibri" panose="020F0502020204030204" pitchFamily="34" charset="0"/>
+                <a:ea typeface="Calibri" panose="020F0502020204030204" pitchFamily="34" charset="0"/>
+                <a:cs typeface="Times New Roman" panose="02020603050405020304" pitchFamily="18" charset="0"/>
+              </a:rPr>
+              <a:t>HoursUsed</a:t>
+            </a:r>
+            <a:r>
+              <a:rPr lang="en-US" sz="2900" dirty="0">
+                <a:solidFill>
+                  <a:schemeClr val="bg1"/>
+                </a:solidFill>
+                <a:effectLst/>
+                <a:latin typeface="Calibri" panose="020F0502020204030204" pitchFamily="34" charset="0"/>
+                <a:ea typeface="Calibri" panose="020F0502020204030204" pitchFamily="34" charset="0"/>
+                <a:cs typeface="Times New Roman" panose="02020603050405020304" pitchFamily="18" charset="0"/>
+              </a:rPr>
+              <a:t>: Total number of man hours. </a:t>
+            </a:r>
+          </a:p>
+          <a:p>
+            <a:pPr marL="0" marR="0" indent="0">
+              <a:lnSpc>
+                <a:spcPct val="107000"/>
+              </a:lnSpc>
+              <a:spcBef>
+                <a:spcPts val="0"/>
+              </a:spcBef>
+              <a:spcAft>
+                <a:spcPts val="800"/>
+              </a:spcAft>
+              <a:buNone/>
+            </a:pPr>
+            <a:r>
+              <a:rPr lang="en-US" sz="2900" b="1" dirty="0">
+                <a:solidFill>
+                  <a:schemeClr val="bg1"/>
+                </a:solidFill>
+                <a:effectLst/>
+                <a:latin typeface="Calibri" panose="020F0502020204030204" pitchFamily="34" charset="0"/>
+                <a:ea typeface="Calibri" panose="020F0502020204030204" pitchFamily="34" charset="0"/>
+                <a:cs typeface="Times New Roman" panose="02020603050405020304" pitchFamily="18" charset="0"/>
+              </a:rPr>
+              <a:t>MobCO</a:t>
+            </a:r>
+            <a:r>
+              <a:rPr lang="en-US" sz="2900" dirty="0">
+                <a:solidFill>
+                  <a:schemeClr val="bg1"/>
+                </a:solidFill>
+                <a:effectLst/>
+                <a:latin typeface="Calibri" panose="020F0502020204030204" pitchFamily="34" charset="0"/>
+                <a:ea typeface="Calibri" panose="020F0502020204030204" pitchFamily="34" charset="0"/>
+                <a:cs typeface="Times New Roman" panose="02020603050405020304" pitchFamily="18" charset="0"/>
+              </a:rPr>
+              <a:t>: Total sales by Mobile Carryout orders - guests orders on the app, pick up order in restaurant, and leaves with order.</a:t>
+            </a:r>
+          </a:p>
+          <a:p>
+            <a:pPr marL="0" marR="0" indent="0">
+              <a:lnSpc>
+                <a:spcPct val="107000"/>
+              </a:lnSpc>
+              <a:spcBef>
+                <a:spcPts val="0"/>
+              </a:spcBef>
+              <a:spcAft>
+                <a:spcPts val="800"/>
+              </a:spcAft>
+              <a:buNone/>
+            </a:pPr>
+            <a:r>
+              <a:rPr lang="en-US" sz="2900" b="1" dirty="0">
+                <a:solidFill>
+                  <a:schemeClr val="bg1"/>
+                </a:solidFill>
+                <a:effectLst/>
+                <a:latin typeface="Calibri" panose="020F0502020204030204" pitchFamily="34" charset="0"/>
+                <a:ea typeface="Calibri" panose="020F0502020204030204" pitchFamily="34" charset="0"/>
+                <a:cs typeface="Times New Roman" panose="02020603050405020304" pitchFamily="18" charset="0"/>
+              </a:rPr>
+              <a:t>MobDI</a:t>
+            </a:r>
+            <a:r>
+              <a:rPr lang="en-US" sz="2900" dirty="0">
+                <a:solidFill>
+                  <a:schemeClr val="bg1"/>
+                </a:solidFill>
+                <a:effectLst/>
+                <a:latin typeface="Calibri" panose="020F0502020204030204" pitchFamily="34" charset="0"/>
+                <a:ea typeface="Calibri" panose="020F0502020204030204" pitchFamily="34" charset="0"/>
+                <a:cs typeface="Times New Roman" panose="02020603050405020304" pitchFamily="18" charset="0"/>
+              </a:rPr>
+              <a:t>: Total sales by Mobile Dine-In orders - orders on the app, finds and scan a table in the dining room, order is brought to you.</a:t>
+            </a:r>
+          </a:p>
+          <a:p>
+            <a:pPr marL="0" marR="0" indent="0">
+              <a:lnSpc>
+                <a:spcPct val="107000"/>
+              </a:lnSpc>
+              <a:spcBef>
+                <a:spcPts val="0"/>
+              </a:spcBef>
+              <a:spcAft>
+                <a:spcPts val="800"/>
+              </a:spcAft>
+              <a:buNone/>
+            </a:pPr>
+            <a:r>
+              <a:rPr lang="en-US" sz="2900" b="1" dirty="0">
+                <a:solidFill>
+                  <a:schemeClr val="bg1"/>
+                </a:solidFill>
+                <a:effectLst/>
+                <a:latin typeface="Calibri" panose="020F0502020204030204" pitchFamily="34" charset="0"/>
+                <a:ea typeface="Calibri" panose="020F0502020204030204" pitchFamily="34" charset="0"/>
+                <a:cs typeface="Times New Roman" panose="02020603050405020304" pitchFamily="18" charset="0"/>
+              </a:rPr>
+              <a:t>MobDT</a:t>
+            </a:r>
+            <a:r>
+              <a:rPr lang="en-US" sz="2900" dirty="0">
+                <a:solidFill>
+                  <a:schemeClr val="bg1"/>
+                </a:solidFill>
+                <a:effectLst/>
+                <a:latin typeface="Calibri" panose="020F0502020204030204" pitchFamily="34" charset="0"/>
+                <a:ea typeface="Calibri" panose="020F0502020204030204" pitchFamily="34" charset="0"/>
+                <a:cs typeface="Times New Roman" panose="02020603050405020304" pitchFamily="18" charset="0"/>
+              </a:rPr>
+              <a:t>: Total sales by Mobile Drive-Thru orders - guests orders on the app and picks up the order in the drive-thru line.</a:t>
+            </a:r>
+          </a:p>
+          <a:p>
+            <a:pPr marL="0" marR="0" indent="0">
+              <a:lnSpc>
+                <a:spcPct val="107000"/>
+              </a:lnSpc>
+              <a:spcBef>
+                <a:spcPts val="0"/>
+              </a:spcBef>
+              <a:spcAft>
+                <a:spcPts val="800"/>
+              </a:spcAft>
+              <a:buNone/>
+            </a:pPr>
+            <a:r>
+              <a:rPr lang="en-US" sz="2900" b="1" dirty="0">
+                <a:solidFill>
+                  <a:schemeClr val="bg1"/>
+                </a:solidFill>
+                <a:effectLst/>
+                <a:latin typeface="Calibri" panose="020F0502020204030204" pitchFamily="34" charset="0"/>
+                <a:ea typeface="Calibri" panose="020F0502020204030204" pitchFamily="34" charset="0"/>
+                <a:cs typeface="Times New Roman" panose="02020603050405020304" pitchFamily="18" charset="0"/>
+              </a:rPr>
+              <a:t>Mobile Sales</a:t>
+            </a:r>
+            <a:r>
+              <a:rPr lang="en-US" sz="2900" dirty="0">
+                <a:solidFill>
+                  <a:schemeClr val="bg1"/>
+                </a:solidFill>
+                <a:effectLst/>
+                <a:latin typeface="Calibri" panose="020F0502020204030204" pitchFamily="34" charset="0"/>
+                <a:ea typeface="Calibri" panose="020F0502020204030204" pitchFamily="34" charset="0"/>
+                <a:cs typeface="Times New Roman" panose="02020603050405020304" pitchFamily="18" charset="0"/>
+              </a:rPr>
+              <a:t>: Total sales done through the mobile app.</a:t>
+            </a:r>
+          </a:p>
+          <a:p>
+            <a:pPr marL="0" marR="0" indent="0">
+              <a:lnSpc>
+                <a:spcPct val="107000"/>
+              </a:lnSpc>
+              <a:spcBef>
+                <a:spcPts val="0"/>
+              </a:spcBef>
+              <a:spcAft>
+                <a:spcPts val="800"/>
+              </a:spcAft>
+              <a:buNone/>
+            </a:pPr>
+            <a:r>
+              <a:rPr lang="en-US" sz="2900" b="1" dirty="0">
+                <a:solidFill>
+                  <a:schemeClr val="bg1"/>
+                </a:solidFill>
+                <a:effectLst/>
+                <a:latin typeface="Calibri" panose="020F0502020204030204" pitchFamily="34" charset="0"/>
+                <a:ea typeface="Calibri" panose="020F0502020204030204" pitchFamily="34" charset="0"/>
+                <a:cs typeface="Times New Roman" panose="02020603050405020304" pitchFamily="18" charset="0"/>
+              </a:rPr>
+              <a:t>3</a:t>
+            </a:r>
+            <a:r>
+              <a:rPr lang="en-US" sz="2900" b="1" baseline="30000" dirty="0">
+                <a:solidFill>
+                  <a:schemeClr val="bg1"/>
+                </a:solidFill>
+                <a:effectLst/>
+                <a:latin typeface="Calibri" panose="020F0502020204030204" pitchFamily="34" charset="0"/>
+                <a:ea typeface="Calibri" panose="020F0502020204030204" pitchFamily="34" charset="0"/>
+                <a:cs typeface="Times New Roman" panose="02020603050405020304" pitchFamily="18" charset="0"/>
+              </a:rPr>
+              <a:t>rd</a:t>
+            </a:r>
+            <a:r>
+              <a:rPr lang="en-US" sz="2900" b="1" dirty="0">
+                <a:solidFill>
+                  <a:schemeClr val="bg1"/>
+                </a:solidFill>
+                <a:effectLst/>
+                <a:latin typeface="Calibri" panose="020F0502020204030204" pitchFamily="34" charset="0"/>
+                <a:ea typeface="Calibri" panose="020F0502020204030204" pitchFamily="34" charset="0"/>
+                <a:cs typeface="Times New Roman" panose="02020603050405020304" pitchFamily="18" charset="0"/>
+              </a:rPr>
+              <a:t> party</a:t>
+            </a:r>
+            <a:r>
+              <a:rPr lang="en-US" sz="2900" dirty="0">
+                <a:solidFill>
+                  <a:schemeClr val="bg1"/>
+                </a:solidFill>
+                <a:effectLst/>
+                <a:latin typeface="Calibri" panose="020F0502020204030204" pitchFamily="34" charset="0"/>
+                <a:ea typeface="Calibri" panose="020F0502020204030204" pitchFamily="34" charset="0"/>
+                <a:cs typeface="Times New Roman" panose="02020603050405020304" pitchFamily="18" charset="0"/>
+              </a:rPr>
+              <a:t>: Total sales done through a 3</a:t>
+            </a:r>
+            <a:r>
+              <a:rPr lang="en-US" sz="2900" baseline="30000" dirty="0">
+                <a:solidFill>
+                  <a:schemeClr val="bg1"/>
+                </a:solidFill>
+                <a:effectLst/>
+                <a:latin typeface="Calibri" panose="020F0502020204030204" pitchFamily="34" charset="0"/>
+                <a:ea typeface="Calibri" panose="020F0502020204030204" pitchFamily="34" charset="0"/>
+                <a:cs typeface="Times New Roman" panose="02020603050405020304" pitchFamily="18" charset="0"/>
+              </a:rPr>
+              <a:t>rd</a:t>
+            </a:r>
+            <a:r>
+              <a:rPr lang="en-US" sz="2900" dirty="0">
+                <a:solidFill>
+                  <a:schemeClr val="bg1"/>
+                </a:solidFill>
+                <a:effectLst/>
+                <a:latin typeface="Calibri" panose="020F0502020204030204" pitchFamily="34" charset="0"/>
+                <a:ea typeface="Calibri" panose="020F0502020204030204" pitchFamily="34" charset="0"/>
+                <a:cs typeface="Times New Roman" panose="02020603050405020304" pitchFamily="18" charset="0"/>
+              </a:rPr>
+              <a:t> party delivery company, typically Uber Eats or DoorDash.</a:t>
+            </a:r>
+          </a:p>
+          <a:p>
+            <a:pPr marL="0" marR="0" indent="0">
+              <a:lnSpc>
+                <a:spcPct val="107000"/>
+              </a:lnSpc>
+              <a:spcBef>
+                <a:spcPts val="0"/>
+              </a:spcBef>
+              <a:spcAft>
+                <a:spcPts val="800"/>
+              </a:spcAft>
+              <a:buNone/>
+            </a:pPr>
+            <a:r>
+              <a:rPr lang="en-US" sz="2900" b="1" dirty="0">
+                <a:solidFill>
+                  <a:schemeClr val="bg1"/>
+                </a:solidFill>
+                <a:effectLst/>
+                <a:latin typeface="Calibri" panose="020F0502020204030204" pitchFamily="34" charset="0"/>
+                <a:ea typeface="Calibri" panose="020F0502020204030204" pitchFamily="34" charset="0"/>
+                <a:cs typeface="Times New Roman" panose="02020603050405020304" pitchFamily="18" charset="0"/>
+              </a:rPr>
+              <a:t>NormDT</a:t>
+            </a:r>
+            <a:r>
+              <a:rPr lang="en-US" sz="2900" dirty="0">
+                <a:solidFill>
+                  <a:schemeClr val="bg1"/>
+                </a:solidFill>
+                <a:effectLst/>
+                <a:latin typeface="Calibri" panose="020F0502020204030204" pitchFamily="34" charset="0"/>
+                <a:ea typeface="Calibri" panose="020F0502020204030204" pitchFamily="34" charset="0"/>
+                <a:cs typeface="Times New Roman" panose="02020603050405020304" pitchFamily="18" charset="0"/>
+              </a:rPr>
+              <a:t>: Total sales done through the traditional drive-thru process</a:t>
+            </a:r>
+          </a:p>
+          <a:p>
+            <a:pPr marL="0" marR="0" indent="0">
+              <a:lnSpc>
+                <a:spcPct val="107000"/>
+              </a:lnSpc>
+              <a:spcBef>
+                <a:spcPts val="0"/>
+              </a:spcBef>
+              <a:spcAft>
+                <a:spcPts val="800"/>
+              </a:spcAft>
+              <a:buNone/>
+            </a:pPr>
+            <a:r>
+              <a:rPr lang="en-US" sz="2900" b="1" dirty="0">
+                <a:solidFill>
+                  <a:schemeClr val="bg1"/>
+                </a:solidFill>
+                <a:effectLst/>
+                <a:latin typeface="Calibri" panose="020F0502020204030204" pitchFamily="34" charset="0"/>
+                <a:ea typeface="Calibri" panose="020F0502020204030204" pitchFamily="34" charset="0"/>
+                <a:cs typeface="Times New Roman" panose="02020603050405020304" pitchFamily="18" charset="0"/>
+              </a:rPr>
+              <a:t>CarryO</a:t>
+            </a:r>
+            <a:r>
+              <a:rPr lang="en-US" sz="2900" dirty="0">
+                <a:solidFill>
+                  <a:schemeClr val="bg1"/>
+                </a:solidFill>
+                <a:effectLst/>
+                <a:latin typeface="Calibri" panose="020F0502020204030204" pitchFamily="34" charset="0"/>
+                <a:ea typeface="Calibri" panose="020F0502020204030204" pitchFamily="34" charset="0"/>
+                <a:cs typeface="Times New Roman" panose="02020603050405020304" pitchFamily="18" charset="0"/>
+              </a:rPr>
+              <a:t>: Total sales through the traditional carryout process.</a:t>
+            </a:r>
+          </a:p>
+          <a:p>
+            <a:pPr marL="0" marR="0" indent="0">
+              <a:lnSpc>
+                <a:spcPct val="107000"/>
+              </a:lnSpc>
+              <a:spcBef>
+                <a:spcPts val="0"/>
+              </a:spcBef>
+              <a:spcAft>
+                <a:spcPts val="800"/>
+              </a:spcAft>
+              <a:buNone/>
+            </a:pPr>
+            <a:r>
+              <a:rPr lang="en-US" sz="2900" b="1" dirty="0">
+                <a:solidFill>
+                  <a:schemeClr val="bg1"/>
+                </a:solidFill>
+                <a:effectLst/>
+                <a:latin typeface="Calibri" panose="020F0502020204030204" pitchFamily="34" charset="0"/>
+                <a:ea typeface="Calibri" panose="020F0502020204030204" pitchFamily="34" charset="0"/>
+                <a:cs typeface="Times New Roman" panose="02020603050405020304" pitchFamily="18" charset="0"/>
+              </a:rPr>
+              <a:t>DineIn</a:t>
+            </a:r>
+            <a:r>
+              <a:rPr lang="en-US" sz="2900" dirty="0">
+                <a:solidFill>
+                  <a:schemeClr val="bg1"/>
+                </a:solidFill>
+                <a:effectLst/>
+                <a:latin typeface="Calibri" panose="020F0502020204030204" pitchFamily="34" charset="0"/>
+                <a:ea typeface="Calibri" panose="020F0502020204030204" pitchFamily="34" charset="0"/>
+                <a:cs typeface="Times New Roman" panose="02020603050405020304" pitchFamily="18" charset="0"/>
+              </a:rPr>
+              <a:t>: The guest places their order at the counter and goes to find a seat that the team member will bring their order to.</a:t>
+            </a:r>
+          </a:p>
+          <a:p>
+            <a:pPr marL="0" marR="0" indent="0">
+              <a:lnSpc>
+                <a:spcPct val="107000"/>
+              </a:lnSpc>
+              <a:spcBef>
+                <a:spcPts val="0"/>
+              </a:spcBef>
+              <a:spcAft>
+                <a:spcPts val="800"/>
+              </a:spcAft>
+              <a:buNone/>
+            </a:pPr>
+            <a:r>
+              <a:rPr lang="en-US" sz="2900" b="1" dirty="0">
+                <a:solidFill>
+                  <a:schemeClr val="bg1"/>
+                </a:solidFill>
+                <a:effectLst/>
+                <a:latin typeface="Calibri" panose="020F0502020204030204" pitchFamily="34" charset="0"/>
+                <a:ea typeface="Calibri" panose="020F0502020204030204" pitchFamily="34" charset="0"/>
+                <a:cs typeface="Times New Roman" panose="02020603050405020304" pitchFamily="18" charset="0"/>
+              </a:rPr>
+              <a:t>Catering</a:t>
+            </a:r>
+            <a:r>
+              <a:rPr lang="en-US" sz="2900" dirty="0">
+                <a:solidFill>
+                  <a:schemeClr val="bg1"/>
+                </a:solidFill>
+                <a:effectLst/>
+                <a:latin typeface="Calibri" panose="020F0502020204030204" pitchFamily="34" charset="0"/>
+                <a:ea typeface="Calibri" panose="020F0502020204030204" pitchFamily="34" charset="0"/>
+                <a:cs typeface="Times New Roman" panose="02020603050405020304" pitchFamily="18" charset="0"/>
+              </a:rPr>
+              <a:t>: Total sales for event catering.</a:t>
+            </a:r>
+          </a:p>
+          <a:p>
+            <a:pPr marL="0" marR="0" indent="0">
+              <a:lnSpc>
+                <a:spcPct val="107000"/>
+              </a:lnSpc>
+              <a:spcBef>
+                <a:spcPts val="0"/>
+              </a:spcBef>
+              <a:spcAft>
+                <a:spcPts val="800"/>
+              </a:spcAft>
+              <a:buNone/>
+            </a:pPr>
+            <a:r>
+              <a:rPr lang="en-US" sz="2900" b="1" dirty="0">
+                <a:solidFill>
+                  <a:schemeClr val="bg1"/>
+                </a:solidFill>
+                <a:effectLst/>
+                <a:latin typeface="Calibri" panose="020F0502020204030204" pitchFamily="34" charset="0"/>
+                <a:ea typeface="Calibri" panose="020F0502020204030204" pitchFamily="34" charset="0"/>
+                <a:cs typeface="Times New Roman" panose="02020603050405020304" pitchFamily="18" charset="0"/>
+              </a:rPr>
+              <a:t>Time</a:t>
+            </a:r>
+            <a:r>
+              <a:rPr lang="en-US" sz="2900" dirty="0">
+                <a:solidFill>
+                  <a:schemeClr val="bg1"/>
+                </a:solidFill>
+                <a:effectLst/>
+                <a:latin typeface="Calibri" panose="020F0502020204030204" pitchFamily="34" charset="0"/>
+                <a:ea typeface="Calibri" panose="020F0502020204030204" pitchFamily="34" charset="0"/>
+                <a:cs typeface="Times New Roman" panose="02020603050405020304" pitchFamily="18" charset="0"/>
+              </a:rPr>
+              <a:t>:</a:t>
+            </a:r>
+          </a:p>
+          <a:p>
+            <a:pPr marL="0" marR="0" indent="0">
+              <a:lnSpc>
+                <a:spcPct val="107000"/>
+              </a:lnSpc>
+              <a:spcBef>
+                <a:spcPts val="0"/>
+              </a:spcBef>
+              <a:spcAft>
+                <a:spcPts val="800"/>
+              </a:spcAft>
+              <a:buNone/>
+            </a:pPr>
+            <a:r>
+              <a:rPr lang="en-US" sz="2900" b="1" dirty="0">
+                <a:solidFill>
+                  <a:schemeClr val="bg1"/>
+                </a:solidFill>
+                <a:latin typeface="Calibri" panose="020F0502020204030204" pitchFamily="34" charset="0"/>
+                <a:ea typeface="Calibri" panose="020F0502020204030204" pitchFamily="34" charset="0"/>
+                <a:cs typeface="Times New Roman" panose="02020603050405020304" pitchFamily="18" charset="0"/>
+              </a:rPr>
+              <a:t>          </a:t>
+            </a:r>
+            <a:r>
+              <a:rPr lang="en-US" sz="2900" b="1" dirty="0">
+                <a:solidFill>
+                  <a:schemeClr val="bg1"/>
+                </a:solidFill>
+                <a:effectLst/>
+                <a:latin typeface="Calibri" panose="020F0502020204030204" pitchFamily="34" charset="0"/>
+                <a:ea typeface="Calibri" panose="020F0502020204030204" pitchFamily="34" charset="0"/>
+                <a:cs typeface="Times New Roman" panose="02020603050405020304" pitchFamily="18" charset="0"/>
+              </a:rPr>
+              <a:t>Before:</a:t>
+            </a:r>
+            <a:r>
+              <a:rPr lang="en-US" sz="2900" dirty="0">
+                <a:solidFill>
+                  <a:schemeClr val="bg1"/>
+                </a:solidFill>
+                <a:effectLst/>
+                <a:latin typeface="Calibri" panose="020F0502020204030204" pitchFamily="34" charset="0"/>
+                <a:ea typeface="Calibri" panose="020F0502020204030204" pitchFamily="34" charset="0"/>
+                <a:cs typeface="Times New Roman" panose="02020603050405020304" pitchFamily="18" charset="0"/>
+              </a:rPr>
+              <a:t> “Pre-Covid19” or any time in the weeks leading up to the 6-week lockdown period.	</a:t>
+            </a:r>
+          </a:p>
+          <a:p>
+            <a:pPr marL="0" marR="0" indent="0">
+              <a:lnSpc>
+                <a:spcPct val="107000"/>
+              </a:lnSpc>
+              <a:spcBef>
+                <a:spcPts val="0"/>
+              </a:spcBef>
+              <a:spcAft>
+                <a:spcPts val="800"/>
+              </a:spcAft>
+              <a:buNone/>
+            </a:pPr>
+            <a:r>
+              <a:rPr lang="en-US" sz="2900" b="1" dirty="0">
+                <a:solidFill>
+                  <a:schemeClr val="bg1"/>
+                </a:solidFill>
+                <a:effectLst/>
+                <a:latin typeface="Calibri" panose="020F0502020204030204" pitchFamily="34" charset="0"/>
+                <a:ea typeface="Calibri" panose="020F0502020204030204" pitchFamily="34" charset="0"/>
+                <a:cs typeface="Times New Roman" panose="02020603050405020304" pitchFamily="18" charset="0"/>
+              </a:rPr>
+              <a:t>          During: </a:t>
+            </a:r>
+            <a:r>
+              <a:rPr lang="en-US" sz="2900" dirty="0">
+                <a:solidFill>
+                  <a:schemeClr val="bg1"/>
+                </a:solidFill>
+                <a:effectLst/>
+                <a:latin typeface="Calibri" panose="020F0502020204030204" pitchFamily="34" charset="0"/>
+                <a:ea typeface="Calibri" panose="020F0502020204030204" pitchFamily="34" charset="0"/>
+                <a:cs typeface="Times New Roman" panose="02020603050405020304" pitchFamily="18" charset="0"/>
+              </a:rPr>
+              <a:t>During the 6-week lockdown period.							</a:t>
+            </a:r>
+          </a:p>
+          <a:p>
+            <a:pPr marL="0" marR="0" indent="0">
+              <a:lnSpc>
+                <a:spcPct val="107000"/>
+              </a:lnSpc>
+              <a:spcBef>
+                <a:spcPts val="0"/>
+              </a:spcBef>
+              <a:spcAft>
+                <a:spcPts val="800"/>
+              </a:spcAft>
+              <a:buNone/>
+            </a:pPr>
+            <a:r>
+              <a:rPr lang="en-US" sz="2900" b="1" dirty="0">
+                <a:solidFill>
+                  <a:schemeClr val="bg1"/>
+                </a:solidFill>
+                <a:effectLst/>
+                <a:latin typeface="Calibri" panose="020F0502020204030204" pitchFamily="34" charset="0"/>
+                <a:ea typeface="Calibri" panose="020F0502020204030204" pitchFamily="34" charset="0"/>
+                <a:cs typeface="Times New Roman" panose="02020603050405020304" pitchFamily="18" charset="0"/>
+              </a:rPr>
+              <a:t>          After:</a:t>
+            </a:r>
+            <a:r>
+              <a:rPr lang="en-US" sz="2900" dirty="0">
+                <a:solidFill>
+                  <a:schemeClr val="bg1"/>
+                </a:solidFill>
+                <a:effectLst/>
+                <a:latin typeface="Calibri" panose="020F0502020204030204" pitchFamily="34" charset="0"/>
+                <a:ea typeface="Calibri" panose="020F0502020204030204" pitchFamily="34" charset="0"/>
+                <a:cs typeface="Times New Roman" panose="02020603050405020304" pitchFamily="18" charset="0"/>
+              </a:rPr>
+              <a:t> After the 6-week lockdown period and people started to understand what the new norm may look like.</a:t>
+            </a:r>
+          </a:p>
+          <a:p>
+            <a:pPr marL="0" marR="0" indent="0">
+              <a:lnSpc>
+                <a:spcPct val="107000"/>
+              </a:lnSpc>
+              <a:spcBef>
+                <a:spcPts val="0"/>
+              </a:spcBef>
+              <a:spcAft>
+                <a:spcPts val="800"/>
+              </a:spcAft>
+              <a:buNone/>
+            </a:pPr>
+            <a:r>
+              <a:rPr lang="en-US" sz="2900" b="1" dirty="0">
+                <a:solidFill>
+                  <a:schemeClr val="bg1"/>
+                </a:solidFill>
+                <a:effectLst/>
+                <a:latin typeface="Calibri" panose="020F0502020204030204" pitchFamily="34" charset="0"/>
+                <a:ea typeface="Calibri" panose="020F0502020204030204" pitchFamily="34" charset="0"/>
+                <a:cs typeface="Times New Roman" panose="02020603050405020304" pitchFamily="18" charset="0"/>
+              </a:rPr>
+              <a:t>Productivity:</a:t>
+            </a:r>
+            <a:r>
+              <a:rPr lang="en-US" sz="2900" dirty="0">
+                <a:solidFill>
+                  <a:schemeClr val="bg1"/>
+                </a:solidFill>
+                <a:effectLst/>
+                <a:latin typeface="Calibri" panose="020F0502020204030204" pitchFamily="34" charset="0"/>
+                <a:ea typeface="Calibri" panose="020F0502020204030204" pitchFamily="34" charset="0"/>
+                <a:cs typeface="Times New Roman" panose="02020603050405020304" pitchFamily="18" charset="0"/>
+              </a:rPr>
+              <a:t> Sales/ HoursUsed – CFA’s metric for productivity</a:t>
+            </a:r>
+          </a:p>
+          <a:p>
+            <a:endParaRPr lang="en-US" dirty="0"/>
+          </a:p>
+        </p:txBody>
+      </p:sp>
     </p:spTree>
     <p:extLst>
       <p:ext uri="{BB962C8B-B14F-4D97-AF65-F5344CB8AC3E}">
-        <p14:creationId xmlns:p14="http://schemas.microsoft.com/office/powerpoint/2010/main" val="2471385220"/>
+        <p14:creationId xmlns:p14="http://schemas.microsoft.com/office/powerpoint/2010/main" val="2067907585"/>
       </p:ext>
     </p:extLst>
   </p:cSld>
@@ -8156,8 +7678,8 @@
         </p:nvSpPr>
         <p:spPr>
           <a:xfrm>
-            <a:off x="285006" y="89317"/>
-            <a:ext cx="11753533" cy="1335662"/>
+            <a:off x="285007" y="89317"/>
+            <a:ext cx="11651620" cy="1335662"/>
           </a:xfrm>
         </p:spPr>
         <p:txBody>
@@ -8168,7 +7690,7 @@
           <a:p>
             <a:r>
               <a:rPr lang="en-US" sz="4000" dirty="0"/>
-              <a:t>Obj 2:  How has labor costs been affected by Covid?  Was there a change in productivity?</a:t>
+              <a:t>Obj 1: How successful has Chick fil-A evolved to fit the new norm (drive-thru only)?</a:t>
             </a:r>
           </a:p>
         </p:txBody>
@@ -8560,10 +8082,10 @@
       </p:sp>
       <p:pic>
         <p:nvPicPr>
-          <p:cNvPr id="7" name="Content Placeholder 6" descr="A bowl of cereal&#10;&#10;Description automatically generated with medium confidence">
-            <a:extLst>
-              <a:ext uri="{FF2B5EF4-FFF2-40B4-BE49-F238E27FC236}">
-                <a16:creationId xmlns:a16="http://schemas.microsoft.com/office/drawing/2014/main" id="{5299CA83-E892-452E-A48B-D65532F7308C}"/>
+          <p:cNvPr id="5" name="Content Placeholder 4" descr="A picture containing plate, table, food, nut&#10;&#10;Description automatically generated">
+            <a:extLst>
+              <a:ext uri="{FF2B5EF4-FFF2-40B4-BE49-F238E27FC236}">
+                <a16:creationId xmlns:a16="http://schemas.microsoft.com/office/drawing/2014/main" id="{F2A125C0-2EB1-4F96-A285-9BE2ABBE64A1}"/>
               </a:ext>
             </a:extLst>
           </p:cNvPr>
@@ -8574,7 +8096,7 @@
             <p:ph idx="1"/>
           </p:nvPr>
         </p:nvPicPr>
-        <p:blipFill>
+        <p:blipFill rotWithShape="1">
           <a:blip r:embed="rId2">
             <a:extLst>
               <a:ext uri="{28A0092B-C50C-407E-A947-70E740481C1C}">
@@ -8582,21 +8104,60 @@
               </a:ext>
             </a:extLst>
           </a:blip>
-          <a:stretch>
-            <a:fillRect/>
-          </a:stretch>
+          <a:srcRect t="18211" r="-4" b="12949"/>
+          <a:stretch/>
         </p:blipFill>
         <p:spPr>
           <a:xfrm>
-            <a:off x="1192383" y="1607701"/>
-            <a:ext cx="5328800" cy="5328800"/>
+            <a:off x="905776" y="2237376"/>
+            <a:ext cx="5346811" cy="3680577"/>
           </a:xfrm>
+          <a:custGeom>
+            <a:avLst/>
+            <a:gdLst/>
+            <a:ahLst/>
+            <a:cxnLst/>
+            <a:rect l="l" t="t" r="r" b="b"/>
+            <a:pathLst>
+              <a:path w="7761924" h="5343065">
+                <a:moveTo>
+                  <a:pt x="3025687" y="76"/>
+                </a:moveTo>
+                <a:cubicBezTo>
+                  <a:pt x="3140786" y="756"/>
+                  <a:pt x="3256631" y="6055"/>
+                  <a:pt x="3372722" y="16088"/>
+                </a:cubicBezTo>
+                <a:cubicBezTo>
+                  <a:pt x="5230178" y="176616"/>
+                  <a:pt x="7761924" y="1424594"/>
+                  <a:pt x="7761924" y="3316816"/>
+                </a:cubicBezTo>
+                <a:cubicBezTo>
+                  <a:pt x="7646022" y="5237647"/>
+                  <a:pt x="4988715" y="5423921"/>
+                  <a:pt x="3701109" y="5320611"/>
+                </a:cubicBezTo>
+                <a:cubicBezTo>
+                  <a:pt x="2413504" y="5217301"/>
+                  <a:pt x="351800" y="4486992"/>
+                  <a:pt x="36290" y="2696959"/>
+                </a:cubicBezTo>
+                <a:cubicBezTo>
+                  <a:pt x="-259500" y="1018804"/>
+                  <a:pt x="1299198" y="-10133"/>
+                  <a:pt x="3025687" y="76"/>
+                </a:cubicBezTo>
+                <a:close/>
+              </a:path>
+            </a:pathLst>
+          </a:custGeom>
         </p:spPr>
       </p:pic>
     </p:spTree>
     <p:extLst>
       <p:ext uri="{BB962C8B-B14F-4D97-AF65-F5344CB8AC3E}">
-        <p14:creationId xmlns:p14="http://schemas.microsoft.com/office/powerpoint/2010/main" val="3925067938"/>
+        <p14:creationId xmlns:p14="http://schemas.microsoft.com/office/powerpoint/2010/main" val="2471385220"/>
       </p:ext>
     </p:extLst>
   </p:cSld>
@@ -9823,7 +9384,7 @@
         <p:spPr>
           <a:xfrm>
             <a:off x="285006" y="89317"/>
-            <a:ext cx="11591607" cy="1335662"/>
+            <a:ext cx="11753533" cy="1335662"/>
           </a:xfrm>
         </p:spPr>
         <p:txBody>
@@ -9834,7 +9395,7 @@
           <a:p>
             <a:r>
               <a:rPr lang="en-US" sz="4000" dirty="0"/>
-              <a:t>Obj 3:  How has ordering changed during Covid?</a:t>
+              <a:t>Obj 2:  How has labor costs been affected by Covid?  Was there a change in productivity?</a:t>
             </a:r>
           </a:p>
         </p:txBody>
@@ -10226,10 +9787,10 @@
       </p:sp>
       <p:pic>
         <p:nvPicPr>
-          <p:cNvPr id="7" name="Content Placeholder 6" descr="A hamburger on a plate&#10;&#10;Description automatically generated with low confidence">
-            <a:extLst>
-              <a:ext uri="{FF2B5EF4-FFF2-40B4-BE49-F238E27FC236}">
-                <a16:creationId xmlns:a16="http://schemas.microsoft.com/office/drawing/2014/main" id="{3AACC0DC-68F9-4C1D-8808-B5923ED94969}"/>
+          <p:cNvPr id="7" name="Content Placeholder 6" descr="A bowl of cereal&#10;&#10;Description automatically generated with medium confidence">
+            <a:extLst>
+              <a:ext uri="{FF2B5EF4-FFF2-40B4-BE49-F238E27FC236}">
+                <a16:creationId xmlns:a16="http://schemas.microsoft.com/office/drawing/2014/main" id="{5299CA83-E892-452E-A48B-D65532F7308C}"/>
               </a:ext>
             </a:extLst>
           </p:cNvPr>
@@ -10254,15 +9815,15 @@
         </p:blipFill>
         <p:spPr>
           <a:xfrm>
-            <a:off x="1617394" y="1827413"/>
-            <a:ext cx="4351338" cy="4351338"/>
+            <a:off x="1192383" y="1607701"/>
+            <a:ext cx="5328800" cy="5328800"/>
           </a:xfrm>
         </p:spPr>
       </p:pic>
     </p:spTree>
     <p:extLst>
       <p:ext uri="{BB962C8B-B14F-4D97-AF65-F5344CB8AC3E}">
-        <p14:creationId xmlns:p14="http://schemas.microsoft.com/office/powerpoint/2010/main" val="3304196944"/>
+        <p14:creationId xmlns:p14="http://schemas.microsoft.com/office/powerpoint/2010/main" val="3925067938"/>
       </p:ext>
     </p:extLst>
   </p:cSld>
@@ -10278,10 +9839,7 @@
     <p:bg>
       <p:bgPr>
         <a:solidFill>
-          <a:schemeClr val="bg1">
-            <a:tint val="95000"/>
-            <a:satMod val="170000"/>
-          </a:schemeClr>
+          <a:schemeClr val="bg1"/>
         </a:solidFill>
         <a:effectLst/>
       </p:bgPr>
@@ -10302,45 +9860,10 @@
       </p:grpSpPr>
       <p:sp>
         <p:nvSpPr>
-          <p:cNvPr id="2" name="Title 1">
-            <a:extLst>
-              <a:ext uri="{FF2B5EF4-FFF2-40B4-BE49-F238E27FC236}">
-                <a16:creationId xmlns:a16="http://schemas.microsoft.com/office/drawing/2014/main" id="{E9ECB909-3470-44FA-8414-06629D2BD904}"/>
-              </a:ext>
-            </a:extLst>
-          </p:cNvPr>
-          <p:cNvSpPr>
-            <a:spLocks noGrp="1"/>
-          </p:cNvSpPr>
-          <p:nvPr>
-            <p:ph type="title"/>
-          </p:nvPr>
-        </p:nvSpPr>
-        <p:spPr>
-          <a:xfrm>
-            <a:off x="7464614" y="1783959"/>
-            <a:ext cx="4087306" cy="2889114"/>
-          </a:xfrm>
-        </p:spPr>
-        <p:txBody>
-          <a:bodyPr vert="horz" lIns="91440" tIns="45720" rIns="91440" bIns="45720" rtlCol="0" anchor="b">
-            <a:normAutofit/>
-          </a:bodyPr>
-          <a:lstStyle/>
-          <a:p>
-            <a:r>
-              <a:rPr lang="en-US" sz="5400" dirty="0"/>
-              <a:t>Summary</a:t>
-            </a:r>
-          </a:p>
-        </p:txBody>
-      </p:sp>
-      <p:sp>
-        <p:nvSpPr>
-          <p:cNvPr id="50" name="Freeform: Shape 49">
-            <a:extLst>
-              <a:ext uri="{FF2B5EF4-FFF2-40B4-BE49-F238E27FC236}">
-                <a16:creationId xmlns:a16="http://schemas.microsoft.com/office/drawing/2014/main" id="{E49CC64F-7275-4E33-961B-0C5CDC439875}"/>
+          <p:cNvPr id="15" name="Freeform 5">
+            <a:extLst>
+              <a:ext uri="{FF2B5EF4-FFF2-40B4-BE49-F238E27FC236}">
+                <a16:creationId xmlns:a16="http://schemas.microsoft.com/office/drawing/2014/main" id="{07322A9E-F1EC-405E-8971-BA906EFFCCB8}"/>
               </a:ext>
               <a:ext uri="{C183D7F6-B498-43B3-948B-1728B52AA6E4}">
                 <adec:decorative xmlns:adec="http://schemas.microsoft.com/office/drawing/2017/decorative" val="1"/>
@@ -10358,32 +9881,1432 @@
             </p:extLst>
           </p:nvPr>
         </p:nvSpPr>
-        <p:spPr>
-          <a:xfrm flipH="1" flipV="1">
-            <a:off x="1" y="0"/>
-            <a:ext cx="7188051" cy="6858000"/>
+        <p:spPr bwMode="auto">
+          <a:xfrm>
+            <a:off x="-329674" y="1290909"/>
+            <a:ext cx="9702800" cy="5573512"/>
           </a:xfrm>
           <a:custGeom>
             <a:avLst/>
             <a:gdLst>
-              <a:gd name="connsiteX0" fmla="*/ 7188051 w 7188051"/>
-              <a:gd name="connsiteY0" fmla="*/ 6858000 h 6858000"/>
-              <a:gd name="connsiteX1" fmla="*/ 108694 w 7188051"/>
-              <a:gd name="connsiteY1" fmla="*/ 6858000 h 6858000"/>
-              <a:gd name="connsiteX2" fmla="*/ 79127 w 7188051"/>
-              <a:gd name="connsiteY2" fmla="*/ 6681235 h 6858000"/>
-              <a:gd name="connsiteX3" fmla="*/ 0 w 7188051"/>
-              <a:gd name="connsiteY3" fmla="*/ 5565888 h 6858000"/>
-              <a:gd name="connsiteX4" fmla="*/ 2190696 w 7188051"/>
-              <a:gd name="connsiteY4" fmla="*/ 145339 h 6858000"/>
-              <a:gd name="connsiteX5" fmla="*/ 2339431 w 7188051"/>
-              <a:gd name="connsiteY5" fmla="*/ 0 h 6858000"/>
-              <a:gd name="connsiteX6" fmla="*/ 7188051 w 7188051"/>
-              <a:gd name="connsiteY6" fmla="*/ 0 h 6858000"/>
+              <a:gd name="T0" fmla="*/ 1752 w 2038"/>
+              <a:gd name="T1" fmla="*/ 1169 h 1169"/>
+              <a:gd name="T2" fmla="*/ 1487 w 2038"/>
+              <a:gd name="T3" fmla="*/ 334 h 1169"/>
+              <a:gd name="T4" fmla="*/ 860 w 2038"/>
+              <a:gd name="T5" fmla="*/ 22 h 1169"/>
+              <a:gd name="T6" fmla="*/ 199 w 2038"/>
+              <a:gd name="T7" fmla="*/ 318 h 1169"/>
+              <a:gd name="T8" fmla="*/ 399 w 2038"/>
+              <a:gd name="T9" fmla="*/ 1165 h 1169"/>
             </a:gdLst>
             <a:ahLst/>
             <a:cxnLst>
               <a:cxn ang="0">
+                <a:pos x="T0" y="T1"/>
+              </a:cxn>
+              <a:cxn ang="0">
+                <a:pos x="T2" y="T3"/>
+              </a:cxn>
+              <a:cxn ang="0">
+                <a:pos x="T4" y="T5"/>
+              </a:cxn>
+              <a:cxn ang="0">
+                <a:pos x="T6" y="T7"/>
+              </a:cxn>
+              <a:cxn ang="0">
+                <a:pos x="T8" y="T9"/>
+              </a:cxn>
+            </a:cxnLst>
+            <a:rect l="0" t="0" r="r" b="b"/>
+            <a:pathLst>
+              <a:path w="2038" h="1169">
+                <a:moveTo>
+                  <a:pt x="1752" y="1169"/>
+                </a:moveTo>
+                <a:cubicBezTo>
+                  <a:pt x="2038" y="928"/>
+                  <a:pt x="1673" y="513"/>
+                  <a:pt x="1487" y="334"/>
+                </a:cubicBezTo>
+                <a:cubicBezTo>
+                  <a:pt x="1316" y="170"/>
+                  <a:pt x="1099" y="43"/>
+                  <a:pt x="860" y="22"/>
+                </a:cubicBezTo>
+                <a:cubicBezTo>
+                  <a:pt x="621" y="0"/>
+                  <a:pt x="341" y="128"/>
+                  <a:pt x="199" y="318"/>
+                </a:cubicBezTo>
+                <a:cubicBezTo>
+                  <a:pt x="0" y="586"/>
+                  <a:pt x="184" y="965"/>
+                  <a:pt x="399" y="1165"/>
+                </a:cubicBezTo>
+              </a:path>
+            </a:pathLst>
+          </a:custGeom>
+          <a:noFill/>
+          <a:ln w="9525" cap="flat">
+            <a:solidFill>
+              <a:schemeClr val="tx1">
+                <a:alpha val="20000"/>
+              </a:schemeClr>
+            </a:solidFill>
+            <a:prstDash val="solid"/>
+            <a:miter lim="800000"/>
+            <a:headEnd/>
+            <a:tailEnd/>
+          </a:ln>
+          <a:extLst>
+            <a:ext uri="{909E8E84-426E-40DD-AFC4-6F175D3DCCD1}">
+              <a14:hiddenFill xmlns:a14="http://schemas.microsoft.com/office/drawing/2010/main">
+                <a:solidFill>
+                  <a:srgbClr val="FFFFFF"/>
+                </a:solidFill>
+              </a14:hiddenFill>
+            </a:ext>
+          </a:extLst>
+        </p:spPr>
+        <p:txBody>
+          <a:bodyPr vert="horz" wrap="square" lIns="91440" tIns="45720" rIns="91440" bIns="45720" numCol="1" anchor="t" anchorCtr="0" compatLnSpc="1">
+            <a:prstTxWarp prst="textNoShape">
+              <a:avLst/>
+            </a:prstTxWarp>
+          </a:bodyPr>
+          <a:lstStyle/>
+          <a:p>
+            <a:endParaRPr lang="en-US"/>
+          </a:p>
+        </p:txBody>
+      </p:sp>
+      <p:sp>
+        <p:nvSpPr>
+          <p:cNvPr id="17" name="Freeform 6">
+            <a:extLst>
+              <a:ext uri="{FF2B5EF4-FFF2-40B4-BE49-F238E27FC236}">
+                <a16:creationId xmlns:a16="http://schemas.microsoft.com/office/drawing/2014/main" id="{A5704422-1118-4FD1-95AD-29A064EB80D9}"/>
+              </a:ext>
+              <a:ext uri="{C183D7F6-B498-43B3-948B-1728B52AA6E4}">
+                <adec:decorative xmlns:adec="http://schemas.microsoft.com/office/drawing/2017/decorative" val="1"/>
+              </a:ext>
+            </a:extLst>
+          </p:cNvPr>
+          <p:cNvSpPr>
+            <a:spLocks noGrp="1" noRot="1" noChangeAspect="1" noMove="1" noResize="1" noEditPoints="1" noAdjustHandles="1" noChangeArrowheads="1" noChangeShapeType="1" noTextEdit="1"/>
+          </p:cNvSpPr>
+          <p:nvPr>
+            <p:extLst>
+              <p:ext uri="{386F3935-93C4-4BCD-93E2-E3B085C9AB24}">
+                <p16:designElem xmlns:p16="http://schemas.microsoft.com/office/powerpoint/2015/main" val="1"/>
+              </p:ext>
+            </p:extLst>
+          </p:nvPr>
+        </p:nvSpPr>
+        <p:spPr bwMode="auto">
+          <a:xfrm>
+            <a:off x="670451" y="2010741"/>
+            <a:ext cx="7373938" cy="4848892"/>
+          </a:xfrm>
+          <a:custGeom>
+            <a:avLst/>
+            <a:gdLst>
+              <a:gd name="T0" fmla="*/ 1025 w 1549"/>
+              <a:gd name="T1" fmla="*/ 1016 h 1017"/>
+              <a:gd name="T2" fmla="*/ 1443 w 1549"/>
+              <a:gd name="T3" fmla="*/ 592 h 1017"/>
+              <a:gd name="T4" fmla="*/ 782 w 1549"/>
+              <a:gd name="T5" fmla="*/ 53 h 1017"/>
+              <a:gd name="T6" fmla="*/ 150 w 1549"/>
+              <a:gd name="T7" fmla="*/ 329 h 1017"/>
+              <a:gd name="T8" fmla="*/ 477 w 1549"/>
+              <a:gd name="T9" fmla="*/ 1017 h 1017"/>
+            </a:gdLst>
+            <a:ahLst/>
+            <a:cxnLst>
+              <a:cxn ang="0">
+                <a:pos x="T0" y="T1"/>
+              </a:cxn>
+              <a:cxn ang="0">
+                <a:pos x="T2" y="T3"/>
+              </a:cxn>
+              <a:cxn ang="0">
+                <a:pos x="T4" y="T5"/>
+              </a:cxn>
+              <a:cxn ang="0">
+                <a:pos x="T6" y="T7"/>
+              </a:cxn>
+              <a:cxn ang="0">
+                <a:pos x="T8" y="T9"/>
+              </a:cxn>
+            </a:cxnLst>
+            <a:rect l="0" t="0" r="r" b="b"/>
+            <a:pathLst>
+              <a:path w="1549" h="1017">
+                <a:moveTo>
+                  <a:pt x="1025" y="1016"/>
+                </a:moveTo>
+                <a:cubicBezTo>
+                  <a:pt x="1223" y="971"/>
+                  <a:pt x="1549" y="857"/>
+                  <a:pt x="1443" y="592"/>
+                </a:cubicBezTo>
+                <a:cubicBezTo>
+                  <a:pt x="1344" y="344"/>
+                  <a:pt x="1041" y="111"/>
+                  <a:pt x="782" y="53"/>
+                </a:cubicBezTo>
+                <a:cubicBezTo>
+                  <a:pt x="545" y="0"/>
+                  <a:pt x="275" y="117"/>
+                  <a:pt x="150" y="329"/>
+                </a:cubicBezTo>
+                <a:cubicBezTo>
+                  <a:pt x="0" y="584"/>
+                  <a:pt x="243" y="911"/>
+                  <a:pt x="477" y="1017"/>
+                </a:cubicBezTo>
+              </a:path>
+            </a:pathLst>
+          </a:custGeom>
+          <a:noFill/>
+          <a:ln w="9525" cap="flat">
+            <a:solidFill>
+              <a:schemeClr val="tx1">
+                <a:alpha val="20000"/>
+              </a:schemeClr>
+            </a:solidFill>
+            <a:prstDash val="solid"/>
+            <a:miter lim="800000"/>
+            <a:headEnd/>
+            <a:tailEnd/>
+          </a:ln>
+          <a:extLst>
+            <a:ext uri="{909E8E84-426E-40DD-AFC4-6F175D3DCCD1}">
+              <a14:hiddenFill xmlns:a14="http://schemas.microsoft.com/office/drawing/2010/main">
+                <a:solidFill>
+                  <a:srgbClr val="FFFFFF"/>
+                </a:solidFill>
+              </a14:hiddenFill>
+            </a:ext>
+          </a:extLst>
+        </p:spPr>
+        <p:txBody>
+          <a:bodyPr vert="horz" wrap="square" lIns="91440" tIns="45720" rIns="91440" bIns="45720" numCol="1" anchor="t" anchorCtr="0" compatLnSpc="1">
+            <a:prstTxWarp prst="textNoShape">
+              <a:avLst/>
+            </a:prstTxWarp>
+          </a:bodyPr>
+          <a:lstStyle/>
+          <a:p>
+            <a:endParaRPr lang="en-US"/>
+          </a:p>
+        </p:txBody>
+      </p:sp>
+      <p:sp>
+        <p:nvSpPr>
+          <p:cNvPr id="19" name="Freeform 7">
+            <a:extLst>
+              <a:ext uri="{FF2B5EF4-FFF2-40B4-BE49-F238E27FC236}">
+                <a16:creationId xmlns:a16="http://schemas.microsoft.com/office/drawing/2014/main" id="{A88B2AAA-B805-498E-A9E6-98B885855498}"/>
+              </a:ext>
+              <a:ext uri="{C183D7F6-B498-43B3-948B-1728B52AA6E4}">
+                <adec:decorative xmlns:adec="http://schemas.microsoft.com/office/drawing/2017/decorative" val="1"/>
+              </a:ext>
+            </a:extLst>
+          </p:cNvPr>
+          <p:cNvSpPr>
+            <a:spLocks noGrp="1" noRot="1" noChangeAspect="1" noMove="1" noResize="1" noEditPoints="1" noAdjustHandles="1" noChangeArrowheads="1" noChangeShapeType="1" noTextEdit="1"/>
+          </p:cNvSpPr>
+          <p:nvPr>
+            <p:extLst>
+              <p:ext uri="{386F3935-93C4-4BCD-93E2-E3B085C9AB24}">
+                <p16:designElem xmlns:p16="http://schemas.microsoft.com/office/powerpoint/2015/main" val="1"/>
+              </p:ext>
+            </p:extLst>
+          </p:nvPr>
+        </p:nvSpPr>
+        <p:spPr bwMode="auto">
+          <a:xfrm>
+            <a:off x="251351" y="1780905"/>
+            <a:ext cx="8035925" cy="5083516"/>
+          </a:xfrm>
+          <a:custGeom>
+            <a:avLst/>
+            <a:gdLst>
+              <a:gd name="T0" fmla="*/ 1302 w 1688"/>
+              <a:gd name="T1" fmla="*/ 1066 h 1066"/>
+              <a:gd name="T2" fmla="*/ 1613 w 1688"/>
+              <a:gd name="T3" fmla="*/ 850 h 1066"/>
+              <a:gd name="T4" fmla="*/ 1517 w 1688"/>
+              <a:gd name="T5" fmla="*/ 471 h 1066"/>
+              <a:gd name="T6" fmla="*/ 798 w 1688"/>
+              <a:gd name="T7" fmla="*/ 28 h 1066"/>
+              <a:gd name="T8" fmla="*/ 181 w 1688"/>
+              <a:gd name="T9" fmla="*/ 333 h 1066"/>
+              <a:gd name="T10" fmla="*/ 420 w 1688"/>
+              <a:gd name="T11" fmla="*/ 1066 h 1066"/>
+            </a:gdLst>
+            <a:ahLst/>
+            <a:cxnLst>
+              <a:cxn ang="0">
+                <a:pos x="T0" y="T1"/>
+              </a:cxn>
+              <a:cxn ang="0">
+                <a:pos x="T2" y="T3"/>
+              </a:cxn>
+              <a:cxn ang="0">
+                <a:pos x="T4" y="T5"/>
+              </a:cxn>
+              <a:cxn ang="0">
+                <a:pos x="T6" y="T7"/>
+              </a:cxn>
+              <a:cxn ang="0">
+                <a:pos x="T8" y="T9"/>
+              </a:cxn>
+              <a:cxn ang="0">
+                <a:pos x="T10" y="T11"/>
+              </a:cxn>
+            </a:cxnLst>
+            <a:rect l="0" t="0" r="r" b="b"/>
+            <a:pathLst>
+              <a:path w="1688" h="1066">
+                <a:moveTo>
+                  <a:pt x="1302" y="1066"/>
+                </a:moveTo>
+                <a:cubicBezTo>
+                  <a:pt x="1416" y="1024"/>
+                  <a:pt x="1551" y="962"/>
+                  <a:pt x="1613" y="850"/>
+                </a:cubicBezTo>
+                <a:cubicBezTo>
+                  <a:pt x="1688" y="715"/>
+                  <a:pt x="1606" y="575"/>
+                  <a:pt x="1517" y="471"/>
+                </a:cubicBezTo>
+                <a:cubicBezTo>
+                  <a:pt x="1336" y="258"/>
+                  <a:pt x="1084" y="62"/>
+                  <a:pt x="798" y="28"/>
+                </a:cubicBezTo>
+                <a:cubicBezTo>
+                  <a:pt x="559" y="0"/>
+                  <a:pt x="317" y="138"/>
+                  <a:pt x="181" y="333"/>
+                </a:cubicBezTo>
+                <a:cubicBezTo>
+                  <a:pt x="0" y="592"/>
+                  <a:pt x="191" y="907"/>
+                  <a:pt x="420" y="1066"/>
+                </a:cubicBezTo>
+              </a:path>
+            </a:pathLst>
+          </a:custGeom>
+          <a:noFill/>
+          <a:ln w="9525" cap="flat">
+            <a:solidFill>
+              <a:schemeClr val="tx1">
+                <a:alpha val="20000"/>
+              </a:schemeClr>
+            </a:solidFill>
+            <a:prstDash val="dash"/>
+            <a:miter lim="800000"/>
+            <a:headEnd/>
+            <a:tailEnd/>
+          </a:ln>
+          <a:extLst>
+            <a:ext uri="{909E8E84-426E-40DD-AFC4-6F175D3DCCD1}">
+              <a14:hiddenFill xmlns:a14="http://schemas.microsoft.com/office/drawing/2010/main">
+                <a:solidFill>
+                  <a:srgbClr val="FFFFFF"/>
+                </a:solidFill>
+              </a14:hiddenFill>
+            </a:ext>
+          </a:extLst>
+        </p:spPr>
+        <p:txBody>
+          <a:bodyPr vert="horz" wrap="square" lIns="91440" tIns="45720" rIns="91440" bIns="45720" numCol="1" anchor="t" anchorCtr="0" compatLnSpc="1">
+            <a:prstTxWarp prst="textNoShape">
+              <a:avLst/>
+            </a:prstTxWarp>
+          </a:bodyPr>
+          <a:lstStyle/>
+          <a:p>
+            <a:endParaRPr lang="en-US"/>
+          </a:p>
+        </p:txBody>
+      </p:sp>
+      <p:sp>
+        <p:nvSpPr>
+          <p:cNvPr id="21" name="Freeform 8">
+            <a:extLst>
+              <a:ext uri="{FF2B5EF4-FFF2-40B4-BE49-F238E27FC236}">
+                <a16:creationId xmlns:a16="http://schemas.microsoft.com/office/drawing/2014/main" id="{9B8051E0-19D7-43E1-BFD9-E6DBFEB3A3F1}"/>
+              </a:ext>
+              <a:ext uri="{C183D7F6-B498-43B3-948B-1728B52AA6E4}">
+                <adec:decorative xmlns:adec="http://schemas.microsoft.com/office/drawing/2017/decorative" val="1"/>
+              </a:ext>
+            </a:extLst>
+          </p:cNvPr>
+          <p:cNvSpPr>
+            <a:spLocks noGrp="1" noRot="1" noChangeAspect="1" noMove="1" noResize="1" noEditPoints="1" noAdjustHandles="1" noChangeArrowheads="1" noChangeShapeType="1" noTextEdit="1"/>
+          </p:cNvSpPr>
+          <p:nvPr>
+            <p:extLst>
+              <p:ext uri="{386F3935-93C4-4BCD-93E2-E3B085C9AB24}">
+                <p16:designElem xmlns:p16="http://schemas.microsoft.com/office/powerpoint/2015/main" val="1"/>
+              </p:ext>
+            </p:extLst>
+          </p:nvPr>
+        </p:nvSpPr>
+        <p:spPr bwMode="auto">
+          <a:xfrm>
+            <a:off x="-1061" y="542347"/>
+            <a:ext cx="10334625" cy="6322075"/>
+          </a:xfrm>
+          <a:custGeom>
+            <a:avLst/>
+            <a:gdLst>
+              <a:gd name="T0" fmla="*/ 1873 w 2171"/>
+              <a:gd name="T1" fmla="*/ 1326 h 1326"/>
+              <a:gd name="T2" fmla="*/ 1609 w 2171"/>
+              <a:gd name="T3" fmla="*/ 473 h 1326"/>
+              <a:gd name="T4" fmla="*/ 880 w 2171"/>
+              <a:gd name="T5" fmla="*/ 63 h 1326"/>
+              <a:gd name="T6" fmla="*/ 0 w 2171"/>
+              <a:gd name="T7" fmla="*/ 423 h 1326"/>
+            </a:gdLst>
+            <a:ahLst/>
+            <a:cxnLst>
+              <a:cxn ang="0">
+                <a:pos x="T0" y="T1"/>
+              </a:cxn>
+              <a:cxn ang="0">
+                <a:pos x="T2" y="T3"/>
+              </a:cxn>
+              <a:cxn ang="0">
+                <a:pos x="T4" y="T5"/>
+              </a:cxn>
+              <a:cxn ang="0">
+                <a:pos x="T6" y="T7"/>
+              </a:cxn>
+            </a:cxnLst>
+            <a:rect l="0" t="0" r="r" b="b"/>
+            <a:pathLst>
+              <a:path w="2171" h="1326">
+                <a:moveTo>
+                  <a:pt x="1873" y="1326"/>
+                </a:moveTo>
+                <a:cubicBezTo>
+                  <a:pt x="2171" y="1045"/>
+                  <a:pt x="1825" y="678"/>
+                  <a:pt x="1609" y="473"/>
+                </a:cubicBezTo>
+                <a:cubicBezTo>
+                  <a:pt x="1406" y="281"/>
+                  <a:pt x="1159" y="116"/>
+                  <a:pt x="880" y="63"/>
+                </a:cubicBezTo>
+                <a:cubicBezTo>
+                  <a:pt x="545" y="0"/>
+                  <a:pt x="214" y="161"/>
+                  <a:pt x="0" y="423"/>
+                </a:cubicBezTo>
+              </a:path>
+            </a:pathLst>
+          </a:custGeom>
+          <a:noFill/>
+          <a:ln w="9525" cap="flat">
+            <a:solidFill>
+              <a:schemeClr val="tx1">
+                <a:alpha val="20000"/>
+              </a:schemeClr>
+            </a:solidFill>
+            <a:prstDash val="solid"/>
+            <a:miter lim="800000"/>
+            <a:headEnd/>
+            <a:tailEnd/>
+          </a:ln>
+          <a:extLst>
+            <a:ext uri="{909E8E84-426E-40DD-AFC4-6F175D3DCCD1}">
+              <a14:hiddenFill xmlns:a14="http://schemas.microsoft.com/office/drawing/2010/main">
+                <a:solidFill>
+                  <a:srgbClr val="FFFFFF"/>
+                </a:solidFill>
+              </a14:hiddenFill>
+            </a:ext>
+          </a:extLst>
+        </p:spPr>
+        <p:txBody>
+          <a:bodyPr vert="horz" wrap="square" lIns="91440" tIns="45720" rIns="91440" bIns="45720" numCol="1" anchor="t" anchorCtr="0" compatLnSpc="1">
+            <a:prstTxWarp prst="textNoShape">
+              <a:avLst/>
+            </a:prstTxWarp>
+          </a:bodyPr>
+          <a:lstStyle/>
+          <a:p>
+            <a:endParaRPr lang="en-US"/>
+          </a:p>
+        </p:txBody>
+      </p:sp>
+      <p:sp>
+        <p:nvSpPr>
+          <p:cNvPr id="23" name="Freeform 9">
+            <a:extLst>
+              <a:ext uri="{FF2B5EF4-FFF2-40B4-BE49-F238E27FC236}">
+                <a16:creationId xmlns:a16="http://schemas.microsoft.com/office/drawing/2014/main" id="{4EDB2B02-86A2-46F5-A4BE-B7D9B10411D6}"/>
+              </a:ext>
+              <a:ext uri="{C183D7F6-B498-43B3-948B-1728B52AA6E4}">
+                <adec:decorative xmlns:adec="http://schemas.microsoft.com/office/drawing/2017/decorative" val="1"/>
+              </a:ext>
+            </a:extLst>
+          </p:cNvPr>
+          <p:cNvSpPr>
+            <a:spLocks noGrp="1" noRot="1" noChangeAspect="1" noMove="1" noResize="1" noEditPoints="1" noAdjustHandles="1" noChangeArrowheads="1" noChangeShapeType="1" noTextEdit="1"/>
+          </p:cNvSpPr>
+          <p:nvPr>
+            <p:extLst>
+              <p:ext uri="{386F3935-93C4-4BCD-93E2-E3B085C9AB24}">
+                <p16:designElem xmlns:p16="http://schemas.microsoft.com/office/powerpoint/2015/main" val="1"/>
+              </p:ext>
+            </p:extLst>
+          </p:nvPr>
+        </p:nvSpPr>
+        <p:spPr bwMode="auto">
+          <a:xfrm>
+            <a:off x="3701" y="6178751"/>
+            <a:ext cx="504825" cy="681527"/>
+          </a:xfrm>
+          <a:custGeom>
+            <a:avLst/>
+            <a:gdLst>
+              <a:gd name="T0" fmla="*/ 0 w 106"/>
+              <a:gd name="T1" fmla="*/ 0 h 143"/>
+              <a:gd name="T2" fmla="*/ 106 w 106"/>
+              <a:gd name="T3" fmla="*/ 143 h 143"/>
+            </a:gdLst>
+            <a:ahLst/>
+            <a:cxnLst>
+              <a:cxn ang="0">
+                <a:pos x="T0" y="T1"/>
+              </a:cxn>
+              <a:cxn ang="0">
+                <a:pos x="T2" y="T3"/>
+              </a:cxn>
+            </a:cxnLst>
+            <a:rect l="0" t="0" r="r" b="b"/>
+            <a:pathLst>
+              <a:path w="106" h="143">
+                <a:moveTo>
+                  <a:pt x="0" y="0"/>
+                </a:moveTo>
+                <a:cubicBezTo>
+                  <a:pt x="35" y="54"/>
+                  <a:pt x="70" y="101"/>
+                  <a:pt x="106" y="143"/>
+                </a:cubicBezTo>
+              </a:path>
+            </a:pathLst>
+          </a:custGeom>
+          <a:noFill/>
+          <a:ln w="4763" cap="flat">
+            <a:solidFill>
+              <a:schemeClr val="tx1">
+                <a:alpha val="20000"/>
+              </a:schemeClr>
+            </a:solidFill>
+            <a:prstDash val="solid"/>
+            <a:miter lim="800000"/>
+            <a:headEnd/>
+            <a:tailEnd/>
+          </a:ln>
+          <a:extLst>
+            <a:ext uri="{909E8E84-426E-40DD-AFC4-6F175D3DCCD1}">
+              <a14:hiddenFill xmlns:a14="http://schemas.microsoft.com/office/drawing/2010/main">
+                <a:solidFill>
+                  <a:srgbClr val="FFFFFF"/>
+                </a:solidFill>
+              </a14:hiddenFill>
+            </a:ext>
+          </a:extLst>
+        </p:spPr>
+        <p:txBody>
+          <a:bodyPr vert="horz" wrap="square" lIns="91440" tIns="45720" rIns="91440" bIns="45720" numCol="1" anchor="t" anchorCtr="0" compatLnSpc="1">
+            <a:prstTxWarp prst="textNoShape">
+              <a:avLst/>
+            </a:prstTxWarp>
+          </a:bodyPr>
+          <a:lstStyle/>
+          <a:p>
+            <a:endParaRPr lang="en-US"/>
+          </a:p>
+        </p:txBody>
+      </p:sp>
+      <p:sp>
+        <p:nvSpPr>
+          <p:cNvPr id="25" name="Freeform 10">
+            <a:extLst>
+              <a:ext uri="{FF2B5EF4-FFF2-40B4-BE49-F238E27FC236}">
+                <a16:creationId xmlns:a16="http://schemas.microsoft.com/office/drawing/2014/main" id="{43954639-FB5D-41F4-9560-6F6DFE778425}"/>
+              </a:ext>
+              <a:ext uri="{C183D7F6-B498-43B3-948B-1728B52AA6E4}">
+                <adec:decorative xmlns:adec="http://schemas.microsoft.com/office/drawing/2017/decorative" val="1"/>
+              </a:ext>
+            </a:extLst>
+          </p:cNvPr>
+          <p:cNvSpPr>
+            <a:spLocks noGrp="1" noRot="1" noChangeAspect="1" noMove="1" noResize="1" noEditPoints="1" noAdjustHandles="1" noChangeArrowheads="1" noChangeShapeType="1" noTextEdit="1"/>
+          </p:cNvSpPr>
+          <p:nvPr>
+            <p:extLst>
+              <p:ext uri="{386F3935-93C4-4BCD-93E2-E3B085C9AB24}">
+                <p16:designElem xmlns:p16="http://schemas.microsoft.com/office/powerpoint/2015/main" val="1"/>
+              </p:ext>
+            </p:extLst>
+          </p:nvPr>
+        </p:nvSpPr>
+        <p:spPr bwMode="auto">
+          <a:xfrm>
+            <a:off x="-1061" y="-59376"/>
+            <a:ext cx="11091863" cy="6923796"/>
+          </a:xfrm>
+          <a:custGeom>
+            <a:avLst/>
+            <a:gdLst>
+              <a:gd name="T0" fmla="*/ 2046 w 2330"/>
+              <a:gd name="T1" fmla="*/ 1452 h 1452"/>
+              <a:gd name="T2" fmla="*/ 1813 w 2330"/>
+              <a:gd name="T3" fmla="*/ 601 h 1452"/>
+              <a:gd name="T4" fmla="*/ 956 w 2330"/>
+              <a:gd name="T5" fmla="*/ 97 h 1452"/>
+              <a:gd name="T6" fmla="*/ 0 w 2330"/>
+              <a:gd name="T7" fmla="*/ 366 h 1452"/>
+            </a:gdLst>
+            <a:ahLst/>
+            <a:cxnLst>
+              <a:cxn ang="0">
+                <a:pos x="T0" y="T1"/>
+              </a:cxn>
+              <a:cxn ang="0">
+                <a:pos x="T2" y="T3"/>
+              </a:cxn>
+              <a:cxn ang="0">
+                <a:pos x="T4" y="T5"/>
+              </a:cxn>
+              <a:cxn ang="0">
+                <a:pos x="T6" y="T7"/>
+              </a:cxn>
+            </a:cxnLst>
+            <a:rect l="0" t="0" r="r" b="b"/>
+            <a:pathLst>
+              <a:path w="2330" h="1452">
+                <a:moveTo>
+                  <a:pt x="2046" y="1452"/>
+                </a:moveTo>
+                <a:cubicBezTo>
+                  <a:pt x="2330" y="1153"/>
+                  <a:pt x="2049" y="821"/>
+                  <a:pt x="1813" y="601"/>
+                </a:cubicBezTo>
+                <a:cubicBezTo>
+                  <a:pt x="1569" y="375"/>
+                  <a:pt x="1282" y="179"/>
+                  <a:pt x="956" y="97"/>
+                </a:cubicBezTo>
+                <a:cubicBezTo>
+                  <a:pt x="572" y="0"/>
+                  <a:pt x="292" y="101"/>
+                  <a:pt x="0" y="366"/>
+                </a:cubicBezTo>
+              </a:path>
+            </a:pathLst>
+          </a:custGeom>
+          <a:noFill/>
+          <a:ln w="9525" cap="flat">
+            <a:solidFill>
+              <a:schemeClr val="tx1">
+                <a:alpha val="20000"/>
+              </a:schemeClr>
+            </a:solidFill>
+            <a:prstDash val="solid"/>
+            <a:miter lim="800000"/>
+            <a:headEnd/>
+            <a:tailEnd/>
+          </a:ln>
+          <a:extLst>
+            <a:ext uri="{909E8E84-426E-40DD-AFC4-6F175D3DCCD1}">
+              <a14:hiddenFill xmlns:a14="http://schemas.microsoft.com/office/drawing/2010/main">
+                <a:solidFill>
+                  <a:srgbClr val="FFFFFF"/>
+                </a:solidFill>
+              </a14:hiddenFill>
+            </a:ext>
+          </a:extLst>
+        </p:spPr>
+        <p:txBody>
+          <a:bodyPr vert="horz" wrap="square" lIns="91440" tIns="45720" rIns="91440" bIns="45720" numCol="1" anchor="t" anchorCtr="0" compatLnSpc="1">
+            <a:prstTxWarp prst="textNoShape">
+              <a:avLst/>
+            </a:prstTxWarp>
+          </a:bodyPr>
+          <a:lstStyle/>
+          <a:p>
+            <a:endParaRPr lang="en-US"/>
+          </a:p>
+        </p:txBody>
+      </p:sp>
+      <p:sp>
+        <p:nvSpPr>
+          <p:cNvPr id="27" name="Freeform 12">
+            <a:extLst>
+              <a:ext uri="{FF2B5EF4-FFF2-40B4-BE49-F238E27FC236}">
+                <a16:creationId xmlns:a16="http://schemas.microsoft.com/office/drawing/2014/main" id="{E898931C-0323-41FA-A036-20F818B1FF81}"/>
+              </a:ext>
+              <a:ext uri="{C183D7F6-B498-43B3-948B-1728B52AA6E4}">
+                <adec:decorative xmlns:adec="http://schemas.microsoft.com/office/drawing/2017/decorative" val="1"/>
+              </a:ext>
+            </a:extLst>
+          </p:cNvPr>
+          <p:cNvSpPr>
+            <a:spLocks noGrp="1" noRot="1" noChangeAspect="1" noMove="1" noResize="1" noEditPoints="1" noAdjustHandles="1" noChangeArrowheads="1" noChangeShapeType="1" noTextEdit="1"/>
+          </p:cNvSpPr>
+          <p:nvPr>
+            <p:extLst>
+              <p:ext uri="{386F3935-93C4-4BCD-93E2-E3B085C9AB24}">
+                <p16:designElem xmlns:p16="http://schemas.microsoft.com/office/powerpoint/2015/main" val="1"/>
+              </p:ext>
+            </p:extLst>
+          </p:nvPr>
+        </p:nvSpPr>
+        <p:spPr bwMode="auto">
+          <a:xfrm>
+            <a:off x="-1061" y="-1916"/>
+            <a:ext cx="1057275" cy="614491"/>
+          </a:xfrm>
+          <a:custGeom>
+            <a:avLst/>
+            <a:gdLst>
+              <a:gd name="T0" fmla="*/ 222 w 222"/>
+              <a:gd name="T1" fmla="*/ 0 h 129"/>
+              <a:gd name="T2" fmla="*/ 0 w 222"/>
+              <a:gd name="T3" fmla="*/ 129 h 129"/>
+            </a:gdLst>
+            <a:ahLst/>
+            <a:cxnLst>
+              <a:cxn ang="0">
+                <a:pos x="T0" y="T1"/>
+              </a:cxn>
+              <a:cxn ang="0">
+                <a:pos x="T2" y="T3"/>
+              </a:cxn>
+            </a:cxnLst>
+            <a:rect l="0" t="0" r="r" b="b"/>
+            <a:pathLst>
+              <a:path w="222" h="129">
+                <a:moveTo>
+                  <a:pt x="222" y="0"/>
+                </a:moveTo>
+                <a:cubicBezTo>
+                  <a:pt x="152" y="35"/>
+                  <a:pt x="76" y="78"/>
+                  <a:pt x="0" y="129"/>
+                </a:cubicBezTo>
+              </a:path>
+            </a:pathLst>
+          </a:custGeom>
+          <a:noFill/>
+          <a:ln w="9525" cap="flat">
+            <a:solidFill>
+              <a:schemeClr val="tx1">
+                <a:alpha val="20000"/>
+              </a:schemeClr>
+            </a:solidFill>
+            <a:prstDash val="solid"/>
+            <a:miter lim="800000"/>
+            <a:headEnd/>
+            <a:tailEnd/>
+          </a:ln>
+          <a:extLst>
+            <a:ext uri="{909E8E84-426E-40DD-AFC4-6F175D3DCCD1}">
+              <a14:hiddenFill xmlns:a14="http://schemas.microsoft.com/office/drawing/2010/main">
+                <a:solidFill>
+                  <a:srgbClr val="FFFFFF"/>
+                </a:solidFill>
+              </a14:hiddenFill>
+            </a:ext>
+          </a:extLst>
+        </p:spPr>
+        <p:txBody>
+          <a:bodyPr vert="horz" wrap="square" lIns="91440" tIns="45720" rIns="91440" bIns="45720" numCol="1" anchor="t" anchorCtr="0" compatLnSpc="1">
+            <a:prstTxWarp prst="textNoShape">
+              <a:avLst/>
+            </a:prstTxWarp>
+          </a:bodyPr>
+          <a:lstStyle/>
+          <a:p>
+            <a:endParaRPr lang="en-US"/>
+          </a:p>
+        </p:txBody>
+      </p:sp>
+      <p:sp>
+        <p:nvSpPr>
+          <p:cNvPr id="29" name="Freeform 14">
+            <a:extLst>
+              <a:ext uri="{FF2B5EF4-FFF2-40B4-BE49-F238E27FC236}">
+                <a16:creationId xmlns:a16="http://schemas.microsoft.com/office/drawing/2014/main" id="{89AFE9DD-0792-4B98-B4EB-97ACA17E6AA8}"/>
+              </a:ext>
+              <a:ext uri="{C183D7F6-B498-43B3-948B-1728B52AA6E4}">
+                <adec:decorative xmlns:adec="http://schemas.microsoft.com/office/drawing/2017/decorative" val="1"/>
+              </a:ext>
+            </a:extLst>
+          </p:cNvPr>
+          <p:cNvSpPr>
+            <a:spLocks noGrp="1" noRot="1" noChangeAspect="1" noMove="1" noResize="1" noEditPoints="1" noAdjustHandles="1" noChangeArrowheads="1" noChangeShapeType="1" noTextEdit="1"/>
+          </p:cNvSpPr>
+          <p:nvPr>
+            <p:extLst>
+              <p:ext uri="{386F3935-93C4-4BCD-93E2-E3B085C9AB24}">
+                <p16:designElem xmlns:p16="http://schemas.microsoft.com/office/powerpoint/2015/main" val="1"/>
+              </p:ext>
+            </p:extLst>
+          </p:nvPr>
+        </p:nvSpPr>
+        <p:spPr bwMode="auto">
+          <a:xfrm>
+            <a:off x="3701" y="-6705"/>
+            <a:ext cx="595313" cy="352734"/>
+          </a:xfrm>
+          <a:custGeom>
+            <a:avLst/>
+            <a:gdLst>
+              <a:gd name="T0" fmla="*/ 125 w 125"/>
+              <a:gd name="T1" fmla="*/ 0 h 74"/>
+              <a:gd name="T2" fmla="*/ 0 w 125"/>
+              <a:gd name="T3" fmla="*/ 74 h 74"/>
+            </a:gdLst>
+            <a:ahLst/>
+            <a:cxnLst>
+              <a:cxn ang="0">
+                <a:pos x="T0" y="T1"/>
+              </a:cxn>
+              <a:cxn ang="0">
+                <a:pos x="T2" y="T3"/>
+              </a:cxn>
+            </a:cxnLst>
+            <a:rect l="0" t="0" r="r" b="b"/>
+            <a:pathLst>
+              <a:path w="125" h="74">
+                <a:moveTo>
+                  <a:pt x="125" y="0"/>
+                </a:moveTo>
+                <a:cubicBezTo>
+                  <a:pt x="85" y="22"/>
+                  <a:pt x="43" y="47"/>
+                  <a:pt x="0" y="74"/>
+                </a:cubicBezTo>
+              </a:path>
+            </a:pathLst>
+          </a:custGeom>
+          <a:noFill/>
+          <a:ln w="9525" cap="flat">
+            <a:solidFill>
+              <a:schemeClr val="tx1">
+                <a:alpha val="20000"/>
+              </a:schemeClr>
+            </a:solidFill>
+            <a:prstDash val="dash"/>
+            <a:miter lim="800000"/>
+            <a:headEnd/>
+            <a:tailEnd/>
+          </a:ln>
+          <a:extLst>
+            <a:ext uri="{909E8E84-426E-40DD-AFC4-6F175D3DCCD1}">
+              <a14:hiddenFill xmlns:a14="http://schemas.microsoft.com/office/drawing/2010/main">
+                <a:solidFill>
+                  <a:srgbClr val="FFFFFF"/>
+                </a:solidFill>
+              </a14:hiddenFill>
+            </a:ext>
+          </a:extLst>
+        </p:spPr>
+        <p:txBody>
+          <a:bodyPr vert="horz" wrap="square" lIns="91440" tIns="45720" rIns="91440" bIns="45720" numCol="1" anchor="t" anchorCtr="0" compatLnSpc="1">
+            <a:prstTxWarp prst="textNoShape">
+              <a:avLst/>
+            </a:prstTxWarp>
+          </a:bodyPr>
+          <a:lstStyle/>
+          <a:p>
+            <a:endParaRPr lang="en-US"/>
+          </a:p>
+        </p:txBody>
+      </p:sp>
+      <p:sp>
+        <p:nvSpPr>
+          <p:cNvPr id="31" name="Freeform 16">
+            <a:extLst>
+              <a:ext uri="{FF2B5EF4-FFF2-40B4-BE49-F238E27FC236}">
+                <a16:creationId xmlns:a16="http://schemas.microsoft.com/office/drawing/2014/main" id="{3981F5C4-9AE1-404E-AF44-A4E6DB374F9D}"/>
+              </a:ext>
+              <a:ext uri="{C183D7F6-B498-43B3-948B-1728B52AA6E4}">
+                <adec:decorative xmlns:adec="http://schemas.microsoft.com/office/drawing/2017/decorative" val="1"/>
+              </a:ext>
+            </a:extLst>
+          </p:cNvPr>
+          <p:cNvSpPr>
+            <a:spLocks noGrp="1" noRot="1" noChangeAspect="1" noMove="1" noResize="1" noEditPoints="1" noAdjustHandles="1" noChangeArrowheads="1" noChangeShapeType="1" noTextEdit="1"/>
+          </p:cNvSpPr>
+          <p:nvPr>
+            <p:extLst>
+              <p:ext uri="{386F3935-93C4-4BCD-93E2-E3B085C9AB24}">
+                <p16:designElem xmlns:p16="http://schemas.microsoft.com/office/powerpoint/2015/main" val="1"/>
+              </p:ext>
+            </p:extLst>
+          </p:nvPr>
+        </p:nvSpPr>
+        <p:spPr bwMode="auto">
+          <a:xfrm>
+            <a:off x="-1061" y="-1916"/>
+            <a:ext cx="357188" cy="213875"/>
+          </a:xfrm>
+          <a:custGeom>
+            <a:avLst/>
+            <a:gdLst>
+              <a:gd name="T0" fmla="*/ 75 w 75"/>
+              <a:gd name="T1" fmla="*/ 0 h 45"/>
+              <a:gd name="T2" fmla="*/ 0 w 75"/>
+              <a:gd name="T3" fmla="*/ 45 h 45"/>
+            </a:gdLst>
+            <a:ahLst/>
+            <a:cxnLst>
+              <a:cxn ang="0">
+                <a:pos x="T0" y="T1"/>
+              </a:cxn>
+              <a:cxn ang="0">
+                <a:pos x="T2" y="T3"/>
+              </a:cxn>
+            </a:cxnLst>
+            <a:rect l="0" t="0" r="r" b="b"/>
+            <a:pathLst>
+              <a:path w="75" h="45">
+                <a:moveTo>
+                  <a:pt x="75" y="0"/>
+                </a:moveTo>
+                <a:cubicBezTo>
+                  <a:pt x="50" y="14"/>
+                  <a:pt x="25" y="29"/>
+                  <a:pt x="0" y="45"/>
+                </a:cubicBezTo>
+              </a:path>
+            </a:pathLst>
+          </a:custGeom>
+          <a:noFill/>
+          <a:ln w="12700" cap="flat">
+            <a:solidFill>
+              <a:schemeClr val="tx1">
+                <a:alpha val="20000"/>
+              </a:schemeClr>
+            </a:solidFill>
+            <a:prstDash val="dashDot"/>
+            <a:miter lim="800000"/>
+            <a:headEnd/>
+            <a:tailEnd/>
+          </a:ln>
+          <a:extLst>
+            <a:ext uri="{909E8E84-426E-40DD-AFC4-6F175D3DCCD1}">
+              <a14:hiddenFill xmlns:a14="http://schemas.microsoft.com/office/drawing/2010/main">
+                <a:solidFill>
+                  <a:srgbClr val="FFFFFF"/>
+                </a:solidFill>
+              </a14:hiddenFill>
+            </a:ext>
+          </a:extLst>
+        </p:spPr>
+        <p:txBody>
+          <a:bodyPr vert="horz" wrap="square" lIns="91440" tIns="45720" rIns="91440" bIns="45720" numCol="1" anchor="t" anchorCtr="0" compatLnSpc="1">
+            <a:prstTxWarp prst="textNoShape">
+              <a:avLst/>
+            </a:prstTxWarp>
+          </a:bodyPr>
+          <a:lstStyle/>
+          <a:p>
+            <a:endParaRPr lang="en-US"/>
+          </a:p>
+        </p:txBody>
+      </p:sp>
+      <p:sp>
+        <p:nvSpPr>
+          <p:cNvPr id="33" name="Freeform 11">
+            <a:extLst>
+              <a:ext uri="{FF2B5EF4-FFF2-40B4-BE49-F238E27FC236}">
+                <a16:creationId xmlns:a16="http://schemas.microsoft.com/office/drawing/2014/main" id="{763C1781-8726-4FAC-8C45-FF40376BE409}"/>
+              </a:ext>
+              <a:ext uri="{C183D7F6-B498-43B3-948B-1728B52AA6E4}">
+                <adec:decorative xmlns:adec="http://schemas.microsoft.com/office/drawing/2017/decorative" val="1"/>
+              </a:ext>
+            </a:extLst>
+          </p:cNvPr>
+          <p:cNvSpPr>
+            <a:spLocks noGrp="1" noRot="1" noChangeAspect="1" noMove="1" noResize="1" noEditPoints="1" noAdjustHandles="1" noChangeArrowheads="1" noChangeShapeType="1" noTextEdit="1"/>
+          </p:cNvSpPr>
+          <p:nvPr>
+            <p:extLst>
+              <p:ext uri="{386F3935-93C4-4BCD-93E2-E3B085C9AB24}">
+                <p16:designElem xmlns:p16="http://schemas.microsoft.com/office/powerpoint/2015/main" val="1"/>
+              </p:ext>
+            </p:extLst>
+          </p:nvPr>
+        </p:nvSpPr>
+        <p:spPr bwMode="auto">
+          <a:xfrm>
+            <a:off x="5426601" y="-1916"/>
+            <a:ext cx="5788025" cy="6847184"/>
+          </a:xfrm>
+          <a:custGeom>
+            <a:avLst/>
+            <a:gdLst>
+              <a:gd name="T0" fmla="*/ 1094 w 1216"/>
+              <a:gd name="T1" fmla="*/ 1436 h 1436"/>
+              <a:gd name="T2" fmla="*/ 709 w 1216"/>
+              <a:gd name="T3" fmla="*/ 551 h 1436"/>
+              <a:gd name="T4" fmla="*/ 0 w 1216"/>
+              <a:gd name="T5" fmla="*/ 0 h 1436"/>
+            </a:gdLst>
+            <a:ahLst/>
+            <a:cxnLst>
+              <a:cxn ang="0">
+                <a:pos x="T0" y="T1"/>
+              </a:cxn>
+              <a:cxn ang="0">
+                <a:pos x="T2" y="T3"/>
+              </a:cxn>
+              <a:cxn ang="0">
+                <a:pos x="T4" y="T5"/>
+              </a:cxn>
+            </a:cxnLst>
+            <a:rect l="0" t="0" r="r" b="b"/>
+            <a:pathLst>
+              <a:path w="1216" h="1436">
+                <a:moveTo>
+                  <a:pt x="1094" y="1436"/>
+                </a:moveTo>
+                <a:cubicBezTo>
+                  <a:pt x="1216" y="1114"/>
+                  <a:pt x="904" y="770"/>
+                  <a:pt x="709" y="551"/>
+                </a:cubicBezTo>
+                <a:cubicBezTo>
+                  <a:pt x="509" y="327"/>
+                  <a:pt x="274" y="127"/>
+                  <a:pt x="0" y="0"/>
+                </a:cubicBezTo>
+              </a:path>
+            </a:pathLst>
+          </a:custGeom>
+          <a:noFill/>
+          <a:ln w="9525" cap="flat">
+            <a:solidFill>
+              <a:schemeClr val="tx1">
+                <a:alpha val="20000"/>
+              </a:schemeClr>
+            </a:solidFill>
+            <a:prstDash val="solid"/>
+            <a:miter lim="800000"/>
+            <a:headEnd/>
+            <a:tailEnd/>
+          </a:ln>
+          <a:extLst>
+            <a:ext uri="{909E8E84-426E-40DD-AFC4-6F175D3DCCD1}">
+              <a14:hiddenFill xmlns:a14="http://schemas.microsoft.com/office/drawing/2010/main">
+                <a:solidFill>
+                  <a:srgbClr val="FFFFFF"/>
+                </a:solidFill>
+              </a14:hiddenFill>
+            </a:ext>
+          </a:extLst>
+        </p:spPr>
+        <p:txBody>
+          <a:bodyPr vert="horz" wrap="square" lIns="91440" tIns="45720" rIns="91440" bIns="45720" numCol="1" anchor="t" anchorCtr="0" compatLnSpc="1">
+            <a:prstTxWarp prst="textNoShape">
+              <a:avLst/>
+            </a:prstTxWarp>
+          </a:bodyPr>
+          <a:lstStyle/>
+          <a:p>
+            <a:endParaRPr lang="en-US"/>
+          </a:p>
+        </p:txBody>
+      </p:sp>
+      <p:sp>
+        <p:nvSpPr>
+          <p:cNvPr id="35" name="Freeform 21">
+            <a:extLst>
+              <a:ext uri="{FF2B5EF4-FFF2-40B4-BE49-F238E27FC236}">
+                <a16:creationId xmlns:a16="http://schemas.microsoft.com/office/drawing/2014/main" id="{301491B5-56C7-43DC-A3D9-861EECCA056A}"/>
+              </a:ext>
+              <a:ext uri="{C183D7F6-B498-43B3-948B-1728B52AA6E4}">
+                <adec:decorative xmlns:adec="http://schemas.microsoft.com/office/drawing/2017/decorative" val="1"/>
+              </a:ext>
+            </a:extLst>
+          </p:cNvPr>
+          <p:cNvSpPr>
+            <a:spLocks noGrp="1" noRot="1" noChangeAspect="1" noMove="1" noResize="1" noEditPoints="1" noAdjustHandles="1" noChangeArrowheads="1" noChangeShapeType="1" noTextEdit="1"/>
+          </p:cNvSpPr>
+          <p:nvPr>
+            <p:extLst>
+              <p:ext uri="{386F3935-93C4-4BCD-93E2-E3B085C9AB24}">
+                <p16:designElem xmlns:p16="http://schemas.microsoft.com/office/powerpoint/2015/main" val="1"/>
+              </p:ext>
+            </p:extLst>
+          </p:nvPr>
+        </p:nvSpPr>
+        <p:spPr bwMode="auto">
+          <a:xfrm>
+            <a:off x="9235014" y="2872"/>
+            <a:ext cx="2951163" cy="2555325"/>
+          </a:xfrm>
+          <a:custGeom>
+            <a:avLst/>
+            <a:gdLst>
+              <a:gd name="T0" fmla="*/ 620 w 620"/>
+              <a:gd name="T1" fmla="*/ 536 h 536"/>
+              <a:gd name="T2" fmla="*/ 0 w 620"/>
+              <a:gd name="T3" fmla="*/ 0 h 536"/>
+            </a:gdLst>
+            <a:ahLst/>
+            <a:cxnLst>
+              <a:cxn ang="0">
+                <a:pos x="T0" y="T1"/>
+              </a:cxn>
+              <a:cxn ang="0">
+                <a:pos x="T2" y="T3"/>
+              </a:cxn>
+            </a:cxnLst>
+            <a:rect l="0" t="0" r="r" b="b"/>
+            <a:pathLst>
+              <a:path w="620" h="536">
+                <a:moveTo>
+                  <a:pt x="620" y="536"/>
+                </a:moveTo>
+                <a:cubicBezTo>
+                  <a:pt x="404" y="314"/>
+                  <a:pt x="196" y="138"/>
+                  <a:pt x="0" y="0"/>
+                </a:cubicBezTo>
+              </a:path>
+            </a:pathLst>
+          </a:custGeom>
+          <a:noFill/>
+          <a:ln w="9525" cap="flat">
+            <a:solidFill>
+              <a:schemeClr val="tx1">
+                <a:alpha val="20000"/>
+              </a:schemeClr>
+            </a:solidFill>
+            <a:prstDash val="solid"/>
+            <a:miter lim="800000"/>
+            <a:headEnd/>
+            <a:tailEnd/>
+          </a:ln>
+          <a:extLst>
+            <a:ext uri="{909E8E84-426E-40DD-AFC4-6F175D3DCCD1}">
+              <a14:hiddenFill xmlns:a14="http://schemas.microsoft.com/office/drawing/2010/main">
+                <a:solidFill>
+                  <a:srgbClr val="FFFFFF"/>
+                </a:solidFill>
+              </a14:hiddenFill>
+            </a:ext>
+          </a:extLst>
+        </p:spPr>
+        <p:txBody>
+          <a:bodyPr vert="horz" wrap="square" lIns="91440" tIns="45720" rIns="91440" bIns="45720" numCol="1" anchor="t" anchorCtr="0" compatLnSpc="1">
+            <a:prstTxWarp prst="textNoShape">
+              <a:avLst/>
+            </a:prstTxWarp>
+          </a:bodyPr>
+          <a:lstStyle/>
+          <a:p>
+            <a:endParaRPr lang="en-US"/>
+          </a:p>
+        </p:txBody>
+      </p:sp>
+      <p:sp>
+        <p:nvSpPr>
+          <p:cNvPr id="2" name="Title 1">
+            <a:extLst>
+              <a:ext uri="{FF2B5EF4-FFF2-40B4-BE49-F238E27FC236}">
+                <a16:creationId xmlns:a16="http://schemas.microsoft.com/office/drawing/2014/main" id="{D1CAD71B-8A0D-4167-B114-8C9D3F9ED1D2}"/>
+              </a:ext>
+            </a:extLst>
+          </p:cNvPr>
+          <p:cNvSpPr>
+            <a:spLocks noGrp="1"/>
+          </p:cNvSpPr>
+          <p:nvPr>
+            <p:ph type="title"/>
+          </p:nvPr>
+        </p:nvSpPr>
+        <p:spPr>
+          <a:xfrm>
+            <a:off x="251351" y="214385"/>
+            <a:ext cx="11591607" cy="748561"/>
+          </a:xfrm>
+        </p:spPr>
+        <p:txBody>
+          <a:bodyPr vert="horz" lIns="91440" tIns="45720" rIns="91440" bIns="45720" rtlCol="0" anchor="b">
+            <a:normAutofit/>
+          </a:bodyPr>
+          <a:lstStyle/>
+          <a:p>
+            <a:r>
+              <a:rPr lang="en-US" sz="4000" dirty="0"/>
+              <a:t>Obj 3:  How has ordering changed during Covid?</a:t>
+            </a:r>
+          </a:p>
+        </p:txBody>
+      </p:sp>
+      <p:sp>
+        <p:nvSpPr>
+          <p:cNvPr id="37" name="Freeform 22">
+            <a:extLst>
+              <a:ext uri="{FF2B5EF4-FFF2-40B4-BE49-F238E27FC236}">
+                <a16:creationId xmlns:a16="http://schemas.microsoft.com/office/drawing/2014/main" id="{237E2353-22DF-46E0-A200-FB30F8F394E2}"/>
+              </a:ext>
+              <a:ext uri="{C183D7F6-B498-43B3-948B-1728B52AA6E4}">
+                <adec:decorative xmlns:adec="http://schemas.microsoft.com/office/drawing/2017/decorative" val="1"/>
+              </a:ext>
+            </a:extLst>
+          </p:cNvPr>
+          <p:cNvSpPr>
+            <a:spLocks noGrp="1" noRot="1" noChangeAspect="1" noMove="1" noResize="1" noEditPoints="1" noAdjustHandles="1" noChangeArrowheads="1" noChangeShapeType="1" noTextEdit="1"/>
+          </p:cNvSpPr>
+          <p:nvPr>
+            <p:extLst>
+              <p:ext uri="{386F3935-93C4-4BCD-93E2-E3B085C9AB24}">
+                <p16:designElem xmlns:p16="http://schemas.microsoft.com/office/powerpoint/2015/main" val="1"/>
+              </p:ext>
+            </p:extLst>
+          </p:nvPr>
+        </p:nvSpPr>
+        <p:spPr bwMode="auto">
+          <a:xfrm>
+            <a:off x="10020826" y="-1916"/>
+            <a:ext cx="2165350" cy="1358265"/>
+          </a:xfrm>
+          <a:custGeom>
+            <a:avLst/>
+            <a:gdLst>
+              <a:gd name="T0" fmla="*/ 0 w 455"/>
+              <a:gd name="T1" fmla="*/ 0 h 285"/>
+              <a:gd name="T2" fmla="*/ 455 w 455"/>
+              <a:gd name="T3" fmla="*/ 285 h 285"/>
+            </a:gdLst>
+            <a:ahLst/>
+            <a:cxnLst>
+              <a:cxn ang="0">
+                <a:pos x="T0" y="T1"/>
+              </a:cxn>
+              <a:cxn ang="0">
+                <a:pos x="T2" y="T3"/>
+              </a:cxn>
+            </a:cxnLst>
+            <a:rect l="0" t="0" r="r" b="b"/>
+            <a:pathLst>
+              <a:path w="455" h="285">
+                <a:moveTo>
+                  <a:pt x="0" y="0"/>
+                </a:moveTo>
+                <a:cubicBezTo>
+                  <a:pt x="153" y="85"/>
+                  <a:pt x="308" y="180"/>
+                  <a:pt x="455" y="285"/>
+                </a:cubicBezTo>
+              </a:path>
+            </a:pathLst>
+          </a:custGeom>
+          <a:noFill/>
+          <a:ln w="9525" cap="flat">
+            <a:solidFill>
+              <a:schemeClr val="tx1">
+                <a:alpha val="20000"/>
+              </a:schemeClr>
+            </a:solidFill>
+            <a:prstDash val="dash"/>
+            <a:miter lim="800000"/>
+            <a:headEnd/>
+            <a:tailEnd/>
+          </a:ln>
+          <a:extLst>
+            <a:ext uri="{909E8E84-426E-40DD-AFC4-6F175D3DCCD1}">
+              <a14:hiddenFill xmlns:a14="http://schemas.microsoft.com/office/drawing/2010/main">
+                <a:solidFill>
+                  <a:srgbClr val="FFFFFF"/>
+                </a:solidFill>
+              </a14:hiddenFill>
+            </a:ext>
+          </a:extLst>
+        </p:spPr>
+        <p:txBody>
+          <a:bodyPr vert="horz" wrap="square" lIns="91440" tIns="45720" rIns="91440" bIns="45720" numCol="1" anchor="t" anchorCtr="0" compatLnSpc="1">
+            <a:prstTxWarp prst="textNoShape">
+              <a:avLst/>
+            </a:prstTxWarp>
+          </a:bodyPr>
+          <a:lstStyle/>
+          <a:p>
+            <a:endParaRPr lang="en-US"/>
+          </a:p>
+        </p:txBody>
+      </p:sp>
+      <p:sp>
+        <p:nvSpPr>
+          <p:cNvPr id="39" name="Freeform 23">
+            <a:extLst>
+              <a:ext uri="{FF2B5EF4-FFF2-40B4-BE49-F238E27FC236}">
+                <a16:creationId xmlns:a16="http://schemas.microsoft.com/office/drawing/2014/main" id="{DD6138DB-057B-45F7-A5F4-E7BFDA20D02C}"/>
+              </a:ext>
+              <a:ext uri="{C183D7F6-B498-43B3-948B-1728B52AA6E4}">
+                <adec:decorative xmlns:adec="http://schemas.microsoft.com/office/drawing/2017/decorative" val="1"/>
+              </a:ext>
+            </a:extLst>
+          </p:cNvPr>
+          <p:cNvSpPr>
+            <a:spLocks noGrp="1" noRot="1" noChangeAspect="1" noMove="1" noResize="1" noEditPoints="1" noAdjustHandles="1" noChangeArrowheads="1" noChangeShapeType="1" noTextEdit="1"/>
+          </p:cNvSpPr>
+          <p:nvPr>
+            <p:extLst>
+              <p:ext uri="{386F3935-93C4-4BCD-93E2-E3B085C9AB24}">
+                <p16:designElem xmlns:p16="http://schemas.microsoft.com/office/powerpoint/2015/main" val="1"/>
+              </p:ext>
+            </p:extLst>
+          </p:nvPr>
+        </p:nvSpPr>
+        <p:spPr bwMode="auto">
+          <a:xfrm>
+            <a:off x="11290826" y="-1916"/>
+            <a:ext cx="895350" cy="534687"/>
+          </a:xfrm>
+          <a:custGeom>
+            <a:avLst/>
+            <a:gdLst>
+              <a:gd name="T0" fmla="*/ 0 w 188"/>
+              <a:gd name="T1" fmla="*/ 0 h 112"/>
+              <a:gd name="T2" fmla="*/ 188 w 188"/>
+              <a:gd name="T3" fmla="*/ 112 h 112"/>
+            </a:gdLst>
+            <a:ahLst/>
+            <a:cxnLst>
+              <a:cxn ang="0">
+                <a:pos x="T0" y="T1"/>
+              </a:cxn>
+              <a:cxn ang="0">
+                <a:pos x="T2" y="T3"/>
+              </a:cxn>
+            </a:cxnLst>
+            <a:rect l="0" t="0" r="r" b="b"/>
+            <a:pathLst>
+              <a:path w="188" h="112">
+                <a:moveTo>
+                  <a:pt x="0" y="0"/>
+                </a:moveTo>
+                <a:cubicBezTo>
+                  <a:pt x="63" y="36"/>
+                  <a:pt x="126" y="73"/>
+                  <a:pt x="188" y="112"/>
+                </a:cubicBezTo>
+              </a:path>
+            </a:pathLst>
+          </a:custGeom>
+          <a:noFill/>
+          <a:ln w="9525" cap="flat">
+            <a:solidFill>
+              <a:schemeClr val="tx1">
+                <a:alpha val="20000"/>
+              </a:schemeClr>
+            </a:solidFill>
+            <a:prstDash val="solid"/>
+            <a:miter lim="800000"/>
+            <a:headEnd/>
+            <a:tailEnd/>
+          </a:ln>
+          <a:extLst>
+            <a:ext uri="{909E8E84-426E-40DD-AFC4-6F175D3DCCD1}">
+              <a14:hiddenFill xmlns:a14="http://schemas.microsoft.com/office/drawing/2010/main">
+                <a:solidFill>
+                  <a:srgbClr val="FFFFFF"/>
+                </a:solidFill>
+              </a14:hiddenFill>
+            </a:ext>
+          </a:extLst>
+        </p:spPr>
+        <p:txBody>
+          <a:bodyPr vert="horz" wrap="square" lIns="91440" tIns="45720" rIns="91440" bIns="45720" numCol="1" anchor="t" anchorCtr="0" compatLnSpc="1">
+            <a:prstTxWarp prst="textNoShape">
+              <a:avLst/>
+            </a:prstTxWarp>
+          </a:bodyPr>
+          <a:lstStyle/>
+          <a:p>
+            <a:endParaRPr lang="en-US"/>
+          </a:p>
+        </p:txBody>
+      </p:sp>
+      <p:sp>
+        <p:nvSpPr>
+          <p:cNvPr id="41" name="Freeform: Shape 40">
+            <a:extLst>
+              <a:ext uri="{FF2B5EF4-FFF2-40B4-BE49-F238E27FC236}">
+                <a16:creationId xmlns:a16="http://schemas.microsoft.com/office/drawing/2014/main" id="{79A54AB1-B64F-4843-BFAB-81CB74E66B65}"/>
+              </a:ext>
+              <a:ext uri="{C183D7F6-B498-43B3-948B-1728B52AA6E4}">
+                <adec:decorative xmlns:adec="http://schemas.microsoft.com/office/drawing/2017/decorative" val="1"/>
+              </a:ext>
+            </a:extLst>
+          </p:cNvPr>
+          <p:cNvSpPr>
+            <a:spLocks noGrp="1" noRot="1" noChangeAspect="1" noMove="1" noResize="1" noEditPoints="1" noAdjustHandles="1" noChangeArrowheads="1" noChangeShapeType="1" noTextEdit="1"/>
+          </p:cNvSpPr>
+          <p:nvPr>
+            <p:extLst>
+              <p:ext uri="{386F3935-93C4-4BCD-93E2-E3B085C9AB24}">
+                <p16:designElem xmlns:p16="http://schemas.microsoft.com/office/powerpoint/2015/main" val="1"/>
+              </p:ext>
+            </p:extLst>
+          </p:nvPr>
+        </p:nvSpPr>
+        <p:spPr>
+          <a:xfrm rot="20931529">
+            <a:off x="752078" y="2218040"/>
+            <a:ext cx="4418757" cy="4259609"/>
+          </a:xfrm>
+          <a:custGeom>
+            <a:avLst/>
+            <a:gdLst>
+              <a:gd name="connsiteX0" fmla="*/ 404107 w 4507111"/>
+              <a:gd name="connsiteY0" fmla="*/ 0 h 4344781"/>
+              <a:gd name="connsiteX1" fmla="*/ 371857 w 4507111"/>
+              <a:gd name="connsiteY1" fmla="*/ 117359 h 4344781"/>
+              <a:gd name="connsiteX2" fmla="*/ 307833 w 4507111"/>
+              <a:gd name="connsiteY2" fmla="*/ 632970 h 4344781"/>
+              <a:gd name="connsiteX3" fmla="*/ 3569418 w 4507111"/>
+              <a:gd name="connsiteY3" fmla="*/ 4141149 h 4344781"/>
+              <a:gd name="connsiteX4" fmla="*/ 4440861 w 4507111"/>
+              <a:gd name="connsiteY4" fmla="*/ 4332480 h 4344781"/>
+              <a:gd name="connsiteX5" fmla="*/ 4507111 w 4507111"/>
+              <a:gd name="connsiteY5" fmla="*/ 4341752 h 4344781"/>
+              <a:gd name="connsiteX6" fmla="*/ 4296045 w 4507111"/>
+              <a:gd name="connsiteY6" fmla="*/ 4344781 h 4344781"/>
+              <a:gd name="connsiteX7" fmla="*/ 3749565 w 4507111"/>
+              <a:gd name="connsiteY7" fmla="*/ 4321853 h 4344781"/>
+              <a:gd name="connsiteX8" fmla="*/ 36764 w 4507111"/>
+              <a:gd name="connsiteY8" fmla="*/ 1629794 h 4344781"/>
+              <a:gd name="connsiteX9" fmla="*/ 300069 w 4507111"/>
+              <a:gd name="connsiteY9" fmla="*/ 144750 h 4344781"/>
+            </a:gdLst>
+            <a:ahLst/>
+            <a:cxnLst>
+              <a:cxn ang="0">
                 <a:pos x="connsiteX0" y="connsiteY0"/>
               </a:cxn>
               <a:cxn ang="0">
@@ -10403,43 +11326,69 @@
               </a:cxn>
               <a:cxn ang="0">
                 <a:pos x="connsiteX6" y="connsiteY6"/>
+              </a:cxn>
+              <a:cxn ang="0">
+                <a:pos x="connsiteX7" y="connsiteY7"/>
+              </a:cxn>
+              <a:cxn ang="0">
+                <a:pos x="connsiteX8" y="connsiteY8"/>
+              </a:cxn>
+              <a:cxn ang="0">
+                <a:pos x="connsiteX9" y="connsiteY9"/>
               </a:cxn>
             </a:cxnLst>
             <a:rect l="l" t="t" r="r" b="b"/>
             <a:pathLst>
-              <a:path w="7188051" h="6858000">
+              <a:path w="4507111" h="4344781">
                 <a:moveTo>
-                  <a:pt x="7188051" y="6858000"/>
+                  <a:pt x="404107" y="0"/>
                 </a:moveTo>
                 <a:lnTo>
-                  <a:pt x="108694" y="6858000"/>
+                  <a:pt x="371857" y="117359"/>
+                </a:lnTo>
+                <a:cubicBezTo>
+                  <a:pt x="333827" y="278567"/>
+                  <a:pt x="311875" y="450459"/>
+                  <a:pt x="307833" y="632970"/>
+                </a:cubicBezTo>
+                <a:cubicBezTo>
+                  <a:pt x="264711" y="2579752"/>
+                  <a:pt x="2253987" y="3769243"/>
+                  <a:pt x="3569418" y="4141149"/>
+                </a:cubicBezTo>
+                <a:cubicBezTo>
+                  <a:pt x="3816061" y="4210881"/>
+                  <a:pt x="4114807" y="4279754"/>
+                  <a:pt x="4440861" y="4332480"/>
+                </a:cubicBezTo>
+                <a:lnTo>
+                  <a:pt x="4507111" y="4341752"/>
                 </a:lnTo>
                 <a:lnTo>
-                  <a:pt x="79127" y="6681235"/>
+                  <a:pt x="4296045" y="4344781"/>
                 </a:lnTo>
                 <a:cubicBezTo>
-                  <a:pt x="26981" y="6316967"/>
-                  <a:pt x="0" y="5944579"/>
-                  <a:pt x="0" y="5565888"/>
-                </a:cubicBezTo>
-                <a:cubicBezTo>
-                  <a:pt x="0" y="3459953"/>
-                  <a:pt x="834428" y="1548908"/>
-                  <a:pt x="2190696" y="145339"/>
-                </a:cubicBezTo>
-                <a:lnTo>
-                  <a:pt x="2339431" y="0"/>
-                </a:lnTo>
-                <a:lnTo>
-                  <a:pt x="7188051" y="0"/>
-                </a:lnTo>
+                  <a:pt x="4097363" y="4343711"/>
+                  <a:pt x="3912623" y="4335104"/>
+                  <a:pt x="3749565" y="4321853"/>
+                </a:cubicBezTo>
+                <a:cubicBezTo>
+                  <a:pt x="2445102" y="4215850"/>
+                  <a:pt x="356405" y="3466499"/>
+                  <a:pt x="36764" y="1629794"/>
+                </a:cubicBezTo>
+                <a:cubicBezTo>
+                  <a:pt x="-63123" y="1055823"/>
+                  <a:pt x="45741" y="555869"/>
+                  <a:pt x="300069" y="144750"/>
+                </a:cubicBezTo>
                 <a:close/>
               </a:path>
             </a:pathLst>
           </a:custGeom>
           <a:solidFill>
             <a:schemeClr val="tx1">
-              <a:alpha val="80000"/>
+              <a:alpha val="70000"/>
             </a:schemeClr>
           </a:solidFill>
           <a:ln>
@@ -10468,17 +11417,46 @@
           </a:bodyPr>
           <a:lstStyle/>
           <a:p>
-            <a:pPr algn="ctr"/>
-            <a:endParaRPr lang="en-US"/>
+            <a:pPr marL="0" marR="0" lvl="0" indent="0" algn="ctr" defTabSz="457200" rtl="0" eaLnBrk="1" fontAlgn="auto" latinLnBrk="0" hangingPunct="1">
+              <a:lnSpc>
+                <a:spcPct val="100000"/>
+              </a:lnSpc>
+              <a:spcBef>
+                <a:spcPts val="0"/>
+              </a:spcBef>
+              <a:spcAft>
+                <a:spcPts val="0"/>
+              </a:spcAft>
+              <a:buClrTx/>
+              <a:buSzTx/>
+              <a:buFontTx/>
+              <a:buNone/>
+              <a:tabLst/>
+              <a:defRPr/>
+            </a:pPr>
+            <a:endParaRPr kumimoji="0" lang="en-US" sz="1800" b="0" i="0" u="none" strike="noStrike" kern="1200" cap="none" spc="0" normalizeH="0" baseline="0" noProof="0">
+              <a:ln>
+                <a:noFill/>
+              </a:ln>
+              <a:solidFill>
+                <a:prstClr val="white"/>
+              </a:solidFill>
+              <a:effectLst/>
+              <a:uLnTx/>
+              <a:uFillTx/>
+              <a:latin typeface="Rockwell" panose="02060603020205020403"/>
+              <a:ea typeface="+mn-ea"/>
+              <a:cs typeface="+mn-cs"/>
+            </a:endParaRPr>
           </a:p>
         </p:txBody>
       </p:sp>
       <p:pic>
         <p:nvPicPr>
-          <p:cNvPr id="37" name="Content Placeholder 36">
-            <a:extLst>
-              <a:ext uri="{FF2B5EF4-FFF2-40B4-BE49-F238E27FC236}">
-                <a16:creationId xmlns:a16="http://schemas.microsoft.com/office/drawing/2014/main" id="{37F7892E-C573-48E3-9666-3F2283A380EE}"/>
+          <p:cNvPr id="7" name="Content Placeholder 6" descr="A hamburger on a plate&#10;&#10;Description automatically generated with low confidence">
+            <a:extLst>
+              <a:ext uri="{FF2B5EF4-FFF2-40B4-BE49-F238E27FC236}">
+                <a16:creationId xmlns:a16="http://schemas.microsoft.com/office/drawing/2014/main" id="{3AACC0DC-68F9-4C1D-8808-B5923ED94969}"/>
               </a:ext>
             </a:extLst>
           </p:cNvPr>
@@ -10489,7 +11467,7 @@
             <p:ph idx="1"/>
           </p:nvPr>
         </p:nvPicPr>
-        <p:blipFill rotWithShape="1">
+        <p:blipFill>
           <a:blip r:embed="rId2">
             <a:extLst>
               <a:ext uri="{28A0092B-C50C-407E-A947-70E740481C1C}">
@@ -10497,62 +11475,26 @@
               </a:ext>
             </a:extLst>
           </a:blip>
-          <a:srcRect l="26008" r="16344"/>
-          <a:stretch/>
+          <a:stretch>
+            <a:fillRect/>
+          </a:stretch>
         </p:blipFill>
         <p:spPr>
           <a:xfrm>
-            <a:off x="1" y="10"/>
-            <a:ext cx="7028495" cy="6857990"/>
+            <a:off x="1617394" y="1827413"/>
+            <a:ext cx="4351338" cy="4351338"/>
           </a:xfrm>
-          <a:custGeom>
-            <a:avLst/>
-            <a:gdLst/>
-            <a:ahLst/>
-            <a:cxnLst/>
-            <a:rect l="l" t="t" r="r" b="b"/>
-            <a:pathLst>
-              <a:path w="7028495" h="6858000">
-                <a:moveTo>
-                  <a:pt x="0" y="0"/>
-                </a:moveTo>
-                <a:lnTo>
-                  <a:pt x="6915668" y="0"/>
-                </a:lnTo>
-                <a:lnTo>
-                  <a:pt x="6952411" y="219663"/>
-                </a:lnTo>
-                <a:cubicBezTo>
-                  <a:pt x="7002551" y="569921"/>
-                  <a:pt x="7028495" y="927986"/>
-                  <a:pt x="7028495" y="1292112"/>
-                </a:cubicBezTo>
-                <a:cubicBezTo>
-                  <a:pt x="7028495" y="3343346"/>
-                  <a:pt x="6205186" y="5202289"/>
-                  <a:pt x="4870994" y="6556512"/>
-                </a:cubicBezTo>
-                <a:lnTo>
-                  <a:pt x="4556185" y="6858000"/>
-                </a:lnTo>
-                <a:lnTo>
-                  <a:pt x="0" y="6858000"/>
-                </a:lnTo>
-                <a:close/>
-              </a:path>
-            </a:pathLst>
-          </a:custGeom>
         </p:spPr>
       </p:pic>
     </p:spTree>
     <p:extLst>
       <p:ext uri="{BB962C8B-B14F-4D97-AF65-F5344CB8AC3E}">
-        <p14:creationId xmlns:p14="http://schemas.microsoft.com/office/powerpoint/2010/main" val="3486705944"/>
+        <p14:creationId xmlns:p14="http://schemas.microsoft.com/office/powerpoint/2010/main" val="3304196944"/>
       </p:ext>
     </p:extLst>
   </p:cSld>
   <p:clrMapOvr>
-    <a:overrideClrMapping bg1="dk1" tx1="lt1" bg2="dk2" tx2="lt2" accent1="accent1" accent2="accent2" accent3="accent3" accent4="accent4" accent5="accent5" accent6="accent6" hlink="hlink" folHlink="folHlink"/>
+    <a:masterClrMapping/>
   </p:clrMapOvr>
 </p:sld>
 </file>

--- a/Presentation.pptx
+++ b/Presentation.pptx
@@ -270,7 +270,7 @@
           <a:p>
             <a:fld id="{59ED46AA-65FE-4AA6-90A6-8BABD663A628}" type="datetimeFigureOut">
               <a:rPr lang="en-US" smtClean="0"/>
-              <a:t>1/23/2021</a:t>
+              <a:t>1/23/21</a:t>
             </a:fld>
             <a:endParaRPr lang="en-US"/>
           </a:p>
@@ -468,7 +468,7 @@
           <a:p>
             <a:fld id="{59ED46AA-65FE-4AA6-90A6-8BABD663A628}" type="datetimeFigureOut">
               <a:rPr lang="en-US" smtClean="0"/>
-              <a:t>1/23/2021</a:t>
+              <a:t>1/23/21</a:t>
             </a:fld>
             <a:endParaRPr lang="en-US"/>
           </a:p>
@@ -676,7 +676,7 @@
           <a:p>
             <a:fld id="{59ED46AA-65FE-4AA6-90A6-8BABD663A628}" type="datetimeFigureOut">
               <a:rPr lang="en-US" smtClean="0"/>
-              <a:t>1/23/2021</a:t>
+              <a:t>1/23/21</a:t>
             </a:fld>
             <a:endParaRPr lang="en-US"/>
           </a:p>
@@ -874,7 +874,7 @@
           <a:p>
             <a:fld id="{59ED46AA-65FE-4AA6-90A6-8BABD663A628}" type="datetimeFigureOut">
               <a:rPr lang="en-US" smtClean="0"/>
-              <a:t>1/23/2021</a:t>
+              <a:t>1/23/21</a:t>
             </a:fld>
             <a:endParaRPr lang="en-US"/>
           </a:p>
@@ -1149,7 +1149,7 @@
           <a:p>
             <a:fld id="{59ED46AA-65FE-4AA6-90A6-8BABD663A628}" type="datetimeFigureOut">
               <a:rPr lang="en-US" smtClean="0"/>
-              <a:t>1/23/2021</a:t>
+              <a:t>1/23/21</a:t>
             </a:fld>
             <a:endParaRPr lang="en-US"/>
           </a:p>
@@ -1414,7 +1414,7 @@
           <a:p>
             <a:fld id="{59ED46AA-65FE-4AA6-90A6-8BABD663A628}" type="datetimeFigureOut">
               <a:rPr lang="en-US" smtClean="0"/>
-              <a:t>1/23/2021</a:t>
+              <a:t>1/23/21</a:t>
             </a:fld>
             <a:endParaRPr lang="en-US"/>
           </a:p>
@@ -1826,7 +1826,7 @@
           <a:p>
             <a:fld id="{59ED46AA-65FE-4AA6-90A6-8BABD663A628}" type="datetimeFigureOut">
               <a:rPr lang="en-US" smtClean="0"/>
-              <a:t>1/23/2021</a:t>
+              <a:t>1/23/21</a:t>
             </a:fld>
             <a:endParaRPr lang="en-US"/>
           </a:p>
@@ -1967,7 +1967,7 @@
           <a:p>
             <a:fld id="{59ED46AA-65FE-4AA6-90A6-8BABD663A628}" type="datetimeFigureOut">
               <a:rPr lang="en-US" smtClean="0"/>
-              <a:t>1/23/2021</a:t>
+              <a:t>1/23/21</a:t>
             </a:fld>
             <a:endParaRPr lang="en-US"/>
           </a:p>
@@ -2080,7 +2080,7 @@
           <a:p>
             <a:fld id="{59ED46AA-65FE-4AA6-90A6-8BABD663A628}" type="datetimeFigureOut">
               <a:rPr lang="en-US" smtClean="0"/>
-              <a:t>1/23/2021</a:t>
+              <a:t>1/23/21</a:t>
             </a:fld>
             <a:endParaRPr lang="en-US"/>
           </a:p>
@@ -2391,7 +2391,7 @@
           <a:p>
             <a:fld id="{59ED46AA-65FE-4AA6-90A6-8BABD663A628}" type="datetimeFigureOut">
               <a:rPr lang="en-US" smtClean="0"/>
-              <a:t>1/23/2021</a:t>
+              <a:t>1/23/21</a:t>
             </a:fld>
             <a:endParaRPr lang="en-US"/>
           </a:p>
@@ -2679,7 +2679,7 @@
           <a:p>
             <a:fld id="{59ED46AA-65FE-4AA6-90A6-8BABD663A628}" type="datetimeFigureOut">
               <a:rPr lang="en-US" smtClean="0"/>
-              <a:t>1/23/2021</a:t>
+              <a:t>1/23/21</a:t>
             </a:fld>
             <a:endParaRPr lang="en-US"/>
           </a:p>
@@ -2920,7 +2920,7 @@
           <a:p>
             <a:fld id="{59ED46AA-65FE-4AA6-90A6-8BABD663A628}" type="datetimeFigureOut">
               <a:rPr lang="en-US" smtClean="0"/>
-              <a:t>1/23/2021</a:t>
+              <a:t>1/23/21</a:t>
             </a:fld>
             <a:endParaRPr lang="en-US"/>
           </a:p>
@@ -4302,7 +4302,10 @@
     <p:bg>
       <p:bgPr>
         <a:solidFill>
-          <a:schemeClr val="bg1"/>
+          <a:schemeClr val="bg1">
+            <a:tint val="95000"/>
+            <a:satMod val="170000"/>
+          </a:schemeClr>
         </a:solidFill>
         <a:effectLst/>
       </p:bgPr>
@@ -4321,12 +4324,12 @@
           <a:chExt cx="0" cy="0"/>
         </a:xfrm>
       </p:grpSpPr>
-      <p:sp>
-        <p:nvSpPr>
-          <p:cNvPr id="16" name="Rectangle 15">
-            <a:extLst>
-              <a:ext uri="{FF2B5EF4-FFF2-40B4-BE49-F238E27FC236}">
-                <a16:creationId xmlns:a16="http://schemas.microsoft.com/office/drawing/2014/main" id="{02D886F1-CB4A-4FC1-AAA7-9402B0D0DDDD}"/>
+      <p:sp useBgFill="1">
+        <p:nvSpPr>
+          <p:cNvPr id="39" name="Rectangle 38">
+            <a:extLst>
+              <a:ext uri="{FF2B5EF4-FFF2-40B4-BE49-F238E27FC236}">
+                <a16:creationId xmlns:a16="http://schemas.microsoft.com/office/drawing/2014/main" id="{9B76D444-2756-434F-AE61-96D69830C13E}"/>
               </a:ext>
               <a:ext uri="{C183D7F6-B498-43B3-948B-1728B52AA6E4}">
                 <adec:decorative xmlns:adec="http://schemas.microsoft.com/office/drawing/2017/decorative" val="1"/>
@@ -4347,14 +4350,11 @@
         <p:spPr>
           <a:xfrm>
             <a:off x="0" y="0"/>
-            <a:ext cx="2013557" cy="6858000"/>
+            <a:ext cx="12188952" cy="6858000"/>
           </a:xfrm>
           <a:prstGeom prst="rect">
             <a:avLst/>
           </a:prstGeom>
-          <a:solidFill>
-            <a:srgbClr val="7F7F7F"/>
-          </a:solidFill>
           <a:ln>
             <a:noFill/>
           </a:ln>
@@ -4379,55 +4379,99 @@
           <a:bodyPr rtlCol="0" anchor="ctr"/>
           <a:lstStyle/>
           <a:p>
-            <a:pPr marL="0" marR="0" lvl="0" indent="0" algn="ctr" defTabSz="914400" rtl="0" eaLnBrk="1" fontAlgn="auto" latinLnBrk="0" hangingPunct="1">
-              <a:lnSpc>
-                <a:spcPct val="100000"/>
-              </a:lnSpc>
-              <a:spcBef>
-                <a:spcPts val="0"/>
-              </a:spcBef>
-              <a:spcAft>
-                <a:spcPts val="0"/>
-              </a:spcAft>
-              <a:buClrTx/>
-              <a:buSzTx/>
-              <a:buFontTx/>
-              <a:buNone/>
-              <a:tabLst/>
-              <a:defRPr/>
-            </a:pPr>
-            <a:endParaRPr kumimoji="0" lang="en-US" sz="1800" b="0" i="0" u="none" strike="noStrike" kern="1200" cap="none" spc="0" normalizeH="0" baseline="0" noProof="0">
-              <a:ln>
-                <a:noFill/>
-              </a:ln>
-              <a:solidFill>
-                <a:prstClr val="white"/>
-              </a:solidFill>
-              <a:effectLst/>
-              <a:uLnTx/>
-              <a:uFillTx/>
-              <a:latin typeface="Calibri" panose="020F0502020204030204"/>
-              <a:ea typeface="+mn-ea"/>
-              <a:cs typeface="+mn-cs"/>
-            </a:endParaRPr>
-          </a:p>
-        </p:txBody>
-      </p:sp>
-      <p:sp>
-        <p:nvSpPr>
-          <p:cNvPr id="18" name="Rectangle 17">
-            <a:extLst>
-              <a:ext uri="{FF2B5EF4-FFF2-40B4-BE49-F238E27FC236}">
-                <a16:creationId xmlns:a16="http://schemas.microsoft.com/office/drawing/2014/main" id="{762B7B97-C3EE-4AEE-A61F-AFA873FE2FCA}"/>
+            <a:pPr algn="ctr"/>
+            <a:endParaRPr lang="en-US"/>
+          </a:p>
+        </p:txBody>
+      </p:sp>
+      <p:sp>
+        <p:nvSpPr>
+          <p:cNvPr id="2" name="Title 1">
+            <a:extLst>
+              <a:ext uri="{FF2B5EF4-FFF2-40B4-BE49-F238E27FC236}">
+                <a16:creationId xmlns:a16="http://schemas.microsoft.com/office/drawing/2014/main" id="{2023E108-7902-49D5-BC7A-ED1D37BFB8B2}"/>
+              </a:ext>
+            </a:extLst>
+          </p:cNvPr>
+          <p:cNvSpPr>
+            <a:spLocks noGrp="1"/>
+          </p:cNvSpPr>
+          <p:nvPr>
+            <p:ph type="title"/>
+          </p:nvPr>
+        </p:nvSpPr>
+        <p:spPr>
+          <a:xfrm>
+            <a:off x="6688182" y="932961"/>
+            <a:ext cx="4887685" cy="806939"/>
+          </a:xfrm>
+          <a:prstGeom prst="ellipse">
+            <a:avLst/>
+          </a:prstGeom>
+        </p:spPr>
+        <p:txBody>
+          <a:bodyPr vert="horz" lIns="91440" tIns="45720" rIns="91440" bIns="45720" rtlCol="0" anchor="b">
+            <a:normAutofit fontScale="90000"/>
+          </a:bodyPr>
+          <a:lstStyle/>
+          <a:p>
+            <a:r>
+              <a:rPr lang="en-US" sz="4000" dirty="0"/>
+              <a:t>Damon Manley</a:t>
+            </a:r>
+          </a:p>
+        </p:txBody>
+      </p:sp>
+      <p:pic>
+        <p:nvPicPr>
+          <p:cNvPr id="6" name="Picture 5">
+            <a:extLst>
+              <a:ext uri="{FF2B5EF4-FFF2-40B4-BE49-F238E27FC236}">
+                <a16:creationId xmlns:a16="http://schemas.microsoft.com/office/drawing/2014/main" id="{3CD41BEF-C8F9-CB40-A4F3-2A443970443F}"/>
+              </a:ext>
+            </a:extLst>
+          </p:cNvPr>
+          <p:cNvPicPr>
+            <a:picLocks noChangeAspect="1"/>
+          </p:cNvPicPr>
+          <p:nvPr/>
+        </p:nvPicPr>
+        <p:blipFill rotWithShape="1">
+          <a:blip r:embed="rId2">
+            <a:extLst>
+              <a:ext uri="{28A0092B-C50C-407E-A947-70E740481C1C}">
+                <a14:useLocalDpi xmlns:a14="http://schemas.microsoft.com/office/drawing/2010/main" val="0"/>
+              </a:ext>
+            </a:extLst>
+          </a:blip>
+          <a:srcRect t="16070" r="2" b="4"/>
+          <a:stretch/>
+        </p:blipFill>
+        <p:spPr>
+          <a:xfrm>
+            <a:off x="391903" y="573678"/>
+            <a:ext cx="5103206" cy="5710645"/>
+          </a:xfrm>
+          <a:prstGeom prst="rect">
+            <a:avLst/>
+          </a:prstGeom>
+        </p:spPr>
+      </p:pic>
+      <p:cxnSp>
+        <p:nvCxnSpPr>
+          <p:cNvPr id="41" name="Straight Connector 40">
+            <a:extLst>
+              <a:ext uri="{FF2B5EF4-FFF2-40B4-BE49-F238E27FC236}">
+                <a16:creationId xmlns:a16="http://schemas.microsoft.com/office/drawing/2014/main" id="{CF8F36E2-BBE5-43FE-822F-AD8CAE08C071}"/>
               </a:ext>
               <a:ext uri="{C183D7F6-B498-43B3-948B-1728B52AA6E4}">
                 <adec:decorative xmlns:adec="http://schemas.microsoft.com/office/drawing/2017/decorative" val="1"/>
               </a:ext>
             </a:extLst>
           </p:cNvPr>
-          <p:cNvSpPr>
-            <a:spLocks noGrp="1" noRot="1" noChangeAspect="1" noMove="1" noResize="1" noEditPoints="1" noAdjustHandles="1" noChangeArrowheads="1" noChangeShapeType="1" noTextEdit="1"/>
-          </p:cNvSpPr>
+          <p:cNvCxnSpPr>
+            <a:cxnSpLocks noGrp="1" noRot="1" noChangeAspect="1" noMove="1" noResize="1" noEditPoints="1" noAdjustHandles="1" noChangeArrowheads="1" noChangeShapeType="1"/>
+          </p:cNvCxnSpPr>
           <p:nvPr>
             <p:extLst>
               <p:ext uri="{386F3935-93C4-4BCD-93E2-E3B085C9AB24}">
@@ -4435,85 +4479,42 @@
               </p:ext>
             </p:extLst>
           </p:nvPr>
-        </p:nvSpPr>
+        </p:nvCxnSpPr>
         <p:spPr>
-          <a:xfrm flipH="1">
-            <a:off x="2013557" y="0"/>
-            <a:ext cx="10178443" cy="6858000"/>
+          <a:xfrm>
+            <a:off x="6096000" y="1417320"/>
+            <a:ext cx="0" cy="4023360"/>
           </a:xfrm>
-          <a:prstGeom prst="rect">
+          <a:prstGeom prst="line">
             <a:avLst/>
           </a:prstGeom>
-          <a:solidFill>
-            <a:schemeClr val="tx1">
-              <a:lumMod val="75000"/>
-              <a:lumOff val="25000"/>
-            </a:schemeClr>
-          </a:solidFill>
-          <a:ln>
-            <a:noFill/>
+          <a:ln w="15875">
+            <a:solidFill>
+              <a:schemeClr val="tx1"/>
+            </a:solidFill>
           </a:ln>
         </p:spPr>
         <p:style>
-          <a:lnRef idx="2">
-            <a:schemeClr val="accent1">
-              <a:shade val="50000"/>
-            </a:schemeClr>
+          <a:lnRef idx="1">
+            <a:schemeClr val="accent1"/>
           </a:lnRef>
-          <a:fillRef idx="1">
+          <a:fillRef idx="0">
             <a:schemeClr val="accent1"/>
           </a:fillRef>
           <a:effectRef idx="0">
             <a:schemeClr val="accent1"/>
           </a:effectRef>
           <a:fontRef idx="minor">
-            <a:schemeClr val="lt1"/>
+            <a:schemeClr val="tx1"/>
           </a:fontRef>
         </p:style>
-        <p:txBody>
-          <a:bodyPr rtlCol="0" anchor="ctr"/>
-          <a:lstStyle/>
-          <a:p>
-            <a:pPr marL="0" marR="0" lvl="0" indent="0" algn="ctr" defTabSz="914400" rtl="0" eaLnBrk="1" fontAlgn="auto" latinLnBrk="0" hangingPunct="1">
-              <a:lnSpc>
-                <a:spcPct val="100000"/>
-              </a:lnSpc>
-              <a:spcBef>
-                <a:spcPts val="0"/>
-              </a:spcBef>
-              <a:spcAft>
-                <a:spcPts val="0"/>
-              </a:spcAft>
-              <a:buClrTx/>
-              <a:buSzTx/>
-              <a:buFontTx/>
-              <a:buNone/>
-              <a:tabLst/>
-              <a:defRPr/>
-            </a:pPr>
-            <a:endParaRPr kumimoji="0" lang="en-US" sz="1800" b="0" i="0" u="none" strike="noStrike" kern="1200" cap="none" spc="0" normalizeH="0" baseline="0" noProof="0">
-              <a:ln>
-                <a:noFill/>
-              </a:ln>
-              <a:solidFill>
-                <a:prstClr val="white"/>
-              </a:solidFill>
-              <a:effectLst/>
-              <a:uLnTx/>
-              <a:uFillTx/>
-              <a:latin typeface="Calibri" panose="020F0502020204030204"/>
-              <a:ea typeface="+mn-ea"/>
-              <a:cs typeface="+mn-cs"/>
-            </a:endParaRPr>
-          </a:p>
-        </p:txBody>
-      </p:sp>
-      <p:sp>
-        <p:nvSpPr>
-          <p:cNvPr id="2" name="Title 1">
-            <a:extLst>
-              <a:ext uri="{FF2B5EF4-FFF2-40B4-BE49-F238E27FC236}">
-                <a16:creationId xmlns:a16="http://schemas.microsoft.com/office/drawing/2014/main" id="{2023E108-7902-49D5-BC7A-ED1D37BFB8B2}"/>
+      </p:cxnSp>
+      <p:sp>
+        <p:nvSpPr>
+          <p:cNvPr id="4" name="Text Placeholder 3">
+            <a:extLst>
+              <a:ext uri="{FF2B5EF4-FFF2-40B4-BE49-F238E27FC236}">
+                <a16:creationId xmlns:a16="http://schemas.microsoft.com/office/drawing/2014/main" id="{E840C4FF-09FE-4D7F-9594-9C7B51EFEFA9}"/>
               </a:ext>
             </a:extLst>
           </p:cNvPr>
@@ -4521,71 +4522,17 @@
             <a:spLocks noGrp="1"/>
           </p:cNvSpPr>
           <p:nvPr>
-            <p:ph type="title"/>
+            <p:ph type="body" sz="half" idx="2"/>
           </p:nvPr>
         </p:nvSpPr>
         <p:spPr>
           <a:xfrm>
-            <a:off x="623787" y="1635358"/>
-            <a:ext cx="2752344" cy="2706624"/>
-          </a:xfrm>
-          <a:prstGeom prst="ellipse">
-            <a:avLst/>
-          </a:prstGeom>
-          <a:solidFill>
-            <a:schemeClr val="bg1"/>
-          </a:solidFill>
-          <a:ln w="174625" cmpd="thinThick">
-            <a:solidFill>
-              <a:schemeClr val="bg1"/>
-            </a:solidFill>
-          </a:ln>
-        </p:spPr>
-        <p:txBody>
-          <a:bodyPr vert="horz" lIns="91440" tIns="45720" rIns="91440" bIns="45720" rtlCol="0" anchor="ctr">
-            <a:normAutofit/>
-          </a:bodyPr>
-          <a:lstStyle/>
-          <a:p>
-            <a:pPr algn="ctr"/>
-            <a:r>
-              <a:rPr lang="en-US" sz="2600" kern="1200" dirty="0">
-                <a:solidFill>
-                  <a:schemeClr val="tx1"/>
-                </a:solidFill>
-                <a:latin typeface="+mj-lt"/>
-                <a:ea typeface="+mj-ea"/>
-                <a:cs typeface="+mj-cs"/>
-              </a:rPr>
-              <a:t>Add picture here</a:t>
-            </a:r>
-          </a:p>
-        </p:txBody>
-      </p:sp>
-      <p:sp>
-        <p:nvSpPr>
-          <p:cNvPr id="4" name="Text Placeholder 3">
-            <a:extLst>
-              <a:ext uri="{FF2B5EF4-FFF2-40B4-BE49-F238E27FC236}">
-                <a16:creationId xmlns:a16="http://schemas.microsoft.com/office/drawing/2014/main" id="{E840C4FF-09FE-4D7F-9594-9C7B51EFEFA9}"/>
-              </a:ext>
-            </a:extLst>
-          </p:cNvPr>
-          <p:cNvSpPr>
-            <a:spLocks noGrp="1"/>
-          </p:cNvSpPr>
-          <p:nvPr>
-            <p:ph type="body" sz="half" idx="2"/>
-          </p:nvPr>
-        </p:nvSpPr>
-        <p:spPr>
-          <a:xfrm>
-            <a:off x="4256690" y="1088137"/>
-            <a:ext cx="6180082" cy="3801067"/>
+            <a:off x="6688181" y="1907922"/>
+            <a:ext cx="4887685" cy="3210179"/>
           </a:xfrm>
         </p:spPr>
         <p:txBody>
-          <a:bodyPr vert="horz" lIns="91440" tIns="45720" rIns="91440" bIns="45720" rtlCol="0" anchor="ctr">
+          <a:bodyPr vert="horz" lIns="91440" tIns="45720" rIns="91440" bIns="45720" rtlCol="0" anchor="t">
             <a:normAutofit/>
           </a:bodyPr>
           <a:lstStyle/>
@@ -4594,45 +4541,39 @@
               <a:buFont typeface="Arial" panose="020B0604020202020204" pitchFamily="34" charset="0"/>
               <a:buChar char="•"/>
             </a:pPr>
-            <a:endParaRPr lang="en-US" sz="2000" dirty="0">
-              <a:solidFill>
-                <a:schemeClr val="bg1"/>
-              </a:solidFill>
-            </a:endParaRPr>
-          </a:p>
-        </p:txBody>
-      </p:sp>
-      <p:sp>
-        <p:nvSpPr>
-          <p:cNvPr id="5" name="TextBox 4">
-            <a:extLst>
-              <a:ext uri="{FF2B5EF4-FFF2-40B4-BE49-F238E27FC236}">
-                <a16:creationId xmlns:a16="http://schemas.microsoft.com/office/drawing/2014/main" id="{F9EBA4F3-75A7-4184-90D9-7CC96B9776E0}"/>
-              </a:ext>
-            </a:extLst>
-          </p:cNvPr>
-          <p:cNvSpPr txBox="1"/>
-          <p:nvPr/>
-        </p:nvSpPr>
-        <p:spPr>
-          <a:xfrm>
-            <a:off x="1280873" y="4519872"/>
-            <a:ext cx="1854250" cy="369332"/>
-          </a:xfrm>
-          <a:prstGeom prst="rect">
-            <a:avLst/>
-          </a:prstGeom>
-          <a:noFill/>
-        </p:spPr>
-        <p:txBody>
-          <a:bodyPr wrap="square" rtlCol="0">
-            <a:spAutoFit/>
-          </a:bodyPr>
-          <a:lstStyle/>
-          <a:p>
-            <a:r>
-              <a:rPr lang="en-US" dirty="0"/>
-              <a:t>Damon Manley</a:t>
+            <a:r>
+              <a:rPr lang="en-US" sz="2400" dirty="0"/>
+              <a:t>BS in Exercise Science</a:t>
+            </a:r>
+          </a:p>
+          <a:p>
+            <a:pPr indent="-228600">
+              <a:buFont typeface="Arial" panose="020B0604020202020204" pitchFamily="34" charset="0"/>
+              <a:buChar char="•"/>
+            </a:pPr>
+            <a:r>
+              <a:rPr lang="en-US" sz="2400" dirty="0"/>
+              <a:t>Director of Hospitality at Chick-fil-A</a:t>
+            </a:r>
+          </a:p>
+          <a:p>
+            <a:pPr indent="-228600">
+              <a:buFont typeface="Arial" panose="020B0604020202020204" pitchFamily="34" charset="0"/>
+              <a:buChar char="•"/>
+            </a:pPr>
+            <a:r>
+              <a:rPr lang="en-US" sz="2400" dirty="0"/>
+              <a:t>Working in Chick-fil-A since 2016</a:t>
+            </a:r>
+          </a:p>
+          <a:p>
+            <a:pPr indent="-228600">
+              <a:buFont typeface="Arial" panose="020B0604020202020204" pitchFamily="34" charset="0"/>
+              <a:buChar char="•"/>
+            </a:pPr>
+            <a:r>
+              <a:rPr lang="en-US" sz="2400" dirty="0"/>
+              <a:t>Analyzing business trends has helped in my career at Chick-fil-A and has led me to pursue the path to data science</a:t>
             </a:r>
           </a:p>
         </p:txBody>
@@ -4645,7 +4586,7 @@
     </p:extLst>
   </p:cSld>
   <p:clrMapOvr>
-    <a:masterClrMapping/>
+    <a:overrideClrMapping bg1="dk1" tx1="lt1" bg2="dk2" tx2="lt2" accent1="accent1" accent2="accent2" accent3="accent3" accent4="accent4" accent5="accent5" accent6="accent6" hlink="hlink" folHlink="folHlink"/>
   </p:clrMapOvr>
 </p:sld>
 </file>
@@ -5077,7 +5018,7 @@
         </p:blipFill>
         <p:spPr>
           <a:xfrm>
-            <a:off x="30480" y="0"/>
+            <a:off x="1" y="0"/>
             <a:ext cx="12191999" cy="6857990"/>
           </a:xfrm>
           <a:prstGeom prst="rect">
@@ -5220,7 +5161,7 @@
                 <a:latin typeface="Helvetica" panose="020B0604020202020204" pitchFamily="34" charset="0"/>
                 <a:ea typeface="Times New Roman" panose="02020603050405020304" pitchFamily="18" charset="0"/>
               </a:rPr>
-              <a:t>Covid 19 has negatively impacted the restaurant industry, but how has it impacted one specific location of the CFA restaurant chain?  This project will analyze data from a CFA location in Charleston, SC.   CFA has given access to unlimited data but due to the time constraints of this project the we will only be considering a few questions.</a:t>
+              <a:t>Covid 19 has negatively impacted the restaurant industry, but how has it impacted one specific location of the CFA restaurant chain?  This project will analyze data from a CFA location in Charleston, SC.   CFA has given access to unlimited data but due to the time constraints of this project, we will only be considering a few questions.</a:t>
             </a:r>
             <a:br>
               <a:rPr lang="en-US" sz="2400" b="1" i="1" dirty="0">
@@ -5584,23 +5525,7 @@
                   <a:schemeClr val="bg1"/>
                 </a:solidFill>
               </a:rPr>
-              <a:t>Objective 1 – We used the </a:t>
-            </a:r>
-            <a:r>
-              <a:rPr lang="en-US" sz="2400" dirty="0" err="1">
-                <a:solidFill>
-                  <a:schemeClr val="bg1"/>
-                </a:solidFill>
-              </a:rPr>
-              <a:t>anova</a:t>
-            </a:r>
-            <a:r>
-              <a:rPr lang="en-US" sz="2400" dirty="0">
-                <a:solidFill>
-                  <a:schemeClr val="bg1"/>
-                </a:solidFill>
-              </a:rPr>
-              <a:t> analysis and the following variables: Sales, NormDT, 3rdParty and Time.</a:t>
+              <a:t>Objective 1 – We used an ANOVA analysis and the following variables: Sales, NormDT, 3rdParty and Time.</a:t>
             </a:r>
           </a:p>
           <a:p>
@@ -5634,23 +5559,7 @@
                   <a:schemeClr val="bg1"/>
                 </a:solidFill>
               </a:rPr>
-              <a:t>Objective 3 – We used the </a:t>
-            </a:r>
-            <a:r>
-              <a:rPr lang="en-US" sz="2400" dirty="0" err="1">
-                <a:solidFill>
-                  <a:schemeClr val="bg1"/>
-                </a:solidFill>
-              </a:rPr>
-              <a:t>manova</a:t>
-            </a:r>
-            <a:r>
-              <a:rPr lang="en-US" sz="2400" dirty="0">
-                <a:solidFill>
-                  <a:schemeClr val="bg1"/>
-                </a:solidFill>
-              </a:rPr>
-              <a:t> analysis and looked at the following variables: MobCO, MobDI, DineIn, Catering, CarryO, NormDT, 3rdParty, and Time.</a:t>
+              <a:t>Objective 3 – We used a MANOVA analysis and looked at the following variables: MobCO, MobDI, DineIn, Catering, CarryO, NormDT, 3rdParty, and Time.</a:t>
             </a:r>
           </a:p>
           <a:p>

--- a/Presentation.pptx
+++ b/Presentation.pptx
@@ -10,13 +10,14 @@
     <p:sldId id="265" r:id="rId4"/>
     <p:sldId id="256" r:id="rId5"/>
     <p:sldId id="269" r:id="rId6"/>
-    <p:sldId id="271" r:id="rId7"/>
-    <p:sldId id="259" r:id="rId8"/>
-    <p:sldId id="268" r:id="rId9"/>
-    <p:sldId id="267" r:id="rId10"/>
-    <p:sldId id="257" r:id="rId11"/>
-    <p:sldId id="266" r:id="rId12"/>
-    <p:sldId id="260" r:id="rId13"/>
+    <p:sldId id="272" r:id="rId7"/>
+    <p:sldId id="271" r:id="rId8"/>
+    <p:sldId id="259" r:id="rId9"/>
+    <p:sldId id="268" r:id="rId10"/>
+    <p:sldId id="267" r:id="rId11"/>
+    <p:sldId id="257" r:id="rId12"/>
+    <p:sldId id="266" r:id="rId13"/>
+    <p:sldId id="260" r:id="rId14"/>
   </p:sldIdLst>
   <p:sldSz cx="12192000" cy="6858000"/>
   <p:notesSz cx="6858000" cy="9144000"/>
@@ -270,7 +271,7 @@
           <a:p>
             <a:fld id="{59ED46AA-65FE-4AA6-90A6-8BABD663A628}" type="datetimeFigureOut">
               <a:rPr lang="en-US" smtClean="0"/>
-              <a:t>1/23/21</a:t>
+              <a:t>1/24/21</a:t>
             </a:fld>
             <a:endParaRPr lang="en-US"/>
           </a:p>
@@ -468,7 +469,7 @@
           <a:p>
             <a:fld id="{59ED46AA-65FE-4AA6-90A6-8BABD663A628}" type="datetimeFigureOut">
               <a:rPr lang="en-US" smtClean="0"/>
-              <a:t>1/23/21</a:t>
+              <a:t>1/24/21</a:t>
             </a:fld>
             <a:endParaRPr lang="en-US"/>
           </a:p>
@@ -676,7 +677,7 @@
           <a:p>
             <a:fld id="{59ED46AA-65FE-4AA6-90A6-8BABD663A628}" type="datetimeFigureOut">
               <a:rPr lang="en-US" smtClean="0"/>
-              <a:t>1/23/21</a:t>
+              <a:t>1/24/21</a:t>
             </a:fld>
             <a:endParaRPr lang="en-US"/>
           </a:p>
@@ -874,7 +875,7 @@
           <a:p>
             <a:fld id="{59ED46AA-65FE-4AA6-90A6-8BABD663A628}" type="datetimeFigureOut">
               <a:rPr lang="en-US" smtClean="0"/>
-              <a:t>1/23/21</a:t>
+              <a:t>1/24/21</a:t>
             </a:fld>
             <a:endParaRPr lang="en-US"/>
           </a:p>
@@ -1149,7 +1150,7 @@
           <a:p>
             <a:fld id="{59ED46AA-65FE-4AA6-90A6-8BABD663A628}" type="datetimeFigureOut">
               <a:rPr lang="en-US" smtClean="0"/>
-              <a:t>1/23/21</a:t>
+              <a:t>1/24/21</a:t>
             </a:fld>
             <a:endParaRPr lang="en-US"/>
           </a:p>
@@ -1414,7 +1415,7 @@
           <a:p>
             <a:fld id="{59ED46AA-65FE-4AA6-90A6-8BABD663A628}" type="datetimeFigureOut">
               <a:rPr lang="en-US" smtClean="0"/>
-              <a:t>1/23/21</a:t>
+              <a:t>1/24/21</a:t>
             </a:fld>
             <a:endParaRPr lang="en-US"/>
           </a:p>
@@ -1826,7 +1827,7 @@
           <a:p>
             <a:fld id="{59ED46AA-65FE-4AA6-90A6-8BABD663A628}" type="datetimeFigureOut">
               <a:rPr lang="en-US" smtClean="0"/>
-              <a:t>1/23/21</a:t>
+              <a:t>1/24/21</a:t>
             </a:fld>
             <a:endParaRPr lang="en-US"/>
           </a:p>
@@ -1967,7 +1968,7 @@
           <a:p>
             <a:fld id="{59ED46AA-65FE-4AA6-90A6-8BABD663A628}" type="datetimeFigureOut">
               <a:rPr lang="en-US" smtClean="0"/>
-              <a:t>1/23/21</a:t>
+              <a:t>1/24/21</a:t>
             </a:fld>
             <a:endParaRPr lang="en-US"/>
           </a:p>
@@ -2080,7 +2081,7 @@
           <a:p>
             <a:fld id="{59ED46AA-65FE-4AA6-90A6-8BABD663A628}" type="datetimeFigureOut">
               <a:rPr lang="en-US" smtClean="0"/>
-              <a:t>1/23/21</a:t>
+              <a:t>1/24/21</a:t>
             </a:fld>
             <a:endParaRPr lang="en-US"/>
           </a:p>
@@ -2391,7 +2392,7 @@
           <a:p>
             <a:fld id="{59ED46AA-65FE-4AA6-90A6-8BABD663A628}" type="datetimeFigureOut">
               <a:rPr lang="en-US" smtClean="0"/>
-              <a:t>1/23/21</a:t>
+              <a:t>1/24/21</a:t>
             </a:fld>
             <a:endParaRPr lang="en-US"/>
           </a:p>
@@ -2679,7 +2680,7 @@
           <a:p>
             <a:fld id="{59ED46AA-65FE-4AA6-90A6-8BABD663A628}" type="datetimeFigureOut">
               <a:rPr lang="en-US" smtClean="0"/>
-              <a:t>1/23/21</a:t>
+              <a:t>1/24/21</a:t>
             </a:fld>
             <a:endParaRPr lang="en-US"/>
           </a:p>
@@ -2920,7 +2921,7 @@
           <a:p>
             <a:fld id="{59ED46AA-65FE-4AA6-90A6-8BABD663A628}" type="datetimeFigureOut">
               <a:rPr lang="en-US" smtClean="0"/>
-              <a:t>1/23/21</a:t>
+              <a:t>1/24/21</a:t>
             </a:fld>
             <a:endParaRPr lang="en-US"/>
           </a:p>
@@ -3495,7 +3496,35 @@
                 <a:ea typeface="+mj-ea"/>
                 <a:cs typeface="+mj-cs"/>
               </a:rPr>
-              <a:t>Effects of Covid 19</a:t>
+              <a:t>Effects of </a:t>
+            </a:r>
+            <a:r>
+              <a:rPr lang="en-US" sz="3600" dirty="0" err="1">
+                <a:solidFill>
+                  <a:schemeClr val="tx1">
+                    <a:lumMod val="85000"/>
+                    <a:lumOff val="15000"/>
+                  </a:schemeClr>
+                </a:solidFill>
+                <a:latin typeface="+mj-lt"/>
+                <a:ea typeface="+mj-ea"/>
+                <a:cs typeface="+mj-cs"/>
+              </a:rPr>
+              <a:t>Covid</a:t>
+            </a:r>
+            <a:r>
+              <a:rPr lang="en-US" sz="3600" dirty="0">
+                <a:solidFill>
+                  <a:schemeClr val="tx1">
+                    <a:lumMod val="85000"/>
+                    <a:lumOff val="15000"/>
+                  </a:schemeClr>
+                </a:solidFill>
+                <a:latin typeface="+mj-lt"/>
+                <a:ea typeface="+mj-ea"/>
+                <a:cs typeface="+mj-cs"/>
+              </a:rPr>
+              <a:t> 19 on a Quick-Service Restaurant</a:t>
             </a:r>
           </a:p>
         </p:txBody>
@@ -3622,6 +3651,1672 @@
 </file>
 
 <file path=ppt/slides/slide10.xml><?xml version="1.0" encoding="utf-8"?>
+<p:sld xmlns:a="http://schemas.openxmlformats.org/drawingml/2006/main" xmlns:r="http://schemas.openxmlformats.org/officeDocument/2006/relationships" xmlns:p="http://schemas.openxmlformats.org/presentationml/2006/main">
+  <p:cSld>
+    <p:bg>
+      <p:bgPr>
+        <a:solidFill>
+          <a:schemeClr val="bg1"/>
+        </a:solidFill>
+        <a:effectLst/>
+      </p:bgPr>
+    </p:bg>
+    <p:spTree>
+      <p:nvGrpSpPr>
+        <p:cNvPr id="1" name=""/>
+        <p:cNvGrpSpPr/>
+        <p:nvPr/>
+      </p:nvGrpSpPr>
+      <p:grpSpPr>
+        <a:xfrm>
+          <a:off x="0" y="0"/>
+          <a:ext cx="0" cy="0"/>
+          <a:chOff x="0" y="0"/>
+          <a:chExt cx="0" cy="0"/>
+        </a:xfrm>
+      </p:grpSpPr>
+      <p:sp>
+        <p:nvSpPr>
+          <p:cNvPr id="15" name="Freeform 5">
+            <a:extLst>
+              <a:ext uri="{FF2B5EF4-FFF2-40B4-BE49-F238E27FC236}">
+                <a16:creationId xmlns:a16="http://schemas.microsoft.com/office/drawing/2014/main" id="{07322A9E-F1EC-405E-8971-BA906EFFCCB8}"/>
+              </a:ext>
+              <a:ext uri="{C183D7F6-B498-43B3-948B-1728B52AA6E4}">
+                <adec:decorative xmlns:adec="http://schemas.microsoft.com/office/drawing/2017/decorative" val="1"/>
+              </a:ext>
+            </a:extLst>
+          </p:cNvPr>
+          <p:cNvSpPr>
+            <a:spLocks noGrp="1" noRot="1" noChangeAspect="1" noMove="1" noResize="1" noEditPoints="1" noAdjustHandles="1" noChangeArrowheads="1" noChangeShapeType="1" noTextEdit="1"/>
+          </p:cNvSpPr>
+          <p:nvPr>
+            <p:extLst>
+              <p:ext uri="{386F3935-93C4-4BCD-93E2-E3B085C9AB24}">
+                <p16:designElem xmlns:p16="http://schemas.microsoft.com/office/powerpoint/2015/main" val="1"/>
+              </p:ext>
+            </p:extLst>
+          </p:nvPr>
+        </p:nvSpPr>
+        <p:spPr bwMode="auto">
+          <a:xfrm>
+            <a:off x="-329674" y="1290909"/>
+            <a:ext cx="9702800" cy="5573512"/>
+          </a:xfrm>
+          <a:custGeom>
+            <a:avLst/>
+            <a:gdLst>
+              <a:gd name="T0" fmla="*/ 1752 w 2038"/>
+              <a:gd name="T1" fmla="*/ 1169 h 1169"/>
+              <a:gd name="T2" fmla="*/ 1487 w 2038"/>
+              <a:gd name="T3" fmla="*/ 334 h 1169"/>
+              <a:gd name="T4" fmla="*/ 860 w 2038"/>
+              <a:gd name="T5" fmla="*/ 22 h 1169"/>
+              <a:gd name="T6" fmla="*/ 199 w 2038"/>
+              <a:gd name="T7" fmla="*/ 318 h 1169"/>
+              <a:gd name="T8" fmla="*/ 399 w 2038"/>
+              <a:gd name="T9" fmla="*/ 1165 h 1169"/>
+            </a:gdLst>
+            <a:ahLst/>
+            <a:cxnLst>
+              <a:cxn ang="0">
+                <a:pos x="T0" y="T1"/>
+              </a:cxn>
+              <a:cxn ang="0">
+                <a:pos x="T2" y="T3"/>
+              </a:cxn>
+              <a:cxn ang="0">
+                <a:pos x="T4" y="T5"/>
+              </a:cxn>
+              <a:cxn ang="0">
+                <a:pos x="T6" y="T7"/>
+              </a:cxn>
+              <a:cxn ang="0">
+                <a:pos x="T8" y="T9"/>
+              </a:cxn>
+            </a:cxnLst>
+            <a:rect l="0" t="0" r="r" b="b"/>
+            <a:pathLst>
+              <a:path w="2038" h="1169">
+                <a:moveTo>
+                  <a:pt x="1752" y="1169"/>
+                </a:moveTo>
+                <a:cubicBezTo>
+                  <a:pt x="2038" y="928"/>
+                  <a:pt x="1673" y="513"/>
+                  <a:pt x="1487" y="334"/>
+                </a:cubicBezTo>
+                <a:cubicBezTo>
+                  <a:pt x="1316" y="170"/>
+                  <a:pt x="1099" y="43"/>
+                  <a:pt x="860" y="22"/>
+                </a:cubicBezTo>
+                <a:cubicBezTo>
+                  <a:pt x="621" y="0"/>
+                  <a:pt x="341" y="128"/>
+                  <a:pt x="199" y="318"/>
+                </a:cubicBezTo>
+                <a:cubicBezTo>
+                  <a:pt x="0" y="586"/>
+                  <a:pt x="184" y="965"/>
+                  <a:pt x="399" y="1165"/>
+                </a:cubicBezTo>
+              </a:path>
+            </a:pathLst>
+          </a:custGeom>
+          <a:noFill/>
+          <a:ln w="9525" cap="flat">
+            <a:solidFill>
+              <a:schemeClr val="tx1">
+                <a:alpha val="20000"/>
+              </a:schemeClr>
+            </a:solidFill>
+            <a:prstDash val="solid"/>
+            <a:miter lim="800000"/>
+            <a:headEnd/>
+            <a:tailEnd/>
+          </a:ln>
+          <a:extLst>
+            <a:ext uri="{909E8E84-426E-40DD-AFC4-6F175D3DCCD1}">
+              <a14:hiddenFill xmlns:a14="http://schemas.microsoft.com/office/drawing/2010/main">
+                <a:solidFill>
+                  <a:srgbClr val="FFFFFF"/>
+                </a:solidFill>
+              </a14:hiddenFill>
+            </a:ext>
+          </a:extLst>
+        </p:spPr>
+        <p:txBody>
+          <a:bodyPr vert="horz" wrap="square" lIns="91440" tIns="45720" rIns="91440" bIns="45720" numCol="1" anchor="t" anchorCtr="0" compatLnSpc="1">
+            <a:prstTxWarp prst="textNoShape">
+              <a:avLst/>
+            </a:prstTxWarp>
+          </a:bodyPr>
+          <a:lstStyle/>
+          <a:p>
+            <a:endParaRPr lang="en-US"/>
+          </a:p>
+        </p:txBody>
+      </p:sp>
+      <p:sp>
+        <p:nvSpPr>
+          <p:cNvPr id="17" name="Freeform 6">
+            <a:extLst>
+              <a:ext uri="{FF2B5EF4-FFF2-40B4-BE49-F238E27FC236}">
+                <a16:creationId xmlns:a16="http://schemas.microsoft.com/office/drawing/2014/main" id="{A5704422-1118-4FD1-95AD-29A064EB80D9}"/>
+              </a:ext>
+              <a:ext uri="{C183D7F6-B498-43B3-948B-1728B52AA6E4}">
+                <adec:decorative xmlns:adec="http://schemas.microsoft.com/office/drawing/2017/decorative" val="1"/>
+              </a:ext>
+            </a:extLst>
+          </p:cNvPr>
+          <p:cNvSpPr>
+            <a:spLocks noGrp="1" noRot="1" noChangeAspect="1" noMove="1" noResize="1" noEditPoints="1" noAdjustHandles="1" noChangeArrowheads="1" noChangeShapeType="1" noTextEdit="1"/>
+          </p:cNvSpPr>
+          <p:nvPr>
+            <p:extLst>
+              <p:ext uri="{386F3935-93C4-4BCD-93E2-E3B085C9AB24}">
+                <p16:designElem xmlns:p16="http://schemas.microsoft.com/office/powerpoint/2015/main" val="1"/>
+              </p:ext>
+            </p:extLst>
+          </p:nvPr>
+        </p:nvSpPr>
+        <p:spPr bwMode="auto">
+          <a:xfrm>
+            <a:off x="670451" y="2010741"/>
+            <a:ext cx="7373938" cy="4848892"/>
+          </a:xfrm>
+          <a:custGeom>
+            <a:avLst/>
+            <a:gdLst>
+              <a:gd name="T0" fmla="*/ 1025 w 1549"/>
+              <a:gd name="T1" fmla="*/ 1016 h 1017"/>
+              <a:gd name="T2" fmla="*/ 1443 w 1549"/>
+              <a:gd name="T3" fmla="*/ 592 h 1017"/>
+              <a:gd name="T4" fmla="*/ 782 w 1549"/>
+              <a:gd name="T5" fmla="*/ 53 h 1017"/>
+              <a:gd name="T6" fmla="*/ 150 w 1549"/>
+              <a:gd name="T7" fmla="*/ 329 h 1017"/>
+              <a:gd name="T8" fmla="*/ 477 w 1549"/>
+              <a:gd name="T9" fmla="*/ 1017 h 1017"/>
+            </a:gdLst>
+            <a:ahLst/>
+            <a:cxnLst>
+              <a:cxn ang="0">
+                <a:pos x="T0" y="T1"/>
+              </a:cxn>
+              <a:cxn ang="0">
+                <a:pos x="T2" y="T3"/>
+              </a:cxn>
+              <a:cxn ang="0">
+                <a:pos x="T4" y="T5"/>
+              </a:cxn>
+              <a:cxn ang="0">
+                <a:pos x="T6" y="T7"/>
+              </a:cxn>
+              <a:cxn ang="0">
+                <a:pos x="T8" y="T9"/>
+              </a:cxn>
+            </a:cxnLst>
+            <a:rect l="0" t="0" r="r" b="b"/>
+            <a:pathLst>
+              <a:path w="1549" h="1017">
+                <a:moveTo>
+                  <a:pt x="1025" y="1016"/>
+                </a:moveTo>
+                <a:cubicBezTo>
+                  <a:pt x="1223" y="971"/>
+                  <a:pt x="1549" y="857"/>
+                  <a:pt x="1443" y="592"/>
+                </a:cubicBezTo>
+                <a:cubicBezTo>
+                  <a:pt x="1344" y="344"/>
+                  <a:pt x="1041" y="111"/>
+                  <a:pt x="782" y="53"/>
+                </a:cubicBezTo>
+                <a:cubicBezTo>
+                  <a:pt x="545" y="0"/>
+                  <a:pt x="275" y="117"/>
+                  <a:pt x="150" y="329"/>
+                </a:cubicBezTo>
+                <a:cubicBezTo>
+                  <a:pt x="0" y="584"/>
+                  <a:pt x="243" y="911"/>
+                  <a:pt x="477" y="1017"/>
+                </a:cubicBezTo>
+              </a:path>
+            </a:pathLst>
+          </a:custGeom>
+          <a:noFill/>
+          <a:ln w="9525" cap="flat">
+            <a:solidFill>
+              <a:schemeClr val="tx1">
+                <a:alpha val="20000"/>
+              </a:schemeClr>
+            </a:solidFill>
+            <a:prstDash val="solid"/>
+            <a:miter lim="800000"/>
+            <a:headEnd/>
+            <a:tailEnd/>
+          </a:ln>
+          <a:extLst>
+            <a:ext uri="{909E8E84-426E-40DD-AFC4-6F175D3DCCD1}">
+              <a14:hiddenFill xmlns:a14="http://schemas.microsoft.com/office/drawing/2010/main">
+                <a:solidFill>
+                  <a:srgbClr val="FFFFFF"/>
+                </a:solidFill>
+              </a14:hiddenFill>
+            </a:ext>
+          </a:extLst>
+        </p:spPr>
+        <p:txBody>
+          <a:bodyPr vert="horz" wrap="square" lIns="91440" tIns="45720" rIns="91440" bIns="45720" numCol="1" anchor="t" anchorCtr="0" compatLnSpc="1">
+            <a:prstTxWarp prst="textNoShape">
+              <a:avLst/>
+            </a:prstTxWarp>
+          </a:bodyPr>
+          <a:lstStyle/>
+          <a:p>
+            <a:endParaRPr lang="en-US"/>
+          </a:p>
+        </p:txBody>
+      </p:sp>
+      <p:sp>
+        <p:nvSpPr>
+          <p:cNvPr id="19" name="Freeform 7">
+            <a:extLst>
+              <a:ext uri="{FF2B5EF4-FFF2-40B4-BE49-F238E27FC236}">
+                <a16:creationId xmlns:a16="http://schemas.microsoft.com/office/drawing/2014/main" id="{A88B2AAA-B805-498E-A9E6-98B885855498}"/>
+              </a:ext>
+              <a:ext uri="{C183D7F6-B498-43B3-948B-1728B52AA6E4}">
+                <adec:decorative xmlns:adec="http://schemas.microsoft.com/office/drawing/2017/decorative" val="1"/>
+              </a:ext>
+            </a:extLst>
+          </p:cNvPr>
+          <p:cNvSpPr>
+            <a:spLocks noGrp="1" noRot="1" noChangeAspect="1" noMove="1" noResize="1" noEditPoints="1" noAdjustHandles="1" noChangeArrowheads="1" noChangeShapeType="1" noTextEdit="1"/>
+          </p:cNvSpPr>
+          <p:nvPr>
+            <p:extLst>
+              <p:ext uri="{386F3935-93C4-4BCD-93E2-E3B085C9AB24}">
+                <p16:designElem xmlns:p16="http://schemas.microsoft.com/office/powerpoint/2015/main" val="1"/>
+              </p:ext>
+            </p:extLst>
+          </p:nvPr>
+        </p:nvSpPr>
+        <p:spPr bwMode="auto">
+          <a:xfrm>
+            <a:off x="251351" y="1780905"/>
+            <a:ext cx="8035925" cy="5083516"/>
+          </a:xfrm>
+          <a:custGeom>
+            <a:avLst/>
+            <a:gdLst>
+              <a:gd name="T0" fmla="*/ 1302 w 1688"/>
+              <a:gd name="T1" fmla="*/ 1066 h 1066"/>
+              <a:gd name="T2" fmla="*/ 1613 w 1688"/>
+              <a:gd name="T3" fmla="*/ 850 h 1066"/>
+              <a:gd name="T4" fmla="*/ 1517 w 1688"/>
+              <a:gd name="T5" fmla="*/ 471 h 1066"/>
+              <a:gd name="T6" fmla="*/ 798 w 1688"/>
+              <a:gd name="T7" fmla="*/ 28 h 1066"/>
+              <a:gd name="T8" fmla="*/ 181 w 1688"/>
+              <a:gd name="T9" fmla="*/ 333 h 1066"/>
+              <a:gd name="T10" fmla="*/ 420 w 1688"/>
+              <a:gd name="T11" fmla="*/ 1066 h 1066"/>
+            </a:gdLst>
+            <a:ahLst/>
+            <a:cxnLst>
+              <a:cxn ang="0">
+                <a:pos x="T0" y="T1"/>
+              </a:cxn>
+              <a:cxn ang="0">
+                <a:pos x="T2" y="T3"/>
+              </a:cxn>
+              <a:cxn ang="0">
+                <a:pos x="T4" y="T5"/>
+              </a:cxn>
+              <a:cxn ang="0">
+                <a:pos x="T6" y="T7"/>
+              </a:cxn>
+              <a:cxn ang="0">
+                <a:pos x="T8" y="T9"/>
+              </a:cxn>
+              <a:cxn ang="0">
+                <a:pos x="T10" y="T11"/>
+              </a:cxn>
+            </a:cxnLst>
+            <a:rect l="0" t="0" r="r" b="b"/>
+            <a:pathLst>
+              <a:path w="1688" h="1066">
+                <a:moveTo>
+                  <a:pt x="1302" y="1066"/>
+                </a:moveTo>
+                <a:cubicBezTo>
+                  <a:pt x="1416" y="1024"/>
+                  <a:pt x="1551" y="962"/>
+                  <a:pt x="1613" y="850"/>
+                </a:cubicBezTo>
+                <a:cubicBezTo>
+                  <a:pt x="1688" y="715"/>
+                  <a:pt x="1606" y="575"/>
+                  <a:pt x="1517" y="471"/>
+                </a:cubicBezTo>
+                <a:cubicBezTo>
+                  <a:pt x="1336" y="258"/>
+                  <a:pt x="1084" y="62"/>
+                  <a:pt x="798" y="28"/>
+                </a:cubicBezTo>
+                <a:cubicBezTo>
+                  <a:pt x="559" y="0"/>
+                  <a:pt x="317" y="138"/>
+                  <a:pt x="181" y="333"/>
+                </a:cubicBezTo>
+                <a:cubicBezTo>
+                  <a:pt x="0" y="592"/>
+                  <a:pt x="191" y="907"/>
+                  <a:pt x="420" y="1066"/>
+                </a:cubicBezTo>
+              </a:path>
+            </a:pathLst>
+          </a:custGeom>
+          <a:noFill/>
+          <a:ln w="9525" cap="flat">
+            <a:solidFill>
+              <a:schemeClr val="tx1">
+                <a:alpha val="20000"/>
+              </a:schemeClr>
+            </a:solidFill>
+            <a:prstDash val="dash"/>
+            <a:miter lim="800000"/>
+            <a:headEnd/>
+            <a:tailEnd/>
+          </a:ln>
+          <a:extLst>
+            <a:ext uri="{909E8E84-426E-40DD-AFC4-6F175D3DCCD1}">
+              <a14:hiddenFill xmlns:a14="http://schemas.microsoft.com/office/drawing/2010/main">
+                <a:solidFill>
+                  <a:srgbClr val="FFFFFF"/>
+                </a:solidFill>
+              </a14:hiddenFill>
+            </a:ext>
+          </a:extLst>
+        </p:spPr>
+        <p:txBody>
+          <a:bodyPr vert="horz" wrap="square" lIns="91440" tIns="45720" rIns="91440" bIns="45720" numCol="1" anchor="t" anchorCtr="0" compatLnSpc="1">
+            <a:prstTxWarp prst="textNoShape">
+              <a:avLst/>
+            </a:prstTxWarp>
+          </a:bodyPr>
+          <a:lstStyle/>
+          <a:p>
+            <a:endParaRPr lang="en-US"/>
+          </a:p>
+        </p:txBody>
+      </p:sp>
+      <p:sp>
+        <p:nvSpPr>
+          <p:cNvPr id="21" name="Freeform 8">
+            <a:extLst>
+              <a:ext uri="{FF2B5EF4-FFF2-40B4-BE49-F238E27FC236}">
+                <a16:creationId xmlns:a16="http://schemas.microsoft.com/office/drawing/2014/main" id="{9B8051E0-19D7-43E1-BFD9-E6DBFEB3A3F1}"/>
+              </a:ext>
+              <a:ext uri="{C183D7F6-B498-43B3-948B-1728B52AA6E4}">
+                <adec:decorative xmlns:adec="http://schemas.microsoft.com/office/drawing/2017/decorative" val="1"/>
+              </a:ext>
+            </a:extLst>
+          </p:cNvPr>
+          <p:cNvSpPr>
+            <a:spLocks noGrp="1" noRot="1" noChangeAspect="1" noMove="1" noResize="1" noEditPoints="1" noAdjustHandles="1" noChangeArrowheads="1" noChangeShapeType="1" noTextEdit="1"/>
+          </p:cNvSpPr>
+          <p:nvPr>
+            <p:extLst>
+              <p:ext uri="{386F3935-93C4-4BCD-93E2-E3B085C9AB24}">
+                <p16:designElem xmlns:p16="http://schemas.microsoft.com/office/powerpoint/2015/main" val="1"/>
+              </p:ext>
+            </p:extLst>
+          </p:nvPr>
+        </p:nvSpPr>
+        <p:spPr bwMode="auto">
+          <a:xfrm>
+            <a:off x="-1061" y="542347"/>
+            <a:ext cx="10334625" cy="6322075"/>
+          </a:xfrm>
+          <a:custGeom>
+            <a:avLst/>
+            <a:gdLst>
+              <a:gd name="T0" fmla="*/ 1873 w 2171"/>
+              <a:gd name="T1" fmla="*/ 1326 h 1326"/>
+              <a:gd name="T2" fmla="*/ 1609 w 2171"/>
+              <a:gd name="T3" fmla="*/ 473 h 1326"/>
+              <a:gd name="T4" fmla="*/ 880 w 2171"/>
+              <a:gd name="T5" fmla="*/ 63 h 1326"/>
+              <a:gd name="T6" fmla="*/ 0 w 2171"/>
+              <a:gd name="T7" fmla="*/ 423 h 1326"/>
+            </a:gdLst>
+            <a:ahLst/>
+            <a:cxnLst>
+              <a:cxn ang="0">
+                <a:pos x="T0" y="T1"/>
+              </a:cxn>
+              <a:cxn ang="0">
+                <a:pos x="T2" y="T3"/>
+              </a:cxn>
+              <a:cxn ang="0">
+                <a:pos x="T4" y="T5"/>
+              </a:cxn>
+              <a:cxn ang="0">
+                <a:pos x="T6" y="T7"/>
+              </a:cxn>
+            </a:cxnLst>
+            <a:rect l="0" t="0" r="r" b="b"/>
+            <a:pathLst>
+              <a:path w="2171" h="1326">
+                <a:moveTo>
+                  <a:pt x="1873" y="1326"/>
+                </a:moveTo>
+                <a:cubicBezTo>
+                  <a:pt x="2171" y="1045"/>
+                  <a:pt x="1825" y="678"/>
+                  <a:pt x="1609" y="473"/>
+                </a:cubicBezTo>
+                <a:cubicBezTo>
+                  <a:pt x="1406" y="281"/>
+                  <a:pt x="1159" y="116"/>
+                  <a:pt x="880" y="63"/>
+                </a:cubicBezTo>
+                <a:cubicBezTo>
+                  <a:pt x="545" y="0"/>
+                  <a:pt x="214" y="161"/>
+                  <a:pt x="0" y="423"/>
+                </a:cubicBezTo>
+              </a:path>
+            </a:pathLst>
+          </a:custGeom>
+          <a:noFill/>
+          <a:ln w="9525" cap="flat">
+            <a:solidFill>
+              <a:schemeClr val="tx1">
+                <a:alpha val="20000"/>
+              </a:schemeClr>
+            </a:solidFill>
+            <a:prstDash val="solid"/>
+            <a:miter lim="800000"/>
+            <a:headEnd/>
+            <a:tailEnd/>
+          </a:ln>
+          <a:extLst>
+            <a:ext uri="{909E8E84-426E-40DD-AFC4-6F175D3DCCD1}">
+              <a14:hiddenFill xmlns:a14="http://schemas.microsoft.com/office/drawing/2010/main">
+                <a:solidFill>
+                  <a:srgbClr val="FFFFFF"/>
+                </a:solidFill>
+              </a14:hiddenFill>
+            </a:ext>
+          </a:extLst>
+        </p:spPr>
+        <p:txBody>
+          <a:bodyPr vert="horz" wrap="square" lIns="91440" tIns="45720" rIns="91440" bIns="45720" numCol="1" anchor="t" anchorCtr="0" compatLnSpc="1">
+            <a:prstTxWarp prst="textNoShape">
+              <a:avLst/>
+            </a:prstTxWarp>
+          </a:bodyPr>
+          <a:lstStyle/>
+          <a:p>
+            <a:endParaRPr lang="en-US"/>
+          </a:p>
+        </p:txBody>
+      </p:sp>
+      <p:sp>
+        <p:nvSpPr>
+          <p:cNvPr id="23" name="Freeform 9">
+            <a:extLst>
+              <a:ext uri="{FF2B5EF4-FFF2-40B4-BE49-F238E27FC236}">
+                <a16:creationId xmlns:a16="http://schemas.microsoft.com/office/drawing/2014/main" id="{4EDB2B02-86A2-46F5-A4BE-B7D9B10411D6}"/>
+              </a:ext>
+              <a:ext uri="{C183D7F6-B498-43B3-948B-1728B52AA6E4}">
+                <adec:decorative xmlns:adec="http://schemas.microsoft.com/office/drawing/2017/decorative" val="1"/>
+              </a:ext>
+            </a:extLst>
+          </p:cNvPr>
+          <p:cNvSpPr>
+            <a:spLocks noGrp="1" noRot="1" noChangeAspect="1" noMove="1" noResize="1" noEditPoints="1" noAdjustHandles="1" noChangeArrowheads="1" noChangeShapeType="1" noTextEdit="1"/>
+          </p:cNvSpPr>
+          <p:nvPr>
+            <p:extLst>
+              <p:ext uri="{386F3935-93C4-4BCD-93E2-E3B085C9AB24}">
+                <p16:designElem xmlns:p16="http://schemas.microsoft.com/office/powerpoint/2015/main" val="1"/>
+              </p:ext>
+            </p:extLst>
+          </p:nvPr>
+        </p:nvSpPr>
+        <p:spPr bwMode="auto">
+          <a:xfrm>
+            <a:off x="3701" y="6178751"/>
+            <a:ext cx="504825" cy="681527"/>
+          </a:xfrm>
+          <a:custGeom>
+            <a:avLst/>
+            <a:gdLst>
+              <a:gd name="T0" fmla="*/ 0 w 106"/>
+              <a:gd name="T1" fmla="*/ 0 h 143"/>
+              <a:gd name="T2" fmla="*/ 106 w 106"/>
+              <a:gd name="T3" fmla="*/ 143 h 143"/>
+            </a:gdLst>
+            <a:ahLst/>
+            <a:cxnLst>
+              <a:cxn ang="0">
+                <a:pos x="T0" y="T1"/>
+              </a:cxn>
+              <a:cxn ang="0">
+                <a:pos x="T2" y="T3"/>
+              </a:cxn>
+            </a:cxnLst>
+            <a:rect l="0" t="0" r="r" b="b"/>
+            <a:pathLst>
+              <a:path w="106" h="143">
+                <a:moveTo>
+                  <a:pt x="0" y="0"/>
+                </a:moveTo>
+                <a:cubicBezTo>
+                  <a:pt x="35" y="54"/>
+                  <a:pt x="70" y="101"/>
+                  <a:pt x="106" y="143"/>
+                </a:cubicBezTo>
+              </a:path>
+            </a:pathLst>
+          </a:custGeom>
+          <a:noFill/>
+          <a:ln w="4763" cap="flat">
+            <a:solidFill>
+              <a:schemeClr val="tx1">
+                <a:alpha val="20000"/>
+              </a:schemeClr>
+            </a:solidFill>
+            <a:prstDash val="solid"/>
+            <a:miter lim="800000"/>
+            <a:headEnd/>
+            <a:tailEnd/>
+          </a:ln>
+          <a:extLst>
+            <a:ext uri="{909E8E84-426E-40DD-AFC4-6F175D3DCCD1}">
+              <a14:hiddenFill xmlns:a14="http://schemas.microsoft.com/office/drawing/2010/main">
+                <a:solidFill>
+                  <a:srgbClr val="FFFFFF"/>
+                </a:solidFill>
+              </a14:hiddenFill>
+            </a:ext>
+          </a:extLst>
+        </p:spPr>
+        <p:txBody>
+          <a:bodyPr vert="horz" wrap="square" lIns="91440" tIns="45720" rIns="91440" bIns="45720" numCol="1" anchor="t" anchorCtr="0" compatLnSpc="1">
+            <a:prstTxWarp prst="textNoShape">
+              <a:avLst/>
+            </a:prstTxWarp>
+          </a:bodyPr>
+          <a:lstStyle/>
+          <a:p>
+            <a:endParaRPr lang="en-US"/>
+          </a:p>
+        </p:txBody>
+      </p:sp>
+      <p:sp>
+        <p:nvSpPr>
+          <p:cNvPr id="25" name="Freeform 10">
+            <a:extLst>
+              <a:ext uri="{FF2B5EF4-FFF2-40B4-BE49-F238E27FC236}">
+                <a16:creationId xmlns:a16="http://schemas.microsoft.com/office/drawing/2014/main" id="{43954639-FB5D-41F4-9560-6F6DFE778425}"/>
+              </a:ext>
+              <a:ext uri="{C183D7F6-B498-43B3-948B-1728B52AA6E4}">
+                <adec:decorative xmlns:adec="http://schemas.microsoft.com/office/drawing/2017/decorative" val="1"/>
+              </a:ext>
+            </a:extLst>
+          </p:cNvPr>
+          <p:cNvSpPr>
+            <a:spLocks noGrp="1" noRot="1" noChangeAspect="1" noMove="1" noResize="1" noEditPoints="1" noAdjustHandles="1" noChangeArrowheads="1" noChangeShapeType="1" noTextEdit="1"/>
+          </p:cNvSpPr>
+          <p:nvPr>
+            <p:extLst>
+              <p:ext uri="{386F3935-93C4-4BCD-93E2-E3B085C9AB24}">
+                <p16:designElem xmlns:p16="http://schemas.microsoft.com/office/powerpoint/2015/main" val="1"/>
+              </p:ext>
+            </p:extLst>
+          </p:nvPr>
+        </p:nvSpPr>
+        <p:spPr bwMode="auto">
+          <a:xfrm>
+            <a:off x="-1061" y="-59376"/>
+            <a:ext cx="11091863" cy="6923796"/>
+          </a:xfrm>
+          <a:custGeom>
+            <a:avLst/>
+            <a:gdLst>
+              <a:gd name="T0" fmla="*/ 2046 w 2330"/>
+              <a:gd name="T1" fmla="*/ 1452 h 1452"/>
+              <a:gd name="T2" fmla="*/ 1813 w 2330"/>
+              <a:gd name="T3" fmla="*/ 601 h 1452"/>
+              <a:gd name="T4" fmla="*/ 956 w 2330"/>
+              <a:gd name="T5" fmla="*/ 97 h 1452"/>
+              <a:gd name="T6" fmla="*/ 0 w 2330"/>
+              <a:gd name="T7" fmla="*/ 366 h 1452"/>
+            </a:gdLst>
+            <a:ahLst/>
+            <a:cxnLst>
+              <a:cxn ang="0">
+                <a:pos x="T0" y="T1"/>
+              </a:cxn>
+              <a:cxn ang="0">
+                <a:pos x="T2" y="T3"/>
+              </a:cxn>
+              <a:cxn ang="0">
+                <a:pos x="T4" y="T5"/>
+              </a:cxn>
+              <a:cxn ang="0">
+                <a:pos x="T6" y="T7"/>
+              </a:cxn>
+            </a:cxnLst>
+            <a:rect l="0" t="0" r="r" b="b"/>
+            <a:pathLst>
+              <a:path w="2330" h="1452">
+                <a:moveTo>
+                  <a:pt x="2046" y="1452"/>
+                </a:moveTo>
+                <a:cubicBezTo>
+                  <a:pt x="2330" y="1153"/>
+                  <a:pt x="2049" y="821"/>
+                  <a:pt x="1813" y="601"/>
+                </a:cubicBezTo>
+                <a:cubicBezTo>
+                  <a:pt x="1569" y="375"/>
+                  <a:pt x="1282" y="179"/>
+                  <a:pt x="956" y="97"/>
+                </a:cubicBezTo>
+                <a:cubicBezTo>
+                  <a:pt x="572" y="0"/>
+                  <a:pt x="292" y="101"/>
+                  <a:pt x="0" y="366"/>
+                </a:cubicBezTo>
+              </a:path>
+            </a:pathLst>
+          </a:custGeom>
+          <a:noFill/>
+          <a:ln w="9525" cap="flat">
+            <a:solidFill>
+              <a:schemeClr val="tx1">
+                <a:alpha val="20000"/>
+              </a:schemeClr>
+            </a:solidFill>
+            <a:prstDash val="solid"/>
+            <a:miter lim="800000"/>
+            <a:headEnd/>
+            <a:tailEnd/>
+          </a:ln>
+          <a:extLst>
+            <a:ext uri="{909E8E84-426E-40DD-AFC4-6F175D3DCCD1}">
+              <a14:hiddenFill xmlns:a14="http://schemas.microsoft.com/office/drawing/2010/main">
+                <a:solidFill>
+                  <a:srgbClr val="FFFFFF"/>
+                </a:solidFill>
+              </a14:hiddenFill>
+            </a:ext>
+          </a:extLst>
+        </p:spPr>
+        <p:txBody>
+          <a:bodyPr vert="horz" wrap="square" lIns="91440" tIns="45720" rIns="91440" bIns="45720" numCol="1" anchor="t" anchorCtr="0" compatLnSpc="1">
+            <a:prstTxWarp prst="textNoShape">
+              <a:avLst/>
+            </a:prstTxWarp>
+          </a:bodyPr>
+          <a:lstStyle/>
+          <a:p>
+            <a:endParaRPr lang="en-US"/>
+          </a:p>
+        </p:txBody>
+      </p:sp>
+      <p:sp>
+        <p:nvSpPr>
+          <p:cNvPr id="27" name="Freeform 12">
+            <a:extLst>
+              <a:ext uri="{FF2B5EF4-FFF2-40B4-BE49-F238E27FC236}">
+                <a16:creationId xmlns:a16="http://schemas.microsoft.com/office/drawing/2014/main" id="{E898931C-0323-41FA-A036-20F818B1FF81}"/>
+              </a:ext>
+              <a:ext uri="{C183D7F6-B498-43B3-948B-1728B52AA6E4}">
+                <adec:decorative xmlns:adec="http://schemas.microsoft.com/office/drawing/2017/decorative" val="1"/>
+              </a:ext>
+            </a:extLst>
+          </p:cNvPr>
+          <p:cNvSpPr>
+            <a:spLocks noGrp="1" noRot="1" noChangeAspect="1" noMove="1" noResize="1" noEditPoints="1" noAdjustHandles="1" noChangeArrowheads="1" noChangeShapeType="1" noTextEdit="1"/>
+          </p:cNvSpPr>
+          <p:nvPr>
+            <p:extLst>
+              <p:ext uri="{386F3935-93C4-4BCD-93E2-E3B085C9AB24}">
+                <p16:designElem xmlns:p16="http://schemas.microsoft.com/office/powerpoint/2015/main" val="1"/>
+              </p:ext>
+            </p:extLst>
+          </p:nvPr>
+        </p:nvSpPr>
+        <p:spPr bwMode="auto">
+          <a:xfrm>
+            <a:off x="-1061" y="-1916"/>
+            <a:ext cx="1057275" cy="614491"/>
+          </a:xfrm>
+          <a:custGeom>
+            <a:avLst/>
+            <a:gdLst>
+              <a:gd name="T0" fmla="*/ 222 w 222"/>
+              <a:gd name="T1" fmla="*/ 0 h 129"/>
+              <a:gd name="T2" fmla="*/ 0 w 222"/>
+              <a:gd name="T3" fmla="*/ 129 h 129"/>
+            </a:gdLst>
+            <a:ahLst/>
+            <a:cxnLst>
+              <a:cxn ang="0">
+                <a:pos x="T0" y="T1"/>
+              </a:cxn>
+              <a:cxn ang="0">
+                <a:pos x="T2" y="T3"/>
+              </a:cxn>
+            </a:cxnLst>
+            <a:rect l="0" t="0" r="r" b="b"/>
+            <a:pathLst>
+              <a:path w="222" h="129">
+                <a:moveTo>
+                  <a:pt x="222" y="0"/>
+                </a:moveTo>
+                <a:cubicBezTo>
+                  <a:pt x="152" y="35"/>
+                  <a:pt x="76" y="78"/>
+                  <a:pt x="0" y="129"/>
+                </a:cubicBezTo>
+              </a:path>
+            </a:pathLst>
+          </a:custGeom>
+          <a:noFill/>
+          <a:ln w="9525" cap="flat">
+            <a:solidFill>
+              <a:schemeClr val="tx1">
+                <a:alpha val="20000"/>
+              </a:schemeClr>
+            </a:solidFill>
+            <a:prstDash val="solid"/>
+            <a:miter lim="800000"/>
+            <a:headEnd/>
+            <a:tailEnd/>
+          </a:ln>
+          <a:extLst>
+            <a:ext uri="{909E8E84-426E-40DD-AFC4-6F175D3DCCD1}">
+              <a14:hiddenFill xmlns:a14="http://schemas.microsoft.com/office/drawing/2010/main">
+                <a:solidFill>
+                  <a:srgbClr val="FFFFFF"/>
+                </a:solidFill>
+              </a14:hiddenFill>
+            </a:ext>
+          </a:extLst>
+        </p:spPr>
+        <p:txBody>
+          <a:bodyPr vert="horz" wrap="square" lIns="91440" tIns="45720" rIns="91440" bIns="45720" numCol="1" anchor="t" anchorCtr="0" compatLnSpc="1">
+            <a:prstTxWarp prst="textNoShape">
+              <a:avLst/>
+            </a:prstTxWarp>
+          </a:bodyPr>
+          <a:lstStyle/>
+          <a:p>
+            <a:endParaRPr lang="en-US"/>
+          </a:p>
+        </p:txBody>
+      </p:sp>
+      <p:sp>
+        <p:nvSpPr>
+          <p:cNvPr id="29" name="Freeform 14">
+            <a:extLst>
+              <a:ext uri="{FF2B5EF4-FFF2-40B4-BE49-F238E27FC236}">
+                <a16:creationId xmlns:a16="http://schemas.microsoft.com/office/drawing/2014/main" id="{89AFE9DD-0792-4B98-B4EB-97ACA17E6AA8}"/>
+              </a:ext>
+              <a:ext uri="{C183D7F6-B498-43B3-948B-1728B52AA6E4}">
+                <adec:decorative xmlns:adec="http://schemas.microsoft.com/office/drawing/2017/decorative" val="1"/>
+              </a:ext>
+            </a:extLst>
+          </p:cNvPr>
+          <p:cNvSpPr>
+            <a:spLocks noGrp="1" noRot="1" noChangeAspect="1" noMove="1" noResize="1" noEditPoints="1" noAdjustHandles="1" noChangeArrowheads="1" noChangeShapeType="1" noTextEdit="1"/>
+          </p:cNvSpPr>
+          <p:nvPr>
+            <p:extLst>
+              <p:ext uri="{386F3935-93C4-4BCD-93E2-E3B085C9AB24}">
+                <p16:designElem xmlns:p16="http://schemas.microsoft.com/office/powerpoint/2015/main" val="1"/>
+              </p:ext>
+            </p:extLst>
+          </p:nvPr>
+        </p:nvSpPr>
+        <p:spPr bwMode="auto">
+          <a:xfrm>
+            <a:off x="3701" y="-6705"/>
+            <a:ext cx="595313" cy="352734"/>
+          </a:xfrm>
+          <a:custGeom>
+            <a:avLst/>
+            <a:gdLst>
+              <a:gd name="T0" fmla="*/ 125 w 125"/>
+              <a:gd name="T1" fmla="*/ 0 h 74"/>
+              <a:gd name="T2" fmla="*/ 0 w 125"/>
+              <a:gd name="T3" fmla="*/ 74 h 74"/>
+            </a:gdLst>
+            <a:ahLst/>
+            <a:cxnLst>
+              <a:cxn ang="0">
+                <a:pos x="T0" y="T1"/>
+              </a:cxn>
+              <a:cxn ang="0">
+                <a:pos x="T2" y="T3"/>
+              </a:cxn>
+            </a:cxnLst>
+            <a:rect l="0" t="0" r="r" b="b"/>
+            <a:pathLst>
+              <a:path w="125" h="74">
+                <a:moveTo>
+                  <a:pt x="125" y="0"/>
+                </a:moveTo>
+                <a:cubicBezTo>
+                  <a:pt x="85" y="22"/>
+                  <a:pt x="43" y="47"/>
+                  <a:pt x="0" y="74"/>
+                </a:cubicBezTo>
+              </a:path>
+            </a:pathLst>
+          </a:custGeom>
+          <a:noFill/>
+          <a:ln w="9525" cap="flat">
+            <a:solidFill>
+              <a:schemeClr val="tx1">
+                <a:alpha val="20000"/>
+              </a:schemeClr>
+            </a:solidFill>
+            <a:prstDash val="dash"/>
+            <a:miter lim="800000"/>
+            <a:headEnd/>
+            <a:tailEnd/>
+          </a:ln>
+          <a:extLst>
+            <a:ext uri="{909E8E84-426E-40DD-AFC4-6F175D3DCCD1}">
+              <a14:hiddenFill xmlns:a14="http://schemas.microsoft.com/office/drawing/2010/main">
+                <a:solidFill>
+                  <a:srgbClr val="FFFFFF"/>
+                </a:solidFill>
+              </a14:hiddenFill>
+            </a:ext>
+          </a:extLst>
+        </p:spPr>
+        <p:txBody>
+          <a:bodyPr vert="horz" wrap="square" lIns="91440" tIns="45720" rIns="91440" bIns="45720" numCol="1" anchor="t" anchorCtr="0" compatLnSpc="1">
+            <a:prstTxWarp prst="textNoShape">
+              <a:avLst/>
+            </a:prstTxWarp>
+          </a:bodyPr>
+          <a:lstStyle/>
+          <a:p>
+            <a:endParaRPr lang="en-US"/>
+          </a:p>
+        </p:txBody>
+      </p:sp>
+      <p:sp>
+        <p:nvSpPr>
+          <p:cNvPr id="31" name="Freeform 16">
+            <a:extLst>
+              <a:ext uri="{FF2B5EF4-FFF2-40B4-BE49-F238E27FC236}">
+                <a16:creationId xmlns:a16="http://schemas.microsoft.com/office/drawing/2014/main" id="{3981F5C4-9AE1-404E-AF44-A4E6DB374F9D}"/>
+              </a:ext>
+              <a:ext uri="{C183D7F6-B498-43B3-948B-1728B52AA6E4}">
+                <adec:decorative xmlns:adec="http://schemas.microsoft.com/office/drawing/2017/decorative" val="1"/>
+              </a:ext>
+            </a:extLst>
+          </p:cNvPr>
+          <p:cNvSpPr>
+            <a:spLocks noGrp="1" noRot="1" noChangeAspect="1" noMove="1" noResize="1" noEditPoints="1" noAdjustHandles="1" noChangeArrowheads="1" noChangeShapeType="1" noTextEdit="1"/>
+          </p:cNvSpPr>
+          <p:nvPr>
+            <p:extLst>
+              <p:ext uri="{386F3935-93C4-4BCD-93E2-E3B085C9AB24}">
+                <p16:designElem xmlns:p16="http://schemas.microsoft.com/office/powerpoint/2015/main" val="1"/>
+              </p:ext>
+            </p:extLst>
+          </p:nvPr>
+        </p:nvSpPr>
+        <p:spPr bwMode="auto">
+          <a:xfrm>
+            <a:off x="-1061" y="-1916"/>
+            <a:ext cx="357188" cy="213875"/>
+          </a:xfrm>
+          <a:custGeom>
+            <a:avLst/>
+            <a:gdLst>
+              <a:gd name="T0" fmla="*/ 75 w 75"/>
+              <a:gd name="T1" fmla="*/ 0 h 45"/>
+              <a:gd name="T2" fmla="*/ 0 w 75"/>
+              <a:gd name="T3" fmla="*/ 45 h 45"/>
+            </a:gdLst>
+            <a:ahLst/>
+            <a:cxnLst>
+              <a:cxn ang="0">
+                <a:pos x="T0" y="T1"/>
+              </a:cxn>
+              <a:cxn ang="0">
+                <a:pos x="T2" y="T3"/>
+              </a:cxn>
+            </a:cxnLst>
+            <a:rect l="0" t="0" r="r" b="b"/>
+            <a:pathLst>
+              <a:path w="75" h="45">
+                <a:moveTo>
+                  <a:pt x="75" y="0"/>
+                </a:moveTo>
+                <a:cubicBezTo>
+                  <a:pt x="50" y="14"/>
+                  <a:pt x="25" y="29"/>
+                  <a:pt x="0" y="45"/>
+                </a:cubicBezTo>
+              </a:path>
+            </a:pathLst>
+          </a:custGeom>
+          <a:noFill/>
+          <a:ln w="12700" cap="flat">
+            <a:solidFill>
+              <a:schemeClr val="tx1">
+                <a:alpha val="20000"/>
+              </a:schemeClr>
+            </a:solidFill>
+            <a:prstDash val="dashDot"/>
+            <a:miter lim="800000"/>
+            <a:headEnd/>
+            <a:tailEnd/>
+          </a:ln>
+          <a:extLst>
+            <a:ext uri="{909E8E84-426E-40DD-AFC4-6F175D3DCCD1}">
+              <a14:hiddenFill xmlns:a14="http://schemas.microsoft.com/office/drawing/2010/main">
+                <a:solidFill>
+                  <a:srgbClr val="FFFFFF"/>
+                </a:solidFill>
+              </a14:hiddenFill>
+            </a:ext>
+          </a:extLst>
+        </p:spPr>
+        <p:txBody>
+          <a:bodyPr vert="horz" wrap="square" lIns="91440" tIns="45720" rIns="91440" bIns="45720" numCol="1" anchor="t" anchorCtr="0" compatLnSpc="1">
+            <a:prstTxWarp prst="textNoShape">
+              <a:avLst/>
+            </a:prstTxWarp>
+          </a:bodyPr>
+          <a:lstStyle/>
+          <a:p>
+            <a:endParaRPr lang="en-US"/>
+          </a:p>
+        </p:txBody>
+      </p:sp>
+      <p:sp>
+        <p:nvSpPr>
+          <p:cNvPr id="33" name="Freeform 11">
+            <a:extLst>
+              <a:ext uri="{FF2B5EF4-FFF2-40B4-BE49-F238E27FC236}">
+                <a16:creationId xmlns:a16="http://schemas.microsoft.com/office/drawing/2014/main" id="{763C1781-8726-4FAC-8C45-FF40376BE409}"/>
+              </a:ext>
+              <a:ext uri="{C183D7F6-B498-43B3-948B-1728B52AA6E4}">
+                <adec:decorative xmlns:adec="http://schemas.microsoft.com/office/drawing/2017/decorative" val="1"/>
+              </a:ext>
+            </a:extLst>
+          </p:cNvPr>
+          <p:cNvSpPr>
+            <a:spLocks noGrp="1" noRot="1" noChangeAspect="1" noMove="1" noResize="1" noEditPoints="1" noAdjustHandles="1" noChangeArrowheads="1" noChangeShapeType="1" noTextEdit="1"/>
+          </p:cNvSpPr>
+          <p:nvPr>
+            <p:extLst>
+              <p:ext uri="{386F3935-93C4-4BCD-93E2-E3B085C9AB24}">
+                <p16:designElem xmlns:p16="http://schemas.microsoft.com/office/powerpoint/2015/main" val="1"/>
+              </p:ext>
+            </p:extLst>
+          </p:nvPr>
+        </p:nvSpPr>
+        <p:spPr bwMode="auto">
+          <a:xfrm>
+            <a:off x="5426601" y="-1916"/>
+            <a:ext cx="5788025" cy="6847184"/>
+          </a:xfrm>
+          <a:custGeom>
+            <a:avLst/>
+            <a:gdLst>
+              <a:gd name="T0" fmla="*/ 1094 w 1216"/>
+              <a:gd name="T1" fmla="*/ 1436 h 1436"/>
+              <a:gd name="T2" fmla="*/ 709 w 1216"/>
+              <a:gd name="T3" fmla="*/ 551 h 1436"/>
+              <a:gd name="T4" fmla="*/ 0 w 1216"/>
+              <a:gd name="T5" fmla="*/ 0 h 1436"/>
+            </a:gdLst>
+            <a:ahLst/>
+            <a:cxnLst>
+              <a:cxn ang="0">
+                <a:pos x="T0" y="T1"/>
+              </a:cxn>
+              <a:cxn ang="0">
+                <a:pos x="T2" y="T3"/>
+              </a:cxn>
+              <a:cxn ang="0">
+                <a:pos x="T4" y="T5"/>
+              </a:cxn>
+            </a:cxnLst>
+            <a:rect l="0" t="0" r="r" b="b"/>
+            <a:pathLst>
+              <a:path w="1216" h="1436">
+                <a:moveTo>
+                  <a:pt x="1094" y="1436"/>
+                </a:moveTo>
+                <a:cubicBezTo>
+                  <a:pt x="1216" y="1114"/>
+                  <a:pt x="904" y="770"/>
+                  <a:pt x="709" y="551"/>
+                </a:cubicBezTo>
+                <a:cubicBezTo>
+                  <a:pt x="509" y="327"/>
+                  <a:pt x="274" y="127"/>
+                  <a:pt x="0" y="0"/>
+                </a:cubicBezTo>
+              </a:path>
+            </a:pathLst>
+          </a:custGeom>
+          <a:noFill/>
+          <a:ln w="9525" cap="flat">
+            <a:solidFill>
+              <a:schemeClr val="tx1">
+                <a:alpha val="20000"/>
+              </a:schemeClr>
+            </a:solidFill>
+            <a:prstDash val="solid"/>
+            <a:miter lim="800000"/>
+            <a:headEnd/>
+            <a:tailEnd/>
+          </a:ln>
+          <a:extLst>
+            <a:ext uri="{909E8E84-426E-40DD-AFC4-6F175D3DCCD1}">
+              <a14:hiddenFill xmlns:a14="http://schemas.microsoft.com/office/drawing/2010/main">
+                <a:solidFill>
+                  <a:srgbClr val="FFFFFF"/>
+                </a:solidFill>
+              </a14:hiddenFill>
+            </a:ext>
+          </a:extLst>
+        </p:spPr>
+        <p:txBody>
+          <a:bodyPr vert="horz" wrap="square" lIns="91440" tIns="45720" rIns="91440" bIns="45720" numCol="1" anchor="t" anchorCtr="0" compatLnSpc="1">
+            <a:prstTxWarp prst="textNoShape">
+              <a:avLst/>
+            </a:prstTxWarp>
+          </a:bodyPr>
+          <a:lstStyle/>
+          <a:p>
+            <a:endParaRPr lang="en-US"/>
+          </a:p>
+        </p:txBody>
+      </p:sp>
+      <p:sp>
+        <p:nvSpPr>
+          <p:cNvPr id="35" name="Freeform 21">
+            <a:extLst>
+              <a:ext uri="{FF2B5EF4-FFF2-40B4-BE49-F238E27FC236}">
+                <a16:creationId xmlns:a16="http://schemas.microsoft.com/office/drawing/2014/main" id="{301491B5-56C7-43DC-A3D9-861EECCA056A}"/>
+              </a:ext>
+              <a:ext uri="{C183D7F6-B498-43B3-948B-1728B52AA6E4}">
+                <adec:decorative xmlns:adec="http://schemas.microsoft.com/office/drawing/2017/decorative" val="1"/>
+              </a:ext>
+            </a:extLst>
+          </p:cNvPr>
+          <p:cNvSpPr>
+            <a:spLocks noGrp="1" noRot="1" noChangeAspect="1" noMove="1" noResize="1" noEditPoints="1" noAdjustHandles="1" noChangeArrowheads="1" noChangeShapeType="1" noTextEdit="1"/>
+          </p:cNvSpPr>
+          <p:nvPr>
+            <p:extLst>
+              <p:ext uri="{386F3935-93C4-4BCD-93E2-E3B085C9AB24}">
+                <p16:designElem xmlns:p16="http://schemas.microsoft.com/office/powerpoint/2015/main" val="1"/>
+              </p:ext>
+            </p:extLst>
+          </p:nvPr>
+        </p:nvSpPr>
+        <p:spPr bwMode="auto">
+          <a:xfrm>
+            <a:off x="9235014" y="2872"/>
+            <a:ext cx="2951163" cy="2555325"/>
+          </a:xfrm>
+          <a:custGeom>
+            <a:avLst/>
+            <a:gdLst>
+              <a:gd name="T0" fmla="*/ 620 w 620"/>
+              <a:gd name="T1" fmla="*/ 536 h 536"/>
+              <a:gd name="T2" fmla="*/ 0 w 620"/>
+              <a:gd name="T3" fmla="*/ 0 h 536"/>
+            </a:gdLst>
+            <a:ahLst/>
+            <a:cxnLst>
+              <a:cxn ang="0">
+                <a:pos x="T0" y="T1"/>
+              </a:cxn>
+              <a:cxn ang="0">
+                <a:pos x="T2" y="T3"/>
+              </a:cxn>
+            </a:cxnLst>
+            <a:rect l="0" t="0" r="r" b="b"/>
+            <a:pathLst>
+              <a:path w="620" h="536">
+                <a:moveTo>
+                  <a:pt x="620" y="536"/>
+                </a:moveTo>
+                <a:cubicBezTo>
+                  <a:pt x="404" y="314"/>
+                  <a:pt x="196" y="138"/>
+                  <a:pt x="0" y="0"/>
+                </a:cubicBezTo>
+              </a:path>
+            </a:pathLst>
+          </a:custGeom>
+          <a:noFill/>
+          <a:ln w="9525" cap="flat">
+            <a:solidFill>
+              <a:schemeClr val="tx1">
+                <a:alpha val="20000"/>
+              </a:schemeClr>
+            </a:solidFill>
+            <a:prstDash val="solid"/>
+            <a:miter lim="800000"/>
+            <a:headEnd/>
+            <a:tailEnd/>
+          </a:ln>
+          <a:extLst>
+            <a:ext uri="{909E8E84-426E-40DD-AFC4-6F175D3DCCD1}">
+              <a14:hiddenFill xmlns:a14="http://schemas.microsoft.com/office/drawing/2010/main">
+                <a:solidFill>
+                  <a:srgbClr val="FFFFFF"/>
+                </a:solidFill>
+              </a14:hiddenFill>
+            </a:ext>
+          </a:extLst>
+        </p:spPr>
+        <p:txBody>
+          <a:bodyPr vert="horz" wrap="square" lIns="91440" tIns="45720" rIns="91440" bIns="45720" numCol="1" anchor="t" anchorCtr="0" compatLnSpc="1">
+            <a:prstTxWarp prst="textNoShape">
+              <a:avLst/>
+            </a:prstTxWarp>
+          </a:bodyPr>
+          <a:lstStyle/>
+          <a:p>
+            <a:endParaRPr lang="en-US"/>
+          </a:p>
+        </p:txBody>
+      </p:sp>
+      <p:sp>
+        <p:nvSpPr>
+          <p:cNvPr id="2" name="Title 1">
+            <a:extLst>
+              <a:ext uri="{FF2B5EF4-FFF2-40B4-BE49-F238E27FC236}">
+                <a16:creationId xmlns:a16="http://schemas.microsoft.com/office/drawing/2014/main" id="{D1CAD71B-8A0D-4167-B114-8C9D3F9ED1D2}"/>
+              </a:ext>
+            </a:extLst>
+          </p:cNvPr>
+          <p:cNvSpPr>
+            <a:spLocks noGrp="1"/>
+          </p:cNvSpPr>
+          <p:nvPr>
+            <p:ph type="title"/>
+          </p:nvPr>
+        </p:nvSpPr>
+        <p:spPr>
+          <a:xfrm>
+            <a:off x="251351" y="214385"/>
+            <a:ext cx="11591607" cy="748561"/>
+          </a:xfrm>
+        </p:spPr>
+        <p:txBody>
+          <a:bodyPr vert="horz" lIns="91440" tIns="45720" rIns="91440" bIns="45720" rtlCol="0" anchor="b">
+            <a:normAutofit/>
+          </a:bodyPr>
+          <a:lstStyle/>
+          <a:p>
+            <a:r>
+              <a:rPr lang="en-US" sz="4000" dirty="0"/>
+              <a:t>Obj 3:  How has ordering changed during Covid?</a:t>
+            </a:r>
+          </a:p>
+        </p:txBody>
+      </p:sp>
+      <p:sp>
+        <p:nvSpPr>
+          <p:cNvPr id="37" name="Freeform 22">
+            <a:extLst>
+              <a:ext uri="{FF2B5EF4-FFF2-40B4-BE49-F238E27FC236}">
+                <a16:creationId xmlns:a16="http://schemas.microsoft.com/office/drawing/2014/main" id="{237E2353-22DF-46E0-A200-FB30F8F394E2}"/>
+              </a:ext>
+              <a:ext uri="{C183D7F6-B498-43B3-948B-1728B52AA6E4}">
+                <adec:decorative xmlns:adec="http://schemas.microsoft.com/office/drawing/2017/decorative" val="1"/>
+              </a:ext>
+            </a:extLst>
+          </p:cNvPr>
+          <p:cNvSpPr>
+            <a:spLocks noGrp="1" noRot="1" noChangeAspect="1" noMove="1" noResize="1" noEditPoints="1" noAdjustHandles="1" noChangeArrowheads="1" noChangeShapeType="1" noTextEdit="1"/>
+          </p:cNvSpPr>
+          <p:nvPr>
+            <p:extLst>
+              <p:ext uri="{386F3935-93C4-4BCD-93E2-E3B085C9AB24}">
+                <p16:designElem xmlns:p16="http://schemas.microsoft.com/office/powerpoint/2015/main" val="1"/>
+              </p:ext>
+            </p:extLst>
+          </p:nvPr>
+        </p:nvSpPr>
+        <p:spPr bwMode="auto">
+          <a:xfrm>
+            <a:off x="10020826" y="-1916"/>
+            <a:ext cx="2165350" cy="1358265"/>
+          </a:xfrm>
+          <a:custGeom>
+            <a:avLst/>
+            <a:gdLst>
+              <a:gd name="T0" fmla="*/ 0 w 455"/>
+              <a:gd name="T1" fmla="*/ 0 h 285"/>
+              <a:gd name="T2" fmla="*/ 455 w 455"/>
+              <a:gd name="T3" fmla="*/ 285 h 285"/>
+            </a:gdLst>
+            <a:ahLst/>
+            <a:cxnLst>
+              <a:cxn ang="0">
+                <a:pos x="T0" y="T1"/>
+              </a:cxn>
+              <a:cxn ang="0">
+                <a:pos x="T2" y="T3"/>
+              </a:cxn>
+            </a:cxnLst>
+            <a:rect l="0" t="0" r="r" b="b"/>
+            <a:pathLst>
+              <a:path w="455" h="285">
+                <a:moveTo>
+                  <a:pt x="0" y="0"/>
+                </a:moveTo>
+                <a:cubicBezTo>
+                  <a:pt x="153" y="85"/>
+                  <a:pt x="308" y="180"/>
+                  <a:pt x="455" y="285"/>
+                </a:cubicBezTo>
+              </a:path>
+            </a:pathLst>
+          </a:custGeom>
+          <a:noFill/>
+          <a:ln w="9525" cap="flat">
+            <a:solidFill>
+              <a:schemeClr val="tx1">
+                <a:alpha val="20000"/>
+              </a:schemeClr>
+            </a:solidFill>
+            <a:prstDash val="dash"/>
+            <a:miter lim="800000"/>
+            <a:headEnd/>
+            <a:tailEnd/>
+          </a:ln>
+          <a:extLst>
+            <a:ext uri="{909E8E84-426E-40DD-AFC4-6F175D3DCCD1}">
+              <a14:hiddenFill xmlns:a14="http://schemas.microsoft.com/office/drawing/2010/main">
+                <a:solidFill>
+                  <a:srgbClr val="FFFFFF"/>
+                </a:solidFill>
+              </a14:hiddenFill>
+            </a:ext>
+          </a:extLst>
+        </p:spPr>
+        <p:txBody>
+          <a:bodyPr vert="horz" wrap="square" lIns="91440" tIns="45720" rIns="91440" bIns="45720" numCol="1" anchor="t" anchorCtr="0" compatLnSpc="1">
+            <a:prstTxWarp prst="textNoShape">
+              <a:avLst/>
+            </a:prstTxWarp>
+          </a:bodyPr>
+          <a:lstStyle/>
+          <a:p>
+            <a:endParaRPr lang="en-US"/>
+          </a:p>
+        </p:txBody>
+      </p:sp>
+      <p:sp>
+        <p:nvSpPr>
+          <p:cNvPr id="39" name="Freeform 23">
+            <a:extLst>
+              <a:ext uri="{FF2B5EF4-FFF2-40B4-BE49-F238E27FC236}">
+                <a16:creationId xmlns:a16="http://schemas.microsoft.com/office/drawing/2014/main" id="{DD6138DB-057B-45F7-A5F4-E7BFDA20D02C}"/>
+              </a:ext>
+              <a:ext uri="{C183D7F6-B498-43B3-948B-1728B52AA6E4}">
+                <adec:decorative xmlns:adec="http://schemas.microsoft.com/office/drawing/2017/decorative" val="1"/>
+              </a:ext>
+            </a:extLst>
+          </p:cNvPr>
+          <p:cNvSpPr>
+            <a:spLocks noGrp="1" noRot="1" noChangeAspect="1" noMove="1" noResize="1" noEditPoints="1" noAdjustHandles="1" noChangeArrowheads="1" noChangeShapeType="1" noTextEdit="1"/>
+          </p:cNvSpPr>
+          <p:nvPr>
+            <p:extLst>
+              <p:ext uri="{386F3935-93C4-4BCD-93E2-E3B085C9AB24}">
+                <p16:designElem xmlns:p16="http://schemas.microsoft.com/office/powerpoint/2015/main" val="1"/>
+              </p:ext>
+            </p:extLst>
+          </p:nvPr>
+        </p:nvSpPr>
+        <p:spPr bwMode="auto">
+          <a:xfrm>
+            <a:off x="11290826" y="-1916"/>
+            <a:ext cx="895350" cy="534687"/>
+          </a:xfrm>
+          <a:custGeom>
+            <a:avLst/>
+            <a:gdLst>
+              <a:gd name="T0" fmla="*/ 0 w 188"/>
+              <a:gd name="T1" fmla="*/ 0 h 112"/>
+              <a:gd name="T2" fmla="*/ 188 w 188"/>
+              <a:gd name="T3" fmla="*/ 112 h 112"/>
+            </a:gdLst>
+            <a:ahLst/>
+            <a:cxnLst>
+              <a:cxn ang="0">
+                <a:pos x="T0" y="T1"/>
+              </a:cxn>
+              <a:cxn ang="0">
+                <a:pos x="T2" y="T3"/>
+              </a:cxn>
+            </a:cxnLst>
+            <a:rect l="0" t="0" r="r" b="b"/>
+            <a:pathLst>
+              <a:path w="188" h="112">
+                <a:moveTo>
+                  <a:pt x="0" y="0"/>
+                </a:moveTo>
+                <a:cubicBezTo>
+                  <a:pt x="63" y="36"/>
+                  <a:pt x="126" y="73"/>
+                  <a:pt x="188" y="112"/>
+                </a:cubicBezTo>
+              </a:path>
+            </a:pathLst>
+          </a:custGeom>
+          <a:noFill/>
+          <a:ln w="9525" cap="flat">
+            <a:solidFill>
+              <a:schemeClr val="tx1">
+                <a:alpha val="20000"/>
+              </a:schemeClr>
+            </a:solidFill>
+            <a:prstDash val="solid"/>
+            <a:miter lim="800000"/>
+            <a:headEnd/>
+            <a:tailEnd/>
+          </a:ln>
+          <a:extLst>
+            <a:ext uri="{909E8E84-426E-40DD-AFC4-6F175D3DCCD1}">
+              <a14:hiddenFill xmlns:a14="http://schemas.microsoft.com/office/drawing/2010/main">
+                <a:solidFill>
+                  <a:srgbClr val="FFFFFF"/>
+                </a:solidFill>
+              </a14:hiddenFill>
+            </a:ext>
+          </a:extLst>
+        </p:spPr>
+        <p:txBody>
+          <a:bodyPr vert="horz" wrap="square" lIns="91440" tIns="45720" rIns="91440" bIns="45720" numCol="1" anchor="t" anchorCtr="0" compatLnSpc="1">
+            <a:prstTxWarp prst="textNoShape">
+              <a:avLst/>
+            </a:prstTxWarp>
+          </a:bodyPr>
+          <a:lstStyle/>
+          <a:p>
+            <a:endParaRPr lang="en-US"/>
+          </a:p>
+        </p:txBody>
+      </p:sp>
+      <p:sp>
+        <p:nvSpPr>
+          <p:cNvPr id="41" name="Freeform: Shape 40">
+            <a:extLst>
+              <a:ext uri="{FF2B5EF4-FFF2-40B4-BE49-F238E27FC236}">
+                <a16:creationId xmlns:a16="http://schemas.microsoft.com/office/drawing/2014/main" id="{79A54AB1-B64F-4843-BFAB-81CB74E66B65}"/>
+              </a:ext>
+              <a:ext uri="{C183D7F6-B498-43B3-948B-1728B52AA6E4}">
+                <adec:decorative xmlns:adec="http://schemas.microsoft.com/office/drawing/2017/decorative" val="1"/>
+              </a:ext>
+            </a:extLst>
+          </p:cNvPr>
+          <p:cNvSpPr>
+            <a:spLocks noGrp="1" noRot="1" noChangeAspect="1" noMove="1" noResize="1" noEditPoints="1" noAdjustHandles="1" noChangeArrowheads="1" noChangeShapeType="1" noTextEdit="1"/>
+          </p:cNvSpPr>
+          <p:nvPr>
+            <p:extLst>
+              <p:ext uri="{386F3935-93C4-4BCD-93E2-E3B085C9AB24}">
+                <p16:designElem xmlns:p16="http://schemas.microsoft.com/office/powerpoint/2015/main" val="1"/>
+              </p:ext>
+            </p:extLst>
+          </p:nvPr>
+        </p:nvSpPr>
+        <p:spPr>
+          <a:xfrm rot="20931529">
+            <a:off x="752078" y="2218040"/>
+            <a:ext cx="4418757" cy="4259609"/>
+          </a:xfrm>
+          <a:custGeom>
+            <a:avLst/>
+            <a:gdLst>
+              <a:gd name="connsiteX0" fmla="*/ 404107 w 4507111"/>
+              <a:gd name="connsiteY0" fmla="*/ 0 h 4344781"/>
+              <a:gd name="connsiteX1" fmla="*/ 371857 w 4507111"/>
+              <a:gd name="connsiteY1" fmla="*/ 117359 h 4344781"/>
+              <a:gd name="connsiteX2" fmla="*/ 307833 w 4507111"/>
+              <a:gd name="connsiteY2" fmla="*/ 632970 h 4344781"/>
+              <a:gd name="connsiteX3" fmla="*/ 3569418 w 4507111"/>
+              <a:gd name="connsiteY3" fmla="*/ 4141149 h 4344781"/>
+              <a:gd name="connsiteX4" fmla="*/ 4440861 w 4507111"/>
+              <a:gd name="connsiteY4" fmla="*/ 4332480 h 4344781"/>
+              <a:gd name="connsiteX5" fmla="*/ 4507111 w 4507111"/>
+              <a:gd name="connsiteY5" fmla="*/ 4341752 h 4344781"/>
+              <a:gd name="connsiteX6" fmla="*/ 4296045 w 4507111"/>
+              <a:gd name="connsiteY6" fmla="*/ 4344781 h 4344781"/>
+              <a:gd name="connsiteX7" fmla="*/ 3749565 w 4507111"/>
+              <a:gd name="connsiteY7" fmla="*/ 4321853 h 4344781"/>
+              <a:gd name="connsiteX8" fmla="*/ 36764 w 4507111"/>
+              <a:gd name="connsiteY8" fmla="*/ 1629794 h 4344781"/>
+              <a:gd name="connsiteX9" fmla="*/ 300069 w 4507111"/>
+              <a:gd name="connsiteY9" fmla="*/ 144750 h 4344781"/>
+            </a:gdLst>
+            <a:ahLst/>
+            <a:cxnLst>
+              <a:cxn ang="0">
+                <a:pos x="connsiteX0" y="connsiteY0"/>
+              </a:cxn>
+              <a:cxn ang="0">
+                <a:pos x="connsiteX1" y="connsiteY1"/>
+              </a:cxn>
+              <a:cxn ang="0">
+                <a:pos x="connsiteX2" y="connsiteY2"/>
+              </a:cxn>
+              <a:cxn ang="0">
+                <a:pos x="connsiteX3" y="connsiteY3"/>
+              </a:cxn>
+              <a:cxn ang="0">
+                <a:pos x="connsiteX4" y="connsiteY4"/>
+              </a:cxn>
+              <a:cxn ang="0">
+                <a:pos x="connsiteX5" y="connsiteY5"/>
+              </a:cxn>
+              <a:cxn ang="0">
+                <a:pos x="connsiteX6" y="connsiteY6"/>
+              </a:cxn>
+              <a:cxn ang="0">
+                <a:pos x="connsiteX7" y="connsiteY7"/>
+              </a:cxn>
+              <a:cxn ang="0">
+                <a:pos x="connsiteX8" y="connsiteY8"/>
+              </a:cxn>
+              <a:cxn ang="0">
+                <a:pos x="connsiteX9" y="connsiteY9"/>
+              </a:cxn>
+            </a:cxnLst>
+            <a:rect l="l" t="t" r="r" b="b"/>
+            <a:pathLst>
+              <a:path w="4507111" h="4344781">
+                <a:moveTo>
+                  <a:pt x="404107" y="0"/>
+                </a:moveTo>
+                <a:lnTo>
+                  <a:pt x="371857" y="117359"/>
+                </a:lnTo>
+                <a:cubicBezTo>
+                  <a:pt x="333827" y="278567"/>
+                  <a:pt x="311875" y="450459"/>
+                  <a:pt x="307833" y="632970"/>
+                </a:cubicBezTo>
+                <a:cubicBezTo>
+                  <a:pt x="264711" y="2579752"/>
+                  <a:pt x="2253987" y="3769243"/>
+                  <a:pt x="3569418" y="4141149"/>
+                </a:cubicBezTo>
+                <a:cubicBezTo>
+                  <a:pt x="3816061" y="4210881"/>
+                  <a:pt x="4114807" y="4279754"/>
+                  <a:pt x="4440861" y="4332480"/>
+                </a:cubicBezTo>
+                <a:lnTo>
+                  <a:pt x="4507111" y="4341752"/>
+                </a:lnTo>
+                <a:lnTo>
+                  <a:pt x="4296045" y="4344781"/>
+                </a:lnTo>
+                <a:cubicBezTo>
+                  <a:pt x="4097363" y="4343711"/>
+                  <a:pt x="3912623" y="4335104"/>
+                  <a:pt x="3749565" y="4321853"/>
+                </a:cubicBezTo>
+                <a:cubicBezTo>
+                  <a:pt x="2445102" y="4215850"/>
+                  <a:pt x="356405" y="3466499"/>
+                  <a:pt x="36764" y="1629794"/>
+                </a:cubicBezTo>
+                <a:cubicBezTo>
+                  <a:pt x="-63123" y="1055823"/>
+                  <a:pt x="45741" y="555869"/>
+                  <a:pt x="300069" y="144750"/>
+                </a:cubicBezTo>
+                <a:close/>
+              </a:path>
+            </a:pathLst>
+          </a:custGeom>
+          <a:solidFill>
+            <a:schemeClr val="tx1">
+              <a:alpha val="70000"/>
+            </a:schemeClr>
+          </a:solidFill>
+          <a:ln>
+            <a:noFill/>
+          </a:ln>
+        </p:spPr>
+        <p:style>
+          <a:lnRef idx="2">
+            <a:schemeClr val="accent1">
+              <a:shade val="50000"/>
+            </a:schemeClr>
+          </a:lnRef>
+          <a:fillRef idx="1">
+            <a:schemeClr val="accent1"/>
+          </a:fillRef>
+          <a:effectRef idx="0">
+            <a:schemeClr val="accent1"/>
+          </a:effectRef>
+          <a:fontRef idx="minor">
+            <a:schemeClr val="lt1"/>
+          </a:fontRef>
+        </p:style>
+        <p:txBody>
+          <a:bodyPr wrap="square" rtlCol="0" anchor="ctr">
+            <a:noAutofit/>
+          </a:bodyPr>
+          <a:lstStyle/>
+          <a:p>
+            <a:pPr marL="0" marR="0" lvl="0" indent="0" algn="ctr" defTabSz="457200" rtl="0" eaLnBrk="1" fontAlgn="auto" latinLnBrk="0" hangingPunct="1">
+              <a:lnSpc>
+                <a:spcPct val="100000"/>
+              </a:lnSpc>
+              <a:spcBef>
+                <a:spcPts val="0"/>
+              </a:spcBef>
+              <a:spcAft>
+                <a:spcPts val="0"/>
+              </a:spcAft>
+              <a:buClrTx/>
+              <a:buSzTx/>
+              <a:buFontTx/>
+              <a:buNone/>
+              <a:tabLst/>
+              <a:defRPr/>
+            </a:pPr>
+            <a:endParaRPr kumimoji="0" lang="en-US" sz="1800" b="0" i="0" u="none" strike="noStrike" kern="1200" cap="none" spc="0" normalizeH="0" baseline="0" noProof="0">
+              <a:ln>
+                <a:noFill/>
+              </a:ln>
+              <a:solidFill>
+                <a:prstClr val="white"/>
+              </a:solidFill>
+              <a:effectLst/>
+              <a:uLnTx/>
+              <a:uFillTx/>
+              <a:latin typeface="Rockwell" panose="02060603020205020403"/>
+              <a:ea typeface="+mn-ea"/>
+              <a:cs typeface="+mn-cs"/>
+            </a:endParaRPr>
+          </a:p>
+        </p:txBody>
+      </p:sp>
+      <p:pic>
+        <p:nvPicPr>
+          <p:cNvPr id="7" name="Content Placeholder 6" descr="A hamburger on a plate&#10;&#10;Description automatically generated with low confidence">
+            <a:extLst>
+              <a:ext uri="{FF2B5EF4-FFF2-40B4-BE49-F238E27FC236}">
+                <a16:creationId xmlns:a16="http://schemas.microsoft.com/office/drawing/2014/main" id="{3AACC0DC-68F9-4C1D-8808-B5923ED94969}"/>
+              </a:ext>
+            </a:extLst>
+          </p:cNvPr>
+          <p:cNvPicPr>
+            <a:picLocks noGrp="1" noChangeAspect="1"/>
+          </p:cNvPicPr>
+          <p:nvPr>
+            <p:ph idx="1"/>
+          </p:nvPr>
+        </p:nvPicPr>
+        <p:blipFill>
+          <a:blip r:embed="rId2">
+            <a:extLst>
+              <a:ext uri="{28A0092B-C50C-407E-A947-70E740481C1C}">
+                <a14:useLocalDpi xmlns:a14="http://schemas.microsoft.com/office/drawing/2010/main" val="0"/>
+              </a:ext>
+            </a:extLst>
+          </a:blip>
+          <a:stretch>
+            <a:fillRect/>
+          </a:stretch>
+        </p:blipFill>
+        <p:spPr>
+          <a:xfrm>
+            <a:off x="1617394" y="1827413"/>
+            <a:ext cx="4351338" cy="4351338"/>
+          </a:xfrm>
+        </p:spPr>
+      </p:pic>
+    </p:spTree>
+    <p:extLst>
+      <p:ext uri="{BB962C8B-B14F-4D97-AF65-F5344CB8AC3E}">
+        <p14:creationId xmlns:p14="http://schemas.microsoft.com/office/powerpoint/2010/main" val="3304196944"/>
+      </p:ext>
+    </p:extLst>
+  </p:cSld>
+  <p:clrMapOvr>
+    <a:masterClrMapping/>
+  </p:clrMapOvr>
+</p:sld>
+</file>
+
+<file path=ppt/slides/slide11.xml><?xml version="1.0" encoding="utf-8"?>
 <p:sld xmlns:a="http://schemas.openxmlformats.org/drawingml/2006/main" xmlns:r="http://schemas.openxmlformats.org/officeDocument/2006/relationships" xmlns:p="http://schemas.openxmlformats.org/presentationml/2006/main">
   <p:cSld>
     <p:bg>
@@ -3906,7 +5601,7 @@
 </p:sld>
 </file>
 
-<file path=ppt/slides/slide11.xml><?xml version="1.0" encoding="utf-8"?>
+<file path=ppt/slides/slide12.xml><?xml version="1.0" encoding="utf-8"?>
 <p:sld xmlns:a="http://schemas.openxmlformats.org/drawingml/2006/main" xmlns:r="http://schemas.openxmlformats.org/officeDocument/2006/relationships" xmlns:p="http://schemas.openxmlformats.org/presentationml/2006/main">
   <p:cSld>
     <p:spTree>
@@ -4007,7 +5702,7 @@
 </p:sld>
 </file>
 
-<file path=ppt/slides/slide12.xml><?xml version="1.0" encoding="utf-8"?>
+<file path=ppt/slides/slide13.xml><?xml version="1.0" encoding="utf-8"?>
 <p:sld xmlns:a="http://schemas.openxmlformats.org/drawingml/2006/main" xmlns:r="http://schemas.openxmlformats.org/officeDocument/2006/relationships" xmlns:p="http://schemas.openxmlformats.org/presentationml/2006/main">
   <p:cSld>
     <p:bg>
@@ -4527,13 +6222,13 @@
         </p:nvSpPr>
         <p:spPr>
           <a:xfrm>
-            <a:off x="6688181" y="1907922"/>
-            <a:ext cx="4887685" cy="3210179"/>
+            <a:off x="6688181" y="1739900"/>
+            <a:ext cx="4887685" cy="3700780"/>
           </a:xfrm>
         </p:spPr>
         <p:txBody>
           <a:bodyPr vert="horz" lIns="91440" tIns="45720" rIns="91440" bIns="45720" rtlCol="0" anchor="t">
-            <a:normAutofit/>
+            <a:normAutofit fontScale="92500" lnSpcReduction="20000"/>
           </a:bodyPr>
           <a:lstStyle/>
           <a:p>
@@ -4543,7 +6238,7 @@
             </a:pPr>
             <a:r>
               <a:rPr lang="en-US" sz="2400" dirty="0"/>
-              <a:t>BS in Exercise Science</a:t>
+              <a:t>Born and raised in Charleston, South Carolina</a:t>
             </a:r>
           </a:p>
           <a:p>
@@ -4553,7 +6248,7 @@
             </a:pPr>
             <a:r>
               <a:rPr lang="en-US" sz="2400" dirty="0"/>
-              <a:t>Director of Hospitality at Chick-fil-A</a:t>
+              <a:t>Graduated with a BS in Exercise Science from College of Charleston in 2017</a:t>
             </a:r>
           </a:p>
           <a:p>
@@ -4563,7 +6258,27 @@
             </a:pPr>
             <a:r>
               <a:rPr lang="en-US" sz="2400" dirty="0"/>
-              <a:t>Working in Chick-fil-A since 2016</a:t>
+              <a:t>Married to my wife Kelsey in November 2017</a:t>
+            </a:r>
+          </a:p>
+          <a:p>
+            <a:pPr indent="-228600">
+              <a:buFont typeface="Arial" panose="020B0604020202020204" pitchFamily="34" charset="0"/>
+              <a:buChar char="•"/>
+            </a:pPr>
+            <a:r>
+              <a:rPr lang="en-US" sz="2400" dirty="0"/>
+              <a:t>Working at Chick-fil-A since 2016</a:t>
+            </a:r>
+          </a:p>
+          <a:p>
+            <a:pPr indent="-228600">
+              <a:buFont typeface="Arial" panose="020B0604020202020204" pitchFamily="34" charset="0"/>
+              <a:buChar char="•"/>
+            </a:pPr>
+            <a:r>
+              <a:rPr lang="en-US" sz="2400" dirty="0"/>
+              <a:t>Director of Hospitality, Kitchen Director, Scheduling, Inventory</a:t>
             </a:r>
           </a:p>
           <a:p>
@@ -5018,7 +6733,7 @@
         </p:blipFill>
         <p:spPr>
           <a:xfrm>
-            <a:off x="1" y="0"/>
+            <a:off x="-3049" y="10"/>
             <a:ext cx="12191999" cy="6857990"/>
           </a:xfrm>
           <a:prstGeom prst="rect">
@@ -5198,7 +6913,7 @@
         <p:spPr>
           <a:xfrm>
             <a:off x="4053017" y="2108738"/>
-            <a:ext cx="6801982" cy="2265406"/>
+            <a:ext cx="6801982" cy="2249506"/>
           </a:xfrm>
           <a:prstGeom prst="rect">
             <a:avLst/>
@@ -5213,7 +6928,7 @@
         </p:spPr>
         <p:txBody>
           <a:bodyPr vert="horz" lIns="91440" tIns="45720" rIns="91440" bIns="45720" rtlCol="0" anchor="b">
-            <a:normAutofit/>
+            <a:normAutofit lnSpcReduction="10000"/>
           </a:bodyPr>
           <a:lstStyle>
             <a:lvl1pPr algn="ctr" defTabSz="914400" rtl="0" eaLnBrk="1" latinLnBrk="0" hangingPunct="1">
@@ -5243,7 +6958,7 @@
                 <a:latin typeface="Helvetica" panose="020B0604020202020204" pitchFamily="34" charset="0"/>
                 <a:ea typeface="Times New Roman" panose="02020603050405020304" pitchFamily="18" charset="0"/>
               </a:rPr>
-              <a:t>How successful has CFA evolved to fit the new norm of drive-thru only?</a:t>
+              <a:t>How has CFA evolved to fit the new norm of drive-thru only?</a:t>
             </a:r>
           </a:p>
           <a:p>
@@ -5262,7 +6977,7 @@
                 </a:solidFill>
                 <a:latin typeface="Helvetica" panose="020B0604020202020204" pitchFamily="34" charset="0"/>
               </a:rPr>
-              <a:t>How have labor cost been affected by Covid?</a:t>
+              <a:t>How has labor been affected by Covid?</a:t>
             </a:r>
           </a:p>
           <a:p>
@@ -5281,7 +6996,7 @@
                 </a:solidFill>
                 <a:latin typeface="Helvetica" panose="020B0604020202020204" pitchFamily="34" charset="0"/>
               </a:rPr>
-              <a:t>How has ordering changed during Covid?</a:t>
+              <a:t>How has the way guests order changed during Covid?</a:t>
             </a:r>
             <a:endParaRPr lang="en-US" sz="2400" b="1" i="1" dirty="0">
               <a:solidFill>
@@ -5418,8 +7133,8 @@
         </p:nvSpPr>
         <p:spPr>
           <a:xfrm>
-            <a:off x="838200" y="631825"/>
-            <a:ext cx="10515600" cy="1325563"/>
+            <a:off x="838200" y="928838"/>
+            <a:ext cx="10515600" cy="1028549"/>
           </a:xfrm>
         </p:spPr>
         <p:txBody>
@@ -5434,7 +7149,7 @@
                   <a:schemeClr val="bg1"/>
                 </a:solidFill>
               </a:rPr>
-              <a:t>Methods of Analysis used for this project:</a:t>
+              <a:t>Methods of Analysis:</a:t>
             </a:r>
           </a:p>
         </p:txBody>
@@ -5525,10 +7240,26 @@
                   <a:schemeClr val="bg1"/>
                 </a:solidFill>
               </a:rPr>
-              <a:t>Objective 1 – We used an ANOVA analysis and the following variables: Sales, NormDT, 3rdParty and Time.</a:t>
-            </a:r>
-          </a:p>
-          <a:p>
+              <a:t>Gathered data from the Sales Activity from November 2019 through November 2020. </a:t>
+            </a:r>
+          </a:p>
+          <a:p>
+            <a:r>
+              <a:rPr lang="en-US" sz="2400" dirty="0">
+                <a:solidFill>
+                  <a:schemeClr val="bg1"/>
+                </a:solidFill>
+              </a:rPr>
+              <a:t>Added Productivity column: Sales divided by </a:t>
+            </a:r>
+            <a:r>
+              <a:rPr lang="en-US" sz="2400" dirty="0" err="1">
+                <a:solidFill>
+                  <a:schemeClr val="bg1"/>
+                </a:solidFill>
+              </a:rPr>
+              <a:t>HoursUsed</a:t>
+            </a:r>
             <a:endParaRPr lang="en-US" sz="2400" dirty="0">
               <a:solidFill>
                 <a:schemeClr val="bg1"/>
@@ -5542,32 +7273,55 @@
                   <a:schemeClr val="bg1"/>
                 </a:solidFill>
               </a:rPr>
-              <a:t>Objective 2 – We used a linear regression analysis using the variables Productivity and Time.</a:t>
-            </a:r>
-          </a:p>
-          <a:p>
-            <a:endParaRPr lang="en-US" sz="2400" dirty="0">
-              <a:solidFill>
-                <a:schemeClr val="bg1"/>
-              </a:solidFill>
-            </a:endParaRPr>
-          </a:p>
-          <a:p>
+              <a:t>Added </a:t>
+            </a:r>
+            <a:r>
+              <a:rPr lang="en-US" sz="2400" dirty="0" err="1">
+                <a:solidFill>
+                  <a:schemeClr val="bg1"/>
+                </a:solidFill>
+              </a:rPr>
+              <a:t>WeekNum</a:t>
+            </a:r>
             <a:r>
               <a:rPr lang="en-US" sz="2400" dirty="0">
                 <a:solidFill>
                   <a:schemeClr val="bg1"/>
                 </a:solidFill>
               </a:rPr>
-              <a:t>Objective 3 – We used a MANOVA analysis and looked at the following variables: MobCO, MobDI, DineIn, Catering, CarryO, NormDT, 3rdParty, and Time.</a:t>
-            </a:r>
-          </a:p>
-          <a:p>
-            <a:endParaRPr lang="en-US" sz="2400" dirty="0">
-              <a:solidFill>
-                <a:schemeClr val="bg1"/>
-              </a:solidFill>
-            </a:endParaRPr>
+              <a:t> column: Actual week of the year, where 1 is the first week of January.</a:t>
+            </a:r>
+          </a:p>
+          <a:p>
+            <a:pPr lvl="1"/>
+            <a:r>
+              <a:rPr lang="en-US" sz="2000" dirty="0">
+                <a:solidFill>
+                  <a:schemeClr val="bg1"/>
+                </a:solidFill>
+              </a:rPr>
+              <a:t>Different from the “Week” column where 1 is the first week accounted for. </a:t>
+            </a:r>
+          </a:p>
+          <a:p>
+            <a:r>
+              <a:rPr lang="en-US" sz="2400" dirty="0">
+                <a:solidFill>
+                  <a:schemeClr val="bg1"/>
+                </a:solidFill>
+              </a:rPr>
+              <a:t>Added Time column: Before (pre-lockdown), During (lockdown) and After (post-lockdown)</a:t>
+            </a:r>
+          </a:p>
+          <a:p>
+            <a:r>
+              <a:rPr lang="en-US" sz="2400" dirty="0">
+                <a:solidFill>
+                  <a:schemeClr val="bg1"/>
+                </a:solidFill>
+              </a:rPr>
+              <a:t>The dataset has a sample size of 52 weeks.</a:t>
+            </a:r>
           </a:p>
           <a:p>
             <a:endParaRPr lang="en-US" sz="2400" dirty="0">
@@ -5592,6 +7346,354 @@
 </file>
 
 <file path=ppt/slides/slide6.xml><?xml version="1.0" encoding="utf-8"?>
+<p:sld xmlns:a="http://schemas.openxmlformats.org/drawingml/2006/main" xmlns:r="http://schemas.openxmlformats.org/officeDocument/2006/relationships" xmlns:p="http://schemas.openxmlformats.org/presentationml/2006/main">
+  <p:cSld>
+    <p:bg>
+      <p:bgPr>
+        <a:solidFill>
+          <a:schemeClr val="bg1"/>
+        </a:solidFill>
+        <a:effectLst/>
+      </p:bgPr>
+    </p:bg>
+    <p:spTree>
+      <p:nvGrpSpPr>
+        <p:cNvPr id="1" name=""/>
+        <p:cNvGrpSpPr/>
+        <p:nvPr/>
+      </p:nvGrpSpPr>
+      <p:grpSpPr>
+        <a:xfrm>
+          <a:off x="0" y="0"/>
+          <a:ext cx="0" cy="0"/>
+          <a:chOff x="0" y="0"/>
+          <a:chExt cx="0" cy="0"/>
+        </a:xfrm>
+      </p:grpSpPr>
+      <p:sp>
+        <p:nvSpPr>
+          <p:cNvPr id="12" name="Rectangle 7">
+            <a:extLst>
+              <a:ext uri="{FF2B5EF4-FFF2-40B4-BE49-F238E27FC236}">
+                <a16:creationId xmlns:a16="http://schemas.microsoft.com/office/drawing/2014/main" id="{F98ED85F-DCEE-4B50-802E-71A6E3E12B04}"/>
+              </a:ext>
+              <a:ext uri="{C183D7F6-B498-43B3-948B-1728B52AA6E4}">
+                <adec:decorative xmlns:adec="http://schemas.microsoft.com/office/drawing/2017/decorative" val="1"/>
+              </a:ext>
+            </a:extLst>
+          </p:cNvPr>
+          <p:cNvSpPr>
+            <a:spLocks noGrp="1" noRot="1" noChangeAspect="1" noMove="1" noResize="1" noEditPoints="1" noAdjustHandles="1" noChangeArrowheads="1" noChangeShapeType="1" noTextEdit="1"/>
+          </p:cNvSpPr>
+          <p:nvPr>
+            <p:extLst>
+              <p:ext uri="{386F3935-93C4-4BCD-93E2-E3B085C9AB24}">
+                <p16:designElem xmlns:p16="http://schemas.microsoft.com/office/powerpoint/2015/main" val="1"/>
+              </p:ext>
+            </p:extLst>
+          </p:nvPr>
+        </p:nvSpPr>
+        <p:spPr bwMode="ltGray">
+          <a:xfrm>
+            <a:off x="321564" y="320040"/>
+            <a:ext cx="11548872" cy="6217920"/>
+          </a:xfrm>
+          <a:prstGeom prst="rect">
+            <a:avLst/>
+          </a:prstGeom>
+          <a:solidFill>
+            <a:schemeClr val="tx1">
+              <a:lumMod val="75000"/>
+              <a:lumOff val="25000"/>
+            </a:schemeClr>
+          </a:solidFill>
+          <a:ln w="127000" cap="sq" cmpd="thinThick">
+            <a:solidFill>
+              <a:schemeClr val="tx1">
+                <a:lumMod val="75000"/>
+                <a:lumOff val="25000"/>
+              </a:schemeClr>
+            </a:solidFill>
+          </a:ln>
+        </p:spPr>
+        <p:style>
+          <a:lnRef idx="2">
+            <a:schemeClr val="accent1">
+              <a:shade val="50000"/>
+            </a:schemeClr>
+          </a:lnRef>
+          <a:fillRef idx="1">
+            <a:schemeClr val="accent1"/>
+          </a:fillRef>
+          <a:effectRef idx="0">
+            <a:schemeClr val="accent1"/>
+          </a:effectRef>
+          <a:fontRef idx="minor">
+            <a:schemeClr val="lt1"/>
+          </a:fontRef>
+        </p:style>
+        <p:txBody>
+          <a:bodyPr rtlCol="0" anchor="ctr"/>
+          <a:lstStyle/>
+          <a:p>
+            <a:pPr algn="ctr"/>
+            <a:endParaRPr lang="en-US"/>
+          </a:p>
+        </p:txBody>
+      </p:sp>
+      <p:sp>
+        <p:nvSpPr>
+          <p:cNvPr id="2" name="Title 1">
+            <a:extLst>
+              <a:ext uri="{FF2B5EF4-FFF2-40B4-BE49-F238E27FC236}">
+                <a16:creationId xmlns:a16="http://schemas.microsoft.com/office/drawing/2014/main" id="{7AE5B17A-4206-4076-AF15-34373FC0737A}"/>
+              </a:ext>
+            </a:extLst>
+          </p:cNvPr>
+          <p:cNvSpPr>
+            <a:spLocks noGrp="1"/>
+          </p:cNvSpPr>
+          <p:nvPr>
+            <p:ph type="title"/>
+          </p:nvPr>
+        </p:nvSpPr>
+        <p:spPr>
+          <a:xfrm>
+            <a:off x="838200" y="631825"/>
+            <a:ext cx="10515600" cy="1325563"/>
+          </a:xfrm>
+        </p:spPr>
+        <p:txBody>
+          <a:bodyPr>
+            <a:normAutofit/>
+          </a:bodyPr>
+          <a:lstStyle/>
+          <a:p>
+            <a:r>
+              <a:rPr lang="en-US" dirty="0">
+                <a:solidFill>
+                  <a:schemeClr val="bg1"/>
+                </a:solidFill>
+              </a:rPr>
+              <a:t>Methods of Analysis (</a:t>
+            </a:r>
+            <a:r>
+              <a:rPr lang="en-US" dirty="0" err="1">
+                <a:solidFill>
+                  <a:schemeClr val="bg1"/>
+                </a:solidFill>
+              </a:rPr>
+              <a:t>cont</a:t>
+            </a:r>
+            <a:r>
+              <a:rPr lang="en-US" dirty="0">
+                <a:solidFill>
+                  <a:schemeClr val="bg1"/>
+                </a:solidFill>
+              </a:rPr>
+              <a:t>):</a:t>
+            </a:r>
+          </a:p>
+        </p:txBody>
+      </p:sp>
+      <p:cxnSp>
+        <p:nvCxnSpPr>
+          <p:cNvPr id="13" name="Straight Connector 9">
+            <a:extLst>
+              <a:ext uri="{FF2B5EF4-FFF2-40B4-BE49-F238E27FC236}">
+                <a16:creationId xmlns:a16="http://schemas.microsoft.com/office/drawing/2014/main" id="{E8E35B83-1EC3-4F87-9D54-D863463351B9}"/>
+              </a:ext>
+              <a:ext uri="{C183D7F6-B498-43B3-948B-1728B52AA6E4}">
+                <adec:decorative xmlns:adec="http://schemas.microsoft.com/office/drawing/2017/decorative" val="1"/>
+              </a:ext>
+            </a:extLst>
+          </p:cNvPr>
+          <p:cNvCxnSpPr>
+            <a:cxnSpLocks noGrp="1" noRot="1" noChangeAspect="1" noMove="1" noResize="1" noEditPoints="1" noAdjustHandles="1" noChangeArrowheads="1" noChangeShapeType="1"/>
+          </p:cNvCxnSpPr>
+          <p:nvPr>
+            <p:extLst>
+              <p:ext uri="{386F3935-93C4-4BCD-93E2-E3B085C9AB24}">
+                <p16:designElem xmlns:p16="http://schemas.microsoft.com/office/powerpoint/2015/main" val="1"/>
+              </p:ext>
+            </p:extLst>
+          </p:nvPr>
+        </p:nvCxnSpPr>
+        <p:spPr>
+          <a:xfrm>
+            <a:off x="897636" y="1957388"/>
+            <a:ext cx="10396728" cy="0"/>
+          </a:xfrm>
+          <a:prstGeom prst="line">
+            <a:avLst/>
+          </a:prstGeom>
+          <a:ln w="22225">
+            <a:solidFill>
+              <a:schemeClr val="bg1"/>
+            </a:solidFill>
+          </a:ln>
+        </p:spPr>
+        <p:style>
+          <a:lnRef idx="1">
+            <a:schemeClr val="accent1"/>
+          </a:lnRef>
+          <a:fillRef idx="0">
+            <a:schemeClr val="accent1"/>
+          </a:fillRef>
+          <a:effectRef idx="0">
+            <a:schemeClr val="accent1"/>
+          </a:effectRef>
+          <a:fontRef idx="minor">
+            <a:schemeClr val="tx1"/>
+          </a:fontRef>
+        </p:style>
+      </p:cxnSp>
+      <p:sp>
+        <p:nvSpPr>
+          <p:cNvPr id="3" name="Content Placeholder 2">
+            <a:extLst>
+              <a:ext uri="{FF2B5EF4-FFF2-40B4-BE49-F238E27FC236}">
+                <a16:creationId xmlns:a16="http://schemas.microsoft.com/office/drawing/2014/main" id="{83EA27C2-97B2-419A-91A7-038692070155}"/>
+              </a:ext>
+            </a:extLst>
+          </p:cNvPr>
+          <p:cNvSpPr>
+            <a:spLocks noGrp="1"/>
+          </p:cNvSpPr>
+          <p:nvPr>
+            <p:ph idx="1"/>
+          </p:nvPr>
+        </p:nvSpPr>
+        <p:spPr>
+          <a:xfrm>
+            <a:off x="838200" y="2269173"/>
+            <a:ext cx="10515600" cy="3659988"/>
+          </a:xfrm>
+        </p:spPr>
+        <p:txBody>
+          <a:bodyPr>
+            <a:normAutofit/>
+          </a:bodyPr>
+          <a:lstStyle/>
+          <a:p>
+            <a:r>
+              <a:rPr lang="en-US" sz="2400" dirty="0">
+                <a:solidFill>
+                  <a:schemeClr val="bg1"/>
+                </a:solidFill>
+              </a:rPr>
+              <a:t>Statistical analyses that were used:</a:t>
+            </a:r>
+          </a:p>
+          <a:p>
+            <a:pPr lvl="1"/>
+            <a:r>
+              <a:rPr lang="en-US" sz="2000" dirty="0">
+                <a:solidFill>
+                  <a:schemeClr val="bg1"/>
+                </a:solidFill>
+              </a:rPr>
+              <a:t>ANOVA </a:t>
+            </a:r>
+            <a:r>
+              <a:rPr lang="en-US" sz="2000">
+                <a:solidFill>
+                  <a:schemeClr val="bg1"/>
+                </a:solidFill>
+              </a:rPr>
+              <a:t>analysis to…</a:t>
+            </a:r>
+            <a:endParaRPr lang="en-US" sz="2000" dirty="0">
+              <a:solidFill>
+                <a:schemeClr val="bg1"/>
+              </a:solidFill>
+            </a:endParaRPr>
+          </a:p>
+          <a:p>
+            <a:pPr lvl="2"/>
+            <a:r>
+              <a:rPr lang="en-US" sz="1600" dirty="0">
+                <a:solidFill>
+                  <a:schemeClr val="bg1"/>
+                </a:solidFill>
+              </a:rPr>
+              <a:t>Important Variables: Sales, NormDT, 3rdParty and Time</a:t>
+            </a:r>
+          </a:p>
+          <a:p>
+            <a:pPr lvl="1"/>
+            <a:r>
+              <a:rPr lang="en-US" sz="2000" dirty="0">
+                <a:solidFill>
+                  <a:schemeClr val="bg1"/>
+                </a:solidFill>
+              </a:rPr>
+              <a:t>Linear regression analysis to…</a:t>
+            </a:r>
+          </a:p>
+          <a:p>
+            <a:pPr lvl="2"/>
+            <a:r>
+              <a:rPr lang="en-US" sz="1600" dirty="0">
+                <a:solidFill>
+                  <a:schemeClr val="bg1"/>
+                </a:solidFill>
+              </a:rPr>
+              <a:t>Important Variables Productivity and Time.</a:t>
+            </a:r>
+          </a:p>
+          <a:p>
+            <a:pPr lvl="1"/>
+            <a:r>
+              <a:rPr lang="en-US" sz="2000" dirty="0">
+                <a:solidFill>
+                  <a:schemeClr val="bg1"/>
+                </a:solidFill>
+              </a:rPr>
+              <a:t>MANOVA analysis to…</a:t>
+            </a:r>
+          </a:p>
+          <a:p>
+            <a:pPr lvl="2"/>
+            <a:r>
+              <a:rPr lang="en-US" sz="1600" dirty="0">
+                <a:solidFill>
+                  <a:schemeClr val="bg1"/>
+                </a:solidFill>
+              </a:rPr>
+              <a:t>Important Variables: MobCO, MobDI, DineIn, Catering, CarryO, NormDT, 3rdParty, and Time.</a:t>
+            </a:r>
+          </a:p>
+          <a:p>
+            <a:endParaRPr lang="en-US" sz="2400" dirty="0">
+              <a:solidFill>
+                <a:schemeClr val="bg1"/>
+              </a:solidFill>
+            </a:endParaRPr>
+          </a:p>
+          <a:p>
+            <a:endParaRPr lang="en-US" sz="2400" dirty="0">
+              <a:solidFill>
+                <a:schemeClr val="bg1"/>
+              </a:solidFill>
+            </a:endParaRPr>
+          </a:p>
+        </p:txBody>
+      </p:sp>
+    </p:spTree>
+    <p:extLst>
+      <p:ext uri="{BB962C8B-B14F-4D97-AF65-F5344CB8AC3E}">
+        <p14:creationId xmlns:p14="http://schemas.microsoft.com/office/powerpoint/2010/main" val="634833510"/>
+      </p:ext>
+    </p:extLst>
+  </p:cSld>
+  <p:clrMapOvr>
+    <a:masterClrMapping/>
+  </p:clrMapOvr>
+</p:sld>
+</file>
+
+<file path=ppt/slides/slide7.xml><?xml version="1.0" encoding="utf-8"?>
 <p:sld xmlns:a="http://schemas.openxmlformats.org/drawingml/2006/main" xmlns:r="http://schemas.openxmlformats.org/officeDocument/2006/relationships" xmlns:p="http://schemas.openxmlformats.org/presentationml/2006/main">
   <p:cSld>
     <p:bg>
@@ -5653,7 +7755,7 @@
                   <a:schemeClr val="bg1"/>
                 </a:solidFill>
               </a:rPr>
-              <a:t>Variables used in analysis:                           </a:t>
+              <a:t>Variables used in analysis (Meta-Data):                           </a:t>
             </a:r>
             <a:endParaRPr lang="en-US" sz="4800" u="sng" dirty="0"/>
           </a:p>
@@ -5677,8 +7779,8 @@
         </p:nvSpPr>
         <p:spPr>
           <a:xfrm>
-            <a:off x="838200" y="1769758"/>
-            <a:ext cx="10515600" cy="4723116"/>
+            <a:off x="838200" y="1247242"/>
+            <a:ext cx="10515600" cy="5245631"/>
           </a:xfrm>
         </p:spPr>
         <p:txBody>
@@ -5721,7 +7823,7 @@
                 <a:ea typeface="Calibri" panose="020F0502020204030204" pitchFamily="34" charset="0"/>
                 <a:cs typeface="Times New Roman" panose="02020603050405020304" pitchFamily="18" charset="0"/>
               </a:rPr>
-              <a:t>: Total amount of sales in USD.</a:t>
+              <a:t>: Total amount of sales in each week in USD.</a:t>
             </a:r>
           </a:p>
           <a:p>
@@ -5759,7 +7861,7 @@
                 <a:ea typeface="Calibri" panose="020F0502020204030204" pitchFamily="34" charset="0"/>
                 <a:cs typeface="Times New Roman" panose="02020603050405020304" pitchFamily="18" charset="0"/>
               </a:rPr>
-              <a:t>: Total number of man hours. </a:t>
+              <a:t>: Total number of man hours used each week. </a:t>
             </a:r>
           </a:p>
           <a:p>
@@ -5797,7 +7899,76 @@
                 <a:ea typeface="Calibri" panose="020F0502020204030204" pitchFamily="34" charset="0"/>
                 <a:cs typeface="Times New Roman" panose="02020603050405020304" pitchFamily="18" charset="0"/>
               </a:rPr>
-              <a:t>: Total sales by Mobile Carryout orders - guests orders on the app, pick up order in restaurant, and leaves with order.</a:t>
+              <a:t>: Total sales by Mobile Carryout - guest orders on the app, pick up </a:t>
+            </a:r>
+            <a:r>
+              <a:rPr lang="en-US" sz="2900" dirty="0">
+                <a:solidFill>
+                  <a:schemeClr val="bg1"/>
+                </a:solidFill>
+                <a:latin typeface="Calibri" panose="020F0502020204030204" pitchFamily="34" charset="0"/>
+                <a:ea typeface="Calibri" panose="020F0502020204030204" pitchFamily="34" charset="0"/>
+                <a:cs typeface="Times New Roman" panose="02020603050405020304" pitchFamily="18" charset="0"/>
+              </a:rPr>
+              <a:t>meal</a:t>
+            </a:r>
+            <a:r>
+              <a:rPr lang="en-US" sz="2900" dirty="0">
+                <a:solidFill>
+                  <a:schemeClr val="bg1"/>
+                </a:solidFill>
+                <a:effectLst/>
+                <a:latin typeface="Calibri" panose="020F0502020204030204" pitchFamily="34" charset="0"/>
+                <a:ea typeface="Calibri" panose="020F0502020204030204" pitchFamily="34" charset="0"/>
+                <a:cs typeface="Times New Roman" panose="02020603050405020304" pitchFamily="18" charset="0"/>
+              </a:rPr>
+              <a:t> inside the restaurant, and </a:t>
+            </a:r>
+            <a:r>
+              <a:rPr lang="en-US" sz="2900" dirty="0">
+                <a:solidFill>
+                  <a:schemeClr val="bg1"/>
+                </a:solidFill>
+                <a:latin typeface="Calibri" panose="020F0502020204030204" pitchFamily="34" charset="0"/>
+                <a:ea typeface="Calibri" panose="020F0502020204030204" pitchFamily="34" charset="0"/>
+                <a:cs typeface="Times New Roman" panose="02020603050405020304" pitchFamily="18" charset="0"/>
+              </a:rPr>
+              <a:t>take</a:t>
+            </a:r>
+            <a:r>
+              <a:rPr lang="en-US" sz="2900" dirty="0">
+                <a:solidFill>
+                  <a:schemeClr val="bg1"/>
+                </a:solidFill>
+                <a:effectLst/>
+                <a:latin typeface="Calibri" panose="020F0502020204030204" pitchFamily="34" charset="0"/>
+                <a:ea typeface="Calibri" panose="020F0502020204030204" pitchFamily="34" charset="0"/>
+                <a:cs typeface="Times New Roman" panose="02020603050405020304" pitchFamily="18" charset="0"/>
+              </a:rPr>
+              <a:t> </a:t>
+            </a:r>
+            <a:r>
+              <a:rPr lang="en-US" sz="2900" dirty="0">
+                <a:solidFill>
+                  <a:schemeClr val="bg1"/>
+                </a:solidFill>
+                <a:latin typeface="Calibri" panose="020F0502020204030204" pitchFamily="34" charset="0"/>
+                <a:ea typeface="Calibri" panose="020F0502020204030204" pitchFamily="34" charset="0"/>
+                <a:cs typeface="Times New Roman" panose="02020603050405020304" pitchFamily="18" charset="0"/>
+              </a:rPr>
+              <a:t>their meal to go</a:t>
+            </a:r>
+            <a:r>
+              <a:rPr lang="en-US" sz="2900" dirty="0">
+                <a:solidFill>
+                  <a:schemeClr val="bg1"/>
+                </a:solidFill>
+                <a:effectLst/>
+                <a:latin typeface="Calibri" panose="020F0502020204030204" pitchFamily="34" charset="0"/>
+                <a:ea typeface="Calibri" panose="020F0502020204030204" pitchFamily="34" charset="0"/>
+                <a:cs typeface="Times New Roman" panose="02020603050405020304" pitchFamily="18" charset="0"/>
+              </a:rPr>
+              <a:t>.</a:t>
             </a:r>
           </a:p>
           <a:p>
@@ -5835,7 +8006,53 @@
                 <a:ea typeface="Calibri" panose="020F0502020204030204" pitchFamily="34" charset="0"/>
                 <a:cs typeface="Times New Roman" panose="02020603050405020304" pitchFamily="18" charset="0"/>
               </a:rPr>
-              <a:t>: Total sales by Mobile Dine-In orders - orders on the app, finds and scan a table in the dining room, order is brought to you.</a:t>
+              <a:t>: Total sales by Mobile Dine-In orders – guest orders on the app, finds a table and </a:t>
+            </a:r>
+            <a:r>
+              <a:rPr lang="en-US" sz="2900" dirty="0">
+                <a:solidFill>
+                  <a:schemeClr val="bg1"/>
+                </a:solidFill>
+                <a:latin typeface="Calibri" panose="020F0502020204030204" pitchFamily="34" charset="0"/>
+                <a:ea typeface="Calibri" panose="020F0502020204030204" pitchFamily="34" charset="0"/>
+                <a:cs typeface="Times New Roman" panose="02020603050405020304" pitchFamily="18" charset="0"/>
+              </a:rPr>
+              <a:t>scan the barcode</a:t>
+            </a:r>
+            <a:r>
+              <a:rPr lang="en-US" sz="2900" dirty="0">
+                <a:solidFill>
+                  <a:schemeClr val="bg1"/>
+                </a:solidFill>
+                <a:effectLst/>
+                <a:latin typeface="Calibri" panose="020F0502020204030204" pitchFamily="34" charset="0"/>
+                <a:ea typeface="Calibri" panose="020F0502020204030204" pitchFamily="34" charset="0"/>
+                <a:cs typeface="Times New Roman" panose="02020603050405020304" pitchFamily="18" charset="0"/>
+              </a:rPr>
+              <a:t> in the dining room, and order is brought to </a:t>
+            </a:r>
+            <a:r>
+              <a:rPr lang="en-US" sz="2900" dirty="0">
+                <a:solidFill>
+                  <a:schemeClr val="bg1"/>
+                </a:solidFill>
+                <a:latin typeface="Calibri" panose="020F0502020204030204" pitchFamily="34" charset="0"/>
+                <a:ea typeface="Calibri" panose="020F0502020204030204" pitchFamily="34" charset="0"/>
+                <a:cs typeface="Times New Roman" panose="02020603050405020304" pitchFamily="18" charset="0"/>
+              </a:rPr>
+              <a:t>them</a:t>
+            </a:r>
+            <a:r>
+              <a:rPr lang="en-US" sz="2900" dirty="0">
+                <a:solidFill>
+                  <a:schemeClr val="bg1"/>
+                </a:solidFill>
+                <a:effectLst/>
+                <a:latin typeface="Calibri" panose="020F0502020204030204" pitchFamily="34" charset="0"/>
+                <a:ea typeface="Calibri" panose="020F0502020204030204" pitchFamily="34" charset="0"/>
+                <a:cs typeface="Times New Roman" panose="02020603050405020304" pitchFamily="18" charset="0"/>
+              </a:rPr>
+              <a:t>.</a:t>
             </a:r>
           </a:p>
           <a:p>
@@ -5873,7 +8090,7 @@
                 <a:ea typeface="Calibri" panose="020F0502020204030204" pitchFamily="34" charset="0"/>
                 <a:cs typeface="Times New Roman" panose="02020603050405020304" pitchFamily="18" charset="0"/>
               </a:rPr>
-              <a:t>: Total sales by Mobile Drive-Thru orders - guests orders on the app and picks up the order in the drive-thru line.</a:t>
+              <a:t>: Total sales by Mobile Drive-Thru orders - guest orders on the app and picks up their meal in the drive-thru line.</a:t>
             </a:r>
           </a:p>
           <a:p>
@@ -5911,8 +8128,77 @@
                 <a:ea typeface="Calibri" panose="020F0502020204030204" pitchFamily="34" charset="0"/>
                 <a:cs typeface="Times New Roman" panose="02020603050405020304" pitchFamily="18" charset="0"/>
               </a:rPr>
-              <a:t>: Total sales done through the mobile app.</a:t>
-            </a:r>
+              <a:t>: Total sales done through the mobile app in total. </a:t>
+            </a:r>
+            <a:r>
+              <a:rPr lang="en-US" sz="2900" dirty="0" err="1">
+                <a:solidFill>
+                  <a:schemeClr val="bg1"/>
+                </a:solidFill>
+                <a:effectLst/>
+                <a:latin typeface="Calibri" panose="020F0502020204030204" pitchFamily="34" charset="0"/>
+                <a:ea typeface="Calibri" panose="020F0502020204030204" pitchFamily="34" charset="0"/>
+                <a:cs typeface="Times New Roman" panose="02020603050405020304" pitchFamily="18" charset="0"/>
+              </a:rPr>
+              <a:t>MobCO</a:t>
+            </a:r>
+            <a:r>
+              <a:rPr lang="en-US" sz="2900" dirty="0">
+                <a:solidFill>
+                  <a:schemeClr val="bg1"/>
+                </a:solidFill>
+                <a:effectLst/>
+                <a:latin typeface="Calibri" panose="020F0502020204030204" pitchFamily="34" charset="0"/>
+                <a:ea typeface="Calibri" panose="020F0502020204030204" pitchFamily="34" charset="0"/>
+                <a:cs typeface="Times New Roman" panose="02020603050405020304" pitchFamily="18" charset="0"/>
+              </a:rPr>
+              <a:t> + </a:t>
+            </a:r>
+            <a:r>
+              <a:rPr lang="en-US" sz="2900" dirty="0" err="1">
+                <a:solidFill>
+                  <a:schemeClr val="bg1"/>
+                </a:solidFill>
+                <a:effectLst/>
+                <a:latin typeface="Calibri" panose="020F0502020204030204" pitchFamily="34" charset="0"/>
+                <a:ea typeface="Calibri" panose="020F0502020204030204" pitchFamily="34" charset="0"/>
+                <a:cs typeface="Times New Roman" panose="02020603050405020304" pitchFamily="18" charset="0"/>
+              </a:rPr>
+              <a:t>MobDI</a:t>
+            </a:r>
+            <a:r>
+              <a:rPr lang="en-US" sz="2900" dirty="0">
+                <a:solidFill>
+                  <a:schemeClr val="bg1"/>
+                </a:solidFill>
+                <a:effectLst/>
+                <a:latin typeface="Calibri" panose="020F0502020204030204" pitchFamily="34" charset="0"/>
+                <a:ea typeface="Calibri" panose="020F0502020204030204" pitchFamily="34" charset="0"/>
+                <a:cs typeface="Times New Roman" panose="02020603050405020304" pitchFamily="18" charset="0"/>
+              </a:rPr>
+              <a:t> + </a:t>
+            </a:r>
+            <a:r>
+              <a:rPr lang="en-US" sz="2900" dirty="0" err="1">
+                <a:solidFill>
+                  <a:schemeClr val="bg1"/>
+                </a:solidFill>
+                <a:effectLst/>
+                <a:latin typeface="Calibri" panose="020F0502020204030204" pitchFamily="34" charset="0"/>
+                <a:ea typeface="Calibri" panose="020F0502020204030204" pitchFamily="34" charset="0"/>
+                <a:cs typeface="Times New Roman" panose="02020603050405020304" pitchFamily="18" charset="0"/>
+              </a:rPr>
+              <a:t>MobDT</a:t>
+            </a:r>
+            <a:endParaRPr lang="en-US" sz="2900" dirty="0">
+              <a:solidFill>
+                <a:schemeClr val="bg1"/>
+              </a:solidFill>
+              <a:effectLst/>
+              <a:latin typeface="Calibri" panose="020F0502020204030204" pitchFamily="34" charset="0"/>
+              <a:ea typeface="Calibri" panose="020F0502020204030204" pitchFamily="34" charset="0"/>
+              <a:cs typeface="Times New Roman" panose="02020603050405020304" pitchFamily="18" charset="0"/>
+            </a:endParaRPr>
           </a:p>
           <a:p>
             <a:pPr marL="0" marR="0" indent="0">
@@ -5937,31 +8223,7 @@
                 <a:ea typeface="Calibri" panose="020F0502020204030204" pitchFamily="34" charset="0"/>
                 <a:cs typeface="Times New Roman" panose="02020603050405020304" pitchFamily="18" charset="0"/>
               </a:rPr>
-              <a:t>3</a:t>
-            </a:r>
-            <a:r>
-              <a:rPr lang="en-US" sz="2900" b="1" baseline="30000" dirty="0">
-                <a:solidFill>
-                  <a:schemeClr val="bg1"/>
-                </a:solidFill>
-                <a:effectLst/>
-                <a:latin typeface="Calibri" panose="020F0502020204030204" pitchFamily="34" charset="0"/>
-                <a:ea typeface="Calibri" panose="020F0502020204030204" pitchFamily="34" charset="0"/>
-                <a:cs typeface="Times New Roman" panose="02020603050405020304" pitchFamily="18" charset="0"/>
-              </a:rPr>
-              <a:t>rd</a:t>
-            </a:r>
-            <a:r>
-              <a:rPr lang="en-US" sz="2900" b="1" dirty="0">
-                <a:solidFill>
-                  <a:schemeClr val="bg1"/>
-                </a:solidFill>
-                <a:effectLst/>
-                <a:latin typeface="Calibri" panose="020F0502020204030204" pitchFamily="34" charset="0"/>
-                <a:ea typeface="Calibri" panose="020F0502020204030204" pitchFamily="34" charset="0"/>
-                <a:cs typeface="Times New Roman" panose="02020603050405020304" pitchFamily="18" charset="0"/>
-              </a:rPr>
-              <a:t> party</a:t>
+              <a:t>3rdParty</a:t>
             </a:r>
             <a:r>
               <a:rPr lang="en-US" sz="2900" dirty="0">
@@ -6035,7 +8297,7 @@
                 <a:ea typeface="Calibri" panose="020F0502020204030204" pitchFamily="34" charset="0"/>
                 <a:cs typeface="Times New Roman" panose="02020603050405020304" pitchFamily="18" charset="0"/>
               </a:rPr>
-              <a:t>: Total sales done through the traditional drive-thru process</a:t>
+              <a:t>: Total sales done through the traditional drive-thru process.</a:t>
             </a:r>
           </a:p>
           <a:p>
@@ -6073,7 +8335,30 @@
                 <a:ea typeface="Calibri" panose="020F0502020204030204" pitchFamily="34" charset="0"/>
                 <a:cs typeface="Times New Roman" panose="02020603050405020304" pitchFamily="18" charset="0"/>
               </a:rPr>
-              <a:t>: Total sales through the traditional carryout process.</a:t>
+              <a:t>: The gues</a:t>
+            </a:r>
+            <a:r>
+              <a:rPr lang="en-US" sz="2900" dirty="0">
+                <a:solidFill>
+                  <a:schemeClr val="bg1"/>
+                </a:solidFill>
+                <a:latin typeface="Calibri" panose="020F0502020204030204" pitchFamily="34" charset="0"/>
+                <a:ea typeface="Calibri" panose="020F0502020204030204" pitchFamily="34" charset="0"/>
+                <a:cs typeface="Times New Roman" panose="02020603050405020304" pitchFamily="18" charset="0"/>
+              </a:rPr>
+              <a:t>t walks inside, orders at the counter, then takes their meal to go</a:t>
+            </a:r>
+            <a:r>
+              <a:rPr lang="en-US" sz="2900" dirty="0">
+                <a:solidFill>
+                  <a:schemeClr val="bg1"/>
+                </a:solidFill>
+                <a:effectLst/>
+                <a:latin typeface="Calibri" panose="020F0502020204030204" pitchFamily="34" charset="0"/>
+                <a:ea typeface="Calibri" panose="020F0502020204030204" pitchFamily="34" charset="0"/>
+                <a:cs typeface="Times New Roman" panose="02020603050405020304" pitchFamily="18" charset="0"/>
+              </a:rPr>
+              <a:t>.</a:t>
             </a:r>
           </a:p>
           <a:p>
@@ -6350,7 +8635,31 @@
                 <a:ea typeface="Calibri" panose="020F0502020204030204" pitchFamily="34" charset="0"/>
                 <a:cs typeface="Times New Roman" panose="02020603050405020304" pitchFamily="18" charset="0"/>
               </a:rPr>
-              <a:t> Sales/ HoursUsed – CFA’s metric for productivity</a:t>
+              <a:t> Sales/</a:t>
+            </a:r>
+            <a:r>
+              <a:rPr lang="en-US" sz="2900" dirty="0" err="1">
+                <a:solidFill>
+                  <a:schemeClr val="bg1"/>
+                </a:solidFill>
+                <a:effectLst/>
+                <a:latin typeface="Calibri" panose="020F0502020204030204" pitchFamily="34" charset="0"/>
+                <a:ea typeface="Calibri" panose="020F0502020204030204" pitchFamily="34" charset="0"/>
+                <a:cs typeface="Times New Roman" panose="02020603050405020304" pitchFamily="18" charset="0"/>
+              </a:rPr>
+              <a:t>HoursUsed</a:t>
+            </a:r>
+            <a:r>
+              <a:rPr lang="en-US" sz="2900" dirty="0">
+                <a:solidFill>
+                  <a:schemeClr val="bg1"/>
+                </a:solidFill>
+                <a:effectLst/>
+                <a:latin typeface="Calibri" panose="020F0502020204030204" pitchFamily="34" charset="0"/>
+                <a:ea typeface="Calibri" panose="020F0502020204030204" pitchFamily="34" charset="0"/>
+                <a:cs typeface="Times New Roman" panose="02020603050405020304" pitchFamily="18" charset="0"/>
+              </a:rPr>
+              <a:t> – Total Sales per person on the clock per hour.</a:t>
             </a:r>
           </a:p>
           <a:p>
@@ -6371,7 +8680,7 @@
 </p:sld>
 </file>
 
-<file path=ppt/slides/slide7.xml><?xml version="1.0" encoding="utf-8"?>
+<file path=ppt/slides/slide8.xml><?xml version="1.0" encoding="utf-8"?>
 <p:sld xmlns:a="http://schemas.openxmlformats.org/drawingml/2006/main" xmlns:r="http://schemas.openxmlformats.org/officeDocument/2006/relationships" xmlns:p="http://schemas.openxmlformats.org/presentationml/2006/main">
   <p:cSld>
     <p:bg>
@@ -8076,7 +10385,7 @@
 </p:sld>
 </file>
 
-<file path=ppt/slides/slide8.xml><?xml version="1.0" encoding="utf-8"?>
+<file path=ppt/slides/slide9.xml><?xml version="1.0" encoding="utf-8"?>
 <p:sld xmlns:a="http://schemas.openxmlformats.org/drawingml/2006/main" xmlns:r="http://schemas.openxmlformats.org/officeDocument/2006/relationships" xmlns:p="http://schemas.openxmlformats.org/presentationml/2006/main">
   <p:cSld>
     <p:bg>
@@ -9733,1672 +12042,6 @@
     <p:extLst>
       <p:ext uri="{BB962C8B-B14F-4D97-AF65-F5344CB8AC3E}">
         <p14:creationId xmlns:p14="http://schemas.microsoft.com/office/powerpoint/2010/main" val="3925067938"/>
-      </p:ext>
-    </p:extLst>
-  </p:cSld>
-  <p:clrMapOvr>
-    <a:masterClrMapping/>
-  </p:clrMapOvr>
-</p:sld>
-</file>
-
-<file path=ppt/slides/slide9.xml><?xml version="1.0" encoding="utf-8"?>
-<p:sld xmlns:a="http://schemas.openxmlformats.org/drawingml/2006/main" xmlns:r="http://schemas.openxmlformats.org/officeDocument/2006/relationships" xmlns:p="http://schemas.openxmlformats.org/presentationml/2006/main">
-  <p:cSld>
-    <p:bg>
-      <p:bgPr>
-        <a:solidFill>
-          <a:schemeClr val="bg1"/>
-        </a:solidFill>
-        <a:effectLst/>
-      </p:bgPr>
-    </p:bg>
-    <p:spTree>
-      <p:nvGrpSpPr>
-        <p:cNvPr id="1" name=""/>
-        <p:cNvGrpSpPr/>
-        <p:nvPr/>
-      </p:nvGrpSpPr>
-      <p:grpSpPr>
-        <a:xfrm>
-          <a:off x="0" y="0"/>
-          <a:ext cx="0" cy="0"/>
-          <a:chOff x="0" y="0"/>
-          <a:chExt cx="0" cy="0"/>
-        </a:xfrm>
-      </p:grpSpPr>
-      <p:sp>
-        <p:nvSpPr>
-          <p:cNvPr id="15" name="Freeform 5">
-            <a:extLst>
-              <a:ext uri="{FF2B5EF4-FFF2-40B4-BE49-F238E27FC236}">
-                <a16:creationId xmlns:a16="http://schemas.microsoft.com/office/drawing/2014/main" id="{07322A9E-F1EC-405E-8971-BA906EFFCCB8}"/>
-              </a:ext>
-              <a:ext uri="{C183D7F6-B498-43B3-948B-1728B52AA6E4}">
-                <adec:decorative xmlns:adec="http://schemas.microsoft.com/office/drawing/2017/decorative" val="1"/>
-              </a:ext>
-            </a:extLst>
-          </p:cNvPr>
-          <p:cNvSpPr>
-            <a:spLocks noGrp="1" noRot="1" noChangeAspect="1" noMove="1" noResize="1" noEditPoints="1" noAdjustHandles="1" noChangeArrowheads="1" noChangeShapeType="1" noTextEdit="1"/>
-          </p:cNvSpPr>
-          <p:nvPr>
-            <p:extLst>
-              <p:ext uri="{386F3935-93C4-4BCD-93E2-E3B085C9AB24}">
-                <p16:designElem xmlns:p16="http://schemas.microsoft.com/office/powerpoint/2015/main" val="1"/>
-              </p:ext>
-            </p:extLst>
-          </p:nvPr>
-        </p:nvSpPr>
-        <p:spPr bwMode="auto">
-          <a:xfrm>
-            <a:off x="-329674" y="1290909"/>
-            <a:ext cx="9702800" cy="5573512"/>
-          </a:xfrm>
-          <a:custGeom>
-            <a:avLst/>
-            <a:gdLst>
-              <a:gd name="T0" fmla="*/ 1752 w 2038"/>
-              <a:gd name="T1" fmla="*/ 1169 h 1169"/>
-              <a:gd name="T2" fmla="*/ 1487 w 2038"/>
-              <a:gd name="T3" fmla="*/ 334 h 1169"/>
-              <a:gd name="T4" fmla="*/ 860 w 2038"/>
-              <a:gd name="T5" fmla="*/ 22 h 1169"/>
-              <a:gd name="T6" fmla="*/ 199 w 2038"/>
-              <a:gd name="T7" fmla="*/ 318 h 1169"/>
-              <a:gd name="T8" fmla="*/ 399 w 2038"/>
-              <a:gd name="T9" fmla="*/ 1165 h 1169"/>
-            </a:gdLst>
-            <a:ahLst/>
-            <a:cxnLst>
-              <a:cxn ang="0">
-                <a:pos x="T0" y="T1"/>
-              </a:cxn>
-              <a:cxn ang="0">
-                <a:pos x="T2" y="T3"/>
-              </a:cxn>
-              <a:cxn ang="0">
-                <a:pos x="T4" y="T5"/>
-              </a:cxn>
-              <a:cxn ang="0">
-                <a:pos x="T6" y="T7"/>
-              </a:cxn>
-              <a:cxn ang="0">
-                <a:pos x="T8" y="T9"/>
-              </a:cxn>
-            </a:cxnLst>
-            <a:rect l="0" t="0" r="r" b="b"/>
-            <a:pathLst>
-              <a:path w="2038" h="1169">
-                <a:moveTo>
-                  <a:pt x="1752" y="1169"/>
-                </a:moveTo>
-                <a:cubicBezTo>
-                  <a:pt x="2038" y="928"/>
-                  <a:pt x="1673" y="513"/>
-                  <a:pt x="1487" y="334"/>
-                </a:cubicBezTo>
-                <a:cubicBezTo>
-                  <a:pt x="1316" y="170"/>
-                  <a:pt x="1099" y="43"/>
-                  <a:pt x="860" y="22"/>
-                </a:cubicBezTo>
-                <a:cubicBezTo>
-                  <a:pt x="621" y="0"/>
-                  <a:pt x="341" y="128"/>
-                  <a:pt x="199" y="318"/>
-                </a:cubicBezTo>
-                <a:cubicBezTo>
-                  <a:pt x="0" y="586"/>
-                  <a:pt x="184" y="965"/>
-                  <a:pt x="399" y="1165"/>
-                </a:cubicBezTo>
-              </a:path>
-            </a:pathLst>
-          </a:custGeom>
-          <a:noFill/>
-          <a:ln w="9525" cap="flat">
-            <a:solidFill>
-              <a:schemeClr val="tx1">
-                <a:alpha val="20000"/>
-              </a:schemeClr>
-            </a:solidFill>
-            <a:prstDash val="solid"/>
-            <a:miter lim="800000"/>
-            <a:headEnd/>
-            <a:tailEnd/>
-          </a:ln>
-          <a:extLst>
-            <a:ext uri="{909E8E84-426E-40DD-AFC4-6F175D3DCCD1}">
-              <a14:hiddenFill xmlns:a14="http://schemas.microsoft.com/office/drawing/2010/main">
-                <a:solidFill>
-                  <a:srgbClr val="FFFFFF"/>
-                </a:solidFill>
-              </a14:hiddenFill>
-            </a:ext>
-          </a:extLst>
-        </p:spPr>
-        <p:txBody>
-          <a:bodyPr vert="horz" wrap="square" lIns="91440" tIns="45720" rIns="91440" bIns="45720" numCol="1" anchor="t" anchorCtr="0" compatLnSpc="1">
-            <a:prstTxWarp prst="textNoShape">
-              <a:avLst/>
-            </a:prstTxWarp>
-          </a:bodyPr>
-          <a:lstStyle/>
-          <a:p>
-            <a:endParaRPr lang="en-US"/>
-          </a:p>
-        </p:txBody>
-      </p:sp>
-      <p:sp>
-        <p:nvSpPr>
-          <p:cNvPr id="17" name="Freeform 6">
-            <a:extLst>
-              <a:ext uri="{FF2B5EF4-FFF2-40B4-BE49-F238E27FC236}">
-                <a16:creationId xmlns:a16="http://schemas.microsoft.com/office/drawing/2014/main" id="{A5704422-1118-4FD1-95AD-29A064EB80D9}"/>
-              </a:ext>
-              <a:ext uri="{C183D7F6-B498-43B3-948B-1728B52AA6E4}">
-                <adec:decorative xmlns:adec="http://schemas.microsoft.com/office/drawing/2017/decorative" val="1"/>
-              </a:ext>
-            </a:extLst>
-          </p:cNvPr>
-          <p:cNvSpPr>
-            <a:spLocks noGrp="1" noRot="1" noChangeAspect="1" noMove="1" noResize="1" noEditPoints="1" noAdjustHandles="1" noChangeArrowheads="1" noChangeShapeType="1" noTextEdit="1"/>
-          </p:cNvSpPr>
-          <p:nvPr>
-            <p:extLst>
-              <p:ext uri="{386F3935-93C4-4BCD-93E2-E3B085C9AB24}">
-                <p16:designElem xmlns:p16="http://schemas.microsoft.com/office/powerpoint/2015/main" val="1"/>
-              </p:ext>
-            </p:extLst>
-          </p:nvPr>
-        </p:nvSpPr>
-        <p:spPr bwMode="auto">
-          <a:xfrm>
-            <a:off x="670451" y="2010741"/>
-            <a:ext cx="7373938" cy="4848892"/>
-          </a:xfrm>
-          <a:custGeom>
-            <a:avLst/>
-            <a:gdLst>
-              <a:gd name="T0" fmla="*/ 1025 w 1549"/>
-              <a:gd name="T1" fmla="*/ 1016 h 1017"/>
-              <a:gd name="T2" fmla="*/ 1443 w 1549"/>
-              <a:gd name="T3" fmla="*/ 592 h 1017"/>
-              <a:gd name="T4" fmla="*/ 782 w 1549"/>
-              <a:gd name="T5" fmla="*/ 53 h 1017"/>
-              <a:gd name="T6" fmla="*/ 150 w 1549"/>
-              <a:gd name="T7" fmla="*/ 329 h 1017"/>
-              <a:gd name="T8" fmla="*/ 477 w 1549"/>
-              <a:gd name="T9" fmla="*/ 1017 h 1017"/>
-            </a:gdLst>
-            <a:ahLst/>
-            <a:cxnLst>
-              <a:cxn ang="0">
-                <a:pos x="T0" y="T1"/>
-              </a:cxn>
-              <a:cxn ang="0">
-                <a:pos x="T2" y="T3"/>
-              </a:cxn>
-              <a:cxn ang="0">
-                <a:pos x="T4" y="T5"/>
-              </a:cxn>
-              <a:cxn ang="0">
-                <a:pos x="T6" y="T7"/>
-              </a:cxn>
-              <a:cxn ang="0">
-                <a:pos x="T8" y="T9"/>
-              </a:cxn>
-            </a:cxnLst>
-            <a:rect l="0" t="0" r="r" b="b"/>
-            <a:pathLst>
-              <a:path w="1549" h="1017">
-                <a:moveTo>
-                  <a:pt x="1025" y="1016"/>
-                </a:moveTo>
-                <a:cubicBezTo>
-                  <a:pt x="1223" y="971"/>
-                  <a:pt x="1549" y="857"/>
-                  <a:pt x="1443" y="592"/>
-                </a:cubicBezTo>
-                <a:cubicBezTo>
-                  <a:pt x="1344" y="344"/>
-                  <a:pt x="1041" y="111"/>
-                  <a:pt x="782" y="53"/>
-                </a:cubicBezTo>
-                <a:cubicBezTo>
-                  <a:pt x="545" y="0"/>
-                  <a:pt x="275" y="117"/>
-                  <a:pt x="150" y="329"/>
-                </a:cubicBezTo>
-                <a:cubicBezTo>
-                  <a:pt x="0" y="584"/>
-                  <a:pt x="243" y="911"/>
-                  <a:pt x="477" y="1017"/>
-                </a:cubicBezTo>
-              </a:path>
-            </a:pathLst>
-          </a:custGeom>
-          <a:noFill/>
-          <a:ln w="9525" cap="flat">
-            <a:solidFill>
-              <a:schemeClr val="tx1">
-                <a:alpha val="20000"/>
-              </a:schemeClr>
-            </a:solidFill>
-            <a:prstDash val="solid"/>
-            <a:miter lim="800000"/>
-            <a:headEnd/>
-            <a:tailEnd/>
-          </a:ln>
-          <a:extLst>
-            <a:ext uri="{909E8E84-426E-40DD-AFC4-6F175D3DCCD1}">
-              <a14:hiddenFill xmlns:a14="http://schemas.microsoft.com/office/drawing/2010/main">
-                <a:solidFill>
-                  <a:srgbClr val="FFFFFF"/>
-                </a:solidFill>
-              </a14:hiddenFill>
-            </a:ext>
-          </a:extLst>
-        </p:spPr>
-        <p:txBody>
-          <a:bodyPr vert="horz" wrap="square" lIns="91440" tIns="45720" rIns="91440" bIns="45720" numCol="1" anchor="t" anchorCtr="0" compatLnSpc="1">
-            <a:prstTxWarp prst="textNoShape">
-              <a:avLst/>
-            </a:prstTxWarp>
-          </a:bodyPr>
-          <a:lstStyle/>
-          <a:p>
-            <a:endParaRPr lang="en-US"/>
-          </a:p>
-        </p:txBody>
-      </p:sp>
-      <p:sp>
-        <p:nvSpPr>
-          <p:cNvPr id="19" name="Freeform 7">
-            <a:extLst>
-              <a:ext uri="{FF2B5EF4-FFF2-40B4-BE49-F238E27FC236}">
-                <a16:creationId xmlns:a16="http://schemas.microsoft.com/office/drawing/2014/main" id="{A88B2AAA-B805-498E-A9E6-98B885855498}"/>
-              </a:ext>
-              <a:ext uri="{C183D7F6-B498-43B3-948B-1728B52AA6E4}">
-                <adec:decorative xmlns:adec="http://schemas.microsoft.com/office/drawing/2017/decorative" val="1"/>
-              </a:ext>
-            </a:extLst>
-          </p:cNvPr>
-          <p:cNvSpPr>
-            <a:spLocks noGrp="1" noRot="1" noChangeAspect="1" noMove="1" noResize="1" noEditPoints="1" noAdjustHandles="1" noChangeArrowheads="1" noChangeShapeType="1" noTextEdit="1"/>
-          </p:cNvSpPr>
-          <p:nvPr>
-            <p:extLst>
-              <p:ext uri="{386F3935-93C4-4BCD-93E2-E3B085C9AB24}">
-                <p16:designElem xmlns:p16="http://schemas.microsoft.com/office/powerpoint/2015/main" val="1"/>
-              </p:ext>
-            </p:extLst>
-          </p:nvPr>
-        </p:nvSpPr>
-        <p:spPr bwMode="auto">
-          <a:xfrm>
-            <a:off x="251351" y="1780905"/>
-            <a:ext cx="8035925" cy="5083516"/>
-          </a:xfrm>
-          <a:custGeom>
-            <a:avLst/>
-            <a:gdLst>
-              <a:gd name="T0" fmla="*/ 1302 w 1688"/>
-              <a:gd name="T1" fmla="*/ 1066 h 1066"/>
-              <a:gd name="T2" fmla="*/ 1613 w 1688"/>
-              <a:gd name="T3" fmla="*/ 850 h 1066"/>
-              <a:gd name="T4" fmla="*/ 1517 w 1688"/>
-              <a:gd name="T5" fmla="*/ 471 h 1066"/>
-              <a:gd name="T6" fmla="*/ 798 w 1688"/>
-              <a:gd name="T7" fmla="*/ 28 h 1066"/>
-              <a:gd name="T8" fmla="*/ 181 w 1688"/>
-              <a:gd name="T9" fmla="*/ 333 h 1066"/>
-              <a:gd name="T10" fmla="*/ 420 w 1688"/>
-              <a:gd name="T11" fmla="*/ 1066 h 1066"/>
-            </a:gdLst>
-            <a:ahLst/>
-            <a:cxnLst>
-              <a:cxn ang="0">
-                <a:pos x="T0" y="T1"/>
-              </a:cxn>
-              <a:cxn ang="0">
-                <a:pos x="T2" y="T3"/>
-              </a:cxn>
-              <a:cxn ang="0">
-                <a:pos x="T4" y="T5"/>
-              </a:cxn>
-              <a:cxn ang="0">
-                <a:pos x="T6" y="T7"/>
-              </a:cxn>
-              <a:cxn ang="0">
-                <a:pos x="T8" y="T9"/>
-              </a:cxn>
-              <a:cxn ang="0">
-                <a:pos x="T10" y="T11"/>
-              </a:cxn>
-            </a:cxnLst>
-            <a:rect l="0" t="0" r="r" b="b"/>
-            <a:pathLst>
-              <a:path w="1688" h="1066">
-                <a:moveTo>
-                  <a:pt x="1302" y="1066"/>
-                </a:moveTo>
-                <a:cubicBezTo>
-                  <a:pt x="1416" y="1024"/>
-                  <a:pt x="1551" y="962"/>
-                  <a:pt x="1613" y="850"/>
-                </a:cubicBezTo>
-                <a:cubicBezTo>
-                  <a:pt x="1688" y="715"/>
-                  <a:pt x="1606" y="575"/>
-                  <a:pt x="1517" y="471"/>
-                </a:cubicBezTo>
-                <a:cubicBezTo>
-                  <a:pt x="1336" y="258"/>
-                  <a:pt x="1084" y="62"/>
-                  <a:pt x="798" y="28"/>
-                </a:cubicBezTo>
-                <a:cubicBezTo>
-                  <a:pt x="559" y="0"/>
-                  <a:pt x="317" y="138"/>
-                  <a:pt x="181" y="333"/>
-                </a:cubicBezTo>
-                <a:cubicBezTo>
-                  <a:pt x="0" y="592"/>
-                  <a:pt x="191" y="907"/>
-                  <a:pt x="420" y="1066"/>
-                </a:cubicBezTo>
-              </a:path>
-            </a:pathLst>
-          </a:custGeom>
-          <a:noFill/>
-          <a:ln w="9525" cap="flat">
-            <a:solidFill>
-              <a:schemeClr val="tx1">
-                <a:alpha val="20000"/>
-              </a:schemeClr>
-            </a:solidFill>
-            <a:prstDash val="dash"/>
-            <a:miter lim="800000"/>
-            <a:headEnd/>
-            <a:tailEnd/>
-          </a:ln>
-          <a:extLst>
-            <a:ext uri="{909E8E84-426E-40DD-AFC4-6F175D3DCCD1}">
-              <a14:hiddenFill xmlns:a14="http://schemas.microsoft.com/office/drawing/2010/main">
-                <a:solidFill>
-                  <a:srgbClr val="FFFFFF"/>
-                </a:solidFill>
-              </a14:hiddenFill>
-            </a:ext>
-          </a:extLst>
-        </p:spPr>
-        <p:txBody>
-          <a:bodyPr vert="horz" wrap="square" lIns="91440" tIns="45720" rIns="91440" bIns="45720" numCol="1" anchor="t" anchorCtr="0" compatLnSpc="1">
-            <a:prstTxWarp prst="textNoShape">
-              <a:avLst/>
-            </a:prstTxWarp>
-          </a:bodyPr>
-          <a:lstStyle/>
-          <a:p>
-            <a:endParaRPr lang="en-US"/>
-          </a:p>
-        </p:txBody>
-      </p:sp>
-      <p:sp>
-        <p:nvSpPr>
-          <p:cNvPr id="21" name="Freeform 8">
-            <a:extLst>
-              <a:ext uri="{FF2B5EF4-FFF2-40B4-BE49-F238E27FC236}">
-                <a16:creationId xmlns:a16="http://schemas.microsoft.com/office/drawing/2014/main" id="{9B8051E0-19D7-43E1-BFD9-E6DBFEB3A3F1}"/>
-              </a:ext>
-              <a:ext uri="{C183D7F6-B498-43B3-948B-1728B52AA6E4}">
-                <adec:decorative xmlns:adec="http://schemas.microsoft.com/office/drawing/2017/decorative" val="1"/>
-              </a:ext>
-            </a:extLst>
-          </p:cNvPr>
-          <p:cNvSpPr>
-            <a:spLocks noGrp="1" noRot="1" noChangeAspect="1" noMove="1" noResize="1" noEditPoints="1" noAdjustHandles="1" noChangeArrowheads="1" noChangeShapeType="1" noTextEdit="1"/>
-          </p:cNvSpPr>
-          <p:nvPr>
-            <p:extLst>
-              <p:ext uri="{386F3935-93C4-4BCD-93E2-E3B085C9AB24}">
-                <p16:designElem xmlns:p16="http://schemas.microsoft.com/office/powerpoint/2015/main" val="1"/>
-              </p:ext>
-            </p:extLst>
-          </p:nvPr>
-        </p:nvSpPr>
-        <p:spPr bwMode="auto">
-          <a:xfrm>
-            <a:off x="-1061" y="542347"/>
-            <a:ext cx="10334625" cy="6322075"/>
-          </a:xfrm>
-          <a:custGeom>
-            <a:avLst/>
-            <a:gdLst>
-              <a:gd name="T0" fmla="*/ 1873 w 2171"/>
-              <a:gd name="T1" fmla="*/ 1326 h 1326"/>
-              <a:gd name="T2" fmla="*/ 1609 w 2171"/>
-              <a:gd name="T3" fmla="*/ 473 h 1326"/>
-              <a:gd name="T4" fmla="*/ 880 w 2171"/>
-              <a:gd name="T5" fmla="*/ 63 h 1326"/>
-              <a:gd name="T6" fmla="*/ 0 w 2171"/>
-              <a:gd name="T7" fmla="*/ 423 h 1326"/>
-            </a:gdLst>
-            <a:ahLst/>
-            <a:cxnLst>
-              <a:cxn ang="0">
-                <a:pos x="T0" y="T1"/>
-              </a:cxn>
-              <a:cxn ang="0">
-                <a:pos x="T2" y="T3"/>
-              </a:cxn>
-              <a:cxn ang="0">
-                <a:pos x="T4" y="T5"/>
-              </a:cxn>
-              <a:cxn ang="0">
-                <a:pos x="T6" y="T7"/>
-              </a:cxn>
-            </a:cxnLst>
-            <a:rect l="0" t="0" r="r" b="b"/>
-            <a:pathLst>
-              <a:path w="2171" h="1326">
-                <a:moveTo>
-                  <a:pt x="1873" y="1326"/>
-                </a:moveTo>
-                <a:cubicBezTo>
-                  <a:pt x="2171" y="1045"/>
-                  <a:pt x="1825" y="678"/>
-                  <a:pt x="1609" y="473"/>
-                </a:cubicBezTo>
-                <a:cubicBezTo>
-                  <a:pt x="1406" y="281"/>
-                  <a:pt x="1159" y="116"/>
-                  <a:pt x="880" y="63"/>
-                </a:cubicBezTo>
-                <a:cubicBezTo>
-                  <a:pt x="545" y="0"/>
-                  <a:pt x="214" y="161"/>
-                  <a:pt x="0" y="423"/>
-                </a:cubicBezTo>
-              </a:path>
-            </a:pathLst>
-          </a:custGeom>
-          <a:noFill/>
-          <a:ln w="9525" cap="flat">
-            <a:solidFill>
-              <a:schemeClr val="tx1">
-                <a:alpha val="20000"/>
-              </a:schemeClr>
-            </a:solidFill>
-            <a:prstDash val="solid"/>
-            <a:miter lim="800000"/>
-            <a:headEnd/>
-            <a:tailEnd/>
-          </a:ln>
-          <a:extLst>
-            <a:ext uri="{909E8E84-426E-40DD-AFC4-6F175D3DCCD1}">
-              <a14:hiddenFill xmlns:a14="http://schemas.microsoft.com/office/drawing/2010/main">
-                <a:solidFill>
-                  <a:srgbClr val="FFFFFF"/>
-                </a:solidFill>
-              </a14:hiddenFill>
-            </a:ext>
-          </a:extLst>
-        </p:spPr>
-        <p:txBody>
-          <a:bodyPr vert="horz" wrap="square" lIns="91440" tIns="45720" rIns="91440" bIns="45720" numCol="1" anchor="t" anchorCtr="0" compatLnSpc="1">
-            <a:prstTxWarp prst="textNoShape">
-              <a:avLst/>
-            </a:prstTxWarp>
-          </a:bodyPr>
-          <a:lstStyle/>
-          <a:p>
-            <a:endParaRPr lang="en-US"/>
-          </a:p>
-        </p:txBody>
-      </p:sp>
-      <p:sp>
-        <p:nvSpPr>
-          <p:cNvPr id="23" name="Freeform 9">
-            <a:extLst>
-              <a:ext uri="{FF2B5EF4-FFF2-40B4-BE49-F238E27FC236}">
-                <a16:creationId xmlns:a16="http://schemas.microsoft.com/office/drawing/2014/main" id="{4EDB2B02-86A2-46F5-A4BE-B7D9B10411D6}"/>
-              </a:ext>
-              <a:ext uri="{C183D7F6-B498-43B3-948B-1728B52AA6E4}">
-                <adec:decorative xmlns:adec="http://schemas.microsoft.com/office/drawing/2017/decorative" val="1"/>
-              </a:ext>
-            </a:extLst>
-          </p:cNvPr>
-          <p:cNvSpPr>
-            <a:spLocks noGrp="1" noRot="1" noChangeAspect="1" noMove="1" noResize="1" noEditPoints="1" noAdjustHandles="1" noChangeArrowheads="1" noChangeShapeType="1" noTextEdit="1"/>
-          </p:cNvSpPr>
-          <p:nvPr>
-            <p:extLst>
-              <p:ext uri="{386F3935-93C4-4BCD-93E2-E3B085C9AB24}">
-                <p16:designElem xmlns:p16="http://schemas.microsoft.com/office/powerpoint/2015/main" val="1"/>
-              </p:ext>
-            </p:extLst>
-          </p:nvPr>
-        </p:nvSpPr>
-        <p:spPr bwMode="auto">
-          <a:xfrm>
-            <a:off x="3701" y="6178751"/>
-            <a:ext cx="504825" cy="681527"/>
-          </a:xfrm>
-          <a:custGeom>
-            <a:avLst/>
-            <a:gdLst>
-              <a:gd name="T0" fmla="*/ 0 w 106"/>
-              <a:gd name="T1" fmla="*/ 0 h 143"/>
-              <a:gd name="T2" fmla="*/ 106 w 106"/>
-              <a:gd name="T3" fmla="*/ 143 h 143"/>
-            </a:gdLst>
-            <a:ahLst/>
-            <a:cxnLst>
-              <a:cxn ang="0">
-                <a:pos x="T0" y="T1"/>
-              </a:cxn>
-              <a:cxn ang="0">
-                <a:pos x="T2" y="T3"/>
-              </a:cxn>
-            </a:cxnLst>
-            <a:rect l="0" t="0" r="r" b="b"/>
-            <a:pathLst>
-              <a:path w="106" h="143">
-                <a:moveTo>
-                  <a:pt x="0" y="0"/>
-                </a:moveTo>
-                <a:cubicBezTo>
-                  <a:pt x="35" y="54"/>
-                  <a:pt x="70" y="101"/>
-                  <a:pt x="106" y="143"/>
-                </a:cubicBezTo>
-              </a:path>
-            </a:pathLst>
-          </a:custGeom>
-          <a:noFill/>
-          <a:ln w="4763" cap="flat">
-            <a:solidFill>
-              <a:schemeClr val="tx1">
-                <a:alpha val="20000"/>
-              </a:schemeClr>
-            </a:solidFill>
-            <a:prstDash val="solid"/>
-            <a:miter lim="800000"/>
-            <a:headEnd/>
-            <a:tailEnd/>
-          </a:ln>
-          <a:extLst>
-            <a:ext uri="{909E8E84-426E-40DD-AFC4-6F175D3DCCD1}">
-              <a14:hiddenFill xmlns:a14="http://schemas.microsoft.com/office/drawing/2010/main">
-                <a:solidFill>
-                  <a:srgbClr val="FFFFFF"/>
-                </a:solidFill>
-              </a14:hiddenFill>
-            </a:ext>
-          </a:extLst>
-        </p:spPr>
-        <p:txBody>
-          <a:bodyPr vert="horz" wrap="square" lIns="91440" tIns="45720" rIns="91440" bIns="45720" numCol="1" anchor="t" anchorCtr="0" compatLnSpc="1">
-            <a:prstTxWarp prst="textNoShape">
-              <a:avLst/>
-            </a:prstTxWarp>
-          </a:bodyPr>
-          <a:lstStyle/>
-          <a:p>
-            <a:endParaRPr lang="en-US"/>
-          </a:p>
-        </p:txBody>
-      </p:sp>
-      <p:sp>
-        <p:nvSpPr>
-          <p:cNvPr id="25" name="Freeform 10">
-            <a:extLst>
-              <a:ext uri="{FF2B5EF4-FFF2-40B4-BE49-F238E27FC236}">
-                <a16:creationId xmlns:a16="http://schemas.microsoft.com/office/drawing/2014/main" id="{43954639-FB5D-41F4-9560-6F6DFE778425}"/>
-              </a:ext>
-              <a:ext uri="{C183D7F6-B498-43B3-948B-1728B52AA6E4}">
-                <adec:decorative xmlns:adec="http://schemas.microsoft.com/office/drawing/2017/decorative" val="1"/>
-              </a:ext>
-            </a:extLst>
-          </p:cNvPr>
-          <p:cNvSpPr>
-            <a:spLocks noGrp="1" noRot="1" noChangeAspect="1" noMove="1" noResize="1" noEditPoints="1" noAdjustHandles="1" noChangeArrowheads="1" noChangeShapeType="1" noTextEdit="1"/>
-          </p:cNvSpPr>
-          <p:nvPr>
-            <p:extLst>
-              <p:ext uri="{386F3935-93C4-4BCD-93E2-E3B085C9AB24}">
-                <p16:designElem xmlns:p16="http://schemas.microsoft.com/office/powerpoint/2015/main" val="1"/>
-              </p:ext>
-            </p:extLst>
-          </p:nvPr>
-        </p:nvSpPr>
-        <p:spPr bwMode="auto">
-          <a:xfrm>
-            <a:off x="-1061" y="-59376"/>
-            <a:ext cx="11091863" cy="6923796"/>
-          </a:xfrm>
-          <a:custGeom>
-            <a:avLst/>
-            <a:gdLst>
-              <a:gd name="T0" fmla="*/ 2046 w 2330"/>
-              <a:gd name="T1" fmla="*/ 1452 h 1452"/>
-              <a:gd name="T2" fmla="*/ 1813 w 2330"/>
-              <a:gd name="T3" fmla="*/ 601 h 1452"/>
-              <a:gd name="T4" fmla="*/ 956 w 2330"/>
-              <a:gd name="T5" fmla="*/ 97 h 1452"/>
-              <a:gd name="T6" fmla="*/ 0 w 2330"/>
-              <a:gd name="T7" fmla="*/ 366 h 1452"/>
-            </a:gdLst>
-            <a:ahLst/>
-            <a:cxnLst>
-              <a:cxn ang="0">
-                <a:pos x="T0" y="T1"/>
-              </a:cxn>
-              <a:cxn ang="0">
-                <a:pos x="T2" y="T3"/>
-              </a:cxn>
-              <a:cxn ang="0">
-                <a:pos x="T4" y="T5"/>
-              </a:cxn>
-              <a:cxn ang="0">
-                <a:pos x="T6" y="T7"/>
-              </a:cxn>
-            </a:cxnLst>
-            <a:rect l="0" t="0" r="r" b="b"/>
-            <a:pathLst>
-              <a:path w="2330" h="1452">
-                <a:moveTo>
-                  <a:pt x="2046" y="1452"/>
-                </a:moveTo>
-                <a:cubicBezTo>
-                  <a:pt x="2330" y="1153"/>
-                  <a:pt x="2049" y="821"/>
-                  <a:pt x="1813" y="601"/>
-                </a:cubicBezTo>
-                <a:cubicBezTo>
-                  <a:pt x="1569" y="375"/>
-                  <a:pt x="1282" y="179"/>
-                  <a:pt x="956" y="97"/>
-                </a:cubicBezTo>
-                <a:cubicBezTo>
-                  <a:pt x="572" y="0"/>
-                  <a:pt x="292" y="101"/>
-                  <a:pt x="0" y="366"/>
-                </a:cubicBezTo>
-              </a:path>
-            </a:pathLst>
-          </a:custGeom>
-          <a:noFill/>
-          <a:ln w="9525" cap="flat">
-            <a:solidFill>
-              <a:schemeClr val="tx1">
-                <a:alpha val="20000"/>
-              </a:schemeClr>
-            </a:solidFill>
-            <a:prstDash val="solid"/>
-            <a:miter lim="800000"/>
-            <a:headEnd/>
-            <a:tailEnd/>
-          </a:ln>
-          <a:extLst>
-            <a:ext uri="{909E8E84-426E-40DD-AFC4-6F175D3DCCD1}">
-              <a14:hiddenFill xmlns:a14="http://schemas.microsoft.com/office/drawing/2010/main">
-                <a:solidFill>
-                  <a:srgbClr val="FFFFFF"/>
-                </a:solidFill>
-              </a14:hiddenFill>
-            </a:ext>
-          </a:extLst>
-        </p:spPr>
-        <p:txBody>
-          <a:bodyPr vert="horz" wrap="square" lIns="91440" tIns="45720" rIns="91440" bIns="45720" numCol="1" anchor="t" anchorCtr="0" compatLnSpc="1">
-            <a:prstTxWarp prst="textNoShape">
-              <a:avLst/>
-            </a:prstTxWarp>
-          </a:bodyPr>
-          <a:lstStyle/>
-          <a:p>
-            <a:endParaRPr lang="en-US"/>
-          </a:p>
-        </p:txBody>
-      </p:sp>
-      <p:sp>
-        <p:nvSpPr>
-          <p:cNvPr id="27" name="Freeform 12">
-            <a:extLst>
-              <a:ext uri="{FF2B5EF4-FFF2-40B4-BE49-F238E27FC236}">
-                <a16:creationId xmlns:a16="http://schemas.microsoft.com/office/drawing/2014/main" id="{E898931C-0323-41FA-A036-20F818B1FF81}"/>
-              </a:ext>
-              <a:ext uri="{C183D7F6-B498-43B3-948B-1728B52AA6E4}">
-                <adec:decorative xmlns:adec="http://schemas.microsoft.com/office/drawing/2017/decorative" val="1"/>
-              </a:ext>
-            </a:extLst>
-          </p:cNvPr>
-          <p:cNvSpPr>
-            <a:spLocks noGrp="1" noRot="1" noChangeAspect="1" noMove="1" noResize="1" noEditPoints="1" noAdjustHandles="1" noChangeArrowheads="1" noChangeShapeType="1" noTextEdit="1"/>
-          </p:cNvSpPr>
-          <p:nvPr>
-            <p:extLst>
-              <p:ext uri="{386F3935-93C4-4BCD-93E2-E3B085C9AB24}">
-                <p16:designElem xmlns:p16="http://schemas.microsoft.com/office/powerpoint/2015/main" val="1"/>
-              </p:ext>
-            </p:extLst>
-          </p:nvPr>
-        </p:nvSpPr>
-        <p:spPr bwMode="auto">
-          <a:xfrm>
-            <a:off x="-1061" y="-1916"/>
-            <a:ext cx="1057275" cy="614491"/>
-          </a:xfrm>
-          <a:custGeom>
-            <a:avLst/>
-            <a:gdLst>
-              <a:gd name="T0" fmla="*/ 222 w 222"/>
-              <a:gd name="T1" fmla="*/ 0 h 129"/>
-              <a:gd name="T2" fmla="*/ 0 w 222"/>
-              <a:gd name="T3" fmla="*/ 129 h 129"/>
-            </a:gdLst>
-            <a:ahLst/>
-            <a:cxnLst>
-              <a:cxn ang="0">
-                <a:pos x="T0" y="T1"/>
-              </a:cxn>
-              <a:cxn ang="0">
-                <a:pos x="T2" y="T3"/>
-              </a:cxn>
-            </a:cxnLst>
-            <a:rect l="0" t="0" r="r" b="b"/>
-            <a:pathLst>
-              <a:path w="222" h="129">
-                <a:moveTo>
-                  <a:pt x="222" y="0"/>
-                </a:moveTo>
-                <a:cubicBezTo>
-                  <a:pt x="152" y="35"/>
-                  <a:pt x="76" y="78"/>
-                  <a:pt x="0" y="129"/>
-                </a:cubicBezTo>
-              </a:path>
-            </a:pathLst>
-          </a:custGeom>
-          <a:noFill/>
-          <a:ln w="9525" cap="flat">
-            <a:solidFill>
-              <a:schemeClr val="tx1">
-                <a:alpha val="20000"/>
-              </a:schemeClr>
-            </a:solidFill>
-            <a:prstDash val="solid"/>
-            <a:miter lim="800000"/>
-            <a:headEnd/>
-            <a:tailEnd/>
-          </a:ln>
-          <a:extLst>
-            <a:ext uri="{909E8E84-426E-40DD-AFC4-6F175D3DCCD1}">
-              <a14:hiddenFill xmlns:a14="http://schemas.microsoft.com/office/drawing/2010/main">
-                <a:solidFill>
-                  <a:srgbClr val="FFFFFF"/>
-                </a:solidFill>
-              </a14:hiddenFill>
-            </a:ext>
-          </a:extLst>
-        </p:spPr>
-        <p:txBody>
-          <a:bodyPr vert="horz" wrap="square" lIns="91440" tIns="45720" rIns="91440" bIns="45720" numCol="1" anchor="t" anchorCtr="0" compatLnSpc="1">
-            <a:prstTxWarp prst="textNoShape">
-              <a:avLst/>
-            </a:prstTxWarp>
-          </a:bodyPr>
-          <a:lstStyle/>
-          <a:p>
-            <a:endParaRPr lang="en-US"/>
-          </a:p>
-        </p:txBody>
-      </p:sp>
-      <p:sp>
-        <p:nvSpPr>
-          <p:cNvPr id="29" name="Freeform 14">
-            <a:extLst>
-              <a:ext uri="{FF2B5EF4-FFF2-40B4-BE49-F238E27FC236}">
-                <a16:creationId xmlns:a16="http://schemas.microsoft.com/office/drawing/2014/main" id="{89AFE9DD-0792-4B98-B4EB-97ACA17E6AA8}"/>
-              </a:ext>
-              <a:ext uri="{C183D7F6-B498-43B3-948B-1728B52AA6E4}">
-                <adec:decorative xmlns:adec="http://schemas.microsoft.com/office/drawing/2017/decorative" val="1"/>
-              </a:ext>
-            </a:extLst>
-          </p:cNvPr>
-          <p:cNvSpPr>
-            <a:spLocks noGrp="1" noRot="1" noChangeAspect="1" noMove="1" noResize="1" noEditPoints="1" noAdjustHandles="1" noChangeArrowheads="1" noChangeShapeType="1" noTextEdit="1"/>
-          </p:cNvSpPr>
-          <p:nvPr>
-            <p:extLst>
-              <p:ext uri="{386F3935-93C4-4BCD-93E2-E3B085C9AB24}">
-                <p16:designElem xmlns:p16="http://schemas.microsoft.com/office/powerpoint/2015/main" val="1"/>
-              </p:ext>
-            </p:extLst>
-          </p:nvPr>
-        </p:nvSpPr>
-        <p:spPr bwMode="auto">
-          <a:xfrm>
-            <a:off x="3701" y="-6705"/>
-            <a:ext cx="595313" cy="352734"/>
-          </a:xfrm>
-          <a:custGeom>
-            <a:avLst/>
-            <a:gdLst>
-              <a:gd name="T0" fmla="*/ 125 w 125"/>
-              <a:gd name="T1" fmla="*/ 0 h 74"/>
-              <a:gd name="T2" fmla="*/ 0 w 125"/>
-              <a:gd name="T3" fmla="*/ 74 h 74"/>
-            </a:gdLst>
-            <a:ahLst/>
-            <a:cxnLst>
-              <a:cxn ang="0">
-                <a:pos x="T0" y="T1"/>
-              </a:cxn>
-              <a:cxn ang="0">
-                <a:pos x="T2" y="T3"/>
-              </a:cxn>
-            </a:cxnLst>
-            <a:rect l="0" t="0" r="r" b="b"/>
-            <a:pathLst>
-              <a:path w="125" h="74">
-                <a:moveTo>
-                  <a:pt x="125" y="0"/>
-                </a:moveTo>
-                <a:cubicBezTo>
-                  <a:pt x="85" y="22"/>
-                  <a:pt x="43" y="47"/>
-                  <a:pt x="0" y="74"/>
-                </a:cubicBezTo>
-              </a:path>
-            </a:pathLst>
-          </a:custGeom>
-          <a:noFill/>
-          <a:ln w="9525" cap="flat">
-            <a:solidFill>
-              <a:schemeClr val="tx1">
-                <a:alpha val="20000"/>
-              </a:schemeClr>
-            </a:solidFill>
-            <a:prstDash val="dash"/>
-            <a:miter lim="800000"/>
-            <a:headEnd/>
-            <a:tailEnd/>
-          </a:ln>
-          <a:extLst>
-            <a:ext uri="{909E8E84-426E-40DD-AFC4-6F175D3DCCD1}">
-              <a14:hiddenFill xmlns:a14="http://schemas.microsoft.com/office/drawing/2010/main">
-                <a:solidFill>
-                  <a:srgbClr val="FFFFFF"/>
-                </a:solidFill>
-              </a14:hiddenFill>
-            </a:ext>
-          </a:extLst>
-        </p:spPr>
-        <p:txBody>
-          <a:bodyPr vert="horz" wrap="square" lIns="91440" tIns="45720" rIns="91440" bIns="45720" numCol="1" anchor="t" anchorCtr="0" compatLnSpc="1">
-            <a:prstTxWarp prst="textNoShape">
-              <a:avLst/>
-            </a:prstTxWarp>
-          </a:bodyPr>
-          <a:lstStyle/>
-          <a:p>
-            <a:endParaRPr lang="en-US"/>
-          </a:p>
-        </p:txBody>
-      </p:sp>
-      <p:sp>
-        <p:nvSpPr>
-          <p:cNvPr id="31" name="Freeform 16">
-            <a:extLst>
-              <a:ext uri="{FF2B5EF4-FFF2-40B4-BE49-F238E27FC236}">
-                <a16:creationId xmlns:a16="http://schemas.microsoft.com/office/drawing/2014/main" id="{3981F5C4-9AE1-404E-AF44-A4E6DB374F9D}"/>
-              </a:ext>
-              <a:ext uri="{C183D7F6-B498-43B3-948B-1728B52AA6E4}">
-                <adec:decorative xmlns:adec="http://schemas.microsoft.com/office/drawing/2017/decorative" val="1"/>
-              </a:ext>
-            </a:extLst>
-          </p:cNvPr>
-          <p:cNvSpPr>
-            <a:spLocks noGrp="1" noRot="1" noChangeAspect="1" noMove="1" noResize="1" noEditPoints="1" noAdjustHandles="1" noChangeArrowheads="1" noChangeShapeType="1" noTextEdit="1"/>
-          </p:cNvSpPr>
-          <p:nvPr>
-            <p:extLst>
-              <p:ext uri="{386F3935-93C4-4BCD-93E2-E3B085C9AB24}">
-                <p16:designElem xmlns:p16="http://schemas.microsoft.com/office/powerpoint/2015/main" val="1"/>
-              </p:ext>
-            </p:extLst>
-          </p:nvPr>
-        </p:nvSpPr>
-        <p:spPr bwMode="auto">
-          <a:xfrm>
-            <a:off x="-1061" y="-1916"/>
-            <a:ext cx="357188" cy="213875"/>
-          </a:xfrm>
-          <a:custGeom>
-            <a:avLst/>
-            <a:gdLst>
-              <a:gd name="T0" fmla="*/ 75 w 75"/>
-              <a:gd name="T1" fmla="*/ 0 h 45"/>
-              <a:gd name="T2" fmla="*/ 0 w 75"/>
-              <a:gd name="T3" fmla="*/ 45 h 45"/>
-            </a:gdLst>
-            <a:ahLst/>
-            <a:cxnLst>
-              <a:cxn ang="0">
-                <a:pos x="T0" y="T1"/>
-              </a:cxn>
-              <a:cxn ang="0">
-                <a:pos x="T2" y="T3"/>
-              </a:cxn>
-            </a:cxnLst>
-            <a:rect l="0" t="0" r="r" b="b"/>
-            <a:pathLst>
-              <a:path w="75" h="45">
-                <a:moveTo>
-                  <a:pt x="75" y="0"/>
-                </a:moveTo>
-                <a:cubicBezTo>
-                  <a:pt x="50" y="14"/>
-                  <a:pt x="25" y="29"/>
-                  <a:pt x="0" y="45"/>
-                </a:cubicBezTo>
-              </a:path>
-            </a:pathLst>
-          </a:custGeom>
-          <a:noFill/>
-          <a:ln w="12700" cap="flat">
-            <a:solidFill>
-              <a:schemeClr val="tx1">
-                <a:alpha val="20000"/>
-              </a:schemeClr>
-            </a:solidFill>
-            <a:prstDash val="dashDot"/>
-            <a:miter lim="800000"/>
-            <a:headEnd/>
-            <a:tailEnd/>
-          </a:ln>
-          <a:extLst>
-            <a:ext uri="{909E8E84-426E-40DD-AFC4-6F175D3DCCD1}">
-              <a14:hiddenFill xmlns:a14="http://schemas.microsoft.com/office/drawing/2010/main">
-                <a:solidFill>
-                  <a:srgbClr val="FFFFFF"/>
-                </a:solidFill>
-              </a14:hiddenFill>
-            </a:ext>
-          </a:extLst>
-        </p:spPr>
-        <p:txBody>
-          <a:bodyPr vert="horz" wrap="square" lIns="91440" tIns="45720" rIns="91440" bIns="45720" numCol="1" anchor="t" anchorCtr="0" compatLnSpc="1">
-            <a:prstTxWarp prst="textNoShape">
-              <a:avLst/>
-            </a:prstTxWarp>
-          </a:bodyPr>
-          <a:lstStyle/>
-          <a:p>
-            <a:endParaRPr lang="en-US"/>
-          </a:p>
-        </p:txBody>
-      </p:sp>
-      <p:sp>
-        <p:nvSpPr>
-          <p:cNvPr id="33" name="Freeform 11">
-            <a:extLst>
-              <a:ext uri="{FF2B5EF4-FFF2-40B4-BE49-F238E27FC236}">
-                <a16:creationId xmlns:a16="http://schemas.microsoft.com/office/drawing/2014/main" id="{763C1781-8726-4FAC-8C45-FF40376BE409}"/>
-              </a:ext>
-              <a:ext uri="{C183D7F6-B498-43B3-948B-1728B52AA6E4}">
-                <adec:decorative xmlns:adec="http://schemas.microsoft.com/office/drawing/2017/decorative" val="1"/>
-              </a:ext>
-            </a:extLst>
-          </p:cNvPr>
-          <p:cNvSpPr>
-            <a:spLocks noGrp="1" noRot="1" noChangeAspect="1" noMove="1" noResize="1" noEditPoints="1" noAdjustHandles="1" noChangeArrowheads="1" noChangeShapeType="1" noTextEdit="1"/>
-          </p:cNvSpPr>
-          <p:nvPr>
-            <p:extLst>
-              <p:ext uri="{386F3935-93C4-4BCD-93E2-E3B085C9AB24}">
-                <p16:designElem xmlns:p16="http://schemas.microsoft.com/office/powerpoint/2015/main" val="1"/>
-              </p:ext>
-            </p:extLst>
-          </p:nvPr>
-        </p:nvSpPr>
-        <p:spPr bwMode="auto">
-          <a:xfrm>
-            <a:off x="5426601" y="-1916"/>
-            <a:ext cx="5788025" cy="6847184"/>
-          </a:xfrm>
-          <a:custGeom>
-            <a:avLst/>
-            <a:gdLst>
-              <a:gd name="T0" fmla="*/ 1094 w 1216"/>
-              <a:gd name="T1" fmla="*/ 1436 h 1436"/>
-              <a:gd name="T2" fmla="*/ 709 w 1216"/>
-              <a:gd name="T3" fmla="*/ 551 h 1436"/>
-              <a:gd name="T4" fmla="*/ 0 w 1216"/>
-              <a:gd name="T5" fmla="*/ 0 h 1436"/>
-            </a:gdLst>
-            <a:ahLst/>
-            <a:cxnLst>
-              <a:cxn ang="0">
-                <a:pos x="T0" y="T1"/>
-              </a:cxn>
-              <a:cxn ang="0">
-                <a:pos x="T2" y="T3"/>
-              </a:cxn>
-              <a:cxn ang="0">
-                <a:pos x="T4" y="T5"/>
-              </a:cxn>
-            </a:cxnLst>
-            <a:rect l="0" t="0" r="r" b="b"/>
-            <a:pathLst>
-              <a:path w="1216" h="1436">
-                <a:moveTo>
-                  <a:pt x="1094" y="1436"/>
-                </a:moveTo>
-                <a:cubicBezTo>
-                  <a:pt x="1216" y="1114"/>
-                  <a:pt x="904" y="770"/>
-                  <a:pt x="709" y="551"/>
-                </a:cubicBezTo>
-                <a:cubicBezTo>
-                  <a:pt x="509" y="327"/>
-                  <a:pt x="274" y="127"/>
-                  <a:pt x="0" y="0"/>
-                </a:cubicBezTo>
-              </a:path>
-            </a:pathLst>
-          </a:custGeom>
-          <a:noFill/>
-          <a:ln w="9525" cap="flat">
-            <a:solidFill>
-              <a:schemeClr val="tx1">
-                <a:alpha val="20000"/>
-              </a:schemeClr>
-            </a:solidFill>
-            <a:prstDash val="solid"/>
-            <a:miter lim="800000"/>
-            <a:headEnd/>
-            <a:tailEnd/>
-          </a:ln>
-          <a:extLst>
-            <a:ext uri="{909E8E84-426E-40DD-AFC4-6F175D3DCCD1}">
-              <a14:hiddenFill xmlns:a14="http://schemas.microsoft.com/office/drawing/2010/main">
-                <a:solidFill>
-                  <a:srgbClr val="FFFFFF"/>
-                </a:solidFill>
-              </a14:hiddenFill>
-            </a:ext>
-          </a:extLst>
-        </p:spPr>
-        <p:txBody>
-          <a:bodyPr vert="horz" wrap="square" lIns="91440" tIns="45720" rIns="91440" bIns="45720" numCol="1" anchor="t" anchorCtr="0" compatLnSpc="1">
-            <a:prstTxWarp prst="textNoShape">
-              <a:avLst/>
-            </a:prstTxWarp>
-          </a:bodyPr>
-          <a:lstStyle/>
-          <a:p>
-            <a:endParaRPr lang="en-US"/>
-          </a:p>
-        </p:txBody>
-      </p:sp>
-      <p:sp>
-        <p:nvSpPr>
-          <p:cNvPr id="35" name="Freeform 21">
-            <a:extLst>
-              <a:ext uri="{FF2B5EF4-FFF2-40B4-BE49-F238E27FC236}">
-                <a16:creationId xmlns:a16="http://schemas.microsoft.com/office/drawing/2014/main" id="{301491B5-56C7-43DC-A3D9-861EECCA056A}"/>
-              </a:ext>
-              <a:ext uri="{C183D7F6-B498-43B3-948B-1728B52AA6E4}">
-                <adec:decorative xmlns:adec="http://schemas.microsoft.com/office/drawing/2017/decorative" val="1"/>
-              </a:ext>
-            </a:extLst>
-          </p:cNvPr>
-          <p:cNvSpPr>
-            <a:spLocks noGrp="1" noRot="1" noChangeAspect="1" noMove="1" noResize="1" noEditPoints="1" noAdjustHandles="1" noChangeArrowheads="1" noChangeShapeType="1" noTextEdit="1"/>
-          </p:cNvSpPr>
-          <p:nvPr>
-            <p:extLst>
-              <p:ext uri="{386F3935-93C4-4BCD-93E2-E3B085C9AB24}">
-                <p16:designElem xmlns:p16="http://schemas.microsoft.com/office/powerpoint/2015/main" val="1"/>
-              </p:ext>
-            </p:extLst>
-          </p:nvPr>
-        </p:nvSpPr>
-        <p:spPr bwMode="auto">
-          <a:xfrm>
-            <a:off x="9235014" y="2872"/>
-            <a:ext cx="2951163" cy="2555325"/>
-          </a:xfrm>
-          <a:custGeom>
-            <a:avLst/>
-            <a:gdLst>
-              <a:gd name="T0" fmla="*/ 620 w 620"/>
-              <a:gd name="T1" fmla="*/ 536 h 536"/>
-              <a:gd name="T2" fmla="*/ 0 w 620"/>
-              <a:gd name="T3" fmla="*/ 0 h 536"/>
-            </a:gdLst>
-            <a:ahLst/>
-            <a:cxnLst>
-              <a:cxn ang="0">
-                <a:pos x="T0" y="T1"/>
-              </a:cxn>
-              <a:cxn ang="0">
-                <a:pos x="T2" y="T3"/>
-              </a:cxn>
-            </a:cxnLst>
-            <a:rect l="0" t="0" r="r" b="b"/>
-            <a:pathLst>
-              <a:path w="620" h="536">
-                <a:moveTo>
-                  <a:pt x="620" y="536"/>
-                </a:moveTo>
-                <a:cubicBezTo>
-                  <a:pt x="404" y="314"/>
-                  <a:pt x="196" y="138"/>
-                  <a:pt x="0" y="0"/>
-                </a:cubicBezTo>
-              </a:path>
-            </a:pathLst>
-          </a:custGeom>
-          <a:noFill/>
-          <a:ln w="9525" cap="flat">
-            <a:solidFill>
-              <a:schemeClr val="tx1">
-                <a:alpha val="20000"/>
-              </a:schemeClr>
-            </a:solidFill>
-            <a:prstDash val="solid"/>
-            <a:miter lim="800000"/>
-            <a:headEnd/>
-            <a:tailEnd/>
-          </a:ln>
-          <a:extLst>
-            <a:ext uri="{909E8E84-426E-40DD-AFC4-6F175D3DCCD1}">
-              <a14:hiddenFill xmlns:a14="http://schemas.microsoft.com/office/drawing/2010/main">
-                <a:solidFill>
-                  <a:srgbClr val="FFFFFF"/>
-                </a:solidFill>
-              </a14:hiddenFill>
-            </a:ext>
-          </a:extLst>
-        </p:spPr>
-        <p:txBody>
-          <a:bodyPr vert="horz" wrap="square" lIns="91440" tIns="45720" rIns="91440" bIns="45720" numCol="1" anchor="t" anchorCtr="0" compatLnSpc="1">
-            <a:prstTxWarp prst="textNoShape">
-              <a:avLst/>
-            </a:prstTxWarp>
-          </a:bodyPr>
-          <a:lstStyle/>
-          <a:p>
-            <a:endParaRPr lang="en-US"/>
-          </a:p>
-        </p:txBody>
-      </p:sp>
-      <p:sp>
-        <p:nvSpPr>
-          <p:cNvPr id="2" name="Title 1">
-            <a:extLst>
-              <a:ext uri="{FF2B5EF4-FFF2-40B4-BE49-F238E27FC236}">
-                <a16:creationId xmlns:a16="http://schemas.microsoft.com/office/drawing/2014/main" id="{D1CAD71B-8A0D-4167-B114-8C9D3F9ED1D2}"/>
-              </a:ext>
-            </a:extLst>
-          </p:cNvPr>
-          <p:cNvSpPr>
-            <a:spLocks noGrp="1"/>
-          </p:cNvSpPr>
-          <p:nvPr>
-            <p:ph type="title"/>
-          </p:nvPr>
-        </p:nvSpPr>
-        <p:spPr>
-          <a:xfrm>
-            <a:off x="251351" y="214385"/>
-            <a:ext cx="11591607" cy="748561"/>
-          </a:xfrm>
-        </p:spPr>
-        <p:txBody>
-          <a:bodyPr vert="horz" lIns="91440" tIns="45720" rIns="91440" bIns="45720" rtlCol="0" anchor="b">
-            <a:normAutofit/>
-          </a:bodyPr>
-          <a:lstStyle/>
-          <a:p>
-            <a:r>
-              <a:rPr lang="en-US" sz="4000" dirty="0"/>
-              <a:t>Obj 3:  How has ordering changed during Covid?</a:t>
-            </a:r>
-          </a:p>
-        </p:txBody>
-      </p:sp>
-      <p:sp>
-        <p:nvSpPr>
-          <p:cNvPr id="37" name="Freeform 22">
-            <a:extLst>
-              <a:ext uri="{FF2B5EF4-FFF2-40B4-BE49-F238E27FC236}">
-                <a16:creationId xmlns:a16="http://schemas.microsoft.com/office/drawing/2014/main" id="{237E2353-22DF-46E0-A200-FB30F8F394E2}"/>
-              </a:ext>
-              <a:ext uri="{C183D7F6-B498-43B3-948B-1728B52AA6E4}">
-                <adec:decorative xmlns:adec="http://schemas.microsoft.com/office/drawing/2017/decorative" val="1"/>
-              </a:ext>
-            </a:extLst>
-          </p:cNvPr>
-          <p:cNvSpPr>
-            <a:spLocks noGrp="1" noRot="1" noChangeAspect="1" noMove="1" noResize="1" noEditPoints="1" noAdjustHandles="1" noChangeArrowheads="1" noChangeShapeType="1" noTextEdit="1"/>
-          </p:cNvSpPr>
-          <p:nvPr>
-            <p:extLst>
-              <p:ext uri="{386F3935-93C4-4BCD-93E2-E3B085C9AB24}">
-                <p16:designElem xmlns:p16="http://schemas.microsoft.com/office/powerpoint/2015/main" val="1"/>
-              </p:ext>
-            </p:extLst>
-          </p:nvPr>
-        </p:nvSpPr>
-        <p:spPr bwMode="auto">
-          <a:xfrm>
-            <a:off x="10020826" y="-1916"/>
-            <a:ext cx="2165350" cy="1358265"/>
-          </a:xfrm>
-          <a:custGeom>
-            <a:avLst/>
-            <a:gdLst>
-              <a:gd name="T0" fmla="*/ 0 w 455"/>
-              <a:gd name="T1" fmla="*/ 0 h 285"/>
-              <a:gd name="T2" fmla="*/ 455 w 455"/>
-              <a:gd name="T3" fmla="*/ 285 h 285"/>
-            </a:gdLst>
-            <a:ahLst/>
-            <a:cxnLst>
-              <a:cxn ang="0">
-                <a:pos x="T0" y="T1"/>
-              </a:cxn>
-              <a:cxn ang="0">
-                <a:pos x="T2" y="T3"/>
-              </a:cxn>
-            </a:cxnLst>
-            <a:rect l="0" t="0" r="r" b="b"/>
-            <a:pathLst>
-              <a:path w="455" h="285">
-                <a:moveTo>
-                  <a:pt x="0" y="0"/>
-                </a:moveTo>
-                <a:cubicBezTo>
-                  <a:pt x="153" y="85"/>
-                  <a:pt x="308" y="180"/>
-                  <a:pt x="455" y="285"/>
-                </a:cubicBezTo>
-              </a:path>
-            </a:pathLst>
-          </a:custGeom>
-          <a:noFill/>
-          <a:ln w="9525" cap="flat">
-            <a:solidFill>
-              <a:schemeClr val="tx1">
-                <a:alpha val="20000"/>
-              </a:schemeClr>
-            </a:solidFill>
-            <a:prstDash val="dash"/>
-            <a:miter lim="800000"/>
-            <a:headEnd/>
-            <a:tailEnd/>
-          </a:ln>
-          <a:extLst>
-            <a:ext uri="{909E8E84-426E-40DD-AFC4-6F175D3DCCD1}">
-              <a14:hiddenFill xmlns:a14="http://schemas.microsoft.com/office/drawing/2010/main">
-                <a:solidFill>
-                  <a:srgbClr val="FFFFFF"/>
-                </a:solidFill>
-              </a14:hiddenFill>
-            </a:ext>
-          </a:extLst>
-        </p:spPr>
-        <p:txBody>
-          <a:bodyPr vert="horz" wrap="square" lIns="91440" tIns="45720" rIns="91440" bIns="45720" numCol="1" anchor="t" anchorCtr="0" compatLnSpc="1">
-            <a:prstTxWarp prst="textNoShape">
-              <a:avLst/>
-            </a:prstTxWarp>
-          </a:bodyPr>
-          <a:lstStyle/>
-          <a:p>
-            <a:endParaRPr lang="en-US"/>
-          </a:p>
-        </p:txBody>
-      </p:sp>
-      <p:sp>
-        <p:nvSpPr>
-          <p:cNvPr id="39" name="Freeform 23">
-            <a:extLst>
-              <a:ext uri="{FF2B5EF4-FFF2-40B4-BE49-F238E27FC236}">
-                <a16:creationId xmlns:a16="http://schemas.microsoft.com/office/drawing/2014/main" id="{DD6138DB-057B-45F7-A5F4-E7BFDA20D02C}"/>
-              </a:ext>
-              <a:ext uri="{C183D7F6-B498-43B3-948B-1728B52AA6E4}">
-                <adec:decorative xmlns:adec="http://schemas.microsoft.com/office/drawing/2017/decorative" val="1"/>
-              </a:ext>
-            </a:extLst>
-          </p:cNvPr>
-          <p:cNvSpPr>
-            <a:spLocks noGrp="1" noRot="1" noChangeAspect="1" noMove="1" noResize="1" noEditPoints="1" noAdjustHandles="1" noChangeArrowheads="1" noChangeShapeType="1" noTextEdit="1"/>
-          </p:cNvSpPr>
-          <p:nvPr>
-            <p:extLst>
-              <p:ext uri="{386F3935-93C4-4BCD-93E2-E3B085C9AB24}">
-                <p16:designElem xmlns:p16="http://schemas.microsoft.com/office/powerpoint/2015/main" val="1"/>
-              </p:ext>
-            </p:extLst>
-          </p:nvPr>
-        </p:nvSpPr>
-        <p:spPr bwMode="auto">
-          <a:xfrm>
-            <a:off x="11290826" y="-1916"/>
-            <a:ext cx="895350" cy="534687"/>
-          </a:xfrm>
-          <a:custGeom>
-            <a:avLst/>
-            <a:gdLst>
-              <a:gd name="T0" fmla="*/ 0 w 188"/>
-              <a:gd name="T1" fmla="*/ 0 h 112"/>
-              <a:gd name="T2" fmla="*/ 188 w 188"/>
-              <a:gd name="T3" fmla="*/ 112 h 112"/>
-            </a:gdLst>
-            <a:ahLst/>
-            <a:cxnLst>
-              <a:cxn ang="0">
-                <a:pos x="T0" y="T1"/>
-              </a:cxn>
-              <a:cxn ang="0">
-                <a:pos x="T2" y="T3"/>
-              </a:cxn>
-            </a:cxnLst>
-            <a:rect l="0" t="0" r="r" b="b"/>
-            <a:pathLst>
-              <a:path w="188" h="112">
-                <a:moveTo>
-                  <a:pt x="0" y="0"/>
-                </a:moveTo>
-                <a:cubicBezTo>
-                  <a:pt x="63" y="36"/>
-                  <a:pt x="126" y="73"/>
-                  <a:pt x="188" y="112"/>
-                </a:cubicBezTo>
-              </a:path>
-            </a:pathLst>
-          </a:custGeom>
-          <a:noFill/>
-          <a:ln w="9525" cap="flat">
-            <a:solidFill>
-              <a:schemeClr val="tx1">
-                <a:alpha val="20000"/>
-              </a:schemeClr>
-            </a:solidFill>
-            <a:prstDash val="solid"/>
-            <a:miter lim="800000"/>
-            <a:headEnd/>
-            <a:tailEnd/>
-          </a:ln>
-          <a:extLst>
-            <a:ext uri="{909E8E84-426E-40DD-AFC4-6F175D3DCCD1}">
-              <a14:hiddenFill xmlns:a14="http://schemas.microsoft.com/office/drawing/2010/main">
-                <a:solidFill>
-                  <a:srgbClr val="FFFFFF"/>
-                </a:solidFill>
-              </a14:hiddenFill>
-            </a:ext>
-          </a:extLst>
-        </p:spPr>
-        <p:txBody>
-          <a:bodyPr vert="horz" wrap="square" lIns="91440" tIns="45720" rIns="91440" bIns="45720" numCol="1" anchor="t" anchorCtr="0" compatLnSpc="1">
-            <a:prstTxWarp prst="textNoShape">
-              <a:avLst/>
-            </a:prstTxWarp>
-          </a:bodyPr>
-          <a:lstStyle/>
-          <a:p>
-            <a:endParaRPr lang="en-US"/>
-          </a:p>
-        </p:txBody>
-      </p:sp>
-      <p:sp>
-        <p:nvSpPr>
-          <p:cNvPr id="41" name="Freeform: Shape 40">
-            <a:extLst>
-              <a:ext uri="{FF2B5EF4-FFF2-40B4-BE49-F238E27FC236}">
-                <a16:creationId xmlns:a16="http://schemas.microsoft.com/office/drawing/2014/main" id="{79A54AB1-B64F-4843-BFAB-81CB74E66B65}"/>
-              </a:ext>
-              <a:ext uri="{C183D7F6-B498-43B3-948B-1728B52AA6E4}">
-                <adec:decorative xmlns:adec="http://schemas.microsoft.com/office/drawing/2017/decorative" val="1"/>
-              </a:ext>
-            </a:extLst>
-          </p:cNvPr>
-          <p:cNvSpPr>
-            <a:spLocks noGrp="1" noRot="1" noChangeAspect="1" noMove="1" noResize="1" noEditPoints="1" noAdjustHandles="1" noChangeArrowheads="1" noChangeShapeType="1" noTextEdit="1"/>
-          </p:cNvSpPr>
-          <p:nvPr>
-            <p:extLst>
-              <p:ext uri="{386F3935-93C4-4BCD-93E2-E3B085C9AB24}">
-                <p16:designElem xmlns:p16="http://schemas.microsoft.com/office/powerpoint/2015/main" val="1"/>
-              </p:ext>
-            </p:extLst>
-          </p:nvPr>
-        </p:nvSpPr>
-        <p:spPr>
-          <a:xfrm rot="20931529">
-            <a:off x="752078" y="2218040"/>
-            <a:ext cx="4418757" cy="4259609"/>
-          </a:xfrm>
-          <a:custGeom>
-            <a:avLst/>
-            <a:gdLst>
-              <a:gd name="connsiteX0" fmla="*/ 404107 w 4507111"/>
-              <a:gd name="connsiteY0" fmla="*/ 0 h 4344781"/>
-              <a:gd name="connsiteX1" fmla="*/ 371857 w 4507111"/>
-              <a:gd name="connsiteY1" fmla="*/ 117359 h 4344781"/>
-              <a:gd name="connsiteX2" fmla="*/ 307833 w 4507111"/>
-              <a:gd name="connsiteY2" fmla="*/ 632970 h 4344781"/>
-              <a:gd name="connsiteX3" fmla="*/ 3569418 w 4507111"/>
-              <a:gd name="connsiteY3" fmla="*/ 4141149 h 4344781"/>
-              <a:gd name="connsiteX4" fmla="*/ 4440861 w 4507111"/>
-              <a:gd name="connsiteY4" fmla="*/ 4332480 h 4344781"/>
-              <a:gd name="connsiteX5" fmla="*/ 4507111 w 4507111"/>
-              <a:gd name="connsiteY5" fmla="*/ 4341752 h 4344781"/>
-              <a:gd name="connsiteX6" fmla="*/ 4296045 w 4507111"/>
-              <a:gd name="connsiteY6" fmla="*/ 4344781 h 4344781"/>
-              <a:gd name="connsiteX7" fmla="*/ 3749565 w 4507111"/>
-              <a:gd name="connsiteY7" fmla="*/ 4321853 h 4344781"/>
-              <a:gd name="connsiteX8" fmla="*/ 36764 w 4507111"/>
-              <a:gd name="connsiteY8" fmla="*/ 1629794 h 4344781"/>
-              <a:gd name="connsiteX9" fmla="*/ 300069 w 4507111"/>
-              <a:gd name="connsiteY9" fmla="*/ 144750 h 4344781"/>
-            </a:gdLst>
-            <a:ahLst/>
-            <a:cxnLst>
-              <a:cxn ang="0">
-                <a:pos x="connsiteX0" y="connsiteY0"/>
-              </a:cxn>
-              <a:cxn ang="0">
-                <a:pos x="connsiteX1" y="connsiteY1"/>
-              </a:cxn>
-              <a:cxn ang="0">
-                <a:pos x="connsiteX2" y="connsiteY2"/>
-              </a:cxn>
-              <a:cxn ang="0">
-                <a:pos x="connsiteX3" y="connsiteY3"/>
-              </a:cxn>
-              <a:cxn ang="0">
-                <a:pos x="connsiteX4" y="connsiteY4"/>
-              </a:cxn>
-              <a:cxn ang="0">
-                <a:pos x="connsiteX5" y="connsiteY5"/>
-              </a:cxn>
-              <a:cxn ang="0">
-                <a:pos x="connsiteX6" y="connsiteY6"/>
-              </a:cxn>
-              <a:cxn ang="0">
-                <a:pos x="connsiteX7" y="connsiteY7"/>
-              </a:cxn>
-              <a:cxn ang="0">
-                <a:pos x="connsiteX8" y="connsiteY8"/>
-              </a:cxn>
-              <a:cxn ang="0">
-                <a:pos x="connsiteX9" y="connsiteY9"/>
-              </a:cxn>
-            </a:cxnLst>
-            <a:rect l="l" t="t" r="r" b="b"/>
-            <a:pathLst>
-              <a:path w="4507111" h="4344781">
-                <a:moveTo>
-                  <a:pt x="404107" y="0"/>
-                </a:moveTo>
-                <a:lnTo>
-                  <a:pt x="371857" y="117359"/>
-                </a:lnTo>
-                <a:cubicBezTo>
-                  <a:pt x="333827" y="278567"/>
-                  <a:pt x="311875" y="450459"/>
-                  <a:pt x="307833" y="632970"/>
-                </a:cubicBezTo>
-                <a:cubicBezTo>
-                  <a:pt x="264711" y="2579752"/>
-                  <a:pt x="2253987" y="3769243"/>
-                  <a:pt x="3569418" y="4141149"/>
-                </a:cubicBezTo>
-                <a:cubicBezTo>
-                  <a:pt x="3816061" y="4210881"/>
-                  <a:pt x="4114807" y="4279754"/>
-                  <a:pt x="4440861" y="4332480"/>
-                </a:cubicBezTo>
-                <a:lnTo>
-                  <a:pt x="4507111" y="4341752"/>
-                </a:lnTo>
-                <a:lnTo>
-                  <a:pt x="4296045" y="4344781"/>
-                </a:lnTo>
-                <a:cubicBezTo>
-                  <a:pt x="4097363" y="4343711"/>
-                  <a:pt x="3912623" y="4335104"/>
-                  <a:pt x="3749565" y="4321853"/>
-                </a:cubicBezTo>
-                <a:cubicBezTo>
-                  <a:pt x="2445102" y="4215850"/>
-                  <a:pt x="356405" y="3466499"/>
-                  <a:pt x="36764" y="1629794"/>
-                </a:cubicBezTo>
-                <a:cubicBezTo>
-                  <a:pt x="-63123" y="1055823"/>
-                  <a:pt x="45741" y="555869"/>
-                  <a:pt x="300069" y="144750"/>
-                </a:cubicBezTo>
-                <a:close/>
-              </a:path>
-            </a:pathLst>
-          </a:custGeom>
-          <a:solidFill>
-            <a:schemeClr val="tx1">
-              <a:alpha val="70000"/>
-            </a:schemeClr>
-          </a:solidFill>
-          <a:ln>
-            <a:noFill/>
-          </a:ln>
-        </p:spPr>
-        <p:style>
-          <a:lnRef idx="2">
-            <a:schemeClr val="accent1">
-              <a:shade val="50000"/>
-            </a:schemeClr>
-          </a:lnRef>
-          <a:fillRef idx="1">
-            <a:schemeClr val="accent1"/>
-          </a:fillRef>
-          <a:effectRef idx="0">
-            <a:schemeClr val="accent1"/>
-          </a:effectRef>
-          <a:fontRef idx="minor">
-            <a:schemeClr val="lt1"/>
-          </a:fontRef>
-        </p:style>
-        <p:txBody>
-          <a:bodyPr wrap="square" rtlCol="0" anchor="ctr">
-            <a:noAutofit/>
-          </a:bodyPr>
-          <a:lstStyle/>
-          <a:p>
-            <a:pPr marL="0" marR="0" lvl="0" indent="0" algn="ctr" defTabSz="457200" rtl="0" eaLnBrk="1" fontAlgn="auto" latinLnBrk="0" hangingPunct="1">
-              <a:lnSpc>
-                <a:spcPct val="100000"/>
-              </a:lnSpc>
-              <a:spcBef>
-                <a:spcPts val="0"/>
-              </a:spcBef>
-              <a:spcAft>
-                <a:spcPts val="0"/>
-              </a:spcAft>
-              <a:buClrTx/>
-              <a:buSzTx/>
-              <a:buFontTx/>
-              <a:buNone/>
-              <a:tabLst/>
-              <a:defRPr/>
-            </a:pPr>
-            <a:endParaRPr kumimoji="0" lang="en-US" sz="1800" b="0" i="0" u="none" strike="noStrike" kern="1200" cap="none" spc="0" normalizeH="0" baseline="0" noProof="0">
-              <a:ln>
-                <a:noFill/>
-              </a:ln>
-              <a:solidFill>
-                <a:prstClr val="white"/>
-              </a:solidFill>
-              <a:effectLst/>
-              <a:uLnTx/>
-              <a:uFillTx/>
-              <a:latin typeface="Rockwell" panose="02060603020205020403"/>
-              <a:ea typeface="+mn-ea"/>
-              <a:cs typeface="+mn-cs"/>
-            </a:endParaRPr>
-          </a:p>
-        </p:txBody>
-      </p:sp>
-      <p:pic>
-        <p:nvPicPr>
-          <p:cNvPr id="7" name="Content Placeholder 6" descr="A hamburger on a plate&#10;&#10;Description automatically generated with low confidence">
-            <a:extLst>
-              <a:ext uri="{FF2B5EF4-FFF2-40B4-BE49-F238E27FC236}">
-                <a16:creationId xmlns:a16="http://schemas.microsoft.com/office/drawing/2014/main" id="{3AACC0DC-68F9-4C1D-8808-B5923ED94969}"/>
-              </a:ext>
-            </a:extLst>
-          </p:cNvPr>
-          <p:cNvPicPr>
-            <a:picLocks noGrp="1" noChangeAspect="1"/>
-          </p:cNvPicPr>
-          <p:nvPr>
-            <p:ph idx="1"/>
-          </p:nvPr>
-        </p:nvPicPr>
-        <p:blipFill>
-          <a:blip r:embed="rId2">
-            <a:extLst>
-              <a:ext uri="{28A0092B-C50C-407E-A947-70E740481C1C}">
-                <a14:useLocalDpi xmlns:a14="http://schemas.microsoft.com/office/drawing/2010/main" val="0"/>
-              </a:ext>
-            </a:extLst>
-          </a:blip>
-          <a:stretch>
-            <a:fillRect/>
-          </a:stretch>
-        </p:blipFill>
-        <p:spPr>
-          <a:xfrm>
-            <a:off x="1617394" y="1827413"/>
-            <a:ext cx="4351338" cy="4351338"/>
-          </a:xfrm>
-        </p:spPr>
-      </p:pic>
-    </p:spTree>
-    <p:extLst>
-      <p:ext uri="{BB962C8B-B14F-4D97-AF65-F5344CB8AC3E}">
-        <p14:creationId xmlns:p14="http://schemas.microsoft.com/office/powerpoint/2010/main" val="3304196944"/>
       </p:ext>
     </p:extLst>
   </p:cSld>

--- a/Presentation.pptx
+++ b/Presentation.pptx
@@ -13,11 +13,14 @@
     <p:sldId id="272" r:id="rId7"/>
     <p:sldId id="271" r:id="rId8"/>
     <p:sldId id="259" r:id="rId9"/>
-    <p:sldId id="268" r:id="rId10"/>
-    <p:sldId id="267" r:id="rId11"/>
-    <p:sldId id="257" r:id="rId12"/>
-    <p:sldId id="266" r:id="rId13"/>
-    <p:sldId id="260" r:id="rId14"/>
+    <p:sldId id="274" r:id="rId10"/>
+    <p:sldId id="268" r:id="rId11"/>
+    <p:sldId id="273" r:id="rId12"/>
+    <p:sldId id="267" r:id="rId13"/>
+    <p:sldId id="275" r:id="rId14"/>
+    <p:sldId id="257" r:id="rId15"/>
+    <p:sldId id="266" r:id="rId16"/>
+    <p:sldId id="260" r:id="rId17"/>
   </p:sldIdLst>
   <p:sldSz cx="12192000" cy="6858000"/>
   <p:notesSz cx="6858000" cy="9144000"/>
@@ -271,7 +274,7 @@
           <a:p>
             <a:fld id="{59ED46AA-65FE-4AA6-90A6-8BABD663A628}" type="datetimeFigureOut">
               <a:rPr lang="en-US" smtClean="0"/>
-              <a:t>1/24/21</a:t>
+              <a:t>1/24/2021</a:t>
             </a:fld>
             <a:endParaRPr lang="en-US"/>
           </a:p>
@@ -469,7 +472,7 @@
           <a:p>
             <a:fld id="{59ED46AA-65FE-4AA6-90A6-8BABD663A628}" type="datetimeFigureOut">
               <a:rPr lang="en-US" smtClean="0"/>
-              <a:t>1/24/21</a:t>
+              <a:t>1/24/2021</a:t>
             </a:fld>
             <a:endParaRPr lang="en-US"/>
           </a:p>
@@ -677,7 +680,7 @@
           <a:p>
             <a:fld id="{59ED46AA-65FE-4AA6-90A6-8BABD663A628}" type="datetimeFigureOut">
               <a:rPr lang="en-US" smtClean="0"/>
-              <a:t>1/24/21</a:t>
+              <a:t>1/24/2021</a:t>
             </a:fld>
             <a:endParaRPr lang="en-US"/>
           </a:p>
@@ -875,7 +878,7 @@
           <a:p>
             <a:fld id="{59ED46AA-65FE-4AA6-90A6-8BABD663A628}" type="datetimeFigureOut">
               <a:rPr lang="en-US" smtClean="0"/>
-              <a:t>1/24/21</a:t>
+              <a:t>1/24/2021</a:t>
             </a:fld>
             <a:endParaRPr lang="en-US"/>
           </a:p>
@@ -1150,7 +1153,7 @@
           <a:p>
             <a:fld id="{59ED46AA-65FE-4AA6-90A6-8BABD663A628}" type="datetimeFigureOut">
               <a:rPr lang="en-US" smtClean="0"/>
-              <a:t>1/24/21</a:t>
+              <a:t>1/24/2021</a:t>
             </a:fld>
             <a:endParaRPr lang="en-US"/>
           </a:p>
@@ -1415,7 +1418,7 @@
           <a:p>
             <a:fld id="{59ED46AA-65FE-4AA6-90A6-8BABD663A628}" type="datetimeFigureOut">
               <a:rPr lang="en-US" smtClean="0"/>
-              <a:t>1/24/21</a:t>
+              <a:t>1/24/2021</a:t>
             </a:fld>
             <a:endParaRPr lang="en-US"/>
           </a:p>
@@ -1827,7 +1830,7 @@
           <a:p>
             <a:fld id="{59ED46AA-65FE-4AA6-90A6-8BABD663A628}" type="datetimeFigureOut">
               <a:rPr lang="en-US" smtClean="0"/>
-              <a:t>1/24/21</a:t>
+              <a:t>1/24/2021</a:t>
             </a:fld>
             <a:endParaRPr lang="en-US"/>
           </a:p>
@@ -1968,7 +1971,7 @@
           <a:p>
             <a:fld id="{59ED46AA-65FE-4AA6-90A6-8BABD663A628}" type="datetimeFigureOut">
               <a:rPr lang="en-US" smtClean="0"/>
-              <a:t>1/24/21</a:t>
+              <a:t>1/24/2021</a:t>
             </a:fld>
             <a:endParaRPr lang="en-US"/>
           </a:p>
@@ -2081,7 +2084,7 @@
           <a:p>
             <a:fld id="{59ED46AA-65FE-4AA6-90A6-8BABD663A628}" type="datetimeFigureOut">
               <a:rPr lang="en-US" smtClean="0"/>
-              <a:t>1/24/21</a:t>
+              <a:t>1/24/2021</a:t>
             </a:fld>
             <a:endParaRPr lang="en-US"/>
           </a:p>
@@ -2392,7 +2395,7 @@
           <a:p>
             <a:fld id="{59ED46AA-65FE-4AA6-90A6-8BABD663A628}" type="datetimeFigureOut">
               <a:rPr lang="en-US" smtClean="0"/>
-              <a:t>1/24/21</a:t>
+              <a:t>1/24/2021</a:t>
             </a:fld>
             <a:endParaRPr lang="en-US"/>
           </a:p>
@@ -2680,7 +2683,7 @@
           <a:p>
             <a:fld id="{59ED46AA-65FE-4AA6-90A6-8BABD663A628}" type="datetimeFigureOut">
               <a:rPr lang="en-US" smtClean="0"/>
-              <a:t>1/24/21</a:t>
+              <a:t>1/24/2021</a:t>
             </a:fld>
             <a:endParaRPr lang="en-US"/>
           </a:p>
@@ -2921,7 +2924,7 @@
           <a:p>
             <a:fld id="{59ED46AA-65FE-4AA6-90A6-8BABD663A628}" type="datetimeFigureOut">
               <a:rPr lang="en-US" smtClean="0"/>
-              <a:t>1/24/21</a:t>
+              <a:t>1/24/2021</a:t>
             </a:fld>
             <a:endParaRPr lang="en-US"/>
           </a:p>
@@ -4866,8 +4869,8 @@
         </p:nvSpPr>
         <p:spPr>
           <a:xfrm>
-            <a:off x="251351" y="214385"/>
-            <a:ext cx="11591607" cy="748561"/>
+            <a:off x="285006" y="89317"/>
+            <a:ext cx="11753533" cy="1335662"/>
           </a:xfrm>
         </p:spPr>
         <p:txBody>
@@ -4878,7 +4881,7 @@
           <a:p>
             <a:r>
               <a:rPr lang="en-US" sz="4000" dirty="0"/>
-              <a:t>Obj 3:  How has ordering changed during Covid?</a:t>
+              <a:t>Obj 2:  How has labor costs been affected by Covid?  Was there a change in productivity?</a:t>
             </a:r>
           </a:p>
         </p:txBody>
@@ -5270,6 +5273,1738 @@
       </p:sp>
       <p:pic>
         <p:nvPicPr>
+          <p:cNvPr id="7" name="Content Placeholder 6" descr="A bowl of cereal&#10;&#10;Description automatically generated with medium confidence">
+            <a:extLst>
+              <a:ext uri="{FF2B5EF4-FFF2-40B4-BE49-F238E27FC236}">
+                <a16:creationId xmlns:a16="http://schemas.microsoft.com/office/drawing/2014/main" id="{5299CA83-E892-452E-A48B-D65532F7308C}"/>
+              </a:ext>
+            </a:extLst>
+          </p:cNvPr>
+          <p:cNvPicPr>
+            <a:picLocks noGrp="1" noChangeAspect="1"/>
+          </p:cNvPicPr>
+          <p:nvPr>
+            <p:ph idx="1"/>
+          </p:nvPr>
+        </p:nvPicPr>
+        <p:blipFill>
+          <a:blip r:embed="rId2">
+            <a:extLst>
+              <a:ext uri="{28A0092B-C50C-407E-A947-70E740481C1C}">
+                <a14:useLocalDpi xmlns:a14="http://schemas.microsoft.com/office/drawing/2010/main" val="0"/>
+              </a:ext>
+            </a:extLst>
+          </a:blip>
+          <a:stretch>
+            <a:fillRect/>
+          </a:stretch>
+        </p:blipFill>
+        <p:spPr>
+          <a:xfrm>
+            <a:off x="-178277" y="4004143"/>
+            <a:ext cx="3608839" cy="3608839"/>
+          </a:xfrm>
+        </p:spPr>
+      </p:pic>
+    </p:spTree>
+    <p:extLst>
+      <p:ext uri="{BB962C8B-B14F-4D97-AF65-F5344CB8AC3E}">
+        <p14:creationId xmlns:p14="http://schemas.microsoft.com/office/powerpoint/2010/main" val="3925067938"/>
+      </p:ext>
+    </p:extLst>
+  </p:cSld>
+  <p:clrMapOvr>
+    <a:masterClrMapping/>
+  </p:clrMapOvr>
+</p:sld>
+</file>
+
+<file path=ppt/slides/slide11.xml><?xml version="1.0" encoding="utf-8"?>
+<p:sld xmlns:a="http://schemas.openxmlformats.org/drawingml/2006/main" xmlns:r="http://schemas.openxmlformats.org/officeDocument/2006/relationships" xmlns:p="http://schemas.openxmlformats.org/presentationml/2006/main">
+  <p:cSld>
+    <p:spTree>
+      <p:nvGrpSpPr>
+        <p:cNvPr id="1" name=""/>
+        <p:cNvGrpSpPr/>
+        <p:nvPr/>
+      </p:nvGrpSpPr>
+      <p:grpSpPr>
+        <a:xfrm>
+          <a:off x="0" y="0"/>
+          <a:ext cx="0" cy="0"/>
+          <a:chOff x="0" y="0"/>
+          <a:chExt cx="0" cy="0"/>
+        </a:xfrm>
+      </p:grpSpPr>
+      <p:pic>
+        <p:nvPicPr>
+          <p:cNvPr id="7" name="Picture 6" descr="Chart&#10;&#10;Description automatically generated">
+            <a:extLst>
+              <a:ext uri="{FF2B5EF4-FFF2-40B4-BE49-F238E27FC236}">
+                <a16:creationId xmlns:a16="http://schemas.microsoft.com/office/drawing/2014/main" id="{5C5D6F13-D00E-4469-A16E-A89C8528DB50}"/>
+              </a:ext>
+            </a:extLst>
+          </p:cNvPr>
+          <p:cNvPicPr>
+            <a:picLocks noChangeAspect="1"/>
+          </p:cNvPicPr>
+          <p:nvPr/>
+        </p:nvPicPr>
+        <p:blipFill>
+          <a:blip r:embed="rId2">
+            <a:extLst>
+              <a:ext uri="{28A0092B-C50C-407E-A947-70E740481C1C}">
+                <a14:useLocalDpi xmlns:a14="http://schemas.microsoft.com/office/drawing/2010/main" val="0"/>
+              </a:ext>
+            </a:extLst>
+          </a:blip>
+          <a:stretch>
+            <a:fillRect/>
+          </a:stretch>
+        </p:blipFill>
+        <p:spPr>
+          <a:xfrm>
+            <a:off x="0" y="0"/>
+            <a:ext cx="12192000" cy="6792052"/>
+          </a:xfrm>
+          <a:prstGeom prst="rect">
+            <a:avLst/>
+          </a:prstGeom>
+        </p:spPr>
+      </p:pic>
+    </p:spTree>
+    <p:extLst>
+      <p:ext uri="{BB962C8B-B14F-4D97-AF65-F5344CB8AC3E}">
+        <p14:creationId xmlns:p14="http://schemas.microsoft.com/office/powerpoint/2010/main" val="2185358286"/>
+      </p:ext>
+    </p:extLst>
+  </p:cSld>
+  <p:clrMapOvr>
+    <a:masterClrMapping/>
+  </p:clrMapOvr>
+</p:sld>
+</file>
+
+<file path=ppt/slides/slide12.xml><?xml version="1.0" encoding="utf-8"?>
+<p:sld xmlns:a="http://schemas.openxmlformats.org/drawingml/2006/main" xmlns:r="http://schemas.openxmlformats.org/officeDocument/2006/relationships" xmlns:p="http://schemas.openxmlformats.org/presentationml/2006/main">
+  <p:cSld>
+    <p:bg>
+      <p:bgPr>
+        <a:solidFill>
+          <a:schemeClr val="bg1"/>
+        </a:solidFill>
+        <a:effectLst/>
+      </p:bgPr>
+    </p:bg>
+    <p:spTree>
+      <p:nvGrpSpPr>
+        <p:cNvPr id="1" name=""/>
+        <p:cNvGrpSpPr/>
+        <p:nvPr/>
+      </p:nvGrpSpPr>
+      <p:grpSpPr>
+        <a:xfrm>
+          <a:off x="0" y="0"/>
+          <a:ext cx="0" cy="0"/>
+          <a:chOff x="0" y="0"/>
+          <a:chExt cx="0" cy="0"/>
+        </a:xfrm>
+      </p:grpSpPr>
+      <p:sp>
+        <p:nvSpPr>
+          <p:cNvPr id="15" name="Freeform 5">
+            <a:extLst>
+              <a:ext uri="{FF2B5EF4-FFF2-40B4-BE49-F238E27FC236}">
+                <a16:creationId xmlns:a16="http://schemas.microsoft.com/office/drawing/2014/main" id="{07322A9E-F1EC-405E-8971-BA906EFFCCB8}"/>
+              </a:ext>
+              <a:ext uri="{C183D7F6-B498-43B3-948B-1728B52AA6E4}">
+                <adec:decorative xmlns:adec="http://schemas.microsoft.com/office/drawing/2017/decorative" val="1"/>
+              </a:ext>
+            </a:extLst>
+          </p:cNvPr>
+          <p:cNvSpPr>
+            <a:spLocks noGrp="1" noRot="1" noChangeAspect="1" noMove="1" noResize="1" noEditPoints="1" noAdjustHandles="1" noChangeArrowheads="1" noChangeShapeType="1" noTextEdit="1"/>
+          </p:cNvSpPr>
+          <p:nvPr>
+            <p:extLst>
+              <p:ext uri="{386F3935-93C4-4BCD-93E2-E3B085C9AB24}">
+                <p16:designElem xmlns:p16="http://schemas.microsoft.com/office/powerpoint/2015/main" val="1"/>
+              </p:ext>
+            </p:extLst>
+          </p:nvPr>
+        </p:nvSpPr>
+        <p:spPr bwMode="auto">
+          <a:xfrm>
+            <a:off x="-329674" y="1290909"/>
+            <a:ext cx="9702800" cy="5573512"/>
+          </a:xfrm>
+          <a:custGeom>
+            <a:avLst/>
+            <a:gdLst>
+              <a:gd name="T0" fmla="*/ 1752 w 2038"/>
+              <a:gd name="T1" fmla="*/ 1169 h 1169"/>
+              <a:gd name="T2" fmla="*/ 1487 w 2038"/>
+              <a:gd name="T3" fmla="*/ 334 h 1169"/>
+              <a:gd name="T4" fmla="*/ 860 w 2038"/>
+              <a:gd name="T5" fmla="*/ 22 h 1169"/>
+              <a:gd name="T6" fmla="*/ 199 w 2038"/>
+              <a:gd name="T7" fmla="*/ 318 h 1169"/>
+              <a:gd name="T8" fmla="*/ 399 w 2038"/>
+              <a:gd name="T9" fmla="*/ 1165 h 1169"/>
+            </a:gdLst>
+            <a:ahLst/>
+            <a:cxnLst>
+              <a:cxn ang="0">
+                <a:pos x="T0" y="T1"/>
+              </a:cxn>
+              <a:cxn ang="0">
+                <a:pos x="T2" y="T3"/>
+              </a:cxn>
+              <a:cxn ang="0">
+                <a:pos x="T4" y="T5"/>
+              </a:cxn>
+              <a:cxn ang="0">
+                <a:pos x="T6" y="T7"/>
+              </a:cxn>
+              <a:cxn ang="0">
+                <a:pos x="T8" y="T9"/>
+              </a:cxn>
+            </a:cxnLst>
+            <a:rect l="0" t="0" r="r" b="b"/>
+            <a:pathLst>
+              <a:path w="2038" h="1169">
+                <a:moveTo>
+                  <a:pt x="1752" y="1169"/>
+                </a:moveTo>
+                <a:cubicBezTo>
+                  <a:pt x="2038" y="928"/>
+                  <a:pt x="1673" y="513"/>
+                  <a:pt x="1487" y="334"/>
+                </a:cubicBezTo>
+                <a:cubicBezTo>
+                  <a:pt x="1316" y="170"/>
+                  <a:pt x="1099" y="43"/>
+                  <a:pt x="860" y="22"/>
+                </a:cubicBezTo>
+                <a:cubicBezTo>
+                  <a:pt x="621" y="0"/>
+                  <a:pt x="341" y="128"/>
+                  <a:pt x="199" y="318"/>
+                </a:cubicBezTo>
+                <a:cubicBezTo>
+                  <a:pt x="0" y="586"/>
+                  <a:pt x="184" y="965"/>
+                  <a:pt x="399" y="1165"/>
+                </a:cubicBezTo>
+              </a:path>
+            </a:pathLst>
+          </a:custGeom>
+          <a:noFill/>
+          <a:ln w="9525" cap="flat">
+            <a:solidFill>
+              <a:schemeClr val="tx1">
+                <a:alpha val="20000"/>
+              </a:schemeClr>
+            </a:solidFill>
+            <a:prstDash val="solid"/>
+            <a:miter lim="800000"/>
+            <a:headEnd/>
+            <a:tailEnd/>
+          </a:ln>
+          <a:extLst>
+            <a:ext uri="{909E8E84-426E-40DD-AFC4-6F175D3DCCD1}">
+              <a14:hiddenFill xmlns:a14="http://schemas.microsoft.com/office/drawing/2010/main">
+                <a:solidFill>
+                  <a:srgbClr val="FFFFFF"/>
+                </a:solidFill>
+              </a14:hiddenFill>
+            </a:ext>
+          </a:extLst>
+        </p:spPr>
+        <p:txBody>
+          <a:bodyPr vert="horz" wrap="square" lIns="91440" tIns="45720" rIns="91440" bIns="45720" numCol="1" anchor="t" anchorCtr="0" compatLnSpc="1">
+            <a:prstTxWarp prst="textNoShape">
+              <a:avLst/>
+            </a:prstTxWarp>
+          </a:bodyPr>
+          <a:lstStyle/>
+          <a:p>
+            <a:endParaRPr lang="en-US"/>
+          </a:p>
+        </p:txBody>
+      </p:sp>
+      <p:sp>
+        <p:nvSpPr>
+          <p:cNvPr id="17" name="Freeform 6">
+            <a:extLst>
+              <a:ext uri="{FF2B5EF4-FFF2-40B4-BE49-F238E27FC236}">
+                <a16:creationId xmlns:a16="http://schemas.microsoft.com/office/drawing/2014/main" id="{A5704422-1118-4FD1-95AD-29A064EB80D9}"/>
+              </a:ext>
+              <a:ext uri="{C183D7F6-B498-43B3-948B-1728B52AA6E4}">
+                <adec:decorative xmlns:adec="http://schemas.microsoft.com/office/drawing/2017/decorative" val="1"/>
+              </a:ext>
+            </a:extLst>
+          </p:cNvPr>
+          <p:cNvSpPr>
+            <a:spLocks noGrp="1" noRot="1" noChangeAspect="1" noMove="1" noResize="1" noEditPoints="1" noAdjustHandles="1" noChangeArrowheads="1" noChangeShapeType="1" noTextEdit="1"/>
+          </p:cNvSpPr>
+          <p:nvPr>
+            <p:extLst>
+              <p:ext uri="{386F3935-93C4-4BCD-93E2-E3B085C9AB24}">
+                <p16:designElem xmlns:p16="http://schemas.microsoft.com/office/powerpoint/2015/main" val="1"/>
+              </p:ext>
+            </p:extLst>
+          </p:nvPr>
+        </p:nvSpPr>
+        <p:spPr bwMode="auto">
+          <a:xfrm>
+            <a:off x="670451" y="2010741"/>
+            <a:ext cx="7373938" cy="4848892"/>
+          </a:xfrm>
+          <a:custGeom>
+            <a:avLst/>
+            <a:gdLst>
+              <a:gd name="T0" fmla="*/ 1025 w 1549"/>
+              <a:gd name="T1" fmla="*/ 1016 h 1017"/>
+              <a:gd name="T2" fmla="*/ 1443 w 1549"/>
+              <a:gd name="T3" fmla="*/ 592 h 1017"/>
+              <a:gd name="T4" fmla="*/ 782 w 1549"/>
+              <a:gd name="T5" fmla="*/ 53 h 1017"/>
+              <a:gd name="T6" fmla="*/ 150 w 1549"/>
+              <a:gd name="T7" fmla="*/ 329 h 1017"/>
+              <a:gd name="T8" fmla="*/ 477 w 1549"/>
+              <a:gd name="T9" fmla="*/ 1017 h 1017"/>
+            </a:gdLst>
+            <a:ahLst/>
+            <a:cxnLst>
+              <a:cxn ang="0">
+                <a:pos x="T0" y="T1"/>
+              </a:cxn>
+              <a:cxn ang="0">
+                <a:pos x="T2" y="T3"/>
+              </a:cxn>
+              <a:cxn ang="0">
+                <a:pos x="T4" y="T5"/>
+              </a:cxn>
+              <a:cxn ang="0">
+                <a:pos x="T6" y="T7"/>
+              </a:cxn>
+              <a:cxn ang="0">
+                <a:pos x="T8" y="T9"/>
+              </a:cxn>
+            </a:cxnLst>
+            <a:rect l="0" t="0" r="r" b="b"/>
+            <a:pathLst>
+              <a:path w="1549" h="1017">
+                <a:moveTo>
+                  <a:pt x="1025" y="1016"/>
+                </a:moveTo>
+                <a:cubicBezTo>
+                  <a:pt x="1223" y="971"/>
+                  <a:pt x="1549" y="857"/>
+                  <a:pt x="1443" y="592"/>
+                </a:cubicBezTo>
+                <a:cubicBezTo>
+                  <a:pt x="1344" y="344"/>
+                  <a:pt x="1041" y="111"/>
+                  <a:pt x="782" y="53"/>
+                </a:cubicBezTo>
+                <a:cubicBezTo>
+                  <a:pt x="545" y="0"/>
+                  <a:pt x="275" y="117"/>
+                  <a:pt x="150" y="329"/>
+                </a:cubicBezTo>
+                <a:cubicBezTo>
+                  <a:pt x="0" y="584"/>
+                  <a:pt x="243" y="911"/>
+                  <a:pt x="477" y="1017"/>
+                </a:cubicBezTo>
+              </a:path>
+            </a:pathLst>
+          </a:custGeom>
+          <a:noFill/>
+          <a:ln w="9525" cap="flat">
+            <a:solidFill>
+              <a:schemeClr val="tx1">
+                <a:alpha val="20000"/>
+              </a:schemeClr>
+            </a:solidFill>
+            <a:prstDash val="solid"/>
+            <a:miter lim="800000"/>
+            <a:headEnd/>
+            <a:tailEnd/>
+          </a:ln>
+          <a:extLst>
+            <a:ext uri="{909E8E84-426E-40DD-AFC4-6F175D3DCCD1}">
+              <a14:hiddenFill xmlns:a14="http://schemas.microsoft.com/office/drawing/2010/main">
+                <a:solidFill>
+                  <a:srgbClr val="FFFFFF"/>
+                </a:solidFill>
+              </a14:hiddenFill>
+            </a:ext>
+          </a:extLst>
+        </p:spPr>
+        <p:txBody>
+          <a:bodyPr vert="horz" wrap="square" lIns="91440" tIns="45720" rIns="91440" bIns="45720" numCol="1" anchor="t" anchorCtr="0" compatLnSpc="1">
+            <a:prstTxWarp prst="textNoShape">
+              <a:avLst/>
+            </a:prstTxWarp>
+          </a:bodyPr>
+          <a:lstStyle/>
+          <a:p>
+            <a:endParaRPr lang="en-US"/>
+          </a:p>
+        </p:txBody>
+      </p:sp>
+      <p:sp>
+        <p:nvSpPr>
+          <p:cNvPr id="19" name="Freeform 7">
+            <a:extLst>
+              <a:ext uri="{FF2B5EF4-FFF2-40B4-BE49-F238E27FC236}">
+                <a16:creationId xmlns:a16="http://schemas.microsoft.com/office/drawing/2014/main" id="{A88B2AAA-B805-498E-A9E6-98B885855498}"/>
+              </a:ext>
+              <a:ext uri="{C183D7F6-B498-43B3-948B-1728B52AA6E4}">
+                <adec:decorative xmlns:adec="http://schemas.microsoft.com/office/drawing/2017/decorative" val="1"/>
+              </a:ext>
+            </a:extLst>
+          </p:cNvPr>
+          <p:cNvSpPr>
+            <a:spLocks noGrp="1" noRot="1" noChangeAspect="1" noMove="1" noResize="1" noEditPoints="1" noAdjustHandles="1" noChangeArrowheads="1" noChangeShapeType="1" noTextEdit="1"/>
+          </p:cNvSpPr>
+          <p:nvPr>
+            <p:extLst>
+              <p:ext uri="{386F3935-93C4-4BCD-93E2-E3B085C9AB24}">
+                <p16:designElem xmlns:p16="http://schemas.microsoft.com/office/powerpoint/2015/main" val="1"/>
+              </p:ext>
+            </p:extLst>
+          </p:nvPr>
+        </p:nvSpPr>
+        <p:spPr bwMode="auto">
+          <a:xfrm>
+            <a:off x="251351" y="1780905"/>
+            <a:ext cx="8035925" cy="5083516"/>
+          </a:xfrm>
+          <a:custGeom>
+            <a:avLst/>
+            <a:gdLst>
+              <a:gd name="T0" fmla="*/ 1302 w 1688"/>
+              <a:gd name="T1" fmla="*/ 1066 h 1066"/>
+              <a:gd name="T2" fmla="*/ 1613 w 1688"/>
+              <a:gd name="T3" fmla="*/ 850 h 1066"/>
+              <a:gd name="T4" fmla="*/ 1517 w 1688"/>
+              <a:gd name="T5" fmla="*/ 471 h 1066"/>
+              <a:gd name="T6" fmla="*/ 798 w 1688"/>
+              <a:gd name="T7" fmla="*/ 28 h 1066"/>
+              <a:gd name="T8" fmla="*/ 181 w 1688"/>
+              <a:gd name="T9" fmla="*/ 333 h 1066"/>
+              <a:gd name="T10" fmla="*/ 420 w 1688"/>
+              <a:gd name="T11" fmla="*/ 1066 h 1066"/>
+            </a:gdLst>
+            <a:ahLst/>
+            <a:cxnLst>
+              <a:cxn ang="0">
+                <a:pos x="T0" y="T1"/>
+              </a:cxn>
+              <a:cxn ang="0">
+                <a:pos x="T2" y="T3"/>
+              </a:cxn>
+              <a:cxn ang="0">
+                <a:pos x="T4" y="T5"/>
+              </a:cxn>
+              <a:cxn ang="0">
+                <a:pos x="T6" y="T7"/>
+              </a:cxn>
+              <a:cxn ang="0">
+                <a:pos x="T8" y="T9"/>
+              </a:cxn>
+              <a:cxn ang="0">
+                <a:pos x="T10" y="T11"/>
+              </a:cxn>
+            </a:cxnLst>
+            <a:rect l="0" t="0" r="r" b="b"/>
+            <a:pathLst>
+              <a:path w="1688" h="1066">
+                <a:moveTo>
+                  <a:pt x="1302" y="1066"/>
+                </a:moveTo>
+                <a:cubicBezTo>
+                  <a:pt x="1416" y="1024"/>
+                  <a:pt x="1551" y="962"/>
+                  <a:pt x="1613" y="850"/>
+                </a:cubicBezTo>
+                <a:cubicBezTo>
+                  <a:pt x="1688" y="715"/>
+                  <a:pt x="1606" y="575"/>
+                  <a:pt x="1517" y="471"/>
+                </a:cubicBezTo>
+                <a:cubicBezTo>
+                  <a:pt x="1336" y="258"/>
+                  <a:pt x="1084" y="62"/>
+                  <a:pt x="798" y="28"/>
+                </a:cubicBezTo>
+                <a:cubicBezTo>
+                  <a:pt x="559" y="0"/>
+                  <a:pt x="317" y="138"/>
+                  <a:pt x="181" y="333"/>
+                </a:cubicBezTo>
+                <a:cubicBezTo>
+                  <a:pt x="0" y="592"/>
+                  <a:pt x="191" y="907"/>
+                  <a:pt x="420" y="1066"/>
+                </a:cubicBezTo>
+              </a:path>
+            </a:pathLst>
+          </a:custGeom>
+          <a:noFill/>
+          <a:ln w="9525" cap="flat">
+            <a:solidFill>
+              <a:schemeClr val="tx1">
+                <a:alpha val="20000"/>
+              </a:schemeClr>
+            </a:solidFill>
+            <a:prstDash val="dash"/>
+            <a:miter lim="800000"/>
+            <a:headEnd/>
+            <a:tailEnd/>
+          </a:ln>
+          <a:extLst>
+            <a:ext uri="{909E8E84-426E-40DD-AFC4-6F175D3DCCD1}">
+              <a14:hiddenFill xmlns:a14="http://schemas.microsoft.com/office/drawing/2010/main">
+                <a:solidFill>
+                  <a:srgbClr val="FFFFFF"/>
+                </a:solidFill>
+              </a14:hiddenFill>
+            </a:ext>
+          </a:extLst>
+        </p:spPr>
+        <p:txBody>
+          <a:bodyPr vert="horz" wrap="square" lIns="91440" tIns="45720" rIns="91440" bIns="45720" numCol="1" anchor="t" anchorCtr="0" compatLnSpc="1">
+            <a:prstTxWarp prst="textNoShape">
+              <a:avLst/>
+            </a:prstTxWarp>
+          </a:bodyPr>
+          <a:lstStyle/>
+          <a:p>
+            <a:endParaRPr lang="en-US"/>
+          </a:p>
+        </p:txBody>
+      </p:sp>
+      <p:sp>
+        <p:nvSpPr>
+          <p:cNvPr id="21" name="Freeform 8">
+            <a:extLst>
+              <a:ext uri="{FF2B5EF4-FFF2-40B4-BE49-F238E27FC236}">
+                <a16:creationId xmlns:a16="http://schemas.microsoft.com/office/drawing/2014/main" id="{9B8051E0-19D7-43E1-BFD9-E6DBFEB3A3F1}"/>
+              </a:ext>
+              <a:ext uri="{C183D7F6-B498-43B3-948B-1728B52AA6E4}">
+                <adec:decorative xmlns:adec="http://schemas.microsoft.com/office/drawing/2017/decorative" val="1"/>
+              </a:ext>
+            </a:extLst>
+          </p:cNvPr>
+          <p:cNvSpPr>
+            <a:spLocks noGrp="1" noRot="1" noChangeAspect="1" noMove="1" noResize="1" noEditPoints="1" noAdjustHandles="1" noChangeArrowheads="1" noChangeShapeType="1" noTextEdit="1"/>
+          </p:cNvSpPr>
+          <p:nvPr>
+            <p:extLst>
+              <p:ext uri="{386F3935-93C4-4BCD-93E2-E3B085C9AB24}">
+                <p16:designElem xmlns:p16="http://schemas.microsoft.com/office/powerpoint/2015/main" val="1"/>
+              </p:ext>
+            </p:extLst>
+          </p:nvPr>
+        </p:nvSpPr>
+        <p:spPr bwMode="auto">
+          <a:xfrm>
+            <a:off x="-1061" y="542347"/>
+            <a:ext cx="10334625" cy="6322075"/>
+          </a:xfrm>
+          <a:custGeom>
+            <a:avLst/>
+            <a:gdLst>
+              <a:gd name="T0" fmla="*/ 1873 w 2171"/>
+              <a:gd name="T1" fmla="*/ 1326 h 1326"/>
+              <a:gd name="T2" fmla="*/ 1609 w 2171"/>
+              <a:gd name="T3" fmla="*/ 473 h 1326"/>
+              <a:gd name="T4" fmla="*/ 880 w 2171"/>
+              <a:gd name="T5" fmla="*/ 63 h 1326"/>
+              <a:gd name="T6" fmla="*/ 0 w 2171"/>
+              <a:gd name="T7" fmla="*/ 423 h 1326"/>
+            </a:gdLst>
+            <a:ahLst/>
+            <a:cxnLst>
+              <a:cxn ang="0">
+                <a:pos x="T0" y="T1"/>
+              </a:cxn>
+              <a:cxn ang="0">
+                <a:pos x="T2" y="T3"/>
+              </a:cxn>
+              <a:cxn ang="0">
+                <a:pos x="T4" y="T5"/>
+              </a:cxn>
+              <a:cxn ang="0">
+                <a:pos x="T6" y="T7"/>
+              </a:cxn>
+            </a:cxnLst>
+            <a:rect l="0" t="0" r="r" b="b"/>
+            <a:pathLst>
+              <a:path w="2171" h="1326">
+                <a:moveTo>
+                  <a:pt x="1873" y="1326"/>
+                </a:moveTo>
+                <a:cubicBezTo>
+                  <a:pt x="2171" y="1045"/>
+                  <a:pt x="1825" y="678"/>
+                  <a:pt x="1609" y="473"/>
+                </a:cubicBezTo>
+                <a:cubicBezTo>
+                  <a:pt x="1406" y="281"/>
+                  <a:pt x="1159" y="116"/>
+                  <a:pt x="880" y="63"/>
+                </a:cubicBezTo>
+                <a:cubicBezTo>
+                  <a:pt x="545" y="0"/>
+                  <a:pt x="214" y="161"/>
+                  <a:pt x="0" y="423"/>
+                </a:cubicBezTo>
+              </a:path>
+            </a:pathLst>
+          </a:custGeom>
+          <a:noFill/>
+          <a:ln w="9525" cap="flat">
+            <a:solidFill>
+              <a:schemeClr val="tx1">
+                <a:alpha val="20000"/>
+              </a:schemeClr>
+            </a:solidFill>
+            <a:prstDash val="solid"/>
+            <a:miter lim="800000"/>
+            <a:headEnd/>
+            <a:tailEnd/>
+          </a:ln>
+          <a:extLst>
+            <a:ext uri="{909E8E84-426E-40DD-AFC4-6F175D3DCCD1}">
+              <a14:hiddenFill xmlns:a14="http://schemas.microsoft.com/office/drawing/2010/main">
+                <a:solidFill>
+                  <a:srgbClr val="FFFFFF"/>
+                </a:solidFill>
+              </a14:hiddenFill>
+            </a:ext>
+          </a:extLst>
+        </p:spPr>
+        <p:txBody>
+          <a:bodyPr vert="horz" wrap="square" lIns="91440" tIns="45720" rIns="91440" bIns="45720" numCol="1" anchor="t" anchorCtr="0" compatLnSpc="1">
+            <a:prstTxWarp prst="textNoShape">
+              <a:avLst/>
+            </a:prstTxWarp>
+          </a:bodyPr>
+          <a:lstStyle/>
+          <a:p>
+            <a:endParaRPr lang="en-US"/>
+          </a:p>
+        </p:txBody>
+      </p:sp>
+      <p:sp>
+        <p:nvSpPr>
+          <p:cNvPr id="23" name="Freeform 9">
+            <a:extLst>
+              <a:ext uri="{FF2B5EF4-FFF2-40B4-BE49-F238E27FC236}">
+                <a16:creationId xmlns:a16="http://schemas.microsoft.com/office/drawing/2014/main" id="{4EDB2B02-86A2-46F5-A4BE-B7D9B10411D6}"/>
+              </a:ext>
+              <a:ext uri="{C183D7F6-B498-43B3-948B-1728B52AA6E4}">
+                <adec:decorative xmlns:adec="http://schemas.microsoft.com/office/drawing/2017/decorative" val="1"/>
+              </a:ext>
+            </a:extLst>
+          </p:cNvPr>
+          <p:cNvSpPr>
+            <a:spLocks noGrp="1" noRot="1" noChangeAspect="1" noMove="1" noResize="1" noEditPoints="1" noAdjustHandles="1" noChangeArrowheads="1" noChangeShapeType="1" noTextEdit="1"/>
+          </p:cNvSpPr>
+          <p:nvPr>
+            <p:extLst>
+              <p:ext uri="{386F3935-93C4-4BCD-93E2-E3B085C9AB24}">
+                <p16:designElem xmlns:p16="http://schemas.microsoft.com/office/powerpoint/2015/main" val="1"/>
+              </p:ext>
+            </p:extLst>
+          </p:nvPr>
+        </p:nvSpPr>
+        <p:spPr bwMode="auto">
+          <a:xfrm>
+            <a:off x="3701" y="6178751"/>
+            <a:ext cx="504825" cy="681527"/>
+          </a:xfrm>
+          <a:custGeom>
+            <a:avLst/>
+            <a:gdLst>
+              <a:gd name="T0" fmla="*/ 0 w 106"/>
+              <a:gd name="T1" fmla="*/ 0 h 143"/>
+              <a:gd name="T2" fmla="*/ 106 w 106"/>
+              <a:gd name="T3" fmla="*/ 143 h 143"/>
+            </a:gdLst>
+            <a:ahLst/>
+            <a:cxnLst>
+              <a:cxn ang="0">
+                <a:pos x="T0" y="T1"/>
+              </a:cxn>
+              <a:cxn ang="0">
+                <a:pos x="T2" y="T3"/>
+              </a:cxn>
+            </a:cxnLst>
+            <a:rect l="0" t="0" r="r" b="b"/>
+            <a:pathLst>
+              <a:path w="106" h="143">
+                <a:moveTo>
+                  <a:pt x="0" y="0"/>
+                </a:moveTo>
+                <a:cubicBezTo>
+                  <a:pt x="35" y="54"/>
+                  <a:pt x="70" y="101"/>
+                  <a:pt x="106" y="143"/>
+                </a:cubicBezTo>
+              </a:path>
+            </a:pathLst>
+          </a:custGeom>
+          <a:noFill/>
+          <a:ln w="4763" cap="flat">
+            <a:solidFill>
+              <a:schemeClr val="tx1">
+                <a:alpha val="20000"/>
+              </a:schemeClr>
+            </a:solidFill>
+            <a:prstDash val="solid"/>
+            <a:miter lim="800000"/>
+            <a:headEnd/>
+            <a:tailEnd/>
+          </a:ln>
+          <a:extLst>
+            <a:ext uri="{909E8E84-426E-40DD-AFC4-6F175D3DCCD1}">
+              <a14:hiddenFill xmlns:a14="http://schemas.microsoft.com/office/drawing/2010/main">
+                <a:solidFill>
+                  <a:srgbClr val="FFFFFF"/>
+                </a:solidFill>
+              </a14:hiddenFill>
+            </a:ext>
+          </a:extLst>
+        </p:spPr>
+        <p:txBody>
+          <a:bodyPr vert="horz" wrap="square" lIns="91440" tIns="45720" rIns="91440" bIns="45720" numCol="1" anchor="t" anchorCtr="0" compatLnSpc="1">
+            <a:prstTxWarp prst="textNoShape">
+              <a:avLst/>
+            </a:prstTxWarp>
+          </a:bodyPr>
+          <a:lstStyle/>
+          <a:p>
+            <a:endParaRPr lang="en-US"/>
+          </a:p>
+        </p:txBody>
+      </p:sp>
+      <p:sp>
+        <p:nvSpPr>
+          <p:cNvPr id="25" name="Freeform 10">
+            <a:extLst>
+              <a:ext uri="{FF2B5EF4-FFF2-40B4-BE49-F238E27FC236}">
+                <a16:creationId xmlns:a16="http://schemas.microsoft.com/office/drawing/2014/main" id="{43954639-FB5D-41F4-9560-6F6DFE778425}"/>
+              </a:ext>
+              <a:ext uri="{C183D7F6-B498-43B3-948B-1728B52AA6E4}">
+                <adec:decorative xmlns:adec="http://schemas.microsoft.com/office/drawing/2017/decorative" val="1"/>
+              </a:ext>
+            </a:extLst>
+          </p:cNvPr>
+          <p:cNvSpPr>
+            <a:spLocks noGrp="1" noRot="1" noChangeAspect="1" noMove="1" noResize="1" noEditPoints="1" noAdjustHandles="1" noChangeArrowheads="1" noChangeShapeType="1" noTextEdit="1"/>
+          </p:cNvSpPr>
+          <p:nvPr>
+            <p:extLst>
+              <p:ext uri="{386F3935-93C4-4BCD-93E2-E3B085C9AB24}">
+                <p16:designElem xmlns:p16="http://schemas.microsoft.com/office/powerpoint/2015/main" val="1"/>
+              </p:ext>
+            </p:extLst>
+          </p:nvPr>
+        </p:nvSpPr>
+        <p:spPr bwMode="auto">
+          <a:xfrm>
+            <a:off x="-1061" y="-59376"/>
+            <a:ext cx="11091863" cy="6923796"/>
+          </a:xfrm>
+          <a:custGeom>
+            <a:avLst/>
+            <a:gdLst>
+              <a:gd name="T0" fmla="*/ 2046 w 2330"/>
+              <a:gd name="T1" fmla="*/ 1452 h 1452"/>
+              <a:gd name="T2" fmla="*/ 1813 w 2330"/>
+              <a:gd name="T3" fmla="*/ 601 h 1452"/>
+              <a:gd name="T4" fmla="*/ 956 w 2330"/>
+              <a:gd name="T5" fmla="*/ 97 h 1452"/>
+              <a:gd name="T6" fmla="*/ 0 w 2330"/>
+              <a:gd name="T7" fmla="*/ 366 h 1452"/>
+            </a:gdLst>
+            <a:ahLst/>
+            <a:cxnLst>
+              <a:cxn ang="0">
+                <a:pos x="T0" y="T1"/>
+              </a:cxn>
+              <a:cxn ang="0">
+                <a:pos x="T2" y="T3"/>
+              </a:cxn>
+              <a:cxn ang="0">
+                <a:pos x="T4" y="T5"/>
+              </a:cxn>
+              <a:cxn ang="0">
+                <a:pos x="T6" y="T7"/>
+              </a:cxn>
+            </a:cxnLst>
+            <a:rect l="0" t="0" r="r" b="b"/>
+            <a:pathLst>
+              <a:path w="2330" h="1452">
+                <a:moveTo>
+                  <a:pt x="2046" y="1452"/>
+                </a:moveTo>
+                <a:cubicBezTo>
+                  <a:pt x="2330" y="1153"/>
+                  <a:pt x="2049" y="821"/>
+                  <a:pt x="1813" y="601"/>
+                </a:cubicBezTo>
+                <a:cubicBezTo>
+                  <a:pt x="1569" y="375"/>
+                  <a:pt x="1282" y="179"/>
+                  <a:pt x="956" y="97"/>
+                </a:cubicBezTo>
+                <a:cubicBezTo>
+                  <a:pt x="572" y="0"/>
+                  <a:pt x="292" y="101"/>
+                  <a:pt x="0" y="366"/>
+                </a:cubicBezTo>
+              </a:path>
+            </a:pathLst>
+          </a:custGeom>
+          <a:noFill/>
+          <a:ln w="9525" cap="flat">
+            <a:solidFill>
+              <a:schemeClr val="tx1">
+                <a:alpha val="20000"/>
+              </a:schemeClr>
+            </a:solidFill>
+            <a:prstDash val="solid"/>
+            <a:miter lim="800000"/>
+            <a:headEnd/>
+            <a:tailEnd/>
+          </a:ln>
+          <a:extLst>
+            <a:ext uri="{909E8E84-426E-40DD-AFC4-6F175D3DCCD1}">
+              <a14:hiddenFill xmlns:a14="http://schemas.microsoft.com/office/drawing/2010/main">
+                <a:solidFill>
+                  <a:srgbClr val="FFFFFF"/>
+                </a:solidFill>
+              </a14:hiddenFill>
+            </a:ext>
+          </a:extLst>
+        </p:spPr>
+        <p:txBody>
+          <a:bodyPr vert="horz" wrap="square" lIns="91440" tIns="45720" rIns="91440" bIns="45720" numCol="1" anchor="t" anchorCtr="0" compatLnSpc="1">
+            <a:prstTxWarp prst="textNoShape">
+              <a:avLst/>
+            </a:prstTxWarp>
+          </a:bodyPr>
+          <a:lstStyle/>
+          <a:p>
+            <a:endParaRPr lang="en-US"/>
+          </a:p>
+        </p:txBody>
+      </p:sp>
+      <p:sp>
+        <p:nvSpPr>
+          <p:cNvPr id="27" name="Freeform 12">
+            <a:extLst>
+              <a:ext uri="{FF2B5EF4-FFF2-40B4-BE49-F238E27FC236}">
+                <a16:creationId xmlns:a16="http://schemas.microsoft.com/office/drawing/2014/main" id="{E898931C-0323-41FA-A036-20F818B1FF81}"/>
+              </a:ext>
+              <a:ext uri="{C183D7F6-B498-43B3-948B-1728B52AA6E4}">
+                <adec:decorative xmlns:adec="http://schemas.microsoft.com/office/drawing/2017/decorative" val="1"/>
+              </a:ext>
+            </a:extLst>
+          </p:cNvPr>
+          <p:cNvSpPr>
+            <a:spLocks noGrp="1" noRot="1" noChangeAspect="1" noMove="1" noResize="1" noEditPoints="1" noAdjustHandles="1" noChangeArrowheads="1" noChangeShapeType="1" noTextEdit="1"/>
+          </p:cNvSpPr>
+          <p:nvPr>
+            <p:extLst>
+              <p:ext uri="{386F3935-93C4-4BCD-93E2-E3B085C9AB24}">
+                <p16:designElem xmlns:p16="http://schemas.microsoft.com/office/powerpoint/2015/main" val="1"/>
+              </p:ext>
+            </p:extLst>
+          </p:nvPr>
+        </p:nvSpPr>
+        <p:spPr bwMode="auto">
+          <a:xfrm>
+            <a:off x="-1061" y="-1916"/>
+            <a:ext cx="1057275" cy="614491"/>
+          </a:xfrm>
+          <a:custGeom>
+            <a:avLst/>
+            <a:gdLst>
+              <a:gd name="T0" fmla="*/ 222 w 222"/>
+              <a:gd name="T1" fmla="*/ 0 h 129"/>
+              <a:gd name="T2" fmla="*/ 0 w 222"/>
+              <a:gd name="T3" fmla="*/ 129 h 129"/>
+            </a:gdLst>
+            <a:ahLst/>
+            <a:cxnLst>
+              <a:cxn ang="0">
+                <a:pos x="T0" y="T1"/>
+              </a:cxn>
+              <a:cxn ang="0">
+                <a:pos x="T2" y="T3"/>
+              </a:cxn>
+            </a:cxnLst>
+            <a:rect l="0" t="0" r="r" b="b"/>
+            <a:pathLst>
+              <a:path w="222" h="129">
+                <a:moveTo>
+                  <a:pt x="222" y="0"/>
+                </a:moveTo>
+                <a:cubicBezTo>
+                  <a:pt x="152" y="35"/>
+                  <a:pt x="76" y="78"/>
+                  <a:pt x="0" y="129"/>
+                </a:cubicBezTo>
+              </a:path>
+            </a:pathLst>
+          </a:custGeom>
+          <a:noFill/>
+          <a:ln w="9525" cap="flat">
+            <a:solidFill>
+              <a:schemeClr val="tx1">
+                <a:alpha val="20000"/>
+              </a:schemeClr>
+            </a:solidFill>
+            <a:prstDash val="solid"/>
+            <a:miter lim="800000"/>
+            <a:headEnd/>
+            <a:tailEnd/>
+          </a:ln>
+          <a:extLst>
+            <a:ext uri="{909E8E84-426E-40DD-AFC4-6F175D3DCCD1}">
+              <a14:hiddenFill xmlns:a14="http://schemas.microsoft.com/office/drawing/2010/main">
+                <a:solidFill>
+                  <a:srgbClr val="FFFFFF"/>
+                </a:solidFill>
+              </a14:hiddenFill>
+            </a:ext>
+          </a:extLst>
+        </p:spPr>
+        <p:txBody>
+          <a:bodyPr vert="horz" wrap="square" lIns="91440" tIns="45720" rIns="91440" bIns="45720" numCol="1" anchor="t" anchorCtr="0" compatLnSpc="1">
+            <a:prstTxWarp prst="textNoShape">
+              <a:avLst/>
+            </a:prstTxWarp>
+          </a:bodyPr>
+          <a:lstStyle/>
+          <a:p>
+            <a:endParaRPr lang="en-US"/>
+          </a:p>
+        </p:txBody>
+      </p:sp>
+      <p:sp>
+        <p:nvSpPr>
+          <p:cNvPr id="29" name="Freeform 14">
+            <a:extLst>
+              <a:ext uri="{FF2B5EF4-FFF2-40B4-BE49-F238E27FC236}">
+                <a16:creationId xmlns:a16="http://schemas.microsoft.com/office/drawing/2014/main" id="{89AFE9DD-0792-4B98-B4EB-97ACA17E6AA8}"/>
+              </a:ext>
+              <a:ext uri="{C183D7F6-B498-43B3-948B-1728B52AA6E4}">
+                <adec:decorative xmlns:adec="http://schemas.microsoft.com/office/drawing/2017/decorative" val="1"/>
+              </a:ext>
+            </a:extLst>
+          </p:cNvPr>
+          <p:cNvSpPr>
+            <a:spLocks noGrp="1" noRot="1" noChangeAspect="1" noMove="1" noResize="1" noEditPoints="1" noAdjustHandles="1" noChangeArrowheads="1" noChangeShapeType="1" noTextEdit="1"/>
+          </p:cNvSpPr>
+          <p:nvPr>
+            <p:extLst>
+              <p:ext uri="{386F3935-93C4-4BCD-93E2-E3B085C9AB24}">
+                <p16:designElem xmlns:p16="http://schemas.microsoft.com/office/powerpoint/2015/main" val="1"/>
+              </p:ext>
+            </p:extLst>
+          </p:nvPr>
+        </p:nvSpPr>
+        <p:spPr bwMode="auto">
+          <a:xfrm>
+            <a:off x="3701" y="-6705"/>
+            <a:ext cx="595313" cy="352734"/>
+          </a:xfrm>
+          <a:custGeom>
+            <a:avLst/>
+            <a:gdLst>
+              <a:gd name="T0" fmla="*/ 125 w 125"/>
+              <a:gd name="T1" fmla="*/ 0 h 74"/>
+              <a:gd name="T2" fmla="*/ 0 w 125"/>
+              <a:gd name="T3" fmla="*/ 74 h 74"/>
+            </a:gdLst>
+            <a:ahLst/>
+            <a:cxnLst>
+              <a:cxn ang="0">
+                <a:pos x="T0" y="T1"/>
+              </a:cxn>
+              <a:cxn ang="0">
+                <a:pos x="T2" y="T3"/>
+              </a:cxn>
+            </a:cxnLst>
+            <a:rect l="0" t="0" r="r" b="b"/>
+            <a:pathLst>
+              <a:path w="125" h="74">
+                <a:moveTo>
+                  <a:pt x="125" y="0"/>
+                </a:moveTo>
+                <a:cubicBezTo>
+                  <a:pt x="85" y="22"/>
+                  <a:pt x="43" y="47"/>
+                  <a:pt x="0" y="74"/>
+                </a:cubicBezTo>
+              </a:path>
+            </a:pathLst>
+          </a:custGeom>
+          <a:noFill/>
+          <a:ln w="9525" cap="flat">
+            <a:solidFill>
+              <a:schemeClr val="tx1">
+                <a:alpha val="20000"/>
+              </a:schemeClr>
+            </a:solidFill>
+            <a:prstDash val="dash"/>
+            <a:miter lim="800000"/>
+            <a:headEnd/>
+            <a:tailEnd/>
+          </a:ln>
+          <a:extLst>
+            <a:ext uri="{909E8E84-426E-40DD-AFC4-6F175D3DCCD1}">
+              <a14:hiddenFill xmlns:a14="http://schemas.microsoft.com/office/drawing/2010/main">
+                <a:solidFill>
+                  <a:srgbClr val="FFFFFF"/>
+                </a:solidFill>
+              </a14:hiddenFill>
+            </a:ext>
+          </a:extLst>
+        </p:spPr>
+        <p:txBody>
+          <a:bodyPr vert="horz" wrap="square" lIns="91440" tIns="45720" rIns="91440" bIns="45720" numCol="1" anchor="t" anchorCtr="0" compatLnSpc="1">
+            <a:prstTxWarp prst="textNoShape">
+              <a:avLst/>
+            </a:prstTxWarp>
+          </a:bodyPr>
+          <a:lstStyle/>
+          <a:p>
+            <a:endParaRPr lang="en-US"/>
+          </a:p>
+        </p:txBody>
+      </p:sp>
+      <p:sp>
+        <p:nvSpPr>
+          <p:cNvPr id="31" name="Freeform 16">
+            <a:extLst>
+              <a:ext uri="{FF2B5EF4-FFF2-40B4-BE49-F238E27FC236}">
+                <a16:creationId xmlns:a16="http://schemas.microsoft.com/office/drawing/2014/main" id="{3981F5C4-9AE1-404E-AF44-A4E6DB374F9D}"/>
+              </a:ext>
+              <a:ext uri="{C183D7F6-B498-43B3-948B-1728B52AA6E4}">
+                <adec:decorative xmlns:adec="http://schemas.microsoft.com/office/drawing/2017/decorative" val="1"/>
+              </a:ext>
+            </a:extLst>
+          </p:cNvPr>
+          <p:cNvSpPr>
+            <a:spLocks noGrp="1" noRot="1" noChangeAspect="1" noMove="1" noResize="1" noEditPoints="1" noAdjustHandles="1" noChangeArrowheads="1" noChangeShapeType="1" noTextEdit="1"/>
+          </p:cNvSpPr>
+          <p:nvPr>
+            <p:extLst>
+              <p:ext uri="{386F3935-93C4-4BCD-93E2-E3B085C9AB24}">
+                <p16:designElem xmlns:p16="http://schemas.microsoft.com/office/powerpoint/2015/main" val="1"/>
+              </p:ext>
+            </p:extLst>
+          </p:nvPr>
+        </p:nvSpPr>
+        <p:spPr bwMode="auto">
+          <a:xfrm>
+            <a:off x="-1061" y="-1916"/>
+            <a:ext cx="357188" cy="213875"/>
+          </a:xfrm>
+          <a:custGeom>
+            <a:avLst/>
+            <a:gdLst>
+              <a:gd name="T0" fmla="*/ 75 w 75"/>
+              <a:gd name="T1" fmla="*/ 0 h 45"/>
+              <a:gd name="T2" fmla="*/ 0 w 75"/>
+              <a:gd name="T3" fmla="*/ 45 h 45"/>
+            </a:gdLst>
+            <a:ahLst/>
+            <a:cxnLst>
+              <a:cxn ang="0">
+                <a:pos x="T0" y="T1"/>
+              </a:cxn>
+              <a:cxn ang="0">
+                <a:pos x="T2" y="T3"/>
+              </a:cxn>
+            </a:cxnLst>
+            <a:rect l="0" t="0" r="r" b="b"/>
+            <a:pathLst>
+              <a:path w="75" h="45">
+                <a:moveTo>
+                  <a:pt x="75" y="0"/>
+                </a:moveTo>
+                <a:cubicBezTo>
+                  <a:pt x="50" y="14"/>
+                  <a:pt x="25" y="29"/>
+                  <a:pt x="0" y="45"/>
+                </a:cubicBezTo>
+              </a:path>
+            </a:pathLst>
+          </a:custGeom>
+          <a:noFill/>
+          <a:ln w="12700" cap="flat">
+            <a:solidFill>
+              <a:schemeClr val="tx1">
+                <a:alpha val="20000"/>
+              </a:schemeClr>
+            </a:solidFill>
+            <a:prstDash val="dashDot"/>
+            <a:miter lim="800000"/>
+            <a:headEnd/>
+            <a:tailEnd/>
+          </a:ln>
+          <a:extLst>
+            <a:ext uri="{909E8E84-426E-40DD-AFC4-6F175D3DCCD1}">
+              <a14:hiddenFill xmlns:a14="http://schemas.microsoft.com/office/drawing/2010/main">
+                <a:solidFill>
+                  <a:srgbClr val="FFFFFF"/>
+                </a:solidFill>
+              </a14:hiddenFill>
+            </a:ext>
+          </a:extLst>
+        </p:spPr>
+        <p:txBody>
+          <a:bodyPr vert="horz" wrap="square" lIns="91440" tIns="45720" rIns="91440" bIns="45720" numCol="1" anchor="t" anchorCtr="0" compatLnSpc="1">
+            <a:prstTxWarp prst="textNoShape">
+              <a:avLst/>
+            </a:prstTxWarp>
+          </a:bodyPr>
+          <a:lstStyle/>
+          <a:p>
+            <a:endParaRPr lang="en-US"/>
+          </a:p>
+        </p:txBody>
+      </p:sp>
+      <p:sp>
+        <p:nvSpPr>
+          <p:cNvPr id="33" name="Freeform 11">
+            <a:extLst>
+              <a:ext uri="{FF2B5EF4-FFF2-40B4-BE49-F238E27FC236}">
+                <a16:creationId xmlns:a16="http://schemas.microsoft.com/office/drawing/2014/main" id="{763C1781-8726-4FAC-8C45-FF40376BE409}"/>
+              </a:ext>
+              <a:ext uri="{C183D7F6-B498-43B3-948B-1728B52AA6E4}">
+                <adec:decorative xmlns:adec="http://schemas.microsoft.com/office/drawing/2017/decorative" val="1"/>
+              </a:ext>
+            </a:extLst>
+          </p:cNvPr>
+          <p:cNvSpPr>
+            <a:spLocks noGrp="1" noRot="1" noChangeAspect="1" noMove="1" noResize="1" noEditPoints="1" noAdjustHandles="1" noChangeArrowheads="1" noChangeShapeType="1" noTextEdit="1"/>
+          </p:cNvSpPr>
+          <p:nvPr>
+            <p:extLst>
+              <p:ext uri="{386F3935-93C4-4BCD-93E2-E3B085C9AB24}">
+                <p16:designElem xmlns:p16="http://schemas.microsoft.com/office/powerpoint/2015/main" val="1"/>
+              </p:ext>
+            </p:extLst>
+          </p:nvPr>
+        </p:nvSpPr>
+        <p:spPr bwMode="auto">
+          <a:xfrm>
+            <a:off x="5426601" y="-1916"/>
+            <a:ext cx="5788025" cy="6847184"/>
+          </a:xfrm>
+          <a:custGeom>
+            <a:avLst/>
+            <a:gdLst>
+              <a:gd name="T0" fmla="*/ 1094 w 1216"/>
+              <a:gd name="T1" fmla="*/ 1436 h 1436"/>
+              <a:gd name="T2" fmla="*/ 709 w 1216"/>
+              <a:gd name="T3" fmla="*/ 551 h 1436"/>
+              <a:gd name="T4" fmla="*/ 0 w 1216"/>
+              <a:gd name="T5" fmla="*/ 0 h 1436"/>
+            </a:gdLst>
+            <a:ahLst/>
+            <a:cxnLst>
+              <a:cxn ang="0">
+                <a:pos x="T0" y="T1"/>
+              </a:cxn>
+              <a:cxn ang="0">
+                <a:pos x="T2" y="T3"/>
+              </a:cxn>
+              <a:cxn ang="0">
+                <a:pos x="T4" y="T5"/>
+              </a:cxn>
+            </a:cxnLst>
+            <a:rect l="0" t="0" r="r" b="b"/>
+            <a:pathLst>
+              <a:path w="1216" h="1436">
+                <a:moveTo>
+                  <a:pt x="1094" y="1436"/>
+                </a:moveTo>
+                <a:cubicBezTo>
+                  <a:pt x="1216" y="1114"/>
+                  <a:pt x="904" y="770"/>
+                  <a:pt x="709" y="551"/>
+                </a:cubicBezTo>
+                <a:cubicBezTo>
+                  <a:pt x="509" y="327"/>
+                  <a:pt x="274" y="127"/>
+                  <a:pt x="0" y="0"/>
+                </a:cubicBezTo>
+              </a:path>
+            </a:pathLst>
+          </a:custGeom>
+          <a:noFill/>
+          <a:ln w="9525" cap="flat">
+            <a:solidFill>
+              <a:schemeClr val="tx1">
+                <a:alpha val="20000"/>
+              </a:schemeClr>
+            </a:solidFill>
+            <a:prstDash val="solid"/>
+            <a:miter lim="800000"/>
+            <a:headEnd/>
+            <a:tailEnd/>
+          </a:ln>
+          <a:extLst>
+            <a:ext uri="{909E8E84-426E-40DD-AFC4-6F175D3DCCD1}">
+              <a14:hiddenFill xmlns:a14="http://schemas.microsoft.com/office/drawing/2010/main">
+                <a:solidFill>
+                  <a:srgbClr val="FFFFFF"/>
+                </a:solidFill>
+              </a14:hiddenFill>
+            </a:ext>
+          </a:extLst>
+        </p:spPr>
+        <p:txBody>
+          <a:bodyPr vert="horz" wrap="square" lIns="91440" tIns="45720" rIns="91440" bIns="45720" numCol="1" anchor="t" anchorCtr="0" compatLnSpc="1">
+            <a:prstTxWarp prst="textNoShape">
+              <a:avLst/>
+            </a:prstTxWarp>
+          </a:bodyPr>
+          <a:lstStyle/>
+          <a:p>
+            <a:endParaRPr lang="en-US"/>
+          </a:p>
+        </p:txBody>
+      </p:sp>
+      <p:sp>
+        <p:nvSpPr>
+          <p:cNvPr id="35" name="Freeform 21">
+            <a:extLst>
+              <a:ext uri="{FF2B5EF4-FFF2-40B4-BE49-F238E27FC236}">
+                <a16:creationId xmlns:a16="http://schemas.microsoft.com/office/drawing/2014/main" id="{301491B5-56C7-43DC-A3D9-861EECCA056A}"/>
+              </a:ext>
+              <a:ext uri="{C183D7F6-B498-43B3-948B-1728B52AA6E4}">
+                <adec:decorative xmlns:adec="http://schemas.microsoft.com/office/drawing/2017/decorative" val="1"/>
+              </a:ext>
+            </a:extLst>
+          </p:cNvPr>
+          <p:cNvSpPr>
+            <a:spLocks noGrp="1" noRot="1" noChangeAspect="1" noMove="1" noResize="1" noEditPoints="1" noAdjustHandles="1" noChangeArrowheads="1" noChangeShapeType="1" noTextEdit="1"/>
+          </p:cNvSpPr>
+          <p:nvPr>
+            <p:extLst>
+              <p:ext uri="{386F3935-93C4-4BCD-93E2-E3B085C9AB24}">
+                <p16:designElem xmlns:p16="http://schemas.microsoft.com/office/powerpoint/2015/main" val="1"/>
+              </p:ext>
+            </p:extLst>
+          </p:nvPr>
+        </p:nvSpPr>
+        <p:spPr bwMode="auto">
+          <a:xfrm>
+            <a:off x="9235014" y="2872"/>
+            <a:ext cx="2951163" cy="2555325"/>
+          </a:xfrm>
+          <a:custGeom>
+            <a:avLst/>
+            <a:gdLst>
+              <a:gd name="T0" fmla="*/ 620 w 620"/>
+              <a:gd name="T1" fmla="*/ 536 h 536"/>
+              <a:gd name="T2" fmla="*/ 0 w 620"/>
+              <a:gd name="T3" fmla="*/ 0 h 536"/>
+            </a:gdLst>
+            <a:ahLst/>
+            <a:cxnLst>
+              <a:cxn ang="0">
+                <a:pos x="T0" y="T1"/>
+              </a:cxn>
+              <a:cxn ang="0">
+                <a:pos x="T2" y="T3"/>
+              </a:cxn>
+            </a:cxnLst>
+            <a:rect l="0" t="0" r="r" b="b"/>
+            <a:pathLst>
+              <a:path w="620" h="536">
+                <a:moveTo>
+                  <a:pt x="620" y="536"/>
+                </a:moveTo>
+                <a:cubicBezTo>
+                  <a:pt x="404" y="314"/>
+                  <a:pt x="196" y="138"/>
+                  <a:pt x="0" y="0"/>
+                </a:cubicBezTo>
+              </a:path>
+            </a:pathLst>
+          </a:custGeom>
+          <a:noFill/>
+          <a:ln w="9525" cap="flat">
+            <a:solidFill>
+              <a:schemeClr val="tx1">
+                <a:alpha val="20000"/>
+              </a:schemeClr>
+            </a:solidFill>
+            <a:prstDash val="solid"/>
+            <a:miter lim="800000"/>
+            <a:headEnd/>
+            <a:tailEnd/>
+          </a:ln>
+          <a:extLst>
+            <a:ext uri="{909E8E84-426E-40DD-AFC4-6F175D3DCCD1}">
+              <a14:hiddenFill xmlns:a14="http://schemas.microsoft.com/office/drawing/2010/main">
+                <a:solidFill>
+                  <a:srgbClr val="FFFFFF"/>
+                </a:solidFill>
+              </a14:hiddenFill>
+            </a:ext>
+          </a:extLst>
+        </p:spPr>
+        <p:txBody>
+          <a:bodyPr vert="horz" wrap="square" lIns="91440" tIns="45720" rIns="91440" bIns="45720" numCol="1" anchor="t" anchorCtr="0" compatLnSpc="1">
+            <a:prstTxWarp prst="textNoShape">
+              <a:avLst/>
+            </a:prstTxWarp>
+          </a:bodyPr>
+          <a:lstStyle/>
+          <a:p>
+            <a:endParaRPr lang="en-US"/>
+          </a:p>
+        </p:txBody>
+      </p:sp>
+      <p:sp>
+        <p:nvSpPr>
+          <p:cNvPr id="2" name="Title 1">
+            <a:extLst>
+              <a:ext uri="{FF2B5EF4-FFF2-40B4-BE49-F238E27FC236}">
+                <a16:creationId xmlns:a16="http://schemas.microsoft.com/office/drawing/2014/main" id="{D1CAD71B-8A0D-4167-B114-8C9D3F9ED1D2}"/>
+              </a:ext>
+            </a:extLst>
+          </p:cNvPr>
+          <p:cNvSpPr>
+            <a:spLocks noGrp="1"/>
+          </p:cNvSpPr>
+          <p:nvPr>
+            <p:ph type="title"/>
+          </p:nvPr>
+        </p:nvSpPr>
+        <p:spPr>
+          <a:xfrm>
+            <a:off x="251351" y="214385"/>
+            <a:ext cx="11591607" cy="748561"/>
+          </a:xfrm>
+        </p:spPr>
+        <p:txBody>
+          <a:bodyPr vert="horz" lIns="91440" tIns="45720" rIns="91440" bIns="45720" rtlCol="0" anchor="b">
+            <a:normAutofit/>
+          </a:bodyPr>
+          <a:lstStyle/>
+          <a:p>
+            <a:r>
+              <a:rPr lang="en-US" sz="4000" dirty="0"/>
+              <a:t>Obj 3:  How has ordering changed during Covid?</a:t>
+            </a:r>
+          </a:p>
+        </p:txBody>
+      </p:sp>
+      <p:sp>
+        <p:nvSpPr>
+          <p:cNvPr id="37" name="Freeform 22">
+            <a:extLst>
+              <a:ext uri="{FF2B5EF4-FFF2-40B4-BE49-F238E27FC236}">
+                <a16:creationId xmlns:a16="http://schemas.microsoft.com/office/drawing/2014/main" id="{237E2353-22DF-46E0-A200-FB30F8F394E2}"/>
+              </a:ext>
+              <a:ext uri="{C183D7F6-B498-43B3-948B-1728B52AA6E4}">
+                <adec:decorative xmlns:adec="http://schemas.microsoft.com/office/drawing/2017/decorative" val="1"/>
+              </a:ext>
+            </a:extLst>
+          </p:cNvPr>
+          <p:cNvSpPr>
+            <a:spLocks noGrp="1" noRot="1" noChangeAspect="1" noMove="1" noResize="1" noEditPoints="1" noAdjustHandles="1" noChangeArrowheads="1" noChangeShapeType="1" noTextEdit="1"/>
+          </p:cNvSpPr>
+          <p:nvPr>
+            <p:extLst>
+              <p:ext uri="{386F3935-93C4-4BCD-93E2-E3B085C9AB24}">
+                <p16:designElem xmlns:p16="http://schemas.microsoft.com/office/powerpoint/2015/main" val="1"/>
+              </p:ext>
+            </p:extLst>
+          </p:nvPr>
+        </p:nvSpPr>
+        <p:spPr bwMode="auto">
+          <a:xfrm>
+            <a:off x="10020826" y="-1916"/>
+            <a:ext cx="2165350" cy="1358265"/>
+          </a:xfrm>
+          <a:custGeom>
+            <a:avLst/>
+            <a:gdLst>
+              <a:gd name="T0" fmla="*/ 0 w 455"/>
+              <a:gd name="T1" fmla="*/ 0 h 285"/>
+              <a:gd name="T2" fmla="*/ 455 w 455"/>
+              <a:gd name="T3" fmla="*/ 285 h 285"/>
+            </a:gdLst>
+            <a:ahLst/>
+            <a:cxnLst>
+              <a:cxn ang="0">
+                <a:pos x="T0" y="T1"/>
+              </a:cxn>
+              <a:cxn ang="0">
+                <a:pos x="T2" y="T3"/>
+              </a:cxn>
+            </a:cxnLst>
+            <a:rect l="0" t="0" r="r" b="b"/>
+            <a:pathLst>
+              <a:path w="455" h="285">
+                <a:moveTo>
+                  <a:pt x="0" y="0"/>
+                </a:moveTo>
+                <a:cubicBezTo>
+                  <a:pt x="153" y="85"/>
+                  <a:pt x="308" y="180"/>
+                  <a:pt x="455" y="285"/>
+                </a:cubicBezTo>
+              </a:path>
+            </a:pathLst>
+          </a:custGeom>
+          <a:noFill/>
+          <a:ln w="9525" cap="flat">
+            <a:solidFill>
+              <a:schemeClr val="tx1">
+                <a:alpha val="20000"/>
+              </a:schemeClr>
+            </a:solidFill>
+            <a:prstDash val="dash"/>
+            <a:miter lim="800000"/>
+            <a:headEnd/>
+            <a:tailEnd/>
+          </a:ln>
+          <a:extLst>
+            <a:ext uri="{909E8E84-426E-40DD-AFC4-6F175D3DCCD1}">
+              <a14:hiddenFill xmlns:a14="http://schemas.microsoft.com/office/drawing/2010/main">
+                <a:solidFill>
+                  <a:srgbClr val="FFFFFF"/>
+                </a:solidFill>
+              </a14:hiddenFill>
+            </a:ext>
+          </a:extLst>
+        </p:spPr>
+        <p:txBody>
+          <a:bodyPr vert="horz" wrap="square" lIns="91440" tIns="45720" rIns="91440" bIns="45720" numCol="1" anchor="t" anchorCtr="0" compatLnSpc="1">
+            <a:prstTxWarp prst="textNoShape">
+              <a:avLst/>
+            </a:prstTxWarp>
+          </a:bodyPr>
+          <a:lstStyle/>
+          <a:p>
+            <a:endParaRPr lang="en-US"/>
+          </a:p>
+        </p:txBody>
+      </p:sp>
+      <p:sp>
+        <p:nvSpPr>
+          <p:cNvPr id="39" name="Freeform 23">
+            <a:extLst>
+              <a:ext uri="{FF2B5EF4-FFF2-40B4-BE49-F238E27FC236}">
+                <a16:creationId xmlns:a16="http://schemas.microsoft.com/office/drawing/2014/main" id="{DD6138DB-057B-45F7-A5F4-E7BFDA20D02C}"/>
+              </a:ext>
+              <a:ext uri="{C183D7F6-B498-43B3-948B-1728B52AA6E4}">
+                <adec:decorative xmlns:adec="http://schemas.microsoft.com/office/drawing/2017/decorative" val="1"/>
+              </a:ext>
+            </a:extLst>
+          </p:cNvPr>
+          <p:cNvSpPr>
+            <a:spLocks noGrp="1" noRot="1" noChangeAspect="1" noMove="1" noResize="1" noEditPoints="1" noAdjustHandles="1" noChangeArrowheads="1" noChangeShapeType="1" noTextEdit="1"/>
+          </p:cNvSpPr>
+          <p:nvPr>
+            <p:extLst>
+              <p:ext uri="{386F3935-93C4-4BCD-93E2-E3B085C9AB24}">
+                <p16:designElem xmlns:p16="http://schemas.microsoft.com/office/powerpoint/2015/main" val="1"/>
+              </p:ext>
+            </p:extLst>
+          </p:nvPr>
+        </p:nvSpPr>
+        <p:spPr bwMode="auto">
+          <a:xfrm>
+            <a:off x="11290826" y="-1916"/>
+            <a:ext cx="895350" cy="534687"/>
+          </a:xfrm>
+          <a:custGeom>
+            <a:avLst/>
+            <a:gdLst>
+              <a:gd name="T0" fmla="*/ 0 w 188"/>
+              <a:gd name="T1" fmla="*/ 0 h 112"/>
+              <a:gd name="T2" fmla="*/ 188 w 188"/>
+              <a:gd name="T3" fmla="*/ 112 h 112"/>
+            </a:gdLst>
+            <a:ahLst/>
+            <a:cxnLst>
+              <a:cxn ang="0">
+                <a:pos x="T0" y="T1"/>
+              </a:cxn>
+              <a:cxn ang="0">
+                <a:pos x="T2" y="T3"/>
+              </a:cxn>
+            </a:cxnLst>
+            <a:rect l="0" t="0" r="r" b="b"/>
+            <a:pathLst>
+              <a:path w="188" h="112">
+                <a:moveTo>
+                  <a:pt x="0" y="0"/>
+                </a:moveTo>
+                <a:cubicBezTo>
+                  <a:pt x="63" y="36"/>
+                  <a:pt x="126" y="73"/>
+                  <a:pt x="188" y="112"/>
+                </a:cubicBezTo>
+              </a:path>
+            </a:pathLst>
+          </a:custGeom>
+          <a:noFill/>
+          <a:ln w="9525" cap="flat">
+            <a:solidFill>
+              <a:schemeClr val="tx1">
+                <a:alpha val="20000"/>
+              </a:schemeClr>
+            </a:solidFill>
+            <a:prstDash val="solid"/>
+            <a:miter lim="800000"/>
+            <a:headEnd/>
+            <a:tailEnd/>
+          </a:ln>
+          <a:extLst>
+            <a:ext uri="{909E8E84-426E-40DD-AFC4-6F175D3DCCD1}">
+              <a14:hiddenFill xmlns:a14="http://schemas.microsoft.com/office/drawing/2010/main">
+                <a:solidFill>
+                  <a:srgbClr val="FFFFFF"/>
+                </a:solidFill>
+              </a14:hiddenFill>
+            </a:ext>
+          </a:extLst>
+        </p:spPr>
+        <p:txBody>
+          <a:bodyPr vert="horz" wrap="square" lIns="91440" tIns="45720" rIns="91440" bIns="45720" numCol="1" anchor="t" anchorCtr="0" compatLnSpc="1">
+            <a:prstTxWarp prst="textNoShape">
+              <a:avLst/>
+            </a:prstTxWarp>
+          </a:bodyPr>
+          <a:lstStyle/>
+          <a:p>
+            <a:endParaRPr lang="en-US"/>
+          </a:p>
+        </p:txBody>
+      </p:sp>
+      <p:sp>
+        <p:nvSpPr>
+          <p:cNvPr id="41" name="Freeform: Shape 40">
+            <a:extLst>
+              <a:ext uri="{FF2B5EF4-FFF2-40B4-BE49-F238E27FC236}">
+                <a16:creationId xmlns:a16="http://schemas.microsoft.com/office/drawing/2014/main" id="{79A54AB1-B64F-4843-BFAB-81CB74E66B65}"/>
+              </a:ext>
+              <a:ext uri="{C183D7F6-B498-43B3-948B-1728B52AA6E4}">
+                <adec:decorative xmlns:adec="http://schemas.microsoft.com/office/drawing/2017/decorative" val="1"/>
+              </a:ext>
+            </a:extLst>
+          </p:cNvPr>
+          <p:cNvSpPr>
+            <a:spLocks noGrp="1" noRot="1" noChangeAspect="1" noMove="1" noResize="1" noEditPoints="1" noAdjustHandles="1" noChangeArrowheads="1" noChangeShapeType="1" noTextEdit="1"/>
+          </p:cNvSpPr>
+          <p:nvPr>
+            <p:extLst>
+              <p:ext uri="{386F3935-93C4-4BCD-93E2-E3B085C9AB24}">
+                <p16:designElem xmlns:p16="http://schemas.microsoft.com/office/powerpoint/2015/main" val="1"/>
+              </p:ext>
+            </p:extLst>
+          </p:nvPr>
+        </p:nvSpPr>
+        <p:spPr>
+          <a:xfrm rot="20931529">
+            <a:off x="752078" y="2218040"/>
+            <a:ext cx="4418757" cy="4259609"/>
+          </a:xfrm>
+          <a:custGeom>
+            <a:avLst/>
+            <a:gdLst>
+              <a:gd name="connsiteX0" fmla="*/ 404107 w 4507111"/>
+              <a:gd name="connsiteY0" fmla="*/ 0 h 4344781"/>
+              <a:gd name="connsiteX1" fmla="*/ 371857 w 4507111"/>
+              <a:gd name="connsiteY1" fmla="*/ 117359 h 4344781"/>
+              <a:gd name="connsiteX2" fmla="*/ 307833 w 4507111"/>
+              <a:gd name="connsiteY2" fmla="*/ 632970 h 4344781"/>
+              <a:gd name="connsiteX3" fmla="*/ 3569418 w 4507111"/>
+              <a:gd name="connsiteY3" fmla="*/ 4141149 h 4344781"/>
+              <a:gd name="connsiteX4" fmla="*/ 4440861 w 4507111"/>
+              <a:gd name="connsiteY4" fmla="*/ 4332480 h 4344781"/>
+              <a:gd name="connsiteX5" fmla="*/ 4507111 w 4507111"/>
+              <a:gd name="connsiteY5" fmla="*/ 4341752 h 4344781"/>
+              <a:gd name="connsiteX6" fmla="*/ 4296045 w 4507111"/>
+              <a:gd name="connsiteY6" fmla="*/ 4344781 h 4344781"/>
+              <a:gd name="connsiteX7" fmla="*/ 3749565 w 4507111"/>
+              <a:gd name="connsiteY7" fmla="*/ 4321853 h 4344781"/>
+              <a:gd name="connsiteX8" fmla="*/ 36764 w 4507111"/>
+              <a:gd name="connsiteY8" fmla="*/ 1629794 h 4344781"/>
+              <a:gd name="connsiteX9" fmla="*/ 300069 w 4507111"/>
+              <a:gd name="connsiteY9" fmla="*/ 144750 h 4344781"/>
+            </a:gdLst>
+            <a:ahLst/>
+            <a:cxnLst>
+              <a:cxn ang="0">
+                <a:pos x="connsiteX0" y="connsiteY0"/>
+              </a:cxn>
+              <a:cxn ang="0">
+                <a:pos x="connsiteX1" y="connsiteY1"/>
+              </a:cxn>
+              <a:cxn ang="0">
+                <a:pos x="connsiteX2" y="connsiteY2"/>
+              </a:cxn>
+              <a:cxn ang="0">
+                <a:pos x="connsiteX3" y="connsiteY3"/>
+              </a:cxn>
+              <a:cxn ang="0">
+                <a:pos x="connsiteX4" y="connsiteY4"/>
+              </a:cxn>
+              <a:cxn ang="0">
+                <a:pos x="connsiteX5" y="connsiteY5"/>
+              </a:cxn>
+              <a:cxn ang="0">
+                <a:pos x="connsiteX6" y="connsiteY6"/>
+              </a:cxn>
+              <a:cxn ang="0">
+                <a:pos x="connsiteX7" y="connsiteY7"/>
+              </a:cxn>
+              <a:cxn ang="0">
+                <a:pos x="connsiteX8" y="connsiteY8"/>
+              </a:cxn>
+              <a:cxn ang="0">
+                <a:pos x="connsiteX9" y="connsiteY9"/>
+              </a:cxn>
+            </a:cxnLst>
+            <a:rect l="l" t="t" r="r" b="b"/>
+            <a:pathLst>
+              <a:path w="4507111" h="4344781">
+                <a:moveTo>
+                  <a:pt x="404107" y="0"/>
+                </a:moveTo>
+                <a:lnTo>
+                  <a:pt x="371857" y="117359"/>
+                </a:lnTo>
+                <a:cubicBezTo>
+                  <a:pt x="333827" y="278567"/>
+                  <a:pt x="311875" y="450459"/>
+                  <a:pt x="307833" y="632970"/>
+                </a:cubicBezTo>
+                <a:cubicBezTo>
+                  <a:pt x="264711" y="2579752"/>
+                  <a:pt x="2253987" y="3769243"/>
+                  <a:pt x="3569418" y="4141149"/>
+                </a:cubicBezTo>
+                <a:cubicBezTo>
+                  <a:pt x="3816061" y="4210881"/>
+                  <a:pt x="4114807" y="4279754"/>
+                  <a:pt x="4440861" y="4332480"/>
+                </a:cubicBezTo>
+                <a:lnTo>
+                  <a:pt x="4507111" y="4341752"/>
+                </a:lnTo>
+                <a:lnTo>
+                  <a:pt x="4296045" y="4344781"/>
+                </a:lnTo>
+                <a:cubicBezTo>
+                  <a:pt x="4097363" y="4343711"/>
+                  <a:pt x="3912623" y="4335104"/>
+                  <a:pt x="3749565" y="4321853"/>
+                </a:cubicBezTo>
+                <a:cubicBezTo>
+                  <a:pt x="2445102" y="4215850"/>
+                  <a:pt x="356405" y="3466499"/>
+                  <a:pt x="36764" y="1629794"/>
+                </a:cubicBezTo>
+                <a:cubicBezTo>
+                  <a:pt x="-63123" y="1055823"/>
+                  <a:pt x="45741" y="555869"/>
+                  <a:pt x="300069" y="144750"/>
+                </a:cubicBezTo>
+                <a:close/>
+              </a:path>
+            </a:pathLst>
+          </a:custGeom>
+          <a:solidFill>
+            <a:schemeClr val="tx1">
+              <a:alpha val="70000"/>
+            </a:schemeClr>
+          </a:solidFill>
+          <a:ln>
+            <a:noFill/>
+          </a:ln>
+        </p:spPr>
+        <p:style>
+          <a:lnRef idx="2">
+            <a:schemeClr val="accent1">
+              <a:shade val="50000"/>
+            </a:schemeClr>
+          </a:lnRef>
+          <a:fillRef idx="1">
+            <a:schemeClr val="accent1"/>
+          </a:fillRef>
+          <a:effectRef idx="0">
+            <a:schemeClr val="accent1"/>
+          </a:effectRef>
+          <a:fontRef idx="minor">
+            <a:schemeClr val="lt1"/>
+          </a:fontRef>
+        </p:style>
+        <p:txBody>
+          <a:bodyPr wrap="square" rtlCol="0" anchor="ctr">
+            <a:noAutofit/>
+          </a:bodyPr>
+          <a:lstStyle/>
+          <a:p>
+            <a:pPr marL="0" marR="0" lvl="0" indent="0" algn="ctr" defTabSz="457200" rtl="0" eaLnBrk="1" fontAlgn="auto" latinLnBrk="0" hangingPunct="1">
+              <a:lnSpc>
+                <a:spcPct val="100000"/>
+              </a:lnSpc>
+              <a:spcBef>
+                <a:spcPts val="0"/>
+              </a:spcBef>
+              <a:spcAft>
+                <a:spcPts val="0"/>
+              </a:spcAft>
+              <a:buClrTx/>
+              <a:buSzTx/>
+              <a:buFontTx/>
+              <a:buNone/>
+              <a:tabLst/>
+              <a:defRPr/>
+            </a:pPr>
+            <a:endParaRPr kumimoji="0" lang="en-US" sz="1800" b="0" i="0" u="none" strike="noStrike" kern="1200" cap="none" spc="0" normalizeH="0" baseline="0" noProof="0">
+              <a:ln>
+                <a:noFill/>
+              </a:ln>
+              <a:solidFill>
+                <a:prstClr val="white"/>
+              </a:solidFill>
+              <a:effectLst/>
+              <a:uLnTx/>
+              <a:uFillTx/>
+              <a:latin typeface="Rockwell" panose="02060603020205020403"/>
+              <a:ea typeface="+mn-ea"/>
+              <a:cs typeface="+mn-cs"/>
+            </a:endParaRPr>
+          </a:p>
+        </p:txBody>
+      </p:sp>
+      <p:pic>
+        <p:nvPicPr>
           <p:cNvPr id="7" name="Content Placeholder 6" descr="A hamburger on a plate&#10;&#10;Description automatically generated with low confidence">
             <a:extLst>
               <a:ext uri="{FF2B5EF4-FFF2-40B4-BE49-F238E27FC236}">
@@ -5303,6 +7038,1660 @@
           </a:xfrm>
         </p:spPr>
       </p:pic>
+      <p:graphicFrame>
+        <p:nvGraphicFramePr>
+          <p:cNvPr id="3" name="Table 2">
+            <a:extLst>
+              <a:ext uri="{FF2B5EF4-FFF2-40B4-BE49-F238E27FC236}">
+                <a16:creationId xmlns:a16="http://schemas.microsoft.com/office/drawing/2014/main" id="{E251F732-1A2F-42A7-9424-0A368416F5A2}"/>
+              </a:ext>
+            </a:extLst>
+          </p:cNvPr>
+          <p:cNvGraphicFramePr>
+            <a:graphicFrameLocks noGrp="1"/>
+          </p:cNvGraphicFramePr>
+          <p:nvPr>
+            <p:extLst>
+              <p:ext uri="{D42A27DB-BD31-4B8C-83A1-F6EECF244321}">
+                <p14:modId xmlns:p14="http://schemas.microsoft.com/office/powerpoint/2010/main" val="3971444345"/>
+              </p:ext>
+            </p:extLst>
+          </p:nvPr>
+        </p:nvGraphicFramePr>
+        <p:xfrm>
+          <a:off x="8080903" y="1020406"/>
+          <a:ext cx="3771899" cy="2095500"/>
+        </p:xfrm>
+        <a:graphic>
+          <a:graphicData uri="http://schemas.openxmlformats.org/drawingml/2006/table">
+            <a:tbl>
+              <a:tblPr/>
+              <a:tblGrid>
+                <a:gridCol w="1574825">
+                  <a:extLst>
+                    <a:ext uri="{9D8B030D-6E8A-4147-A177-3AD203B41FA5}">
+                      <a16:colId xmlns:a16="http://schemas.microsoft.com/office/drawing/2014/main" val="1202073338"/>
+                    </a:ext>
+                  </a:extLst>
+                </a:gridCol>
+                <a:gridCol w="914400">
+                  <a:extLst>
+                    <a:ext uri="{9D8B030D-6E8A-4147-A177-3AD203B41FA5}">
+                      <a16:colId xmlns:a16="http://schemas.microsoft.com/office/drawing/2014/main" val="1018384121"/>
+                    </a:ext>
+                  </a:extLst>
+                </a:gridCol>
+                <a:gridCol w="606968">
+                  <a:extLst>
+                    <a:ext uri="{9D8B030D-6E8A-4147-A177-3AD203B41FA5}">
+                      <a16:colId xmlns:a16="http://schemas.microsoft.com/office/drawing/2014/main" val="1107947090"/>
+                    </a:ext>
+                  </a:extLst>
+                </a:gridCol>
+                <a:gridCol w="675706">
+                  <a:extLst>
+                    <a:ext uri="{9D8B030D-6E8A-4147-A177-3AD203B41FA5}">
+                      <a16:colId xmlns:a16="http://schemas.microsoft.com/office/drawing/2014/main" val="1536900384"/>
+                    </a:ext>
+                  </a:extLst>
+                </a:gridCol>
+              </a:tblGrid>
+              <a:tr h="190500">
+                <a:tc>
+                  <a:txBody>
+                    <a:bodyPr/>
+                    <a:lstStyle/>
+                    <a:p>
+                      <a:pPr algn="l" fontAlgn="b"/>
+                      <a:endParaRPr lang="en-US" sz="1100" b="1" i="0" u="none" strike="noStrike">
+                        <a:solidFill>
+                          <a:srgbClr val="000000"/>
+                        </a:solidFill>
+                        <a:effectLst/>
+                        <a:latin typeface="Calibri" panose="020F0502020204030204" pitchFamily="34" charset="0"/>
+                      </a:endParaRPr>
+                    </a:p>
+                  </a:txBody>
+                  <a:tcPr marL="9525" marR="9525" marT="9525" marB="0" anchor="b">
+                    <a:lnL>
+                      <a:noFill/>
+                    </a:lnL>
+                    <a:lnR>
+                      <a:noFill/>
+                    </a:lnR>
+                    <a:lnT>
+                      <a:noFill/>
+                    </a:lnT>
+                    <a:lnB>
+                      <a:noFill/>
+                    </a:lnB>
+                    <a:solidFill>
+                      <a:srgbClr val="DCE6F1"/>
+                    </a:solidFill>
+                  </a:tcPr>
+                </a:tc>
+                <a:tc>
+                  <a:txBody>
+                    <a:bodyPr/>
+                    <a:lstStyle/>
+                    <a:p>
+                      <a:pPr algn="l" fontAlgn="b"/>
+                      <a:r>
+                        <a:rPr lang="en-US" sz="1100" b="1" i="0" u="none" strike="noStrike" dirty="0">
+                          <a:solidFill>
+                            <a:srgbClr val="000000"/>
+                          </a:solidFill>
+                          <a:effectLst/>
+                          <a:latin typeface="Calibri" panose="020F0502020204030204" pitchFamily="34" charset="0"/>
+                        </a:rPr>
+                        <a:t>Column Labels</a:t>
+                      </a:r>
+                    </a:p>
+                  </a:txBody>
+                  <a:tcPr marL="9525" marR="9525" marT="9525" marB="0" anchor="b">
+                    <a:lnL>
+                      <a:noFill/>
+                    </a:lnL>
+                    <a:lnR>
+                      <a:noFill/>
+                    </a:lnR>
+                    <a:lnT>
+                      <a:noFill/>
+                    </a:lnT>
+                    <a:lnB>
+                      <a:noFill/>
+                    </a:lnB>
+                    <a:solidFill>
+                      <a:srgbClr val="DCE6F1"/>
+                    </a:solidFill>
+                  </a:tcPr>
+                </a:tc>
+                <a:tc>
+                  <a:txBody>
+                    <a:bodyPr/>
+                    <a:lstStyle/>
+                    <a:p>
+                      <a:pPr algn="l" fontAlgn="b"/>
+                      <a:endParaRPr lang="en-US" sz="1100" b="1" i="0" u="none" strike="noStrike">
+                        <a:solidFill>
+                          <a:srgbClr val="000000"/>
+                        </a:solidFill>
+                        <a:effectLst/>
+                        <a:latin typeface="Calibri" panose="020F0502020204030204" pitchFamily="34" charset="0"/>
+                      </a:endParaRPr>
+                    </a:p>
+                  </a:txBody>
+                  <a:tcPr marL="9525" marR="9525" marT="9525" marB="0" anchor="b">
+                    <a:lnL>
+                      <a:noFill/>
+                    </a:lnL>
+                    <a:lnR>
+                      <a:noFill/>
+                    </a:lnR>
+                    <a:lnT>
+                      <a:noFill/>
+                    </a:lnT>
+                    <a:lnB>
+                      <a:noFill/>
+                    </a:lnB>
+                    <a:solidFill>
+                      <a:srgbClr val="DCE6F1"/>
+                    </a:solidFill>
+                  </a:tcPr>
+                </a:tc>
+                <a:tc>
+                  <a:txBody>
+                    <a:bodyPr/>
+                    <a:lstStyle/>
+                    <a:p>
+                      <a:pPr algn="l" fontAlgn="b"/>
+                      <a:endParaRPr lang="en-US" sz="1100" b="1" i="0" u="none" strike="noStrike">
+                        <a:solidFill>
+                          <a:srgbClr val="000000"/>
+                        </a:solidFill>
+                        <a:effectLst/>
+                        <a:latin typeface="Calibri" panose="020F0502020204030204" pitchFamily="34" charset="0"/>
+                      </a:endParaRPr>
+                    </a:p>
+                  </a:txBody>
+                  <a:tcPr marL="9525" marR="9525" marT="9525" marB="0" anchor="b">
+                    <a:lnL>
+                      <a:noFill/>
+                    </a:lnL>
+                    <a:lnR>
+                      <a:noFill/>
+                    </a:lnR>
+                    <a:lnT>
+                      <a:noFill/>
+                    </a:lnT>
+                    <a:lnB>
+                      <a:noFill/>
+                    </a:lnB>
+                    <a:solidFill>
+                      <a:srgbClr val="DCE6F1"/>
+                    </a:solidFill>
+                  </a:tcPr>
+                </a:tc>
+                <a:extLst>
+                  <a:ext uri="{0D108BD9-81ED-4DB2-BD59-A6C34878D82A}">
+                    <a16:rowId xmlns:a16="http://schemas.microsoft.com/office/drawing/2014/main" val="2097942859"/>
+                  </a:ext>
+                </a:extLst>
+              </a:tr>
+              <a:tr h="190500">
+                <a:tc>
+                  <a:txBody>
+                    <a:bodyPr/>
+                    <a:lstStyle/>
+                    <a:p>
+                      <a:pPr algn="l" fontAlgn="b"/>
+                      <a:r>
+                        <a:rPr lang="en-US" sz="1100" b="1" i="0" u="none" strike="noStrike">
+                          <a:solidFill>
+                            <a:srgbClr val="000000"/>
+                          </a:solidFill>
+                          <a:effectLst/>
+                          <a:latin typeface="Calibri" panose="020F0502020204030204" pitchFamily="34" charset="0"/>
+                        </a:rPr>
+                        <a:t>Values</a:t>
+                      </a:r>
+                    </a:p>
+                  </a:txBody>
+                  <a:tcPr marL="9525" marR="9525" marT="9525" marB="0" anchor="b">
+                    <a:lnL>
+                      <a:noFill/>
+                    </a:lnL>
+                    <a:lnR>
+                      <a:noFill/>
+                    </a:lnR>
+                    <a:lnT>
+                      <a:noFill/>
+                    </a:lnT>
+                    <a:lnB w="6350" cap="flat" cmpd="sng" algn="ctr">
+                      <a:solidFill>
+                        <a:srgbClr val="95B3D7"/>
+                      </a:solidFill>
+                      <a:prstDash val="solid"/>
+                      <a:round/>
+                      <a:headEnd type="none" w="med" len="med"/>
+                      <a:tailEnd type="none" w="med" len="med"/>
+                    </a:lnB>
+                    <a:solidFill>
+                      <a:srgbClr val="DCE6F1"/>
+                    </a:solidFill>
+                  </a:tcPr>
+                </a:tc>
+                <a:tc>
+                  <a:txBody>
+                    <a:bodyPr/>
+                    <a:lstStyle/>
+                    <a:p>
+                      <a:pPr algn="l" fontAlgn="b"/>
+                      <a:r>
+                        <a:rPr lang="en-US" sz="1100" b="1" i="0" u="none" strike="noStrike">
+                          <a:solidFill>
+                            <a:srgbClr val="000000"/>
+                          </a:solidFill>
+                          <a:effectLst/>
+                          <a:latin typeface="Calibri" panose="020F0502020204030204" pitchFamily="34" charset="0"/>
+                        </a:rPr>
+                        <a:t>Before</a:t>
+                      </a:r>
+                    </a:p>
+                  </a:txBody>
+                  <a:tcPr marL="9525" marR="9525" marT="9525" marB="0" anchor="b">
+                    <a:lnL>
+                      <a:noFill/>
+                    </a:lnL>
+                    <a:lnR>
+                      <a:noFill/>
+                    </a:lnR>
+                    <a:lnT>
+                      <a:noFill/>
+                    </a:lnT>
+                    <a:lnB w="6350" cap="flat" cmpd="sng" algn="ctr">
+                      <a:solidFill>
+                        <a:srgbClr val="95B3D7"/>
+                      </a:solidFill>
+                      <a:prstDash val="solid"/>
+                      <a:round/>
+                      <a:headEnd type="none" w="med" len="med"/>
+                      <a:tailEnd type="none" w="med" len="med"/>
+                    </a:lnB>
+                    <a:solidFill>
+                      <a:srgbClr val="DCE6F1"/>
+                    </a:solidFill>
+                  </a:tcPr>
+                </a:tc>
+                <a:tc>
+                  <a:txBody>
+                    <a:bodyPr/>
+                    <a:lstStyle/>
+                    <a:p>
+                      <a:pPr algn="l" fontAlgn="b"/>
+                      <a:r>
+                        <a:rPr lang="en-US" sz="1100" b="1" i="0" u="none" strike="noStrike">
+                          <a:solidFill>
+                            <a:srgbClr val="000000"/>
+                          </a:solidFill>
+                          <a:effectLst/>
+                          <a:latin typeface="Calibri" panose="020F0502020204030204" pitchFamily="34" charset="0"/>
+                        </a:rPr>
+                        <a:t>During</a:t>
+                      </a:r>
+                    </a:p>
+                  </a:txBody>
+                  <a:tcPr marL="9525" marR="9525" marT="9525" marB="0" anchor="b">
+                    <a:lnL>
+                      <a:noFill/>
+                    </a:lnL>
+                    <a:lnR>
+                      <a:noFill/>
+                    </a:lnR>
+                    <a:lnT>
+                      <a:noFill/>
+                    </a:lnT>
+                    <a:lnB w="6350" cap="flat" cmpd="sng" algn="ctr">
+                      <a:solidFill>
+                        <a:srgbClr val="95B3D7"/>
+                      </a:solidFill>
+                      <a:prstDash val="solid"/>
+                      <a:round/>
+                      <a:headEnd type="none" w="med" len="med"/>
+                      <a:tailEnd type="none" w="med" len="med"/>
+                    </a:lnB>
+                    <a:solidFill>
+                      <a:srgbClr val="DCE6F1"/>
+                    </a:solidFill>
+                  </a:tcPr>
+                </a:tc>
+                <a:tc>
+                  <a:txBody>
+                    <a:bodyPr/>
+                    <a:lstStyle/>
+                    <a:p>
+                      <a:pPr algn="l" fontAlgn="b"/>
+                      <a:r>
+                        <a:rPr lang="en-US" sz="1100" b="1" i="0" u="none" strike="noStrike">
+                          <a:solidFill>
+                            <a:srgbClr val="000000"/>
+                          </a:solidFill>
+                          <a:effectLst/>
+                          <a:latin typeface="Calibri" panose="020F0502020204030204" pitchFamily="34" charset="0"/>
+                        </a:rPr>
+                        <a:t>After</a:t>
+                      </a:r>
+                    </a:p>
+                  </a:txBody>
+                  <a:tcPr marL="9525" marR="9525" marT="9525" marB="0" anchor="b">
+                    <a:lnL>
+                      <a:noFill/>
+                    </a:lnL>
+                    <a:lnR>
+                      <a:noFill/>
+                    </a:lnR>
+                    <a:lnT>
+                      <a:noFill/>
+                    </a:lnT>
+                    <a:lnB w="6350" cap="flat" cmpd="sng" algn="ctr">
+                      <a:solidFill>
+                        <a:srgbClr val="95B3D7"/>
+                      </a:solidFill>
+                      <a:prstDash val="solid"/>
+                      <a:round/>
+                      <a:headEnd type="none" w="med" len="med"/>
+                      <a:tailEnd type="none" w="med" len="med"/>
+                    </a:lnB>
+                    <a:solidFill>
+                      <a:srgbClr val="DCE6F1"/>
+                    </a:solidFill>
+                  </a:tcPr>
+                </a:tc>
+                <a:extLst>
+                  <a:ext uri="{0D108BD9-81ED-4DB2-BD59-A6C34878D82A}">
+                    <a16:rowId xmlns:a16="http://schemas.microsoft.com/office/drawing/2014/main" val="2495605238"/>
+                  </a:ext>
+                </a:extLst>
+              </a:tr>
+              <a:tr h="190500">
+                <a:tc>
+                  <a:txBody>
+                    <a:bodyPr/>
+                    <a:lstStyle/>
+                    <a:p>
+                      <a:pPr algn="l" fontAlgn="b"/>
+                      <a:r>
+                        <a:rPr lang="en-US" sz="1100" b="0" i="0" u="none" strike="noStrike" dirty="0">
+                          <a:solidFill>
+                            <a:srgbClr val="000000"/>
+                          </a:solidFill>
+                          <a:effectLst/>
+                          <a:latin typeface="Calibri" panose="020F0502020204030204" pitchFamily="34" charset="0"/>
+                        </a:rPr>
+                        <a:t>Average of Sales</a:t>
+                      </a:r>
+                    </a:p>
+                  </a:txBody>
+                  <a:tcPr marL="9525" marR="9525" marT="9525" marB="0" anchor="b">
+                    <a:lnL>
+                      <a:noFill/>
+                    </a:lnL>
+                    <a:lnR>
+                      <a:noFill/>
+                    </a:lnR>
+                    <a:lnT w="6350" cap="flat" cmpd="sng" algn="ctr">
+                      <a:solidFill>
+                        <a:srgbClr val="95B3D7"/>
+                      </a:solidFill>
+                      <a:prstDash val="solid"/>
+                      <a:round/>
+                      <a:headEnd type="none" w="med" len="med"/>
+                      <a:tailEnd type="none" w="med" len="med"/>
+                    </a:lnT>
+                    <a:lnB>
+                      <a:noFill/>
+                    </a:lnB>
+                  </a:tcPr>
+                </a:tc>
+                <a:tc>
+                  <a:txBody>
+                    <a:bodyPr/>
+                    <a:lstStyle/>
+                    <a:p>
+                      <a:pPr algn="r" fontAlgn="b"/>
+                      <a:r>
+                        <a:rPr lang="en-US" sz="1100" b="0" i="0" u="none" strike="noStrike">
+                          <a:solidFill>
+                            <a:srgbClr val="000000"/>
+                          </a:solidFill>
+                          <a:effectLst/>
+                          <a:latin typeface="Calibri" panose="020F0502020204030204" pitchFamily="34" charset="0"/>
+                        </a:rPr>
+                        <a:t>122,075.35</a:t>
+                      </a:r>
+                    </a:p>
+                  </a:txBody>
+                  <a:tcPr marL="9525" marR="9525" marT="9525" marB="0" anchor="b">
+                    <a:lnL>
+                      <a:noFill/>
+                    </a:lnL>
+                    <a:lnR>
+                      <a:noFill/>
+                    </a:lnR>
+                    <a:lnT w="6350" cap="flat" cmpd="sng" algn="ctr">
+                      <a:solidFill>
+                        <a:srgbClr val="95B3D7"/>
+                      </a:solidFill>
+                      <a:prstDash val="solid"/>
+                      <a:round/>
+                      <a:headEnd type="none" w="med" len="med"/>
+                      <a:tailEnd type="none" w="med" len="med"/>
+                    </a:lnT>
+                    <a:lnB>
+                      <a:noFill/>
+                    </a:lnB>
+                  </a:tcPr>
+                </a:tc>
+                <a:tc>
+                  <a:txBody>
+                    <a:bodyPr/>
+                    <a:lstStyle/>
+                    <a:p>
+                      <a:pPr algn="r" fontAlgn="b"/>
+                      <a:r>
+                        <a:rPr lang="en-US" sz="1100" b="0" i="0" u="none" strike="noStrike">
+                          <a:solidFill>
+                            <a:srgbClr val="000000"/>
+                          </a:solidFill>
+                          <a:effectLst/>
+                          <a:latin typeface="Calibri" panose="020F0502020204030204" pitchFamily="34" charset="0"/>
+                        </a:rPr>
+                        <a:t>95,590.30</a:t>
+                      </a:r>
+                    </a:p>
+                  </a:txBody>
+                  <a:tcPr marL="9525" marR="9525" marT="9525" marB="0" anchor="b">
+                    <a:lnL>
+                      <a:noFill/>
+                    </a:lnL>
+                    <a:lnR>
+                      <a:noFill/>
+                    </a:lnR>
+                    <a:lnT w="6350" cap="flat" cmpd="sng" algn="ctr">
+                      <a:solidFill>
+                        <a:srgbClr val="95B3D7"/>
+                      </a:solidFill>
+                      <a:prstDash val="solid"/>
+                      <a:round/>
+                      <a:headEnd type="none" w="med" len="med"/>
+                      <a:tailEnd type="none" w="med" len="med"/>
+                    </a:lnT>
+                    <a:lnB>
+                      <a:noFill/>
+                    </a:lnB>
+                  </a:tcPr>
+                </a:tc>
+                <a:tc>
+                  <a:txBody>
+                    <a:bodyPr/>
+                    <a:lstStyle/>
+                    <a:p>
+                      <a:pPr algn="r" fontAlgn="b"/>
+                      <a:r>
+                        <a:rPr lang="en-US" sz="1100" b="0" i="0" u="none" strike="noStrike">
+                          <a:solidFill>
+                            <a:srgbClr val="000000"/>
+                          </a:solidFill>
+                          <a:effectLst/>
+                          <a:latin typeface="Calibri" panose="020F0502020204030204" pitchFamily="34" charset="0"/>
+                        </a:rPr>
+                        <a:t>125,419.52</a:t>
+                      </a:r>
+                    </a:p>
+                  </a:txBody>
+                  <a:tcPr marL="9525" marR="9525" marT="9525" marB="0" anchor="b">
+                    <a:lnL>
+                      <a:noFill/>
+                    </a:lnL>
+                    <a:lnR>
+                      <a:noFill/>
+                    </a:lnR>
+                    <a:lnT w="6350" cap="flat" cmpd="sng" algn="ctr">
+                      <a:solidFill>
+                        <a:srgbClr val="95B3D7"/>
+                      </a:solidFill>
+                      <a:prstDash val="solid"/>
+                      <a:round/>
+                      <a:headEnd type="none" w="med" len="med"/>
+                      <a:tailEnd type="none" w="med" len="med"/>
+                    </a:lnT>
+                    <a:lnB>
+                      <a:noFill/>
+                    </a:lnB>
+                  </a:tcPr>
+                </a:tc>
+                <a:extLst>
+                  <a:ext uri="{0D108BD9-81ED-4DB2-BD59-A6C34878D82A}">
+                    <a16:rowId xmlns:a16="http://schemas.microsoft.com/office/drawing/2014/main" val="1582493317"/>
+                  </a:ext>
+                </a:extLst>
+              </a:tr>
+              <a:tr h="190500">
+                <a:tc>
+                  <a:txBody>
+                    <a:bodyPr/>
+                    <a:lstStyle/>
+                    <a:p>
+                      <a:pPr algn="l" fontAlgn="b"/>
+                      <a:r>
+                        <a:rPr lang="en-US" sz="1100" b="0" i="0" u="none" strike="noStrike">
+                          <a:solidFill>
+                            <a:srgbClr val="000000"/>
+                          </a:solidFill>
+                          <a:effectLst/>
+                          <a:latin typeface="Calibri" panose="020F0502020204030204" pitchFamily="34" charset="0"/>
+                        </a:rPr>
+                        <a:t>Average of CarryO</a:t>
+                      </a:r>
+                    </a:p>
+                  </a:txBody>
+                  <a:tcPr marL="9525" marR="9525" marT="9525" marB="0" anchor="b">
+                    <a:lnL>
+                      <a:noFill/>
+                    </a:lnL>
+                    <a:lnR>
+                      <a:noFill/>
+                    </a:lnR>
+                    <a:lnT>
+                      <a:noFill/>
+                    </a:lnT>
+                    <a:lnB>
+                      <a:noFill/>
+                    </a:lnB>
+                  </a:tcPr>
+                </a:tc>
+                <a:tc>
+                  <a:txBody>
+                    <a:bodyPr/>
+                    <a:lstStyle/>
+                    <a:p>
+                      <a:pPr algn="r" fontAlgn="b"/>
+                      <a:r>
+                        <a:rPr lang="en-US" sz="1100" b="0" i="0" u="none" strike="noStrike">
+                          <a:solidFill>
+                            <a:srgbClr val="000000"/>
+                          </a:solidFill>
+                          <a:effectLst/>
+                          <a:latin typeface="Calibri" panose="020F0502020204030204" pitchFamily="34" charset="0"/>
+                        </a:rPr>
+                        <a:t>12,732.05</a:t>
+                      </a:r>
+                    </a:p>
+                  </a:txBody>
+                  <a:tcPr marL="9525" marR="9525" marT="9525" marB="0" anchor="b">
+                    <a:lnL>
+                      <a:noFill/>
+                    </a:lnL>
+                    <a:lnR>
+                      <a:noFill/>
+                    </a:lnR>
+                    <a:lnT>
+                      <a:noFill/>
+                    </a:lnT>
+                    <a:lnB>
+                      <a:noFill/>
+                    </a:lnB>
+                  </a:tcPr>
+                </a:tc>
+                <a:tc>
+                  <a:txBody>
+                    <a:bodyPr/>
+                    <a:lstStyle/>
+                    <a:p>
+                      <a:pPr algn="r" fontAlgn="b"/>
+                      <a:r>
+                        <a:rPr lang="en-US" sz="1100" b="0" i="0" u="none" strike="noStrike">
+                          <a:solidFill>
+                            <a:srgbClr val="000000"/>
+                          </a:solidFill>
+                          <a:effectLst/>
+                          <a:latin typeface="Calibri" panose="020F0502020204030204" pitchFamily="34" charset="0"/>
+                        </a:rPr>
+                        <a:t>0.00</a:t>
+                      </a:r>
+                    </a:p>
+                  </a:txBody>
+                  <a:tcPr marL="9525" marR="9525" marT="9525" marB="0" anchor="b">
+                    <a:lnL>
+                      <a:noFill/>
+                    </a:lnL>
+                    <a:lnR>
+                      <a:noFill/>
+                    </a:lnR>
+                    <a:lnT>
+                      <a:noFill/>
+                    </a:lnT>
+                    <a:lnB>
+                      <a:noFill/>
+                    </a:lnB>
+                  </a:tcPr>
+                </a:tc>
+                <a:tc>
+                  <a:txBody>
+                    <a:bodyPr/>
+                    <a:lstStyle/>
+                    <a:p>
+                      <a:pPr algn="r" fontAlgn="b"/>
+                      <a:r>
+                        <a:rPr lang="en-US" sz="1100" b="0" i="0" u="none" strike="noStrike">
+                          <a:solidFill>
+                            <a:srgbClr val="000000"/>
+                          </a:solidFill>
+                          <a:effectLst/>
+                          <a:latin typeface="Calibri" panose="020F0502020204030204" pitchFamily="34" charset="0"/>
+                        </a:rPr>
+                        <a:t>0.00</a:t>
+                      </a:r>
+                    </a:p>
+                  </a:txBody>
+                  <a:tcPr marL="9525" marR="9525" marT="9525" marB="0" anchor="b">
+                    <a:lnL>
+                      <a:noFill/>
+                    </a:lnL>
+                    <a:lnR>
+                      <a:noFill/>
+                    </a:lnR>
+                    <a:lnT>
+                      <a:noFill/>
+                    </a:lnT>
+                    <a:lnB>
+                      <a:noFill/>
+                    </a:lnB>
+                  </a:tcPr>
+                </a:tc>
+                <a:extLst>
+                  <a:ext uri="{0D108BD9-81ED-4DB2-BD59-A6C34878D82A}">
+                    <a16:rowId xmlns:a16="http://schemas.microsoft.com/office/drawing/2014/main" val="694240714"/>
+                  </a:ext>
+                </a:extLst>
+              </a:tr>
+              <a:tr h="190500">
+                <a:tc>
+                  <a:txBody>
+                    <a:bodyPr/>
+                    <a:lstStyle/>
+                    <a:p>
+                      <a:pPr algn="l" fontAlgn="b"/>
+                      <a:r>
+                        <a:rPr lang="en-US" sz="1100" b="0" i="0" u="none" strike="noStrike">
+                          <a:solidFill>
+                            <a:srgbClr val="000000"/>
+                          </a:solidFill>
+                          <a:effectLst/>
+                          <a:latin typeface="Calibri" panose="020F0502020204030204" pitchFamily="34" charset="0"/>
+                        </a:rPr>
+                        <a:t>Average of MobCO</a:t>
+                      </a:r>
+                    </a:p>
+                  </a:txBody>
+                  <a:tcPr marL="9525" marR="9525" marT="9525" marB="0" anchor="b">
+                    <a:lnL>
+                      <a:noFill/>
+                    </a:lnL>
+                    <a:lnR>
+                      <a:noFill/>
+                    </a:lnR>
+                    <a:lnT>
+                      <a:noFill/>
+                    </a:lnT>
+                    <a:lnB>
+                      <a:noFill/>
+                    </a:lnB>
+                  </a:tcPr>
+                </a:tc>
+                <a:tc>
+                  <a:txBody>
+                    <a:bodyPr/>
+                    <a:lstStyle/>
+                    <a:p>
+                      <a:pPr algn="r" fontAlgn="b"/>
+                      <a:r>
+                        <a:rPr lang="en-US" sz="1100" b="0" i="0" u="none" strike="noStrike">
+                          <a:solidFill>
+                            <a:srgbClr val="000000"/>
+                          </a:solidFill>
+                          <a:effectLst/>
+                          <a:latin typeface="Calibri" panose="020F0502020204030204" pitchFamily="34" charset="0"/>
+                        </a:rPr>
+                        <a:t>7,170.84</a:t>
+                      </a:r>
+                    </a:p>
+                  </a:txBody>
+                  <a:tcPr marL="9525" marR="9525" marT="9525" marB="0" anchor="b">
+                    <a:lnL>
+                      <a:noFill/>
+                    </a:lnL>
+                    <a:lnR>
+                      <a:noFill/>
+                    </a:lnR>
+                    <a:lnT>
+                      <a:noFill/>
+                    </a:lnT>
+                    <a:lnB>
+                      <a:noFill/>
+                    </a:lnB>
+                  </a:tcPr>
+                </a:tc>
+                <a:tc>
+                  <a:txBody>
+                    <a:bodyPr/>
+                    <a:lstStyle/>
+                    <a:p>
+                      <a:pPr algn="r" fontAlgn="b"/>
+                      <a:r>
+                        <a:rPr lang="en-US" sz="1100" b="0" i="0" u="none" strike="noStrike">
+                          <a:solidFill>
+                            <a:srgbClr val="000000"/>
+                          </a:solidFill>
+                          <a:effectLst/>
+                          <a:latin typeface="Calibri" panose="020F0502020204030204" pitchFamily="34" charset="0"/>
+                        </a:rPr>
+                        <a:t>29.60</a:t>
+                      </a:r>
+                    </a:p>
+                  </a:txBody>
+                  <a:tcPr marL="9525" marR="9525" marT="9525" marB="0" anchor="b">
+                    <a:lnL>
+                      <a:noFill/>
+                    </a:lnL>
+                    <a:lnR>
+                      <a:noFill/>
+                    </a:lnR>
+                    <a:lnT>
+                      <a:noFill/>
+                    </a:lnT>
+                    <a:lnB>
+                      <a:noFill/>
+                    </a:lnB>
+                  </a:tcPr>
+                </a:tc>
+                <a:tc>
+                  <a:txBody>
+                    <a:bodyPr/>
+                    <a:lstStyle/>
+                    <a:p>
+                      <a:pPr algn="r" fontAlgn="b"/>
+                      <a:r>
+                        <a:rPr lang="en-US" sz="1100" b="0" i="0" u="none" strike="noStrike">
+                          <a:solidFill>
+                            <a:srgbClr val="000000"/>
+                          </a:solidFill>
+                          <a:effectLst/>
+                          <a:latin typeface="Calibri" panose="020F0502020204030204" pitchFamily="34" charset="0"/>
+                        </a:rPr>
+                        <a:t>0.00</a:t>
+                      </a:r>
+                    </a:p>
+                  </a:txBody>
+                  <a:tcPr marL="9525" marR="9525" marT="9525" marB="0" anchor="b">
+                    <a:lnL>
+                      <a:noFill/>
+                    </a:lnL>
+                    <a:lnR>
+                      <a:noFill/>
+                    </a:lnR>
+                    <a:lnT>
+                      <a:noFill/>
+                    </a:lnT>
+                    <a:lnB>
+                      <a:noFill/>
+                    </a:lnB>
+                  </a:tcPr>
+                </a:tc>
+                <a:extLst>
+                  <a:ext uri="{0D108BD9-81ED-4DB2-BD59-A6C34878D82A}">
+                    <a16:rowId xmlns:a16="http://schemas.microsoft.com/office/drawing/2014/main" val="305087185"/>
+                  </a:ext>
+                </a:extLst>
+              </a:tr>
+              <a:tr h="190500">
+                <a:tc>
+                  <a:txBody>
+                    <a:bodyPr/>
+                    <a:lstStyle/>
+                    <a:p>
+                      <a:pPr algn="l" fontAlgn="b"/>
+                      <a:r>
+                        <a:rPr lang="en-US" sz="1100" b="0" i="0" u="none" strike="noStrike">
+                          <a:solidFill>
+                            <a:srgbClr val="000000"/>
+                          </a:solidFill>
+                          <a:effectLst/>
+                          <a:latin typeface="Calibri" panose="020F0502020204030204" pitchFamily="34" charset="0"/>
+                        </a:rPr>
+                        <a:t>Average of DineIn</a:t>
+                      </a:r>
+                    </a:p>
+                  </a:txBody>
+                  <a:tcPr marL="9525" marR="9525" marT="9525" marB="0" anchor="b">
+                    <a:lnL>
+                      <a:noFill/>
+                    </a:lnL>
+                    <a:lnR>
+                      <a:noFill/>
+                    </a:lnR>
+                    <a:lnT>
+                      <a:noFill/>
+                    </a:lnT>
+                    <a:lnB>
+                      <a:noFill/>
+                    </a:lnB>
+                  </a:tcPr>
+                </a:tc>
+                <a:tc>
+                  <a:txBody>
+                    <a:bodyPr/>
+                    <a:lstStyle/>
+                    <a:p>
+                      <a:pPr algn="r" fontAlgn="b"/>
+                      <a:r>
+                        <a:rPr lang="en-US" sz="1100" b="0" i="0" u="none" strike="noStrike">
+                          <a:solidFill>
+                            <a:srgbClr val="000000"/>
+                          </a:solidFill>
+                          <a:effectLst/>
+                          <a:latin typeface="Calibri" panose="020F0502020204030204" pitchFamily="34" charset="0"/>
+                        </a:rPr>
+                        <a:t>17,305.05</a:t>
+                      </a:r>
+                    </a:p>
+                  </a:txBody>
+                  <a:tcPr marL="9525" marR="9525" marT="9525" marB="0" anchor="b">
+                    <a:lnL>
+                      <a:noFill/>
+                    </a:lnL>
+                    <a:lnR>
+                      <a:noFill/>
+                    </a:lnR>
+                    <a:lnT>
+                      <a:noFill/>
+                    </a:lnT>
+                    <a:lnB>
+                      <a:noFill/>
+                    </a:lnB>
+                  </a:tcPr>
+                </a:tc>
+                <a:tc>
+                  <a:txBody>
+                    <a:bodyPr/>
+                    <a:lstStyle/>
+                    <a:p>
+                      <a:pPr algn="r" fontAlgn="b"/>
+                      <a:r>
+                        <a:rPr lang="en-US" sz="1100" b="0" i="0" u="none" strike="noStrike">
+                          <a:solidFill>
+                            <a:srgbClr val="000000"/>
+                          </a:solidFill>
+                          <a:effectLst/>
+                          <a:latin typeface="Calibri" panose="020F0502020204030204" pitchFamily="34" charset="0"/>
+                        </a:rPr>
+                        <a:t>0.00</a:t>
+                      </a:r>
+                    </a:p>
+                  </a:txBody>
+                  <a:tcPr marL="9525" marR="9525" marT="9525" marB="0" anchor="b">
+                    <a:lnL>
+                      <a:noFill/>
+                    </a:lnL>
+                    <a:lnR>
+                      <a:noFill/>
+                    </a:lnR>
+                    <a:lnT>
+                      <a:noFill/>
+                    </a:lnT>
+                    <a:lnB>
+                      <a:noFill/>
+                    </a:lnB>
+                  </a:tcPr>
+                </a:tc>
+                <a:tc>
+                  <a:txBody>
+                    <a:bodyPr/>
+                    <a:lstStyle/>
+                    <a:p>
+                      <a:pPr algn="r" fontAlgn="b"/>
+                      <a:r>
+                        <a:rPr lang="en-US" sz="1100" b="0" i="0" u="none" strike="noStrike">
+                          <a:solidFill>
+                            <a:srgbClr val="000000"/>
+                          </a:solidFill>
+                          <a:effectLst/>
+                          <a:latin typeface="Calibri" panose="020F0502020204030204" pitchFamily="34" charset="0"/>
+                        </a:rPr>
+                        <a:t>0.00</a:t>
+                      </a:r>
+                    </a:p>
+                  </a:txBody>
+                  <a:tcPr marL="9525" marR="9525" marT="9525" marB="0" anchor="b">
+                    <a:lnL>
+                      <a:noFill/>
+                    </a:lnL>
+                    <a:lnR>
+                      <a:noFill/>
+                    </a:lnR>
+                    <a:lnT>
+                      <a:noFill/>
+                    </a:lnT>
+                    <a:lnB>
+                      <a:noFill/>
+                    </a:lnB>
+                  </a:tcPr>
+                </a:tc>
+                <a:extLst>
+                  <a:ext uri="{0D108BD9-81ED-4DB2-BD59-A6C34878D82A}">
+                    <a16:rowId xmlns:a16="http://schemas.microsoft.com/office/drawing/2014/main" val="202658183"/>
+                  </a:ext>
+                </a:extLst>
+              </a:tr>
+              <a:tr h="190500">
+                <a:tc>
+                  <a:txBody>
+                    <a:bodyPr/>
+                    <a:lstStyle/>
+                    <a:p>
+                      <a:pPr algn="l" fontAlgn="b"/>
+                      <a:r>
+                        <a:rPr lang="en-US" sz="1100" b="0" i="0" u="none" strike="noStrike">
+                          <a:solidFill>
+                            <a:srgbClr val="000000"/>
+                          </a:solidFill>
+                          <a:effectLst/>
+                          <a:latin typeface="Calibri" panose="020F0502020204030204" pitchFamily="34" charset="0"/>
+                        </a:rPr>
+                        <a:t>Average of MobDI</a:t>
+                      </a:r>
+                    </a:p>
+                  </a:txBody>
+                  <a:tcPr marL="9525" marR="9525" marT="9525" marB="0" anchor="b">
+                    <a:lnL>
+                      <a:noFill/>
+                    </a:lnL>
+                    <a:lnR>
+                      <a:noFill/>
+                    </a:lnR>
+                    <a:lnT>
+                      <a:noFill/>
+                    </a:lnT>
+                    <a:lnB>
+                      <a:noFill/>
+                    </a:lnB>
+                  </a:tcPr>
+                </a:tc>
+                <a:tc>
+                  <a:txBody>
+                    <a:bodyPr/>
+                    <a:lstStyle/>
+                    <a:p>
+                      <a:pPr algn="r" fontAlgn="b"/>
+                      <a:r>
+                        <a:rPr lang="en-US" sz="1100" b="0" i="0" u="none" strike="noStrike">
+                          <a:solidFill>
+                            <a:srgbClr val="000000"/>
+                          </a:solidFill>
+                          <a:effectLst/>
+                          <a:latin typeface="Calibri" panose="020F0502020204030204" pitchFamily="34" charset="0"/>
+                        </a:rPr>
+                        <a:t>1,151.47</a:t>
+                      </a:r>
+                    </a:p>
+                  </a:txBody>
+                  <a:tcPr marL="9525" marR="9525" marT="9525" marB="0" anchor="b">
+                    <a:lnL>
+                      <a:noFill/>
+                    </a:lnL>
+                    <a:lnR>
+                      <a:noFill/>
+                    </a:lnR>
+                    <a:lnT>
+                      <a:noFill/>
+                    </a:lnT>
+                    <a:lnB>
+                      <a:noFill/>
+                    </a:lnB>
+                  </a:tcPr>
+                </a:tc>
+                <a:tc>
+                  <a:txBody>
+                    <a:bodyPr/>
+                    <a:lstStyle/>
+                    <a:p>
+                      <a:pPr algn="r" fontAlgn="b"/>
+                      <a:r>
+                        <a:rPr lang="en-US" sz="1100" b="0" i="0" u="none" strike="noStrike">
+                          <a:solidFill>
+                            <a:srgbClr val="000000"/>
+                          </a:solidFill>
+                          <a:effectLst/>
+                          <a:latin typeface="Calibri" panose="020F0502020204030204" pitchFamily="34" charset="0"/>
+                        </a:rPr>
+                        <a:t>0.00</a:t>
+                      </a:r>
+                    </a:p>
+                  </a:txBody>
+                  <a:tcPr marL="9525" marR="9525" marT="9525" marB="0" anchor="b">
+                    <a:lnL>
+                      <a:noFill/>
+                    </a:lnL>
+                    <a:lnR>
+                      <a:noFill/>
+                    </a:lnR>
+                    <a:lnT>
+                      <a:noFill/>
+                    </a:lnT>
+                    <a:lnB>
+                      <a:noFill/>
+                    </a:lnB>
+                  </a:tcPr>
+                </a:tc>
+                <a:tc>
+                  <a:txBody>
+                    <a:bodyPr/>
+                    <a:lstStyle/>
+                    <a:p>
+                      <a:pPr algn="r" fontAlgn="b"/>
+                      <a:r>
+                        <a:rPr lang="en-US" sz="1100" b="0" i="0" u="none" strike="noStrike">
+                          <a:solidFill>
+                            <a:srgbClr val="000000"/>
+                          </a:solidFill>
+                          <a:effectLst/>
+                          <a:latin typeface="Calibri" panose="020F0502020204030204" pitchFamily="34" charset="0"/>
+                        </a:rPr>
+                        <a:t>0.00</a:t>
+                      </a:r>
+                    </a:p>
+                  </a:txBody>
+                  <a:tcPr marL="9525" marR="9525" marT="9525" marB="0" anchor="b">
+                    <a:lnL>
+                      <a:noFill/>
+                    </a:lnL>
+                    <a:lnR>
+                      <a:noFill/>
+                    </a:lnR>
+                    <a:lnT>
+                      <a:noFill/>
+                    </a:lnT>
+                    <a:lnB>
+                      <a:noFill/>
+                    </a:lnB>
+                  </a:tcPr>
+                </a:tc>
+                <a:extLst>
+                  <a:ext uri="{0D108BD9-81ED-4DB2-BD59-A6C34878D82A}">
+                    <a16:rowId xmlns:a16="http://schemas.microsoft.com/office/drawing/2014/main" val="1461384015"/>
+                  </a:ext>
+                </a:extLst>
+              </a:tr>
+              <a:tr h="190500">
+                <a:tc>
+                  <a:txBody>
+                    <a:bodyPr/>
+                    <a:lstStyle/>
+                    <a:p>
+                      <a:pPr algn="l" fontAlgn="b"/>
+                      <a:r>
+                        <a:rPr lang="en-US" sz="1100" b="0" i="0" u="none" strike="noStrike">
+                          <a:solidFill>
+                            <a:srgbClr val="000000"/>
+                          </a:solidFill>
+                          <a:effectLst/>
+                          <a:latin typeface="Calibri" panose="020F0502020204030204" pitchFamily="34" charset="0"/>
+                        </a:rPr>
+                        <a:t>Average of MobDT</a:t>
+                      </a:r>
+                    </a:p>
+                  </a:txBody>
+                  <a:tcPr marL="9525" marR="9525" marT="9525" marB="0" anchor="b">
+                    <a:lnL>
+                      <a:noFill/>
+                    </a:lnL>
+                    <a:lnR>
+                      <a:noFill/>
+                    </a:lnR>
+                    <a:lnT>
+                      <a:noFill/>
+                    </a:lnT>
+                    <a:lnB>
+                      <a:noFill/>
+                    </a:lnB>
+                  </a:tcPr>
+                </a:tc>
+                <a:tc>
+                  <a:txBody>
+                    <a:bodyPr/>
+                    <a:lstStyle/>
+                    <a:p>
+                      <a:pPr algn="r" fontAlgn="b"/>
+                      <a:r>
+                        <a:rPr lang="en-US" sz="1100" b="0" i="0" u="none" strike="noStrike">
+                          <a:solidFill>
+                            <a:srgbClr val="000000"/>
+                          </a:solidFill>
+                          <a:effectLst/>
+                          <a:latin typeface="Calibri" panose="020F0502020204030204" pitchFamily="34" charset="0"/>
+                        </a:rPr>
+                        <a:t>7,345.63</a:t>
+                      </a:r>
+                    </a:p>
+                  </a:txBody>
+                  <a:tcPr marL="9525" marR="9525" marT="9525" marB="0" anchor="b">
+                    <a:lnL>
+                      <a:noFill/>
+                    </a:lnL>
+                    <a:lnR>
+                      <a:noFill/>
+                    </a:lnR>
+                    <a:lnT>
+                      <a:noFill/>
+                    </a:lnT>
+                    <a:lnB>
+                      <a:noFill/>
+                    </a:lnB>
+                  </a:tcPr>
+                </a:tc>
+                <a:tc>
+                  <a:txBody>
+                    <a:bodyPr/>
+                    <a:lstStyle/>
+                    <a:p>
+                      <a:pPr algn="r" fontAlgn="b"/>
+                      <a:r>
+                        <a:rPr lang="en-US" sz="1100" b="0" i="0" u="none" strike="noStrike">
+                          <a:solidFill>
+                            <a:srgbClr val="000000"/>
+                          </a:solidFill>
+                          <a:effectLst/>
+                          <a:latin typeface="Calibri" panose="020F0502020204030204" pitchFamily="34" charset="0"/>
+                        </a:rPr>
+                        <a:t>16,315.80</a:t>
+                      </a:r>
+                    </a:p>
+                  </a:txBody>
+                  <a:tcPr marL="9525" marR="9525" marT="9525" marB="0" anchor="b">
+                    <a:lnL>
+                      <a:noFill/>
+                    </a:lnL>
+                    <a:lnR>
+                      <a:noFill/>
+                    </a:lnR>
+                    <a:lnT>
+                      <a:noFill/>
+                    </a:lnT>
+                    <a:lnB>
+                      <a:noFill/>
+                    </a:lnB>
+                  </a:tcPr>
+                </a:tc>
+                <a:tc>
+                  <a:txBody>
+                    <a:bodyPr/>
+                    <a:lstStyle/>
+                    <a:p>
+                      <a:pPr algn="r" fontAlgn="b"/>
+                      <a:r>
+                        <a:rPr lang="en-US" sz="1100" b="0" i="0" u="none" strike="noStrike">
+                          <a:solidFill>
+                            <a:srgbClr val="000000"/>
+                          </a:solidFill>
+                          <a:effectLst/>
+                          <a:latin typeface="Calibri" panose="020F0502020204030204" pitchFamily="34" charset="0"/>
+                        </a:rPr>
+                        <a:t>25,568.43</a:t>
+                      </a:r>
+                    </a:p>
+                  </a:txBody>
+                  <a:tcPr marL="9525" marR="9525" marT="9525" marB="0" anchor="b">
+                    <a:lnL>
+                      <a:noFill/>
+                    </a:lnL>
+                    <a:lnR>
+                      <a:noFill/>
+                    </a:lnR>
+                    <a:lnT>
+                      <a:noFill/>
+                    </a:lnT>
+                    <a:lnB>
+                      <a:noFill/>
+                    </a:lnB>
+                  </a:tcPr>
+                </a:tc>
+                <a:extLst>
+                  <a:ext uri="{0D108BD9-81ED-4DB2-BD59-A6C34878D82A}">
+                    <a16:rowId xmlns:a16="http://schemas.microsoft.com/office/drawing/2014/main" val="181009416"/>
+                  </a:ext>
+                </a:extLst>
+              </a:tr>
+              <a:tr h="190500">
+                <a:tc>
+                  <a:txBody>
+                    <a:bodyPr/>
+                    <a:lstStyle/>
+                    <a:p>
+                      <a:pPr algn="l" fontAlgn="b"/>
+                      <a:r>
+                        <a:rPr lang="en-US" sz="1100" b="0" i="0" u="none" strike="noStrike">
+                          <a:solidFill>
+                            <a:srgbClr val="000000"/>
+                          </a:solidFill>
+                          <a:effectLst/>
+                          <a:latin typeface="Calibri" panose="020F0502020204030204" pitchFamily="34" charset="0"/>
+                        </a:rPr>
+                        <a:t>Average of NormDT</a:t>
+                      </a:r>
+                    </a:p>
+                  </a:txBody>
+                  <a:tcPr marL="9525" marR="9525" marT="9525" marB="0" anchor="b">
+                    <a:lnL>
+                      <a:noFill/>
+                    </a:lnL>
+                    <a:lnR>
+                      <a:noFill/>
+                    </a:lnR>
+                    <a:lnT>
+                      <a:noFill/>
+                    </a:lnT>
+                    <a:lnB>
+                      <a:noFill/>
+                    </a:lnB>
+                  </a:tcPr>
+                </a:tc>
+                <a:tc>
+                  <a:txBody>
+                    <a:bodyPr/>
+                    <a:lstStyle/>
+                    <a:p>
+                      <a:pPr algn="r" fontAlgn="b"/>
+                      <a:r>
+                        <a:rPr lang="en-US" sz="1100" b="0" i="0" u="none" strike="noStrike">
+                          <a:solidFill>
+                            <a:srgbClr val="000000"/>
+                          </a:solidFill>
+                          <a:effectLst/>
+                          <a:latin typeface="Calibri" panose="020F0502020204030204" pitchFamily="34" charset="0"/>
+                        </a:rPr>
+                        <a:t>73,369.26</a:t>
+                      </a:r>
+                    </a:p>
+                  </a:txBody>
+                  <a:tcPr marL="9525" marR="9525" marT="9525" marB="0" anchor="b">
+                    <a:lnL>
+                      <a:noFill/>
+                    </a:lnL>
+                    <a:lnR>
+                      <a:noFill/>
+                    </a:lnR>
+                    <a:lnT>
+                      <a:noFill/>
+                    </a:lnT>
+                    <a:lnB>
+                      <a:noFill/>
+                    </a:lnB>
+                  </a:tcPr>
+                </a:tc>
+                <a:tc>
+                  <a:txBody>
+                    <a:bodyPr/>
+                    <a:lstStyle/>
+                    <a:p>
+                      <a:pPr algn="r" fontAlgn="b"/>
+                      <a:r>
+                        <a:rPr lang="en-US" sz="1100" b="0" i="0" u="none" strike="noStrike">
+                          <a:solidFill>
+                            <a:srgbClr val="000000"/>
+                          </a:solidFill>
+                          <a:effectLst/>
+                          <a:latin typeface="Calibri" panose="020F0502020204030204" pitchFamily="34" charset="0"/>
+                        </a:rPr>
+                        <a:t>76,075.60</a:t>
+                      </a:r>
+                    </a:p>
+                  </a:txBody>
+                  <a:tcPr marL="9525" marR="9525" marT="9525" marB="0" anchor="b">
+                    <a:lnL>
+                      <a:noFill/>
+                    </a:lnL>
+                    <a:lnR>
+                      <a:noFill/>
+                    </a:lnR>
+                    <a:lnT>
+                      <a:noFill/>
+                    </a:lnT>
+                    <a:lnB>
+                      <a:noFill/>
+                    </a:lnB>
+                  </a:tcPr>
+                </a:tc>
+                <a:tc>
+                  <a:txBody>
+                    <a:bodyPr/>
+                    <a:lstStyle/>
+                    <a:p>
+                      <a:pPr algn="r" fontAlgn="b"/>
+                      <a:r>
+                        <a:rPr lang="en-US" sz="1100" b="0" i="0" u="none" strike="noStrike">
+                          <a:solidFill>
+                            <a:srgbClr val="000000"/>
+                          </a:solidFill>
+                          <a:effectLst/>
+                          <a:latin typeface="Calibri" panose="020F0502020204030204" pitchFamily="34" charset="0"/>
+                        </a:rPr>
+                        <a:t>93,079.07</a:t>
+                      </a:r>
+                    </a:p>
+                  </a:txBody>
+                  <a:tcPr marL="9525" marR="9525" marT="9525" marB="0" anchor="b">
+                    <a:lnL>
+                      <a:noFill/>
+                    </a:lnL>
+                    <a:lnR>
+                      <a:noFill/>
+                    </a:lnR>
+                    <a:lnT>
+                      <a:noFill/>
+                    </a:lnT>
+                    <a:lnB>
+                      <a:noFill/>
+                    </a:lnB>
+                  </a:tcPr>
+                </a:tc>
+                <a:extLst>
+                  <a:ext uri="{0D108BD9-81ED-4DB2-BD59-A6C34878D82A}">
+                    <a16:rowId xmlns:a16="http://schemas.microsoft.com/office/drawing/2014/main" val="2912952647"/>
+                  </a:ext>
+                </a:extLst>
+              </a:tr>
+              <a:tr h="190500">
+                <a:tc>
+                  <a:txBody>
+                    <a:bodyPr/>
+                    <a:lstStyle/>
+                    <a:p>
+                      <a:pPr algn="l" fontAlgn="b"/>
+                      <a:r>
+                        <a:rPr lang="en-US" sz="1100" b="0" i="0" u="none" strike="noStrike">
+                          <a:solidFill>
+                            <a:srgbClr val="000000"/>
+                          </a:solidFill>
+                          <a:effectLst/>
+                          <a:latin typeface="Calibri" panose="020F0502020204030204" pitchFamily="34" charset="0"/>
+                        </a:rPr>
+                        <a:t>Average of Catering</a:t>
+                      </a:r>
+                    </a:p>
+                  </a:txBody>
+                  <a:tcPr marL="9525" marR="9525" marT="9525" marB="0" anchor="b">
+                    <a:lnL>
+                      <a:noFill/>
+                    </a:lnL>
+                    <a:lnR>
+                      <a:noFill/>
+                    </a:lnR>
+                    <a:lnT>
+                      <a:noFill/>
+                    </a:lnT>
+                    <a:lnB>
+                      <a:noFill/>
+                    </a:lnB>
+                  </a:tcPr>
+                </a:tc>
+                <a:tc>
+                  <a:txBody>
+                    <a:bodyPr/>
+                    <a:lstStyle/>
+                    <a:p>
+                      <a:pPr algn="r" fontAlgn="b"/>
+                      <a:r>
+                        <a:rPr lang="en-US" sz="1100" b="0" i="0" u="none" strike="noStrike">
+                          <a:solidFill>
+                            <a:srgbClr val="000000"/>
+                          </a:solidFill>
+                          <a:effectLst/>
+                          <a:latin typeface="Calibri" panose="020F0502020204030204" pitchFamily="34" charset="0"/>
+                        </a:rPr>
+                        <a:t>2,260.21</a:t>
+                      </a:r>
+                    </a:p>
+                  </a:txBody>
+                  <a:tcPr marL="9525" marR="9525" marT="9525" marB="0" anchor="b">
+                    <a:lnL>
+                      <a:noFill/>
+                    </a:lnL>
+                    <a:lnR>
+                      <a:noFill/>
+                    </a:lnR>
+                    <a:lnT>
+                      <a:noFill/>
+                    </a:lnT>
+                    <a:lnB>
+                      <a:noFill/>
+                    </a:lnB>
+                  </a:tcPr>
+                </a:tc>
+                <a:tc>
+                  <a:txBody>
+                    <a:bodyPr/>
+                    <a:lstStyle/>
+                    <a:p>
+                      <a:pPr algn="r" fontAlgn="b"/>
+                      <a:r>
+                        <a:rPr lang="en-US" sz="1100" b="0" i="0" u="none" strike="noStrike">
+                          <a:solidFill>
+                            <a:srgbClr val="000000"/>
+                          </a:solidFill>
+                          <a:effectLst/>
+                          <a:latin typeface="Calibri" panose="020F0502020204030204" pitchFamily="34" charset="0"/>
+                        </a:rPr>
+                        <a:t>297.40</a:t>
+                      </a:r>
+                    </a:p>
+                  </a:txBody>
+                  <a:tcPr marL="9525" marR="9525" marT="9525" marB="0" anchor="b">
+                    <a:lnL>
+                      <a:noFill/>
+                    </a:lnL>
+                    <a:lnR>
+                      <a:noFill/>
+                    </a:lnR>
+                    <a:lnT>
+                      <a:noFill/>
+                    </a:lnT>
+                    <a:lnB>
+                      <a:noFill/>
+                    </a:lnB>
+                  </a:tcPr>
+                </a:tc>
+                <a:tc>
+                  <a:txBody>
+                    <a:bodyPr/>
+                    <a:lstStyle/>
+                    <a:p>
+                      <a:pPr algn="r" fontAlgn="b"/>
+                      <a:r>
+                        <a:rPr lang="en-US" sz="1100" b="0" i="0" u="none" strike="noStrike">
+                          <a:solidFill>
+                            <a:srgbClr val="000000"/>
+                          </a:solidFill>
+                          <a:effectLst/>
+                          <a:latin typeface="Calibri" panose="020F0502020204030204" pitchFamily="34" charset="0"/>
+                        </a:rPr>
+                        <a:t>1,504.00</a:t>
+                      </a:r>
+                    </a:p>
+                  </a:txBody>
+                  <a:tcPr marL="9525" marR="9525" marT="9525" marB="0" anchor="b">
+                    <a:lnL>
+                      <a:noFill/>
+                    </a:lnL>
+                    <a:lnR>
+                      <a:noFill/>
+                    </a:lnR>
+                    <a:lnT>
+                      <a:noFill/>
+                    </a:lnT>
+                    <a:lnB>
+                      <a:noFill/>
+                    </a:lnB>
+                  </a:tcPr>
+                </a:tc>
+                <a:extLst>
+                  <a:ext uri="{0D108BD9-81ED-4DB2-BD59-A6C34878D82A}">
+                    <a16:rowId xmlns:a16="http://schemas.microsoft.com/office/drawing/2014/main" val="1453719605"/>
+                  </a:ext>
+                </a:extLst>
+              </a:tr>
+              <a:tr h="190500">
+                <a:tc>
+                  <a:txBody>
+                    <a:bodyPr/>
+                    <a:lstStyle/>
+                    <a:p>
+                      <a:pPr algn="l" fontAlgn="b"/>
+                      <a:r>
+                        <a:rPr lang="en-US" sz="1100" b="0" i="0" u="none" strike="noStrike">
+                          <a:solidFill>
+                            <a:srgbClr val="000000"/>
+                          </a:solidFill>
+                          <a:effectLst/>
+                          <a:latin typeface="Calibri" panose="020F0502020204030204" pitchFamily="34" charset="0"/>
+                        </a:rPr>
+                        <a:t>Average of HoursUsed</a:t>
+                      </a:r>
+                    </a:p>
+                  </a:txBody>
+                  <a:tcPr marL="9525" marR="9525" marT="9525" marB="0" anchor="b">
+                    <a:lnL>
+                      <a:noFill/>
+                    </a:lnL>
+                    <a:lnR>
+                      <a:noFill/>
+                    </a:lnR>
+                    <a:lnT>
+                      <a:noFill/>
+                    </a:lnT>
+                    <a:lnB>
+                      <a:noFill/>
+                    </a:lnB>
+                  </a:tcPr>
+                </a:tc>
+                <a:tc>
+                  <a:txBody>
+                    <a:bodyPr/>
+                    <a:lstStyle/>
+                    <a:p>
+                      <a:pPr algn="r" fontAlgn="b"/>
+                      <a:r>
+                        <a:rPr lang="en-US" sz="1100" b="0" i="0" u="none" strike="noStrike">
+                          <a:solidFill>
+                            <a:srgbClr val="000000"/>
+                          </a:solidFill>
+                          <a:effectLst/>
+                          <a:latin typeface="Calibri" panose="020F0502020204030204" pitchFamily="34" charset="0"/>
+                        </a:rPr>
+                        <a:t>1,852.12</a:t>
+                      </a:r>
+                    </a:p>
+                  </a:txBody>
+                  <a:tcPr marL="9525" marR="9525" marT="9525" marB="0" anchor="b">
+                    <a:lnL>
+                      <a:noFill/>
+                    </a:lnL>
+                    <a:lnR>
+                      <a:noFill/>
+                    </a:lnR>
+                    <a:lnT>
+                      <a:noFill/>
+                    </a:lnT>
+                    <a:lnB>
+                      <a:noFill/>
+                    </a:lnB>
+                  </a:tcPr>
+                </a:tc>
+                <a:tc>
+                  <a:txBody>
+                    <a:bodyPr/>
+                    <a:lstStyle/>
+                    <a:p>
+                      <a:pPr algn="r" fontAlgn="b"/>
+                      <a:r>
+                        <a:rPr lang="en-US" sz="1100" b="0" i="0" u="none" strike="noStrike">
+                          <a:solidFill>
+                            <a:srgbClr val="000000"/>
+                          </a:solidFill>
+                          <a:effectLst/>
+                          <a:latin typeface="Calibri" panose="020F0502020204030204" pitchFamily="34" charset="0"/>
+                        </a:rPr>
+                        <a:t>1,482.78</a:t>
+                      </a:r>
+                    </a:p>
+                  </a:txBody>
+                  <a:tcPr marL="9525" marR="9525" marT="9525" marB="0" anchor="b">
+                    <a:lnL>
+                      <a:noFill/>
+                    </a:lnL>
+                    <a:lnR>
+                      <a:noFill/>
+                    </a:lnR>
+                    <a:lnT>
+                      <a:noFill/>
+                    </a:lnT>
+                    <a:lnB>
+                      <a:noFill/>
+                    </a:lnB>
+                  </a:tcPr>
+                </a:tc>
+                <a:tc>
+                  <a:txBody>
+                    <a:bodyPr/>
+                    <a:lstStyle/>
+                    <a:p>
+                      <a:pPr algn="r" fontAlgn="b"/>
+                      <a:r>
+                        <a:rPr lang="en-US" sz="1100" b="0" i="0" u="none" strike="noStrike" dirty="0">
+                          <a:solidFill>
+                            <a:srgbClr val="000000"/>
+                          </a:solidFill>
+                          <a:effectLst/>
+                          <a:latin typeface="Calibri" panose="020F0502020204030204" pitchFamily="34" charset="0"/>
+                        </a:rPr>
+                        <a:t>1,864.47</a:t>
+                      </a:r>
+                    </a:p>
+                  </a:txBody>
+                  <a:tcPr marL="9525" marR="9525" marT="9525" marB="0" anchor="b">
+                    <a:lnL>
+                      <a:noFill/>
+                    </a:lnL>
+                    <a:lnR>
+                      <a:noFill/>
+                    </a:lnR>
+                    <a:lnT>
+                      <a:noFill/>
+                    </a:lnT>
+                    <a:lnB>
+                      <a:noFill/>
+                    </a:lnB>
+                  </a:tcPr>
+                </a:tc>
+                <a:extLst>
+                  <a:ext uri="{0D108BD9-81ED-4DB2-BD59-A6C34878D82A}">
+                    <a16:rowId xmlns:a16="http://schemas.microsoft.com/office/drawing/2014/main" val="371939636"/>
+                  </a:ext>
+                </a:extLst>
+              </a:tr>
+            </a:tbl>
+          </a:graphicData>
+        </a:graphic>
+      </p:graphicFrame>
     </p:spTree>
     <p:extLst>
       <p:ext uri="{BB962C8B-B14F-4D97-AF65-F5344CB8AC3E}">
@@ -5316,7 +8705,73 @@
 </p:sld>
 </file>
 
-<file path=ppt/slides/slide11.xml><?xml version="1.0" encoding="utf-8"?>
+<file path=ppt/slides/slide13.xml><?xml version="1.0" encoding="utf-8"?>
+<p:sld xmlns:a="http://schemas.openxmlformats.org/drawingml/2006/main" xmlns:r="http://schemas.openxmlformats.org/officeDocument/2006/relationships" xmlns:p="http://schemas.openxmlformats.org/presentationml/2006/main">
+  <p:cSld>
+    <p:spTree>
+      <p:nvGrpSpPr>
+        <p:cNvPr id="1" name=""/>
+        <p:cNvGrpSpPr/>
+        <p:nvPr/>
+      </p:nvGrpSpPr>
+      <p:grpSpPr>
+        <a:xfrm>
+          <a:off x="0" y="0"/>
+          <a:ext cx="0" cy="0"/>
+          <a:chOff x="0" y="0"/>
+          <a:chExt cx="0" cy="0"/>
+        </a:xfrm>
+      </p:grpSpPr>
+      <p:pic>
+        <p:nvPicPr>
+          <p:cNvPr id="5" name="Picture 4" descr="Chart, bar chart, waterfall chart&#10;&#10;Description automatically generated">
+            <a:extLst>
+              <a:ext uri="{FF2B5EF4-FFF2-40B4-BE49-F238E27FC236}">
+                <a16:creationId xmlns:a16="http://schemas.microsoft.com/office/drawing/2014/main" id="{1B377133-9267-4FC8-8F75-D92E784545E5}"/>
+              </a:ext>
+            </a:extLst>
+          </p:cNvPr>
+          <p:cNvPicPr>
+            <a:picLocks noChangeAspect="1"/>
+          </p:cNvPicPr>
+          <p:nvPr/>
+        </p:nvPicPr>
+        <p:blipFill>
+          <a:blip r:embed="rId2">
+            <a:extLst>
+              <a:ext uri="{28A0092B-C50C-407E-A947-70E740481C1C}">
+                <a14:useLocalDpi xmlns:a14="http://schemas.microsoft.com/office/drawing/2010/main" val="0"/>
+              </a:ext>
+            </a:extLst>
+          </a:blip>
+          <a:stretch>
+            <a:fillRect/>
+          </a:stretch>
+        </p:blipFill>
+        <p:spPr>
+          <a:xfrm>
+            <a:off x="1141028" y="0"/>
+            <a:ext cx="9909943" cy="6858000"/>
+          </a:xfrm>
+          <a:prstGeom prst="rect">
+            <a:avLst/>
+          </a:prstGeom>
+        </p:spPr>
+      </p:pic>
+    </p:spTree>
+    <p:extLst>
+      <p:ext uri="{BB962C8B-B14F-4D97-AF65-F5344CB8AC3E}">
+        <p14:creationId xmlns:p14="http://schemas.microsoft.com/office/powerpoint/2010/main" val="3515135275"/>
+      </p:ext>
+    </p:extLst>
+  </p:cSld>
+  <p:clrMapOvr>
+    <a:masterClrMapping/>
+  </p:clrMapOvr>
+</p:sld>
+</file>
+
+<file path=ppt/slides/slide14.xml><?xml version="1.0" encoding="utf-8"?>
 <p:sld xmlns:a="http://schemas.openxmlformats.org/drawingml/2006/main" xmlns:r="http://schemas.openxmlformats.org/officeDocument/2006/relationships" xmlns:p="http://schemas.openxmlformats.org/presentationml/2006/main">
   <p:cSld>
     <p:bg>
@@ -5601,7 +9056,7 @@
 </p:sld>
 </file>
 
-<file path=ppt/slides/slide12.xml><?xml version="1.0" encoding="utf-8"?>
+<file path=ppt/slides/slide15.xml><?xml version="1.0" encoding="utf-8"?>
 <p:sld xmlns:a="http://schemas.openxmlformats.org/drawingml/2006/main" xmlns:r="http://schemas.openxmlformats.org/officeDocument/2006/relationships" xmlns:p="http://schemas.openxmlformats.org/presentationml/2006/main">
   <p:cSld>
     <p:spTree>
@@ -5634,7 +9089,12 @@
             <p:ph type="title"/>
           </p:nvPr>
         </p:nvSpPr>
-        <p:spPr/>
+        <p:spPr>
+          <a:xfrm>
+            <a:off x="940456" y="268448"/>
+            <a:ext cx="3932237" cy="564160"/>
+          </a:xfrm>
+        </p:spPr>
         <p:txBody>
           <a:bodyPr/>
           <a:lstStyle/>
@@ -5645,24 +9105,6 @@
             </a:r>
           </a:p>
         </p:txBody>
-      </p:sp>
-      <p:sp>
-        <p:nvSpPr>
-          <p:cNvPr id="3" name="Picture Placeholder 2">
-            <a:extLst>
-              <a:ext uri="{FF2B5EF4-FFF2-40B4-BE49-F238E27FC236}">
-                <a16:creationId xmlns:a16="http://schemas.microsoft.com/office/drawing/2014/main" id="{8983ED12-C585-45F3-917A-7AF39DF32367}"/>
-              </a:ext>
-            </a:extLst>
-          </p:cNvPr>
-          <p:cNvSpPr>
-            <a:spLocks noGrp="1"/>
-          </p:cNvSpPr>
-          <p:nvPr>
-            <p:ph type="pic" idx="1"/>
-          </p:nvPr>
-        </p:nvSpPr>
-        <p:spPr/>
       </p:sp>
       <p:sp>
         <p:nvSpPr>
@@ -5680,12 +9122,87 @@
             <p:ph type="body" sz="half" idx="2"/>
           </p:nvPr>
         </p:nvSpPr>
-        <p:spPr/>
+        <p:spPr>
+          <a:xfrm>
+            <a:off x="940456" y="908108"/>
+            <a:ext cx="10963522" cy="5408802"/>
+          </a:xfrm>
+        </p:spPr>
         <p:txBody>
           <a:bodyPr/>
           <a:lstStyle/>
           <a:p>
-            <a:endParaRPr lang="en-US"/>
+            <a:pPr marL="285750" indent="-285750">
+              <a:buFont typeface="Arial" panose="020B0604020202020204" pitchFamily="34" charset="0"/>
+              <a:buChar char="•"/>
+            </a:pPr>
+            <a:r>
+              <a:rPr lang="en-US" dirty="0"/>
+              <a:t>Why did this Chick-fil-A location see so much success in drive-thru only? </a:t>
+            </a:r>
+          </a:p>
+          <a:p>
+            <a:pPr marL="742950" lvl="1" indent="-285750">
+              <a:buFont typeface="Arial" panose="020B0604020202020204" pitchFamily="34" charset="0"/>
+              <a:buChar char="•"/>
+            </a:pPr>
+            <a:r>
+              <a:rPr lang="en-US" dirty="0"/>
+              <a:t>The variables not included in analysis:</a:t>
+            </a:r>
+          </a:p>
+          <a:p>
+            <a:pPr marL="1200150" lvl="2" indent="-285750">
+              <a:buFont typeface="Arial" panose="020B0604020202020204" pitchFamily="34" charset="0"/>
+              <a:buChar char="•"/>
+            </a:pPr>
+            <a:r>
+              <a:rPr lang="en-US" dirty="0"/>
+              <a:t>Speed of Service</a:t>
+            </a:r>
+          </a:p>
+          <a:p>
+            <a:pPr marL="1200150" lvl="2" indent="-285750">
+              <a:buFont typeface="Arial" panose="020B0604020202020204" pitchFamily="34" charset="0"/>
+              <a:buChar char="•"/>
+            </a:pPr>
+            <a:r>
+              <a:rPr lang="en-US" dirty="0"/>
+              <a:t>The 3</a:t>
+            </a:r>
+            <a:r>
+              <a:rPr lang="en-US" baseline="30000" dirty="0"/>
+              <a:t>rd</a:t>
+            </a:r>
+            <a:r>
+              <a:rPr lang="en-US" dirty="0"/>
+              <a:t> and 4</a:t>
+            </a:r>
+            <a:r>
+              <a:rPr lang="en-US" baseline="30000" dirty="0"/>
+              <a:t>th</a:t>
+            </a:r>
+            <a:r>
+              <a:rPr lang="en-US" dirty="0"/>
+              <a:t> drive-thru lanes</a:t>
+            </a:r>
+          </a:p>
+          <a:p>
+            <a:pPr marL="1200150" lvl="2" indent="-285750">
+              <a:buFont typeface="Arial" panose="020B0604020202020204" pitchFamily="34" charset="0"/>
+              <a:buChar char="•"/>
+            </a:pPr>
+            <a:r>
+              <a:rPr lang="en-US" dirty="0"/>
+              <a:t>Number of order takers outside</a:t>
+            </a:r>
+          </a:p>
+          <a:p>
+            <a:pPr marL="285750" indent="-285750">
+              <a:buFont typeface="Arial" panose="020B0604020202020204" pitchFamily="34" charset="0"/>
+              <a:buChar char="•"/>
+            </a:pPr>
+            <a:endParaRPr lang="en-US" dirty="0"/>
           </a:p>
         </p:txBody>
       </p:sp>
@@ -5702,7 +9219,7 @@
 </p:sld>
 </file>
 
-<file path=ppt/slides/slide13.xml><?xml version="1.0" encoding="utf-8"?>
+<file path=ppt/slides/slide16.xml><?xml version="1.0" encoding="utf-8"?>
 <p:sld xmlns:a="http://schemas.openxmlformats.org/drawingml/2006/main" xmlns:r="http://schemas.openxmlformats.org/officeDocument/2006/relationships" xmlns:p="http://schemas.openxmlformats.org/presentationml/2006/main">
   <p:cSld>
     <p:bg>
@@ -10388,14 +13905,6 @@
 <file path=ppt/slides/slide9.xml><?xml version="1.0" encoding="utf-8"?>
 <p:sld xmlns:a="http://schemas.openxmlformats.org/drawingml/2006/main" xmlns:r="http://schemas.openxmlformats.org/officeDocument/2006/relationships" xmlns:p="http://schemas.openxmlformats.org/presentationml/2006/main">
   <p:cSld>
-    <p:bg>
-      <p:bgPr>
-        <a:solidFill>
-          <a:schemeClr val="bg1"/>
-        </a:solidFill>
-        <a:effectLst/>
-      </p:bgPr>
-    </p:bg>
     <p:spTree>
       <p:nvGrpSpPr>
         <p:cNvPr id="1" name=""/>
@@ -10410,1614 +13919,19 @@
           <a:chExt cx="0" cy="0"/>
         </a:xfrm>
       </p:grpSpPr>
-      <p:sp>
-        <p:nvSpPr>
-          <p:cNvPr id="15" name="Freeform 5">
-            <a:extLst>
-              <a:ext uri="{FF2B5EF4-FFF2-40B4-BE49-F238E27FC236}">
-                <a16:creationId xmlns:a16="http://schemas.microsoft.com/office/drawing/2014/main" id="{07322A9E-F1EC-405E-8971-BA906EFFCCB8}"/>
-              </a:ext>
-              <a:ext uri="{C183D7F6-B498-43B3-948B-1728B52AA6E4}">
-                <adec:decorative xmlns:adec="http://schemas.microsoft.com/office/drawing/2017/decorative" val="1"/>
-              </a:ext>
-            </a:extLst>
-          </p:cNvPr>
-          <p:cNvSpPr>
-            <a:spLocks noGrp="1" noRot="1" noChangeAspect="1" noMove="1" noResize="1" noEditPoints="1" noAdjustHandles="1" noChangeArrowheads="1" noChangeShapeType="1" noTextEdit="1"/>
-          </p:cNvSpPr>
-          <p:nvPr>
-            <p:extLst>
-              <p:ext uri="{386F3935-93C4-4BCD-93E2-E3B085C9AB24}">
-                <p16:designElem xmlns:p16="http://schemas.microsoft.com/office/powerpoint/2015/main" val="1"/>
-              </p:ext>
-            </p:extLst>
-          </p:nvPr>
-        </p:nvSpPr>
-        <p:spPr bwMode="auto">
-          <a:xfrm>
-            <a:off x="-329674" y="1290909"/>
-            <a:ext cx="9702800" cy="5573512"/>
-          </a:xfrm>
-          <a:custGeom>
-            <a:avLst/>
-            <a:gdLst>
-              <a:gd name="T0" fmla="*/ 1752 w 2038"/>
-              <a:gd name="T1" fmla="*/ 1169 h 1169"/>
-              <a:gd name="T2" fmla="*/ 1487 w 2038"/>
-              <a:gd name="T3" fmla="*/ 334 h 1169"/>
-              <a:gd name="T4" fmla="*/ 860 w 2038"/>
-              <a:gd name="T5" fmla="*/ 22 h 1169"/>
-              <a:gd name="T6" fmla="*/ 199 w 2038"/>
-              <a:gd name="T7" fmla="*/ 318 h 1169"/>
-              <a:gd name="T8" fmla="*/ 399 w 2038"/>
-              <a:gd name="T9" fmla="*/ 1165 h 1169"/>
-            </a:gdLst>
-            <a:ahLst/>
-            <a:cxnLst>
-              <a:cxn ang="0">
-                <a:pos x="T0" y="T1"/>
-              </a:cxn>
-              <a:cxn ang="0">
-                <a:pos x="T2" y="T3"/>
-              </a:cxn>
-              <a:cxn ang="0">
-                <a:pos x="T4" y="T5"/>
-              </a:cxn>
-              <a:cxn ang="0">
-                <a:pos x="T6" y="T7"/>
-              </a:cxn>
-              <a:cxn ang="0">
-                <a:pos x="T8" y="T9"/>
-              </a:cxn>
-            </a:cxnLst>
-            <a:rect l="0" t="0" r="r" b="b"/>
-            <a:pathLst>
-              <a:path w="2038" h="1169">
-                <a:moveTo>
-                  <a:pt x="1752" y="1169"/>
-                </a:moveTo>
-                <a:cubicBezTo>
-                  <a:pt x="2038" y="928"/>
-                  <a:pt x="1673" y="513"/>
-                  <a:pt x="1487" y="334"/>
-                </a:cubicBezTo>
-                <a:cubicBezTo>
-                  <a:pt x="1316" y="170"/>
-                  <a:pt x="1099" y="43"/>
-                  <a:pt x="860" y="22"/>
-                </a:cubicBezTo>
-                <a:cubicBezTo>
-                  <a:pt x="621" y="0"/>
-                  <a:pt x="341" y="128"/>
-                  <a:pt x="199" y="318"/>
-                </a:cubicBezTo>
-                <a:cubicBezTo>
-                  <a:pt x="0" y="586"/>
-                  <a:pt x="184" y="965"/>
-                  <a:pt x="399" y="1165"/>
-                </a:cubicBezTo>
-              </a:path>
-            </a:pathLst>
-          </a:custGeom>
-          <a:noFill/>
-          <a:ln w="9525" cap="flat">
-            <a:solidFill>
-              <a:schemeClr val="tx1">
-                <a:alpha val="20000"/>
-              </a:schemeClr>
-            </a:solidFill>
-            <a:prstDash val="solid"/>
-            <a:miter lim="800000"/>
-            <a:headEnd/>
-            <a:tailEnd/>
-          </a:ln>
-          <a:extLst>
-            <a:ext uri="{909E8E84-426E-40DD-AFC4-6F175D3DCCD1}">
-              <a14:hiddenFill xmlns:a14="http://schemas.microsoft.com/office/drawing/2010/main">
-                <a:solidFill>
-                  <a:srgbClr val="FFFFFF"/>
-                </a:solidFill>
-              </a14:hiddenFill>
-            </a:ext>
-          </a:extLst>
-        </p:spPr>
-        <p:txBody>
-          <a:bodyPr vert="horz" wrap="square" lIns="91440" tIns="45720" rIns="91440" bIns="45720" numCol="1" anchor="t" anchorCtr="0" compatLnSpc="1">
-            <a:prstTxWarp prst="textNoShape">
-              <a:avLst/>
-            </a:prstTxWarp>
-          </a:bodyPr>
-          <a:lstStyle/>
-          <a:p>
-            <a:endParaRPr lang="en-US"/>
-          </a:p>
-        </p:txBody>
-      </p:sp>
-      <p:sp>
-        <p:nvSpPr>
-          <p:cNvPr id="17" name="Freeform 6">
-            <a:extLst>
-              <a:ext uri="{FF2B5EF4-FFF2-40B4-BE49-F238E27FC236}">
-                <a16:creationId xmlns:a16="http://schemas.microsoft.com/office/drawing/2014/main" id="{A5704422-1118-4FD1-95AD-29A064EB80D9}"/>
-              </a:ext>
-              <a:ext uri="{C183D7F6-B498-43B3-948B-1728B52AA6E4}">
-                <adec:decorative xmlns:adec="http://schemas.microsoft.com/office/drawing/2017/decorative" val="1"/>
-              </a:ext>
-            </a:extLst>
-          </p:cNvPr>
-          <p:cNvSpPr>
-            <a:spLocks noGrp="1" noRot="1" noChangeAspect="1" noMove="1" noResize="1" noEditPoints="1" noAdjustHandles="1" noChangeArrowheads="1" noChangeShapeType="1" noTextEdit="1"/>
-          </p:cNvSpPr>
-          <p:nvPr>
-            <p:extLst>
-              <p:ext uri="{386F3935-93C4-4BCD-93E2-E3B085C9AB24}">
-                <p16:designElem xmlns:p16="http://schemas.microsoft.com/office/powerpoint/2015/main" val="1"/>
-              </p:ext>
-            </p:extLst>
-          </p:nvPr>
-        </p:nvSpPr>
-        <p:spPr bwMode="auto">
-          <a:xfrm>
-            <a:off x="670451" y="2010741"/>
-            <a:ext cx="7373938" cy="4848892"/>
-          </a:xfrm>
-          <a:custGeom>
-            <a:avLst/>
-            <a:gdLst>
-              <a:gd name="T0" fmla="*/ 1025 w 1549"/>
-              <a:gd name="T1" fmla="*/ 1016 h 1017"/>
-              <a:gd name="T2" fmla="*/ 1443 w 1549"/>
-              <a:gd name="T3" fmla="*/ 592 h 1017"/>
-              <a:gd name="T4" fmla="*/ 782 w 1549"/>
-              <a:gd name="T5" fmla="*/ 53 h 1017"/>
-              <a:gd name="T6" fmla="*/ 150 w 1549"/>
-              <a:gd name="T7" fmla="*/ 329 h 1017"/>
-              <a:gd name="T8" fmla="*/ 477 w 1549"/>
-              <a:gd name="T9" fmla="*/ 1017 h 1017"/>
-            </a:gdLst>
-            <a:ahLst/>
-            <a:cxnLst>
-              <a:cxn ang="0">
-                <a:pos x="T0" y="T1"/>
-              </a:cxn>
-              <a:cxn ang="0">
-                <a:pos x="T2" y="T3"/>
-              </a:cxn>
-              <a:cxn ang="0">
-                <a:pos x="T4" y="T5"/>
-              </a:cxn>
-              <a:cxn ang="0">
-                <a:pos x="T6" y="T7"/>
-              </a:cxn>
-              <a:cxn ang="0">
-                <a:pos x="T8" y="T9"/>
-              </a:cxn>
-            </a:cxnLst>
-            <a:rect l="0" t="0" r="r" b="b"/>
-            <a:pathLst>
-              <a:path w="1549" h="1017">
-                <a:moveTo>
-                  <a:pt x="1025" y="1016"/>
-                </a:moveTo>
-                <a:cubicBezTo>
-                  <a:pt x="1223" y="971"/>
-                  <a:pt x="1549" y="857"/>
-                  <a:pt x="1443" y="592"/>
-                </a:cubicBezTo>
-                <a:cubicBezTo>
-                  <a:pt x="1344" y="344"/>
-                  <a:pt x="1041" y="111"/>
-                  <a:pt x="782" y="53"/>
-                </a:cubicBezTo>
-                <a:cubicBezTo>
-                  <a:pt x="545" y="0"/>
-                  <a:pt x="275" y="117"/>
-                  <a:pt x="150" y="329"/>
-                </a:cubicBezTo>
-                <a:cubicBezTo>
-                  <a:pt x="0" y="584"/>
-                  <a:pt x="243" y="911"/>
-                  <a:pt x="477" y="1017"/>
-                </a:cubicBezTo>
-              </a:path>
-            </a:pathLst>
-          </a:custGeom>
-          <a:noFill/>
-          <a:ln w="9525" cap="flat">
-            <a:solidFill>
-              <a:schemeClr val="tx1">
-                <a:alpha val="20000"/>
-              </a:schemeClr>
-            </a:solidFill>
-            <a:prstDash val="solid"/>
-            <a:miter lim="800000"/>
-            <a:headEnd/>
-            <a:tailEnd/>
-          </a:ln>
-          <a:extLst>
-            <a:ext uri="{909E8E84-426E-40DD-AFC4-6F175D3DCCD1}">
-              <a14:hiddenFill xmlns:a14="http://schemas.microsoft.com/office/drawing/2010/main">
-                <a:solidFill>
-                  <a:srgbClr val="FFFFFF"/>
-                </a:solidFill>
-              </a14:hiddenFill>
-            </a:ext>
-          </a:extLst>
-        </p:spPr>
-        <p:txBody>
-          <a:bodyPr vert="horz" wrap="square" lIns="91440" tIns="45720" rIns="91440" bIns="45720" numCol="1" anchor="t" anchorCtr="0" compatLnSpc="1">
-            <a:prstTxWarp prst="textNoShape">
-              <a:avLst/>
-            </a:prstTxWarp>
-          </a:bodyPr>
-          <a:lstStyle/>
-          <a:p>
-            <a:endParaRPr lang="en-US"/>
-          </a:p>
-        </p:txBody>
-      </p:sp>
-      <p:sp>
-        <p:nvSpPr>
-          <p:cNvPr id="19" name="Freeform 7">
-            <a:extLst>
-              <a:ext uri="{FF2B5EF4-FFF2-40B4-BE49-F238E27FC236}">
-                <a16:creationId xmlns:a16="http://schemas.microsoft.com/office/drawing/2014/main" id="{A88B2AAA-B805-498E-A9E6-98B885855498}"/>
-              </a:ext>
-              <a:ext uri="{C183D7F6-B498-43B3-948B-1728B52AA6E4}">
-                <adec:decorative xmlns:adec="http://schemas.microsoft.com/office/drawing/2017/decorative" val="1"/>
-              </a:ext>
-            </a:extLst>
-          </p:cNvPr>
-          <p:cNvSpPr>
-            <a:spLocks noGrp="1" noRot="1" noChangeAspect="1" noMove="1" noResize="1" noEditPoints="1" noAdjustHandles="1" noChangeArrowheads="1" noChangeShapeType="1" noTextEdit="1"/>
-          </p:cNvSpPr>
-          <p:nvPr>
-            <p:extLst>
-              <p:ext uri="{386F3935-93C4-4BCD-93E2-E3B085C9AB24}">
-                <p16:designElem xmlns:p16="http://schemas.microsoft.com/office/powerpoint/2015/main" val="1"/>
-              </p:ext>
-            </p:extLst>
-          </p:nvPr>
-        </p:nvSpPr>
-        <p:spPr bwMode="auto">
-          <a:xfrm>
-            <a:off x="251351" y="1780905"/>
-            <a:ext cx="8035925" cy="5083516"/>
-          </a:xfrm>
-          <a:custGeom>
-            <a:avLst/>
-            <a:gdLst>
-              <a:gd name="T0" fmla="*/ 1302 w 1688"/>
-              <a:gd name="T1" fmla="*/ 1066 h 1066"/>
-              <a:gd name="T2" fmla="*/ 1613 w 1688"/>
-              <a:gd name="T3" fmla="*/ 850 h 1066"/>
-              <a:gd name="T4" fmla="*/ 1517 w 1688"/>
-              <a:gd name="T5" fmla="*/ 471 h 1066"/>
-              <a:gd name="T6" fmla="*/ 798 w 1688"/>
-              <a:gd name="T7" fmla="*/ 28 h 1066"/>
-              <a:gd name="T8" fmla="*/ 181 w 1688"/>
-              <a:gd name="T9" fmla="*/ 333 h 1066"/>
-              <a:gd name="T10" fmla="*/ 420 w 1688"/>
-              <a:gd name="T11" fmla="*/ 1066 h 1066"/>
-            </a:gdLst>
-            <a:ahLst/>
-            <a:cxnLst>
-              <a:cxn ang="0">
-                <a:pos x="T0" y="T1"/>
-              </a:cxn>
-              <a:cxn ang="0">
-                <a:pos x="T2" y="T3"/>
-              </a:cxn>
-              <a:cxn ang="0">
-                <a:pos x="T4" y="T5"/>
-              </a:cxn>
-              <a:cxn ang="0">
-                <a:pos x="T6" y="T7"/>
-              </a:cxn>
-              <a:cxn ang="0">
-                <a:pos x="T8" y="T9"/>
-              </a:cxn>
-              <a:cxn ang="0">
-                <a:pos x="T10" y="T11"/>
-              </a:cxn>
-            </a:cxnLst>
-            <a:rect l="0" t="0" r="r" b="b"/>
-            <a:pathLst>
-              <a:path w="1688" h="1066">
-                <a:moveTo>
-                  <a:pt x="1302" y="1066"/>
-                </a:moveTo>
-                <a:cubicBezTo>
-                  <a:pt x="1416" y="1024"/>
-                  <a:pt x="1551" y="962"/>
-                  <a:pt x="1613" y="850"/>
-                </a:cubicBezTo>
-                <a:cubicBezTo>
-                  <a:pt x="1688" y="715"/>
-                  <a:pt x="1606" y="575"/>
-                  <a:pt x="1517" y="471"/>
-                </a:cubicBezTo>
-                <a:cubicBezTo>
-                  <a:pt x="1336" y="258"/>
-                  <a:pt x="1084" y="62"/>
-                  <a:pt x="798" y="28"/>
-                </a:cubicBezTo>
-                <a:cubicBezTo>
-                  <a:pt x="559" y="0"/>
-                  <a:pt x="317" y="138"/>
-                  <a:pt x="181" y="333"/>
-                </a:cubicBezTo>
-                <a:cubicBezTo>
-                  <a:pt x="0" y="592"/>
-                  <a:pt x="191" y="907"/>
-                  <a:pt x="420" y="1066"/>
-                </a:cubicBezTo>
-              </a:path>
-            </a:pathLst>
-          </a:custGeom>
-          <a:noFill/>
-          <a:ln w="9525" cap="flat">
-            <a:solidFill>
-              <a:schemeClr val="tx1">
-                <a:alpha val="20000"/>
-              </a:schemeClr>
-            </a:solidFill>
-            <a:prstDash val="dash"/>
-            <a:miter lim="800000"/>
-            <a:headEnd/>
-            <a:tailEnd/>
-          </a:ln>
-          <a:extLst>
-            <a:ext uri="{909E8E84-426E-40DD-AFC4-6F175D3DCCD1}">
-              <a14:hiddenFill xmlns:a14="http://schemas.microsoft.com/office/drawing/2010/main">
-                <a:solidFill>
-                  <a:srgbClr val="FFFFFF"/>
-                </a:solidFill>
-              </a14:hiddenFill>
-            </a:ext>
-          </a:extLst>
-        </p:spPr>
-        <p:txBody>
-          <a:bodyPr vert="horz" wrap="square" lIns="91440" tIns="45720" rIns="91440" bIns="45720" numCol="1" anchor="t" anchorCtr="0" compatLnSpc="1">
-            <a:prstTxWarp prst="textNoShape">
-              <a:avLst/>
-            </a:prstTxWarp>
-          </a:bodyPr>
-          <a:lstStyle/>
-          <a:p>
-            <a:endParaRPr lang="en-US"/>
-          </a:p>
-        </p:txBody>
-      </p:sp>
-      <p:sp>
-        <p:nvSpPr>
-          <p:cNvPr id="21" name="Freeform 8">
-            <a:extLst>
-              <a:ext uri="{FF2B5EF4-FFF2-40B4-BE49-F238E27FC236}">
-                <a16:creationId xmlns:a16="http://schemas.microsoft.com/office/drawing/2014/main" id="{9B8051E0-19D7-43E1-BFD9-E6DBFEB3A3F1}"/>
-              </a:ext>
-              <a:ext uri="{C183D7F6-B498-43B3-948B-1728B52AA6E4}">
-                <adec:decorative xmlns:adec="http://schemas.microsoft.com/office/drawing/2017/decorative" val="1"/>
-              </a:ext>
-            </a:extLst>
-          </p:cNvPr>
-          <p:cNvSpPr>
-            <a:spLocks noGrp="1" noRot="1" noChangeAspect="1" noMove="1" noResize="1" noEditPoints="1" noAdjustHandles="1" noChangeArrowheads="1" noChangeShapeType="1" noTextEdit="1"/>
-          </p:cNvSpPr>
-          <p:nvPr>
-            <p:extLst>
-              <p:ext uri="{386F3935-93C4-4BCD-93E2-E3B085C9AB24}">
-                <p16:designElem xmlns:p16="http://schemas.microsoft.com/office/powerpoint/2015/main" val="1"/>
-              </p:ext>
-            </p:extLst>
-          </p:nvPr>
-        </p:nvSpPr>
-        <p:spPr bwMode="auto">
-          <a:xfrm>
-            <a:off x="-1061" y="542347"/>
-            <a:ext cx="10334625" cy="6322075"/>
-          </a:xfrm>
-          <a:custGeom>
-            <a:avLst/>
-            <a:gdLst>
-              <a:gd name="T0" fmla="*/ 1873 w 2171"/>
-              <a:gd name="T1" fmla="*/ 1326 h 1326"/>
-              <a:gd name="T2" fmla="*/ 1609 w 2171"/>
-              <a:gd name="T3" fmla="*/ 473 h 1326"/>
-              <a:gd name="T4" fmla="*/ 880 w 2171"/>
-              <a:gd name="T5" fmla="*/ 63 h 1326"/>
-              <a:gd name="T6" fmla="*/ 0 w 2171"/>
-              <a:gd name="T7" fmla="*/ 423 h 1326"/>
-            </a:gdLst>
-            <a:ahLst/>
-            <a:cxnLst>
-              <a:cxn ang="0">
-                <a:pos x="T0" y="T1"/>
-              </a:cxn>
-              <a:cxn ang="0">
-                <a:pos x="T2" y="T3"/>
-              </a:cxn>
-              <a:cxn ang="0">
-                <a:pos x="T4" y="T5"/>
-              </a:cxn>
-              <a:cxn ang="0">
-                <a:pos x="T6" y="T7"/>
-              </a:cxn>
-            </a:cxnLst>
-            <a:rect l="0" t="0" r="r" b="b"/>
-            <a:pathLst>
-              <a:path w="2171" h="1326">
-                <a:moveTo>
-                  <a:pt x="1873" y="1326"/>
-                </a:moveTo>
-                <a:cubicBezTo>
-                  <a:pt x="2171" y="1045"/>
-                  <a:pt x="1825" y="678"/>
-                  <a:pt x="1609" y="473"/>
-                </a:cubicBezTo>
-                <a:cubicBezTo>
-                  <a:pt x="1406" y="281"/>
-                  <a:pt x="1159" y="116"/>
-                  <a:pt x="880" y="63"/>
-                </a:cubicBezTo>
-                <a:cubicBezTo>
-                  <a:pt x="545" y="0"/>
-                  <a:pt x="214" y="161"/>
-                  <a:pt x="0" y="423"/>
-                </a:cubicBezTo>
-              </a:path>
-            </a:pathLst>
-          </a:custGeom>
-          <a:noFill/>
-          <a:ln w="9525" cap="flat">
-            <a:solidFill>
-              <a:schemeClr val="tx1">
-                <a:alpha val="20000"/>
-              </a:schemeClr>
-            </a:solidFill>
-            <a:prstDash val="solid"/>
-            <a:miter lim="800000"/>
-            <a:headEnd/>
-            <a:tailEnd/>
-          </a:ln>
-          <a:extLst>
-            <a:ext uri="{909E8E84-426E-40DD-AFC4-6F175D3DCCD1}">
-              <a14:hiddenFill xmlns:a14="http://schemas.microsoft.com/office/drawing/2010/main">
-                <a:solidFill>
-                  <a:srgbClr val="FFFFFF"/>
-                </a:solidFill>
-              </a14:hiddenFill>
-            </a:ext>
-          </a:extLst>
-        </p:spPr>
-        <p:txBody>
-          <a:bodyPr vert="horz" wrap="square" lIns="91440" tIns="45720" rIns="91440" bIns="45720" numCol="1" anchor="t" anchorCtr="0" compatLnSpc="1">
-            <a:prstTxWarp prst="textNoShape">
-              <a:avLst/>
-            </a:prstTxWarp>
-          </a:bodyPr>
-          <a:lstStyle/>
-          <a:p>
-            <a:endParaRPr lang="en-US"/>
-          </a:p>
-        </p:txBody>
-      </p:sp>
-      <p:sp>
-        <p:nvSpPr>
-          <p:cNvPr id="23" name="Freeform 9">
-            <a:extLst>
-              <a:ext uri="{FF2B5EF4-FFF2-40B4-BE49-F238E27FC236}">
-                <a16:creationId xmlns:a16="http://schemas.microsoft.com/office/drawing/2014/main" id="{4EDB2B02-86A2-46F5-A4BE-B7D9B10411D6}"/>
-              </a:ext>
-              <a:ext uri="{C183D7F6-B498-43B3-948B-1728B52AA6E4}">
-                <adec:decorative xmlns:adec="http://schemas.microsoft.com/office/drawing/2017/decorative" val="1"/>
-              </a:ext>
-            </a:extLst>
-          </p:cNvPr>
-          <p:cNvSpPr>
-            <a:spLocks noGrp="1" noRot="1" noChangeAspect="1" noMove="1" noResize="1" noEditPoints="1" noAdjustHandles="1" noChangeArrowheads="1" noChangeShapeType="1" noTextEdit="1"/>
-          </p:cNvSpPr>
-          <p:nvPr>
-            <p:extLst>
-              <p:ext uri="{386F3935-93C4-4BCD-93E2-E3B085C9AB24}">
-                <p16:designElem xmlns:p16="http://schemas.microsoft.com/office/powerpoint/2015/main" val="1"/>
-              </p:ext>
-            </p:extLst>
-          </p:nvPr>
-        </p:nvSpPr>
-        <p:spPr bwMode="auto">
-          <a:xfrm>
-            <a:off x="3701" y="6178751"/>
-            <a:ext cx="504825" cy="681527"/>
-          </a:xfrm>
-          <a:custGeom>
-            <a:avLst/>
-            <a:gdLst>
-              <a:gd name="T0" fmla="*/ 0 w 106"/>
-              <a:gd name="T1" fmla="*/ 0 h 143"/>
-              <a:gd name="T2" fmla="*/ 106 w 106"/>
-              <a:gd name="T3" fmla="*/ 143 h 143"/>
-            </a:gdLst>
-            <a:ahLst/>
-            <a:cxnLst>
-              <a:cxn ang="0">
-                <a:pos x="T0" y="T1"/>
-              </a:cxn>
-              <a:cxn ang="0">
-                <a:pos x="T2" y="T3"/>
-              </a:cxn>
-            </a:cxnLst>
-            <a:rect l="0" t="0" r="r" b="b"/>
-            <a:pathLst>
-              <a:path w="106" h="143">
-                <a:moveTo>
-                  <a:pt x="0" y="0"/>
-                </a:moveTo>
-                <a:cubicBezTo>
-                  <a:pt x="35" y="54"/>
-                  <a:pt x="70" y="101"/>
-                  <a:pt x="106" y="143"/>
-                </a:cubicBezTo>
-              </a:path>
-            </a:pathLst>
-          </a:custGeom>
-          <a:noFill/>
-          <a:ln w="4763" cap="flat">
-            <a:solidFill>
-              <a:schemeClr val="tx1">
-                <a:alpha val="20000"/>
-              </a:schemeClr>
-            </a:solidFill>
-            <a:prstDash val="solid"/>
-            <a:miter lim="800000"/>
-            <a:headEnd/>
-            <a:tailEnd/>
-          </a:ln>
-          <a:extLst>
-            <a:ext uri="{909E8E84-426E-40DD-AFC4-6F175D3DCCD1}">
-              <a14:hiddenFill xmlns:a14="http://schemas.microsoft.com/office/drawing/2010/main">
-                <a:solidFill>
-                  <a:srgbClr val="FFFFFF"/>
-                </a:solidFill>
-              </a14:hiddenFill>
-            </a:ext>
-          </a:extLst>
-        </p:spPr>
-        <p:txBody>
-          <a:bodyPr vert="horz" wrap="square" lIns="91440" tIns="45720" rIns="91440" bIns="45720" numCol="1" anchor="t" anchorCtr="0" compatLnSpc="1">
-            <a:prstTxWarp prst="textNoShape">
-              <a:avLst/>
-            </a:prstTxWarp>
-          </a:bodyPr>
-          <a:lstStyle/>
-          <a:p>
-            <a:endParaRPr lang="en-US"/>
-          </a:p>
-        </p:txBody>
-      </p:sp>
-      <p:sp>
-        <p:nvSpPr>
-          <p:cNvPr id="25" name="Freeform 10">
-            <a:extLst>
-              <a:ext uri="{FF2B5EF4-FFF2-40B4-BE49-F238E27FC236}">
-                <a16:creationId xmlns:a16="http://schemas.microsoft.com/office/drawing/2014/main" id="{43954639-FB5D-41F4-9560-6F6DFE778425}"/>
-              </a:ext>
-              <a:ext uri="{C183D7F6-B498-43B3-948B-1728B52AA6E4}">
-                <adec:decorative xmlns:adec="http://schemas.microsoft.com/office/drawing/2017/decorative" val="1"/>
-              </a:ext>
-            </a:extLst>
-          </p:cNvPr>
-          <p:cNvSpPr>
-            <a:spLocks noGrp="1" noRot="1" noChangeAspect="1" noMove="1" noResize="1" noEditPoints="1" noAdjustHandles="1" noChangeArrowheads="1" noChangeShapeType="1" noTextEdit="1"/>
-          </p:cNvSpPr>
-          <p:nvPr>
-            <p:extLst>
-              <p:ext uri="{386F3935-93C4-4BCD-93E2-E3B085C9AB24}">
-                <p16:designElem xmlns:p16="http://schemas.microsoft.com/office/powerpoint/2015/main" val="1"/>
-              </p:ext>
-            </p:extLst>
-          </p:nvPr>
-        </p:nvSpPr>
-        <p:spPr bwMode="auto">
-          <a:xfrm>
-            <a:off x="-1061" y="-59376"/>
-            <a:ext cx="11091863" cy="6923796"/>
-          </a:xfrm>
-          <a:custGeom>
-            <a:avLst/>
-            <a:gdLst>
-              <a:gd name="T0" fmla="*/ 2046 w 2330"/>
-              <a:gd name="T1" fmla="*/ 1452 h 1452"/>
-              <a:gd name="T2" fmla="*/ 1813 w 2330"/>
-              <a:gd name="T3" fmla="*/ 601 h 1452"/>
-              <a:gd name="T4" fmla="*/ 956 w 2330"/>
-              <a:gd name="T5" fmla="*/ 97 h 1452"/>
-              <a:gd name="T6" fmla="*/ 0 w 2330"/>
-              <a:gd name="T7" fmla="*/ 366 h 1452"/>
-            </a:gdLst>
-            <a:ahLst/>
-            <a:cxnLst>
-              <a:cxn ang="0">
-                <a:pos x="T0" y="T1"/>
-              </a:cxn>
-              <a:cxn ang="0">
-                <a:pos x="T2" y="T3"/>
-              </a:cxn>
-              <a:cxn ang="0">
-                <a:pos x="T4" y="T5"/>
-              </a:cxn>
-              <a:cxn ang="0">
-                <a:pos x="T6" y="T7"/>
-              </a:cxn>
-            </a:cxnLst>
-            <a:rect l="0" t="0" r="r" b="b"/>
-            <a:pathLst>
-              <a:path w="2330" h="1452">
-                <a:moveTo>
-                  <a:pt x="2046" y="1452"/>
-                </a:moveTo>
-                <a:cubicBezTo>
-                  <a:pt x="2330" y="1153"/>
-                  <a:pt x="2049" y="821"/>
-                  <a:pt x="1813" y="601"/>
-                </a:cubicBezTo>
-                <a:cubicBezTo>
-                  <a:pt x="1569" y="375"/>
-                  <a:pt x="1282" y="179"/>
-                  <a:pt x="956" y="97"/>
-                </a:cubicBezTo>
-                <a:cubicBezTo>
-                  <a:pt x="572" y="0"/>
-                  <a:pt x="292" y="101"/>
-                  <a:pt x="0" y="366"/>
-                </a:cubicBezTo>
-              </a:path>
-            </a:pathLst>
-          </a:custGeom>
-          <a:noFill/>
-          <a:ln w="9525" cap="flat">
-            <a:solidFill>
-              <a:schemeClr val="tx1">
-                <a:alpha val="20000"/>
-              </a:schemeClr>
-            </a:solidFill>
-            <a:prstDash val="solid"/>
-            <a:miter lim="800000"/>
-            <a:headEnd/>
-            <a:tailEnd/>
-          </a:ln>
-          <a:extLst>
-            <a:ext uri="{909E8E84-426E-40DD-AFC4-6F175D3DCCD1}">
-              <a14:hiddenFill xmlns:a14="http://schemas.microsoft.com/office/drawing/2010/main">
-                <a:solidFill>
-                  <a:srgbClr val="FFFFFF"/>
-                </a:solidFill>
-              </a14:hiddenFill>
-            </a:ext>
-          </a:extLst>
-        </p:spPr>
-        <p:txBody>
-          <a:bodyPr vert="horz" wrap="square" lIns="91440" tIns="45720" rIns="91440" bIns="45720" numCol="1" anchor="t" anchorCtr="0" compatLnSpc="1">
-            <a:prstTxWarp prst="textNoShape">
-              <a:avLst/>
-            </a:prstTxWarp>
-          </a:bodyPr>
-          <a:lstStyle/>
-          <a:p>
-            <a:endParaRPr lang="en-US"/>
-          </a:p>
-        </p:txBody>
-      </p:sp>
-      <p:sp>
-        <p:nvSpPr>
-          <p:cNvPr id="27" name="Freeform 12">
-            <a:extLst>
-              <a:ext uri="{FF2B5EF4-FFF2-40B4-BE49-F238E27FC236}">
-                <a16:creationId xmlns:a16="http://schemas.microsoft.com/office/drawing/2014/main" id="{E898931C-0323-41FA-A036-20F818B1FF81}"/>
-              </a:ext>
-              <a:ext uri="{C183D7F6-B498-43B3-948B-1728B52AA6E4}">
-                <adec:decorative xmlns:adec="http://schemas.microsoft.com/office/drawing/2017/decorative" val="1"/>
-              </a:ext>
-            </a:extLst>
-          </p:cNvPr>
-          <p:cNvSpPr>
-            <a:spLocks noGrp="1" noRot="1" noChangeAspect="1" noMove="1" noResize="1" noEditPoints="1" noAdjustHandles="1" noChangeArrowheads="1" noChangeShapeType="1" noTextEdit="1"/>
-          </p:cNvSpPr>
-          <p:nvPr>
-            <p:extLst>
-              <p:ext uri="{386F3935-93C4-4BCD-93E2-E3B085C9AB24}">
-                <p16:designElem xmlns:p16="http://schemas.microsoft.com/office/powerpoint/2015/main" val="1"/>
-              </p:ext>
-            </p:extLst>
-          </p:nvPr>
-        </p:nvSpPr>
-        <p:spPr bwMode="auto">
-          <a:xfrm>
-            <a:off x="-1061" y="-1916"/>
-            <a:ext cx="1057275" cy="614491"/>
-          </a:xfrm>
-          <a:custGeom>
-            <a:avLst/>
-            <a:gdLst>
-              <a:gd name="T0" fmla="*/ 222 w 222"/>
-              <a:gd name="T1" fmla="*/ 0 h 129"/>
-              <a:gd name="T2" fmla="*/ 0 w 222"/>
-              <a:gd name="T3" fmla="*/ 129 h 129"/>
-            </a:gdLst>
-            <a:ahLst/>
-            <a:cxnLst>
-              <a:cxn ang="0">
-                <a:pos x="T0" y="T1"/>
-              </a:cxn>
-              <a:cxn ang="0">
-                <a:pos x="T2" y="T3"/>
-              </a:cxn>
-            </a:cxnLst>
-            <a:rect l="0" t="0" r="r" b="b"/>
-            <a:pathLst>
-              <a:path w="222" h="129">
-                <a:moveTo>
-                  <a:pt x="222" y="0"/>
-                </a:moveTo>
-                <a:cubicBezTo>
-                  <a:pt x="152" y="35"/>
-                  <a:pt x="76" y="78"/>
-                  <a:pt x="0" y="129"/>
-                </a:cubicBezTo>
-              </a:path>
-            </a:pathLst>
-          </a:custGeom>
-          <a:noFill/>
-          <a:ln w="9525" cap="flat">
-            <a:solidFill>
-              <a:schemeClr val="tx1">
-                <a:alpha val="20000"/>
-              </a:schemeClr>
-            </a:solidFill>
-            <a:prstDash val="solid"/>
-            <a:miter lim="800000"/>
-            <a:headEnd/>
-            <a:tailEnd/>
-          </a:ln>
-          <a:extLst>
-            <a:ext uri="{909E8E84-426E-40DD-AFC4-6F175D3DCCD1}">
-              <a14:hiddenFill xmlns:a14="http://schemas.microsoft.com/office/drawing/2010/main">
-                <a:solidFill>
-                  <a:srgbClr val="FFFFFF"/>
-                </a:solidFill>
-              </a14:hiddenFill>
-            </a:ext>
-          </a:extLst>
-        </p:spPr>
-        <p:txBody>
-          <a:bodyPr vert="horz" wrap="square" lIns="91440" tIns="45720" rIns="91440" bIns="45720" numCol="1" anchor="t" anchorCtr="0" compatLnSpc="1">
-            <a:prstTxWarp prst="textNoShape">
-              <a:avLst/>
-            </a:prstTxWarp>
-          </a:bodyPr>
-          <a:lstStyle/>
-          <a:p>
-            <a:endParaRPr lang="en-US"/>
-          </a:p>
-        </p:txBody>
-      </p:sp>
-      <p:sp>
-        <p:nvSpPr>
-          <p:cNvPr id="29" name="Freeform 14">
-            <a:extLst>
-              <a:ext uri="{FF2B5EF4-FFF2-40B4-BE49-F238E27FC236}">
-                <a16:creationId xmlns:a16="http://schemas.microsoft.com/office/drawing/2014/main" id="{89AFE9DD-0792-4B98-B4EB-97ACA17E6AA8}"/>
-              </a:ext>
-              <a:ext uri="{C183D7F6-B498-43B3-948B-1728B52AA6E4}">
-                <adec:decorative xmlns:adec="http://schemas.microsoft.com/office/drawing/2017/decorative" val="1"/>
-              </a:ext>
-            </a:extLst>
-          </p:cNvPr>
-          <p:cNvSpPr>
-            <a:spLocks noGrp="1" noRot="1" noChangeAspect="1" noMove="1" noResize="1" noEditPoints="1" noAdjustHandles="1" noChangeArrowheads="1" noChangeShapeType="1" noTextEdit="1"/>
-          </p:cNvSpPr>
-          <p:nvPr>
-            <p:extLst>
-              <p:ext uri="{386F3935-93C4-4BCD-93E2-E3B085C9AB24}">
-                <p16:designElem xmlns:p16="http://schemas.microsoft.com/office/powerpoint/2015/main" val="1"/>
-              </p:ext>
-            </p:extLst>
-          </p:nvPr>
-        </p:nvSpPr>
-        <p:spPr bwMode="auto">
-          <a:xfrm>
-            <a:off x="3701" y="-6705"/>
-            <a:ext cx="595313" cy="352734"/>
-          </a:xfrm>
-          <a:custGeom>
-            <a:avLst/>
-            <a:gdLst>
-              <a:gd name="T0" fmla="*/ 125 w 125"/>
-              <a:gd name="T1" fmla="*/ 0 h 74"/>
-              <a:gd name="T2" fmla="*/ 0 w 125"/>
-              <a:gd name="T3" fmla="*/ 74 h 74"/>
-            </a:gdLst>
-            <a:ahLst/>
-            <a:cxnLst>
-              <a:cxn ang="0">
-                <a:pos x="T0" y="T1"/>
-              </a:cxn>
-              <a:cxn ang="0">
-                <a:pos x="T2" y="T3"/>
-              </a:cxn>
-            </a:cxnLst>
-            <a:rect l="0" t="0" r="r" b="b"/>
-            <a:pathLst>
-              <a:path w="125" h="74">
-                <a:moveTo>
-                  <a:pt x="125" y="0"/>
-                </a:moveTo>
-                <a:cubicBezTo>
-                  <a:pt x="85" y="22"/>
-                  <a:pt x="43" y="47"/>
-                  <a:pt x="0" y="74"/>
-                </a:cubicBezTo>
-              </a:path>
-            </a:pathLst>
-          </a:custGeom>
-          <a:noFill/>
-          <a:ln w="9525" cap="flat">
-            <a:solidFill>
-              <a:schemeClr val="tx1">
-                <a:alpha val="20000"/>
-              </a:schemeClr>
-            </a:solidFill>
-            <a:prstDash val="dash"/>
-            <a:miter lim="800000"/>
-            <a:headEnd/>
-            <a:tailEnd/>
-          </a:ln>
-          <a:extLst>
-            <a:ext uri="{909E8E84-426E-40DD-AFC4-6F175D3DCCD1}">
-              <a14:hiddenFill xmlns:a14="http://schemas.microsoft.com/office/drawing/2010/main">
-                <a:solidFill>
-                  <a:srgbClr val="FFFFFF"/>
-                </a:solidFill>
-              </a14:hiddenFill>
-            </a:ext>
-          </a:extLst>
-        </p:spPr>
-        <p:txBody>
-          <a:bodyPr vert="horz" wrap="square" lIns="91440" tIns="45720" rIns="91440" bIns="45720" numCol="1" anchor="t" anchorCtr="0" compatLnSpc="1">
-            <a:prstTxWarp prst="textNoShape">
-              <a:avLst/>
-            </a:prstTxWarp>
-          </a:bodyPr>
-          <a:lstStyle/>
-          <a:p>
-            <a:endParaRPr lang="en-US"/>
-          </a:p>
-        </p:txBody>
-      </p:sp>
-      <p:sp>
-        <p:nvSpPr>
-          <p:cNvPr id="31" name="Freeform 16">
-            <a:extLst>
-              <a:ext uri="{FF2B5EF4-FFF2-40B4-BE49-F238E27FC236}">
-                <a16:creationId xmlns:a16="http://schemas.microsoft.com/office/drawing/2014/main" id="{3981F5C4-9AE1-404E-AF44-A4E6DB374F9D}"/>
-              </a:ext>
-              <a:ext uri="{C183D7F6-B498-43B3-948B-1728B52AA6E4}">
-                <adec:decorative xmlns:adec="http://schemas.microsoft.com/office/drawing/2017/decorative" val="1"/>
-              </a:ext>
-            </a:extLst>
-          </p:cNvPr>
-          <p:cNvSpPr>
-            <a:spLocks noGrp="1" noRot="1" noChangeAspect="1" noMove="1" noResize="1" noEditPoints="1" noAdjustHandles="1" noChangeArrowheads="1" noChangeShapeType="1" noTextEdit="1"/>
-          </p:cNvSpPr>
-          <p:nvPr>
-            <p:extLst>
-              <p:ext uri="{386F3935-93C4-4BCD-93E2-E3B085C9AB24}">
-                <p16:designElem xmlns:p16="http://schemas.microsoft.com/office/powerpoint/2015/main" val="1"/>
-              </p:ext>
-            </p:extLst>
-          </p:nvPr>
-        </p:nvSpPr>
-        <p:spPr bwMode="auto">
-          <a:xfrm>
-            <a:off x="-1061" y="-1916"/>
-            <a:ext cx="357188" cy="213875"/>
-          </a:xfrm>
-          <a:custGeom>
-            <a:avLst/>
-            <a:gdLst>
-              <a:gd name="T0" fmla="*/ 75 w 75"/>
-              <a:gd name="T1" fmla="*/ 0 h 45"/>
-              <a:gd name="T2" fmla="*/ 0 w 75"/>
-              <a:gd name="T3" fmla="*/ 45 h 45"/>
-            </a:gdLst>
-            <a:ahLst/>
-            <a:cxnLst>
-              <a:cxn ang="0">
-                <a:pos x="T0" y="T1"/>
-              </a:cxn>
-              <a:cxn ang="0">
-                <a:pos x="T2" y="T3"/>
-              </a:cxn>
-            </a:cxnLst>
-            <a:rect l="0" t="0" r="r" b="b"/>
-            <a:pathLst>
-              <a:path w="75" h="45">
-                <a:moveTo>
-                  <a:pt x="75" y="0"/>
-                </a:moveTo>
-                <a:cubicBezTo>
-                  <a:pt x="50" y="14"/>
-                  <a:pt x="25" y="29"/>
-                  <a:pt x="0" y="45"/>
-                </a:cubicBezTo>
-              </a:path>
-            </a:pathLst>
-          </a:custGeom>
-          <a:noFill/>
-          <a:ln w="12700" cap="flat">
-            <a:solidFill>
-              <a:schemeClr val="tx1">
-                <a:alpha val="20000"/>
-              </a:schemeClr>
-            </a:solidFill>
-            <a:prstDash val="dashDot"/>
-            <a:miter lim="800000"/>
-            <a:headEnd/>
-            <a:tailEnd/>
-          </a:ln>
-          <a:extLst>
-            <a:ext uri="{909E8E84-426E-40DD-AFC4-6F175D3DCCD1}">
-              <a14:hiddenFill xmlns:a14="http://schemas.microsoft.com/office/drawing/2010/main">
-                <a:solidFill>
-                  <a:srgbClr val="FFFFFF"/>
-                </a:solidFill>
-              </a14:hiddenFill>
-            </a:ext>
-          </a:extLst>
-        </p:spPr>
-        <p:txBody>
-          <a:bodyPr vert="horz" wrap="square" lIns="91440" tIns="45720" rIns="91440" bIns="45720" numCol="1" anchor="t" anchorCtr="0" compatLnSpc="1">
-            <a:prstTxWarp prst="textNoShape">
-              <a:avLst/>
-            </a:prstTxWarp>
-          </a:bodyPr>
-          <a:lstStyle/>
-          <a:p>
-            <a:endParaRPr lang="en-US"/>
-          </a:p>
-        </p:txBody>
-      </p:sp>
-      <p:sp>
-        <p:nvSpPr>
-          <p:cNvPr id="33" name="Freeform 11">
-            <a:extLst>
-              <a:ext uri="{FF2B5EF4-FFF2-40B4-BE49-F238E27FC236}">
-                <a16:creationId xmlns:a16="http://schemas.microsoft.com/office/drawing/2014/main" id="{763C1781-8726-4FAC-8C45-FF40376BE409}"/>
-              </a:ext>
-              <a:ext uri="{C183D7F6-B498-43B3-948B-1728B52AA6E4}">
-                <adec:decorative xmlns:adec="http://schemas.microsoft.com/office/drawing/2017/decorative" val="1"/>
-              </a:ext>
-            </a:extLst>
-          </p:cNvPr>
-          <p:cNvSpPr>
-            <a:spLocks noGrp="1" noRot="1" noChangeAspect="1" noMove="1" noResize="1" noEditPoints="1" noAdjustHandles="1" noChangeArrowheads="1" noChangeShapeType="1" noTextEdit="1"/>
-          </p:cNvSpPr>
-          <p:nvPr>
-            <p:extLst>
-              <p:ext uri="{386F3935-93C4-4BCD-93E2-E3B085C9AB24}">
-                <p16:designElem xmlns:p16="http://schemas.microsoft.com/office/powerpoint/2015/main" val="1"/>
-              </p:ext>
-            </p:extLst>
-          </p:nvPr>
-        </p:nvSpPr>
-        <p:spPr bwMode="auto">
-          <a:xfrm>
-            <a:off x="5426601" y="-1916"/>
-            <a:ext cx="5788025" cy="6847184"/>
-          </a:xfrm>
-          <a:custGeom>
-            <a:avLst/>
-            <a:gdLst>
-              <a:gd name="T0" fmla="*/ 1094 w 1216"/>
-              <a:gd name="T1" fmla="*/ 1436 h 1436"/>
-              <a:gd name="T2" fmla="*/ 709 w 1216"/>
-              <a:gd name="T3" fmla="*/ 551 h 1436"/>
-              <a:gd name="T4" fmla="*/ 0 w 1216"/>
-              <a:gd name="T5" fmla="*/ 0 h 1436"/>
-            </a:gdLst>
-            <a:ahLst/>
-            <a:cxnLst>
-              <a:cxn ang="0">
-                <a:pos x="T0" y="T1"/>
-              </a:cxn>
-              <a:cxn ang="0">
-                <a:pos x="T2" y="T3"/>
-              </a:cxn>
-              <a:cxn ang="0">
-                <a:pos x="T4" y="T5"/>
-              </a:cxn>
-            </a:cxnLst>
-            <a:rect l="0" t="0" r="r" b="b"/>
-            <a:pathLst>
-              <a:path w="1216" h="1436">
-                <a:moveTo>
-                  <a:pt x="1094" y="1436"/>
-                </a:moveTo>
-                <a:cubicBezTo>
-                  <a:pt x="1216" y="1114"/>
-                  <a:pt x="904" y="770"/>
-                  <a:pt x="709" y="551"/>
-                </a:cubicBezTo>
-                <a:cubicBezTo>
-                  <a:pt x="509" y="327"/>
-                  <a:pt x="274" y="127"/>
-                  <a:pt x="0" y="0"/>
-                </a:cubicBezTo>
-              </a:path>
-            </a:pathLst>
-          </a:custGeom>
-          <a:noFill/>
-          <a:ln w="9525" cap="flat">
-            <a:solidFill>
-              <a:schemeClr val="tx1">
-                <a:alpha val="20000"/>
-              </a:schemeClr>
-            </a:solidFill>
-            <a:prstDash val="solid"/>
-            <a:miter lim="800000"/>
-            <a:headEnd/>
-            <a:tailEnd/>
-          </a:ln>
-          <a:extLst>
-            <a:ext uri="{909E8E84-426E-40DD-AFC4-6F175D3DCCD1}">
-              <a14:hiddenFill xmlns:a14="http://schemas.microsoft.com/office/drawing/2010/main">
-                <a:solidFill>
-                  <a:srgbClr val="FFFFFF"/>
-                </a:solidFill>
-              </a14:hiddenFill>
-            </a:ext>
-          </a:extLst>
-        </p:spPr>
-        <p:txBody>
-          <a:bodyPr vert="horz" wrap="square" lIns="91440" tIns="45720" rIns="91440" bIns="45720" numCol="1" anchor="t" anchorCtr="0" compatLnSpc="1">
-            <a:prstTxWarp prst="textNoShape">
-              <a:avLst/>
-            </a:prstTxWarp>
-          </a:bodyPr>
-          <a:lstStyle/>
-          <a:p>
-            <a:endParaRPr lang="en-US"/>
-          </a:p>
-        </p:txBody>
-      </p:sp>
-      <p:sp>
-        <p:nvSpPr>
-          <p:cNvPr id="35" name="Freeform 21">
-            <a:extLst>
-              <a:ext uri="{FF2B5EF4-FFF2-40B4-BE49-F238E27FC236}">
-                <a16:creationId xmlns:a16="http://schemas.microsoft.com/office/drawing/2014/main" id="{301491B5-56C7-43DC-A3D9-861EECCA056A}"/>
-              </a:ext>
-              <a:ext uri="{C183D7F6-B498-43B3-948B-1728B52AA6E4}">
-                <adec:decorative xmlns:adec="http://schemas.microsoft.com/office/drawing/2017/decorative" val="1"/>
-              </a:ext>
-            </a:extLst>
-          </p:cNvPr>
-          <p:cNvSpPr>
-            <a:spLocks noGrp="1" noRot="1" noChangeAspect="1" noMove="1" noResize="1" noEditPoints="1" noAdjustHandles="1" noChangeArrowheads="1" noChangeShapeType="1" noTextEdit="1"/>
-          </p:cNvSpPr>
-          <p:nvPr>
-            <p:extLst>
-              <p:ext uri="{386F3935-93C4-4BCD-93E2-E3B085C9AB24}">
-                <p16:designElem xmlns:p16="http://schemas.microsoft.com/office/powerpoint/2015/main" val="1"/>
-              </p:ext>
-            </p:extLst>
-          </p:nvPr>
-        </p:nvSpPr>
-        <p:spPr bwMode="auto">
-          <a:xfrm>
-            <a:off x="9235014" y="2872"/>
-            <a:ext cx="2951163" cy="2555325"/>
-          </a:xfrm>
-          <a:custGeom>
-            <a:avLst/>
-            <a:gdLst>
-              <a:gd name="T0" fmla="*/ 620 w 620"/>
-              <a:gd name="T1" fmla="*/ 536 h 536"/>
-              <a:gd name="T2" fmla="*/ 0 w 620"/>
-              <a:gd name="T3" fmla="*/ 0 h 536"/>
-            </a:gdLst>
-            <a:ahLst/>
-            <a:cxnLst>
-              <a:cxn ang="0">
-                <a:pos x="T0" y="T1"/>
-              </a:cxn>
-              <a:cxn ang="0">
-                <a:pos x="T2" y="T3"/>
-              </a:cxn>
-            </a:cxnLst>
-            <a:rect l="0" t="0" r="r" b="b"/>
-            <a:pathLst>
-              <a:path w="620" h="536">
-                <a:moveTo>
-                  <a:pt x="620" y="536"/>
-                </a:moveTo>
-                <a:cubicBezTo>
-                  <a:pt x="404" y="314"/>
-                  <a:pt x="196" y="138"/>
-                  <a:pt x="0" y="0"/>
-                </a:cubicBezTo>
-              </a:path>
-            </a:pathLst>
-          </a:custGeom>
-          <a:noFill/>
-          <a:ln w="9525" cap="flat">
-            <a:solidFill>
-              <a:schemeClr val="tx1">
-                <a:alpha val="20000"/>
-              </a:schemeClr>
-            </a:solidFill>
-            <a:prstDash val="solid"/>
-            <a:miter lim="800000"/>
-            <a:headEnd/>
-            <a:tailEnd/>
-          </a:ln>
-          <a:extLst>
-            <a:ext uri="{909E8E84-426E-40DD-AFC4-6F175D3DCCD1}">
-              <a14:hiddenFill xmlns:a14="http://schemas.microsoft.com/office/drawing/2010/main">
-                <a:solidFill>
-                  <a:srgbClr val="FFFFFF"/>
-                </a:solidFill>
-              </a14:hiddenFill>
-            </a:ext>
-          </a:extLst>
-        </p:spPr>
-        <p:txBody>
-          <a:bodyPr vert="horz" wrap="square" lIns="91440" tIns="45720" rIns="91440" bIns="45720" numCol="1" anchor="t" anchorCtr="0" compatLnSpc="1">
-            <a:prstTxWarp prst="textNoShape">
-              <a:avLst/>
-            </a:prstTxWarp>
-          </a:bodyPr>
-          <a:lstStyle/>
-          <a:p>
-            <a:endParaRPr lang="en-US"/>
-          </a:p>
-        </p:txBody>
-      </p:sp>
-      <p:sp>
-        <p:nvSpPr>
-          <p:cNvPr id="2" name="Title 1">
-            <a:extLst>
-              <a:ext uri="{FF2B5EF4-FFF2-40B4-BE49-F238E27FC236}">
-                <a16:creationId xmlns:a16="http://schemas.microsoft.com/office/drawing/2014/main" id="{D1CAD71B-8A0D-4167-B114-8C9D3F9ED1D2}"/>
-              </a:ext>
-            </a:extLst>
-          </p:cNvPr>
-          <p:cNvSpPr>
-            <a:spLocks noGrp="1"/>
-          </p:cNvSpPr>
-          <p:nvPr>
-            <p:ph type="title"/>
-          </p:nvPr>
-        </p:nvSpPr>
-        <p:spPr>
-          <a:xfrm>
-            <a:off x="285006" y="89317"/>
-            <a:ext cx="11753533" cy="1335662"/>
-          </a:xfrm>
-        </p:spPr>
-        <p:txBody>
-          <a:bodyPr vert="horz" lIns="91440" tIns="45720" rIns="91440" bIns="45720" rtlCol="0" anchor="b">
-            <a:normAutofit/>
-          </a:bodyPr>
-          <a:lstStyle/>
-          <a:p>
-            <a:r>
-              <a:rPr lang="en-US" sz="4000" dirty="0"/>
-              <a:t>Obj 2:  How has labor costs been affected by Covid?  Was there a change in productivity?</a:t>
-            </a:r>
-          </a:p>
-        </p:txBody>
-      </p:sp>
-      <p:sp>
-        <p:nvSpPr>
-          <p:cNvPr id="37" name="Freeform 22">
-            <a:extLst>
-              <a:ext uri="{FF2B5EF4-FFF2-40B4-BE49-F238E27FC236}">
-                <a16:creationId xmlns:a16="http://schemas.microsoft.com/office/drawing/2014/main" id="{237E2353-22DF-46E0-A200-FB30F8F394E2}"/>
-              </a:ext>
-              <a:ext uri="{C183D7F6-B498-43B3-948B-1728B52AA6E4}">
-                <adec:decorative xmlns:adec="http://schemas.microsoft.com/office/drawing/2017/decorative" val="1"/>
-              </a:ext>
-            </a:extLst>
-          </p:cNvPr>
-          <p:cNvSpPr>
-            <a:spLocks noGrp="1" noRot="1" noChangeAspect="1" noMove="1" noResize="1" noEditPoints="1" noAdjustHandles="1" noChangeArrowheads="1" noChangeShapeType="1" noTextEdit="1"/>
-          </p:cNvSpPr>
-          <p:nvPr>
-            <p:extLst>
-              <p:ext uri="{386F3935-93C4-4BCD-93E2-E3B085C9AB24}">
-                <p16:designElem xmlns:p16="http://schemas.microsoft.com/office/powerpoint/2015/main" val="1"/>
-              </p:ext>
-            </p:extLst>
-          </p:nvPr>
-        </p:nvSpPr>
-        <p:spPr bwMode="auto">
-          <a:xfrm>
-            <a:off x="10020826" y="-1916"/>
-            <a:ext cx="2165350" cy="1358265"/>
-          </a:xfrm>
-          <a:custGeom>
-            <a:avLst/>
-            <a:gdLst>
-              <a:gd name="T0" fmla="*/ 0 w 455"/>
-              <a:gd name="T1" fmla="*/ 0 h 285"/>
-              <a:gd name="T2" fmla="*/ 455 w 455"/>
-              <a:gd name="T3" fmla="*/ 285 h 285"/>
-            </a:gdLst>
-            <a:ahLst/>
-            <a:cxnLst>
-              <a:cxn ang="0">
-                <a:pos x="T0" y="T1"/>
-              </a:cxn>
-              <a:cxn ang="0">
-                <a:pos x="T2" y="T3"/>
-              </a:cxn>
-            </a:cxnLst>
-            <a:rect l="0" t="0" r="r" b="b"/>
-            <a:pathLst>
-              <a:path w="455" h="285">
-                <a:moveTo>
-                  <a:pt x="0" y="0"/>
-                </a:moveTo>
-                <a:cubicBezTo>
-                  <a:pt x="153" y="85"/>
-                  <a:pt x="308" y="180"/>
-                  <a:pt x="455" y="285"/>
-                </a:cubicBezTo>
-              </a:path>
-            </a:pathLst>
-          </a:custGeom>
-          <a:noFill/>
-          <a:ln w="9525" cap="flat">
-            <a:solidFill>
-              <a:schemeClr val="tx1">
-                <a:alpha val="20000"/>
-              </a:schemeClr>
-            </a:solidFill>
-            <a:prstDash val="dash"/>
-            <a:miter lim="800000"/>
-            <a:headEnd/>
-            <a:tailEnd/>
-          </a:ln>
-          <a:extLst>
-            <a:ext uri="{909E8E84-426E-40DD-AFC4-6F175D3DCCD1}">
-              <a14:hiddenFill xmlns:a14="http://schemas.microsoft.com/office/drawing/2010/main">
-                <a:solidFill>
-                  <a:srgbClr val="FFFFFF"/>
-                </a:solidFill>
-              </a14:hiddenFill>
-            </a:ext>
-          </a:extLst>
-        </p:spPr>
-        <p:txBody>
-          <a:bodyPr vert="horz" wrap="square" lIns="91440" tIns="45720" rIns="91440" bIns="45720" numCol="1" anchor="t" anchorCtr="0" compatLnSpc="1">
-            <a:prstTxWarp prst="textNoShape">
-              <a:avLst/>
-            </a:prstTxWarp>
-          </a:bodyPr>
-          <a:lstStyle/>
-          <a:p>
-            <a:endParaRPr lang="en-US"/>
-          </a:p>
-        </p:txBody>
-      </p:sp>
-      <p:sp>
-        <p:nvSpPr>
-          <p:cNvPr id="39" name="Freeform 23">
-            <a:extLst>
-              <a:ext uri="{FF2B5EF4-FFF2-40B4-BE49-F238E27FC236}">
-                <a16:creationId xmlns:a16="http://schemas.microsoft.com/office/drawing/2014/main" id="{DD6138DB-057B-45F7-A5F4-E7BFDA20D02C}"/>
-              </a:ext>
-              <a:ext uri="{C183D7F6-B498-43B3-948B-1728B52AA6E4}">
-                <adec:decorative xmlns:adec="http://schemas.microsoft.com/office/drawing/2017/decorative" val="1"/>
-              </a:ext>
-            </a:extLst>
-          </p:cNvPr>
-          <p:cNvSpPr>
-            <a:spLocks noGrp="1" noRot="1" noChangeAspect="1" noMove="1" noResize="1" noEditPoints="1" noAdjustHandles="1" noChangeArrowheads="1" noChangeShapeType="1" noTextEdit="1"/>
-          </p:cNvSpPr>
-          <p:nvPr>
-            <p:extLst>
-              <p:ext uri="{386F3935-93C4-4BCD-93E2-E3B085C9AB24}">
-                <p16:designElem xmlns:p16="http://schemas.microsoft.com/office/powerpoint/2015/main" val="1"/>
-              </p:ext>
-            </p:extLst>
-          </p:nvPr>
-        </p:nvSpPr>
-        <p:spPr bwMode="auto">
-          <a:xfrm>
-            <a:off x="11290826" y="-1916"/>
-            <a:ext cx="895350" cy="534687"/>
-          </a:xfrm>
-          <a:custGeom>
-            <a:avLst/>
-            <a:gdLst>
-              <a:gd name="T0" fmla="*/ 0 w 188"/>
-              <a:gd name="T1" fmla="*/ 0 h 112"/>
-              <a:gd name="T2" fmla="*/ 188 w 188"/>
-              <a:gd name="T3" fmla="*/ 112 h 112"/>
-            </a:gdLst>
-            <a:ahLst/>
-            <a:cxnLst>
-              <a:cxn ang="0">
-                <a:pos x="T0" y="T1"/>
-              </a:cxn>
-              <a:cxn ang="0">
-                <a:pos x="T2" y="T3"/>
-              </a:cxn>
-            </a:cxnLst>
-            <a:rect l="0" t="0" r="r" b="b"/>
-            <a:pathLst>
-              <a:path w="188" h="112">
-                <a:moveTo>
-                  <a:pt x="0" y="0"/>
-                </a:moveTo>
-                <a:cubicBezTo>
-                  <a:pt x="63" y="36"/>
-                  <a:pt x="126" y="73"/>
-                  <a:pt x="188" y="112"/>
-                </a:cubicBezTo>
-              </a:path>
-            </a:pathLst>
-          </a:custGeom>
-          <a:noFill/>
-          <a:ln w="9525" cap="flat">
-            <a:solidFill>
-              <a:schemeClr val="tx1">
-                <a:alpha val="20000"/>
-              </a:schemeClr>
-            </a:solidFill>
-            <a:prstDash val="solid"/>
-            <a:miter lim="800000"/>
-            <a:headEnd/>
-            <a:tailEnd/>
-          </a:ln>
-          <a:extLst>
-            <a:ext uri="{909E8E84-426E-40DD-AFC4-6F175D3DCCD1}">
-              <a14:hiddenFill xmlns:a14="http://schemas.microsoft.com/office/drawing/2010/main">
-                <a:solidFill>
-                  <a:srgbClr val="FFFFFF"/>
-                </a:solidFill>
-              </a14:hiddenFill>
-            </a:ext>
-          </a:extLst>
-        </p:spPr>
-        <p:txBody>
-          <a:bodyPr vert="horz" wrap="square" lIns="91440" tIns="45720" rIns="91440" bIns="45720" numCol="1" anchor="t" anchorCtr="0" compatLnSpc="1">
-            <a:prstTxWarp prst="textNoShape">
-              <a:avLst/>
-            </a:prstTxWarp>
-          </a:bodyPr>
-          <a:lstStyle/>
-          <a:p>
-            <a:endParaRPr lang="en-US"/>
-          </a:p>
-        </p:txBody>
-      </p:sp>
-      <p:sp>
-        <p:nvSpPr>
-          <p:cNvPr id="41" name="Freeform: Shape 40">
-            <a:extLst>
-              <a:ext uri="{FF2B5EF4-FFF2-40B4-BE49-F238E27FC236}">
-                <a16:creationId xmlns:a16="http://schemas.microsoft.com/office/drawing/2014/main" id="{79A54AB1-B64F-4843-BFAB-81CB74E66B65}"/>
-              </a:ext>
-              <a:ext uri="{C183D7F6-B498-43B3-948B-1728B52AA6E4}">
-                <adec:decorative xmlns:adec="http://schemas.microsoft.com/office/drawing/2017/decorative" val="1"/>
-              </a:ext>
-            </a:extLst>
-          </p:cNvPr>
-          <p:cNvSpPr>
-            <a:spLocks noGrp="1" noRot="1" noChangeAspect="1" noMove="1" noResize="1" noEditPoints="1" noAdjustHandles="1" noChangeArrowheads="1" noChangeShapeType="1" noTextEdit="1"/>
-          </p:cNvSpPr>
-          <p:nvPr>
-            <p:extLst>
-              <p:ext uri="{386F3935-93C4-4BCD-93E2-E3B085C9AB24}">
-                <p16:designElem xmlns:p16="http://schemas.microsoft.com/office/powerpoint/2015/main" val="1"/>
-              </p:ext>
-            </p:extLst>
-          </p:nvPr>
-        </p:nvSpPr>
-        <p:spPr>
-          <a:xfrm rot="20931529">
-            <a:off x="752078" y="2218040"/>
-            <a:ext cx="4418757" cy="4259609"/>
-          </a:xfrm>
-          <a:custGeom>
-            <a:avLst/>
-            <a:gdLst>
-              <a:gd name="connsiteX0" fmla="*/ 404107 w 4507111"/>
-              <a:gd name="connsiteY0" fmla="*/ 0 h 4344781"/>
-              <a:gd name="connsiteX1" fmla="*/ 371857 w 4507111"/>
-              <a:gd name="connsiteY1" fmla="*/ 117359 h 4344781"/>
-              <a:gd name="connsiteX2" fmla="*/ 307833 w 4507111"/>
-              <a:gd name="connsiteY2" fmla="*/ 632970 h 4344781"/>
-              <a:gd name="connsiteX3" fmla="*/ 3569418 w 4507111"/>
-              <a:gd name="connsiteY3" fmla="*/ 4141149 h 4344781"/>
-              <a:gd name="connsiteX4" fmla="*/ 4440861 w 4507111"/>
-              <a:gd name="connsiteY4" fmla="*/ 4332480 h 4344781"/>
-              <a:gd name="connsiteX5" fmla="*/ 4507111 w 4507111"/>
-              <a:gd name="connsiteY5" fmla="*/ 4341752 h 4344781"/>
-              <a:gd name="connsiteX6" fmla="*/ 4296045 w 4507111"/>
-              <a:gd name="connsiteY6" fmla="*/ 4344781 h 4344781"/>
-              <a:gd name="connsiteX7" fmla="*/ 3749565 w 4507111"/>
-              <a:gd name="connsiteY7" fmla="*/ 4321853 h 4344781"/>
-              <a:gd name="connsiteX8" fmla="*/ 36764 w 4507111"/>
-              <a:gd name="connsiteY8" fmla="*/ 1629794 h 4344781"/>
-              <a:gd name="connsiteX9" fmla="*/ 300069 w 4507111"/>
-              <a:gd name="connsiteY9" fmla="*/ 144750 h 4344781"/>
-            </a:gdLst>
-            <a:ahLst/>
-            <a:cxnLst>
-              <a:cxn ang="0">
-                <a:pos x="connsiteX0" y="connsiteY0"/>
-              </a:cxn>
-              <a:cxn ang="0">
-                <a:pos x="connsiteX1" y="connsiteY1"/>
-              </a:cxn>
-              <a:cxn ang="0">
-                <a:pos x="connsiteX2" y="connsiteY2"/>
-              </a:cxn>
-              <a:cxn ang="0">
-                <a:pos x="connsiteX3" y="connsiteY3"/>
-              </a:cxn>
-              <a:cxn ang="0">
-                <a:pos x="connsiteX4" y="connsiteY4"/>
-              </a:cxn>
-              <a:cxn ang="0">
-                <a:pos x="connsiteX5" y="connsiteY5"/>
-              </a:cxn>
-              <a:cxn ang="0">
-                <a:pos x="connsiteX6" y="connsiteY6"/>
-              </a:cxn>
-              <a:cxn ang="0">
-                <a:pos x="connsiteX7" y="connsiteY7"/>
-              </a:cxn>
-              <a:cxn ang="0">
-                <a:pos x="connsiteX8" y="connsiteY8"/>
-              </a:cxn>
-              <a:cxn ang="0">
-                <a:pos x="connsiteX9" y="connsiteY9"/>
-              </a:cxn>
-            </a:cxnLst>
-            <a:rect l="l" t="t" r="r" b="b"/>
-            <a:pathLst>
-              <a:path w="4507111" h="4344781">
-                <a:moveTo>
-                  <a:pt x="404107" y="0"/>
-                </a:moveTo>
-                <a:lnTo>
-                  <a:pt x="371857" y="117359"/>
-                </a:lnTo>
-                <a:cubicBezTo>
-                  <a:pt x="333827" y="278567"/>
-                  <a:pt x="311875" y="450459"/>
-                  <a:pt x="307833" y="632970"/>
-                </a:cubicBezTo>
-                <a:cubicBezTo>
-                  <a:pt x="264711" y="2579752"/>
-                  <a:pt x="2253987" y="3769243"/>
-                  <a:pt x="3569418" y="4141149"/>
-                </a:cubicBezTo>
-                <a:cubicBezTo>
-                  <a:pt x="3816061" y="4210881"/>
-                  <a:pt x="4114807" y="4279754"/>
-                  <a:pt x="4440861" y="4332480"/>
-                </a:cubicBezTo>
-                <a:lnTo>
-                  <a:pt x="4507111" y="4341752"/>
-                </a:lnTo>
-                <a:lnTo>
-                  <a:pt x="4296045" y="4344781"/>
-                </a:lnTo>
-                <a:cubicBezTo>
-                  <a:pt x="4097363" y="4343711"/>
-                  <a:pt x="3912623" y="4335104"/>
-                  <a:pt x="3749565" y="4321853"/>
-                </a:cubicBezTo>
-                <a:cubicBezTo>
-                  <a:pt x="2445102" y="4215850"/>
-                  <a:pt x="356405" y="3466499"/>
-                  <a:pt x="36764" y="1629794"/>
-                </a:cubicBezTo>
-                <a:cubicBezTo>
-                  <a:pt x="-63123" y="1055823"/>
-                  <a:pt x="45741" y="555869"/>
-                  <a:pt x="300069" y="144750"/>
-                </a:cubicBezTo>
-                <a:close/>
-              </a:path>
-            </a:pathLst>
-          </a:custGeom>
-          <a:solidFill>
-            <a:schemeClr val="tx1">
-              <a:alpha val="70000"/>
-            </a:schemeClr>
-          </a:solidFill>
-          <a:ln>
-            <a:noFill/>
-          </a:ln>
-        </p:spPr>
-        <p:style>
-          <a:lnRef idx="2">
-            <a:schemeClr val="accent1">
-              <a:shade val="50000"/>
-            </a:schemeClr>
-          </a:lnRef>
-          <a:fillRef idx="1">
-            <a:schemeClr val="accent1"/>
-          </a:fillRef>
-          <a:effectRef idx="0">
-            <a:schemeClr val="accent1"/>
-          </a:effectRef>
-          <a:fontRef idx="minor">
-            <a:schemeClr val="lt1"/>
-          </a:fontRef>
-        </p:style>
-        <p:txBody>
-          <a:bodyPr wrap="square" rtlCol="0" anchor="ctr">
-            <a:noAutofit/>
-          </a:bodyPr>
-          <a:lstStyle/>
-          <a:p>
-            <a:pPr marL="0" marR="0" lvl="0" indent="0" algn="ctr" defTabSz="457200" rtl="0" eaLnBrk="1" fontAlgn="auto" latinLnBrk="0" hangingPunct="1">
-              <a:lnSpc>
-                <a:spcPct val="100000"/>
-              </a:lnSpc>
-              <a:spcBef>
-                <a:spcPts val="0"/>
-              </a:spcBef>
-              <a:spcAft>
-                <a:spcPts val="0"/>
-              </a:spcAft>
-              <a:buClrTx/>
-              <a:buSzTx/>
-              <a:buFontTx/>
-              <a:buNone/>
-              <a:tabLst/>
-              <a:defRPr/>
-            </a:pPr>
-            <a:endParaRPr kumimoji="0" lang="en-US" sz="1800" b="0" i="0" u="none" strike="noStrike" kern="1200" cap="none" spc="0" normalizeH="0" baseline="0" noProof="0">
-              <a:ln>
-                <a:noFill/>
-              </a:ln>
-              <a:solidFill>
-                <a:prstClr val="white"/>
-              </a:solidFill>
-              <a:effectLst/>
-              <a:uLnTx/>
-              <a:uFillTx/>
-              <a:latin typeface="Rockwell" panose="02060603020205020403"/>
-              <a:ea typeface="+mn-ea"/>
-              <a:cs typeface="+mn-cs"/>
-            </a:endParaRPr>
-          </a:p>
-        </p:txBody>
-      </p:sp>
       <p:pic>
         <p:nvPicPr>
-          <p:cNvPr id="7" name="Content Placeholder 6" descr="A bowl of cereal&#10;&#10;Description automatically generated with medium confidence">
-            <a:extLst>
-              <a:ext uri="{FF2B5EF4-FFF2-40B4-BE49-F238E27FC236}">
-                <a16:creationId xmlns:a16="http://schemas.microsoft.com/office/drawing/2014/main" id="{5299CA83-E892-452E-A48B-D65532F7308C}"/>
+          <p:cNvPr id="5" name="Picture 4" descr="Graphical user interface, application&#10;&#10;Description automatically generated with medium confidence">
+            <a:extLst>
+              <a:ext uri="{FF2B5EF4-FFF2-40B4-BE49-F238E27FC236}">
+                <a16:creationId xmlns:a16="http://schemas.microsoft.com/office/drawing/2014/main" id="{A1D77B90-DEE2-4821-9EDB-B7D156E9BEDB}"/>
               </a:ext>
             </a:extLst>
           </p:cNvPr>
           <p:cNvPicPr>
-            <a:picLocks noGrp="1" noChangeAspect="1"/>
+            <a:picLocks noChangeAspect="1"/>
           </p:cNvPicPr>
-          <p:nvPr>
-            <p:ph idx="1"/>
-          </p:nvPr>
+          <p:nvPr/>
         </p:nvPicPr>
         <p:blipFill>
           <a:blip r:embed="rId2">
@@ -12033,15 +13947,18 @@
         </p:blipFill>
         <p:spPr>
           <a:xfrm>
-            <a:off x="1192383" y="1607701"/>
-            <a:ext cx="5328800" cy="5328800"/>
+            <a:off x="1575753" y="0"/>
+            <a:ext cx="9040494" cy="6858000"/>
           </a:xfrm>
+          <a:prstGeom prst="rect">
+            <a:avLst/>
+          </a:prstGeom>
         </p:spPr>
       </p:pic>
     </p:spTree>
     <p:extLst>
       <p:ext uri="{BB962C8B-B14F-4D97-AF65-F5344CB8AC3E}">
-        <p14:creationId xmlns:p14="http://schemas.microsoft.com/office/powerpoint/2010/main" val="3925067938"/>
+        <p14:creationId xmlns:p14="http://schemas.microsoft.com/office/powerpoint/2010/main" val="413630685"/>
       </p:ext>
     </p:extLst>
   </p:cSld>

--- a/Presentation.pptx
+++ b/Presentation.pptx
@@ -274,7 +274,7 @@
           <a:p>
             <a:fld id="{59ED46AA-65FE-4AA6-90A6-8BABD663A628}" type="datetimeFigureOut">
               <a:rPr lang="en-US" smtClean="0"/>
-              <a:t>1/24/2021</a:t>
+              <a:t>1/24/21</a:t>
             </a:fld>
             <a:endParaRPr lang="en-US"/>
           </a:p>
@@ -472,7 +472,7 @@
           <a:p>
             <a:fld id="{59ED46AA-65FE-4AA6-90A6-8BABD663A628}" type="datetimeFigureOut">
               <a:rPr lang="en-US" smtClean="0"/>
-              <a:t>1/24/2021</a:t>
+              <a:t>1/24/21</a:t>
             </a:fld>
             <a:endParaRPr lang="en-US"/>
           </a:p>
@@ -680,7 +680,7 @@
           <a:p>
             <a:fld id="{59ED46AA-65FE-4AA6-90A6-8BABD663A628}" type="datetimeFigureOut">
               <a:rPr lang="en-US" smtClean="0"/>
-              <a:t>1/24/2021</a:t>
+              <a:t>1/24/21</a:t>
             </a:fld>
             <a:endParaRPr lang="en-US"/>
           </a:p>
@@ -878,7 +878,7 @@
           <a:p>
             <a:fld id="{59ED46AA-65FE-4AA6-90A6-8BABD663A628}" type="datetimeFigureOut">
               <a:rPr lang="en-US" smtClean="0"/>
-              <a:t>1/24/2021</a:t>
+              <a:t>1/24/21</a:t>
             </a:fld>
             <a:endParaRPr lang="en-US"/>
           </a:p>
@@ -1153,7 +1153,7 @@
           <a:p>
             <a:fld id="{59ED46AA-65FE-4AA6-90A6-8BABD663A628}" type="datetimeFigureOut">
               <a:rPr lang="en-US" smtClean="0"/>
-              <a:t>1/24/2021</a:t>
+              <a:t>1/24/21</a:t>
             </a:fld>
             <a:endParaRPr lang="en-US"/>
           </a:p>
@@ -1418,7 +1418,7 @@
           <a:p>
             <a:fld id="{59ED46AA-65FE-4AA6-90A6-8BABD663A628}" type="datetimeFigureOut">
               <a:rPr lang="en-US" smtClean="0"/>
-              <a:t>1/24/2021</a:t>
+              <a:t>1/24/21</a:t>
             </a:fld>
             <a:endParaRPr lang="en-US"/>
           </a:p>
@@ -1830,7 +1830,7 @@
           <a:p>
             <a:fld id="{59ED46AA-65FE-4AA6-90A6-8BABD663A628}" type="datetimeFigureOut">
               <a:rPr lang="en-US" smtClean="0"/>
-              <a:t>1/24/2021</a:t>
+              <a:t>1/24/21</a:t>
             </a:fld>
             <a:endParaRPr lang="en-US"/>
           </a:p>
@@ -1971,7 +1971,7 @@
           <a:p>
             <a:fld id="{59ED46AA-65FE-4AA6-90A6-8BABD663A628}" type="datetimeFigureOut">
               <a:rPr lang="en-US" smtClean="0"/>
-              <a:t>1/24/2021</a:t>
+              <a:t>1/24/21</a:t>
             </a:fld>
             <a:endParaRPr lang="en-US"/>
           </a:p>
@@ -2084,7 +2084,7 @@
           <a:p>
             <a:fld id="{59ED46AA-65FE-4AA6-90A6-8BABD663A628}" type="datetimeFigureOut">
               <a:rPr lang="en-US" smtClean="0"/>
-              <a:t>1/24/2021</a:t>
+              <a:t>1/24/21</a:t>
             </a:fld>
             <a:endParaRPr lang="en-US"/>
           </a:p>
@@ -2395,7 +2395,7 @@
           <a:p>
             <a:fld id="{59ED46AA-65FE-4AA6-90A6-8BABD663A628}" type="datetimeFigureOut">
               <a:rPr lang="en-US" smtClean="0"/>
-              <a:t>1/24/2021</a:t>
+              <a:t>1/24/21</a:t>
             </a:fld>
             <a:endParaRPr lang="en-US"/>
           </a:p>
@@ -2683,7 +2683,7 @@
           <a:p>
             <a:fld id="{59ED46AA-65FE-4AA6-90A6-8BABD663A628}" type="datetimeFigureOut">
               <a:rPr lang="en-US" smtClean="0"/>
-              <a:t>1/24/2021</a:t>
+              <a:t>1/24/21</a:t>
             </a:fld>
             <a:endParaRPr lang="en-US"/>
           </a:p>
@@ -2924,7 +2924,7 @@
           <a:p>
             <a:fld id="{59ED46AA-65FE-4AA6-90A6-8BABD663A628}" type="datetimeFigureOut">
               <a:rPr lang="en-US" smtClean="0"/>
-              <a:t>1/24/2021</a:t>
+              <a:t>1/24/21</a:t>
             </a:fld>
             <a:endParaRPr lang="en-US"/>
           </a:p>
@@ -3499,35 +3499,7 @@
                 <a:ea typeface="+mj-ea"/>
                 <a:cs typeface="+mj-cs"/>
               </a:rPr>
-              <a:t>Effects of </a:t>
-            </a:r>
-            <a:r>
-              <a:rPr lang="en-US" sz="3600" dirty="0" err="1">
-                <a:solidFill>
-                  <a:schemeClr val="tx1">
-                    <a:lumMod val="85000"/>
-                    <a:lumOff val="15000"/>
-                  </a:schemeClr>
-                </a:solidFill>
-                <a:latin typeface="+mj-lt"/>
-                <a:ea typeface="+mj-ea"/>
-                <a:cs typeface="+mj-cs"/>
-              </a:rPr>
-              <a:t>Covid</a:t>
-            </a:r>
-            <a:r>
-              <a:rPr lang="en-US" sz="3600" dirty="0">
-                <a:solidFill>
-                  <a:schemeClr val="tx1">
-                    <a:lumMod val="85000"/>
-                    <a:lumOff val="15000"/>
-                  </a:schemeClr>
-                </a:solidFill>
-                <a:latin typeface="+mj-lt"/>
-                <a:ea typeface="+mj-ea"/>
-                <a:cs typeface="+mj-cs"/>
-              </a:rPr>
-              <a:t> 19 on a Quick-Service Restaurant</a:t>
+              <a:t>Effects of Covid-19 on a Quick-Service Restaurant</a:t>
             </a:r>
           </a:p>
         </p:txBody>
@@ -4881,7 +4853,7 @@
           <a:p>
             <a:r>
               <a:rPr lang="en-US" sz="4000" dirty="0"/>
-              <a:t>Obj 2:  How has labor costs been affected by Covid?  Was there a change in productivity?</a:t>
+              <a:t>How has labor costs been affected by Covid?  Was there a change in productivity?</a:t>
             </a:r>
           </a:p>
         </p:txBody>
@@ -5306,6 +5278,72 @@
           </a:xfrm>
         </p:spPr>
       </p:pic>
+      <p:sp>
+        <p:nvSpPr>
+          <p:cNvPr id="4" name="TextBox 3">
+            <a:extLst>
+              <a:ext uri="{FF2B5EF4-FFF2-40B4-BE49-F238E27FC236}">
+                <a16:creationId xmlns:a16="http://schemas.microsoft.com/office/drawing/2014/main" id="{C76752DD-25F4-C34F-8764-5D19F9CC8358}"/>
+              </a:ext>
+            </a:extLst>
+          </p:cNvPr>
+          <p:cNvSpPr txBox="1"/>
+          <p:nvPr/>
+        </p:nvSpPr>
+        <p:spPr>
+          <a:xfrm>
+            <a:off x="1856509" y="1780905"/>
+            <a:ext cx="9628909" cy="1754326"/>
+          </a:xfrm>
+          <a:prstGeom prst="rect">
+            <a:avLst/>
+          </a:prstGeom>
+          <a:noFill/>
+        </p:spPr>
+        <p:txBody>
+          <a:bodyPr wrap="square" rtlCol="0">
+            <a:spAutoFit/>
+          </a:bodyPr>
+          <a:lstStyle/>
+          <a:p>
+            <a:pPr marL="285750" indent="-285750">
+              <a:buFont typeface="Arial" panose="020B0604020202020204" pitchFamily="34" charset="0"/>
+              <a:buChar char="•"/>
+            </a:pPr>
+            <a:r>
+              <a:rPr lang="en-US" dirty="0"/>
+              <a:t>Productivity was proven to stay constant, with not a lot of error, throughout the entire year. </a:t>
+            </a:r>
+          </a:p>
+          <a:p>
+            <a:endParaRPr lang="en-US" dirty="0"/>
+          </a:p>
+          <a:p>
+            <a:pPr marL="285750" indent="-285750">
+              <a:buFont typeface="Arial" panose="020B0604020202020204" pitchFamily="34" charset="0"/>
+              <a:buChar char="•"/>
+            </a:pPr>
+            <a:r>
+              <a:rPr lang="en-US" dirty="0"/>
+              <a:t>There were a few outliers (weeks 20 and 29),  which we will show you and talk through in the next slide.</a:t>
+            </a:r>
+          </a:p>
+          <a:p>
+            <a:pPr marL="285750" indent="-285750">
+              <a:buFont typeface="Arial" panose="020B0604020202020204" pitchFamily="34" charset="0"/>
+              <a:buChar char="•"/>
+            </a:pPr>
+            <a:endParaRPr lang="en-US" dirty="0"/>
+          </a:p>
+          <a:p>
+            <a:pPr marL="285750" indent="-285750">
+              <a:buFont typeface="Arial" panose="020B0604020202020204" pitchFamily="34" charset="0"/>
+              <a:buChar char="•"/>
+            </a:pPr>
+            <a:endParaRPr lang="en-US" dirty="0"/>
+          </a:p>
+        </p:txBody>
+      </p:sp>
     </p:spTree>
     <p:extLst>
       <p:ext uri="{BB962C8B-B14F-4D97-AF65-F5344CB8AC3E}">
@@ -11110,21 +11148,8 @@
                   <a:schemeClr val="bg1"/>
                 </a:solidFill>
               </a:rPr>
-              <a:t>ANOVA </a:t>
-            </a:r>
-            <a:r>
-              <a:rPr lang="en-US" sz="2000">
-                <a:solidFill>
-                  <a:schemeClr val="bg1"/>
-                </a:solidFill>
-              </a:rPr>
-              <a:t>analysis to…</a:t>
-            </a:r>
-            <a:endParaRPr lang="en-US" sz="2000" dirty="0">
-              <a:solidFill>
-                <a:schemeClr val="bg1"/>
-              </a:solidFill>
-            </a:endParaRPr>
+              <a:t>ANOVA analysis to test if there is a significant difference in sales over time for each variable.</a:t>
+            </a:r>
           </a:p>
           <a:p>
             <a:pPr lvl="2"/>
@@ -11134,7 +11159,50 @@
                   <a:schemeClr val="bg1"/>
                 </a:solidFill>
               </a:rPr>
-              <a:t>Important Variables: Sales, NormDT, 3rdParty and Time</a:t>
+              <a:t>Dependent Variables: Sales, </a:t>
+            </a:r>
+            <a:r>
+              <a:rPr lang="en-US" sz="1600" dirty="0" err="1">
+                <a:solidFill>
+                  <a:schemeClr val="bg1"/>
+                </a:solidFill>
+              </a:rPr>
+              <a:t>NormDT</a:t>
+            </a:r>
+            <a:r>
+              <a:rPr lang="en-US" sz="1600" dirty="0">
+                <a:solidFill>
+                  <a:schemeClr val="bg1"/>
+                </a:solidFill>
+              </a:rPr>
+              <a:t>, </a:t>
+            </a:r>
+            <a:r>
+              <a:rPr lang="en-US" sz="1600" dirty="0" err="1">
+                <a:solidFill>
+                  <a:schemeClr val="bg1"/>
+                </a:solidFill>
+              </a:rPr>
+              <a:t>MobDT</a:t>
+            </a:r>
+            <a:r>
+              <a:rPr lang="en-US" sz="1600" dirty="0">
+                <a:solidFill>
+                  <a:schemeClr val="bg1"/>
+                </a:solidFill>
+              </a:rPr>
+              <a:t>, and 3rdParty</a:t>
+            </a:r>
+          </a:p>
+          <a:p>
+            <a:pPr lvl="2"/>
+            <a:r>
+              <a:rPr lang="en-US" sz="1600" dirty="0">
+                <a:solidFill>
+                  <a:schemeClr val="bg1"/>
+                </a:solidFill>
+              </a:rPr>
+              <a:t>Independent Variable: Time </a:t>
             </a:r>
           </a:p>
           <a:p>
@@ -11145,7 +11213,7 @@
                   <a:schemeClr val="bg1"/>
                 </a:solidFill>
               </a:rPr>
-              <a:t>Linear regression analysis to…</a:t>
+              <a:t>Linear regression analysis to analyze how productivity changed through time. </a:t>
             </a:r>
           </a:p>
           <a:p>
@@ -11156,7 +11224,18 @@
                   <a:schemeClr val="bg1"/>
                 </a:solidFill>
               </a:rPr>
-              <a:t>Important Variables Productivity and Time.</a:t>
+              <a:t>Dependent Variable: Productivity</a:t>
+            </a:r>
+          </a:p>
+          <a:p>
+            <a:pPr lvl="2"/>
+            <a:r>
+              <a:rPr lang="en-US" sz="1600" dirty="0">
+                <a:solidFill>
+                  <a:schemeClr val="bg1"/>
+                </a:solidFill>
+              </a:rPr>
+              <a:t>Independent Variable: Time</a:t>
             </a:r>
           </a:p>
           <a:p>
@@ -11167,7 +11246,7 @@
                   <a:schemeClr val="bg1"/>
                 </a:solidFill>
               </a:rPr>
-              <a:t>MANOVA analysis to…</a:t>
+              <a:t>MANOVA analysis to see which ordering methods have become more popular since the start of the pandemic.</a:t>
             </a:r>
           </a:p>
           <a:p>
@@ -11178,7 +11257,18 @@
                   <a:schemeClr val="bg1"/>
                 </a:solidFill>
               </a:rPr>
-              <a:t>Important Variables: MobCO, MobDI, DineIn, Catering, CarryO, NormDT, 3rdParty, and Time.</a:t>
+              <a:t>Dependent Variables: MobCO, MobDI, DineIn, Catering, CarryO, NormDT, 3rdParty</a:t>
+            </a:r>
+          </a:p>
+          <a:p>
+            <a:pPr lvl="2"/>
+            <a:r>
+              <a:rPr lang="en-US" sz="1600" dirty="0">
+                <a:solidFill>
+                  <a:schemeClr val="bg1"/>
+                </a:solidFill>
+              </a:rPr>
+              <a:t>Independent Variable: Time.</a:t>
             </a:r>
           </a:p>
           <a:p>
@@ -13413,7 +13503,7 @@
         </p:nvSpPr>
         <p:spPr>
           <a:xfrm>
-            <a:off x="285007" y="89317"/>
+            <a:off x="177533" y="-75840"/>
             <a:ext cx="11651620" cy="1335662"/>
           </a:xfrm>
         </p:spPr>
@@ -13425,7 +13515,7 @@
           <a:p>
             <a:r>
               <a:rPr lang="en-US" sz="4000" dirty="0"/>
-              <a:t>Obj 1: How successful has Chick fil-A evolved to fit the new norm (drive-thru only)?</a:t>
+              <a:t>How successfully has Chick fil-A evolved to fit the new norm (drive-thru only)?</a:t>
             </a:r>
           </a:p>
         </p:txBody>
@@ -13844,8 +13934,8 @@
         </p:blipFill>
         <p:spPr>
           <a:xfrm>
-            <a:off x="905776" y="2237376"/>
-            <a:ext cx="5346811" cy="3680577"/>
+            <a:off x="8376635" y="4357093"/>
+            <a:ext cx="3873125" cy="2666138"/>
           </a:xfrm>
           <a:custGeom>
             <a:avLst/>
@@ -13889,6 +13979,127 @@
           </a:custGeom>
         </p:spPr>
       </p:pic>
+      <p:sp>
+        <p:nvSpPr>
+          <p:cNvPr id="3" name="TextBox 2">
+            <a:extLst>
+              <a:ext uri="{FF2B5EF4-FFF2-40B4-BE49-F238E27FC236}">
+                <a16:creationId xmlns:a16="http://schemas.microsoft.com/office/drawing/2014/main" id="{E5D6A616-CC4C-6C4D-B93F-3BDE31A54187}"/>
+              </a:ext>
+            </a:extLst>
+          </p:cNvPr>
+          <p:cNvSpPr txBox="1"/>
+          <p:nvPr/>
+        </p:nvSpPr>
+        <p:spPr>
+          <a:xfrm>
+            <a:off x="1827491" y="1380541"/>
+            <a:ext cx="9510961" cy="3416320"/>
+          </a:xfrm>
+          <a:prstGeom prst="rect">
+            <a:avLst/>
+          </a:prstGeom>
+          <a:noFill/>
+        </p:spPr>
+        <p:txBody>
+          <a:bodyPr wrap="square" rtlCol="0">
+            <a:spAutoFit/>
+          </a:bodyPr>
+          <a:lstStyle/>
+          <a:p>
+            <a:pPr marL="285750" indent="-285750">
+              <a:buFont typeface="Arial" panose="020B0604020202020204" pitchFamily="34" charset="0"/>
+              <a:buChar char="•"/>
+            </a:pPr>
+            <a:r>
+              <a:rPr lang="en-US" dirty="0"/>
+              <a:t>Looked at how each drive-thru variable changed in relationship to the pandemic.</a:t>
+            </a:r>
+          </a:p>
+          <a:p>
+            <a:r>
+              <a:rPr lang="en-US" dirty="0"/>
+              <a:t> </a:t>
+            </a:r>
+          </a:p>
+          <a:p>
+            <a:pPr marL="285750" indent="-285750">
+              <a:buFont typeface="Arial" panose="020B0604020202020204" pitchFamily="34" charset="0"/>
+              <a:buChar char="•"/>
+            </a:pPr>
+            <a:r>
+              <a:rPr lang="en-US" dirty="0"/>
+              <a:t>We found that before and after were almost equal when it came to overall sales. Even through the pandemic, this Chick-fil-A location increased their sales. </a:t>
+            </a:r>
+          </a:p>
+          <a:p>
+            <a:pPr marL="285750" indent="-285750">
+              <a:buFont typeface="Arial" panose="020B0604020202020204" pitchFamily="34" charset="0"/>
+              <a:buChar char="•"/>
+            </a:pPr>
+            <a:endParaRPr lang="en-US" dirty="0"/>
+          </a:p>
+          <a:p>
+            <a:pPr marL="285750" indent="-285750">
+              <a:buFont typeface="Arial" panose="020B0604020202020204" pitchFamily="34" charset="0"/>
+              <a:buChar char="•"/>
+            </a:pPr>
+            <a:r>
+              <a:rPr lang="en-US" dirty="0"/>
+              <a:t>When it came to the traditional drive-thru method, the restaurant had a significant increased the sales from an average of ~$75,000/</a:t>
+            </a:r>
+            <a:r>
+              <a:rPr lang="en-US" dirty="0" err="1"/>
+              <a:t>wk</a:t>
+            </a:r>
+            <a:r>
+              <a:rPr lang="en-US" dirty="0"/>
+              <a:t> before and during the lockdown, to ~$95,000/</a:t>
+            </a:r>
+            <a:r>
+              <a:rPr lang="en-US" dirty="0" err="1"/>
+              <a:t>wk</a:t>
+            </a:r>
+            <a:r>
+              <a:rPr lang="en-US" dirty="0"/>
+              <a:t> after the 6-week period. </a:t>
+            </a:r>
+          </a:p>
+          <a:p>
+            <a:pPr marL="285750" indent="-285750">
+              <a:buFont typeface="Arial" panose="020B0604020202020204" pitchFamily="34" charset="0"/>
+              <a:buChar char="•"/>
+            </a:pPr>
+            <a:endParaRPr lang="en-US" dirty="0"/>
+          </a:p>
+          <a:p>
+            <a:pPr marL="285750" indent="-285750">
+              <a:buFont typeface="Arial" panose="020B0604020202020204" pitchFamily="34" charset="0"/>
+              <a:buChar char="•"/>
+            </a:pPr>
+            <a:r>
+              <a:rPr lang="en-US" dirty="0"/>
+              <a:t>Before the start of </a:t>
+            </a:r>
+            <a:r>
+              <a:rPr lang="en-US" dirty="0" err="1"/>
+              <a:t>Covid</a:t>
+            </a:r>
+            <a:r>
+              <a:rPr lang="en-US" dirty="0"/>
+              <a:t>, this location was averaging ~$7,300/</a:t>
+            </a:r>
+            <a:r>
+              <a:rPr lang="en-US" dirty="0" err="1"/>
+              <a:t>wk</a:t>
+            </a:r>
+            <a:r>
+              <a:rPr lang="en-US" dirty="0"/>
+              <a:t> in Drive-Thru Mobile orders. During the 6-week lockdown period, this rose to ~$17,000/wk. After the lockdown, these sales increased significantly again up to ~$26,000/wk. </a:t>
+            </a:r>
+          </a:p>
+        </p:txBody>
+      </p:sp>
     </p:spTree>
     <p:extLst>
       <p:ext uri="{BB962C8B-B14F-4D97-AF65-F5344CB8AC3E}">
@@ -13933,7 +14144,7 @@
           </p:cNvPicPr>
           <p:nvPr/>
         </p:nvPicPr>
-        <p:blipFill>
+        <p:blipFill rotWithShape="1">
           <a:blip r:embed="rId2">
             <a:extLst>
               <a:ext uri="{28A0092B-C50C-407E-A947-70E740481C1C}">
@@ -13941,14 +14152,13 @@
               </a:ext>
             </a:extLst>
           </a:blip>
-          <a:stretch>
-            <a:fillRect/>
-          </a:stretch>
+          <a:srcRect r="6325" b="45974"/>
+          <a:stretch/>
         </p:blipFill>
         <p:spPr>
           <a:xfrm>
-            <a:off x="1575753" y="0"/>
-            <a:ext cx="9040494" cy="6858000"/>
+            <a:off x="0" y="768927"/>
+            <a:ext cx="12192000" cy="5320145"/>
           </a:xfrm>
           <a:prstGeom prst="rect">
             <a:avLst/>

--- a/Presentation.pptx
+++ b/Presentation.pptx
@@ -4,6 +4,9 @@
   <p:sldMasterIdLst>
     <p:sldMasterId id="2147483648" r:id="rId1"/>
   </p:sldMasterIdLst>
+  <p:notesMasterIdLst>
+    <p:notesMasterId r:id="rId17"/>
+  </p:notesMasterIdLst>
   <p:sldIdLst>
     <p:sldId id="263" r:id="rId2"/>
     <p:sldId id="264" r:id="rId3"/>
@@ -19,8 +22,7 @@
     <p:sldId id="267" r:id="rId13"/>
     <p:sldId id="275" r:id="rId14"/>
     <p:sldId id="257" r:id="rId15"/>
-    <p:sldId id="266" r:id="rId16"/>
-    <p:sldId id="260" r:id="rId17"/>
+    <p:sldId id="260" r:id="rId16"/>
   </p:sldIdLst>
   <p:sldSz cx="12192000" cy="6858000"/>
   <p:notesSz cx="6858000" cy="9144000"/>
@@ -125,6 +127,355 @@
     </p:ext>
   </p:extLst>
 </p:presentation>
+</file>
+
+<file path=ppt/notesMasters/notesMaster1.xml><?xml version="1.0" encoding="utf-8"?>
+<p:notesMaster xmlns:a="http://schemas.openxmlformats.org/drawingml/2006/main" xmlns:r="http://schemas.openxmlformats.org/officeDocument/2006/relationships" xmlns:p="http://schemas.openxmlformats.org/presentationml/2006/main">
+  <p:cSld>
+    <p:bg>
+      <p:bgRef idx="1001">
+        <a:schemeClr val="bg1"/>
+      </p:bgRef>
+    </p:bg>
+    <p:spTree>
+      <p:nvGrpSpPr>
+        <p:cNvPr id="1" name=""/>
+        <p:cNvGrpSpPr/>
+        <p:nvPr/>
+      </p:nvGrpSpPr>
+      <p:grpSpPr>
+        <a:xfrm>
+          <a:off x="0" y="0"/>
+          <a:ext cx="0" cy="0"/>
+          <a:chOff x="0" y="0"/>
+          <a:chExt cx="0" cy="0"/>
+        </a:xfrm>
+      </p:grpSpPr>
+      <p:sp>
+        <p:nvSpPr>
+          <p:cNvPr id="2" name="Header Placeholder 1"/>
+          <p:cNvSpPr>
+            <a:spLocks noGrp="1"/>
+          </p:cNvSpPr>
+          <p:nvPr>
+            <p:ph type="hdr" sz="quarter"/>
+          </p:nvPr>
+        </p:nvSpPr>
+        <p:spPr>
+          <a:xfrm>
+            <a:off x="0" y="0"/>
+            <a:ext cx="2971800" cy="458788"/>
+          </a:xfrm>
+          <a:prstGeom prst="rect">
+            <a:avLst/>
+          </a:prstGeom>
+        </p:spPr>
+        <p:txBody>
+          <a:bodyPr vert="horz" lIns="91440" tIns="45720" rIns="91440" bIns="45720" rtlCol="0"/>
+          <a:lstStyle>
+            <a:lvl1pPr algn="l">
+              <a:defRPr sz="1200"/>
+            </a:lvl1pPr>
+          </a:lstStyle>
+          <a:p>
+            <a:endParaRPr lang="en-US"/>
+          </a:p>
+        </p:txBody>
+      </p:sp>
+      <p:sp>
+        <p:nvSpPr>
+          <p:cNvPr id="3" name="Date Placeholder 2"/>
+          <p:cNvSpPr>
+            <a:spLocks noGrp="1"/>
+          </p:cNvSpPr>
+          <p:nvPr>
+            <p:ph type="dt" idx="1"/>
+          </p:nvPr>
+        </p:nvSpPr>
+        <p:spPr>
+          <a:xfrm>
+            <a:off x="3884613" y="0"/>
+            <a:ext cx="2971800" cy="458788"/>
+          </a:xfrm>
+          <a:prstGeom prst="rect">
+            <a:avLst/>
+          </a:prstGeom>
+        </p:spPr>
+        <p:txBody>
+          <a:bodyPr vert="horz" lIns="91440" tIns="45720" rIns="91440" bIns="45720" rtlCol="0"/>
+          <a:lstStyle>
+            <a:lvl1pPr algn="r">
+              <a:defRPr sz="1200"/>
+            </a:lvl1pPr>
+          </a:lstStyle>
+          <a:p>
+            <a:fld id="{DC4C920C-E88C-9B46-8DAA-02CD0C667D93}" type="datetimeFigureOut">
+              <a:rPr lang="en-US" smtClean="0"/>
+              <a:t>1/24/21</a:t>
+            </a:fld>
+            <a:endParaRPr lang="en-US"/>
+          </a:p>
+        </p:txBody>
+      </p:sp>
+      <p:sp>
+        <p:nvSpPr>
+          <p:cNvPr id="4" name="Slide Image Placeholder 3"/>
+          <p:cNvSpPr>
+            <a:spLocks noGrp="1" noRot="1" noChangeAspect="1"/>
+          </p:cNvSpPr>
+          <p:nvPr>
+            <p:ph type="sldImg" idx="2"/>
+          </p:nvPr>
+        </p:nvSpPr>
+        <p:spPr>
+          <a:xfrm>
+            <a:off x="685800" y="1143000"/>
+            <a:ext cx="5486400" cy="3086100"/>
+          </a:xfrm>
+          <a:prstGeom prst="rect">
+            <a:avLst/>
+          </a:prstGeom>
+          <a:noFill/>
+          <a:ln w="12700">
+            <a:solidFill>
+              <a:prstClr val="black"/>
+            </a:solidFill>
+          </a:ln>
+        </p:spPr>
+        <p:txBody>
+          <a:bodyPr vert="horz" lIns="91440" tIns="45720" rIns="91440" bIns="45720" rtlCol="0" anchor="ctr"/>
+          <a:lstStyle/>
+          <a:p>
+            <a:endParaRPr lang="en-US"/>
+          </a:p>
+        </p:txBody>
+      </p:sp>
+      <p:sp>
+        <p:nvSpPr>
+          <p:cNvPr id="5" name="Notes Placeholder 4"/>
+          <p:cNvSpPr>
+            <a:spLocks noGrp="1"/>
+          </p:cNvSpPr>
+          <p:nvPr>
+            <p:ph type="body" sz="quarter" idx="3"/>
+          </p:nvPr>
+        </p:nvSpPr>
+        <p:spPr>
+          <a:xfrm>
+            <a:off x="685800" y="4400550"/>
+            <a:ext cx="5486400" cy="3600450"/>
+          </a:xfrm>
+          <a:prstGeom prst="rect">
+            <a:avLst/>
+          </a:prstGeom>
+        </p:spPr>
+        <p:txBody>
+          <a:bodyPr vert="horz" lIns="91440" tIns="45720" rIns="91440" bIns="45720" rtlCol="0"/>
+          <a:lstStyle/>
+          <a:p>
+            <a:pPr lvl="0"/>
+            <a:r>
+              <a:rPr lang="en-US"/>
+              <a:t>Click to edit Master text styles</a:t>
+            </a:r>
+          </a:p>
+          <a:p>
+            <a:pPr lvl="1"/>
+            <a:r>
+              <a:rPr lang="en-US"/>
+              <a:t>Second level</a:t>
+            </a:r>
+          </a:p>
+          <a:p>
+            <a:pPr lvl="2"/>
+            <a:r>
+              <a:rPr lang="en-US"/>
+              <a:t>Third level</a:t>
+            </a:r>
+          </a:p>
+          <a:p>
+            <a:pPr lvl="3"/>
+            <a:r>
+              <a:rPr lang="en-US"/>
+              <a:t>Fourth level</a:t>
+            </a:r>
+          </a:p>
+          <a:p>
+            <a:pPr lvl="4"/>
+            <a:r>
+              <a:rPr lang="en-US"/>
+              <a:t>Fifth level</a:t>
+            </a:r>
+          </a:p>
+        </p:txBody>
+      </p:sp>
+      <p:sp>
+        <p:nvSpPr>
+          <p:cNvPr id="6" name="Footer Placeholder 5"/>
+          <p:cNvSpPr>
+            <a:spLocks noGrp="1"/>
+          </p:cNvSpPr>
+          <p:nvPr>
+            <p:ph type="ftr" sz="quarter" idx="4"/>
+          </p:nvPr>
+        </p:nvSpPr>
+        <p:spPr>
+          <a:xfrm>
+            <a:off x="0" y="8685213"/>
+            <a:ext cx="2971800" cy="458787"/>
+          </a:xfrm>
+          <a:prstGeom prst="rect">
+            <a:avLst/>
+          </a:prstGeom>
+        </p:spPr>
+        <p:txBody>
+          <a:bodyPr vert="horz" lIns="91440" tIns="45720" rIns="91440" bIns="45720" rtlCol="0" anchor="b"/>
+          <a:lstStyle>
+            <a:lvl1pPr algn="l">
+              <a:defRPr sz="1200"/>
+            </a:lvl1pPr>
+          </a:lstStyle>
+          <a:p>
+            <a:endParaRPr lang="en-US"/>
+          </a:p>
+        </p:txBody>
+      </p:sp>
+      <p:sp>
+        <p:nvSpPr>
+          <p:cNvPr id="7" name="Slide Number Placeholder 6"/>
+          <p:cNvSpPr>
+            <a:spLocks noGrp="1"/>
+          </p:cNvSpPr>
+          <p:nvPr>
+            <p:ph type="sldNum" sz="quarter" idx="5"/>
+          </p:nvPr>
+        </p:nvSpPr>
+        <p:spPr>
+          <a:xfrm>
+            <a:off x="3884613" y="8685213"/>
+            <a:ext cx="2971800" cy="458787"/>
+          </a:xfrm>
+          <a:prstGeom prst="rect">
+            <a:avLst/>
+          </a:prstGeom>
+        </p:spPr>
+        <p:txBody>
+          <a:bodyPr vert="horz" lIns="91440" tIns="45720" rIns="91440" bIns="45720" rtlCol="0" anchor="b"/>
+          <a:lstStyle>
+            <a:lvl1pPr algn="r">
+              <a:defRPr sz="1200"/>
+            </a:lvl1pPr>
+          </a:lstStyle>
+          <a:p>
+            <a:fld id="{B5409C19-1286-E84C-8244-E1A1BF094CAB}" type="slidenum">
+              <a:rPr lang="en-US" smtClean="0"/>
+              <a:t>‹#›</a:t>
+            </a:fld>
+            <a:endParaRPr lang="en-US"/>
+          </a:p>
+        </p:txBody>
+      </p:sp>
+    </p:spTree>
+    <p:extLst>
+      <p:ext uri="{BB962C8B-B14F-4D97-AF65-F5344CB8AC3E}">
+        <p14:creationId xmlns:p14="http://schemas.microsoft.com/office/powerpoint/2010/main" val="3424107755"/>
+      </p:ext>
+    </p:extLst>
+  </p:cSld>
+  <p:clrMap bg1="lt1" tx1="dk1" bg2="lt2" tx2="dk2" accent1="accent1" accent2="accent2" accent3="accent3" accent4="accent4" accent5="accent5" accent6="accent6" hlink="hlink" folHlink="folHlink"/>
+  <p:notesStyle>
+    <a:lvl1pPr marL="0" algn="l" defTabSz="914400" rtl="0" eaLnBrk="1" latinLnBrk="0" hangingPunct="1">
+      <a:defRPr sz="1200" kern="1200">
+        <a:solidFill>
+          <a:schemeClr val="tx1"/>
+        </a:solidFill>
+        <a:latin typeface="+mn-lt"/>
+        <a:ea typeface="+mn-ea"/>
+        <a:cs typeface="+mn-cs"/>
+      </a:defRPr>
+    </a:lvl1pPr>
+    <a:lvl2pPr marL="457200" algn="l" defTabSz="914400" rtl="0" eaLnBrk="1" latinLnBrk="0" hangingPunct="1">
+      <a:defRPr sz="1200" kern="1200">
+        <a:solidFill>
+          <a:schemeClr val="tx1"/>
+        </a:solidFill>
+        <a:latin typeface="+mn-lt"/>
+        <a:ea typeface="+mn-ea"/>
+        <a:cs typeface="+mn-cs"/>
+      </a:defRPr>
+    </a:lvl2pPr>
+    <a:lvl3pPr marL="914400" algn="l" defTabSz="914400" rtl="0" eaLnBrk="1" latinLnBrk="0" hangingPunct="1">
+      <a:defRPr sz="1200" kern="1200">
+        <a:solidFill>
+          <a:schemeClr val="tx1"/>
+        </a:solidFill>
+        <a:latin typeface="+mn-lt"/>
+        <a:ea typeface="+mn-ea"/>
+        <a:cs typeface="+mn-cs"/>
+      </a:defRPr>
+    </a:lvl3pPr>
+    <a:lvl4pPr marL="1371600" algn="l" defTabSz="914400" rtl="0" eaLnBrk="1" latinLnBrk="0" hangingPunct="1">
+      <a:defRPr sz="1200" kern="1200">
+        <a:solidFill>
+          <a:schemeClr val="tx1"/>
+        </a:solidFill>
+        <a:latin typeface="+mn-lt"/>
+        <a:ea typeface="+mn-ea"/>
+        <a:cs typeface="+mn-cs"/>
+      </a:defRPr>
+    </a:lvl4pPr>
+    <a:lvl5pPr marL="1828800" algn="l" defTabSz="914400" rtl="0" eaLnBrk="1" latinLnBrk="0" hangingPunct="1">
+      <a:defRPr sz="1200" kern="1200">
+        <a:solidFill>
+          <a:schemeClr val="tx1"/>
+        </a:solidFill>
+        <a:latin typeface="+mn-lt"/>
+        <a:ea typeface="+mn-ea"/>
+        <a:cs typeface="+mn-cs"/>
+      </a:defRPr>
+    </a:lvl5pPr>
+    <a:lvl6pPr marL="2286000" algn="l" defTabSz="914400" rtl="0" eaLnBrk="1" latinLnBrk="0" hangingPunct="1">
+      <a:defRPr sz="1200" kern="1200">
+        <a:solidFill>
+          <a:schemeClr val="tx1"/>
+        </a:solidFill>
+        <a:latin typeface="+mn-lt"/>
+        <a:ea typeface="+mn-ea"/>
+        <a:cs typeface="+mn-cs"/>
+      </a:defRPr>
+    </a:lvl6pPr>
+    <a:lvl7pPr marL="2743200" algn="l" defTabSz="914400" rtl="0" eaLnBrk="1" latinLnBrk="0" hangingPunct="1">
+      <a:defRPr sz="1200" kern="1200">
+        <a:solidFill>
+          <a:schemeClr val="tx1"/>
+        </a:solidFill>
+        <a:latin typeface="+mn-lt"/>
+        <a:ea typeface="+mn-ea"/>
+        <a:cs typeface="+mn-cs"/>
+      </a:defRPr>
+    </a:lvl7pPr>
+    <a:lvl8pPr marL="3200400" algn="l" defTabSz="914400" rtl="0" eaLnBrk="1" latinLnBrk="0" hangingPunct="1">
+      <a:defRPr sz="1200" kern="1200">
+        <a:solidFill>
+          <a:schemeClr val="tx1"/>
+        </a:solidFill>
+        <a:latin typeface="+mn-lt"/>
+        <a:ea typeface="+mn-ea"/>
+        <a:cs typeface="+mn-cs"/>
+      </a:defRPr>
+    </a:lvl8pPr>
+    <a:lvl9pPr marL="3657600" algn="l" defTabSz="914400" rtl="0" eaLnBrk="1" latinLnBrk="0" hangingPunct="1">
+      <a:defRPr sz="1200" kern="1200">
+        <a:solidFill>
+          <a:schemeClr val="tx1"/>
+        </a:solidFill>
+        <a:latin typeface="+mn-lt"/>
+        <a:ea typeface="+mn-ea"/>
+        <a:cs typeface="+mn-cs"/>
+      </a:defRPr>
+    </a:lvl9pPr>
+  </p:notesStyle>
+</p:notesMaster>
 </file>
 
 <file path=ppt/slideLayouts/slideLayout1.xml><?xml version="1.0" encoding="utf-8"?>
@@ -5273,7 +5624,7 @@
         </p:blipFill>
         <p:spPr>
           <a:xfrm>
-            <a:off x="-178277" y="4004143"/>
+            <a:off x="8934668" y="3969805"/>
             <a:ext cx="3608839" cy="3608839"/>
           </a:xfrm>
         </p:spPr>
@@ -5292,8 +5643,8 @@
         </p:nvSpPr>
         <p:spPr>
           <a:xfrm>
-            <a:off x="1856509" y="1780905"/>
-            <a:ext cx="9628909" cy="1754326"/>
+            <a:off x="1892640" y="1828311"/>
+            <a:ext cx="9628909" cy="3046988"/>
           </a:xfrm>
           <a:prstGeom prst="rect">
             <a:avLst/>
@@ -5311,12 +5662,12 @@
               <a:buChar char="•"/>
             </a:pPr>
             <a:r>
-              <a:rPr lang="en-US" dirty="0"/>
-              <a:t>Productivity was proven to stay constant, with not a lot of error, throughout the entire year. </a:t>
-            </a:r>
-          </a:p>
-          <a:p>
-            <a:endParaRPr lang="en-US" dirty="0"/>
+              <a:rPr lang="en-US" sz="2400" dirty="0"/>
+              <a:t>Productivity was proven to stay constant, with not a lot of error or overall change, throughout the entire year. </a:t>
+            </a:r>
+          </a:p>
+          <a:p>
+            <a:endParaRPr lang="en-US" sz="2400" dirty="0"/>
           </a:p>
           <a:p>
             <a:pPr marL="285750" indent="-285750">
@@ -5324,8 +5675,8 @@
               <a:buChar char="•"/>
             </a:pPr>
             <a:r>
-              <a:rPr lang="en-US" dirty="0"/>
-              <a:t>There were a few outliers (weeks 20 and 29),  which we will show you and talk through in the next slide.</a:t>
+              <a:rPr lang="en-US" sz="2400" dirty="0"/>
+              <a:t>There were a few outliers (weeks 20, 25 and 29),  which we will show you and talk through in the next slide.</a:t>
             </a:r>
           </a:p>
           <a:p>
@@ -5333,14 +5684,17 @@
               <a:buFont typeface="Arial" panose="020B0604020202020204" pitchFamily="34" charset="0"/>
               <a:buChar char="•"/>
             </a:pPr>
-            <a:endParaRPr lang="en-US" dirty="0"/>
+            <a:endParaRPr lang="en-US" sz="2400" dirty="0"/>
           </a:p>
           <a:p>
             <a:pPr marL="285750" indent="-285750">
               <a:buFont typeface="Arial" panose="020B0604020202020204" pitchFamily="34" charset="0"/>
               <a:buChar char="•"/>
             </a:pPr>
-            <a:endParaRPr lang="en-US" dirty="0"/>
+            <a:r>
+              <a:rPr lang="en-US" sz="2400" dirty="0"/>
+              <a:t>Overall, this location seems to have handled labor well, even through unsettling circumstances.</a:t>
+            </a:r>
           </a:p>
         </p:txBody>
       </p:sp>
@@ -5402,8 +5756,8 @@
         </p:blipFill>
         <p:spPr>
           <a:xfrm>
-            <a:off x="0" y="0"/>
-            <a:ext cx="12192000" cy="6792052"/>
+            <a:off x="0" y="350043"/>
+            <a:ext cx="12192000" cy="6157913"/>
           </a:xfrm>
           <a:prstGeom prst="rect">
             <a:avLst/>
@@ -6651,7 +7005,7 @@
           <a:p>
             <a:r>
               <a:rPr lang="en-US" sz="4000" dirty="0"/>
-              <a:t>Obj 3:  How has ordering changed during Covid?</a:t>
+              <a:t>How has ordering changed during Covid?</a:t>
             </a:r>
           </a:p>
         </p:txBody>
@@ -7071,17 +7425,52 @@
         </p:blipFill>
         <p:spPr>
           <a:xfrm>
-            <a:off x="1617394" y="1827413"/>
-            <a:ext cx="4351338" cy="4351338"/>
+            <a:off x="8602897" y="-442389"/>
+            <a:ext cx="3191090" cy="3116302"/>
           </a:xfrm>
         </p:spPr>
       </p:pic>
+      <p:sp>
+        <p:nvSpPr>
+          <p:cNvPr id="4" name="TextBox 3">
+            <a:extLst>
+              <a:ext uri="{FF2B5EF4-FFF2-40B4-BE49-F238E27FC236}">
+                <a16:creationId xmlns:a16="http://schemas.microsoft.com/office/drawing/2014/main" id="{1FFE8D95-0E15-FB47-AA6D-439E2CC972D5}"/>
+              </a:ext>
+            </a:extLst>
+          </p:cNvPr>
+          <p:cNvSpPr txBox="1"/>
+          <p:nvPr/>
+        </p:nvSpPr>
+        <p:spPr>
+          <a:xfrm>
+            <a:off x="834579" y="1903342"/>
+            <a:ext cx="4230528" cy="923330"/>
+          </a:xfrm>
+          <a:prstGeom prst="rect">
+            <a:avLst/>
+          </a:prstGeom>
+          <a:noFill/>
+        </p:spPr>
+        <p:txBody>
+          <a:bodyPr wrap="square" rtlCol="0">
+            <a:spAutoFit/>
+          </a:bodyPr>
+          <a:lstStyle/>
+          <a:p>
+            <a:r>
+              <a:rPr lang="en-US" dirty="0"/>
+              <a:t>By looking at this pivot table, we can tell that there has been changes to how people typically choose to order. </a:t>
+            </a:r>
+          </a:p>
+        </p:txBody>
+      </p:sp>
       <p:graphicFrame>
         <p:nvGraphicFramePr>
-          <p:cNvPr id="3" name="Table 2">
-            <a:extLst>
-              <a:ext uri="{FF2B5EF4-FFF2-40B4-BE49-F238E27FC236}">
-                <a16:creationId xmlns:a16="http://schemas.microsoft.com/office/drawing/2014/main" id="{E251F732-1A2F-42A7-9424-0A368416F5A2}"/>
+          <p:cNvPr id="5" name="Table 4">
+            <a:extLst>
+              <a:ext uri="{FF2B5EF4-FFF2-40B4-BE49-F238E27FC236}">
+                <a16:creationId xmlns:a16="http://schemas.microsoft.com/office/drawing/2014/main" id="{0625DB10-108D-094B-A6A0-04E51A6C7944}"/>
               </a:ext>
             </a:extLst>
           </p:cNvPr>
@@ -7091,57 +7480,65 @@
           <p:nvPr>
             <p:extLst>
               <p:ext uri="{D42A27DB-BD31-4B8C-83A1-F6EECF244321}">
-                <p14:modId xmlns:p14="http://schemas.microsoft.com/office/powerpoint/2010/main" val="3971444345"/>
+                <p14:modId xmlns:p14="http://schemas.microsoft.com/office/powerpoint/2010/main" val="3519427117"/>
               </p:ext>
             </p:extLst>
           </p:nvPr>
         </p:nvGraphicFramePr>
         <p:xfrm>
-          <a:off x="8080903" y="1020406"/>
-          <a:ext cx="3771899" cy="2095500"/>
+          <a:off x="5457297" y="2291080"/>
+          <a:ext cx="6513933" cy="3268089"/>
         </p:xfrm>
         <a:graphic>
           <a:graphicData uri="http://schemas.openxmlformats.org/drawingml/2006/table">
             <a:tbl>
-              <a:tblPr/>
+              <a:tblPr>
+                <a:tableStyleId>{5C22544A-7EE6-4342-B048-85BDC9FD1C3A}</a:tableStyleId>
+              </a:tblPr>
               <a:tblGrid>
-                <a:gridCol w="1574825">
+                <a:gridCol w="2958041">
                   <a:extLst>
                     <a:ext uri="{9D8B030D-6E8A-4147-A177-3AD203B41FA5}">
-                      <a16:colId xmlns:a16="http://schemas.microsoft.com/office/drawing/2014/main" val="1202073338"/>
+                      <a16:colId xmlns:a16="http://schemas.microsoft.com/office/drawing/2014/main" val="3330301938"/>
                     </a:ext>
                   </a:extLst>
                 </a:gridCol>
-                <a:gridCol w="914400">
+                <a:gridCol w="1030204">
                   <a:extLst>
                     <a:ext uri="{9D8B030D-6E8A-4147-A177-3AD203B41FA5}">
-                      <a16:colId xmlns:a16="http://schemas.microsoft.com/office/drawing/2014/main" val="1018384121"/>
+                      <a16:colId xmlns:a16="http://schemas.microsoft.com/office/drawing/2014/main" val="798015423"/>
                     </a:ext>
                   </a:extLst>
                 </a:gridCol>
-                <a:gridCol w="606968">
+                <a:gridCol w="1262844">
                   <a:extLst>
                     <a:ext uri="{9D8B030D-6E8A-4147-A177-3AD203B41FA5}">
-                      <a16:colId xmlns:a16="http://schemas.microsoft.com/office/drawing/2014/main" val="1107947090"/>
+                      <a16:colId xmlns:a16="http://schemas.microsoft.com/office/drawing/2014/main" val="445811006"/>
                     </a:ext>
                   </a:extLst>
                 </a:gridCol>
-                <a:gridCol w="675706">
+                <a:gridCol w="1262844">
                   <a:extLst>
                     <a:ext uri="{9D8B030D-6E8A-4147-A177-3AD203B41FA5}">
-                      <a16:colId xmlns:a16="http://schemas.microsoft.com/office/drawing/2014/main" val="1536900384"/>
+                      <a16:colId xmlns:a16="http://schemas.microsoft.com/office/drawing/2014/main" val="3150414890"/>
                     </a:ext>
                   </a:extLst>
                 </a:gridCol>
               </a:tblGrid>
-              <a:tr h="190500">
+              <a:tr h="363121">
                 <a:tc>
                   <a:txBody>
                     <a:bodyPr/>
                     <a:lstStyle/>
                     <a:p>
                       <a:pPr algn="l" fontAlgn="b"/>
-                      <a:endParaRPr lang="en-US" sz="1100" b="1" i="0" u="none" strike="noStrike">
+                      <a:r>
+                        <a:rPr lang="en-US" sz="1400" u="none" strike="noStrike" dirty="0">
+                          <a:effectLst/>
+                        </a:rPr>
+                        <a:t>Values</a:t>
+                      </a:r>
+                      <a:endParaRPr lang="en-US" sz="1400" b="1" i="0" u="none" strike="noStrike" dirty="0">
                         <a:solidFill>
                           <a:srgbClr val="000000"/>
                         </a:solidFill>
@@ -7151,20 +7548,42 @@
                     </a:p>
                   </a:txBody>
                   <a:tcPr marL="9525" marR="9525" marT="9525" marB="0" anchor="b">
-                    <a:lnL>
+                    <a:lnL w="12700" cap="flat" cmpd="sng" algn="ctr">
+                      <a:solidFill>
+                        <a:schemeClr val="tx1"/>
+                      </a:solidFill>
+                      <a:prstDash val="solid"/>
+                      <a:round/>
+                      <a:headEnd type="none" w="med" len="med"/>
+                      <a:tailEnd type="none" w="med" len="med"/>
+                    </a:lnL>
+                    <a:lnR w="12700" cap="flat" cmpd="sng" algn="ctr">
                       <a:noFill/>
-                    </a:lnL>
-                    <a:lnR>
+                      <a:prstDash val="solid"/>
+                      <a:round/>
+                      <a:headEnd type="none" w="med" len="med"/>
+                      <a:tailEnd type="none" w="med" len="med"/>
+                    </a:lnR>
+                    <a:lnT w="12700" cap="flat" cmpd="sng" algn="ctr">
+                      <a:solidFill>
+                        <a:schemeClr val="tx1"/>
+                      </a:solidFill>
+                      <a:prstDash val="solid"/>
+                      <a:round/>
+                      <a:headEnd type="none" w="med" len="med"/>
+                      <a:tailEnd type="none" w="med" len="med"/>
+                    </a:lnT>
+                    <a:lnB w="12700" cap="flat" cmpd="sng" algn="ctr">
                       <a:noFill/>
-                    </a:lnR>
-                    <a:lnT>
-                      <a:noFill/>
-                    </a:lnT>
-                    <a:lnB>
-                      <a:noFill/>
+                      <a:prstDash val="solid"/>
+                      <a:round/>
+                      <a:headEnd type="none" w="med" len="med"/>
+                      <a:tailEnd type="none" w="med" len="med"/>
                     </a:lnB>
                     <a:solidFill>
-                      <a:srgbClr val="DCE6F1"/>
+                      <a:schemeClr val="bg1">
+                        <a:lumMod val="65000"/>
+                      </a:schemeClr>
                     </a:solidFill>
                   </a:tcPr>
                 </a:tc>
@@ -7175,42 +7594,12 @@
                     <a:p>
                       <a:pPr algn="l" fontAlgn="b"/>
                       <a:r>
-                        <a:rPr lang="en-US" sz="1100" b="1" i="0" u="none" strike="noStrike" dirty="0">
-                          <a:solidFill>
-                            <a:srgbClr val="000000"/>
-                          </a:solidFill>
+                        <a:rPr lang="en-US" sz="1400" u="none" strike="noStrike" dirty="0">
                           <a:effectLst/>
-                          <a:latin typeface="Calibri" panose="020F0502020204030204" pitchFamily="34" charset="0"/>
                         </a:rPr>
-                        <a:t>Column Labels</a:t>
+                        <a:t>Before</a:t>
                       </a:r>
-                    </a:p>
-                  </a:txBody>
-                  <a:tcPr marL="9525" marR="9525" marT="9525" marB="0" anchor="b">
-                    <a:lnL>
-                      <a:noFill/>
-                    </a:lnL>
-                    <a:lnR>
-                      <a:noFill/>
-                    </a:lnR>
-                    <a:lnT>
-                      <a:noFill/>
-                    </a:lnT>
-                    <a:lnB>
-                      <a:noFill/>
-                    </a:lnB>
-                    <a:solidFill>
-                      <a:srgbClr val="DCE6F1"/>
-                    </a:solidFill>
-                  </a:tcPr>
-                </a:tc>
-                <a:tc>
-                  <a:txBody>
-                    <a:bodyPr/>
-                    <a:lstStyle/>
-                    <a:p>
-                      <a:pPr algn="l" fontAlgn="b"/>
-                      <a:endParaRPr lang="en-US" sz="1100" b="1" i="0" u="none" strike="noStrike">
+                      <a:endParaRPr lang="en-US" sz="1400" b="1" i="0" u="none" strike="noStrike" dirty="0">
                         <a:solidFill>
                           <a:srgbClr val="000000"/>
                         </a:solidFill>
@@ -7220,102 +7609,26 @@
                     </a:p>
                   </a:txBody>
                   <a:tcPr marL="9525" marR="9525" marT="9525" marB="0" anchor="b">
-                    <a:lnL>
+                    <a:lnL w="12700" cap="flat" cmpd="sng" algn="ctr">
                       <a:noFill/>
+                      <a:prstDash val="solid"/>
+                      <a:round/>
+                      <a:headEnd type="none" w="med" len="med"/>
+                      <a:tailEnd type="none" w="med" len="med"/>
                     </a:lnL>
-                    <a:lnR>
-                      <a:noFill/>
-                    </a:lnR>
-                    <a:lnT>
-                      <a:noFill/>
-                    </a:lnT>
-                    <a:lnB>
-                      <a:noFill/>
-                    </a:lnB>
-                    <a:solidFill>
-                      <a:srgbClr val="DCE6F1"/>
-                    </a:solidFill>
-                  </a:tcPr>
-                </a:tc>
-                <a:tc>
-                  <a:txBody>
-                    <a:bodyPr/>
-                    <a:lstStyle/>
-                    <a:p>
-                      <a:pPr algn="l" fontAlgn="b"/>
-                      <a:endParaRPr lang="en-US" sz="1100" b="1" i="0" u="none" strike="noStrike">
-                        <a:solidFill>
-                          <a:srgbClr val="000000"/>
-                        </a:solidFill>
-                        <a:effectLst/>
-                        <a:latin typeface="Calibri" panose="020F0502020204030204" pitchFamily="34" charset="0"/>
-                      </a:endParaRPr>
-                    </a:p>
-                  </a:txBody>
-                  <a:tcPr marL="9525" marR="9525" marT="9525" marB="0" anchor="b">
-                    <a:lnL>
-                      <a:noFill/>
-                    </a:lnL>
-                    <a:lnR>
-                      <a:noFill/>
-                    </a:lnR>
-                    <a:lnT>
-                      <a:noFill/>
-                    </a:lnT>
-                    <a:lnB>
-                      <a:noFill/>
-                    </a:lnB>
-                    <a:solidFill>
-                      <a:srgbClr val="DCE6F1"/>
-                    </a:solidFill>
-                  </a:tcPr>
-                </a:tc>
-                <a:extLst>
-                  <a:ext uri="{0D108BD9-81ED-4DB2-BD59-A6C34878D82A}">
-                    <a16:rowId xmlns:a16="http://schemas.microsoft.com/office/drawing/2014/main" val="2097942859"/>
-                  </a:ext>
-                </a:extLst>
-              </a:tr>
-              <a:tr h="190500">
-                <a:tc>
-                  <a:txBody>
-                    <a:bodyPr/>
-                    <a:lstStyle/>
-                    <a:p>
-                      <a:pPr algn="l" fontAlgn="b"/>
-                      <a:r>
-                        <a:rPr lang="en-US" sz="1100" b="1" i="0" u="none" strike="noStrike">
-                          <a:solidFill>
-                            <a:srgbClr val="000000"/>
-                          </a:solidFill>
-                          <a:effectLst/>
-                          <a:latin typeface="Calibri" panose="020F0502020204030204" pitchFamily="34" charset="0"/>
-                        </a:rPr>
-                        <a:t>Values</a:t>
-                      </a:r>
-                    </a:p>
-                  </a:txBody>
-                  <a:tcPr marL="9525" marR="9525" marT="9525" marB="0" anchor="b">
-                    <a:lnL>
-                      <a:noFill/>
-                    </a:lnL>
-                    <a:lnR>
-                      <a:noFill/>
-                    </a:lnR>
-                    <a:lnT>
-                      <a:noFill/>
-                    </a:lnT>
-                    <a:lnB w="6350" cap="flat" cmpd="sng" algn="ctr">
+                    <a:lnT w="12700" cap="flat" cmpd="sng" algn="ctr">
                       <a:solidFill>
-                        <a:srgbClr val="95B3D7"/>
+                        <a:schemeClr val="tx1"/>
                       </a:solidFill>
                       <a:prstDash val="solid"/>
                       <a:round/>
                       <a:headEnd type="none" w="med" len="med"/>
                       <a:tailEnd type="none" w="med" len="med"/>
-                    </a:lnB>
+                    </a:lnT>
                     <a:solidFill>
-                      <a:srgbClr val="DCE6F1"/>
+                      <a:schemeClr val="bg1">
+                        <a:lumMod val="65000"/>
+                      </a:schemeClr>
                     </a:solidFill>
                   </a:tcPr>
                 </a:tc>
@@ -7326,38 +7639,34 @@
                     <a:p>
                       <a:pPr algn="l" fontAlgn="b"/>
                       <a:r>
-                        <a:rPr lang="en-US" sz="1100" b="1" i="0" u="none" strike="noStrike">
-                          <a:solidFill>
-                            <a:srgbClr val="000000"/>
-                          </a:solidFill>
+                        <a:rPr lang="en-US" sz="1400" u="none" strike="noStrike" dirty="0">
                           <a:effectLst/>
-                          <a:latin typeface="Calibri" panose="020F0502020204030204" pitchFamily="34" charset="0"/>
                         </a:rPr>
-                        <a:t>Before</a:t>
+                        <a:t>During</a:t>
                       </a:r>
+                      <a:endParaRPr lang="en-US" sz="1400" b="1" i="0" u="none" strike="noStrike" dirty="0">
+                        <a:solidFill>
+                          <a:srgbClr val="000000"/>
+                        </a:solidFill>
+                        <a:effectLst/>
+                        <a:latin typeface="Calibri" panose="020F0502020204030204" pitchFamily="34" charset="0"/>
+                      </a:endParaRPr>
                     </a:p>
                   </a:txBody>
                   <a:tcPr marL="9525" marR="9525" marT="9525" marB="0" anchor="b">
-                    <a:lnL>
-                      <a:noFill/>
-                    </a:lnL>
-                    <a:lnR>
-                      <a:noFill/>
-                    </a:lnR>
-                    <a:lnT>
-                      <a:noFill/>
-                    </a:lnT>
-                    <a:lnB w="6350" cap="flat" cmpd="sng" algn="ctr">
+                    <a:lnT w="12700" cap="flat" cmpd="sng" algn="ctr">
                       <a:solidFill>
-                        <a:srgbClr val="95B3D7"/>
+                        <a:schemeClr val="tx1"/>
                       </a:solidFill>
                       <a:prstDash val="solid"/>
                       <a:round/>
                       <a:headEnd type="none" w="med" len="med"/>
                       <a:tailEnd type="none" w="med" len="med"/>
-                    </a:lnB>
+                    </a:lnT>
                     <a:solidFill>
-                      <a:srgbClr val="DCE6F1"/>
+                      <a:schemeClr val="bg1">
+                        <a:lumMod val="65000"/>
+                      </a:schemeClr>
                     </a:solidFill>
                   </a:tcPr>
                 </a:tc>
@@ -7368,41 +7677,53 @@
                     <a:p>
                       <a:pPr algn="l" fontAlgn="b"/>
                       <a:r>
-                        <a:rPr lang="en-US" sz="1100" b="1" i="0" u="none" strike="noStrike">
-                          <a:solidFill>
-                            <a:srgbClr val="000000"/>
-                          </a:solidFill>
+                        <a:rPr lang="en-US" sz="1400" u="none" strike="noStrike" dirty="0">
                           <a:effectLst/>
-                          <a:latin typeface="Calibri" panose="020F0502020204030204" pitchFamily="34" charset="0"/>
                         </a:rPr>
-                        <a:t>During</a:t>
+                        <a:t>After</a:t>
                       </a:r>
+                      <a:endParaRPr lang="en-US" sz="1400" b="1" i="0" u="none" strike="noStrike" dirty="0">
+                        <a:solidFill>
+                          <a:srgbClr val="000000"/>
+                        </a:solidFill>
+                        <a:effectLst/>
+                        <a:latin typeface="Calibri" panose="020F0502020204030204" pitchFamily="34" charset="0"/>
+                      </a:endParaRPr>
                     </a:p>
                   </a:txBody>
                   <a:tcPr marL="9525" marR="9525" marT="9525" marB="0" anchor="b">
-                    <a:lnL>
-                      <a:noFill/>
-                    </a:lnL>
-                    <a:lnR>
-                      <a:noFill/>
-                    </a:lnR>
-                    <a:lnT>
-                      <a:noFill/>
-                    </a:lnT>
-                    <a:lnB w="6350" cap="flat" cmpd="sng" algn="ctr">
+                    <a:lnR w="12700" cap="flat" cmpd="sng" algn="ctr">
                       <a:solidFill>
-                        <a:srgbClr val="95B3D7"/>
+                        <a:schemeClr val="tx1"/>
                       </a:solidFill>
                       <a:prstDash val="solid"/>
                       <a:round/>
                       <a:headEnd type="none" w="med" len="med"/>
                       <a:tailEnd type="none" w="med" len="med"/>
-                    </a:lnB>
+                    </a:lnR>
+                    <a:lnT w="12700" cap="flat" cmpd="sng" algn="ctr">
+                      <a:solidFill>
+                        <a:schemeClr val="tx1"/>
+                      </a:solidFill>
+                      <a:prstDash val="solid"/>
+                      <a:round/>
+                      <a:headEnd type="none" w="med" len="med"/>
+                      <a:tailEnd type="none" w="med" len="med"/>
+                    </a:lnT>
                     <a:solidFill>
-                      <a:srgbClr val="DCE6F1"/>
+                      <a:schemeClr val="bg1">
+                        <a:lumMod val="65000"/>
+                      </a:schemeClr>
                     </a:solidFill>
                   </a:tcPr>
                 </a:tc>
+                <a:extLst>
+                  <a:ext uri="{0D108BD9-81ED-4DB2-BD59-A6C34878D82A}">
+                    <a16:rowId xmlns:a16="http://schemas.microsoft.com/office/drawing/2014/main" val="3010466744"/>
+                  </a:ext>
+                </a:extLst>
+              </a:tr>
+              <a:tr h="363121">
                 <a:tc>
                   <a:txBody>
                     <a:bodyPr/>
@@ -7410,85 +7731,44 @@
                     <a:p>
                       <a:pPr algn="l" fontAlgn="b"/>
                       <a:r>
-                        <a:rPr lang="en-US" sz="1100" b="1" i="0" u="none" strike="noStrike">
-                          <a:solidFill>
-                            <a:srgbClr val="000000"/>
-                          </a:solidFill>
+                        <a:rPr lang="en-US" sz="1400" u="none" strike="noStrike" dirty="0">
                           <a:effectLst/>
-                          <a:latin typeface="Calibri" panose="020F0502020204030204" pitchFamily="34" charset="0"/>
                         </a:rPr>
-                        <a:t>After</a:t>
+                        <a:t>Average of </a:t>
                       </a:r>
+                      <a:r>
+                        <a:rPr lang="en-US" sz="1400" u="none" strike="noStrike" dirty="0" err="1">
+                          <a:effectLst/>
+                        </a:rPr>
+                        <a:t>CarryO</a:t>
+                      </a:r>
+                      <a:endParaRPr lang="en-US" sz="1400" b="0" i="0" u="none" strike="noStrike" dirty="0">
+                        <a:solidFill>
+                          <a:srgbClr val="000000"/>
+                        </a:solidFill>
+                        <a:effectLst/>
+                        <a:latin typeface="Calibri" panose="020F0502020204030204" pitchFamily="34" charset="0"/>
+                      </a:endParaRPr>
                     </a:p>
                   </a:txBody>
                   <a:tcPr marL="9525" marR="9525" marT="9525" marB="0" anchor="b">
-                    <a:lnL>
-                      <a:noFill/>
-                    </a:lnL>
-                    <a:lnR>
-                      <a:noFill/>
-                    </a:lnR>
-                    <a:lnT>
-                      <a:noFill/>
-                    </a:lnT>
-                    <a:lnB w="6350" cap="flat" cmpd="sng" algn="ctr">
+                    <a:lnL w="12700" cap="flat" cmpd="sng" algn="ctr">
                       <a:solidFill>
-                        <a:srgbClr val="95B3D7"/>
+                        <a:schemeClr val="tx1"/>
                       </a:solidFill>
                       <a:prstDash val="solid"/>
                       <a:round/>
                       <a:headEnd type="none" w="med" len="med"/>
                       <a:tailEnd type="none" w="med" len="med"/>
-                    </a:lnB>
-                    <a:solidFill>
-                      <a:srgbClr val="DCE6F1"/>
-                    </a:solidFill>
-                  </a:tcPr>
-                </a:tc>
-                <a:extLst>
-                  <a:ext uri="{0D108BD9-81ED-4DB2-BD59-A6C34878D82A}">
-                    <a16:rowId xmlns:a16="http://schemas.microsoft.com/office/drawing/2014/main" val="2495605238"/>
-                  </a:ext>
-                </a:extLst>
-              </a:tr>
-              <a:tr h="190500">
-                <a:tc>
-                  <a:txBody>
-                    <a:bodyPr/>
-                    <a:lstStyle/>
-                    <a:p>
-                      <a:pPr algn="l" fontAlgn="b"/>
-                      <a:r>
-                        <a:rPr lang="en-US" sz="1100" b="0" i="0" u="none" strike="noStrike" dirty="0">
-                          <a:solidFill>
-                            <a:srgbClr val="000000"/>
-                          </a:solidFill>
-                          <a:effectLst/>
-                          <a:latin typeface="Calibri" panose="020F0502020204030204" pitchFamily="34" charset="0"/>
-                        </a:rPr>
-                        <a:t>Average of Sales</a:t>
-                      </a:r>
-                    </a:p>
-                  </a:txBody>
-                  <a:tcPr marL="9525" marR="9525" marT="9525" marB="0" anchor="b">
-                    <a:lnL>
+                    </a:lnL>
+                    <a:lnT w="12700" cap="flat" cmpd="sng" algn="ctr">
                       <a:noFill/>
-                    </a:lnL>
-                    <a:lnR>
-                      <a:noFill/>
-                    </a:lnR>
-                    <a:lnT w="6350" cap="flat" cmpd="sng" algn="ctr">
-                      <a:solidFill>
-                        <a:srgbClr val="95B3D7"/>
-                      </a:solidFill>
                       <a:prstDash val="solid"/>
                       <a:round/>
                       <a:headEnd type="none" w="med" len="med"/>
                       <a:tailEnd type="none" w="med" len="med"/>
                     </a:lnT>
-                    <a:lnB>
-                      <a:noFill/>
-                    </a:lnB>
+                    <a:noFill/>
                   </a:tcPr>
                 </a:tc>
                 <a:tc>
@@ -7498,36 +7778,22 @@
                     <a:p>
                       <a:pPr algn="r" fontAlgn="b"/>
                       <a:r>
-                        <a:rPr lang="en-US" sz="1100" b="0" i="0" u="none" strike="noStrike">
-                          <a:solidFill>
-                            <a:srgbClr val="000000"/>
-                          </a:solidFill>
+                        <a:rPr lang="en-US" sz="1400" u="none" strike="noStrike" dirty="0">
                           <a:effectLst/>
-                          <a:latin typeface="Calibri" panose="020F0502020204030204" pitchFamily="34" charset="0"/>
                         </a:rPr>
-                        <a:t>122,075.35</a:t>
+                        <a:t>12,732.05</a:t>
                       </a:r>
+                      <a:endParaRPr lang="en-US" sz="1400" b="0" i="0" u="none" strike="noStrike" dirty="0">
+                        <a:solidFill>
+                          <a:srgbClr val="000000"/>
+                        </a:solidFill>
+                        <a:effectLst/>
+                        <a:latin typeface="Calibri" panose="020F0502020204030204" pitchFamily="34" charset="0"/>
+                      </a:endParaRPr>
                     </a:p>
                   </a:txBody>
                   <a:tcPr marL="9525" marR="9525" marT="9525" marB="0" anchor="b">
-                    <a:lnL>
-                      <a:noFill/>
-                    </a:lnL>
-                    <a:lnR>
-                      <a:noFill/>
-                    </a:lnR>
-                    <a:lnT w="6350" cap="flat" cmpd="sng" algn="ctr">
-                      <a:solidFill>
-                        <a:srgbClr val="95B3D7"/>
-                      </a:solidFill>
-                      <a:prstDash val="solid"/>
-                      <a:round/>
-                      <a:headEnd type="none" w="med" len="med"/>
-                      <a:tailEnd type="none" w="med" len="med"/>
-                    </a:lnT>
-                    <a:lnB>
-                      <a:noFill/>
-                    </a:lnB>
+                    <a:noFill/>
                   </a:tcPr>
                 </a:tc>
                 <a:tc>
@@ -7537,36 +7803,22 @@
                     <a:p>
                       <a:pPr algn="r" fontAlgn="b"/>
                       <a:r>
-                        <a:rPr lang="en-US" sz="1100" b="0" i="0" u="none" strike="noStrike">
-                          <a:solidFill>
-                            <a:srgbClr val="000000"/>
-                          </a:solidFill>
+                        <a:rPr lang="en-US" sz="1400" u="none" strike="noStrike" dirty="0">
                           <a:effectLst/>
-                          <a:latin typeface="Calibri" panose="020F0502020204030204" pitchFamily="34" charset="0"/>
                         </a:rPr>
-                        <a:t>95,590.30</a:t>
+                        <a:t>0.00</a:t>
                       </a:r>
+                      <a:endParaRPr lang="en-US" sz="1400" b="0" i="0" u="none" strike="noStrike" dirty="0">
+                        <a:solidFill>
+                          <a:srgbClr val="000000"/>
+                        </a:solidFill>
+                        <a:effectLst/>
+                        <a:latin typeface="Calibri" panose="020F0502020204030204" pitchFamily="34" charset="0"/>
+                      </a:endParaRPr>
                     </a:p>
                   </a:txBody>
                   <a:tcPr marL="9525" marR="9525" marT="9525" marB="0" anchor="b">
-                    <a:lnL>
-                      <a:noFill/>
-                    </a:lnL>
-                    <a:lnR>
-                      <a:noFill/>
-                    </a:lnR>
-                    <a:lnT w="6350" cap="flat" cmpd="sng" algn="ctr">
-                      <a:solidFill>
-                        <a:srgbClr val="95B3D7"/>
-                      </a:solidFill>
-                      <a:prstDash val="solid"/>
-                      <a:round/>
-                      <a:headEnd type="none" w="med" len="med"/>
-                      <a:tailEnd type="none" w="med" len="med"/>
-                    </a:lnT>
-                    <a:lnB>
-                      <a:noFill/>
-                    </a:lnB>
+                    <a:noFill/>
                   </a:tcPr>
                 </a:tc>
                 <a:tc>
@@ -7576,45 +7828,40 @@
                     <a:p>
                       <a:pPr algn="r" fontAlgn="b"/>
                       <a:r>
-                        <a:rPr lang="en-US" sz="1100" b="0" i="0" u="none" strike="noStrike">
-                          <a:solidFill>
-                            <a:srgbClr val="000000"/>
-                          </a:solidFill>
+                        <a:rPr lang="en-US" sz="1400" u="none" strike="noStrike" dirty="0">
                           <a:effectLst/>
-                          <a:latin typeface="Calibri" panose="020F0502020204030204" pitchFamily="34" charset="0"/>
                         </a:rPr>
-                        <a:t>125,419.52</a:t>
+                        <a:t>0.00</a:t>
                       </a:r>
+                      <a:endParaRPr lang="en-US" sz="1400" b="0" i="0" u="none" strike="noStrike" dirty="0">
+                        <a:solidFill>
+                          <a:srgbClr val="000000"/>
+                        </a:solidFill>
+                        <a:effectLst/>
+                        <a:latin typeface="Calibri" panose="020F0502020204030204" pitchFamily="34" charset="0"/>
+                      </a:endParaRPr>
                     </a:p>
                   </a:txBody>
                   <a:tcPr marL="9525" marR="9525" marT="9525" marB="0" anchor="b">
-                    <a:lnL>
-                      <a:noFill/>
-                    </a:lnL>
-                    <a:lnR>
-                      <a:noFill/>
-                    </a:lnR>
-                    <a:lnT w="6350" cap="flat" cmpd="sng" algn="ctr">
+                    <a:lnR w="12700" cap="flat" cmpd="sng" algn="ctr">
                       <a:solidFill>
-                        <a:srgbClr val="95B3D7"/>
+                        <a:schemeClr val="tx1"/>
                       </a:solidFill>
                       <a:prstDash val="solid"/>
                       <a:round/>
                       <a:headEnd type="none" w="med" len="med"/>
                       <a:tailEnd type="none" w="med" len="med"/>
-                    </a:lnT>
-                    <a:lnB>
-                      <a:noFill/>
-                    </a:lnB>
+                    </a:lnR>
+                    <a:noFill/>
                   </a:tcPr>
                 </a:tc>
                 <a:extLst>
                   <a:ext uri="{0D108BD9-81ED-4DB2-BD59-A6C34878D82A}">
-                    <a16:rowId xmlns:a16="http://schemas.microsoft.com/office/drawing/2014/main" val="1582493317"/>
+                    <a16:rowId xmlns:a16="http://schemas.microsoft.com/office/drawing/2014/main" val="183022632"/>
                   </a:ext>
                 </a:extLst>
               </a:tr>
-              <a:tr h="190500">
+              <a:tr h="363121">
                 <a:tc>
                   <a:txBody>
                     <a:bodyPr/>
@@ -7622,30 +7869,37 @@
                     <a:p>
                       <a:pPr algn="l" fontAlgn="b"/>
                       <a:r>
-                        <a:rPr lang="en-US" sz="1100" b="0" i="0" u="none" strike="noStrike">
-                          <a:solidFill>
-                            <a:srgbClr val="000000"/>
-                          </a:solidFill>
+                        <a:rPr lang="en-US" sz="1400" u="none" strike="noStrike" dirty="0">
                           <a:effectLst/>
-                          <a:latin typeface="Calibri" panose="020F0502020204030204" pitchFamily="34" charset="0"/>
                         </a:rPr>
-                        <a:t>Average of CarryO</a:t>
+                        <a:t>Average of </a:t>
                       </a:r>
+                      <a:r>
+                        <a:rPr lang="en-US" sz="1400" u="none" strike="noStrike" dirty="0" err="1">
+                          <a:effectLst/>
+                        </a:rPr>
+                        <a:t>MobCO</a:t>
+                      </a:r>
+                      <a:endParaRPr lang="en-US" sz="1400" b="0" i="0" u="none" strike="noStrike" dirty="0">
+                        <a:solidFill>
+                          <a:srgbClr val="000000"/>
+                        </a:solidFill>
+                        <a:effectLst/>
+                        <a:latin typeface="Calibri" panose="020F0502020204030204" pitchFamily="34" charset="0"/>
+                      </a:endParaRPr>
                     </a:p>
                   </a:txBody>
                   <a:tcPr marL="9525" marR="9525" marT="9525" marB="0" anchor="b">
-                    <a:lnL>
-                      <a:noFill/>
+                    <a:lnL w="12700" cap="flat" cmpd="sng" algn="ctr">
+                      <a:solidFill>
+                        <a:schemeClr val="tx1"/>
+                      </a:solidFill>
+                      <a:prstDash val="solid"/>
+                      <a:round/>
+                      <a:headEnd type="none" w="med" len="med"/>
+                      <a:tailEnd type="none" w="med" len="med"/>
                     </a:lnL>
-                    <a:lnR>
-                      <a:noFill/>
-                    </a:lnR>
-                    <a:lnT>
-                      <a:noFill/>
-                    </a:lnT>
-                    <a:lnB>
-                      <a:noFill/>
-                    </a:lnB>
+                    <a:noFill/>
                   </a:tcPr>
                 </a:tc>
                 <a:tc>
@@ -7655,30 +7909,22 @@
                     <a:p>
                       <a:pPr algn="r" fontAlgn="b"/>
                       <a:r>
-                        <a:rPr lang="en-US" sz="1100" b="0" i="0" u="none" strike="noStrike">
-                          <a:solidFill>
-                            <a:srgbClr val="000000"/>
-                          </a:solidFill>
+                        <a:rPr lang="en-US" sz="1400" u="none" strike="noStrike" dirty="0">
                           <a:effectLst/>
-                          <a:latin typeface="Calibri" panose="020F0502020204030204" pitchFamily="34" charset="0"/>
                         </a:rPr>
-                        <a:t>12,732.05</a:t>
+                        <a:t>7,170.84</a:t>
                       </a:r>
+                      <a:endParaRPr lang="en-US" sz="1400" b="0" i="0" u="none" strike="noStrike" dirty="0">
+                        <a:solidFill>
+                          <a:srgbClr val="000000"/>
+                        </a:solidFill>
+                        <a:effectLst/>
+                        <a:latin typeface="Calibri" panose="020F0502020204030204" pitchFamily="34" charset="0"/>
+                      </a:endParaRPr>
                     </a:p>
                   </a:txBody>
                   <a:tcPr marL="9525" marR="9525" marT="9525" marB="0" anchor="b">
-                    <a:lnL>
-                      <a:noFill/>
-                    </a:lnL>
-                    <a:lnR>
-                      <a:noFill/>
-                    </a:lnR>
-                    <a:lnT>
-                      <a:noFill/>
-                    </a:lnT>
-                    <a:lnB>
-                      <a:noFill/>
-                    </a:lnB>
+                    <a:noFill/>
                   </a:tcPr>
                 </a:tc>
                 <a:tc>
@@ -7688,30 +7934,22 @@
                     <a:p>
                       <a:pPr algn="r" fontAlgn="b"/>
                       <a:r>
-                        <a:rPr lang="en-US" sz="1100" b="0" i="0" u="none" strike="noStrike">
-                          <a:solidFill>
-                            <a:srgbClr val="000000"/>
-                          </a:solidFill>
+                        <a:rPr lang="en-US" sz="1400" u="none" strike="noStrike" dirty="0">
                           <a:effectLst/>
-                          <a:latin typeface="Calibri" panose="020F0502020204030204" pitchFamily="34" charset="0"/>
                         </a:rPr>
-                        <a:t>0.00</a:t>
+                        <a:t>29.60</a:t>
                       </a:r>
+                      <a:endParaRPr lang="en-US" sz="1400" b="0" i="0" u="none" strike="noStrike" dirty="0">
+                        <a:solidFill>
+                          <a:srgbClr val="000000"/>
+                        </a:solidFill>
+                        <a:effectLst/>
+                        <a:latin typeface="Calibri" panose="020F0502020204030204" pitchFamily="34" charset="0"/>
+                      </a:endParaRPr>
                     </a:p>
                   </a:txBody>
                   <a:tcPr marL="9525" marR="9525" marT="9525" marB="0" anchor="b">
-                    <a:lnL>
-                      <a:noFill/>
-                    </a:lnL>
-                    <a:lnR>
-                      <a:noFill/>
-                    </a:lnR>
-                    <a:lnT>
-                      <a:noFill/>
-                    </a:lnT>
-                    <a:lnB>
-                      <a:noFill/>
-                    </a:lnB>
+                    <a:noFill/>
                   </a:tcPr>
                 </a:tc>
                 <a:tc>
@@ -7721,39 +7959,40 @@
                     <a:p>
                       <a:pPr algn="r" fontAlgn="b"/>
                       <a:r>
-                        <a:rPr lang="en-US" sz="1100" b="0" i="0" u="none" strike="noStrike">
-                          <a:solidFill>
-                            <a:srgbClr val="000000"/>
-                          </a:solidFill>
+                        <a:rPr lang="en-US" sz="1400" u="none" strike="noStrike" dirty="0">
                           <a:effectLst/>
-                          <a:latin typeface="Calibri" panose="020F0502020204030204" pitchFamily="34" charset="0"/>
                         </a:rPr>
                         <a:t>0.00</a:t>
                       </a:r>
+                      <a:endParaRPr lang="en-US" sz="1400" b="0" i="0" u="none" strike="noStrike" dirty="0">
+                        <a:solidFill>
+                          <a:srgbClr val="000000"/>
+                        </a:solidFill>
+                        <a:effectLst/>
+                        <a:latin typeface="Calibri" panose="020F0502020204030204" pitchFamily="34" charset="0"/>
+                      </a:endParaRPr>
                     </a:p>
                   </a:txBody>
                   <a:tcPr marL="9525" marR="9525" marT="9525" marB="0" anchor="b">
-                    <a:lnL>
-                      <a:noFill/>
-                    </a:lnL>
-                    <a:lnR>
-                      <a:noFill/>
+                    <a:lnR w="12700" cap="flat" cmpd="sng" algn="ctr">
+                      <a:solidFill>
+                        <a:schemeClr val="tx1"/>
+                      </a:solidFill>
+                      <a:prstDash val="solid"/>
+                      <a:round/>
+                      <a:headEnd type="none" w="med" len="med"/>
+                      <a:tailEnd type="none" w="med" len="med"/>
                     </a:lnR>
-                    <a:lnT>
-                      <a:noFill/>
-                    </a:lnT>
-                    <a:lnB>
-                      <a:noFill/>
-                    </a:lnB>
+                    <a:noFill/>
                   </a:tcPr>
                 </a:tc>
                 <a:extLst>
                   <a:ext uri="{0D108BD9-81ED-4DB2-BD59-A6C34878D82A}">
-                    <a16:rowId xmlns:a16="http://schemas.microsoft.com/office/drawing/2014/main" val="694240714"/>
+                    <a16:rowId xmlns:a16="http://schemas.microsoft.com/office/drawing/2014/main" val="51954824"/>
                   </a:ext>
                 </a:extLst>
               </a:tr>
-              <a:tr h="190500">
+              <a:tr h="363121">
                 <a:tc>
                   <a:txBody>
                     <a:bodyPr/>
@@ -7761,30 +8000,37 @@
                     <a:p>
                       <a:pPr algn="l" fontAlgn="b"/>
                       <a:r>
-                        <a:rPr lang="en-US" sz="1100" b="0" i="0" u="none" strike="noStrike">
-                          <a:solidFill>
-                            <a:srgbClr val="000000"/>
-                          </a:solidFill>
+                        <a:rPr lang="en-US" sz="1400" u="none" strike="noStrike" dirty="0">
                           <a:effectLst/>
-                          <a:latin typeface="Calibri" panose="020F0502020204030204" pitchFamily="34" charset="0"/>
                         </a:rPr>
-                        <a:t>Average of MobCO</a:t>
+                        <a:t>Average of </a:t>
                       </a:r>
+                      <a:r>
+                        <a:rPr lang="en-US" sz="1400" u="none" strike="noStrike" dirty="0" err="1">
+                          <a:effectLst/>
+                        </a:rPr>
+                        <a:t>DineIn</a:t>
+                      </a:r>
+                      <a:endParaRPr lang="en-US" sz="1400" b="0" i="0" u="none" strike="noStrike" dirty="0">
+                        <a:solidFill>
+                          <a:srgbClr val="000000"/>
+                        </a:solidFill>
+                        <a:effectLst/>
+                        <a:latin typeface="Calibri" panose="020F0502020204030204" pitchFamily="34" charset="0"/>
+                      </a:endParaRPr>
                     </a:p>
                   </a:txBody>
                   <a:tcPr marL="9525" marR="9525" marT="9525" marB="0" anchor="b">
-                    <a:lnL>
-                      <a:noFill/>
+                    <a:lnL w="12700" cap="flat" cmpd="sng" algn="ctr">
+                      <a:solidFill>
+                        <a:schemeClr val="tx1"/>
+                      </a:solidFill>
+                      <a:prstDash val="solid"/>
+                      <a:round/>
+                      <a:headEnd type="none" w="med" len="med"/>
+                      <a:tailEnd type="none" w="med" len="med"/>
                     </a:lnL>
-                    <a:lnR>
-                      <a:noFill/>
-                    </a:lnR>
-                    <a:lnT>
-                      <a:noFill/>
-                    </a:lnT>
-                    <a:lnB>
-                      <a:noFill/>
-                    </a:lnB>
+                    <a:noFill/>
                   </a:tcPr>
                 </a:tc>
                 <a:tc>
@@ -7794,30 +8040,22 @@
                     <a:p>
                       <a:pPr algn="r" fontAlgn="b"/>
                       <a:r>
-                        <a:rPr lang="en-US" sz="1100" b="0" i="0" u="none" strike="noStrike">
-                          <a:solidFill>
-                            <a:srgbClr val="000000"/>
-                          </a:solidFill>
+                        <a:rPr lang="en-US" sz="1400" u="none" strike="noStrike" dirty="0">
                           <a:effectLst/>
-                          <a:latin typeface="Calibri" panose="020F0502020204030204" pitchFamily="34" charset="0"/>
                         </a:rPr>
-                        <a:t>7,170.84</a:t>
+                        <a:t>17,305.05</a:t>
                       </a:r>
+                      <a:endParaRPr lang="en-US" sz="1400" b="0" i="0" u="none" strike="noStrike" dirty="0">
+                        <a:solidFill>
+                          <a:srgbClr val="000000"/>
+                        </a:solidFill>
+                        <a:effectLst/>
+                        <a:latin typeface="Calibri" panose="020F0502020204030204" pitchFamily="34" charset="0"/>
+                      </a:endParaRPr>
                     </a:p>
                   </a:txBody>
                   <a:tcPr marL="9525" marR="9525" marT="9525" marB="0" anchor="b">
-                    <a:lnL>
-                      <a:noFill/>
-                    </a:lnL>
-                    <a:lnR>
-                      <a:noFill/>
-                    </a:lnR>
-                    <a:lnT>
-                      <a:noFill/>
-                    </a:lnT>
-                    <a:lnB>
-                      <a:noFill/>
-                    </a:lnB>
+                    <a:noFill/>
                   </a:tcPr>
                 </a:tc>
                 <a:tc>
@@ -7827,30 +8065,22 @@
                     <a:p>
                       <a:pPr algn="r" fontAlgn="b"/>
                       <a:r>
-                        <a:rPr lang="en-US" sz="1100" b="0" i="0" u="none" strike="noStrike">
-                          <a:solidFill>
-                            <a:srgbClr val="000000"/>
-                          </a:solidFill>
+                        <a:rPr lang="en-US" sz="1400" u="none" strike="noStrike" dirty="0">
                           <a:effectLst/>
-                          <a:latin typeface="Calibri" panose="020F0502020204030204" pitchFamily="34" charset="0"/>
                         </a:rPr>
-                        <a:t>29.60</a:t>
+                        <a:t>0.00</a:t>
                       </a:r>
+                      <a:endParaRPr lang="en-US" sz="1400" b="0" i="0" u="none" strike="noStrike" dirty="0">
+                        <a:solidFill>
+                          <a:srgbClr val="000000"/>
+                        </a:solidFill>
+                        <a:effectLst/>
+                        <a:latin typeface="Calibri" panose="020F0502020204030204" pitchFamily="34" charset="0"/>
+                      </a:endParaRPr>
                     </a:p>
                   </a:txBody>
                   <a:tcPr marL="9525" marR="9525" marT="9525" marB="0" anchor="b">
-                    <a:lnL>
-                      <a:noFill/>
-                    </a:lnL>
-                    <a:lnR>
-                      <a:noFill/>
-                    </a:lnR>
-                    <a:lnT>
-                      <a:noFill/>
-                    </a:lnT>
-                    <a:lnB>
-                      <a:noFill/>
-                    </a:lnB>
+                    <a:noFill/>
                   </a:tcPr>
                 </a:tc>
                 <a:tc>
@@ -7860,39 +8090,40 @@
                     <a:p>
                       <a:pPr algn="r" fontAlgn="b"/>
                       <a:r>
-                        <a:rPr lang="en-US" sz="1100" b="0" i="0" u="none" strike="noStrike">
-                          <a:solidFill>
-                            <a:srgbClr val="000000"/>
-                          </a:solidFill>
+                        <a:rPr lang="en-US" sz="1400" u="none" strike="noStrike" dirty="0">
                           <a:effectLst/>
-                          <a:latin typeface="Calibri" panose="020F0502020204030204" pitchFamily="34" charset="0"/>
                         </a:rPr>
                         <a:t>0.00</a:t>
                       </a:r>
+                      <a:endParaRPr lang="en-US" sz="1400" b="0" i="0" u="none" strike="noStrike" dirty="0">
+                        <a:solidFill>
+                          <a:srgbClr val="000000"/>
+                        </a:solidFill>
+                        <a:effectLst/>
+                        <a:latin typeface="Calibri" panose="020F0502020204030204" pitchFamily="34" charset="0"/>
+                      </a:endParaRPr>
                     </a:p>
                   </a:txBody>
                   <a:tcPr marL="9525" marR="9525" marT="9525" marB="0" anchor="b">
-                    <a:lnL>
-                      <a:noFill/>
-                    </a:lnL>
-                    <a:lnR>
-                      <a:noFill/>
+                    <a:lnR w="12700" cap="flat" cmpd="sng" algn="ctr">
+                      <a:solidFill>
+                        <a:schemeClr val="tx1"/>
+                      </a:solidFill>
+                      <a:prstDash val="solid"/>
+                      <a:round/>
+                      <a:headEnd type="none" w="med" len="med"/>
+                      <a:tailEnd type="none" w="med" len="med"/>
                     </a:lnR>
-                    <a:lnT>
-                      <a:noFill/>
-                    </a:lnT>
-                    <a:lnB>
-                      <a:noFill/>
-                    </a:lnB>
+                    <a:noFill/>
                   </a:tcPr>
                 </a:tc>
                 <a:extLst>
                   <a:ext uri="{0D108BD9-81ED-4DB2-BD59-A6C34878D82A}">
-                    <a16:rowId xmlns:a16="http://schemas.microsoft.com/office/drawing/2014/main" val="305087185"/>
+                    <a16:rowId xmlns:a16="http://schemas.microsoft.com/office/drawing/2014/main" val="1829390378"/>
                   </a:ext>
                 </a:extLst>
               </a:tr>
-              <a:tr h="190500">
+              <a:tr h="363121">
                 <a:tc>
                   <a:txBody>
                     <a:bodyPr/>
@@ -7900,30 +8131,37 @@
                     <a:p>
                       <a:pPr algn="l" fontAlgn="b"/>
                       <a:r>
-                        <a:rPr lang="en-US" sz="1100" b="0" i="0" u="none" strike="noStrike">
-                          <a:solidFill>
-                            <a:srgbClr val="000000"/>
-                          </a:solidFill>
+                        <a:rPr lang="en-US" sz="1400" u="none" strike="noStrike" dirty="0">
                           <a:effectLst/>
-                          <a:latin typeface="Calibri" panose="020F0502020204030204" pitchFamily="34" charset="0"/>
                         </a:rPr>
-                        <a:t>Average of DineIn</a:t>
+                        <a:t>Average of </a:t>
                       </a:r>
+                      <a:r>
+                        <a:rPr lang="en-US" sz="1400" u="none" strike="noStrike" dirty="0" err="1">
+                          <a:effectLst/>
+                        </a:rPr>
+                        <a:t>MobDI</a:t>
+                      </a:r>
+                      <a:endParaRPr lang="en-US" sz="1400" b="0" i="0" u="none" strike="noStrike" dirty="0">
+                        <a:solidFill>
+                          <a:srgbClr val="000000"/>
+                        </a:solidFill>
+                        <a:effectLst/>
+                        <a:latin typeface="Calibri" panose="020F0502020204030204" pitchFamily="34" charset="0"/>
+                      </a:endParaRPr>
                     </a:p>
                   </a:txBody>
                   <a:tcPr marL="9525" marR="9525" marT="9525" marB="0" anchor="b">
-                    <a:lnL>
-                      <a:noFill/>
+                    <a:lnL w="12700" cap="flat" cmpd="sng" algn="ctr">
+                      <a:solidFill>
+                        <a:schemeClr val="tx1"/>
+                      </a:solidFill>
+                      <a:prstDash val="solid"/>
+                      <a:round/>
+                      <a:headEnd type="none" w="med" len="med"/>
+                      <a:tailEnd type="none" w="med" len="med"/>
                     </a:lnL>
-                    <a:lnR>
-                      <a:noFill/>
-                    </a:lnR>
-                    <a:lnT>
-                      <a:noFill/>
-                    </a:lnT>
-                    <a:lnB>
-                      <a:noFill/>
-                    </a:lnB>
+                    <a:noFill/>
                   </a:tcPr>
                 </a:tc>
                 <a:tc>
@@ -7933,30 +8171,22 @@
                     <a:p>
                       <a:pPr algn="r" fontAlgn="b"/>
                       <a:r>
-                        <a:rPr lang="en-US" sz="1100" b="0" i="0" u="none" strike="noStrike">
-                          <a:solidFill>
-                            <a:srgbClr val="000000"/>
-                          </a:solidFill>
+                        <a:rPr lang="en-US" sz="1400" u="none" strike="noStrike" dirty="0">
                           <a:effectLst/>
-                          <a:latin typeface="Calibri" panose="020F0502020204030204" pitchFamily="34" charset="0"/>
                         </a:rPr>
-                        <a:t>17,305.05</a:t>
+                        <a:t>1,151.47</a:t>
                       </a:r>
+                      <a:endParaRPr lang="en-US" sz="1400" b="0" i="0" u="none" strike="noStrike" dirty="0">
+                        <a:solidFill>
+                          <a:srgbClr val="000000"/>
+                        </a:solidFill>
+                        <a:effectLst/>
+                        <a:latin typeface="Calibri" panose="020F0502020204030204" pitchFamily="34" charset="0"/>
+                      </a:endParaRPr>
                     </a:p>
                   </a:txBody>
                   <a:tcPr marL="9525" marR="9525" marT="9525" marB="0" anchor="b">
-                    <a:lnL>
-                      <a:noFill/>
-                    </a:lnL>
-                    <a:lnR>
-                      <a:noFill/>
-                    </a:lnR>
-                    <a:lnT>
-                      <a:noFill/>
-                    </a:lnT>
-                    <a:lnB>
-                      <a:noFill/>
-                    </a:lnB>
+                    <a:noFill/>
                   </a:tcPr>
                 </a:tc>
                 <a:tc>
@@ -7966,30 +8196,22 @@
                     <a:p>
                       <a:pPr algn="r" fontAlgn="b"/>
                       <a:r>
-                        <a:rPr lang="en-US" sz="1100" b="0" i="0" u="none" strike="noStrike">
-                          <a:solidFill>
-                            <a:srgbClr val="000000"/>
-                          </a:solidFill>
+                        <a:rPr lang="en-US" sz="1400" u="none" strike="noStrike" dirty="0">
                           <a:effectLst/>
-                          <a:latin typeface="Calibri" panose="020F0502020204030204" pitchFamily="34" charset="0"/>
                         </a:rPr>
                         <a:t>0.00</a:t>
                       </a:r>
+                      <a:endParaRPr lang="en-US" sz="1400" b="0" i="0" u="none" strike="noStrike" dirty="0">
+                        <a:solidFill>
+                          <a:srgbClr val="000000"/>
+                        </a:solidFill>
+                        <a:effectLst/>
+                        <a:latin typeface="Calibri" panose="020F0502020204030204" pitchFamily="34" charset="0"/>
+                      </a:endParaRPr>
                     </a:p>
                   </a:txBody>
                   <a:tcPr marL="9525" marR="9525" marT="9525" marB="0" anchor="b">
-                    <a:lnL>
-                      <a:noFill/>
-                    </a:lnL>
-                    <a:lnR>
-                      <a:noFill/>
-                    </a:lnR>
-                    <a:lnT>
-                      <a:noFill/>
-                    </a:lnT>
-                    <a:lnB>
-                      <a:noFill/>
-                    </a:lnB>
+                    <a:noFill/>
                   </a:tcPr>
                 </a:tc>
                 <a:tc>
@@ -7999,39 +8221,40 @@
                     <a:p>
                       <a:pPr algn="r" fontAlgn="b"/>
                       <a:r>
-                        <a:rPr lang="en-US" sz="1100" b="0" i="0" u="none" strike="noStrike">
-                          <a:solidFill>
-                            <a:srgbClr val="000000"/>
-                          </a:solidFill>
+                        <a:rPr lang="en-US" sz="1400" u="none" strike="noStrike" dirty="0">
                           <a:effectLst/>
-                          <a:latin typeface="Calibri" panose="020F0502020204030204" pitchFamily="34" charset="0"/>
                         </a:rPr>
                         <a:t>0.00</a:t>
                       </a:r>
+                      <a:endParaRPr lang="en-US" sz="1400" b="0" i="0" u="none" strike="noStrike" dirty="0">
+                        <a:solidFill>
+                          <a:srgbClr val="000000"/>
+                        </a:solidFill>
+                        <a:effectLst/>
+                        <a:latin typeface="Calibri" panose="020F0502020204030204" pitchFamily="34" charset="0"/>
+                      </a:endParaRPr>
                     </a:p>
                   </a:txBody>
                   <a:tcPr marL="9525" marR="9525" marT="9525" marB="0" anchor="b">
-                    <a:lnL>
-                      <a:noFill/>
-                    </a:lnL>
-                    <a:lnR>
-                      <a:noFill/>
+                    <a:lnR w="12700" cap="flat" cmpd="sng" algn="ctr">
+                      <a:solidFill>
+                        <a:schemeClr val="tx1"/>
+                      </a:solidFill>
+                      <a:prstDash val="solid"/>
+                      <a:round/>
+                      <a:headEnd type="none" w="med" len="med"/>
+                      <a:tailEnd type="none" w="med" len="med"/>
                     </a:lnR>
-                    <a:lnT>
-                      <a:noFill/>
-                    </a:lnT>
-                    <a:lnB>
-                      <a:noFill/>
-                    </a:lnB>
+                    <a:noFill/>
                   </a:tcPr>
                 </a:tc>
                 <a:extLst>
                   <a:ext uri="{0D108BD9-81ED-4DB2-BD59-A6C34878D82A}">
-                    <a16:rowId xmlns:a16="http://schemas.microsoft.com/office/drawing/2014/main" val="202658183"/>
+                    <a16:rowId xmlns:a16="http://schemas.microsoft.com/office/drawing/2014/main" val="4186452182"/>
                   </a:ext>
                 </a:extLst>
               </a:tr>
-              <a:tr h="190500">
+              <a:tr h="363121">
                 <a:tc>
                   <a:txBody>
                     <a:bodyPr/>
@@ -8039,30 +8262,37 @@
                     <a:p>
                       <a:pPr algn="l" fontAlgn="b"/>
                       <a:r>
-                        <a:rPr lang="en-US" sz="1100" b="0" i="0" u="none" strike="noStrike">
-                          <a:solidFill>
-                            <a:srgbClr val="000000"/>
-                          </a:solidFill>
+                        <a:rPr lang="en-US" sz="1400" u="none" strike="noStrike" dirty="0">
                           <a:effectLst/>
-                          <a:latin typeface="Calibri" panose="020F0502020204030204" pitchFamily="34" charset="0"/>
                         </a:rPr>
-                        <a:t>Average of MobDI</a:t>
+                        <a:t>Average of </a:t>
                       </a:r>
+                      <a:r>
+                        <a:rPr lang="en-US" sz="1400" u="none" strike="noStrike" dirty="0" err="1">
+                          <a:effectLst/>
+                        </a:rPr>
+                        <a:t>MobDT</a:t>
+                      </a:r>
+                      <a:endParaRPr lang="en-US" sz="1400" b="0" i="0" u="none" strike="noStrike" dirty="0">
+                        <a:solidFill>
+                          <a:srgbClr val="000000"/>
+                        </a:solidFill>
+                        <a:effectLst/>
+                        <a:latin typeface="Calibri" panose="020F0502020204030204" pitchFamily="34" charset="0"/>
+                      </a:endParaRPr>
                     </a:p>
                   </a:txBody>
                   <a:tcPr marL="9525" marR="9525" marT="9525" marB="0" anchor="b">
-                    <a:lnL>
-                      <a:noFill/>
+                    <a:lnL w="12700" cap="flat" cmpd="sng" algn="ctr">
+                      <a:solidFill>
+                        <a:schemeClr val="tx1"/>
+                      </a:solidFill>
+                      <a:prstDash val="solid"/>
+                      <a:round/>
+                      <a:headEnd type="none" w="med" len="med"/>
+                      <a:tailEnd type="none" w="med" len="med"/>
                     </a:lnL>
-                    <a:lnR>
-                      <a:noFill/>
-                    </a:lnR>
-                    <a:lnT>
-                      <a:noFill/>
-                    </a:lnT>
-                    <a:lnB>
-                      <a:noFill/>
-                    </a:lnB>
+                    <a:noFill/>
                   </a:tcPr>
                 </a:tc>
                 <a:tc>
@@ -8072,30 +8302,22 @@
                     <a:p>
                       <a:pPr algn="r" fontAlgn="b"/>
                       <a:r>
-                        <a:rPr lang="en-US" sz="1100" b="0" i="0" u="none" strike="noStrike">
-                          <a:solidFill>
-                            <a:srgbClr val="000000"/>
-                          </a:solidFill>
+                        <a:rPr lang="en-US" sz="1400" u="none" strike="noStrike" dirty="0">
                           <a:effectLst/>
-                          <a:latin typeface="Calibri" panose="020F0502020204030204" pitchFamily="34" charset="0"/>
                         </a:rPr>
-                        <a:t>1,151.47</a:t>
+                        <a:t>7,345.63</a:t>
                       </a:r>
+                      <a:endParaRPr lang="en-US" sz="1400" b="0" i="0" u="none" strike="noStrike" dirty="0">
+                        <a:solidFill>
+                          <a:srgbClr val="000000"/>
+                        </a:solidFill>
+                        <a:effectLst/>
+                        <a:latin typeface="Calibri" panose="020F0502020204030204" pitchFamily="34" charset="0"/>
+                      </a:endParaRPr>
                     </a:p>
                   </a:txBody>
                   <a:tcPr marL="9525" marR="9525" marT="9525" marB="0" anchor="b">
-                    <a:lnL>
-                      <a:noFill/>
-                    </a:lnL>
-                    <a:lnR>
-                      <a:noFill/>
-                    </a:lnR>
-                    <a:lnT>
-                      <a:noFill/>
-                    </a:lnT>
-                    <a:lnB>
-                      <a:noFill/>
-                    </a:lnB>
+                    <a:noFill/>
                   </a:tcPr>
                 </a:tc>
                 <a:tc>
@@ -8105,30 +8327,22 @@
                     <a:p>
                       <a:pPr algn="r" fontAlgn="b"/>
                       <a:r>
-                        <a:rPr lang="en-US" sz="1100" b="0" i="0" u="none" strike="noStrike">
-                          <a:solidFill>
-                            <a:srgbClr val="000000"/>
-                          </a:solidFill>
+                        <a:rPr lang="en-US" sz="1400" u="none" strike="noStrike" dirty="0">
                           <a:effectLst/>
-                          <a:latin typeface="Calibri" panose="020F0502020204030204" pitchFamily="34" charset="0"/>
                         </a:rPr>
-                        <a:t>0.00</a:t>
+                        <a:t>16,315.80</a:t>
                       </a:r>
+                      <a:endParaRPr lang="en-US" sz="1400" b="0" i="0" u="none" strike="noStrike" dirty="0">
+                        <a:solidFill>
+                          <a:srgbClr val="000000"/>
+                        </a:solidFill>
+                        <a:effectLst/>
+                        <a:latin typeface="Calibri" panose="020F0502020204030204" pitchFamily="34" charset="0"/>
+                      </a:endParaRPr>
                     </a:p>
                   </a:txBody>
                   <a:tcPr marL="9525" marR="9525" marT="9525" marB="0" anchor="b">
-                    <a:lnL>
-                      <a:noFill/>
-                    </a:lnL>
-                    <a:lnR>
-                      <a:noFill/>
-                    </a:lnR>
-                    <a:lnT>
-                      <a:noFill/>
-                    </a:lnT>
-                    <a:lnB>
-                      <a:noFill/>
-                    </a:lnB>
+                    <a:noFill/>
                   </a:tcPr>
                 </a:tc>
                 <a:tc>
@@ -8138,39 +8352,40 @@
                     <a:p>
                       <a:pPr algn="r" fontAlgn="b"/>
                       <a:r>
-                        <a:rPr lang="en-US" sz="1100" b="0" i="0" u="none" strike="noStrike">
-                          <a:solidFill>
-                            <a:srgbClr val="000000"/>
-                          </a:solidFill>
+                        <a:rPr lang="en-US" sz="1400" u="none" strike="noStrike" dirty="0">
                           <a:effectLst/>
-                          <a:latin typeface="Calibri" panose="020F0502020204030204" pitchFamily="34" charset="0"/>
                         </a:rPr>
-                        <a:t>0.00</a:t>
+                        <a:t>25,568.43</a:t>
                       </a:r>
+                      <a:endParaRPr lang="en-US" sz="1400" b="0" i="0" u="none" strike="noStrike" dirty="0">
+                        <a:solidFill>
+                          <a:srgbClr val="000000"/>
+                        </a:solidFill>
+                        <a:effectLst/>
+                        <a:latin typeface="Calibri" panose="020F0502020204030204" pitchFamily="34" charset="0"/>
+                      </a:endParaRPr>
                     </a:p>
                   </a:txBody>
                   <a:tcPr marL="9525" marR="9525" marT="9525" marB="0" anchor="b">
-                    <a:lnL>
-                      <a:noFill/>
-                    </a:lnL>
-                    <a:lnR>
-                      <a:noFill/>
+                    <a:lnR w="12700" cap="flat" cmpd="sng" algn="ctr">
+                      <a:solidFill>
+                        <a:schemeClr val="tx1"/>
+                      </a:solidFill>
+                      <a:prstDash val="solid"/>
+                      <a:round/>
+                      <a:headEnd type="none" w="med" len="med"/>
+                      <a:tailEnd type="none" w="med" len="med"/>
                     </a:lnR>
-                    <a:lnT>
-                      <a:noFill/>
-                    </a:lnT>
-                    <a:lnB>
-                      <a:noFill/>
-                    </a:lnB>
+                    <a:noFill/>
                   </a:tcPr>
                 </a:tc>
                 <a:extLst>
                   <a:ext uri="{0D108BD9-81ED-4DB2-BD59-A6C34878D82A}">
-                    <a16:rowId xmlns:a16="http://schemas.microsoft.com/office/drawing/2014/main" val="1461384015"/>
+                    <a16:rowId xmlns:a16="http://schemas.microsoft.com/office/drawing/2014/main" val="2896791066"/>
                   </a:ext>
                 </a:extLst>
               </a:tr>
-              <a:tr h="190500">
+              <a:tr h="363121">
                 <a:tc>
                   <a:txBody>
                     <a:bodyPr/>
@@ -8178,30 +8393,37 @@
                     <a:p>
                       <a:pPr algn="l" fontAlgn="b"/>
                       <a:r>
-                        <a:rPr lang="en-US" sz="1100" b="0" i="0" u="none" strike="noStrike">
-                          <a:solidFill>
-                            <a:srgbClr val="000000"/>
-                          </a:solidFill>
+                        <a:rPr lang="en-US" sz="1400" u="none" strike="noStrike" dirty="0">
                           <a:effectLst/>
-                          <a:latin typeface="Calibri" panose="020F0502020204030204" pitchFamily="34" charset="0"/>
                         </a:rPr>
-                        <a:t>Average of MobDT</a:t>
+                        <a:t>Average of </a:t>
                       </a:r>
+                      <a:r>
+                        <a:rPr lang="en-US" sz="1400" u="none" strike="noStrike" dirty="0" err="1">
+                          <a:effectLst/>
+                        </a:rPr>
+                        <a:t>NormDT</a:t>
+                      </a:r>
+                      <a:endParaRPr lang="en-US" sz="1400" b="0" i="0" u="none" strike="noStrike" dirty="0">
+                        <a:solidFill>
+                          <a:srgbClr val="000000"/>
+                        </a:solidFill>
+                        <a:effectLst/>
+                        <a:latin typeface="Calibri" panose="020F0502020204030204" pitchFamily="34" charset="0"/>
+                      </a:endParaRPr>
                     </a:p>
                   </a:txBody>
                   <a:tcPr marL="9525" marR="9525" marT="9525" marB="0" anchor="b">
-                    <a:lnL>
-                      <a:noFill/>
+                    <a:lnL w="12700" cap="flat" cmpd="sng" algn="ctr">
+                      <a:solidFill>
+                        <a:schemeClr val="tx1"/>
+                      </a:solidFill>
+                      <a:prstDash val="solid"/>
+                      <a:round/>
+                      <a:headEnd type="none" w="med" len="med"/>
+                      <a:tailEnd type="none" w="med" len="med"/>
                     </a:lnL>
-                    <a:lnR>
-                      <a:noFill/>
-                    </a:lnR>
-                    <a:lnT>
-                      <a:noFill/>
-                    </a:lnT>
-                    <a:lnB>
-                      <a:noFill/>
-                    </a:lnB>
+                    <a:noFill/>
                   </a:tcPr>
                 </a:tc>
                 <a:tc>
@@ -8211,30 +8433,22 @@
                     <a:p>
                       <a:pPr algn="r" fontAlgn="b"/>
                       <a:r>
-                        <a:rPr lang="en-US" sz="1100" b="0" i="0" u="none" strike="noStrike">
-                          <a:solidFill>
-                            <a:srgbClr val="000000"/>
-                          </a:solidFill>
+                        <a:rPr lang="en-US" sz="1400" u="none" strike="noStrike" dirty="0">
                           <a:effectLst/>
-                          <a:latin typeface="Calibri" panose="020F0502020204030204" pitchFamily="34" charset="0"/>
                         </a:rPr>
-                        <a:t>7,345.63</a:t>
+                        <a:t>73,369.26</a:t>
                       </a:r>
+                      <a:endParaRPr lang="en-US" sz="1400" b="0" i="0" u="none" strike="noStrike" dirty="0">
+                        <a:solidFill>
+                          <a:srgbClr val="000000"/>
+                        </a:solidFill>
+                        <a:effectLst/>
+                        <a:latin typeface="Calibri" panose="020F0502020204030204" pitchFamily="34" charset="0"/>
+                      </a:endParaRPr>
                     </a:p>
                   </a:txBody>
                   <a:tcPr marL="9525" marR="9525" marT="9525" marB="0" anchor="b">
-                    <a:lnL>
-                      <a:noFill/>
-                    </a:lnL>
-                    <a:lnR>
-                      <a:noFill/>
-                    </a:lnR>
-                    <a:lnT>
-                      <a:noFill/>
-                    </a:lnT>
-                    <a:lnB>
-                      <a:noFill/>
-                    </a:lnB>
+                    <a:noFill/>
                   </a:tcPr>
                 </a:tc>
                 <a:tc>
@@ -8244,30 +8458,22 @@
                     <a:p>
                       <a:pPr algn="r" fontAlgn="b"/>
                       <a:r>
-                        <a:rPr lang="en-US" sz="1100" b="0" i="0" u="none" strike="noStrike">
-                          <a:solidFill>
-                            <a:srgbClr val="000000"/>
-                          </a:solidFill>
+                        <a:rPr lang="en-US" sz="1400" u="none" strike="noStrike" dirty="0">
                           <a:effectLst/>
-                          <a:latin typeface="Calibri" panose="020F0502020204030204" pitchFamily="34" charset="0"/>
                         </a:rPr>
-                        <a:t>16,315.80</a:t>
+                        <a:t>76,075.60</a:t>
                       </a:r>
+                      <a:endParaRPr lang="en-US" sz="1400" b="0" i="0" u="none" strike="noStrike" dirty="0">
+                        <a:solidFill>
+                          <a:srgbClr val="000000"/>
+                        </a:solidFill>
+                        <a:effectLst/>
+                        <a:latin typeface="Calibri" panose="020F0502020204030204" pitchFamily="34" charset="0"/>
+                      </a:endParaRPr>
                     </a:p>
                   </a:txBody>
                   <a:tcPr marL="9525" marR="9525" marT="9525" marB="0" anchor="b">
-                    <a:lnL>
-                      <a:noFill/>
-                    </a:lnL>
-                    <a:lnR>
-                      <a:noFill/>
-                    </a:lnR>
-                    <a:lnT>
-                      <a:noFill/>
-                    </a:lnT>
-                    <a:lnB>
-                      <a:noFill/>
-                    </a:lnB>
+                    <a:noFill/>
                   </a:tcPr>
                 </a:tc>
                 <a:tc>
@@ -8277,39 +8483,40 @@
                     <a:p>
                       <a:pPr algn="r" fontAlgn="b"/>
                       <a:r>
-                        <a:rPr lang="en-US" sz="1100" b="0" i="0" u="none" strike="noStrike">
-                          <a:solidFill>
-                            <a:srgbClr val="000000"/>
-                          </a:solidFill>
+                        <a:rPr lang="en-US" sz="1400" u="none" strike="noStrike" dirty="0">
                           <a:effectLst/>
-                          <a:latin typeface="Calibri" panose="020F0502020204030204" pitchFamily="34" charset="0"/>
                         </a:rPr>
-                        <a:t>25,568.43</a:t>
+                        <a:t>93,079.07</a:t>
                       </a:r>
+                      <a:endParaRPr lang="en-US" sz="1400" b="0" i="0" u="none" strike="noStrike" dirty="0">
+                        <a:solidFill>
+                          <a:srgbClr val="000000"/>
+                        </a:solidFill>
+                        <a:effectLst/>
+                        <a:latin typeface="Calibri" panose="020F0502020204030204" pitchFamily="34" charset="0"/>
+                      </a:endParaRPr>
                     </a:p>
                   </a:txBody>
                   <a:tcPr marL="9525" marR="9525" marT="9525" marB="0" anchor="b">
-                    <a:lnL>
-                      <a:noFill/>
-                    </a:lnL>
-                    <a:lnR>
-                      <a:noFill/>
+                    <a:lnR w="12700" cap="flat" cmpd="sng" algn="ctr">
+                      <a:solidFill>
+                        <a:schemeClr val="tx1"/>
+                      </a:solidFill>
+                      <a:prstDash val="solid"/>
+                      <a:round/>
+                      <a:headEnd type="none" w="med" len="med"/>
+                      <a:tailEnd type="none" w="med" len="med"/>
                     </a:lnR>
-                    <a:lnT>
-                      <a:noFill/>
-                    </a:lnT>
-                    <a:lnB>
-                      <a:noFill/>
-                    </a:lnB>
+                    <a:noFill/>
                   </a:tcPr>
                 </a:tc>
                 <a:extLst>
                   <a:ext uri="{0D108BD9-81ED-4DB2-BD59-A6C34878D82A}">
-                    <a16:rowId xmlns:a16="http://schemas.microsoft.com/office/drawing/2014/main" val="181009416"/>
+                    <a16:rowId xmlns:a16="http://schemas.microsoft.com/office/drawing/2014/main" val="3241666955"/>
                   </a:ext>
                 </a:extLst>
               </a:tr>
-              <a:tr h="190500">
+              <a:tr h="363121">
                 <a:tc>
                   <a:txBody>
                     <a:bodyPr/>
@@ -8317,30 +8524,31 @@
                     <a:p>
                       <a:pPr algn="l" fontAlgn="b"/>
                       <a:r>
-                        <a:rPr lang="en-US" sz="1100" b="0" i="0" u="none" strike="noStrike">
-                          <a:solidFill>
-                            <a:srgbClr val="000000"/>
-                          </a:solidFill>
+                        <a:rPr lang="en-US" sz="1400" u="none" strike="noStrike" dirty="0">
                           <a:effectLst/>
-                          <a:latin typeface="Calibri" panose="020F0502020204030204" pitchFamily="34" charset="0"/>
                         </a:rPr>
-                        <a:t>Average of NormDT</a:t>
+                        <a:t>Average of Catering</a:t>
                       </a:r>
+                      <a:endParaRPr lang="en-US" sz="1400" b="0" i="0" u="none" strike="noStrike" dirty="0">
+                        <a:solidFill>
+                          <a:srgbClr val="000000"/>
+                        </a:solidFill>
+                        <a:effectLst/>
+                        <a:latin typeface="Calibri" panose="020F0502020204030204" pitchFamily="34" charset="0"/>
+                      </a:endParaRPr>
                     </a:p>
                   </a:txBody>
                   <a:tcPr marL="9525" marR="9525" marT="9525" marB="0" anchor="b">
-                    <a:lnL>
-                      <a:noFill/>
+                    <a:lnL w="12700" cap="flat" cmpd="sng" algn="ctr">
+                      <a:solidFill>
+                        <a:schemeClr val="tx1"/>
+                      </a:solidFill>
+                      <a:prstDash val="solid"/>
+                      <a:round/>
+                      <a:headEnd type="none" w="med" len="med"/>
+                      <a:tailEnd type="none" w="med" len="med"/>
                     </a:lnL>
-                    <a:lnR>
-                      <a:noFill/>
-                    </a:lnR>
-                    <a:lnT>
-                      <a:noFill/>
-                    </a:lnT>
-                    <a:lnB>
-                      <a:noFill/>
-                    </a:lnB>
+                    <a:noFill/>
                   </a:tcPr>
                 </a:tc>
                 <a:tc>
@@ -8350,30 +8558,22 @@
                     <a:p>
                       <a:pPr algn="r" fontAlgn="b"/>
                       <a:r>
-                        <a:rPr lang="en-US" sz="1100" b="0" i="0" u="none" strike="noStrike">
-                          <a:solidFill>
-                            <a:srgbClr val="000000"/>
-                          </a:solidFill>
+                        <a:rPr lang="en-US" sz="1400" u="none" strike="noStrike">
                           <a:effectLst/>
-                          <a:latin typeface="Calibri" panose="020F0502020204030204" pitchFamily="34" charset="0"/>
                         </a:rPr>
-                        <a:t>73,369.26</a:t>
+                        <a:t>2,260.21</a:t>
                       </a:r>
+                      <a:endParaRPr lang="en-US" sz="1400" b="0" i="0" u="none" strike="noStrike">
+                        <a:solidFill>
+                          <a:srgbClr val="000000"/>
+                        </a:solidFill>
+                        <a:effectLst/>
+                        <a:latin typeface="Calibri" panose="020F0502020204030204" pitchFamily="34" charset="0"/>
+                      </a:endParaRPr>
                     </a:p>
                   </a:txBody>
                   <a:tcPr marL="9525" marR="9525" marT="9525" marB="0" anchor="b">
-                    <a:lnL>
-                      <a:noFill/>
-                    </a:lnL>
-                    <a:lnR>
-                      <a:noFill/>
-                    </a:lnR>
-                    <a:lnT>
-                      <a:noFill/>
-                    </a:lnT>
-                    <a:lnB>
-                      <a:noFill/>
-                    </a:lnB>
+                    <a:noFill/>
                   </a:tcPr>
                 </a:tc>
                 <a:tc>
@@ -8383,30 +8583,22 @@
                     <a:p>
                       <a:pPr algn="r" fontAlgn="b"/>
                       <a:r>
-                        <a:rPr lang="en-US" sz="1100" b="0" i="0" u="none" strike="noStrike">
-                          <a:solidFill>
-                            <a:srgbClr val="000000"/>
-                          </a:solidFill>
+                        <a:rPr lang="en-US" sz="1400" u="none" strike="noStrike" dirty="0">
                           <a:effectLst/>
-                          <a:latin typeface="Calibri" panose="020F0502020204030204" pitchFamily="34" charset="0"/>
                         </a:rPr>
-                        <a:t>76,075.60</a:t>
+                        <a:t>297.40</a:t>
                       </a:r>
+                      <a:endParaRPr lang="en-US" sz="1400" b="0" i="0" u="none" strike="noStrike" dirty="0">
+                        <a:solidFill>
+                          <a:srgbClr val="000000"/>
+                        </a:solidFill>
+                        <a:effectLst/>
+                        <a:latin typeface="Calibri" panose="020F0502020204030204" pitchFamily="34" charset="0"/>
+                      </a:endParaRPr>
                     </a:p>
                   </a:txBody>
                   <a:tcPr marL="9525" marR="9525" marT="9525" marB="0" anchor="b">
-                    <a:lnL>
-                      <a:noFill/>
-                    </a:lnL>
-                    <a:lnR>
-                      <a:noFill/>
-                    </a:lnR>
-                    <a:lnT>
-                      <a:noFill/>
-                    </a:lnT>
-                    <a:lnB>
-                      <a:noFill/>
-                    </a:lnB>
+                    <a:noFill/>
                   </a:tcPr>
                 </a:tc>
                 <a:tc>
@@ -8416,39 +8608,40 @@
                     <a:p>
                       <a:pPr algn="r" fontAlgn="b"/>
                       <a:r>
-                        <a:rPr lang="en-US" sz="1100" b="0" i="0" u="none" strike="noStrike">
-                          <a:solidFill>
-                            <a:srgbClr val="000000"/>
-                          </a:solidFill>
+                        <a:rPr lang="en-US" sz="1400" u="none" strike="noStrike" dirty="0">
                           <a:effectLst/>
-                          <a:latin typeface="Calibri" panose="020F0502020204030204" pitchFamily="34" charset="0"/>
                         </a:rPr>
-                        <a:t>93,079.07</a:t>
+                        <a:t>1,504.00</a:t>
                       </a:r>
+                      <a:endParaRPr lang="en-US" sz="1400" b="0" i="0" u="none" strike="noStrike" dirty="0">
+                        <a:solidFill>
+                          <a:srgbClr val="000000"/>
+                        </a:solidFill>
+                        <a:effectLst/>
+                        <a:latin typeface="Calibri" panose="020F0502020204030204" pitchFamily="34" charset="0"/>
+                      </a:endParaRPr>
                     </a:p>
                   </a:txBody>
                   <a:tcPr marL="9525" marR="9525" marT="9525" marB="0" anchor="b">
-                    <a:lnL>
-                      <a:noFill/>
-                    </a:lnL>
-                    <a:lnR>
-                      <a:noFill/>
+                    <a:lnR w="12700" cap="flat" cmpd="sng" algn="ctr">
+                      <a:solidFill>
+                        <a:schemeClr val="tx1"/>
+                      </a:solidFill>
+                      <a:prstDash val="solid"/>
+                      <a:round/>
+                      <a:headEnd type="none" w="med" len="med"/>
+                      <a:tailEnd type="none" w="med" len="med"/>
                     </a:lnR>
-                    <a:lnT>
-                      <a:noFill/>
-                    </a:lnT>
-                    <a:lnB>
-                      <a:noFill/>
-                    </a:lnB>
+                    <a:noFill/>
                   </a:tcPr>
                 </a:tc>
                 <a:extLst>
                   <a:ext uri="{0D108BD9-81ED-4DB2-BD59-A6C34878D82A}">
-                    <a16:rowId xmlns:a16="http://schemas.microsoft.com/office/drawing/2014/main" val="2912952647"/>
+                    <a16:rowId xmlns:a16="http://schemas.microsoft.com/office/drawing/2014/main" val="2069380375"/>
                   </a:ext>
                 </a:extLst>
               </a:tr>
-              <a:tr h="190500">
+              <a:tr h="363121">
                 <a:tc>
                   <a:txBody>
                     <a:bodyPr/>
@@ -8456,30 +8649,40 @@
                     <a:p>
                       <a:pPr algn="l" fontAlgn="b"/>
                       <a:r>
-                        <a:rPr lang="en-US" sz="1100" b="0" i="0" u="none" strike="noStrike">
-                          <a:solidFill>
-                            <a:srgbClr val="000000"/>
-                          </a:solidFill>
+                        <a:rPr lang="en-US" sz="1400" u="none" strike="noStrike" dirty="0">
                           <a:effectLst/>
-                          <a:latin typeface="Calibri" panose="020F0502020204030204" pitchFamily="34" charset="0"/>
                         </a:rPr>
-                        <a:t>Average of Catering</a:t>
+                        <a:t>Average of 3rdParty</a:t>
                       </a:r>
+                      <a:endParaRPr lang="en-US" sz="1400" b="0" i="0" u="none" strike="noStrike" dirty="0">
+                        <a:solidFill>
+                          <a:srgbClr val="000000"/>
+                        </a:solidFill>
+                        <a:effectLst/>
+                        <a:latin typeface="Calibri" panose="020F0502020204030204" pitchFamily="34" charset="0"/>
+                      </a:endParaRPr>
                     </a:p>
                   </a:txBody>
                   <a:tcPr marL="9525" marR="9525" marT="9525" marB="0" anchor="b">
-                    <a:lnL>
-                      <a:noFill/>
+                    <a:lnL w="12700" cap="flat" cmpd="sng" algn="ctr">
+                      <a:solidFill>
+                        <a:schemeClr val="tx1"/>
+                      </a:solidFill>
+                      <a:prstDash val="solid"/>
+                      <a:round/>
+                      <a:headEnd type="none" w="med" len="med"/>
+                      <a:tailEnd type="none" w="med" len="med"/>
                     </a:lnL>
-                    <a:lnR>
-                      <a:noFill/>
-                    </a:lnR>
-                    <a:lnT>
-                      <a:noFill/>
-                    </a:lnT>
-                    <a:lnB>
-                      <a:noFill/>
+                    <a:lnB w="12700" cap="flat" cmpd="sng" algn="ctr">
+                      <a:solidFill>
+                        <a:schemeClr val="tx1"/>
+                      </a:solidFill>
+                      <a:prstDash val="solid"/>
+                      <a:round/>
+                      <a:headEnd type="none" w="med" len="med"/>
+                      <a:tailEnd type="none" w="med" len="med"/>
                     </a:lnB>
+                    <a:noFill/>
                   </a:tcPr>
                 </a:tc>
                 <a:tc>
@@ -8489,30 +8692,31 @@
                     <a:p>
                       <a:pPr algn="r" fontAlgn="b"/>
                       <a:r>
-                        <a:rPr lang="en-US" sz="1100" b="0" i="0" u="none" strike="noStrike">
-                          <a:solidFill>
-                            <a:srgbClr val="000000"/>
-                          </a:solidFill>
+                        <a:rPr lang="en-US" sz="1400" u="none" strike="noStrike" dirty="0">
                           <a:effectLst/>
-                          <a:latin typeface="Calibri" panose="020F0502020204030204" pitchFamily="34" charset="0"/>
                         </a:rPr>
-                        <a:t>2,260.21</a:t>
+                        <a:t>740.47</a:t>
                       </a:r>
+                      <a:endParaRPr lang="en-US" sz="1400" b="0" i="0" u="none" strike="noStrike" dirty="0">
+                        <a:solidFill>
+                          <a:srgbClr val="000000"/>
+                        </a:solidFill>
+                        <a:effectLst/>
+                        <a:latin typeface="Calibri" panose="020F0502020204030204" pitchFamily="34" charset="0"/>
+                      </a:endParaRPr>
                     </a:p>
                   </a:txBody>
                   <a:tcPr marL="9525" marR="9525" marT="9525" marB="0" anchor="b">
-                    <a:lnL>
-                      <a:noFill/>
-                    </a:lnL>
-                    <a:lnR>
-                      <a:noFill/>
-                    </a:lnR>
-                    <a:lnT>
-                      <a:noFill/>
-                    </a:lnT>
-                    <a:lnB>
-                      <a:noFill/>
+                    <a:lnB w="12700" cap="flat" cmpd="sng" algn="ctr">
+                      <a:solidFill>
+                        <a:schemeClr val="tx1"/>
+                      </a:solidFill>
+                      <a:prstDash val="solid"/>
+                      <a:round/>
+                      <a:headEnd type="none" w="med" len="med"/>
+                      <a:tailEnd type="none" w="med" len="med"/>
                     </a:lnB>
+                    <a:noFill/>
                   </a:tcPr>
                 </a:tc>
                 <a:tc>
@@ -8522,30 +8726,31 @@
                     <a:p>
                       <a:pPr algn="r" fontAlgn="b"/>
                       <a:r>
-                        <a:rPr lang="en-US" sz="1100" b="0" i="0" u="none" strike="noStrike">
-                          <a:solidFill>
-                            <a:srgbClr val="000000"/>
-                          </a:solidFill>
+                        <a:rPr lang="en-US" sz="1400" u="none" strike="noStrike" dirty="0">
                           <a:effectLst/>
-                          <a:latin typeface="Calibri" panose="020F0502020204030204" pitchFamily="34" charset="0"/>
                         </a:rPr>
-                        <a:t>297.40</a:t>
+                        <a:t>2,878.40</a:t>
                       </a:r>
+                      <a:endParaRPr lang="en-US" sz="1400" b="0" i="0" u="none" strike="noStrike" dirty="0">
+                        <a:solidFill>
+                          <a:srgbClr val="000000"/>
+                        </a:solidFill>
+                        <a:effectLst/>
+                        <a:latin typeface="Calibri" panose="020F0502020204030204" pitchFamily="34" charset="0"/>
+                      </a:endParaRPr>
                     </a:p>
                   </a:txBody>
                   <a:tcPr marL="9525" marR="9525" marT="9525" marB="0" anchor="b">
-                    <a:lnL>
-                      <a:noFill/>
-                    </a:lnL>
-                    <a:lnR>
-                      <a:noFill/>
-                    </a:lnR>
-                    <a:lnT>
-                      <a:noFill/>
-                    </a:lnT>
-                    <a:lnB>
-                      <a:noFill/>
+                    <a:lnB w="12700" cap="flat" cmpd="sng" algn="ctr">
+                      <a:solidFill>
+                        <a:schemeClr val="tx1"/>
+                      </a:solidFill>
+                      <a:prstDash val="solid"/>
+                      <a:round/>
+                      <a:headEnd type="none" w="med" len="med"/>
+                      <a:tailEnd type="none" w="med" len="med"/>
                     </a:lnB>
+                    <a:noFill/>
                   </a:tcPr>
                 </a:tc>
                 <a:tc>
@@ -8555,174 +8760,45 @@
                     <a:p>
                       <a:pPr algn="r" fontAlgn="b"/>
                       <a:r>
-                        <a:rPr lang="en-US" sz="1100" b="0" i="0" u="none" strike="noStrike">
-                          <a:solidFill>
-                            <a:srgbClr val="000000"/>
-                          </a:solidFill>
+                        <a:rPr lang="en-US" sz="1400" u="none" strike="noStrike" dirty="0">
                           <a:effectLst/>
-                          <a:latin typeface="Calibri" panose="020F0502020204030204" pitchFamily="34" charset="0"/>
                         </a:rPr>
-                        <a:t>1,504.00</a:t>
+                        <a:t>5,266.61</a:t>
                       </a:r>
+                      <a:endParaRPr lang="en-US" sz="1400" b="0" i="0" u="none" strike="noStrike" dirty="0">
+                        <a:solidFill>
+                          <a:srgbClr val="000000"/>
+                        </a:solidFill>
+                        <a:effectLst/>
+                        <a:latin typeface="Calibri" panose="020F0502020204030204" pitchFamily="34" charset="0"/>
+                      </a:endParaRPr>
                     </a:p>
                   </a:txBody>
                   <a:tcPr marL="9525" marR="9525" marT="9525" marB="0" anchor="b">
-                    <a:lnL>
-                      <a:noFill/>
-                    </a:lnL>
-                    <a:lnR>
-                      <a:noFill/>
+                    <a:lnR w="12700" cap="flat" cmpd="sng" algn="ctr">
+                      <a:solidFill>
+                        <a:schemeClr val="tx1"/>
+                      </a:solidFill>
+                      <a:prstDash val="solid"/>
+                      <a:round/>
+                      <a:headEnd type="none" w="med" len="med"/>
+                      <a:tailEnd type="none" w="med" len="med"/>
                     </a:lnR>
-                    <a:lnT>
-                      <a:noFill/>
-                    </a:lnT>
-                    <a:lnB>
-                      <a:noFill/>
+                    <a:lnB w="12700" cap="flat" cmpd="sng" algn="ctr">
+                      <a:solidFill>
+                        <a:schemeClr val="tx1"/>
+                      </a:solidFill>
+                      <a:prstDash val="solid"/>
+                      <a:round/>
+                      <a:headEnd type="none" w="med" len="med"/>
+                      <a:tailEnd type="none" w="med" len="med"/>
                     </a:lnB>
+                    <a:noFill/>
                   </a:tcPr>
                 </a:tc>
                 <a:extLst>
                   <a:ext uri="{0D108BD9-81ED-4DB2-BD59-A6C34878D82A}">
-                    <a16:rowId xmlns:a16="http://schemas.microsoft.com/office/drawing/2014/main" val="1453719605"/>
-                  </a:ext>
-                </a:extLst>
-              </a:tr>
-              <a:tr h="190500">
-                <a:tc>
-                  <a:txBody>
-                    <a:bodyPr/>
-                    <a:lstStyle/>
-                    <a:p>
-                      <a:pPr algn="l" fontAlgn="b"/>
-                      <a:r>
-                        <a:rPr lang="en-US" sz="1100" b="0" i="0" u="none" strike="noStrike">
-                          <a:solidFill>
-                            <a:srgbClr val="000000"/>
-                          </a:solidFill>
-                          <a:effectLst/>
-                          <a:latin typeface="Calibri" panose="020F0502020204030204" pitchFamily="34" charset="0"/>
-                        </a:rPr>
-                        <a:t>Average of HoursUsed</a:t>
-                      </a:r>
-                    </a:p>
-                  </a:txBody>
-                  <a:tcPr marL="9525" marR="9525" marT="9525" marB="0" anchor="b">
-                    <a:lnL>
-                      <a:noFill/>
-                    </a:lnL>
-                    <a:lnR>
-                      <a:noFill/>
-                    </a:lnR>
-                    <a:lnT>
-                      <a:noFill/>
-                    </a:lnT>
-                    <a:lnB>
-                      <a:noFill/>
-                    </a:lnB>
-                  </a:tcPr>
-                </a:tc>
-                <a:tc>
-                  <a:txBody>
-                    <a:bodyPr/>
-                    <a:lstStyle/>
-                    <a:p>
-                      <a:pPr algn="r" fontAlgn="b"/>
-                      <a:r>
-                        <a:rPr lang="en-US" sz="1100" b="0" i="0" u="none" strike="noStrike">
-                          <a:solidFill>
-                            <a:srgbClr val="000000"/>
-                          </a:solidFill>
-                          <a:effectLst/>
-                          <a:latin typeface="Calibri" panose="020F0502020204030204" pitchFamily="34" charset="0"/>
-                        </a:rPr>
-                        <a:t>1,852.12</a:t>
-                      </a:r>
-                    </a:p>
-                  </a:txBody>
-                  <a:tcPr marL="9525" marR="9525" marT="9525" marB="0" anchor="b">
-                    <a:lnL>
-                      <a:noFill/>
-                    </a:lnL>
-                    <a:lnR>
-                      <a:noFill/>
-                    </a:lnR>
-                    <a:lnT>
-                      <a:noFill/>
-                    </a:lnT>
-                    <a:lnB>
-                      <a:noFill/>
-                    </a:lnB>
-                  </a:tcPr>
-                </a:tc>
-                <a:tc>
-                  <a:txBody>
-                    <a:bodyPr/>
-                    <a:lstStyle/>
-                    <a:p>
-                      <a:pPr algn="r" fontAlgn="b"/>
-                      <a:r>
-                        <a:rPr lang="en-US" sz="1100" b="0" i="0" u="none" strike="noStrike">
-                          <a:solidFill>
-                            <a:srgbClr val="000000"/>
-                          </a:solidFill>
-                          <a:effectLst/>
-                          <a:latin typeface="Calibri" panose="020F0502020204030204" pitchFamily="34" charset="0"/>
-                        </a:rPr>
-                        <a:t>1,482.78</a:t>
-                      </a:r>
-                    </a:p>
-                  </a:txBody>
-                  <a:tcPr marL="9525" marR="9525" marT="9525" marB="0" anchor="b">
-                    <a:lnL>
-                      <a:noFill/>
-                    </a:lnL>
-                    <a:lnR>
-                      <a:noFill/>
-                    </a:lnR>
-                    <a:lnT>
-                      <a:noFill/>
-                    </a:lnT>
-                    <a:lnB>
-                      <a:noFill/>
-                    </a:lnB>
-                  </a:tcPr>
-                </a:tc>
-                <a:tc>
-                  <a:txBody>
-                    <a:bodyPr/>
-                    <a:lstStyle/>
-                    <a:p>
-                      <a:pPr algn="r" fontAlgn="b"/>
-                      <a:r>
-                        <a:rPr lang="en-US" sz="1100" b="0" i="0" u="none" strike="noStrike" dirty="0">
-                          <a:solidFill>
-                            <a:srgbClr val="000000"/>
-                          </a:solidFill>
-                          <a:effectLst/>
-                          <a:latin typeface="Calibri" panose="020F0502020204030204" pitchFamily="34" charset="0"/>
-                        </a:rPr>
-                        <a:t>1,864.47</a:t>
-                      </a:r>
-                    </a:p>
-                  </a:txBody>
-                  <a:tcPr marL="9525" marR="9525" marT="9525" marB="0" anchor="b">
-                    <a:lnL>
-                      <a:noFill/>
-                    </a:lnL>
-                    <a:lnR>
-                      <a:noFill/>
-                    </a:lnR>
-                    <a:lnT>
-                      <a:noFill/>
-                    </a:lnT>
-                    <a:lnB>
-                      <a:noFill/>
-                    </a:lnB>
-                  </a:tcPr>
-                </a:tc>
-                <a:extLst>
-                  <a:ext uri="{0D108BD9-81ED-4DB2-BD59-A6C34878D82A}">
-                    <a16:rowId xmlns:a16="http://schemas.microsoft.com/office/drawing/2014/main" val="371939636"/>
+                    <a16:rowId xmlns:a16="http://schemas.microsoft.com/office/drawing/2014/main" val="741089313"/>
                   </a:ext>
                 </a:extLst>
               </a:tr>
@@ -8730,6 +8806,41 @@
           </a:graphicData>
         </a:graphic>
       </p:graphicFrame>
+      <p:sp>
+        <p:nvSpPr>
+          <p:cNvPr id="6" name="TextBox 5">
+            <a:extLst>
+              <a:ext uri="{FF2B5EF4-FFF2-40B4-BE49-F238E27FC236}">
+                <a16:creationId xmlns:a16="http://schemas.microsoft.com/office/drawing/2014/main" id="{309710E2-54B5-9F46-B652-7F1997F23132}"/>
+              </a:ext>
+            </a:extLst>
+          </p:cNvPr>
+          <p:cNvSpPr txBox="1"/>
+          <p:nvPr/>
+        </p:nvSpPr>
+        <p:spPr>
+          <a:xfrm>
+            <a:off x="1542890" y="3241719"/>
+            <a:ext cx="3571288" cy="923330"/>
+          </a:xfrm>
+          <a:prstGeom prst="rect">
+            <a:avLst/>
+          </a:prstGeom>
+          <a:noFill/>
+        </p:spPr>
+        <p:txBody>
+          <a:bodyPr wrap="square" rtlCol="0">
+            <a:spAutoFit/>
+          </a:bodyPr>
+          <a:lstStyle/>
+          <a:p>
+            <a:r>
+              <a:rPr lang="en-US" dirty="0"/>
+              <a:t>All dining room access had been cut off, explaining the zeros in 4 of the variables in the after column. </a:t>
+            </a:r>
+          </a:p>
+        </p:txBody>
+      </p:sp>
     </p:spTree>
     <p:extLst>
       <p:ext uri="{BB962C8B-B14F-4D97-AF65-F5344CB8AC3E}">
@@ -8855,8 +8966,8 @@
         </p:nvSpPr>
         <p:spPr>
           <a:xfrm>
-            <a:off x="7464614" y="1783959"/>
-            <a:ext cx="4087306" cy="2889114"/>
+            <a:off x="8218581" y="200023"/>
+            <a:ext cx="2850961" cy="958323"/>
           </a:xfrm>
         </p:spPr>
         <p:txBody>
@@ -9081,6 +9192,102 @@
           </a:custGeom>
         </p:spPr>
       </p:pic>
+      <p:sp>
+        <p:nvSpPr>
+          <p:cNvPr id="3" name="TextBox 2">
+            <a:extLst>
+              <a:ext uri="{FF2B5EF4-FFF2-40B4-BE49-F238E27FC236}">
+                <a16:creationId xmlns:a16="http://schemas.microsoft.com/office/drawing/2014/main" id="{162CE0C3-11A6-CB49-BC46-61D64C1EC1A3}"/>
+              </a:ext>
+            </a:extLst>
+          </p:cNvPr>
+          <p:cNvSpPr txBox="1"/>
+          <p:nvPr/>
+        </p:nvSpPr>
+        <p:spPr>
+          <a:xfrm>
+            <a:off x="7400923" y="1305341"/>
+            <a:ext cx="4486275" cy="4247317"/>
+          </a:xfrm>
+          <a:prstGeom prst="rect">
+            <a:avLst/>
+          </a:prstGeom>
+          <a:noFill/>
+        </p:spPr>
+        <p:txBody>
+          <a:bodyPr wrap="square" rtlCol="0">
+            <a:spAutoFit/>
+          </a:bodyPr>
+          <a:lstStyle/>
+          <a:p>
+            <a:r>
+              <a:rPr lang="en-US" dirty="0"/>
+              <a:t>Overall, we believe that this Chick-fil-A location has responded well to the circumstances! They maintained productivity numbers through the dining room being shut down, a state-wide lockdown and then after. </a:t>
+            </a:r>
+          </a:p>
+          <a:p>
+            <a:endParaRPr lang="en-US" dirty="0"/>
+          </a:p>
+          <a:p>
+            <a:r>
+              <a:rPr lang="en-US" dirty="0"/>
+              <a:t>Strategies have evolved as the business coped with the pandemic, which has helped to capitalize on as many opportunities as possible. </a:t>
+            </a:r>
+          </a:p>
+          <a:p>
+            <a:endParaRPr lang="en-US" dirty="0"/>
+          </a:p>
+          <a:p>
+            <a:r>
+              <a:rPr lang="en-US" dirty="0"/>
+              <a:t>Some opportunities were disappearing, such as the dine-in experience that Chick-fil-A is known for, but they excelled drive-thru experience to make up for it. </a:t>
+            </a:r>
+          </a:p>
+        </p:txBody>
+      </p:sp>
+      <p:sp>
+        <p:nvSpPr>
+          <p:cNvPr id="4" name="TextBox 3">
+            <a:extLst>
+              <a:ext uri="{FF2B5EF4-FFF2-40B4-BE49-F238E27FC236}">
+                <a16:creationId xmlns:a16="http://schemas.microsoft.com/office/drawing/2014/main" id="{F01A1380-A884-0C4A-B821-7B44C141A3B5}"/>
+              </a:ext>
+            </a:extLst>
+          </p:cNvPr>
+          <p:cNvSpPr txBox="1"/>
+          <p:nvPr/>
+        </p:nvSpPr>
+        <p:spPr>
+          <a:xfrm>
+            <a:off x="6096000" y="6146668"/>
+            <a:ext cx="5500688" cy="523220"/>
+          </a:xfrm>
+          <a:prstGeom prst="rect">
+            <a:avLst/>
+          </a:prstGeom>
+          <a:noFill/>
+        </p:spPr>
+        <p:txBody>
+          <a:bodyPr wrap="square" rtlCol="0">
+            <a:spAutoFit/>
+          </a:bodyPr>
+          <a:lstStyle/>
+          <a:p>
+            <a:r>
+              <a:rPr lang="en-US" dirty="0"/>
+              <a:t>WE WOULD LIKE TO THANK YOU ALL FOR YOUR TIME!</a:t>
+            </a:r>
+          </a:p>
+          <a:p>
+            <a:pPr algn="ctr"/>
+            <a:r>
+              <a:rPr lang="en-US" sz="1000" dirty="0"/>
+              <a:t>And Chick-fil-A for the use of their data and images &lt;3</a:t>
+            </a:r>
+            <a:endParaRPr lang="en-US" dirty="0"/>
+          </a:p>
+        </p:txBody>
+      </p:sp>
     </p:spTree>
     <p:extLst>
       <p:ext uri="{BB962C8B-B14F-4D97-AF65-F5344CB8AC3E}">
@@ -9095,169 +9302,6 @@
 </file>
 
 <file path=ppt/slides/slide15.xml><?xml version="1.0" encoding="utf-8"?>
-<p:sld xmlns:a="http://schemas.openxmlformats.org/drawingml/2006/main" xmlns:r="http://schemas.openxmlformats.org/officeDocument/2006/relationships" xmlns:p="http://schemas.openxmlformats.org/presentationml/2006/main">
-  <p:cSld>
-    <p:spTree>
-      <p:nvGrpSpPr>
-        <p:cNvPr id="1" name=""/>
-        <p:cNvGrpSpPr/>
-        <p:nvPr/>
-      </p:nvGrpSpPr>
-      <p:grpSpPr>
-        <a:xfrm>
-          <a:off x="0" y="0"/>
-          <a:ext cx="0" cy="0"/>
-          <a:chOff x="0" y="0"/>
-          <a:chExt cx="0" cy="0"/>
-        </a:xfrm>
-      </p:grpSpPr>
-      <p:sp>
-        <p:nvSpPr>
-          <p:cNvPr id="2" name="Title 1">
-            <a:extLst>
-              <a:ext uri="{FF2B5EF4-FFF2-40B4-BE49-F238E27FC236}">
-                <a16:creationId xmlns:a16="http://schemas.microsoft.com/office/drawing/2014/main" id="{60DF1081-9D6E-4F5F-8A60-F01894F3D8FF}"/>
-              </a:ext>
-            </a:extLst>
-          </p:cNvPr>
-          <p:cNvSpPr>
-            <a:spLocks noGrp="1"/>
-          </p:cNvSpPr>
-          <p:nvPr>
-            <p:ph type="title"/>
-          </p:nvPr>
-        </p:nvSpPr>
-        <p:spPr>
-          <a:xfrm>
-            <a:off x="940456" y="268448"/>
-            <a:ext cx="3932237" cy="564160"/>
-          </a:xfrm>
-        </p:spPr>
-        <p:txBody>
-          <a:bodyPr/>
-          <a:lstStyle/>
-          <a:p>
-            <a:r>
-              <a:rPr lang="en-US" dirty="0"/>
-              <a:t>Questions</a:t>
-            </a:r>
-          </a:p>
-        </p:txBody>
-      </p:sp>
-      <p:sp>
-        <p:nvSpPr>
-          <p:cNvPr id="4" name="Text Placeholder 3">
-            <a:extLst>
-              <a:ext uri="{FF2B5EF4-FFF2-40B4-BE49-F238E27FC236}">
-                <a16:creationId xmlns:a16="http://schemas.microsoft.com/office/drawing/2014/main" id="{FEE7EDF5-8E37-4E3B-900D-906550916AD2}"/>
-              </a:ext>
-            </a:extLst>
-          </p:cNvPr>
-          <p:cNvSpPr>
-            <a:spLocks noGrp="1"/>
-          </p:cNvSpPr>
-          <p:nvPr>
-            <p:ph type="body" sz="half" idx="2"/>
-          </p:nvPr>
-        </p:nvSpPr>
-        <p:spPr>
-          <a:xfrm>
-            <a:off x="940456" y="908108"/>
-            <a:ext cx="10963522" cy="5408802"/>
-          </a:xfrm>
-        </p:spPr>
-        <p:txBody>
-          <a:bodyPr/>
-          <a:lstStyle/>
-          <a:p>
-            <a:pPr marL="285750" indent="-285750">
-              <a:buFont typeface="Arial" panose="020B0604020202020204" pitchFamily="34" charset="0"/>
-              <a:buChar char="•"/>
-            </a:pPr>
-            <a:r>
-              <a:rPr lang="en-US" dirty="0"/>
-              <a:t>Why did this Chick-fil-A location see so much success in drive-thru only? </a:t>
-            </a:r>
-          </a:p>
-          <a:p>
-            <a:pPr marL="742950" lvl="1" indent="-285750">
-              <a:buFont typeface="Arial" panose="020B0604020202020204" pitchFamily="34" charset="0"/>
-              <a:buChar char="•"/>
-            </a:pPr>
-            <a:r>
-              <a:rPr lang="en-US" dirty="0"/>
-              <a:t>The variables not included in analysis:</a:t>
-            </a:r>
-          </a:p>
-          <a:p>
-            <a:pPr marL="1200150" lvl="2" indent="-285750">
-              <a:buFont typeface="Arial" panose="020B0604020202020204" pitchFamily="34" charset="0"/>
-              <a:buChar char="•"/>
-            </a:pPr>
-            <a:r>
-              <a:rPr lang="en-US" dirty="0"/>
-              <a:t>Speed of Service</a:t>
-            </a:r>
-          </a:p>
-          <a:p>
-            <a:pPr marL="1200150" lvl="2" indent="-285750">
-              <a:buFont typeface="Arial" panose="020B0604020202020204" pitchFamily="34" charset="0"/>
-              <a:buChar char="•"/>
-            </a:pPr>
-            <a:r>
-              <a:rPr lang="en-US" dirty="0"/>
-              <a:t>The 3</a:t>
-            </a:r>
-            <a:r>
-              <a:rPr lang="en-US" baseline="30000" dirty="0"/>
-              <a:t>rd</a:t>
-            </a:r>
-            <a:r>
-              <a:rPr lang="en-US" dirty="0"/>
-              <a:t> and 4</a:t>
-            </a:r>
-            <a:r>
-              <a:rPr lang="en-US" baseline="30000" dirty="0"/>
-              <a:t>th</a:t>
-            </a:r>
-            <a:r>
-              <a:rPr lang="en-US" dirty="0"/>
-              <a:t> drive-thru lanes</a:t>
-            </a:r>
-          </a:p>
-          <a:p>
-            <a:pPr marL="1200150" lvl="2" indent="-285750">
-              <a:buFont typeface="Arial" panose="020B0604020202020204" pitchFamily="34" charset="0"/>
-              <a:buChar char="•"/>
-            </a:pPr>
-            <a:r>
-              <a:rPr lang="en-US" dirty="0"/>
-              <a:t>Number of order takers outside</a:t>
-            </a:r>
-          </a:p>
-          <a:p>
-            <a:pPr marL="285750" indent="-285750">
-              <a:buFont typeface="Arial" panose="020B0604020202020204" pitchFamily="34" charset="0"/>
-              <a:buChar char="•"/>
-            </a:pPr>
-            <a:endParaRPr lang="en-US" dirty="0"/>
-          </a:p>
-        </p:txBody>
-      </p:sp>
-    </p:spTree>
-    <p:extLst>
-      <p:ext uri="{BB962C8B-B14F-4D97-AF65-F5344CB8AC3E}">
-        <p14:creationId xmlns:p14="http://schemas.microsoft.com/office/powerpoint/2010/main" val="2375665445"/>
-      </p:ext>
-    </p:extLst>
-  </p:cSld>
-  <p:clrMapOvr>
-    <a:masterClrMapping/>
-  </p:clrMapOvr>
-</p:sld>
-</file>
-
-<file path=ppt/slides/slide16.xml><?xml version="1.0" encoding="utf-8"?>
 <p:sld xmlns:a="http://schemas.openxmlformats.org/drawingml/2006/main" xmlns:r="http://schemas.openxmlformats.org/officeDocument/2006/relationships" xmlns:p="http://schemas.openxmlformats.org/presentationml/2006/main">
   <p:cSld>
     <p:bg>
@@ -9533,6 +9577,45 @@
           </a:custGeom>
         </p:spPr>
       </p:pic>
+      <p:sp>
+        <p:nvSpPr>
+          <p:cNvPr id="3" name="TextBox 2">
+            <a:extLst>
+              <a:ext uri="{FF2B5EF4-FFF2-40B4-BE49-F238E27FC236}">
+                <a16:creationId xmlns:a16="http://schemas.microsoft.com/office/drawing/2014/main" id="{E00E5C00-406A-3243-AF13-8E96A7D7BB29}"/>
+              </a:ext>
+            </a:extLst>
+          </p:cNvPr>
+          <p:cNvSpPr txBox="1"/>
+          <p:nvPr/>
+        </p:nvSpPr>
+        <p:spPr>
+          <a:xfrm>
+            <a:off x="2773561" y="128588"/>
+            <a:ext cx="5643562" cy="2123658"/>
+          </a:xfrm>
+          <a:prstGeom prst="rect">
+            <a:avLst/>
+          </a:prstGeom>
+          <a:noFill/>
+        </p:spPr>
+        <p:txBody>
+          <a:bodyPr wrap="square" rtlCol="0">
+            <a:spAutoFit/>
+          </a:bodyPr>
+          <a:lstStyle/>
+          <a:p>
+            <a:r>
+              <a:rPr lang="en-US" sz="6600" dirty="0">
+                <a:solidFill>
+                  <a:schemeClr val="bg1"/>
+                </a:solidFill>
+              </a:rPr>
+              <a:t>ALWAYS REMEMBER…</a:t>
+            </a:r>
+          </a:p>
+        </p:txBody>
+      </p:sp>
     </p:spTree>
     <p:extLst>
       <p:ext uri="{BB962C8B-B14F-4D97-AF65-F5344CB8AC3E}">
@@ -14471,4 +14554,299 @@
     </a:ext>
   </a:extLst>
 </a:theme>
+</file>
+
+<file path=ppt/theme/theme2.xml><?xml version="1.0" encoding="utf-8"?>
+<a:theme xmlns:a="http://schemas.openxmlformats.org/drawingml/2006/main" name="Office Theme">
+  <a:themeElements>
+    <a:clrScheme name="Office">
+      <a:dk1>
+        <a:sysClr val="windowText" lastClr="000000"/>
+      </a:dk1>
+      <a:lt1>
+        <a:sysClr val="window" lastClr="FFFFFF"/>
+      </a:lt1>
+      <a:dk2>
+        <a:srgbClr val="44546A"/>
+      </a:dk2>
+      <a:lt2>
+        <a:srgbClr val="E7E6E6"/>
+      </a:lt2>
+      <a:accent1>
+        <a:srgbClr val="4472C4"/>
+      </a:accent1>
+      <a:accent2>
+        <a:srgbClr val="ED7D31"/>
+      </a:accent2>
+      <a:accent3>
+        <a:srgbClr val="A5A5A5"/>
+      </a:accent3>
+      <a:accent4>
+        <a:srgbClr val="FFC000"/>
+      </a:accent4>
+      <a:accent5>
+        <a:srgbClr val="5B9BD5"/>
+      </a:accent5>
+      <a:accent6>
+        <a:srgbClr val="70AD47"/>
+      </a:accent6>
+      <a:hlink>
+        <a:srgbClr val="0563C1"/>
+      </a:hlink>
+      <a:folHlink>
+        <a:srgbClr val="954F72"/>
+      </a:folHlink>
+    </a:clrScheme>
+    <a:fontScheme name="Office">
+      <a:majorFont>
+        <a:latin typeface="Calibri Light" panose="020F0302020204030204"/>
+        <a:ea typeface=""/>
+        <a:cs typeface=""/>
+        <a:font script="Jpan" typeface="游ゴシック Light"/>
+        <a:font script="Hang" typeface="맑은 고딕"/>
+        <a:font script="Hans" typeface="等线 Light"/>
+        <a:font script="Hant" typeface="新細明體"/>
+        <a:font script="Arab" typeface="Times New Roman"/>
+        <a:font script="Hebr" typeface="Times New Roman"/>
+        <a:font script="Thai" typeface="Angsana New"/>
+        <a:font script="Ethi" typeface="Nyala"/>
+        <a:font script="Beng" typeface="Vrinda"/>
+        <a:font script="Gujr" typeface="Shruti"/>
+        <a:font script="Khmr" typeface="MoolBoran"/>
+        <a:font script="Knda" typeface="Tunga"/>
+        <a:font script="Guru" typeface="Raavi"/>
+        <a:font script="Cans" typeface="Euphemia"/>
+        <a:font script="Cher" typeface="Plantagenet Cherokee"/>
+        <a:font script="Yiii" typeface="Microsoft Yi Baiti"/>
+        <a:font script="Tibt" typeface="Microsoft Himalaya"/>
+        <a:font script="Thaa" typeface="MV Boli"/>
+        <a:font script="Deva" typeface="Mangal"/>
+        <a:font script="Telu" typeface="Gautami"/>
+        <a:font script="Taml" typeface="Latha"/>
+        <a:font script="Syrc" typeface="Estrangelo Edessa"/>
+        <a:font script="Orya" typeface="Kalinga"/>
+        <a:font script="Mlym" typeface="Kartika"/>
+        <a:font script="Laoo" typeface="DokChampa"/>
+        <a:font script="Sinh" typeface="Iskoola Pota"/>
+        <a:font script="Mong" typeface="Mongolian Baiti"/>
+        <a:font script="Viet" typeface="Times New Roman"/>
+        <a:font script="Uigh" typeface="Microsoft Uighur"/>
+        <a:font script="Geor" typeface="Sylfaen"/>
+        <a:font script="Armn" typeface="Arial"/>
+        <a:font script="Bugi" typeface="Leelawadee UI"/>
+        <a:font script="Bopo" typeface="Microsoft JhengHei"/>
+        <a:font script="Java" typeface="Javanese Text"/>
+        <a:font script="Lisu" typeface="Segoe UI"/>
+        <a:font script="Mymr" typeface="Myanmar Text"/>
+        <a:font script="Nkoo" typeface="Ebrima"/>
+        <a:font script="Olck" typeface="Nirmala UI"/>
+        <a:font script="Osma" typeface="Ebrima"/>
+        <a:font script="Phag" typeface="Phagspa"/>
+        <a:font script="Syrn" typeface="Estrangelo Edessa"/>
+        <a:font script="Syrj" typeface="Estrangelo Edessa"/>
+        <a:font script="Syre" typeface="Estrangelo Edessa"/>
+        <a:font script="Sora" typeface="Nirmala UI"/>
+        <a:font script="Tale" typeface="Microsoft Tai Le"/>
+        <a:font script="Talu" typeface="Microsoft New Tai Lue"/>
+        <a:font script="Tfng" typeface="Ebrima"/>
+      </a:majorFont>
+      <a:minorFont>
+        <a:latin typeface="Calibri" panose="020F0502020204030204"/>
+        <a:ea typeface=""/>
+        <a:cs typeface=""/>
+        <a:font script="Jpan" typeface="游ゴシック"/>
+        <a:font script="Hang" typeface="맑은 고딕"/>
+        <a:font script="Hans" typeface="等线"/>
+        <a:font script="Hant" typeface="新細明體"/>
+        <a:font script="Arab" typeface="Arial"/>
+        <a:font script="Hebr" typeface="Arial"/>
+        <a:font script="Thai" typeface="Cordia New"/>
+        <a:font script="Ethi" typeface="Nyala"/>
+        <a:font script="Beng" typeface="Vrinda"/>
+        <a:font script="Gujr" typeface="Shruti"/>
+        <a:font script="Khmr" typeface="DaunPenh"/>
+        <a:font script="Knda" typeface="Tunga"/>
+        <a:font script="Guru" typeface="Raavi"/>
+        <a:font script="Cans" typeface="Euphemia"/>
+        <a:font script="Cher" typeface="Plantagenet Cherokee"/>
+        <a:font script="Yiii" typeface="Microsoft Yi Baiti"/>
+        <a:font script="Tibt" typeface="Microsoft Himalaya"/>
+        <a:font script="Thaa" typeface="MV Boli"/>
+        <a:font script="Deva" typeface="Mangal"/>
+        <a:font script="Telu" typeface="Gautami"/>
+        <a:font script="Taml" typeface="Latha"/>
+        <a:font script="Syrc" typeface="Estrangelo Edessa"/>
+        <a:font script="Orya" typeface="Kalinga"/>
+        <a:font script="Mlym" typeface="Kartika"/>
+        <a:font script="Laoo" typeface="DokChampa"/>
+        <a:font script="Sinh" typeface="Iskoola Pota"/>
+        <a:font script="Mong" typeface="Mongolian Baiti"/>
+        <a:font script="Viet" typeface="Arial"/>
+        <a:font script="Uigh" typeface="Microsoft Uighur"/>
+        <a:font script="Geor" typeface="Sylfaen"/>
+        <a:font script="Armn" typeface="Arial"/>
+        <a:font script="Bugi" typeface="Leelawadee UI"/>
+        <a:font script="Bopo" typeface="Microsoft JhengHei"/>
+        <a:font script="Java" typeface="Javanese Text"/>
+        <a:font script="Lisu" typeface="Segoe UI"/>
+        <a:font script="Mymr" typeface="Myanmar Text"/>
+        <a:font script="Nkoo" typeface="Ebrima"/>
+        <a:font script="Olck" typeface="Nirmala UI"/>
+        <a:font script="Osma" typeface="Ebrima"/>
+        <a:font script="Phag" typeface="Phagspa"/>
+        <a:font script="Syrn" typeface="Estrangelo Edessa"/>
+        <a:font script="Syrj" typeface="Estrangelo Edessa"/>
+        <a:font script="Syre" typeface="Estrangelo Edessa"/>
+        <a:font script="Sora" typeface="Nirmala UI"/>
+        <a:font script="Tale" typeface="Microsoft Tai Le"/>
+        <a:font script="Talu" typeface="Microsoft New Tai Lue"/>
+        <a:font script="Tfng" typeface="Ebrima"/>
+      </a:minorFont>
+    </a:fontScheme>
+    <a:fmtScheme name="Office">
+      <a:fillStyleLst>
+        <a:solidFill>
+          <a:schemeClr val="phClr"/>
+        </a:solidFill>
+        <a:gradFill rotWithShape="1">
+          <a:gsLst>
+            <a:gs pos="0">
+              <a:schemeClr val="phClr">
+                <a:lumMod val="110000"/>
+                <a:satMod val="105000"/>
+                <a:tint val="67000"/>
+              </a:schemeClr>
+            </a:gs>
+            <a:gs pos="50000">
+              <a:schemeClr val="phClr">
+                <a:lumMod val="105000"/>
+                <a:satMod val="103000"/>
+                <a:tint val="73000"/>
+              </a:schemeClr>
+            </a:gs>
+            <a:gs pos="100000">
+              <a:schemeClr val="phClr">
+                <a:lumMod val="105000"/>
+                <a:satMod val="109000"/>
+                <a:tint val="81000"/>
+              </a:schemeClr>
+            </a:gs>
+          </a:gsLst>
+          <a:lin ang="5400000" scaled="0"/>
+        </a:gradFill>
+        <a:gradFill rotWithShape="1">
+          <a:gsLst>
+            <a:gs pos="0">
+              <a:schemeClr val="phClr">
+                <a:satMod val="103000"/>
+                <a:lumMod val="102000"/>
+                <a:tint val="94000"/>
+              </a:schemeClr>
+            </a:gs>
+            <a:gs pos="50000">
+              <a:schemeClr val="phClr">
+                <a:satMod val="110000"/>
+                <a:lumMod val="100000"/>
+                <a:shade val="100000"/>
+              </a:schemeClr>
+            </a:gs>
+            <a:gs pos="100000">
+              <a:schemeClr val="phClr">
+                <a:lumMod val="99000"/>
+                <a:satMod val="120000"/>
+                <a:shade val="78000"/>
+              </a:schemeClr>
+            </a:gs>
+          </a:gsLst>
+          <a:lin ang="5400000" scaled="0"/>
+        </a:gradFill>
+      </a:fillStyleLst>
+      <a:lnStyleLst>
+        <a:ln w="6350" cap="flat" cmpd="sng" algn="ctr">
+          <a:solidFill>
+            <a:schemeClr val="phClr"/>
+          </a:solidFill>
+          <a:prstDash val="solid"/>
+          <a:miter lim="800000"/>
+        </a:ln>
+        <a:ln w="12700" cap="flat" cmpd="sng" algn="ctr">
+          <a:solidFill>
+            <a:schemeClr val="phClr"/>
+          </a:solidFill>
+          <a:prstDash val="solid"/>
+          <a:miter lim="800000"/>
+        </a:ln>
+        <a:ln w="19050" cap="flat" cmpd="sng" algn="ctr">
+          <a:solidFill>
+            <a:schemeClr val="phClr"/>
+          </a:solidFill>
+          <a:prstDash val="solid"/>
+          <a:miter lim="800000"/>
+        </a:ln>
+      </a:lnStyleLst>
+      <a:effectStyleLst>
+        <a:effectStyle>
+          <a:effectLst/>
+        </a:effectStyle>
+        <a:effectStyle>
+          <a:effectLst/>
+        </a:effectStyle>
+        <a:effectStyle>
+          <a:effectLst>
+            <a:outerShdw blurRad="57150" dist="19050" dir="5400000" algn="ctr" rotWithShape="0">
+              <a:srgbClr val="000000">
+                <a:alpha val="63000"/>
+              </a:srgbClr>
+            </a:outerShdw>
+          </a:effectLst>
+        </a:effectStyle>
+      </a:effectStyleLst>
+      <a:bgFillStyleLst>
+        <a:solidFill>
+          <a:schemeClr val="phClr"/>
+        </a:solidFill>
+        <a:solidFill>
+          <a:schemeClr val="phClr">
+            <a:tint val="95000"/>
+            <a:satMod val="170000"/>
+          </a:schemeClr>
+        </a:solidFill>
+        <a:gradFill rotWithShape="1">
+          <a:gsLst>
+            <a:gs pos="0">
+              <a:schemeClr val="phClr">
+                <a:tint val="93000"/>
+                <a:satMod val="150000"/>
+                <a:shade val="98000"/>
+                <a:lumMod val="102000"/>
+              </a:schemeClr>
+            </a:gs>
+            <a:gs pos="50000">
+              <a:schemeClr val="phClr">
+                <a:tint val="98000"/>
+                <a:satMod val="130000"/>
+                <a:shade val="90000"/>
+                <a:lumMod val="103000"/>
+              </a:schemeClr>
+            </a:gs>
+            <a:gs pos="100000">
+              <a:schemeClr val="phClr">
+                <a:shade val="63000"/>
+                <a:satMod val="120000"/>
+              </a:schemeClr>
+            </a:gs>
+          </a:gsLst>
+          <a:lin ang="5400000" scaled="0"/>
+        </a:gradFill>
+      </a:bgFillStyleLst>
+    </a:fmtScheme>
+  </a:themeElements>
+  <a:objectDefaults/>
+  <a:extraClrSchemeLst/>
+  <a:extLst>
+    <a:ext uri="{05A4C25C-085E-4340-85A3-A5531E510DB2}">
+      <thm15:themeFamily xmlns:thm15="http://schemas.microsoft.com/office/thememl/2012/main" name="Office Theme" id="{62F939B6-93AF-4DB8-9C6B-D6C7DFDC589F}" vid="{4A3C46E8-61CC-4603-A589-7422A47A8E4A}"/>
+    </a:ext>
+  </a:extLst>
+</a:theme>
 </file>
--- a/Presentation.pptx
+++ b/Presentation.pptx
@@ -5,24 +5,26 @@
     <p:sldMasterId id="2147483648" r:id="rId1"/>
   </p:sldMasterIdLst>
   <p:notesMasterIdLst>
-    <p:notesMasterId r:id="rId17"/>
+    <p:notesMasterId r:id="rId19"/>
   </p:notesMasterIdLst>
   <p:sldIdLst>
     <p:sldId id="263" r:id="rId2"/>
     <p:sldId id="264" r:id="rId3"/>
     <p:sldId id="265" r:id="rId4"/>
     <p:sldId id="256" r:id="rId5"/>
-    <p:sldId id="269" r:id="rId6"/>
-    <p:sldId id="272" r:id="rId7"/>
-    <p:sldId id="271" r:id="rId8"/>
-    <p:sldId id="259" r:id="rId9"/>
-    <p:sldId id="274" r:id="rId10"/>
-    <p:sldId id="268" r:id="rId11"/>
-    <p:sldId id="273" r:id="rId12"/>
-    <p:sldId id="267" r:id="rId13"/>
-    <p:sldId id="275" r:id="rId14"/>
-    <p:sldId id="257" r:id="rId15"/>
-    <p:sldId id="260" r:id="rId16"/>
+    <p:sldId id="276" r:id="rId6"/>
+    <p:sldId id="269" r:id="rId7"/>
+    <p:sldId id="272" r:id="rId8"/>
+    <p:sldId id="278" r:id="rId9"/>
+    <p:sldId id="259" r:id="rId10"/>
+    <p:sldId id="274" r:id="rId11"/>
+    <p:sldId id="268" r:id="rId12"/>
+    <p:sldId id="273" r:id="rId13"/>
+    <p:sldId id="267" r:id="rId14"/>
+    <p:sldId id="275" r:id="rId15"/>
+    <p:sldId id="279" r:id="rId16"/>
+    <p:sldId id="257" r:id="rId17"/>
+    <p:sldId id="260" r:id="rId18"/>
   </p:sldIdLst>
   <p:sldSz cx="12192000" cy="6858000"/>
   <p:notesSz cx="6858000" cy="9144000"/>
@@ -129,6 +131,3159 @@
 </p:presentation>
 </file>
 
+<file path=ppt/commentAuthors.xml><?xml version="1.0" encoding="utf-8"?>
+<p:cmAuthorLst xmlns:a="http://schemas.openxmlformats.org/drawingml/2006/main" xmlns:r="http://schemas.openxmlformats.org/officeDocument/2006/relationships" xmlns:p="http://schemas.openxmlformats.org/presentationml/2006/main">
+  <p:cmAuthor id="1" name="Melton, Kelsey (Student)" initials="MK(" lastIdx="3" clrIdx="0">
+    <p:extLst>
+      <p:ext uri="{19B8F6BF-5375-455C-9EA6-DF929625EA0E}">
+        <p15:presenceInfo xmlns:p15="http://schemas.microsoft.com/office/powerpoint/2012/main" userId="S::meltonke@g.cofc.edu::07cead70-4713-45ec-acbd-a580d1de0c5d" providerId="AD"/>
+      </p:ext>
+    </p:extLst>
+  </p:cmAuthor>
+</p:cmAuthorLst>
+</file>
+
+<file path=ppt/comments/comment1.xml><?xml version="1.0" encoding="utf-8"?>
+<p:cmLst xmlns:a="http://schemas.openxmlformats.org/drawingml/2006/main" xmlns:r="http://schemas.openxmlformats.org/officeDocument/2006/relationships" xmlns:p="http://schemas.openxmlformats.org/presentationml/2006/main">
+  <p:cm authorId="1" dt="2021-01-27T16:56:34.505" idx="1">
+    <p:pos x="10" y="10"/>
+    <p:text>Change Key</p:text>
+    <p:extLst>
+      <p:ext uri="{C676402C-5697-4E1C-873F-D02D1690AC5C}">
+        <p15:threadingInfo xmlns:p15="http://schemas.microsoft.com/office/powerpoint/2012/main" timeZoneBias="300"/>
+      </p:ext>
+    </p:extLst>
+  </p:cm>
+  <p:cm authorId="1" dt="2021-01-27T16:57:02.941" idx="2">
+    <p:pos x="10" y="106"/>
+    <p:text>Before -&gt; During -&gt; After</p:text>
+    <p:extLst>
+      <p:ext uri="{C676402C-5697-4E1C-873F-D02D1690AC5C}">
+        <p15:threadingInfo xmlns:p15="http://schemas.microsoft.com/office/powerpoint/2012/main" timeZoneBias="300">
+          <p15:parentCm authorId="1" idx="1"/>
+        </p15:threadingInfo>
+      </p:ext>
+    </p:extLst>
+  </p:cm>
+</p:cmLst>
+</file>
+
+<file path=ppt/comments/comment2.xml><?xml version="1.0" encoding="utf-8"?>
+<p:cmLst xmlns:a="http://schemas.openxmlformats.org/drawingml/2006/main" xmlns:r="http://schemas.openxmlformats.org/officeDocument/2006/relationships" xmlns:p="http://schemas.openxmlformats.org/presentationml/2006/main">
+  <p:cm authorId="1" dt="2021-01-27T16:59:31.771" idx="3">
+    <p:pos x="10" y="10"/>
+    <p:text>Add key for line colors? </p:text>
+    <p:extLst>
+      <p:ext uri="{C676402C-5697-4E1C-873F-D02D1690AC5C}">
+        <p15:threadingInfo xmlns:p15="http://schemas.microsoft.com/office/powerpoint/2012/main" timeZoneBias="300"/>
+      </p:ext>
+    </p:extLst>
+  </p:cm>
+</p:cmLst>
+</file>
+
+<file path=ppt/diagrams/colors1.xml><?xml version="1.0" encoding="utf-8"?>
+<dgm:colorsDef xmlns:dgm="http://schemas.openxmlformats.org/drawingml/2006/diagram" xmlns:a="http://schemas.openxmlformats.org/drawingml/2006/main" uniqueId="urn:microsoft.com/office/officeart/2005/8/colors/accent1_2">
+  <dgm:title val=""/>
+  <dgm:desc val=""/>
+  <dgm:catLst>
+    <dgm:cat type="accent1" pri="11200"/>
+  </dgm:catLst>
+  <dgm:styleLbl name="node0">
+    <dgm:fillClrLst meth="repeat">
+      <a:schemeClr val="accent1"/>
+    </dgm:fillClrLst>
+    <dgm:linClrLst meth="repeat">
+      <a:schemeClr val="lt1"/>
+    </dgm:linClrLst>
+    <dgm:effectClrLst/>
+    <dgm:txLinClrLst/>
+    <dgm:txFillClrLst/>
+    <dgm:txEffectClrLst/>
+  </dgm:styleLbl>
+  <dgm:styleLbl name="alignNode1">
+    <dgm:fillClrLst meth="repeat">
+      <a:schemeClr val="accent1"/>
+    </dgm:fillClrLst>
+    <dgm:linClrLst meth="repeat">
+      <a:schemeClr val="accent1"/>
+    </dgm:linClrLst>
+    <dgm:effectClrLst/>
+    <dgm:txLinClrLst/>
+    <dgm:txFillClrLst/>
+    <dgm:txEffectClrLst/>
+  </dgm:styleLbl>
+  <dgm:styleLbl name="node1">
+    <dgm:fillClrLst meth="repeat">
+      <a:schemeClr val="accent1"/>
+    </dgm:fillClrLst>
+    <dgm:linClrLst meth="repeat">
+      <a:schemeClr val="lt1"/>
+    </dgm:linClrLst>
+    <dgm:effectClrLst/>
+    <dgm:txLinClrLst/>
+    <dgm:txFillClrLst/>
+    <dgm:txEffectClrLst/>
+  </dgm:styleLbl>
+  <dgm:styleLbl name="lnNode1">
+    <dgm:fillClrLst meth="repeat">
+      <a:schemeClr val="accent1"/>
+    </dgm:fillClrLst>
+    <dgm:linClrLst meth="repeat">
+      <a:schemeClr val="lt1"/>
+    </dgm:linClrLst>
+    <dgm:effectClrLst/>
+    <dgm:txLinClrLst/>
+    <dgm:txFillClrLst/>
+    <dgm:txEffectClrLst/>
+  </dgm:styleLbl>
+  <dgm:styleLbl name="vennNode1">
+    <dgm:fillClrLst meth="repeat">
+      <a:schemeClr val="accent1">
+        <a:alpha val="50000"/>
+      </a:schemeClr>
+    </dgm:fillClrLst>
+    <dgm:linClrLst meth="repeat">
+      <a:schemeClr val="lt1"/>
+    </dgm:linClrLst>
+    <dgm:effectClrLst/>
+    <dgm:txLinClrLst/>
+    <dgm:txFillClrLst/>
+    <dgm:txEffectClrLst/>
+  </dgm:styleLbl>
+  <dgm:styleLbl name="node2">
+    <dgm:fillClrLst meth="repeat">
+      <a:schemeClr val="accent1"/>
+    </dgm:fillClrLst>
+    <dgm:linClrLst meth="repeat">
+      <a:schemeClr val="lt1"/>
+    </dgm:linClrLst>
+    <dgm:effectClrLst/>
+    <dgm:txLinClrLst/>
+    <dgm:txFillClrLst/>
+    <dgm:txEffectClrLst/>
+  </dgm:styleLbl>
+  <dgm:styleLbl name="node3">
+    <dgm:fillClrLst meth="repeat">
+      <a:schemeClr val="accent1"/>
+    </dgm:fillClrLst>
+    <dgm:linClrLst meth="repeat">
+      <a:schemeClr val="lt1"/>
+    </dgm:linClrLst>
+    <dgm:effectClrLst/>
+    <dgm:txLinClrLst/>
+    <dgm:txFillClrLst/>
+    <dgm:txEffectClrLst/>
+  </dgm:styleLbl>
+  <dgm:styleLbl name="node4">
+    <dgm:fillClrLst meth="repeat">
+      <a:schemeClr val="accent1"/>
+    </dgm:fillClrLst>
+    <dgm:linClrLst meth="repeat">
+      <a:schemeClr val="lt1"/>
+    </dgm:linClrLst>
+    <dgm:effectClrLst/>
+    <dgm:txLinClrLst/>
+    <dgm:txFillClrLst/>
+    <dgm:txEffectClrLst/>
+  </dgm:styleLbl>
+  <dgm:styleLbl name="fgImgPlace1">
+    <dgm:fillClrLst meth="repeat">
+      <a:schemeClr val="accent1">
+        <a:tint val="50000"/>
+      </a:schemeClr>
+    </dgm:fillClrLst>
+    <dgm:linClrLst meth="repeat">
+      <a:schemeClr val="lt1"/>
+    </dgm:linClrLst>
+    <dgm:effectClrLst/>
+    <dgm:txLinClrLst/>
+    <dgm:txFillClrLst meth="repeat">
+      <a:schemeClr val="lt1"/>
+    </dgm:txFillClrLst>
+    <dgm:txEffectClrLst/>
+  </dgm:styleLbl>
+  <dgm:styleLbl name="alignImgPlace1">
+    <dgm:fillClrLst meth="repeat">
+      <a:schemeClr val="accent1">
+        <a:tint val="50000"/>
+      </a:schemeClr>
+    </dgm:fillClrLst>
+    <dgm:linClrLst meth="repeat">
+      <a:schemeClr val="lt1"/>
+    </dgm:linClrLst>
+    <dgm:effectClrLst/>
+    <dgm:txLinClrLst/>
+    <dgm:txFillClrLst meth="repeat">
+      <a:schemeClr val="lt1"/>
+    </dgm:txFillClrLst>
+    <dgm:txEffectClrLst/>
+  </dgm:styleLbl>
+  <dgm:styleLbl name="bgImgPlace1">
+    <dgm:fillClrLst meth="repeat">
+      <a:schemeClr val="accent1">
+        <a:tint val="50000"/>
+      </a:schemeClr>
+    </dgm:fillClrLst>
+    <dgm:linClrLst meth="repeat">
+      <a:schemeClr val="lt1"/>
+    </dgm:linClrLst>
+    <dgm:effectClrLst/>
+    <dgm:txLinClrLst/>
+    <dgm:txFillClrLst meth="repeat">
+      <a:schemeClr val="lt1"/>
+    </dgm:txFillClrLst>
+    <dgm:txEffectClrLst/>
+  </dgm:styleLbl>
+  <dgm:styleLbl name="sibTrans2D1">
+    <dgm:fillClrLst meth="repeat">
+      <a:schemeClr val="accent1">
+        <a:tint val="60000"/>
+      </a:schemeClr>
+    </dgm:fillClrLst>
+    <dgm:linClrLst meth="repeat">
+      <a:schemeClr val="accent1">
+        <a:tint val="60000"/>
+      </a:schemeClr>
+    </dgm:linClrLst>
+    <dgm:effectClrLst/>
+    <dgm:txLinClrLst/>
+    <dgm:txFillClrLst/>
+    <dgm:txEffectClrLst/>
+  </dgm:styleLbl>
+  <dgm:styleLbl name="fgSibTrans2D1">
+    <dgm:fillClrLst meth="repeat">
+      <a:schemeClr val="accent1">
+        <a:tint val="60000"/>
+      </a:schemeClr>
+    </dgm:fillClrLst>
+    <dgm:linClrLst meth="repeat">
+      <a:schemeClr val="accent1">
+        <a:tint val="60000"/>
+      </a:schemeClr>
+    </dgm:linClrLst>
+    <dgm:effectClrLst/>
+    <dgm:txLinClrLst/>
+    <dgm:txFillClrLst/>
+    <dgm:txEffectClrLst/>
+  </dgm:styleLbl>
+  <dgm:styleLbl name="bgSibTrans2D1">
+    <dgm:fillClrLst meth="repeat">
+      <a:schemeClr val="accent1">
+        <a:tint val="60000"/>
+      </a:schemeClr>
+    </dgm:fillClrLst>
+    <dgm:linClrLst meth="repeat">
+      <a:schemeClr val="accent1">
+        <a:tint val="60000"/>
+      </a:schemeClr>
+    </dgm:linClrLst>
+    <dgm:effectClrLst/>
+    <dgm:txLinClrLst/>
+    <dgm:txFillClrLst/>
+    <dgm:txEffectClrLst/>
+  </dgm:styleLbl>
+  <dgm:styleLbl name="sibTrans1D1">
+    <dgm:fillClrLst meth="repeat">
+      <a:schemeClr val="accent1"/>
+    </dgm:fillClrLst>
+    <dgm:linClrLst meth="repeat">
+      <a:schemeClr val="accent1"/>
+    </dgm:linClrLst>
+    <dgm:effectClrLst/>
+    <dgm:txLinClrLst/>
+    <dgm:txFillClrLst meth="repeat">
+      <a:schemeClr val="tx1"/>
+    </dgm:txFillClrLst>
+    <dgm:txEffectClrLst/>
+  </dgm:styleLbl>
+  <dgm:styleLbl name="callout">
+    <dgm:fillClrLst meth="repeat">
+      <a:schemeClr val="accent1"/>
+    </dgm:fillClrLst>
+    <dgm:linClrLst meth="repeat">
+      <a:schemeClr val="accent1">
+        <a:tint val="50000"/>
+      </a:schemeClr>
+    </dgm:linClrLst>
+    <dgm:effectClrLst/>
+    <dgm:txLinClrLst/>
+    <dgm:txFillClrLst meth="repeat">
+      <a:schemeClr val="tx1"/>
+    </dgm:txFillClrLst>
+    <dgm:txEffectClrLst/>
+  </dgm:styleLbl>
+  <dgm:styleLbl name="asst0">
+    <dgm:fillClrLst meth="repeat">
+      <a:schemeClr val="accent1"/>
+    </dgm:fillClrLst>
+    <dgm:linClrLst meth="repeat">
+      <a:schemeClr val="lt1"/>
+    </dgm:linClrLst>
+    <dgm:effectClrLst/>
+    <dgm:txLinClrLst/>
+    <dgm:txFillClrLst/>
+    <dgm:txEffectClrLst/>
+  </dgm:styleLbl>
+  <dgm:styleLbl name="asst1">
+    <dgm:fillClrLst meth="repeat">
+      <a:schemeClr val="accent1"/>
+    </dgm:fillClrLst>
+    <dgm:linClrLst meth="repeat">
+      <a:schemeClr val="lt1"/>
+    </dgm:linClrLst>
+    <dgm:effectClrLst/>
+    <dgm:txLinClrLst/>
+    <dgm:txFillClrLst/>
+    <dgm:txEffectClrLst/>
+  </dgm:styleLbl>
+  <dgm:styleLbl name="asst2">
+    <dgm:fillClrLst meth="repeat">
+      <a:schemeClr val="accent1"/>
+    </dgm:fillClrLst>
+    <dgm:linClrLst meth="repeat">
+      <a:schemeClr val="lt1"/>
+    </dgm:linClrLst>
+    <dgm:effectClrLst/>
+    <dgm:txLinClrLst/>
+    <dgm:txFillClrLst/>
+    <dgm:txEffectClrLst/>
+  </dgm:styleLbl>
+  <dgm:styleLbl name="asst3">
+    <dgm:fillClrLst meth="repeat">
+      <a:schemeClr val="accent1"/>
+    </dgm:fillClrLst>
+    <dgm:linClrLst meth="repeat">
+      <a:schemeClr val="lt1"/>
+    </dgm:linClrLst>
+    <dgm:effectClrLst/>
+    <dgm:txLinClrLst/>
+    <dgm:txFillClrLst/>
+    <dgm:txEffectClrLst/>
+  </dgm:styleLbl>
+  <dgm:styleLbl name="asst4">
+    <dgm:fillClrLst meth="repeat">
+      <a:schemeClr val="accent1"/>
+    </dgm:fillClrLst>
+    <dgm:linClrLst meth="repeat">
+      <a:schemeClr val="lt1"/>
+    </dgm:linClrLst>
+    <dgm:effectClrLst/>
+    <dgm:txLinClrLst/>
+    <dgm:txFillClrLst/>
+    <dgm:txEffectClrLst/>
+  </dgm:styleLbl>
+  <dgm:styleLbl name="parChTrans2D1">
+    <dgm:fillClrLst meth="repeat">
+      <a:schemeClr val="accent1">
+        <a:tint val="60000"/>
+      </a:schemeClr>
+    </dgm:fillClrLst>
+    <dgm:linClrLst meth="repeat">
+      <a:schemeClr val="accent1">
+        <a:tint val="60000"/>
+      </a:schemeClr>
+    </dgm:linClrLst>
+    <dgm:effectClrLst/>
+    <dgm:txLinClrLst/>
+    <dgm:txFillClrLst meth="repeat">
+      <a:schemeClr val="lt1"/>
+    </dgm:txFillClrLst>
+    <dgm:txEffectClrLst/>
+  </dgm:styleLbl>
+  <dgm:styleLbl name="parChTrans2D2">
+    <dgm:fillClrLst meth="repeat">
+      <a:schemeClr val="accent1"/>
+    </dgm:fillClrLst>
+    <dgm:linClrLst meth="repeat">
+      <a:schemeClr val="accent1"/>
+    </dgm:linClrLst>
+    <dgm:effectClrLst/>
+    <dgm:txLinClrLst/>
+    <dgm:txFillClrLst meth="repeat">
+      <a:schemeClr val="lt1"/>
+    </dgm:txFillClrLst>
+    <dgm:txEffectClrLst/>
+  </dgm:styleLbl>
+  <dgm:styleLbl name="parChTrans2D3">
+    <dgm:fillClrLst meth="repeat">
+      <a:schemeClr val="accent1"/>
+    </dgm:fillClrLst>
+    <dgm:linClrLst meth="repeat">
+      <a:schemeClr val="accent1"/>
+    </dgm:linClrLst>
+    <dgm:effectClrLst/>
+    <dgm:txLinClrLst/>
+    <dgm:txFillClrLst meth="repeat">
+      <a:schemeClr val="lt1"/>
+    </dgm:txFillClrLst>
+    <dgm:txEffectClrLst/>
+  </dgm:styleLbl>
+  <dgm:styleLbl name="parChTrans2D4">
+    <dgm:fillClrLst meth="repeat">
+      <a:schemeClr val="accent1"/>
+    </dgm:fillClrLst>
+    <dgm:linClrLst meth="repeat">
+      <a:schemeClr val="accent1"/>
+    </dgm:linClrLst>
+    <dgm:effectClrLst/>
+    <dgm:txLinClrLst/>
+    <dgm:txFillClrLst meth="repeat">
+      <a:schemeClr val="lt1"/>
+    </dgm:txFillClrLst>
+    <dgm:txEffectClrLst/>
+  </dgm:styleLbl>
+  <dgm:styleLbl name="parChTrans1D1">
+    <dgm:fillClrLst meth="repeat">
+      <a:schemeClr val="accent1"/>
+    </dgm:fillClrLst>
+    <dgm:linClrLst meth="repeat">
+      <a:schemeClr val="accent1">
+        <a:shade val="60000"/>
+      </a:schemeClr>
+    </dgm:linClrLst>
+    <dgm:effectClrLst/>
+    <dgm:txLinClrLst/>
+    <dgm:txFillClrLst meth="repeat">
+      <a:schemeClr val="tx1"/>
+    </dgm:txFillClrLst>
+    <dgm:txEffectClrLst/>
+  </dgm:styleLbl>
+  <dgm:styleLbl name="parChTrans1D2">
+    <dgm:fillClrLst meth="repeat">
+      <a:schemeClr val="accent1"/>
+    </dgm:fillClrLst>
+    <dgm:linClrLst meth="repeat">
+      <a:schemeClr val="accent1">
+        <a:shade val="60000"/>
+      </a:schemeClr>
+    </dgm:linClrLst>
+    <dgm:effectClrLst/>
+    <dgm:txLinClrLst/>
+    <dgm:txFillClrLst meth="repeat">
+      <a:schemeClr val="tx1"/>
+    </dgm:txFillClrLst>
+    <dgm:txEffectClrLst/>
+  </dgm:styleLbl>
+  <dgm:styleLbl name="parChTrans1D3">
+    <dgm:fillClrLst meth="repeat">
+      <a:schemeClr val="accent1"/>
+    </dgm:fillClrLst>
+    <dgm:linClrLst meth="repeat">
+      <a:schemeClr val="accent1">
+        <a:shade val="80000"/>
+      </a:schemeClr>
+    </dgm:linClrLst>
+    <dgm:effectClrLst/>
+    <dgm:txLinClrLst/>
+    <dgm:txFillClrLst meth="repeat">
+      <a:schemeClr val="tx1"/>
+    </dgm:txFillClrLst>
+    <dgm:txEffectClrLst/>
+  </dgm:styleLbl>
+  <dgm:styleLbl name="parChTrans1D4">
+    <dgm:fillClrLst meth="repeat">
+      <a:schemeClr val="accent1"/>
+    </dgm:fillClrLst>
+    <dgm:linClrLst meth="repeat">
+      <a:schemeClr val="accent1">
+        <a:shade val="80000"/>
+      </a:schemeClr>
+    </dgm:linClrLst>
+    <dgm:effectClrLst/>
+    <dgm:txLinClrLst/>
+    <dgm:txFillClrLst meth="repeat">
+      <a:schemeClr val="tx1"/>
+    </dgm:txFillClrLst>
+    <dgm:txEffectClrLst/>
+  </dgm:styleLbl>
+  <dgm:styleLbl name="fgAcc1">
+    <dgm:fillClrLst meth="repeat">
+      <a:schemeClr val="lt1">
+        <a:alpha val="90000"/>
+      </a:schemeClr>
+    </dgm:fillClrLst>
+    <dgm:linClrLst meth="repeat">
+      <a:schemeClr val="accent1"/>
+    </dgm:linClrLst>
+    <dgm:effectClrLst/>
+    <dgm:txLinClrLst/>
+    <dgm:txFillClrLst meth="repeat">
+      <a:schemeClr val="dk1"/>
+    </dgm:txFillClrLst>
+    <dgm:txEffectClrLst/>
+  </dgm:styleLbl>
+  <dgm:styleLbl name="conFgAcc1">
+    <dgm:fillClrLst meth="repeat">
+      <a:schemeClr val="lt1">
+        <a:alpha val="90000"/>
+      </a:schemeClr>
+    </dgm:fillClrLst>
+    <dgm:linClrLst meth="repeat">
+      <a:schemeClr val="accent1"/>
+    </dgm:linClrLst>
+    <dgm:effectClrLst/>
+    <dgm:txLinClrLst/>
+    <dgm:txFillClrLst meth="repeat">
+      <a:schemeClr val="dk1"/>
+    </dgm:txFillClrLst>
+    <dgm:txEffectClrLst/>
+  </dgm:styleLbl>
+  <dgm:styleLbl name="alignAcc1">
+    <dgm:fillClrLst meth="repeat">
+      <a:schemeClr val="lt1">
+        <a:alpha val="90000"/>
+      </a:schemeClr>
+    </dgm:fillClrLst>
+    <dgm:linClrLst meth="repeat">
+      <a:schemeClr val="accent1"/>
+    </dgm:linClrLst>
+    <dgm:effectClrLst/>
+    <dgm:txLinClrLst/>
+    <dgm:txFillClrLst meth="repeat">
+      <a:schemeClr val="dk1"/>
+    </dgm:txFillClrLst>
+    <dgm:txEffectClrLst/>
+  </dgm:styleLbl>
+  <dgm:styleLbl name="trAlignAcc1">
+    <dgm:fillClrLst meth="repeat">
+      <a:schemeClr val="lt1">
+        <a:alpha val="40000"/>
+      </a:schemeClr>
+    </dgm:fillClrLst>
+    <dgm:linClrLst meth="repeat">
+      <a:schemeClr val="accent1"/>
+    </dgm:linClrLst>
+    <dgm:effectClrLst/>
+    <dgm:txLinClrLst/>
+    <dgm:txFillClrLst meth="repeat">
+      <a:schemeClr val="dk1"/>
+    </dgm:txFillClrLst>
+    <dgm:txEffectClrLst/>
+  </dgm:styleLbl>
+  <dgm:styleLbl name="bgAcc1">
+    <dgm:fillClrLst meth="repeat">
+      <a:schemeClr val="lt1">
+        <a:alpha val="90000"/>
+      </a:schemeClr>
+    </dgm:fillClrLst>
+    <dgm:linClrLst meth="repeat">
+      <a:schemeClr val="accent1"/>
+    </dgm:linClrLst>
+    <dgm:effectClrLst/>
+    <dgm:txLinClrLst/>
+    <dgm:txFillClrLst meth="repeat">
+      <a:schemeClr val="dk1"/>
+    </dgm:txFillClrLst>
+    <dgm:txEffectClrLst/>
+  </dgm:styleLbl>
+  <dgm:styleLbl name="solidFgAcc1">
+    <dgm:fillClrLst meth="repeat">
+      <a:schemeClr val="lt1"/>
+    </dgm:fillClrLst>
+    <dgm:linClrLst meth="repeat">
+      <a:schemeClr val="accent1"/>
+    </dgm:linClrLst>
+    <dgm:effectClrLst/>
+    <dgm:txLinClrLst/>
+    <dgm:txFillClrLst meth="repeat">
+      <a:schemeClr val="dk1"/>
+    </dgm:txFillClrLst>
+    <dgm:txEffectClrLst/>
+  </dgm:styleLbl>
+  <dgm:styleLbl name="solidAlignAcc1">
+    <dgm:fillClrLst meth="repeat">
+      <a:schemeClr val="lt1"/>
+    </dgm:fillClrLst>
+    <dgm:linClrLst meth="repeat">
+      <a:schemeClr val="accent1"/>
+    </dgm:linClrLst>
+    <dgm:effectClrLst/>
+    <dgm:txLinClrLst/>
+    <dgm:txFillClrLst meth="repeat">
+      <a:schemeClr val="dk1"/>
+    </dgm:txFillClrLst>
+    <dgm:txEffectClrLst/>
+  </dgm:styleLbl>
+  <dgm:styleLbl name="solidBgAcc1">
+    <dgm:fillClrLst meth="repeat">
+      <a:schemeClr val="lt1"/>
+    </dgm:fillClrLst>
+    <dgm:linClrLst meth="repeat">
+      <a:schemeClr val="accent1"/>
+    </dgm:linClrLst>
+    <dgm:effectClrLst/>
+    <dgm:txLinClrLst/>
+    <dgm:txFillClrLst meth="repeat">
+      <a:schemeClr val="dk1"/>
+    </dgm:txFillClrLst>
+    <dgm:txEffectClrLst/>
+  </dgm:styleLbl>
+  <dgm:styleLbl name="fgAccFollowNode1">
+    <dgm:fillClrLst meth="repeat">
+      <a:schemeClr val="accent1">
+        <a:alpha val="90000"/>
+        <a:tint val="40000"/>
+      </a:schemeClr>
+    </dgm:fillClrLst>
+    <dgm:linClrLst meth="repeat">
+      <a:schemeClr val="accent1">
+        <a:alpha val="90000"/>
+        <a:tint val="40000"/>
+      </a:schemeClr>
+    </dgm:linClrLst>
+    <dgm:effectClrLst/>
+    <dgm:txLinClrLst/>
+    <dgm:txFillClrLst meth="repeat">
+      <a:schemeClr val="dk1"/>
+    </dgm:txFillClrLst>
+    <dgm:txEffectClrLst/>
+  </dgm:styleLbl>
+  <dgm:styleLbl name="alignAccFollowNode1">
+    <dgm:fillClrLst meth="repeat">
+      <a:schemeClr val="accent1">
+        <a:alpha val="90000"/>
+        <a:tint val="40000"/>
+      </a:schemeClr>
+    </dgm:fillClrLst>
+    <dgm:linClrLst meth="repeat">
+      <a:schemeClr val="accent1">
+        <a:alpha val="90000"/>
+        <a:tint val="40000"/>
+      </a:schemeClr>
+    </dgm:linClrLst>
+    <dgm:effectClrLst/>
+    <dgm:txLinClrLst/>
+    <dgm:txFillClrLst meth="repeat">
+      <a:schemeClr val="dk1"/>
+    </dgm:txFillClrLst>
+    <dgm:txEffectClrLst/>
+  </dgm:styleLbl>
+  <dgm:styleLbl name="bgAccFollowNode1">
+    <dgm:fillClrLst meth="repeat">
+      <a:schemeClr val="accent1">
+        <a:alpha val="90000"/>
+        <a:tint val="40000"/>
+      </a:schemeClr>
+    </dgm:fillClrLst>
+    <dgm:linClrLst meth="repeat">
+      <a:schemeClr val="accent1">
+        <a:alpha val="90000"/>
+        <a:tint val="40000"/>
+      </a:schemeClr>
+    </dgm:linClrLst>
+    <dgm:effectClrLst/>
+    <dgm:txLinClrLst/>
+    <dgm:txFillClrLst meth="repeat">
+      <a:schemeClr val="dk1"/>
+    </dgm:txFillClrLst>
+    <dgm:txEffectClrLst/>
+  </dgm:styleLbl>
+  <dgm:styleLbl name="fgAcc0">
+    <dgm:fillClrLst meth="repeat">
+      <a:schemeClr val="lt1">
+        <a:alpha val="90000"/>
+      </a:schemeClr>
+    </dgm:fillClrLst>
+    <dgm:linClrLst meth="repeat">
+      <a:schemeClr val="accent1"/>
+    </dgm:linClrLst>
+    <dgm:effectClrLst/>
+    <dgm:txLinClrLst/>
+    <dgm:txFillClrLst meth="repeat">
+      <a:schemeClr val="dk1"/>
+    </dgm:txFillClrLst>
+    <dgm:txEffectClrLst/>
+  </dgm:styleLbl>
+  <dgm:styleLbl name="fgAcc2">
+    <dgm:fillClrLst meth="repeat">
+      <a:schemeClr val="lt1">
+        <a:alpha val="90000"/>
+      </a:schemeClr>
+    </dgm:fillClrLst>
+    <dgm:linClrLst meth="repeat">
+      <a:schemeClr val="accent1"/>
+    </dgm:linClrLst>
+    <dgm:effectClrLst/>
+    <dgm:txLinClrLst/>
+    <dgm:txFillClrLst meth="repeat">
+      <a:schemeClr val="dk1"/>
+    </dgm:txFillClrLst>
+    <dgm:txEffectClrLst/>
+  </dgm:styleLbl>
+  <dgm:styleLbl name="fgAcc3">
+    <dgm:fillClrLst meth="repeat">
+      <a:schemeClr val="lt1">
+        <a:alpha val="90000"/>
+      </a:schemeClr>
+    </dgm:fillClrLst>
+    <dgm:linClrLst meth="repeat">
+      <a:schemeClr val="accent1"/>
+    </dgm:linClrLst>
+    <dgm:effectClrLst/>
+    <dgm:txLinClrLst/>
+    <dgm:txFillClrLst meth="repeat">
+      <a:schemeClr val="dk1"/>
+    </dgm:txFillClrLst>
+    <dgm:txEffectClrLst/>
+  </dgm:styleLbl>
+  <dgm:styleLbl name="fgAcc4">
+    <dgm:fillClrLst meth="repeat">
+      <a:schemeClr val="lt1">
+        <a:alpha val="90000"/>
+      </a:schemeClr>
+    </dgm:fillClrLst>
+    <dgm:linClrLst meth="repeat">
+      <a:schemeClr val="accent1"/>
+    </dgm:linClrLst>
+    <dgm:effectClrLst/>
+    <dgm:txLinClrLst/>
+    <dgm:txFillClrLst meth="repeat">
+      <a:schemeClr val="dk1"/>
+    </dgm:txFillClrLst>
+    <dgm:txEffectClrLst/>
+  </dgm:styleLbl>
+  <dgm:styleLbl name="bgShp">
+    <dgm:fillClrLst meth="repeat">
+      <a:schemeClr val="accent1">
+        <a:tint val="40000"/>
+      </a:schemeClr>
+    </dgm:fillClrLst>
+    <dgm:linClrLst meth="repeat">
+      <a:schemeClr val="accent1"/>
+    </dgm:linClrLst>
+    <dgm:effectClrLst/>
+    <dgm:txLinClrLst/>
+    <dgm:txFillClrLst meth="repeat">
+      <a:schemeClr val="dk1"/>
+    </dgm:txFillClrLst>
+    <dgm:txEffectClrLst/>
+  </dgm:styleLbl>
+  <dgm:styleLbl name="dkBgShp">
+    <dgm:fillClrLst meth="repeat">
+      <a:schemeClr val="accent1">
+        <a:shade val="80000"/>
+      </a:schemeClr>
+    </dgm:fillClrLst>
+    <dgm:linClrLst meth="repeat">
+      <a:schemeClr val="accent1"/>
+    </dgm:linClrLst>
+    <dgm:effectClrLst/>
+    <dgm:txLinClrLst/>
+    <dgm:txFillClrLst meth="repeat">
+      <a:schemeClr val="lt1"/>
+    </dgm:txFillClrLst>
+    <dgm:txEffectClrLst/>
+  </dgm:styleLbl>
+  <dgm:styleLbl name="trBgShp">
+    <dgm:fillClrLst meth="repeat">
+      <a:schemeClr val="accent1">
+        <a:tint val="50000"/>
+        <a:alpha val="40000"/>
+      </a:schemeClr>
+    </dgm:fillClrLst>
+    <dgm:linClrLst meth="repeat">
+      <a:schemeClr val="accent1"/>
+    </dgm:linClrLst>
+    <dgm:effectClrLst/>
+    <dgm:txLinClrLst/>
+    <dgm:txFillClrLst meth="repeat">
+      <a:schemeClr val="lt1"/>
+    </dgm:txFillClrLst>
+    <dgm:txEffectClrLst/>
+  </dgm:styleLbl>
+  <dgm:styleLbl name="fgShp">
+    <dgm:fillClrLst meth="repeat">
+      <a:schemeClr val="accent1">
+        <a:tint val="60000"/>
+      </a:schemeClr>
+    </dgm:fillClrLst>
+    <dgm:linClrLst meth="repeat">
+      <a:schemeClr val="lt1"/>
+    </dgm:linClrLst>
+    <dgm:effectClrLst/>
+    <dgm:txLinClrLst/>
+    <dgm:txFillClrLst meth="repeat">
+      <a:schemeClr val="dk1"/>
+    </dgm:txFillClrLst>
+    <dgm:txEffectClrLst/>
+  </dgm:styleLbl>
+  <dgm:styleLbl name="revTx">
+    <dgm:fillClrLst meth="repeat">
+      <a:schemeClr val="lt1">
+        <a:alpha val="0"/>
+      </a:schemeClr>
+    </dgm:fillClrLst>
+    <dgm:linClrLst meth="repeat">
+      <a:schemeClr val="dk1">
+        <a:alpha val="0"/>
+      </a:schemeClr>
+    </dgm:linClrLst>
+    <dgm:effectClrLst/>
+    <dgm:txLinClrLst/>
+    <dgm:txFillClrLst meth="repeat">
+      <a:schemeClr val="tx1"/>
+    </dgm:txFillClrLst>
+    <dgm:txEffectClrLst/>
+  </dgm:styleLbl>
+</dgm:colorsDef>
+</file>
+
+<file path=ppt/diagrams/data1.xml><?xml version="1.0" encoding="utf-8"?>
+<dgm:dataModel xmlns:dgm="http://schemas.openxmlformats.org/drawingml/2006/diagram" xmlns:a="http://schemas.openxmlformats.org/drawingml/2006/main">
+  <dgm:ptLst>
+    <dgm:pt modelId="{E45E0358-3D35-4F68-8FE3-06D65ADA9D61}" type="doc">
+      <dgm:prSet loTypeId="urn:microsoft.com/office/officeart/2018/2/layout/IconLabelList" loCatId="icon" qsTypeId="urn:microsoft.com/office/officeart/2005/8/quickstyle/simple1" qsCatId="simple" csTypeId="urn:microsoft.com/office/officeart/2005/8/colors/accent1_2" csCatId="accent1" phldr="1"/>
+      <dgm:spPr/>
+      <dgm:t>
+        <a:bodyPr/>
+        <a:lstStyle/>
+        <a:p>
+          <a:endParaRPr lang="en-US"/>
+        </a:p>
+      </dgm:t>
+    </dgm:pt>
+    <dgm:pt modelId="{F5D9F205-B357-41B0-836B-40DA770E7972}">
+      <dgm:prSet/>
+      <dgm:spPr/>
+      <dgm:t>
+        <a:bodyPr/>
+        <a:lstStyle/>
+        <a:p>
+          <a:pPr>
+            <a:lnSpc>
+              <a:spcPct val="100000"/>
+            </a:lnSpc>
+          </a:pPr>
+          <a:r>
+            <a:rPr lang="en-US"/>
+            <a:t>Average 3</a:t>
+          </a:r>
+          <a:r>
+            <a:rPr lang="en-US" baseline="30000"/>
+            <a:t>rd</a:t>
+          </a:r>
+          <a:r>
+            <a:rPr lang="en-US"/>
+            <a:t> Party Delivery sales increased from approximately $700/wk before the lockdown to around $5300/wk after</a:t>
+          </a:r>
+        </a:p>
+      </dgm:t>
+    </dgm:pt>
+    <dgm:pt modelId="{E4940EF8-B915-4452-A33E-5495409C76FB}" type="parTrans" cxnId="{FCBE5C81-54FE-4254-B1F7-C8672FE0B3B2}">
+      <dgm:prSet/>
+      <dgm:spPr/>
+      <dgm:t>
+        <a:bodyPr/>
+        <a:lstStyle/>
+        <a:p>
+          <a:endParaRPr lang="en-US"/>
+        </a:p>
+      </dgm:t>
+    </dgm:pt>
+    <dgm:pt modelId="{7BA43E16-3EF5-48B5-BDD3-3AAC17FCCA65}" type="sibTrans" cxnId="{FCBE5C81-54FE-4254-B1F7-C8672FE0B3B2}">
+      <dgm:prSet/>
+      <dgm:spPr/>
+      <dgm:t>
+        <a:bodyPr/>
+        <a:lstStyle/>
+        <a:p>
+          <a:endParaRPr lang="en-US"/>
+        </a:p>
+      </dgm:t>
+    </dgm:pt>
+    <dgm:pt modelId="{156EB04B-15F0-47F0-81E3-8B6F53666EE4}">
+      <dgm:prSet/>
+      <dgm:spPr/>
+      <dgm:t>
+        <a:bodyPr/>
+        <a:lstStyle/>
+        <a:p>
+          <a:pPr>
+            <a:lnSpc>
+              <a:spcPct val="100000"/>
+            </a:lnSpc>
+          </a:pPr>
+          <a:r>
+            <a:rPr lang="en-US"/>
+            <a:t>Tradition Drive-Thru Average has increased by $20,000/wk</a:t>
+          </a:r>
+        </a:p>
+      </dgm:t>
+    </dgm:pt>
+    <dgm:pt modelId="{7C2DCE6A-3EC3-4CD7-B9B8-44C9B39487DD}" type="parTrans" cxnId="{ECE10447-1685-4B49-9FC1-FCF0163C1EB5}">
+      <dgm:prSet/>
+      <dgm:spPr/>
+      <dgm:t>
+        <a:bodyPr/>
+        <a:lstStyle/>
+        <a:p>
+          <a:endParaRPr lang="en-US"/>
+        </a:p>
+      </dgm:t>
+    </dgm:pt>
+    <dgm:pt modelId="{139FFA1C-B6AE-4901-9F24-088284D19331}" type="sibTrans" cxnId="{ECE10447-1685-4B49-9FC1-FCF0163C1EB5}">
+      <dgm:prSet/>
+      <dgm:spPr/>
+      <dgm:t>
+        <a:bodyPr/>
+        <a:lstStyle/>
+        <a:p>
+          <a:endParaRPr lang="en-US"/>
+        </a:p>
+      </dgm:t>
+    </dgm:pt>
+    <dgm:pt modelId="{966BA51C-1EF2-48AE-B3B9-11787766C28D}">
+      <dgm:prSet/>
+      <dgm:spPr/>
+      <dgm:t>
+        <a:bodyPr/>
+        <a:lstStyle/>
+        <a:p>
+          <a:pPr>
+            <a:lnSpc>
+              <a:spcPct val="100000"/>
+            </a:lnSpc>
+          </a:pPr>
+          <a:r>
+            <a:rPr lang="en-US" dirty="0"/>
+            <a:t>Mobile Drive-Thru Average has tripled</a:t>
+          </a:r>
+        </a:p>
+      </dgm:t>
+    </dgm:pt>
+    <dgm:pt modelId="{FBD185D0-31D1-4E61-BC50-7C7ACEFE664C}" type="parTrans" cxnId="{9EDDB00F-B03E-464F-A8F8-73346286612F}">
+      <dgm:prSet/>
+      <dgm:spPr/>
+      <dgm:t>
+        <a:bodyPr/>
+        <a:lstStyle/>
+        <a:p>
+          <a:endParaRPr lang="en-US"/>
+        </a:p>
+      </dgm:t>
+    </dgm:pt>
+    <dgm:pt modelId="{2F837BE8-49DB-4DE4-85B0-CCA4D49E4776}" type="sibTrans" cxnId="{9EDDB00F-B03E-464F-A8F8-73346286612F}">
+      <dgm:prSet/>
+      <dgm:spPr/>
+      <dgm:t>
+        <a:bodyPr/>
+        <a:lstStyle/>
+        <a:p>
+          <a:endParaRPr lang="en-US"/>
+        </a:p>
+      </dgm:t>
+    </dgm:pt>
+    <dgm:pt modelId="{9A23B142-8BCC-49CA-BF42-A8EF059E426D}">
+      <dgm:prSet/>
+      <dgm:spPr/>
+      <dgm:t>
+        <a:bodyPr/>
+        <a:lstStyle/>
+        <a:p>
+          <a:pPr>
+            <a:lnSpc>
+              <a:spcPct val="100000"/>
+            </a:lnSpc>
+          </a:pPr>
+          <a:r>
+            <a:rPr lang="en-US"/>
+            <a:t>Productivity finished above average</a:t>
+          </a:r>
+        </a:p>
+      </dgm:t>
+    </dgm:pt>
+    <dgm:pt modelId="{4163572D-D22A-4465-84FA-E53DE77A8E32}" type="parTrans" cxnId="{1CE60FB7-0576-4385-B9F3-029E106B7C28}">
+      <dgm:prSet/>
+      <dgm:spPr/>
+      <dgm:t>
+        <a:bodyPr/>
+        <a:lstStyle/>
+        <a:p>
+          <a:endParaRPr lang="en-US"/>
+        </a:p>
+      </dgm:t>
+    </dgm:pt>
+    <dgm:pt modelId="{D957BEE6-9D7A-4839-9570-60C09EE375C7}" type="sibTrans" cxnId="{1CE60FB7-0576-4385-B9F3-029E106B7C28}">
+      <dgm:prSet/>
+      <dgm:spPr/>
+      <dgm:t>
+        <a:bodyPr/>
+        <a:lstStyle/>
+        <a:p>
+          <a:endParaRPr lang="en-US"/>
+        </a:p>
+      </dgm:t>
+    </dgm:pt>
+    <dgm:pt modelId="{B7F8F85D-25E4-4D72-AD62-F70E1777F484}">
+      <dgm:prSet/>
+      <dgm:spPr/>
+      <dgm:t>
+        <a:bodyPr/>
+        <a:lstStyle/>
+        <a:p>
+          <a:pPr>
+            <a:lnSpc>
+              <a:spcPct val="100000"/>
+            </a:lnSpc>
+          </a:pPr>
+          <a:r>
+            <a:rPr lang="en-US"/>
+            <a:t>Overall, Mobile and 3</a:t>
+          </a:r>
+          <a:r>
+            <a:rPr lang="en-US" baseline="30000"/>
+            <a:t>rd</a:t>
+          </a:r>
+          <a:r>
+            <a:rPr lang="en-US"/>
+            <a:t> party ordering have increased significantly in popularity</a:t>
+          </a:r>
+        </a:p>
+      </dgm:t>
+    </dgm:pt>
+    <dgm:pt modelId="{6556D496-71FE-4A25-A9E0-2273D429A93C}" type="parTrans" cxnId="{4224B93A-9C42-4AC9-A587-092A08D3235F}">
+      <dgm:prSet/>
+      <dgm:spPr/>
+      <dgm:t>
+        <a:bodyPr/>
+        <a:lstStyle/>
+        <a:p>
+          <a:endParaRPr lang="en-US"/>
+        </a:p>
+      </dgm:t>
+    </dgm:pt>
+    <dgm:pt modelId="{D2DD837C-D27E-4593-BE16-F8935CE60A4C}" type="sibTrans" cxnId="{4224B93A-9C42-4AC9-A587-092A08D3235F}">
+      <dgm:prSet/>
+      <dgm:spPr/>
+      <dgm:t>
+        <a:bodyPr/>
+        <a:lstStyle/>
+        <a:p>
+          <a:endParaRPr lang="en-US"/>
+        </a:p>
+      </dgm:t>
+    </dgm:pt>
+    <dgm:pt modelId="{D79F15FC-459B-4B08-A845-A1205E01834F}" type="pres">
+      <dgm:prSet presAssocID="{E45E0358-3D35-4F68-8FE3-06D65ADA9D61}" presName="root" presStyleCnt="0">
+        <dgm:presLayoutVars>
+          <dgm:dir/>
+          <dgm:resizeHandles val="exact"/>
+        </dgm:presLayoutVars>
+      </dgm:prSet>
+      <dgm:spPr/>
+    </dgm:pt>
+    <dgm:pt modelId="{3B773119-C417-4331-999D-60B92BE70791}" type="pres">
+      <dgm:prSet presAssocID="{F5D9F205-B357-41B0-836B-40DA770E7972}" presName="compNode" presStyleCnt="0"/>
+      <dgm:spPr/>
+    </dgm:pt>
+    <dgm:pt modelId="{5312FF78-1E44-4D3A-AAD4-9A350872CC8E}" type="pres">
+      <dgm:prSet presAssocID="{F5D9F205-B357-41B0-836B-40DA770E7972}" presName="iconRect" presStyleLbl="node1" presStyleIdx="0" presStyleCnt="5"/>
+      <dgm:spPr>
+        <a:blipFill>
+          <a:blip xmlns:r="http://schemas.openxmlformats.org/officeDocument/2006/relationships" r:embed="rId1">
+            <a:extLst>
+              <a:ext uri="{28A0092B-C50C-407E-A947-70E740481C1C}">
+                <a14:useLocalDpi xmlns:a14="http://schemas.microsoft.com/office/drawing/2010/main" val="0"/>
+              </a:ext>
+              <a:ext uri="{96DAC541-7B7A-43D3-8B79-37D633B846F1}">
+                <asvg:svgBlip xmlns:asvg="http://schemas.microsoft.com/office/drawing/2016/SVG/main" r:embed="rId2"/>
+              </a:ext>
+            </a:extLst>
+          </a:blip>
+          <a:stretch>
+            <a:fillRect/>
+          </a:stretch>
+        </a:blipFill>
+      </dgm:spPr>
+      <dgm:extLst>
+        <a:ext uri="{E40237B7-FDA0-4F09-8148-C483321AD2D9}">
+          <dgm14:cNvPr xmlns:dgm14="http://schemas.microsoft.com/office/drawing/2010/diagram" id="0" name="" descr="Dollar"/>
+        </a:ext>
+      </dgm:extLst>
+    </dgm:pt>
+    <dgm:pt modelId="{41CFE788-E78F-42E8-B93D-6021B9EF03E0}" type="pres">
+      <dgm:prSet presAssocID="{F5D9F205-B357-41B0-836B-40DA770E7972}" presName="spaceRect" presStyleCnt="0"/>
+      <dgm:spPr/>
+    </dgm:pt>
+    <dgm:pt modelId="{09895E1D-3E9D-4FF8-853C-573839BAB6BD}" type="pres">
+      <dgm:prSet presAssocID="{F5D9F205-B357-41B0-836B-40DA770E7972}" presName="textRect" presStyleLbl="revTx" presStyleIdx="0" presStyleCnt="5">
+        <dgm:presLayoutVars>
+          <dgm:chMax val="1"/>
+          <dgm:chPref val="1"/>
+        </dgm:presLayoutVars>
+      </dgm:prSet>
+      <dgm:spPr/>
+    </dgm:pt>
+    <dgm:pt modelId="{E6941936-66E8-40EA-B420-BFD122FC6BE0}" type="pres">
+      <dgm:prSet presAssocID="{7BA43E16-3EF5-48B5-BDD3-3AAC17FCCA65}" presName="sibTrans" presStyleCnt="0"/>
+      <dgm:spPr/>
+    </dgm:pt>
+    <dgm:pt modelId="{601FC83A-BA86-47B8-BD08-B2B68F6EF3CF}" type="pres">
+      <dgm:prSet presAssocID="{156EB04B-15F0-47F0-81E3-8B6F53666EE4}" presName="compNode" presStyleCnt="0"/>
+      <dgm:spPr/>
+    </dgm:pt>
+    <dgm:pt modelId="{DCEECE4F-E1AA-46BD-83BE-B8459F42E619}" type="pres">
+      <dgm:prSet presAssocID="{156EB04B-15F0-47F0-81E3-8B6F53666EE4}" presName="iconRect" presStyleLbl="node1" presStyleIdx="1" presStyleCnt="5"/>
+      <dgm:spPr>
+        <a:blipFill>
+          <a:blip xmlns:r="http://schemas.openxmlformats.org/officeDocument/2006/relationships" r:embed="rId3">
+            <a:extLst>
+              <a:ext uri="{28A0092B-C50C-407E-A947-70E740481C1C}">
+                <a14:useLocalDpi xmlns:a14="http://schemas.microsoft.com/office/drawing/2010/main" val="0"/>
+              </a:ext>
+              <a:ext uri="{96DAC541-7B7A-43D3-8B79-37D633B846F1}">
+                <asvg:svgBlip xmlns:asvg="http://schemas.microsoft.com/office/drawing/2016/SVG/main" r:embed="rId4"/>
+              </a:ext>
+            </a:extLst>
+          </a:blip>
+          <a:stretch>
+            <a:fillRect/>
+          </a:stretch>
+        </a:blipFill>
+      </dgm:spPr>
+      <dgm:extLst>
+        <a:ext uri="{E40237B7-FDA0-4F09-8148-C483321AD2D9}">
+          <dgm14:cNvPr xmlns:dgm14="http://schemas.microsoft.com/office/drawing/2010/diagram" id="0" name="" descr="Car"/>
+        </a:ext>
+      </dgm:extLst>
+    </dgm:pt>
+    <dgm:pt modelId="{5DFCCE68-99A8-4988-8B9E-5C32507C4F58}" type="pres">
+      <dgm:prSet presAssocID="{156EB04B-15F0-47F0-81E3-8B6F53666EE4}" presName="spaceRect" presStyleCnt="0"/>
+      <dgm:spPr/>
+    </dgm:pt>
+    <dgm:pt modelId="{EAC2B2D1-A89E-4A52-BF1B-9B1485F8735A}" type="pres">
+      <dgm:prSet presAssocID="{156EB04B-15F0-47F0-81E3-8B6F53666EE4}" presName="textRect" presStyleLbl="revTx" presStyleIdx="1" presStyleCnt="5">
+        <dgm:presLayoutVars>
+          <dgm:chMax val="1"/>
+          <dgm:chPref val="1"/>
+        </dgm:presLayoutVars>
+      </dgm:prSet>
+      <dgm:spPr/>
+    </dgm:pt>
+    <dgm:pt modelId="{285DA4E2-4D72-4A39-9A69-9DA3B5CCF454}" type="pres">
+      <dgm:prSet presAssocID="{139FFA1C-B6AE-4901-9F24-088284D19331}" presName="sibTrans" presStyleCnt="0"/>
+      <dgm:spPr/>
+    </dgm:pt>
+    <dgm:pt modelId="{E379774D-1DA1-407B-AF4D-1A5E9AFB9704}" type="pres">
+      <dgm:prSet presAssocID="{966BA51C-1EF2-48AE-B3B9-11787766C28D}" presName="compNode" presStyleCnt="0"/>
+      <dgm:spPr/>
+    </dgm:pt>
+    <dgm:pt modelId="{F96AAB75-B601-4BCB-95FE-5303E10F9B72}" type="pres">
+      <dgm:prSet presAssocID="{966BA51C-1EF2-48AE-B3B9-11787766C28D}" presName="iconRect" presStyleLbl="node1" presStyleIdx="2" presStyleCnt="5"/>
+      <dgm:spPr>
+        <a:blipFill>
+          <a:blip xmlns:r="http://schemas.openxmlformats.org/officeDocument/2006/relationships" r:embed="rId5">
+            <a:extLst>
+              <a:ext uri="{28A0092B-C50C-407E-A947-70E740481C1C}">
+                <a14:useLocalDpi xmlns:a14="http://schemas.microsoft.com/office/drawing/2010/main" val="0"/>
+              </a:ext>
+              <a:ext uri="{96DAC541-7B7A-43D3-8B79-37D633B846F1}">
+                <asvg:svgBlip xmlns:asvg="http://schemas.microsoft.com/office/drawing/2016/SVG/main" r:embed="rId6"/>
+              </a:ext>
+            </a:extLst>
+          </a:blip>
+          <a:stretch>
+            <a:fillRect/>
+          </a:stretch>
+        </a:blipFill>
+      </dgm:spPr>
+      <dgm:extLst>
+        <a:ext uri="{E40237B7-FDA0-4F09-8148-C483321AD2D9}">
+          <dgm14:cNvPr xmlns:dgm14="http://schemas.microsoft.com/office/drawing/2010/diagram" id="0" name="" descr="Smart Phone"/>
+        </a:ext>
+      </dgm:extLst>
+    </dgm:pt>
+    <dgm:pt modelId="{01BAC916-FBC3-418D-B532-A95AEACD78C4}" type="pres">
+      <dgm:prSet presAssocID="{966BA51C-1EF2-48AE-B3B9-11787766C28D}" presName="spaceRect" presStyleCnt="0"/>
+      <dgm:spPr/>
+    </dgm:pt>
+    <dgm:pt modelId="{1E97DAFE-A829-40CA-A851-003819C63B26}" type="pres">
+      <dgm:prSet presAssocID="{966BA51C-1EF2-48AE-B3B9-11787766C28D}" presName="textRect" presStyleLbl="revTx" presStyleIdx="2" presStyleCnt="5">
+        <dgm:presLayoutVars>
+          <dgm:chMax val="1"/>
+          <dgm:chPref val="1"/>
+        </dgm:presLayoutVars>
+      </dgm:prSet>
+      <dgm:spPr/>
+    </dgm:pt>
+    <dgm:pt modelId="{45975910-4BAD-4B97-8AFA-022CD2B5D945}" type="pres">
+      <dgm:prSet presAssocID="{2F837BE8-49DB-4DE4-85B0-CCA4D49E4776}" presName="sibTrans" presStyleCnt="0"/>
+      <dgm:spPr/>
+    </dgm:pt>
+    <dgm:pt modelId="{EF2D21E1-8B26-4726-A2E3-8A4DACC7D491}" type="pres">
+      <dgm:prSet presAssocID="{9A23B142-8BCC-49CA-BF42-A8EF059E426D}" presName="compNode" presStyleCnt="0"/>
+      <dgm:spPr/>
+    </dgm:pt>
+    <dgm:pt modelId="{F5F6B3FC-CB23-468C-B71A-8BC8D0E3BA75}" type="pres">
+      <dgm:prSet presAssocID="{9A23B142-8BCC-49CA-BF42-A8EF059E426D}" presName="iconRect" presStyleLbl="node1" presStyleIdx="3" presStyleCnt="5"/>
+      <dgm:spPr>
+        <a:blipFill>
+          <a:blip xmlns:r="http://schemas.openxmlformats.org/officeDocument/2006/relationships" r:embed="rId7">
+            <a:extLst>
+              <a:ext uri="{28A0092B-C50C-407E-A947-70E740481C1C}">
+                <a14:useLocalDpi xmlns:a14="http://schemas.microsoft.com/office/drawing/2010/main" val="0"/>
+              </a:ext>
+              <a:ext uri="{96DAC541-7B7A-43D3-8B79-37D633B846F1}">
+                <asvg:svgBlip xmlns:asvg="http://schemas.microsoft.com/office/drawing/2016/SVG/main" r:embed="rId8"/>
+              </a:ext>
+            </a:extLst>
+          </a:blip>
+          <a:stretch>
+            <a:fillRect/>
+          </a:stretch>
+        </a:blipFill>
+      </dgm:spPr>
+      <dgm:extLst>
+        <a:ext uri="{E40237B7-FDA0-4F09-8148-C483321AD2D9}">
+          <dgm14:cNvPr xmlns:dgm14="http://schemas.microsoft.com/office/drawing/2010/diagram" id="0" name="" descr="Upward trend"/>
+        </a:ext>
+      </dgm:extLst>
+    </dgm:pt>
+    <dgm:pt modelId="{8E3122B9-77B2-4E04-99F9-C98AAD7D55A3}" type="pres">
+      <dgm:prSet presAssocID="{9A23B142-8BCC-49CA-BF42-A8EF059E426D}" presName="spaceRect" presStyleCnt="0"/>
+      <dgm:spPr/>
+    </dgm:pt>
+    <dgm:pt modelId="{3E696DDE-5FB6-4408-9A23-2CE13B4DA3C1}" type="pres">
+      <dgm:prSet presAssocID="{9A23B142-8BCC-49CA-BF42-A8EF059E426D}" presName="textRect" presStyleLbl="revTx" presStyleIdx="3" presStyleCnt="5">
+        <dgm:presLayoutVars>
+          <dgm:chMax val="1"/>
+          <dgm:chPref val="1"/>
+        </dgm:presLayoutVars>
+      </dgm:prSet>
+      <dgm:spPr/>
+    </dgm:pt>
+    <dgm:pt modelId="{C87DB334-EBD9-4926-B4C7-D49376941CFD}" type="pres">
+      <dgm:prSet presAssocID="{D957BEE6-9D7A-4839-9570-60C09EE375C7}" presName="sibTrans" presStyleCnt="0"/>
+      <dgm:spPr/>
+    </dgm:pt>
+    <dgm:pt modelId="{AA8E66CD-20E4-4CFD-81F2-E462538C605F}" type="pres">
+      <dgm:prSet presAssocID="{B7F8F85D-25E4-4D72-AD62-F70E1777F484}" presName="compNode" presStyleCnt="0"/>
+      <dgm:spPr/>
+    </dgm:pt>
+    <dgm:pt modelId="{C98EEC52-3F64-4E27-98B2-08740D36CA5D}" type="pres">
+      <dgm:prSet presAssocID="{B7F8F85D-25E4-4D72-AD62-F70E1777F484}" presName="iconRect" presStyleLbl="node1" presStyleIdx="4" presStyleCnt="5"/>
+      <dgm:spPr>
+        <a:blipFill>
+          <a:blip xmlns:r="http://schemas.openxmlformats.org/officeDocument/2006/relationships" r:embed="rId9">
+            <a:extLst>
+              <a:ext uri="{28A0092B-C50C-407E-A947-70E740481C1C}">
+                <a14:useLocalDpi xmlns:a14="http://schemas.microsoft.com/office/drawing/2010/main" val="0"/>
+              </a:ext>
+              <a:ext uri="{96DAC541-7B7A-43D3-8B79-37D633B846F1}">
+                <asvg:svgBlip xmlns:asvg="http://schemas.microsoft.com/office/drawing/2016/SVG/main" r:embed="rId10"/>
+              </a:ext>
+            </a:extLst>
+          </a:blip>
+          <a:stretch>
+            <a:fillRect/>
+          </a:stretch>
+        </a:blipFill>
+      </dgm:spPr>
+      <dgm:extLst>
+        <a:ext uri="{E40237B7-FDA0-4F09-8148-C483321AD2D9}">
+          <dgm14:cNvPr xmlns:dgm14="http://schemas.microsoft.com/office/drawing/2010/diagram" id="0" name="" descr="Tablet"/>
+        </a:ext>
+      </dgm:extLst>
+    </dgm:pt>
+    <dgm:pt modelId="{9F0964B0-D69E-4851-8160-5190A5E95A01}" type="pres">
+      <dgm:prSet presAssocID="{B7F8F85D-25E4-4D72-AD62-F70E1777F484}" presName="spaceRect" presStyleCnt="0"/>
+      <dgm:spPr/>
+    </dgm:pt>
+    <dgm:pt modelId="{AB861A12-067C-4242-909F-CAF019AB0A54}" type="pres">
+      <dgm:prSet presAssocID="{B7F8F85D-25E4-4D72-AD62-F70E1777F484}" presName="textRect" presStyleLbl="revTx" presStyleIdx="4" presStyleCnt="5">
+        <dgm:presLayoutVars>
+          <dgm:chMax val="1"/>
+          <dgm:chPref val="1"/>
+        </dgm:presLayoutVars>
+      </dgm:prSet>
+      <dgm:spPr/>
+    </dgm:pt>
+  </dgm:ptLst>
+  <dgm:cxnLst>
+    <dgm:cxn modelId="{7B290409-E961-4BB7-A9CD-AA4340DF8198}" type="presOf" srcId="{9A23B142-8BCC-49CA-BF42-A8EF059E426D}" destId="{3E696DDE-5FB6-4408-9A23-2CE13B4DA3C1}" srcOrd="0" destOrd="0" presId="urn:microsoft.com/office/officeart/2018/2/layout/IconLabelList"/>
+    <dgm:cxn modelId="{9EDDB00F-B03E-464F-A8F8-73346286612F}" srcId="{E45E0358-3D35-4F68-8FE3-06D65ADA9D61}" destId="{966BA51C-1EF2-48AE-B3B9-11787766C28D}" srcOrd="2" destOrd="0" parTransId="{FBD185D0-31D1-4E61-BC50-7C7ACEFE664C}" sibTransId="{2F837BE8-49DB-4DE4-85B0-CCA4D49E4776}"/>
+    <dgm:cxn modelId="{4224B93A-9C42-4AC9-A587-092A08D3235F}" srcId="{E45E0358-3D35-4F68-8FE3-06D65ADA9D61}" destId="{B7F8F85D-25E4-4D72-AD62-F70E1777F484}" srcOrd="4" destOrd="0" parTransId="{6556D496-71FE-4A25-A9E0-2273D429A93C}" sibTransId="{D2DD837C-D27E-4593-BE16-F8935CE60A4C}"/>
+    <dgm:cxn modelId="{5D6E8B3C-3CE3-4F89-AA09-664C99207830}" type="presOf" srcId="{156EB04B-15F0-47F0-81E3-8B6F53666EE4}" destId="{EAC2B2D1-A89E-4A52-BF1B-9B1485F8735A}" srcOrd="0" destOrd="0" presId="urn:microsoft.com/office/officeart/2018/2/layout/IconLabelList"/>
+    <dgm:cxn modelId="{ECE10447-1685-4B49-9FC1-FCF0163C1EB5}" srcId="{E45E0358-3D35-4F68-8FE3-06D65ADA9D61}" destId="{156EB04B-15F0-47F0-81E3-8B6F53666EE4}" srcOrd="1" destOrd="0" parTransId="{7C2DCE6A-3EC3-4CD7-B9B8-44C9B39487DD}" sibTransId="{139FFA1C-B6AE-4901-9F24-088284D19331}"/>
+    <dgm:cxn modelId="{8B99C75E-D86E-4741-B8C9-8659512A52A0}" type="presOf" srcId="{B7F8F85D-25E4-4D72-AD62-F70E1777F484}" destId="{AB861A12-067C-4242-909F-CAF019AB0A54}" srcOrd="0" destOrd="0" presId="urn:microsoft.com/office/officeart/2018/2/layout/IconLabelList"/>
+    <dgm:cxn modelId="{8DC3BA6B-7AF5-4645-801A-FDA222345522}" type="presOf" srcId="{966BA51C-1EF2-48AE-B3B9-11787766C28D}" destId="{1E97DAFE-A829-40CA-A851-003819C63B26}" srcOrd="0" destOrd="0" presId="urn:microsoft.com/office/officeart/2018/2/layout/IconLabelList"/>
+    <dgm:cxn modelId="{0FA11170-4B50-4113-974D-31FA4D39ACEB}" type="presOf" srcId="{F5D9F205-B357-41B0-836B-40DA770E7972}" destId="{09895E1D-3E9D-4FF8-853C-573839BAB6BD}" srcOrd="0" destOrd="0" presId="urn:microsoft.com/office/officeart/2018/2/layout/IconLabelList"/>
+    <dgm:cxn modelId="{FCBE5C81-54FE-4254-B1F7-C8672FE0B3B2}" srcId="{E45E0358-3D35-4F68-8FE3-06D65ADA9D61}" destId="{F5D9F205-B357-41B0-836B-40DA770E7972}" srcOrd="0" destOrd="0" parTransId="{E4940EF8-B915-4452-A33E-5495409C76FB}" sibTransId="{7BA43E16-3EF5-48B5-BDD3-3AAC17FCCA65}"/>
+    <dgm:cxn modelId="{E79E8B85-AEC2-46B2-92BD-E61E2A678F78}" type="presOf" srcId="{E45E0358-3D35-4F68-8FE3-06D65ADA9D61}" destId="{D79F15FC-459B-4B08-A845-A1205E01834F}" srcOrd="0" destOrd="0" presId="urn:microsoft.com/office/officeart/2018/2/layout/IconLabelList"/>
+    <dgm:cxn modelId="{1CE60FB7-0576-4385-B9F3-029E106B7C28}" srcId="{E45E0358-3D35-4F68-8FE3-06D65ADA9D61}" destId="{9A23B142-8BCC-49CA-BF42-A8EF059E426D}" srcOrd="3" destOrd="0" parTransId="{4163572D-D22A-4465-84FA-E53DE77A8E32}" sibTransId="{D957BEE6-9D7A-4839-9570-60C09EE375C7}"/>
+    <dgm:cxn modelId="{EF4C394F-7575-4ECE-A80A-503E90A1226F}" type="presParOf" srcId="{D79F15FC-459B-4B08-A845-A1205E01834F}" destId="{3B773119-C417-4331-999D-60B92BE70791}" srcOrd="0" destOrd="0" presId="urn:microsoft.com/office/officeart/2018/2/layout/IconLabelList"/>
+    <dgm:cxn modelId="{64EE7541-1BA8-422F-A74F-D5400E27DCE6}" type="presParOf" srcId="{3B773119-C417-4331-999D-60B92BE70791}" destId="{5312FF78-1E44-4D3A-AAD4-9A350872CC8E}" srcOrd="0" destOrd="0" presId="urn:microsoft.com/office/officeart/2018/2/layout/IconLabelList"/>
+    <dgm:cxn modelId="{39949185-378F-41BE-B338-63C439515620}" type="presParOf" srcId="{3B773119-C417-4331-999D-60B92BE70791}" destId="{41CFE788-E78F-42E8-B93D-6021B9EF03E0}" srcOrd="1" destOrd="0" presId="urn:microsoft.com/office/officeart/2018/2/layout/IconLabelList"/>
+    <dgm:cxn modelId="{7EA1CD1F-D303-44BE-A1A0-8D3A062B915D}" type="presParOf" srcId="{3B773119-C417-4331-999D-60B92BE70791}" destId="{09895E1D-3E9D-4FF8-853C-573839BAB6BD}" srcOrd="2" destOrd="0" presId="urn:microsoft.com/office/officeart/2018/2/layout/IconLabelList"/>
+    <dgm:cxn modelId="{C76139C7-19FB-48CE-9AD6-197055CA201E}" type="presParOf" srcId="{D79F15FC-459B-4B08-A845-A1205E01834F}" destId="{E6941936-66E8-40EA-B420-BFD122FC6BE0}" srcOrd="1" destOrd="0" presId="urn:microsoft.com/office/officeart/2018/2/layout/IconLabelList"/>
+    <dgm:cxn modelId="{98AF6849-6767-4C69-BB8C-C05A86AD884E}" type="presParOf" srcId="{D79F15FC-459B-4B08-A845-A1205E01834F}" destId="{601FC83A-BA86-47B8-BD08-B2B68F6EF3CF}" srcOrd="2" destOrd="0" presId="urn:microsoft.com/office/officeart/2018/2/layout/IconLabelList"/>
+    <dgm:cxn modelId="{6DC26A85-77DD-4AF3-84EE-9D63E71E850B}" type="presParOf" srcId="{601FC83A-BA86-47B8-BD08-B2B68F6EF3CF}" destId="{DCEECE4F-E1AA-46BD-83BE-B8459F42E619}" srcOrd="0" destOrd="0" presId="urn:microsoft.com/office/officeart/2018/2/layout/IconLabelList"/>
+    <dgm:cxn modelId="{8D39EA97-E5F9-4215-A054-20F57A49C01E}" type="presParOf" srcId="{601FC83A-BA86-47B8-BD08-B2B68F6EF3CF}" destId="{5DFCCE68-99A8-4988-8B9E-5C32507C4F58}" srcOrd="1" destOrd="0" presId="urn:microsoft.com/office/officeart/2018/2/layout/IconLabelList"/>
+    <dgm:cxn modelId="{001E6B08-674F-49F6-BB43-FB72B5033946}" type="presParOf" srcId="{601FC83A-BA86-47B8-BD08-B2B68F6EF3CF}" destId="{EAC2B2D1-A89E-4A52-BF1B-9B1485F8735A}" srcOrd="2" destOrd="0" presId="urn:microsoft.com/office/officeart/2018/2/layout/IconLabelList"/>
+    <dgm:cxn modelId="{6932DCAE-D8D5-49F0-97FC-BFE9AD6C7194}" type="presParOf" srcId="{D79F15FC-459B-4B08-A845-A1205E01834F}" destId="{285DA4E2-4D72-4A39-9A69-9DA3B5CCF454}" srcOrd="3" destOrd="0" presId="urn:microsoft.com/office/officeart/2018/2/layout/IconLabelList"/>
+    <dgm:cxn modelId="{F4CDA868-EAB8-4C68-A795-39F37B819939}" type="presParOf" srcId="{D79F15FC-459B-4B08-A845-A1205E01834F}" destId="{E379774D-1DA1-407B-AF4D-1A5E9AFB9704}" srcOrd="4" destOrd="0" presId="urn:microsoft.com/office/officeart/2018/2/layout/IconLabelList"/>
+    <dgm:cxn modelId="{7AD15E5B-575F-4972-AA7A-C7DE4AEFD3A8}" type="presParOf" srcId="{E379774D-1DA1-407B-AF4D-1A5E9AFB9704}" destId="{F96AAB75-B601-4BCB-95FE-5303E10F9B72}" srcOrd="0" destOrd="0" presId="urn:microsoft.com/office/officeart/2018/2/layout/IconLabelList"/>
+    <dgm:cxn modelId="{8EE8C78A-3904-4752-BA28-604E4FABD8E3}" type="presParOf" srcId="{E379774D-1DA1-407B-AF4D-1A5E9AFB9704}" destId="{01BAC916-FBC3-418D-B532-A95AEACD78C4}" srcOrd="1" destOrd="0" presId="urn:microsoft.com/office/officeart/2018/2/layout/IconLabelList"/>
+    <dgm:cxn modelId="{4C992140-01B1-4995-AEDB-D9A6F1401A29}" type="presParOf" srcId="{E379774D-1DA1-407B-AF4D-1A5E9AFB9704}" destId="{1E97DAFE-A829-40CA-A851-003819C63B26}" srcOrd="2" destOrd="0" presId="urn:microsoft.com/office/officeart/2018/2/layout/IconLabelList"/>
+    <dgm:cxn modelId="{34B86772-B02D-4EB9-B42F-FEF4C369C202}" type="presParOf" srcId="{D79F15FC-459B-4B08-A845-A1205E01834F}" destId="{45975910-4BAD-4B97-8AFA-022CD2B5D945}" srcOrd="5" destOrd="0" presId="urn:microsoft.com/office/officeart/2018/2/layout/IconLabelList"/>
+    <dgm:cxn modelId="{66510301-5175-4E11-824D-2B1753DEAFF8}" type="presParOf" srcId="{D79F15FC-459B-4B08-A845-A1205E01834F}" destId="{EF2D21E1-8B26-4726-A2E3-8A4DACC7D491}" srcOrd="6" destOrd="0" presId="urn:microsoft.com/office/officeart/2018/2/layout/IconLabelList"/>
+    <dgm:cxn modelId="{AC37A2BF-6962-48C3-8A0C-9B104630D654}" type="presParOf" srcId="{EF2D21E1-8B26-4726-A2E3-8A4DACC7D491}" destId="{F5F6B3FC-CB23-468C-B71A-8BC8D0E3BA75}" srcOrd="0" destOrd="0" presId="urn:microsoft.com/office/officeart/2018/2/layout/IconLabelList"/>
+    <dgm:cxn modelId="{70CF38A6-ABDA-499F-BD1C-38E9061B47B7}" type="presParOf" srcId="{EF2D21E1-8B26-4726-A2E3-8A4DACC7D491}" destId="{8E3122B9-77B2-4E04-99F9-C98AAD7D55A3}" srcOrd="1" destOrd="0" presId="urn:microsoft.com/office/officeart/2018/2/layout/IconLabelList"/>
+    <dgm:cxn modelId="{0A04ACC3-9634-41EB-A7EE-73FCC6CF662F}" type="presParOf" srcId="{EF2D21E1-8B26-4726-A2E3-8A4DACC7D491}" destId="{3E696DDE-5FB6-4408-9A23-2CE13B4DA3C1}" srcOrd="2" destOrd="0" presId="urn:microsoft.com/office/officeart/2018/2/layout/IconLabelList"/>
+    <dgm:cxn modelId="{63016B26-EDAA-4A50-B462-A50CAEF865E8}" type="presParOf" srcId="{D79F15FC-459B-4B08-A845-A1205E01834F}" destId="{C87DB334-EBD9-4926-B4C7-D49376941CFD}" srcOrd="7" destOrd="0" presId="urn:microsoft.com/office/officeart/2018/2/layout/IconLabelList"/>
+    <dgm:cxn modelId="{796DE13A-488D-4694-8C47-4C64B1774A96}" type="presParOf" srcId="{D79F15FC-459B-4B08-A845-A1205E01834F}" destId="{AA8E66CD-20E4-4CFD-81F2-E462538C605F}" srcOrd="8" destOrd="0" presId="urn:microsoft.com/office/officeart/2018/2/layout/IconLabelList"/>
+    <dgm:cxn modelId="{567AFA4F-A108-4E60-B77E-4D64C1BDB281}" type="presParOf" srcId="{AA8E66CD-20E4-4CFD-81F2-E462538C605F}" destId="{C98EEC52-3F64-4E27-98B2-08740D36CA5D}" srcOrd="0" destOrd="0" presId="urn:microsoft.com/office/officeart/2018/2/layout/IconLabelList"/>
+    <dgm:cxn modelId="{5D8D80C0-E308-46FC-BFA6-2CC1D7064FD7}" type="presParOf" srcId="{AA8E66CD-20E4-4CFD-81F2-E462538C605F}" destId="{9F0964B0-D69E-4851-8160-5190A5E95A01}" srcOrd="1" destOrd="0" presId="urn:microsoft.com/office/officeart/2018/2/layout/IconLabelList"/>
+    <dgm:cxn modelId="{79A4975B-BBF0-4897-AB5D-7DCDF37F762B}" type="presParOf" srcId="{AA8E66CD-20E4-4CFD-81F2-E462538C605F}" destId="{AB861A12-067C-4242-909F-CAF019AB0A54}" srcOrd="2" destOrd="0" presId="urn:microsoft.com/office/officeart/2018/2/layout/IconLabelList"/>
+  </dgm:cxnLst>
+  <dgm:bg/>
+  <dgm:whole/>
+  <dgm:extLst>
+    <a:ext uri="http://schemas.microsoft.com/office/drawing/2008/diagram">
+      <dsp:dataModelExt xmlns:dsp="http://schemas.microsoft.com/office/drawing/2008/diagram" relId="rId7" minVer="http://schemas.openxmlformats.org/drawingml/2006/diagram"/>
+    </a:ext>
+  </dgm:extLst>
+</dgm:dataModel>
+</file>
+
+<file path=ppt/diagrams/drawing1.xml><?xml version="1.0" encoding="utf-8"?>
+<dsp:drawing xmlns:dgm="http://schemas.openxmlformats.org/drawingml/2006/diagram" xmlns:dsp="http://schemas.microsoft.com/office/drawing/2008/diagram" xmlns:a="http://schemas.openxmlformats.org/drawingml/2006/main">
+  <dsp:spTree>
+    <dsp:nvGrpSpPr>
+      <dsp:cNvPr id="0" name=""/>
+      <dsp:cNvGrpSpPr/>
+    </dsp:nvGrpSpPr>
+    <dsp:grpSpPr/>
+    <dsp:sp modelId="{5312FF78-1E44-4D3A-AAD4-9A350872CC8E}">
+      <dsp:nvSpPr>
+        <dsp:cNvPr id="0" name=""/>
+        <dsp:cNvSpPr/>
+      </dsp:nvSpPr>
+      <dsp:spPr>
+        <a:xfrm>
+          <a:off x="622800" y="1275667"/>
+          <a:ext cx="810000" cy="810000"/>
+        </a:xfrm>
+        <a:prstGeom prst="rect">
+          <a:avLst/>
+        </a:prstGeom>
+        <a:blipFill>
+          <a:blip xmlns:r="http://schemas.openxmlformats.org/officeDocument/2006/relationships" r:embed="rId1">
+            <a:extLst>
+              <a:ext uri="{28A0092B-C50C-407E-A947-70E740481C1C}">
+                <a14:useLocalDpi xmlns:a14="http://schemas.microsoft.com/office/drawing/2010/main" val="0"/>
+              </a:ext>
+              <a:ext uri="{96DAC541-7B7A-43D3-8B79-37D633B846F1}">
+                <asvg:svgBlip xmlns:asvg="http://schemas.microsoft.com/office/drawing/2016/SVG/main" r:embed="rId2"/>
+              </a:ext>
+            </a:extLst>
+          </a:blip>
+          <a:stretch>
+            <a:fillRect/>
+          </a:stretch>
+        </a:blipFill>
+        <a:ln w="12700" cap="flat" cmpd="sng" algn="ctr">
+          <a:solidFill>
+            <a:schemeClr val="lt1">
+              <a:hueOff val="0"/>
+              <a:satOff val="0"/>
+              <a:lumOff val="0"/>
+              <a:alphaOff val="0"/>
+            </a:schemeClr>
+          </a:solidFill>
+          <a:prstDash val="solid"/>
+          <a:miter lim="800000"/>
+        </a:ln>
+        <a:effectLst/>
+      </dsp:spPr>
+      <dsp:style>
+        <a:lnRef idx="2">
+          <a:scrgbClr r="0" g="0" b="0"/>
+        </a:lnRef>
+        <a:fillRef idx="1">
+          <a:scrgbClr r="0" g="0" b="0"/>
+        </a:fillRef>
+        <a:effectRef idx="0">
+          <a:scrgbClr r="0" g="0" b="0"/>
+        </a:effectRef>
+        <a:fontRef idx="minor">
+          <a:schemeClr val="lt1"/>
+        </a:fontRef>
+      </dsp:style>
+    </dsp:sp>
+    <dsp:sp modelId="{09895E1D-3E9D-4FF8-853C-573839BAB6BD}">
+      <dsp:nvSpPr>
+        <dsp:cNvPr id="0" name=""/>
+        <dsp:cNvSpPr/>
+      </dsp:nvSpPr>
+      <dsp:spPr>
+        <a:xfrm>
+          <a:off x="127800" y="2355670"/>
+          <a:ext cx="1800000" cy="720000"/>
+        </a:xfrm>
+        <a:prstGeom prst="rect">
+          <a:avLst/>
+        </a:prstGeom>
+        <a:noFill/>
+        <a:ln>
+          <a:noFill/>
+        </a:ln>
+        <a:effectLst/>
+      </dsp:spPr>
+      <dsp:style>
+        <a:lnRef idx="0">
+          <a:scrgbClr r="0" g="0" b="0"/>
+        </a:lnRef>
+        <a:fillRef idx="0">
+          <a:scrgbClr r="0" g="0" b="0"/>
+        </a:fillRef>
+        <a:effectRef idx="0">
+          <a:scrgbClr r="0" g="0" b="0"/>
+        </a:effectRef>
+        <a:fontRef idx="minor"/>
+      </dsp:style>
+      <dsp:txBody>
+        <a:bodyPr spcFirstLastPara="0" vert="horz" wrap="square" lIns="0" tIns="0" rIns="0" bIns="0" numCol="1" spcCol="1270" anchor="t" anchorCtr="0">
+          <a:noAutofit/>
+        </a:bodyPr>
+        <a:lstStyle/>
+        <a:p>
+          <a:pPr marL="0" lvl="0" indent="0" algn="ctr" defTabSz="488950">
+            <a:lnSpc>
+              <a:spcPct val="100000"/>
+            </a:lnSpc>
+            <a:spcBef>
+              <a:spcPct val="0"/>
+            </a:spcBef>
+            <a:spcAft>
+              <a:spcPct val="35000"/>
+            </a:spcAft>
+            <a:buNone/>
+          </a:pPr>
+          <a:r>
+            <a:rPr lang="en-US" sz="1100" kern="1200"/>
+            <a:t>Average 3</a:t>
+          </a:r>
+          <a:r>
+            <a:rPr lang="en-US" sz="1100" kern="1200" baseline="30000"/>
+            <a:t>rd</a:t>
+          </a:r>
+          <a:r>
+            <a:rPr lang="en-US" sz="1100" kern="1200"/>
+            <a:t> Party Delivery sales increased from approximately $700/wk before the lockdown to around $5300/wk after</a:t>
+          </a:r>
+        </a:p>
+      </dsp:txBody>
+      <dsp:txXfrm>
+        <a:off x="127800" y="2355670"/>
+        <a:ext cx="1800000" cy="720000"/>
+      </dsp:txXfrm>
+    </dsp:sp>
+    <dsp:sp modelId="{DCEECE4F-E1AA-46BD-83BE-B8459F42E619}">
+      <dsp:nvSpPr>
+        <dsp:cNvPr id="0" name=""/>
+        <dsp:cNvSpPr/>
+      </dsp:nvSpPr>
+      <dsp:spPr>
+        <a:xfrm>
+          <a:off x="2737800" y="1275667"/>
+          <a:ext cx="810000" cy="810000"/>
+        </a:xfrm>
+        <a:prstGeom prst="rect">
+          <a:avLst/>
+        </a:prstGeom>
+        <a:blipFill>
+          <a:blip xmlns:r="http://schemas.openxmlformats.org/officeDocument/2006/relationships" r:embed="rId3">
+            <a:extLst>
+              <a:ext uri="{28A0092B-C50C-407E-A947-70E740481C1C}">
+                <a14:useLocalDpi xmlns:a14="http://schemas.microsoft.com/office/drawing/2010/main" val="0"/>
+              </a:ext>
+              <a:ext uri="{96DAC541-7B7A-43D3-8B79-37D633B846F1}">
+                <asvg:svgBlip xmlns:asvg="http://schemas.microsoft.com/office/drawing/2016/SVG/main" r:embed="rId4"/>
+              </a:ext>
+            </a:extLst>
+          </a:blip>
+          <a:stretch>
+            <a:fillRect/>
+          </a:stretch>
+        </a:blipFill>
+        <a:ln w="12700" cap="flat" cmpd="sng" algn="ctr">
+          <a:solidFill>
+            <a:schemeClr val="lt1">
+              <a:hueOff val="0"/>
+              <a:satOff val="0"/>
+              <a:lumOff val="0"/>
+              <a:alphaOff val="0"/>
+            </a:schemeClr>
+          </a:solidFill>
+          <a:prstDash val="solid"/>
+          <a:miter lim="800000"/>
+        </a:ln>
+        <a:effectLst/>
+      </dsp:spPr>
+      <dsp:style>
+        <a:lnRef idx="2">
+          <a:scrgbClr r="0" g="0" b="0"/>
+        </a:lnRef>
+        <a:fillRef idx="1">
+          <a:scrgbClr r="0" g="0" b="0"/>
+        </a:fillRef>
+        <a:effectRef idx="0">
+          <a:scrgbClr r="0" g="0" b="0"/>
+        </a:effectRef>
+        <a:fontRef idx="minor">
+          <a:schemeClr val="lt1"/>
+        </a:fontRef>
+      </dsp:style>
+    </dsp:sp>
+    <dsp:sp modelId="{EAC2B2D1-A89E-4A52-BF1B-9B1485F8735A}">
+      <dsp:nvSpPr>
+        <dsp:cNvPr id="0" name=""/>
+        <dsp:cNvSpPr/>
+      </dsp:nvSpPr>
+      <dsp:spPr>
+        <a:xfrm>
+          <a:off x="2242800" y="2355670"/>
+          <a:ext cx="1800000" cy="720000"/>
+        </a:xfrm>
+        <a:prstGeom prst="rect">
+          <a:avLst/>
+        </a:prstGeom>
+        <a:noFill/>
+        <a:ln>
+          <a:noFill/>
+        </a:ln>
+        <a:effectLst/>
+      </dsp:spPr>
+      <dsp:style>
+        <a:lnRef idx="0">
+          <a:scrgbClr r="0" g="0" b="0"/>
+        </a:lnRef>
+        <a:fillRef idx="0">
+          <a:scrgbClr r="0" g="0" b="0"/>
+        </a:fillRef>
+        <a:effectRef idx="0">
+          <a:scrgbClr r="0" g="0" b="0"/>
+        </a:effectRef>
+        <a:fontRef idx="minor"/>
+      </dsp:style>
+      <dsp:txBody>
+        <a:bodyPr spcFirstLastPara="0" vert="horz" wrap="square" lIns="0" tIns="0" rIns="0" bIns="0" numCol="1" spcCol="1270" anchor="t" anchorCtr="0">
+          <a:noAutofit/>
+        </a:bodyPr>
+        <a:lstStyle/>
+        <a:p>
+          <a:pPr marL="0" lvl="0" indent="0" algn="ctr" defTabSz="488950">
+            <a:lnSpc>
+              <a:spcPct val="100000"/>
+            </a:lnSpc>
+            <a:spcBef>
+              <a:spcPct val="0"/>
+            </a:spcBef>
+            <a:spcAft>
+              <a:spcPct val="35000"/>
+            </a:spcAft>
+            <a:buNone/>
+          </a:pPr>
+          <a:r>
+            <a:rPr lang="en-US" sz="1100" kern="1200"/>
+            <a:t>Tradition Drive-Thru Average has increased by $20,000/wk</a:t>
+          </a:r>
+        </a:p>
+      </dsp:txBody>
+      <dsp:txXfrm>
+        <a:off x="2242800" y="2355670"/>
+        <a:ext cx="1800000" cy="720000"/>
+      </dsp:txXfrm>
+    </dsp:sp>
+    <dsp:sp modelId="{F96AAB75-B601-4BCB-95FE-5303E10F9B72}">
+      <dsp:nvSpPr>
+        <dsp:cNvPr id="0" name=""/>
+        <dsp:cNvSpPr/>
+      </dsp:nvSpPr>
+      <dsp:spPr>
+        <a:xfrm>
+          <a:off x="4852800" y="1275667"/>
+          <a:ext cx="810000" cy="810000"/>
+        </a:xfrm>
+        <a:prstGeom prst="rect">
+          <a:avLst/>
+        </a:prstGeom>
+        <a:blipFill>
+          <a:blip xmlns:r="http://schemas.openxmlformats.org/officeDocument/2006/relationships" r:embed="rId5">
+            <a:extLst>
+              <a:ext uri="{28A0092B-C50C-407E-A947-70E740481C1C}">
+                <a14:useLocalDpi xmlns:a14="http://schemas.microsoft.com/office/drawing/2010/main" val="0"/>
+              </a:ext>
+              <a:ext uri="{96DAC541-7B7A-43D3-8B79-37D633B846F1}">
+                <asvg:svgBlip xmlns:asvg="http://schemas.microsoft.com/office/drawing/2016/SVG/main" r:embed="rId6"/>
+              </a:ext>
+            </a:extLst>
+          </a:blip>
+          <a:stretch>
+            <a:fillRect/>
+          </a:stretch>
+        </a:blipFill>
+        <a:ln w="12700" cap="flat" cmpd="sng" algn="ctr">
+          <a:solidFill>
+            <a:schemeClr val="lt1">
+              <a:hueOff val="0"/>
+              <a:satOff val="0"/>
+              <a:lumOff val="0"/>
+              <a:alphaOff val="0"/>
+            </a:schemeClr>
+          </a:solidFill>
+          <a:prstDash val="solid"/>
+          <a:miter lim="800000"/>
+        </a:ln>
+        <a:effectLst/>
+      </dsp:spPr>
+      <dsp:style>
+        <a:lnRef idx="2">
+          <a:scrgbClr r="0" g="0" b="0"/>
+        </a:lnRef>
+        <a:fillRef idx="1">
+          <a:scrgbClr r="0" g="0" b="0"/>
+        </a:fillRef>
+        <a:effectRef idx="0">
+          <a:scrgbClr r="0" g="0" b="0"/>
+        </a:effectRef>
+        <a:fontRef idx="minor">
+          <a:schemeClr val="lt1"/>
+        </a:fontRef>
+      </dsp:style>
+    </dsp:sp>
+    <dsp:sp modelId="{1E97DAFE-A829-40CA-A851-003819C63B26}">
+      <dsp:nvSpPr>
+        <dsp:cNvPr id="0" name=""/>
+        <dsp:cNvSpPr/>
+      </dsp:nvSpPr>
+      <dsp:spPr>
+        <a:xfrm>
+          <a:off x="4357800" y="2355670"/>
+          <a:ext cx="1800000" cy="720000"/>
+        </a:xfrm>
+        <a:prstGeom prst="rect">
+          <a:avLst/>
+        </a:prstGeom>
+        <a:noFill/>
+        <a:ln>
+          <a:noFill/>
+        </a:ln>
+        <a:effectLst/>
+      </dsp:spPr>
+      <dsp:style>
+        <a:lnRef idx="0">
+          <a:scrgbClr r="0" g="0" b="0"/>
+        </a:lnRef>
+        <a:fillRef idx="0">
+          <a:scrgbClr r="0" g="0" b="0"/>
+        </a:fillRef>
+        <a:effectRef idx="0">
+          <a:scrgbClr r="0" g="0" b="0"/>
+        </a:effectRef>
+        <a:fontRef idx="minor"/>
+      </dsp:style>
+      <dsp:txBody>
+        <a:bodyPr spcFirstLastPara="0" vert="horz" wrap="square" lIns="0" tIns="0" rIns="0" bIns="0" numCol="1" spcCol="1270" anchor="t" anchorCtr="0">
+          <a:noAutofit/>
+        </a:bodyPr>
+        <a:lstStyle/>
+        <a:p>
+          <a:pPr marL="0" lvl="0" indent="0" algn="ctr" defTabSz="488950">
+            <a:lnSpc>
+              <a:spcPct val="100000"/>
+            </a:lnSpc>
+            <a:spcBef>
+              <a:spcPct val="0"/>
+            </a:spcBef>
+            <a:spcAft>
+              <a:spcPct val="35000"/>
+            </a:spcAft>
+            <a:buNone/>
+          </a:pPr>
+          <a:r>
+            <a:rPr lang="en-US" sz="1100" kern="1200" dirty="0"/>
+            <a:t>Mobile Drive-Thru Average has tripled</a:t>
+          </a:r>
+        </a:p>
+      </dsp:txBody>
+      <dsp:txXfrm>
+        <a:off x="4357800" y="2355670"/>
+        <a:ext cx="1800000" cy="720000"/>
+      </dsp:txXfrm>
+    </dsp:sp>
+    <dsp:sp modelId="{F5F6B3FC-CB23-468C-B71A-8BC8D0E3BA75}">
+      <dsp:nvSpPr>
+        <dsp:cNvPr id="0" name=""/>
+        <dsp:cNvSpPr/>
+      </dsp:nvSpPr>
+      <dsp:spPr>
+        <a:xfrm>
+          <a:off x="6967800" y="1275667"/>
+          <a:ext cx="810000" cy="810000"/>
+        </a:xfrm>
+        <a:prstGeom prst="rect">
+          <a:avLst/>
+        </a:prstGeom>
+        <a:blipFill>
+          <a:blip xmlns:r="http://schemas.openxmlformats.org/officeDocument/2006/relationships" r:embed="rId7">
+            <a:extLst>
+              <a:ext uri="{28A0092B-C50C-407E-A947-70E740481C1C}">
+                <a14:useLocalDpi xmlns:a14="http://schemas.microsoft.com/office/drawing/2010/main" val="0"/>
+              </a:ext>
+              <a:ext uri="{96DAC541-7B7A-43D3-8B79-37D633B846F1}">
+                <asvg:svgBlip xmlns:asvg="http://schemas.microsoft.com/office/drawing/2016/SVG/main" r:embed="rId8"/>
+              </a:ext>
+            </a:extLst>
+          </a:blip>
+          <a:stretch>
+            <a:fillRect/>
+          </a:stretch>
+        </a:blipFill>
+        <a:ln w="12700" cap="flat" cmpd="sng" algn="ctr">
+          <a:solidFill>
+            <a:schemeClr val="lt1">
+              <a:hueOff val="0"/>
+              <a:satOff val="0"/>
+              <a:lumOff val="0"/>
+              <a:alphaOff val="0"/>
+            </a:schemeClr>
+          </a:solidFill>
+          <a:prstDash val="solid"/>
+          <a:miter lim="800000"/>
+        </a:ln>
+        <a:effectLst/>
+      </dsp:spPr>
+      <dsp:style>
+        <a:lnRef idx="2">
+          <a:scrgbClr r="0" g="0" b="0"/>
+        </a:lnRef>
+        <a:fillRef idx="1">
+          <a:scrgbClr r="0" g="0" b="0"/>
+        </a:fillRef>
+        <a:effectRef idx="0">
+          <a:scrgbClr r="0" g="0" b="0"/>
+        </a:effectRef>
+        <a:fontRef idx="minor">
+          <a:schemeClr val="lt1"/>
+        </a:fontRef>
+      </dsp:style>
+    </dsp:sp>
+    <dsp:sp modelId="{3E696DDE-5FB6-4408-9A23-2CE13B4DA3C1}">
+      <dsp:nvSpPr>
+        <dsp:cNvPr id="0" name=""/>
+        <dsp:cNvSpPr/>
+      </dsp:nvSpPr>
+      <dsp:spPr>
+        <a:xfrm>
+          <a:off x="6472800" y="2355670"/>
+          <a:ext cx="1800000" cy="720000"/>
+        </a:xfrm>
+        <a:prstGeom prst="rect">
+          <a:avLst/>
+        </a:prstGeom>
+        <a:noFill/>
+        <a:ln>
+          <a:noFill/>
+        </a:ln>
+        <a:effectLst/>
+      </dsp:spPr>
+      <dsp:style>
+        <a:lnRef idx="0">
+          <a:scrgbClr r="0" g="0" b="0"/>
+        </a:lnRef>
+        <a:fillRef idx="0">
+          <a:scrgbClr r="0" g="0" b="0"/>
+        </a:fillRef>
+        <a:effectRef idx="0">
+          <a:scrgbClr r="0" g="0" b="0"/>
+        </a:effectRef>
+        <a:fontRef idx="minor"/>
+      </dsp:style>
+      <dsp:txBody>
+        <a:bodyPr spcFirstLastPara="0" vert="horz" wrap="square" lIns="0" tIns="0" rIns="0" bIns="0" numCol="1" spcCol="1270" anchor="t" anchorCtr="0">
+          <a:noAutofit/>
+        </a:bodyPr>
+        <a:lstStyle/>
+        <a:p>
+          <a:pPr marL="0" lvl="0" indent="0" algn="ctr" defTabSz="488950">
+            <a:lnSpc>
+              <a:spcPct val="100000"/>
+            </a:lnSpc>
+            <a:spcBef>
+              <a:spcPct val="0"/>
+            </a:spcBef>
+            <a:spcAft>
+              <a:spcPct val="35000"/>
+            </a:spcAft>
+            <a:buNone/>
+          </a:pPr>
+          <a:r>
+            <a:rPr lang="en-US" sz="1100" kern="1200"/>
+            <a:t>Productivity finished above average</a:t>
+          </a:r>
+        </a:p>
+      </dsp:txBody>
+      <dsp:txXfrm>
+        <a:off x="6472800" y="2355670"/>
+        <a:ext cx="1800000" cy="720000"/>
+      </dsp:txXfrm>
+    </dsp:sp>
+    <dsp:sp modelId="{C98EEC52-3F64-4E27-98B2-08740D36CA5D}">
+      <dsp:nvSpPr>
+        <dsp:cNvPr id="0" name=""/>
+        <dsp:cNvSpPr/>
+      </dsp:nvSpPr>
+      <dsp:spPr>
+        <a:xfrm>
+          <a:off x="9082800" y="1275667"/>
+          <a:ext cx="810000" cy="810000"/>
+        </a:xfrm>
+        <a:prstGeom prst="rect">
+          <a:avLst/>
+        </a:prstGeom>
+        <a:blipFill>
+          <a:blip xmlns:r="http://schemas.openxmlformats.org/officeDocument/2006/relationships" r:embed="rId9">
+            <a:extLst>
+              <a:ext uri="{28A0092B-C50C-407E-A947-70E740481C1C}">
+                <a14:useLocalDpi xmlns:a14="http://schemas.microsoft.com/office/drawing/2010/main" val="0"/>
+              </a:ext>
+              <a:ext uri="{96DAC541-7B7A-43D3-8B79-37D633B846F1}">
+                <asvg:svgBlip xmlns:asvg="http://schemas.microsoft.com/office/drawing/2016/SVG/main" r:embed="rId10"/>
+              </a:ext>
+            </a:extLst>
+          </a:blip>
+          <a:stretch>
+            <a:fillRect/>
+          </a:stretch>
+        </a:blipFill>
+        <a:ln w="12700" cap="flat" cmpd="sng" algn="ctr">
+          <a:solidFill>
+            <a:schemeClr val="lt1">
+              <a:hueOff val="0"/>
+              <a:satOff val="0"/>
+              <a:lumOff val="0"/>
+              <a:alphaOff val="0"/>
+            </a:schemeClr>
+          </a:solidFill>
+          <a:prstDash val="solid"/>
+          <a:miter lim="800000"/>
+        </a:ln>
+        <a:effectLst/>
+      </dsp:spPr>
+      <dsp:style>
+        <a:lnRef idx="2">
+          <a:scrgbClr r="0" g="0" b="0"/>
+        </a:lnRef>
+        <a:fillRef idx="1">
+          <a:scrgbClr r="0" g="0" b="0"/>
+        </a:fillRef>
+        <a:effectRef idx="0">
+          <a:scrgbClr r="0" g="0" b="0"/>
+        </a:effectRef>
+        <a:fontRef idx="minor">
+          <a:schemeClr val="lt1"/>
+        </a:fontRef>
+      </dsp:style>
+    </dsp:sp>
+    <dsp:sp modelId="{AB861A12-067C-4242-909F-CAF019AB0A54}">
+      <dsp:nvSpPr>
+        <dsp:cNvPr id="0" name=""/>
+        <dsp:cNvSpPr/>
+      </dsp:nvSpPr>
+      <dsp:spPr>
+        <a:xfrm>
+          <a:off x="8587800" y="2355670"/>
+          <a:ext cx="1800000" cy="720000"/>
+        </a:xfrm>
+        <a:prstGeom prst="rect">
+          <a:avLst/>
+        </a:prstGeom>
+        <a:noFill/>
+        <a:ln>
+          <a:noFill/>
+        </a:ln>
+        <a:effectLst/>
+      </dsp:spPr>
+      <dsp:style>
+        <a:lnRef idx="0">
+          <a:scrgbClr r="0" g="0" b="0"/>
+        </a:lnRef>
+        <a:fillRef idx="0">
+          <a:scrgbClr r="0" g="0" b="0"/>
+        </a:fillRef>
+        <a:effectRef idx="0">
+          <a:scrgbClr r="0" g="0" b="0"/>
+        </a:effectRef>
+        <a:fontRef idx="minor"/>
+      </dsp:style>
+      <dsp:txBody>
+        <a:bodyPr spcFirstLastPara="0" vert="horz" wrap="square" lIns="0" tIns="0" rIns="0" bIns="0" numCol="1" spcCol="1270" anchor="t" anchorCtr="0">
+          <a:noAutofit/>
+        </a:bodyPr>
+        <a:lstStyle/>
+        <a:p>
+          <a:pPr marL="0" lvl="0" indent="0" algn="ctr" defTabSz="488950">
+            <a:lnSpc>
+              <a:spcPct val="100000"/>
+            </a:lnSpc>
+            <a:spcBef>
+              <a:spcPct val="0"/>
+            </a:spcBef>
+            <a:spcAft>
+              <a:spcPct val="35000"/>
+            </a:spcAft>
+            <a:buNone/>
+          </a:pPr>
+          <a:r>
+            <a:rPr lang="en-US" sz="1100" kern="1200"/>
+            <a:t>Overall, Mobile and 3</a:t>
+          </a:r>
+          <a:r>
+            <a:rPr lang="en-US" sz="1100" kern="1200" baseline="30000"/>
+            <a:t>rd</a:t>
+          </a:r>
+          <a:r>
+            <a:rPr lang="en-US" sz="1100" kern="1200"/>
+            <a:t> party ordering have increased significantly in popularity</a:t>
+          </a:r>
+        </a:p>
+      </dsp:txBody>
+      <dsp:txXfrm>
+        <a:off x="8587800" y="2355670"/>
+        <a:ext cx="1800000" cy="720000"/>
+      </dsp:txXfrm>
+    </dsp:sp>
+  </dsp:spTree>
+</dsp:drawing>
+</file>
+
+<file path=ppt/diagrams/layout1.xml><?xml version="1.0" encoding="utf-8"?>
+<dgm:layoutDef xmlns:dgm="http://schemas.openxmlformats.org/drawingml/2006/diagram" xmlns:a="http://schemas.openxmlformats.org/drawingml/2006/main" uniqueId="urn:microsoft.com/office/officeart/2018/2/layout/IconLabelList">
+  <dgm:title val="Icon Label List"/>
+  <dgm:desc val="Use to show non-sequential or grouped chunks of information accompanied by a related visuals. Works best with icons or small pictures with short text captions."/>
+  <dgm:catLst>
+    <dgm:cat type="icon" pri="500"/>
+  </dgm:catLst>
+  <dgm:sampData useDef="1">
+    <dgm:dataModel>
+      <dgm:ptLst/>
+      <dgm:bg/>
+      <dgm:whole/>
+    </dgm:dataModel>
+  </dgm:sampData>
+  <dgm:styleData useDef="1">
+    <dgm:dataModel>
+      <dgm:ptLst/>
+      <dgm:bg/>
+      <dgm:whole/>
+    </dgm:dataModel>
+  </dgm:styleData>
+  <dgm:clrData useDef="1">
+    <dgm:dataModel>
+      <dgm:ptLst/>
+      <dgm:bg/>
+      <dgm:whole/>
+    </dgm:dataModel>
+  </dgm:clrData>
+  <dgm:layoutNode name="root">
+    <dgm:varLst>
+      <dgm:dir/>
+      <dgm:resizeHandles val="exact"/>
+    </dgm:varLst>
+    <dgm:choose name="Name0">
+      <dgm:if name="Name1" axis="self" func="var" arg="dir" op="equ" val="norm">
+        <dgm:alg type="snake">
+          <dgm:param type="grDir" val="tL"/>
+          <dgm:param type="flowDir" val="row"/>
+          <dgm:param type="contDir" val="sameDir"/>
+          <dgm:param type="off" val="ctr"/>
+          <dgm:param type="vertAlign" val="mid"/>
+          <dgm:param type="horzAlign" val="ctr"/>
+        </dgm:alg>
+      </dgm:if>
+      <dgm:else name="Name2">
+        <dgm:alg type="snake">
+          <dgm:param type="grDir" val="tR"/>
+          <dgm:param type="flowDir" val="row"/>
+          <dgm:param type="contDir" val="sameDir"/>
+          <dgm:param type="off" val="ctr"/>
+          <dgm:param type="vertAlign" val="mid"/>
+          <dgm:param type="horzAlign" val="ctr"/>
+        </dgm:alg>
+      </dgm:else>
+    </dgm:choose>
+    <dgm:shape xmlns:r="http://schemas.openxmlformats.org/officeDocument/2006/relationships" r:blip="">
+      <dgm:adjLst/>
+    </dgm:shape>
+    <dgm:presOf/>
+    <dgm:choose name="Name3">
+      <dgm:if name="Name4" axis="ch" ptType="node" func="cnt" op="lte" val="2">
+        <dgm:constrLst>
+          <dgm:constr type="h" for="ch" forName="compNode" refType="h" fact="0.4"/>
+          <dgm:constr type="w" for="ch" forName="compNode" val="120"/>
+          <dgm:constr type="w" for="ch" forName="sibTrans" refType="w" refFor="ch" refForName="compNode" fact="0.175"/>
+          <dgm:constr type="sp" refType="w" refFor="ch" refForName="compNode" op="equ" fact="0.25"/>
+          <dgm:constr type="primFontSz" for="des" ptType="node" op="equ" val="50"/>
+          <dgm:constr type="h" for="des" forName="compNode" op="equ"/>
+          <dgm:constr type="h" for="des" forName="textRect" op="equ"/>
+        </dgm:constrLst>
+      </dgm:if>
+      <dgm:if name="Name5" axis="ch" ptType="node" func="cnt" op="lte" val="4">
+        <dgm:constrLst>
+          <dgm:constr type="h" for="ch" forName="compNode" refType="h" fact="0.4"/>
+          <dgm:constr type="w" for="ch" forName="compNode" refType="w"/>
+          <dgm:constr type="w" for="ch" forName="sibTrans" refType="w" refFor="ch" refForName="compNode" fact="0.175"/>
+          <dgm:constr type="sp" refType="w" refFor="ch" refForName="compNode" op="equ" fact="0.25"/>
+          <dgm:constr type="primFontSz" for="des" ptType="node" op="equ" val="36"/>
+          <dgm:constr type="h" for="des" forName="compNode" op="equ"/>
+          <dgm:constr type="h" for="des" forName="textRect" op="equ"/>
+        </dgm:constrLst>
+      </dgm:if>
+      <dgm:else name="Name6">
+        <dgm:constrLst>
+          <dgm:constr type="h" for="ch" forName="compNode" refType="h" fact="0.4"/>
+          <dgm:constr type="w" for="ch" forName="compNode" refType="w"/>
+          <dgm:constr type="w" for="ch" forName="sibTrans" refType="w" refFor="ch" refForName="compNode" fact="0.175"/>
+          <dgm:constr type="sp" refType="w" refFor="ch" refForName="compNode" op="equ" fact="0.25"/>
+          <dgm:constr type="primFontSz" for="des" ptType="node" op="equ" val="24"/>
+          <dgm:constr type="h" for="des" forName="compNode" op="equ"/>
+          <dgm:constr type="h" for="des" forName="textRect" op="equ"/>
+        </dgm:constrLst>
+      </dgm:else>
+    </dgm:choose>
+    <dgm:ruleLst>
+      <dgm:rule type="w" for="ch" forName="compNode" val="50" fact="NaN" max="NaN"/>
+    </dgm:ruleLst>
+    <dgm:forEach name="Name7" axis="ch" ptType="node">
+      <dgm:layoutNode name="compNode">
+        <dgm:alg type="composite"/>
+        <dgm:shape xmlns:r="http://schemas.openxmlformats.org/officeDocument/2006/relationships" r:blip="">
+          <dgm:adjLst/>
+        </dgm:shape>
+        <dgm:presOf axis="self"/>
+        <dgm:constrLst>
+          <dgm:constr type="w" for="ch" forName="iconRect" refType="w" fact="0.45"/>
+          <dgm:constr type="h" for="ch" forName="iconRect" refType="w" refFor="ch" refForName="iconRect"/>
+          <dgm:constr type="ctrX" for="ch" forName="iconRect" refType="w" fact="0.5"/>
+          <dgm:constr type="t" for="ch" forName="iconRect"/>
+          <dgm:constr type="h" for="ch" forName="spaceRect" refType="h" fact="0.15"/>
+          <dgm:constr type="w" for="ch" forName="spaceRect" refType="w"/>
+          <dgm:constr type="l" for="ch" forName="spaceRect"/>
+          <dgm:constr type="t" for="ch" forName="spaceRect" refType="b" refFor="ch" refForName="iconRect"/>
+          <dgm:constr type="h" for="ch" forName="textRect" val="20"/>
+          <dgm:constr type="w" for="ch" forName="textRect" refType="w"/>
+          <dgm:constr type="l" for="ch" forName="textRect"/>
+          <dgm:constr type="t" for="ch" forName="textRect" refType="b" refFor="ch" refForName="spaceRect"/>
+        </dgm:constrLst>
+        <dgm:ruleLst>
+          <dgm:rule type="h" val="INF" fact="NaN" max="NaN"/>
+        </dgm:ruleLst>
+        <dgm:layoutNode name="iconRect" styleLbl="node1">
+          <dgm:alg type="sp"/>
+          <dgm:shape xmlns:r="http://schemas.openxmlformats.org/officeDocument/2006/relationships" type="rect" r:blip="" blipPhldr="1">
+            <dgm:adjLst/>
+          </dgm:shape>
+          <dgm:presOf/>
+          <dgm:constrLst/>
+          <dgm:ruleLst/>
+        </dgm:layoutNode>
+        <dgm:layoutNode name="spaceRect">
+          <dgm:alg type="sp"/>
+          <dgm:shape xmlns:r="http://schemas.openxmlformats.org/officeDocument/2006/relationships" r:blip="">
+            <dgm:adjLst/>
+          </dgm:shape>
+          <dgm:presOf/>
+          <dgm:constrLst/>
+          <dgm:ruleLst/>
+        </dgm:layoutNode>
+        <dgm:layoutNode name="textRect" styleLbl="revTx">
+          <dgm:varLst>
+            <dgm:chMax val="1"/>
+            <dgm:chPref val="1"/>
+          </dgm:varLst>
+          <dgm:alg type="tx">
+            <dgm:param type="txAnchorVert" val="t"/>
+          </dgm:alg>
+          <dgm:shape xmlns:r="http://schemas.openxmlformats.org/officeDocument/2006/relationships" type="rect" r:blip="">
+            <dgm:adjLst/>
+          </dgm:shape>
+          <dgm:presOf axis="self" ptType="node"/>
+          <dgm:constrLst>
+            <dgm:constr type="lMarg"/>
+            <dgm:constr type="rMarg"/>
+            <dgm:constr type="tMarg"/>
+            <dgm:constr type="bMarg"/>
+          </dgm:constrLst>
+          <dgm:ruleLst>
+            <dgm:rule type="primFontSz" val="11" fact="NaN" max="NaN"/>
+            <dgm:rule type="h" val="INF" fact="NaN" max="NaN"/>
+          </dgm:ruleLst>
+        </dgm:layoutNode>
+      </dgm:layoutNode>
+      <dgm:forEach name="Name8" axis="followSib" ptType="sibTrans" cnt="1">
+        <dgm:layoutNode name="sibTrans">
+          <dgm:alg type="sp"/>
+          <dgm:shape xmlns:r="http://schemas.openxmlformats.org/officeDocument/2006/relationships" r:blip="">
+            <dgm:adjLst/>
+          </dgm:shape>
+          <dgm:presOf axis="self"/>
+          <dgm:constrLst/>
+          <dgm:ruleLst/>
+        </dgm:layoutNode>
+      </dgm:forEach>
+    </dgm:forEach>
+  </dgm:layoutNode>
+  <dgm:extLst>
+    <a:ext uri="{68A01E43-0DF5-4B5B-8FA6-DAF915123BFB}">
+      <dgm1612:lstStyle xmlns:dgm1612="http://schemas.microsoft.com/office/drawing/2016/12/diagram">
+        <a:lvl1pPr>
+          <a:lnSpc>
+            <a:spcPct val="100000"/>
+          </a:lnSpc>
+        </a:lvl1pPr>
+      </dgm1612:lstStyle>
+    </a:ext>
+  </dgm:extLst>
+</dgm:layoutDef>
+</file>
+
+<file path=ppt/diagrams/quickStyle1.xml><?xml version="1.0" encoding="utf-8"?>
+<dgm:styleDef xmlns:dgm="http://schemas.openxmlformats.org/drawingml/2006/diagram" xmlns:a="http://schemas.openxmlformats.org/drawingml/2006/main" uniqueId="urn:microsoft.com/office/officeart/2005/8/quickstyle/simple1">
+  <dgm:title val=""/>
+  <dgm:desc val=""/>
+  <dgm:catLst>
+    <dgm:cat type="simple" pri="10100"/>
+  </dgm:catLst>
+  <dgm:scene3d>
+    <a:camera prst="orthographicFront"/>
+    <a:lightRig rig="threePt" dir="t"/>
+  </dgm:scene3d>
+  <dgm:styleLbl name="node0">
+    <dgm:scene3d>
+      <a:camera prst="orthographicFront"/>
+      <a:lightRig rig="threePt" dir="t"/>
+    </dgm:scene3d>
+    <dgm:sp3d/>
+    <dgm:txPr/>
+    <dgm:style>
+      <a:lnRef idx="2">
+        <a:scrgbClr r="0" g="0" b="0"/>
+      </a:lnRef>
+      <a:fillRef idx="1">
+        <a:scrgbClr r="0" g="0" b="0"/>
+      </a:fillRef>
+      <a:effectRef idx="0">
+        <a:scrgbClr r="0" g="0" b="0"/>
+      </a:effectRef>
+      <a:fontRef idx="minor">
+        <a:schemeClr val="lt1"/>
+      </a:fontRef>
+    </dgm:style>
+  </dgm:styleLbl>
+  <dgm:styleLbl name="lnNode1">
+    <dgm:scene3d>
+      <a:camera prst="orthographicFront"/>
+      <a:lightRig rig="threePt" dir="t"/>
+    </dgm:scene3d>
+    <dgm:sp3d/>
+    <dgm:txPr/>
+    <dgm:style>
+      <a:lnRef idx="2">
+        <a:scrgbClr r="0" g="0" b="0"/>
+      </a:lnRef>
+      <a:fillRef idx="1">
+        <a:scrgbClr r="0" g="0" b="0"/>
+      </a:fillRef>
+      <a:effectRef idx="0">
+        <a:scrgbClr r="0" g="0" b="0"/>
+      </a:effectRef>
+      <a:fontRef idx="minor">
+        <a:schemeClr val="lt1"/>
+      </a:fontRef>
+    </dgm:style>
+  </dgm:styleLbl>
+  <dgm:styleLbl name="vennNode1">
+    <dgm:scene3d>
+      <a:camera prst="orthographicFront"/>
+      <a:lightRig rig="threePt" dir="t"/>
+    </dgm:scene3d>
+    <dgm:sp3d/>
+    <dgm:txPr/>
+    <dgm:style>
+      <a:lnRef idx="2">
+        <a:scrgbClr r="0" g="0" b="0"/>
+      </a:lnRef>
+      <a:fillRef idx="1">
+        <a:scrgbClr r="0" g="0" b="0"/>
+      </a:fillRef>
+      <a:effectRef idx="0">
+        <a:scrgbClr r="0" g="0" b="0"/>
+      </a:effectRef>
+      <a:fontRef idx="minor">
+        <a:schemeClr val="tx1"/>
+      </a:fontRef>
+    </dgm:style>
+  </dgm:styleLbl>
+  <dgm:styleLbl name="alignNode1">
+    <dgm:scene3d>
+      <a:camera prst="orthographicFront"/>
+      <a:lightRig rig="threePt" dir="t"/>
+    </dgm:scene3d>
+    <dgm:sp3d/>
+    <dgm:txPr/>
+    <dgm:style>
+      <a:lnRef idx="2">
+        <a:scrgbClr r="0" g="0" b="0"/>
+      </a:lnRef>
+      <a:fillRef idx="1">
+        <a:scrgbClr r="0" g="0" b="0"/>
+      </a:fillRef>
+      <a:effectRef idx="0">
+        <a:scrgbClr r="0" g="0" b="0"/>
+      </a:effectRef>
+      <a:fontRef idx="minor">
+        <a:schemeClr val="lt1"/>
+      </a:fontRef>
+    </dgm:style>
+  </dgm:styleLbl>
+  <dgm:styleLbl name="node1">
+    <dgm:scene3d>
+      <a:camera prst="orthographicFront"/>
+      <a:lightRig rig="threePt" dir="t"/>
+    </dgm:scene3d>
+    <dgm:sp3d/>
+    <dgm:txPr/>
+    <dgm:style>
+      <a:lnRef idx="2">
+        <a:scrgbClr r="0" g="0" b="0"/>
+      </a:lnRef>
+      <a:fillRef idx="1">
+        <a:scrgbClr r="0" g="0" b="0"/>
+      </a:fillRef>
+      <a:effectRef idx="0">
+        <a:scrgbClr r="0" g="0" b="0"/>
+      </a:effectRef>
+      <a:fontRef idx="minor">
+        <a:schemeClr val="lt1"/>
+      </a:fontRef>
+    </dgm:style>
+  </dgm:styleLbl>
+  <dgm:styleLbl name="node2">
+    <dgm:scene3d>
+      <a:camera prst="orthographicFront"/>
+      <a:lightRig rig="threePt" dir="t"/>
+    </dgm:scene3d>
+    <dgm:sp3d/>
+    <dgm:txPr/>
+    <dgm:style>
+      <a:lnRef idx="2">
+        <a:scrgbClr r="0" g="0" b="0"/>
+      </a:lnRef>
+      <a:fillRef idx="1">
+        <a:scrgbClr r="0" g="0" b="0"/>
+      </a:fillRef>
+      <a:effectRef idx="0">
+        <a:scrgbClr r="0" g="0" b="0"/>
+      </a:effectRef>
+      <a:fontRef idx="minor">
+        <a:schemeClr val="lt1"/>
+      </a:fontRef>
+    </dgm:style>
+  </dgm:styleLbl>
+  <dgm:styleLbl name="node3">
+    <dgm:scene3d>
+      <a:camera prst="orthographicFront"/>
+      <a:lightRig rig="threePt" dir="t"/>
+    </dgm:scene3d>
+    <dgm:sp3d/>
+    <dgm:txPr/>
+    <dgm:style>
+      <a:lnRef idx="2">
+        <a:scrgbClr r="0" g="0" b="0"/>
+      </a:lnRef>
+      <a:fillRef idx="1">
+        <a:scrgbClr r="0" g="0" b="0"/>
+      </a:fillRef>
+      <a:effectRef idx="0">
+        <a:scrgbClr r="0" g="0" b="0"/>
+      </a:effectRef>
+      <a:fontRef idx="minor">
+        <a:schemeClr val="lt1"/>
+      </a:fontRef>
+    </dgm:style>
+  </dgm:styleLbl>
+  <dgm:styleLbl name="node4">
+    <dgm:scene3d>
+      <a:camera prst="orthographicFront"/>
+      <a:lightRig rig="threePt" dir="t"/>
+    </dgm:scene3d>
+    <dgm:sp3d/>
+    <dgm:txPr/>
+    <dgm:style>
+      <a:lnRef idx="2">
+        <a:scrgbClr r="0" g="0" b="0"/>
+      </a:lnRef>
+      <a:fillRef idx="1">
+        <a:scrgbClr r="0" g="0" b="0"/>
+      </a:fillRef>
+      <a:effectRef idx="0">
+        <a:scrgbClr r="0" g="0" b="0"/>
+      </a:effectRef>
+      <a:fontRef idx="minor">
+        <a:schemeClr val="lt1"/>
+      </a:fontRef>
+    </dgm:style>
+  </dgm:styleLbl>
+  <dgm:styleLbl name="fgImgPlace1">
+    <dgm:scene3d>
+      <a:camera prst="orthographicFront"/>
+      <a:lightRig rig="threePt" dir="t"/>
+    </dgm:scene3d>
+    <dgm:sp3d/>
+    <dgm:txPr/>
+    <dgm:style>
+      <a:lnRef idx="2">
+        <a:scrgbClr r="0" g="0" b="0"/>
+      </a:lnRef>
+      <a:fillRef idx="1">
+        <a:scrgbClr r="0" g="0" b="0"/>
+      </a:fillRef>
+      <a:effectRef idx="0">
+        <a:scrgbClr r="0" g="0" b="0"/>
+      </a:effectRef>
+      <a:fontRef idx="minor"/>
+    </dgm:style>
+  </dgm:styleLbl>
+  <dgm:styleLbl name="alignImgPlace1">
+    <dgm:scene3d>
+      <a:camera prst="orthographicFront"/>
+      <a:lightRig rig="threePt" dir="t"/>
+    </dgm:scene3d>
+    <dgm:sp3d/>
+    <dgm:txPr/>
+    <dgm:style>
+      <a:lnRef idx="2">
+        <a:scrgbClr r="0" g="0" b="0"/>
+      </a:lnRef>
+      <a:fillRef idx="1">
+        <a:scrgbClr r="0" g="0" b="0"/>
+      </a:fillRef>
+      <a:effectRef idx="0">
+        <a:scrgbClr r="0" g="0" b="0"/>
+      </a:effectRef>
+      <a:fontRef idx="minor"/>
+    </dgm:style>
+  </dgm:styleLbl>
+  <dgm:styleLbl name="bgImgPlace1">
+    <dgm:scene3d>
+      <a:camera prst="orthographicFront"/>
+      <a:lightRig rig="threePt" dir="t"/>
+    </dgm:scene3d>
+    <dgm:sp3d/>
+    <dgm:txPr/>
+    <dgm:style>
+      <a:lnRef idx="2">
+        <a:scrgbClr r="0" g="0" b="0"/>
+      </a:lnRef>
+      <a:fillRef idx="1">
+        <a:scrgbClr r="0" g="0" b="0"/>
+      </a:fillRef>
+      <a:effectRef idx="0">
+        <a:scrgbClr r="0" g="0" b="0"/>
+      </a:effectRef>
+      <a:fontRef idx="minor"/>
+    </dgm:style>
+  </dgm:styleLbl>
+  <dgm:styleLbl name="sibTrans2D1">
+    <dgm:scene3d>
+      <a:camera prst="orthographicFront"/>
+      <a:lightRig rig="threePt" dir="t"/>
+    </dgm:scene3d>
+    <dgm:sp3d/>
+    <dgm:txPr/>
+    <dgm:style>
+      <a:lnRef idx="0">
+        <a:scrgbClr r="0" g="0" b="0"/>
+      </a:lnRef>
+      <a:fillRef idx="1">
+        <a:scrgbClr r="0" g="0" b="0"/>
+      </a:fillRef>
+      <a:effectRef idx="0">
+        <a:scrgbClr r="0" g="0" b="0"/>
+      </a:effectRef>
+      <a:fontRef idx="minor">
+        <a:schemeClr val="lt1"/>
+      </a:fontRef>
+    </dgm:style>
+  </dgm:styleLbl>
+  <dgm:styleLbl name="fgSibTrans2D1">
+    <dgm:scene3d>
+      <a:camera prst="orthographicFront"/>
+      <a:lightRig rig="threePt" dir="t"/>
+    </dgm:scene3d>
+    <dgm:sp3d/>
+    <dgm:txPr/>
+    <dgm:style>
+      <a:lnRef idx="0">
+        <a:scrgbClr r="0" g="0" b="0"/>
+      </a:lnRef>
+      <a:fillRef idx="1">
+        <a:scrgbClr r="0" g="0" b="0"/>
+      </a:fillRef>
+      <a:effectRef idx="0">
+        <a:scrgbClr r="0" g="0" b="0"/>
+      </a:effectRef>
+      <a:fontRef idx="minor">
+        <a:schemeClr val="lt1"/>
+      </a:fontRef>
+    </dgm:style>
+  </dgm:styleLbl>
+  <dgm:styleLbl name="bgSibTrans2D1">
+    <dgm:scene3d>
+      <a:camera prst="orthographicFront"/>
+      <a:lightRig rig="threePt" dir="t"/>
+    </dgm:scene3d>
+    <dgm:sp3d/>
+    <dgm:txPr/>
+    <dgm:style>
+      <a:lnRef idx="0">
+        <a:scrgbClr r="0" g="0" b="0"/>
+      </a:lnRef>
+      <a:fillRef idx="1">
+        <a:scrgbClr r="0" g="0" b="0"/>
+      </a:fillRef>
+      <a:effectRef idx="0">
+        <a:scrgbClr r="0" g="0" b="0"/>
+      </a:effectRef>
+      <a:fontRef idx="minor">
+        <a:schemeClr val="lt1"/>
+      </a:fontRef>
+    </dgm:style>
+  </dgm:styleLbl>
+  <dgm:styleLbl name="sibTrans1D1">
+    <dgm:scene3d>
+      <a:camera prst="orthographicFront"/>
+      <a:lightRig rig="threePt" dir="t"/>
+    </dgm:scene3d>
+    <dgm:sp3d/>
+    <dgm:txPr/>
+    <dgm:style>
+      <a:lnRef idx="1">
+        <a:scrgbClr r="0" g="0" b="0"/>
+      </a:lnRef>
+      <a:fillRef idx="0">
+        <a:scrgbClr r="0" g="0" b="0"/>
+      </a:fillRef>
+      <a:effectRef idx="0">
+        <a:scrgbClr r="0" g="0" b="0"/>
+      </a:effectRef>
+      <a:fontRef idx="minor"/>
+    </dgm:style>
+  </dgm:styleLbl>
+  <dgm:styleLbl name="callout">
+    <dgm:scene3d>
+      <a:camera prst="orthographicFront"/>
+      <a:lightRig rig="threePt" dir="t"/>
+    </dgm:scene3d>
+    <dgm:sp3d/>
+    <dgm:txPr/>
+    <dgm:style>
+      <a:lnRef idx="2">
+        <a:scrgbClr r="0" g="0" b="0"/>
+      </a:lnRef>
+      <a:fillRef idx="1">
+        <a:scrgbClr r="0" g="0" b="0"/>
+      </a:fillRef>
+      <a:effectRef idx="0">
+        <a:scrgbClr r="0" g="0" b="0"/>
+      </a:effectRef>
+      <a:fontRef idx="minor"/>
+    </dgm:style>
+  </dgm:styleLbl>
+  <dgm:styleLbl name="asst0">
+    <dgm:scene3d>
+      <a:camera prst="orthographicFront"/>
+      <a:lightRig rig="threePt" dir="t"/>
+    </dgm:scene3d>
+    <dgm:sp3d/>
+    <dgm:txPr/>
+    <dgm:style>
+      <a:lnRef idx="2">
+        <a:scrgbClr r="0" g="0" b="0"/>
+      </a:lnRef>
+      <a:fillRef idx="1">
+        <a:scrgbClr r="0" g="0" b="0"/>
+      </a:fillRef>
+      <a:effectRef idx="0">
+        <a:scrgbClr r="0" g="0" b="0"/>
+      </a:effectRef>
+      <a:fontRef idx="minor">
+        <a:schemeClr val="lt1"/>
+      </a:fontRef>
+    </dgm:style>
+  </dgm:styleLbl>
+  <dgm:styleLbl name="asst1">
+    <dgm:scene3d>
+      <a:camera prst="orthographicFront"/>
+      <a:lightRig rig="threePt" dir="t"/>
+    </dgm:scene3d>
+    <dgm:sp3d/>
+    <dgm:txPr/>
+    <dgm:style>
+      <a:lnRef idx="2">
+        <a:scrgbClr r="0" g="0" b="0"/>
+      </a:lnRef>
+      <a:fillRef idx="1">
+        <a:scrgbClr r="0" g="0" b="0"/>
+      </a:fillRef>
+      <a:effectRef idx="0">
+        <a:scrgbClr r="0" g="0" b="0"/>
+      </a:effectRef>
+      <a:fontRef idx="minor">
+        <a:schemeClr val="lt1"/>
+      </a:fontRef>
+    </dgm:style>
+  </dgm:styleLbl>
+  <dgm:styleLbl name="asst2">
+    <dgm:scene3d>
+      <a:camera prst="orthographicFront"/>
+      <a:lightRig rig="threePt" dir="t"/>
+    </dgm:scene3d>
+    <dgm:sp3d/>
+    <dgm:txPr/>
+    <dgm:style>
+      <a:lnRef idx="2">
+        <a:scrgbClr r="0" g="0" b="0"/>
+      </a:lnRef>
+      <a:fillRef idx="1">
+        <a:scrgbClr r="0" g="0" b="0"/>
+      </a:fillRef>
+      <a:effectRef idx="0">
+        <a:scrgbClr r="0" g="0" b="0"/>
+      </a:effectRef>
+      <a:fontRef idx="minor">
+        <a:schemeClr val="lt1"/>
+      </a:fontRef>
+    </dgm:style>
+  </dgm:styleLbl>
+  <dgm:styleLbl name="asst3">
+    <dgm:scene3d>
+      <a:camera prst="orthographicFront"/>
+      <a:lightRig rig="threePt" dir="t"/>
+    </dgm:scene3d>
+    <dgm:sp3d/>
+    <dgm:txPr/>
+    <dgm:style>
+      <a:lnRef idx="2">
+        <a:scrgbClr r="0" g="0" b="0"/>
+      </a:lnRef>
+      <a:fillRef idx="1">
+        <a:scrgbClr r="0" g="0" b="0"/>
+      </a:fillRef>
+      <a:effectRef idx="0">
+        <a:scrgbClr r="0" g="0" b="0"/>
+      </a:effectRef>
+      <a:fontRef idx="minor">
+        <a:schemeClr val="lt1"/>
+      </a:fontRef>
+    </dgm:style>
+  </dgm:styleLbl>
+  <dgm:styleLbl name="asst4">
+    <dgm:scene3d>
+      <a:camera prst="orthographicFront"/>
+      <a:lightRig rig="threePt" dir="t"/>
+    </dgm:scene3d>
+    <dgm:sp3d/>
+    <dgm:txPr/>
+    <dgm:style>
+      <a:lnRef idx="2">
+        <a:scrgbClr r="0" g="0" b="0"/>
+      </a:lnRef>
+      <a:fillRef idx="1">
+        <a:scrgbClr r="0" g="0" b="0"/>
+      </a:fillRef>
+      <a:effectRef idx="0">
+        <a:scrgbClr r="0" g="0" b="0"/>
+      </a:effectRef>
+      <a:fontRef idx="minor">
+        <a:schemeClr val="lt1"/>
+      </a:fontRef>
+    </dgm:style>
+  </dgm:styleLbl>
+  <dgm:styleLbl name="parChTrans2D1">
+    <dgm:scene3d>
+      <a:camera prst="orthographicFront"/>
+      <a:lightRig rig="threePt" dir="t"/>
+    </dgm:scene3d>
+    <dgm:sp3d/>
+    <dgm:txPr/>
+    <dgm:style>
+      <a:lnRef idx="2">
+        <a:scrgbClr r="0" g="0" b="0"/>
+      </a:lnRef>
+      <a:fillRef idx="1">
+        <a:scrgbClr r="0" g="0" b="0"/>
+      </a:fillRef>
+      <a:effectRef idx="0">
+        <a:scrgbClr r="0" g="0" b="0"/>
+      </a:effectRef>
+      <a:fontRef idx="minor">
+        <a:schemeClr val="lt1"/>
+      </a:fontRef>
+    </dgm:style>
+  </dgm:styleLbl>
+  <dgm:styleLbl name="parChTrans2D2">
+    <dgm:scene3d>
+      <a:camera prst="orthographicFront"/>
+      <a:lightRig rig="threePt" dir="t"/>
+    </dgm:scene3d>
+    <dgm:sp3d/>
+    <dgm:txPr/>
+    <dgm:style>
+      <a:lnRef idx="2">
+        <a:scrgbClr r="0" g="0" b="0"/>
+      </a:lnRef>
+      <a:fillRef idx="1">
+        <a:scrgbClr r="0" g="0" b="0"/>
+      </a:fillRef>
+      <a:effectRef idx="0">
+        <a:scrgbClr r="0" g="0" b="0"/>
+      </a:effectRef>
+      <a:fontRef idx="minor">
+        <a:schemeClr val="lt1"/>
+      </a:fontRef>
+    </dgm:style>
+  </dgm:styleLbl>
+  <dgm:styleLbl name="parChTrans2D3">
+    <dgm:scene3d>
+      <a:camera prst="orthographicFront"/>
+      <a:lightRig rig="threePt" dir="t"/>
+    </dgm:scene3d>
+    <dgm:sp3d/>
+    <dgm:txPr/>
+    <dgm:style>
+      <a:lnRef idx="2">
+        <a:scrgbClr r="0" g="0" b="0"/>
+      </a:lnRef>
+      <a:fillRef idx="1">
+        <a:scrgbClr r="0" g="0" b="0"/>
+      </a:fillRef>
+      <a:effectRef idx="0">
+        <a:scrgbClr r="0" g="0" b="0"/>
+      </a:effectRef>
+      <a:fontRef idx="minor">
+        <a:schemeClr val="lt1"/>
+      </a:fontRef>
+    </dgm:style>
+  </dgm:styleLbl>
+  <dgm:styleLbl name="parChTrans2D4">
+    <dgm:scene3d>
+      <a:camera prst="orthographicFront"/>
+      <a:lightRig rig="threePt" dir="t"/>
+    </dgm:scene3d>
+    <dgm:sp3d/>
+    <dgm:txPr/>
+    <dgm:style>
+      <a:lnRef idx="2">
+        <a:scrgbClr r="0" g="0" b="0"/>
+      </a:lnRef>
+      <a:fillRef idx="1">
+        <a:scrgbClr r="0" g="0" b="0"/>
+      </a:fillRef>
+      <a:effectRef idx="0">
+        <a:scrgbClr r="0" g="0" b="0"/>
+      </a:effectRef>
+      <a:fontRef idx="minor">
+        <a:schemeClr val="lt1"/>
+      </a:fontRef>
+    </dgm:style>
+  </dgm:styleLbl>
+  <dgm:styleLbl name="parChTrans1D1">
+    <dgm:scene3d>
+      <a:camera prst="orthographicFront"/>
+      <a:lightRig rig="threePt" dir="t"/>
+    </dgm:scene3d>
+    <dgm:sp3d/>
+    <dgm:txPr/>
+    <dgm:style>
+      <a:lnRef idx="2">
+        <a:scrgbClr r="0" g="0" b="0"/>
+      </a:lnRef>
+      <a:fillRef idx="0">
+        <a:scrgbClr r="0" g="0" b="0"/>
+      </a:fillRef>
+      <a:effectRef idx="0">
+        <a:scrgbClr r="0" g="0" b="0"/>
+      </a:effectRef>
+      <a:fontRef idx="minor"/>
+    </dgm:style>
+  </dgm:styleLbl>
+  <dgm:styleLbl name="parChTrans1D2">
+    <dgm:scene3d>
+      <a:camera prst="orthographicFront"/>
+      <a:lightRig rig="threePt" dir="t"/>
+    </dgm:scene3d>
+    <dgm:sp3d/>
+    <dgm:txPr/>
+    <dgm:style>
+      <a:lnRef idx="2">
+        <a:scrgbClr r="0" g="0" b="0"/>
+      </a:lnRef>
+      <a:fillRef idx="0">
+        <a:scrgbClr r="0" g="0" b="0"/>
+      </a:fillRef>
+      <a:effectRef idx="0">
+        <a:scrgbClr r="0" g="0" b="0"/>
+      </a:effectRef>
+      <a:fontRef idx="minor"/>
+    </dgm:style>
+  </dgm:styleLbl>
+  <dgm:styleLbl name="parChTrans1D3">
+    <dgm:scene3d>
+      <a:camera prst="orthographicFront"/>
+      <a:lightRig rig="threePt" dir="t"/>
+    </dgm:scene3d>
+    <dgm:sp3d/>
+    <dgm:txPr/>
+    <dgm:style>
+      <a:lnRef idx="2">
+        <a:scrgbClr r="0" g="0" b="0"/>
+      </a:lnRef>
+      <a:fillRef idx="0">
+        <a:scrgbClr r="0" g="0" b="0"/>
+      </a:fillRef>
+      <a:effectRef idx="0">
+        <a:scrgbClr r="0" g="0" b="0"/>
+      </a:effectRef>
+      <a:fontRef idx="minor"/>
+    </dgm:style>
+  </dgm:styleLbl>
+  <dgm:styleLbl name="parChTrans1D4">
+    <dgm:scene3d>
+      <a:camera prst="orthographicFront"/>
+      <a:lightRig rig="threePt" dir="t"/>
+    </dgm:scene3d>
+    <dgm:sp3d/>
+    <dgm:txPr/>
+    <dgm:style>
+      <a:lnRef idx="2">
+        <a:scrgbClr r="0" g="0" b="0"/>
+      </a:lnRef>
+      <a:fillRef idx="0">
+        <a:scrgbClr r="0" g="0" b="0"/>
+      </a:fillRef>
+      <a:effectRef idx="0">
+        <a:scrgbClr r="0" g="0" b="0"/>
+      </a:effectRef>
+      <a:fontRef idx="minor"/>
+    </dgm:style>
+  </dgm:styleLbl>
+  <dgm:styleLbl name="fgAcc1">
+    <dgm:scene3d>
+      <a:camera prst="orthographicFront"/>
+      <a:lightRig rig="threePt" dir="t"/>
+    </dgm:scene3d>
+    <dgm:sp3d/>
+    <dgm:txPr/>
+    <dgm:style>
+      <a:lnRef idx="2">
+        <a:scrgbClr r="0" g="0" b="0"/>
+      </a:lnRef>
+      <a:fillRef idx="1">
+        <a:scrgbClr r="0" g="0" b="0"/>
+      </a:fillRef>
+      <a:effectRef idx="0">
+        <a:scrgbClr r="0" g="0" b="0"/>
+      </a:effectRef>
+      <a:fontRef idx="minor"/>
+    </dgm:style>
+  </dgm:styleLbl>
+  <dgm:styleLbl name="conFgAcc1">
+    <dgm:scene3d>
+      <a:camera prst="orthographicFront"/>
+      <a:lightRig rig="threePt" dir="t"/>
+    </dgm:scene3d>
+    <dgm:sp3d/>
+    <dgm:txPr/>
+    <dgm:style>
+      <a:lnRef idx="2">
+        <a:scrgbClr r="0" g="0" b="0"/>
+      </a:lnRef>
+      <a:fillRef idx="1">
+        <a:scrgbClr r="0" g="0" b="0"/>
+      </a:fillRef>
+      <a:effectRef idx="0">
+        <a:scrgbClr r="0" g="0" b="0"/>
+      </a:effectRef>
+      <a:fontRef idx="minor"/>
+    </dgm:style>
+  </dgm:styleLbl>
+  <dgm:styleLbl name="alignAcc1">
+    <dgm:scene3d>
+      <a:camera prst="orthographicFront"/>
+      <a:lightRig rig="threePt" dir="t"/>
+    </dgm:scene3d>
+    <dgm:sp3d/>
+    <dgm:txPr/>
+    <dgm:style>
+      <a:lnRef idx="2">
+        <a:scrgbClr r="0" g="0" b="0"/>
+      </a:lnRef>
+      <a:fillRef idx="1">
+        <a:scrgbClr r="0" g="0" b="0"/>
+      </a:fillRef>
+      <a:effectRef idx="0">
+        <a:scrgbClr r="0" g="0" b="0"/>
+      </a:effectRef>
+      <a:fontRef idx="minor"/>
+    </dgm:style>
+  </dgm:styleLbl>
+  <dgm:styleLbl name="trAlignAcc1">
+    <dgm:scene3d>
+      <a:camera prst="orthographicFront"/>
+      <a:lightRig rig="threePt" dir="t"/>
+    </dgm:scene3d>
+    <dgm:sp3d/>
+    <dgm:txPr/>
+    <dgm:style>
+      <a:lnRef idx="1">
+        <a:scrgbClr r="0" g="0" b="0"/>
+      </a:lnRef>
+      <a:fillRef idx="1">
+        <a:scrgbClr r="0" g="0" b="0"/>
+      </a:fillRef>
+      <a:effectRef idx="0">
+        <a:scrgbClr r="0" g="0" b="0"/>
+      </a:effectRef>
+      <a:fontRef idx="minor"/>
+    </dgm:style>
+  </dgm:styleLbl>
+  <dgm:styleLbl name="bgAcc1">
+    <dgm:scene3d>
+      <a:camera prst="orthographicFront"/>
+      <a:lightRig rig="threePt" dir="t"/>
+    </dgm:scene3d>
+    <dgm:sp3d/>
+    <dgm:txPr/>
+    <dgm:style>
+      <a:lnRef idx="2">
+        <a:scrgbClr r="0" g="0" b="0"/>
+      </a:lnRef>
+      <a:fillRef idx="1">
+        <a:scrgbClr r="0" g="0" b="0"/>
+      </a:fillRef>
+      <a:effectRef idx="0">
+        <a:scrgbClr r="0" g="0" b="0"/>
+      </a:effectRef>
+      <a:fontRef idx="minor"/>
+    </dgm:style>
+  </dgm:styleLbl>
+  <dgm:styleLbl name="solidFgAcc1">
+    <dgm:scene3d>
+      <a:camera prst="orthographicFront"/>
+      <a:lightRig rig="threePt" dir="t"/>
+    </dgm:scene3d>
+    <dgm:sp3d/>
+    <dgm:txPr/>
+    <dgm:style>
+      <a:lnRef idx="2">
+        <a:scrgbClr r="0" g="0" b="0"/>
+      </a:lnRef>
+      <a:fillRef idx="1">
+        <a:scrgbClr r="0" g="0" b="0"/>
+      </a:fillRef>
+      <a:effectRef idx="0">
+        <a:scrgbClr r="0" g="0" b="0"/>
+      </a:effectRef>
+      <a:fontRef idx="minor"/>
+    </dgm:style>
+  </dgm:styleLbl>
+  <dgm:styleLbl name="solidAlignAcc1">
+    <dgm:scene3d>
+      <a:camera prst="orthographicFront"/>
+      <a:lightRig rig="threePt" dir="t"/>
+    </dgm:scene3d>
+    <dgm:sp3d/>
+    <dgm:txPr/>
+    <dgm:style>
+      <a:lnRef idx="2">
+        <a:scrgbClr r="0" g="0" b="0"/>
+      </a:lnRef>
+      <a:fillRef idx="1">
+        <a:scrgbClr r="0" g="0" b="0"/>
+      </a:fillRef>
+      <a:effectRef idx="0">
+        <a:scrgbClr r="0" g="0" b="0"/>
+      </a:effectRef>
+      <a:fontRef idx="minor"/>
+    </dgm:style>
+  </dgm:styleLbl>
+  <dgm:styleLbl name="solidBgAcc1">
+    <dgm:scene3d>
+      <a:camera prst="orthographicFront"/>
+      <a:lightRig rig="threePt" dir="t"/>
+    </dgm:scene3d>
+    <dgm:sp3d/>
+    <dgm:txPr/>
+    <dgm:style>
+      <a:lnRef idx="2">
+        <a:scrgbClr r="0" g="0" b="0"/>
+      </a:lnRef>
+      <a:fillRef idx="1">
+        <a:scrgbClr r="0" g="0" b="0"/>
+      </a:fillRef>
+      <a:effectRef idx="0">
+        <a:scrgbClr r="0" g="0" b="0"/>
+      </a:effectRef>
+      <a:fontRef idx="minor"/>
+    </dgm:style>
+  </dgm:styleLbl>
+  <dgm:styleLbl name="fgAccFollowNode1">
+    <dgm:scene3d>
+      <a:camera prst="orthographicFront"/>
+      <a:lightRig rig="threePt" dir="t"/>
+    </dgm:scene3d>
+    <dgm:sp3d/>
+    <dgm:txPr/>
+    <dgm:style>
+      <a:lnRef idx="2">
+        <a:scrgbClr r="0" g="0" b="0"/>
+      </a:lnRef>
+      <a:fillRef idx="1">
+        <a:scrgbClr r="0" g="0" b="0"/>
+      </a:fillRef>
+      <a:effectRef idx="0">
+        <a:scrgbClr r="0" g="0" b="0"/>
+      </a:effectRef>
+      <a:fontRef idx="minor"/>
+    </dgm:style>
+  </dgm:styleLbl>
+  <dgm:styleLbl name="alignAccFollowNode1">
+    <dgm:scene3d>
+      <a:camera prst="orthographicFront"/>
+      <a:lightRig rig="threePt" dir="t"/>
+    </dgm:scene3d>
+    <dgm:sp3d/>
+    <dgm:txPr/>
+    <dgm:style>
+      <a:lnRef idx="2">
+        <a:scrgbClr r="0" g="0" b="0"/>
+      </a:lnRef>
+      <a:fillRef idx="1">
+        <a:scrgbClr r="0" g="0" b="0"/>
+      </a:fillRef>
+      <a:effectRef idx="0">
+        <a:scrgbClr r="0" g="0" b="0"/>
+      </a:effectRef>
+      <a:fontRef idx="minor"/>
+    </dgm:style>
+  </dgm:styleLbl>
+  <dgm:styleLbl name="bgAccFollowNode1">
+    <dgm:scene3d>
+      <a:camera prst="orthographicFront"/>
+      <a:lightRig rig="threePt" dir="t"/>
+    </dgm:scene3d>
+    <dgm:sp3d/>
+    <dgm:txPr/>
+    <dgm:style>
+      <a:lnRef idx="2">
+        <a:scrgbClr r="0" g="0" b="0"/>
+      </a:lnRef>
+      <a:fillRef idx="1">
+        <a:scrgbClr r="0" g="0" b="0"/>
+      </a:fillRef>
+      <a:effectRef idx="0">
+        <a:scrgbClr r="0" g="0" b="0"/>
+      </a:effectRef>
+      <a:fontRef idx="minor"/>
+    </dgm:style>
+  </dgm:styleLbl>
+  <dgm:styleLbl name="fgAcc0">
+    <dgm:scene3d>
+      <a:camera prst="orthographicFront"/>
+      <a:lightRig rig="threePt" dir="t"/>
+    </dgm:scene3d>
+    <dgm:sp3d/>
+    <dgm:txPr/>
+    <dgm:style>
+      <a:lnRef idx="2">
+        <a:scrgbClr r="0" g="0" b="0"/>
+      </a:lnRef>
+      <a:fillRef idx="1">
+        <a:scrgbClr r="0" g="0" b="0"/>
+      </a:fillRef>
+      <a:effectRef idx="0">
+        <a:scrgbClr r="0" g="0" b="0"/>
+      </a:effectRef>
+      <a:fontRef idx="minor"/>
+    </dgm:style>
+  </dgm:styleLbl>
+  <dgm:styleLbl name="fgAcc2">
+    <dgm:scene3d>
+      <a:camera prst="orthographicFront"/>
+      <a:lightRig rig="threePt" dir="t"/>
+    </dgm:scene3d>
+    <dgm:sp3d/>
+    <dgm:txPr/>
+    <dgm:style>
+      <a:lnRef idx="2">
+        <a:scrgbClr r="0" g="0" b="0"/>
+      </a:lnRef>
+      <a:fillRef idx="1">
+        <a:scrgbClr r="0" g="0" b="0"/>
+      </a:fillRef>
+      <a:effectRef idx="0">
+        <a:scrgbClr r="0" g="0" b="0"/>
+      </a:effectRef>
+      <a:fontRef idx="minor"/>
+    </dgm:style>
+  </dgm:styleLbl>
+  <dgm:styleLbl name="fgAcc3">
+    <dgm:scene3d>
+      <a:camera prst="orthographicFront"/>
+      <a:lightRig rig="threePt" dir="t"/>
+    </dgm:scene3d>
+    <dgm:sp3d/>
+    <dgm:txPr/>
+    <dgm:style>
+      <a:lnRef idx="2">
+        <a:scrgbClr r="0" g="0" b="0"/>
+      </a:lnRef>
+      <a:fillRef idx="1">
+        <a:scrgbClr r="0" g="0" b="0"/>
+      </a:fillRef>
+      <a:effectRef idx="0">
+        <a:scrgbClr r="0" g="0" b="0"/>
+      </a:effectRef>
+      <a:fontRef idx="minor"/>
+    </dgm:style>
+  </dgm:styleLbl>
+  <dgm:styleLbl name="fgAcc4">
+    <dgm:scene3d>
+      <a:camera prst="orthographicFront"/>
+      <a:lightRig rig="threePt" dir="t"/>
+    </dgm:scene3d>
+    <dgm:sp3d/>
+    <dgm:txPr/>
+    <dgm:style>
+      <a:lnRef idx="2">
+        <a:scrgbClr r="0" g="0" b="0"/>
+      </a:lnRef>
+      <a:fillRef idx="1">
+        <a:scrgbClr r="0" g="0" b="0"/>
+      </a:fillRef>
+      <a:effectRef idx="0">
+        <a:scrgbClr r="0" g="0" b="0"/>
+      </a:effectRef>
+      <a:fontRef idx="minor"/>
+    </dgm:style>
+  </dgm:styleLbl>
+  <dgm:styleLbl name="bgShp">
+    <dgm:scene3d>
+      <a:camera prst="orthographicFront"/>
+      <a:lightRig rig="threePt" dir="t"/>
+    </dgm:scene3d>
+    <dgm:sp3d/>
+    <dgm:txPr/>
+    <dgm:style>
+      <a:lnRef idx="0">
+        <a:scrgbClr r="0" g="0" b="0"/>
+      </a:lnRef>
+      <a:fillRef idx="1">
+        <a:scrgbClr r="0" g="0" b="0"/>
+      </a:fillRef>
+      <a:effectRef idx="0">
+        <a:scrgbClr r="0" g="0" b="0"/>
+      </a:effectRef>
+      <a:fontRef idx="minor"/>
+    </dgm:style>
+  </dgm:styleLbl>
+  <dgm:styleLbl name="dkBgShp">
+    <dgm:scene3d>
+      <a:camera prst="orthographicFront"/>
+      <a:lightRig rig="threePt" dir="t"/>
+    </dgm:scene3d>
+    <dgm:sp3d/>
+    <dgm:txPr/>
+    <dgm:style>
+      <a:lnRef idx="0">
+        <a:scrgbClr r="0" g="0" b="0"/>
+      </a:lnRef>
+      <a:fillRef idx="1">
+        <a:scrgbClr r="0" g="0" b="0"/>
+      </a:fillRef>
+      <a:effectRef idx="0">
+        <a:scrgbClr r="0" g="0" b="0"/>
+      </a:effectRef>
+      <a:fontRef idx="minor"/>
+    </dgm:style>
+  </dgm:styleLbl>
+  <dgm:styleLbl name="trBgShp">
+    <dgm:scene3d>
+      <a:camera prst="orthographicFront"/>
+      <a:lightRig rig="threePt" dir="t"/>
+    </dgm:scene3d>
+    <dgm:sp3d/>
+    <dgm:txPr/>
+    <dgm:style>
+      <a:lnRef idx="0">
+        <a:scrgbClr r="0" g="0" b="0"/>
+      </a:lnRef>
+      <a:fillRef idx="1">
+        <a:scrgbClr r="0" g="0" b="0"/>
+      </a:fillRef>
+      <a:effectRef idx="0">
+        <a:scrgbClr r="0" g="0" b="0"/>
+      </a:effectRef>
+      <a:fontRef idx="minor"/>
+    </dgm:style>
+  </dgm:styleLbl>
+  <dgm:styleLbl name="fgShp">
+    <dgm:scene3d>
+      <a:camera prst="orthographicFront"/>
+      <a:lightRig rig="threePt" dir="t"/>
+    </dgm:scene3d>
+    <dgm:sp3d/>
+    <dgm:txPr/>
+    <dgm:style>
+      <a:lnRef idx="2">
+        <a:scrgbClr r="0" g="0" b="0"/>
+      </a:lnRef>
+      <a:fillRef idx="1">
+        <a:scrgbClr r="0" g="0" b="0"/>
+      </a:fillRef>
+      <a:effectRef idx="0">
+        <a:scrgbClr r="0" g="0" b="0"/>
+      </a:effectRef>
+      <a:fontRef idx="minor"/>
+    </dgm:style>
+  </dgm:styleLbl>
+  <dgm:styleLbl name="revTx">
+    <dgm:scene3d>
+      <a:camera prst="orthographicFront"/>
+      <a:lightRig rig="threePt" dir="t"/>
+    </dgm:scene3d>
+    <dgm:sp3d/>
+    <dgm:txPr/>
+    <dgm:style>
+      <a:lnRef idx="0">
+        <a:scrgbClr r="0" g="0" b="0"/>
+      </a:lnRef>
+      <a:fillRef idx="0">
+        <a:scrgbClr r="0" g="0" b="0"/>
+      </a:fillRef>
+      <a:effectRef idx="0">
+        <a:scrgbClr r="0" g="0" b="0"/>
+      </a:effectRef>
+      <a:fontRef idx="minor"/>
+    </dgm:style>
+  </dgm:styleLbl>
+</dgm:styleDef>
+</file>
+
 <file path=ppt/notesMasters/notesMaster1.xml><?xml version="1.0" encoding="utf-8"?>
 <p:notesMaster xmlns:a="http://schemas.openxmlformats.org/drawingml/2006/main" xmlns:r="http://schemas.openxmlformats.org/officeDocument/2006/relationships" xmlns:p="http://schemas.openxmlformats.org/presentationml/2006/main">
   <p:cSld>
@@ -211,7 +3366,7 @@
           <a:p>
             <a:fld id="{DC4C920C-E88C-9B46-8DAA-02CD0C667D93}" type="datetimeFigureOut">
               <a:rPr lang="en-US" smtClean="0"/>
-              <a:t>1/24/21</a:t>
+              <a:t>1/27/21</a:t>
             </a:fld>
             <a:endParaRPr lang="en-US"/>
           </a:p>
@@ -478,6 +3633,1395 @@
 </p:notesMaster>
 </file>
 
+<file path=ppt/notesSlides/notesSlide1.xml><?xml version="1.0" encoding="utf-8"?>
+<p:notes xmlns:a="http://schemas.openxmlformats.org/drawingml/2006/main" xmlns:r="http://schemas.openxmlformats.org/officeDocument/2006/relationships" xmlns:p="http://schemas.openxmlformats.org/presentationml/2006/main">
+  <p:cSld>
+    <p:spTree>
+      <p:nvGrpSpPr>
+        <p:cNvPr id="1" name=""/>
+        <p:cNvGrpSpPr/>
+        <p:nvPr/>
+      </p:nvGrpSpPr>
+      <p:grpSpPr>
+        <a:xfrm>
+          <a:off x="0" y="0"/>
+          <a:ext cx="0" cy="0"/>
+          <a:chOff x="0" y="0"/>
+          <a:chExt cx="0" cy="0"/>
+        </a:xfrm>
+      </p:grpSpPr>
+      <p:sp>
+        <p:nvSpPr>
+          <p:cNvPr id="2" name="Slide Image Placeholder 1"/>
+          <p:cNvSpPr>
+            <a:spLocks noGrp="1" noRot="1" noChangeAspect="1"/>
+          </p:cNvSpPr>
+          <p:nvPr>
+            <p:ph type="sldImg"/>
+          </p:nvPr>
+        </p:nvSpPr>
+        <p:spPr/>
+      </p:sp>
+      <p:sp>
+        <p:nvSpPr>
+          <p:cNvPr id="3" name="Notes Placeholder 2"/>
+          <p:cNvSpPr>
+            <a:spLocks noGrp="1"/>
+          </p:cNvSpPr>
+          <p:nvPr>
+            <p:ph type="body" idx="1"/>
+          </p:nvPr>
+        </p:nvSpPr>
+        <p:spPr/>
+        <p:txBody>
+          <a:bodyPr/>
+          <a:lstStyle/>
+          <a:p>
+            <a:r>
+              <a:rPr lang="en-US" dirty="0"/>
+              <a:t>Doug</a:t>
+            </a:r>
+          </a:p>
+        </p:txBody>
+      </p:sp>
+      <p:sp>
+        <p:nvSpPr>
+          <p:cNvPr id="4" name="Slide Number Placeholder 3"/>
+          <p:cNvSpPr>
+            <a:spLocks noGrp="1"/>
+          </p:cNvSpPr>
+          <p:nvPr>
+            <p:ph type="sldNum" sz="quarter" idx="5"/>
+          </p:nvPr>
+        </p:nvSpPr>
+        <p:spPr/>
+        <p:txBody>
+          <a:bodyPr/>
+          <a:lstStyle/>
+          <a:p>
+            <a:fld id="{B5409C19-1286-E84C-8244-E1A1BF094CAB}" type="slidenum">
+              <a:rPr lang="en-US" smtClean="0"/>
+              <a:t>1</a:t>
+            </a:fld>
+            <a:endParaRPr lang="en-US"/>
+          </a:p>
+        </p:txBody>
+      </p:sp>
+    </p:spTree>
+    <p:extLst>
+      <p:ext uri="{BB962C8B-B14F-4D97-AF65-F5344CB8AC3E}">
+        <p14:creationId xmlns:p14="http://schemas.microsoft.com/office/powerpoint/2010/main" val="1113690350"/>
+      </p:ext>
+    </p:extLst>
+  </p:cSld>
+  <p:clrMapOvr>
+    <a:masterClrMapping/>
+  </p:clrMapOvr>
+</p:notes>
+</file>
+
+<file path=ppt/notesSlides/notesSlide10.xml><?xml version="1.0" encoding="utf-8"?>
+<p:notes xmlns:a="http://schemas.openxmlformats.org/drawingml/2006/main" xmlns:r="http://schemas.openxmlformats.org/officeDocument/2006/relationships" xmlns:p="http://schemas.openxmlformats.org/presentationml/2006/main">
+  <p:cSld>
+    <p:spTree>
+      <p:nvGrpSpPr>
+        <p:cNvPr id="1" name=""/>
+        <p:cNvGrpSpPr/>
+        <p:nvPr/>
+      </p:nvGrpSpPr>
+      <p:grpSpPr>
+        <a:xfrm>
+          <a:off x="0" y="0"/>
+          <a:ext cx="0" cy="0"/>
+          <a:chOff x="0" y="0"/>
+          <a:chExt cx="0" cy="0"/>
+        </a:xfrm>
+      </p:grpSpPr>
+      <p:sp>
+        <p:nvSpPr>
+          <p:cNvPr id="2" name="Slide Image Placeholder 1"/>
+          <p:cNvSpPr>
+            <a:spLocks noGrp="1" noRot="1" noChangeAspect="1"/>
+          </p:cNvSpPr>
+          <p:nvPr>
+            <p:ph type="sldImg"/>
+          </p:nvPr>
+        </p:nvSpPr>
+        <p:spPr/>
+      </p:sp>
+      <p:sp>
+        <p:nvSpPr>
+          <p:cNvPr id="3" name="Notes Placeholder 2"/>
+          <p:cNvSpPr>
+            <a:spLocks noGrp="1"/>
+          </p:cNvSpPr>
+          <p:nvPr>
+            <p:ph type="body" idx="1"/>
+          </p:nvPr>
+        </p:nvSpPr>
+        <p:spPr/>
+        <p:txBody>
+          <a:bodyPr/>
+          <a:lstStyle/>
+          <a:p>
+            <a:r>
+              <a:rPr lang="en-US" dirty="0"/>
+              <a:t>Damon</a:t>
+            </a:r>
+          </a:p>
+        </p:txBody>
+      </p:sp>
+      <p:sp>
+        <p:nvSpPr>
+          <p:cNvPr id="4" name="Slide Number Placeholder 3"/>
+          <p:cNvSpPr>
+            <a:spLocks noGrp="1"/>
+          </p:cNvSpPr>
+          <p:nvPr>
+            <p:ph type="sldNum" sz="quarter" idx="5"/>
+          </p:nvPr>
+        </p:nvSpPr>
+        <p:spPr/>
+        <p:txBody>
+          <a:bodyPr/>
+          <a:lstStyle/>
+          <a:p>
+            <a:fld id="{B5409C19-1286-E84C-8244-E1A1BF094CAB}" type="slidenum">
+              <a:rPr lang="en-US" smtClean="0"/>
+              <a:t>10</a:t>
+            </a:fld>
+            <a:endParaRPr lang="en-US"/>
+          </a:p>
+        </p:txBody>
+      </p:sp>
+    </p:spTree>
+    <p:extLst>
+      <p:ext uri="{BB962C8B-B14F-4D97-AF65-F5344CB8AC3E}">
+        <p14:creationId xmlns:p14="http://schemas.microsoft.com/office/powerpoint/2010/main" val="1081387337"/>
+      </p:ext>
+    </p:extLst>
+  </p:cSld>
+  <p:clrMapOvr>
+    <a:masterClrMapping/>
+  </p:clrMapOvr>
+</p:notes>
+</file>
+
+<file path=ppt/notesSlides/notesSlide11.xml><?xml version="1.0" encoding="utf-8"?>
+<p:notes xmlns:a="http://schemas.openxmlformats.org/drawingml/2006/main" xmlns:r="http://schemas.openxmlformats.org/officeDocument/2006/relationships" xmlns:p="http://schemas.openxmlformats.org/presentationml/2006/main">
+  <p:cSld>
+    <p:spTree>
+      <p:nvGrpSpPr>
+        <p:cNvPr id="1" name=""/>
+        <p:cNvGrpSpPr/>
+        <p:nvPr/>
+      </p:nvGrpSpPr>
+      <p:grpSpPr>
+        <a:xfrm>
+          <a:off x="0" y="0"/>
+          <a:ext cx="0" cy="0"/>
+          <a:chOff x="0" y="0"/>
+          <a:chExt cx="0" cy="0"/>
+        </a:xfrm>
+      </p:grpSpPr>
+      <p:sp>
+        <p:nvSpPr>
+          <p:cNvPr id="2" name="Slide Image Placeholder 1"/>
+          <p:cNvSpPr>
+            <a:spLocks noGrp="1" noRot="1" noChangeAspect="1"/>
+          </p:cNvSpPr>
+          <p:nvPr>
+            <p:ph type="sldImg"/>
+          </p:nvPr>
+        </p:nvSpPr>
+        <p:spPr/>
+      </p:sp>
+      <p:sp>
+        <p:nvSpPr>
+          <p:cNvPr id="3" name="Notes Placeholder 2"/>
+          <p:cNvSpPr>
+            <a:spLocks noGrp="1"/>
+          </p:cNvSpPr>
+          <p:nvPr>
+            <p:ph type="body" idx="1"/>
+          </p:nvPr>
+        </p:nvSpPr>
+        <p:spPr/>
+        <p:txBody>
+          <a:bodyPr/>
+          <a:lstStyle/>
+          <a:p>
+            <a:r>
+              <a:rPr lang="en-US" dirty="0"/>
+              <a:t>Doug</a:t>
+            </a:r>
+          </a:p>
+        </p:txBody>
+      </p:sp>
+      <p:sp>
+        <p:nvSpPr>
+          <p:cNvPr id="4" name="Slide Number Placeholder 3"/>
+          <p:cNvSpPr>
+            <a:spLocks noGrp="1"/>
+          </p:cNvSpPr>
+          <p:nvPr>
+            <p:ph type="sldNum" sz="quarter" idx="5"/>
+          </p:nvPr>
+        </p:nvSpPr>
+        <p:spPr/>
+        <p:txBody>
+          <a:bodyPr/>
+          <a:lstStyle/>
+          <a:p>
+            <a:fld id="{B5409C19-1286-E84C-8244-E1A1BF094CAB}" type="slidenum">
+              <a:rPr lang="en-US" smtClean="0"/>
+              <a:t>11</a:t>
+            </a:fld>
+            <a:endParaRPr lang="en-US"/>
+          </a:p>
+        </p:txBody>
+      </p:sp>
+    </p:spTree>
+    <p:extLst>
+      <p:ext uri="{BB962C8B-B14F-4D97-AF65-F5344CB8AC3E}">
+        <p14:creationId xmlns:p14="http://schemas.microsoft.com/office/powerpoint/2010/main" val="4003715476"/>
+      </p:ext>
+    </p:extLst>
+  </p:cSld>
+  <p:clrMapOvr>
+    <a:masterClrMapping/>
+  </p:clrMapOvr>
+</p:notes>
+</file>
+
+<file path=ppt/notesSlides/notesSlide12.xml><?xml version="1.0" encoding="utf-8"?>
+<p:notes xmlns:a="http://schemas.openxmlformats.org/drawingml/2006/main" xmlns:r="http://schemas.openxmlformats.org/officeDocument/2006/relationships" xmlns:p="http://schemas.openxmlformats.org/presentationml/2006/main">
+  <p:cSld>
+    <p:spTree>
+      <p:nvGrpSpPr>
+        <p:cNvPr id="1" name=""/>
+        <p:cNvGrpSpPr/>
+        <p:nvPr/>
+      </p:nvGrpSpPr>
+      <p:grpSpPr>
+        <a:xfrm>
+          <a:off x="0" y="0"/>
+          <a:ext cx="0" cy="0"/>
+          <a:chOff x="0" y="0"/>
+          <a:chExt cx="0" cy="0"/>
+        </a:xfrm>
+      </p:grpSpPr>
+      <p:sp>
+        <p:nvSpPr>
+          <p:cNvPr id="2" name="Slide Image Placeholder 1"/>
+          <p:cNvSpPr>
+            <a:spLocks noGrp="1" noRot="1" noChangeAspect="1"/>
+          </p:cNvSpPr>
+          <p:nvPr>
+            <p:ph type="sldImg"/>
+          </p:nvPr>
+        </p:nvSpPr>
+        <p:spPr/>
+      </p:sp>
+      <p:sp>
+        <p:nvSpPr>
+          <p:cNvPr id="3" name="Notes Placeholder 2"/>
+          <p:cNvSpPr>
+            <a:spLocks noGrp="1"/>
+          </p:cNvSpPr>
+          <p:nvPr>
+            <p:ph type="body" idx="1"/>
+          </p:nvPr>
+        </p:nvSpPr>
+        <p:spPr/>
+        <p:txBody>
+          <a:bodyPr/>
+          <a:lstStyle/>
+          <a:p>
+            <a:r>
+              <a:rPr lang="en-US" dirty="0"/>
+              <a:t>Damon</a:t>
+            </a:r>
+          </a:p>
+        </p:txBody>
+      </p:sp>
+      <p:sp>
+        <p:nvSpPr>
+          <p:cNvPr id="4" name="Slide Number Placeholder 3"/>
+          <p:cNvSpPr>
+            <a:spLocks noGrp="1"/>
+          </p:cNvSpPr>
+          <p:nvPr>
+            <p:ph type="sldNum" sz="quarter" idx="5"/>
+          </p:nvPr>
+        </p:nvSpPr>
+        <p:spPr/>
+        <p:txBody>
+          <a:bodyPr/>
+          <a:lstStyle/>
+          <a:p>
+            <a:fld id="{B5409C19-1286-E84C-8244-E1A1BF094CAB}" type="slidenum">
+              <a:rPr lang="en-US" smtClean="0"/>
+              <a:t>12</a:t>
+            </a:fld>
+            <a:endParaRPr lang="en-US"/>
+          </a:p>
+        </p:txBody>
+      </p:sp>
+    </p:spTree>
+    <p:extLst>
+      <p:ext uri="{BB962C8B-B14F-4D97-AF65-F5344CB8AC3E}">
+        <p14:creationId xmlns:p14="http://schemas.microsoft.com/office/powerpoint/2010/main" val="2560272574"/>
+      </p:ext>
+    </p:extLst>
+  </p:cSld>
+  <p:clrMapOvr>
+    <a:masterClrMapping/>
+  </p:clrMapOvr>
+</p:notes>
+</file>
+
+<file path=ppt/notesSlides/notesSlide13.xml><?xml version="1.0" encoding="utf-8"?>
+<p:notes xmlns:a="http://schemas.openxmlformats.org/drawingml/2006/main" xmlns:r="http://schemas.openxmlformats.org/officeDocument/2006/relationships" xmlns:p="http://schemas.openxmlformats.org/presentationml/2006/main">
+  <p:cSld>
+    <p:spTree>
+      <p:nvGrpSpPr>
+        <p:cNvPr id="1" name=""/>
+        <p:cNvGrpSpPr/>
+        <p:nvPr/>
+      </p:nvGrpSpPr>
+      <p:grpSpPr>
+        <a:xfrm>
+          <a:off x="0" y="0"/>
+          <a:ext cx="0" cy="0"/>
+          <a:chOff x="0" y="0"/>
+          <a:chExt cx="0" cy="0"/>
+        </a:xfrm>
+      </p:grpSpPr>
+      <p:sp>
+        <p:nvSpPr>
+          <p:cNvPr id="2" name="Slide Image Placeholder 1"/>
+          <p:cNvSpPr>
+            <a:spLocks noGrp="1" noRot="1" noChangeAspect="1"/>
+          </p:cNvSpPr>
+          <p:nvPr>
+            <p:ph type="sldImg"/>
+          </p:nvPr>
+        </p:nvSpPr>
+        <p:spPr/>
+      </p:sp>
+      <p:sp>
+        <p:nvSpPr>
+          <p:cNvPr id="3" name="Notes Placeholder 2"/>
+          <p:cNvSpPr>
+            <a:spLocks noGrp="1"/>
+          </p:cNvSpPr>
+          <p:nvPr>
+            <p:ph type="body" idx="1"/>
+          </p:nvPr>
+        </p:nvSpPr>
+        <p:spPr/>
+        <p:txBody>
+          <a:bodyPr/>
+          <a:lstStyle/>
+          <a:p>
+            <a:r>
+              <a:rPr lang="en-US" dirty="0"/>
+              <a:t>Doug</a:t>
+            </a:r>
+          </a:p>
+        </p:txBody>
+      </p:sp>
+      <p:sp>
+        <p:nvSpPr>
+          <p:cNvPr id="4" name="Slide Number Placeholder 3"/>
+          <p:cNvSpPr>
+            <a:spLocks noGrp="1"/>
+          </p:cNvSpPr>
+          <p:nvPr>
+            <p:ph type="sldNum" sz="quarter" idx="5"/>
+          </p:nvPr>
+        </p:nvSpPr>
+        <p:spPr/>
+        <p:txBody>
+          <a:bodyPr/>
+          <a:lstStyle/>
+          <a:p>
+            <a:fld id="{B5409C19-1286-E84C-8244-E1A1BF094CAB}" type="slidenum">
+              <a:rPr lang="en-US" smtClean="0"/>
+              <a:t>13</a:t>
+            </a:fld>
+            <a:endParaRPr lang="en-US"/>
+          </a:p>
+        </p:txBody>
+      </p:sp>
+    </p:spTree>
+    <p:extLst>
+      <p:ext uri="{BB962C8B-B14F-4D97-AF65-F5344CB8AC3E}">
+        <p14:creationId xmlns:p14="http://schemas.microsoft.com/office/powerpoint/2010/main" val="3747328626"/>
+      </p:ext>
+    </p:extLst>
+  </p:cSld>
+  <p:clrMapOvr>
+    <a:masterClrMapping/>
+  </p:clrMapOvr>
+</p:notes>
+</file>
+
+<file path=ppt/notesSlides/notesSlide14.xml><?xml version="1.0" encoding="utf-8"?>
+<p:notes xmlns:a="http://schemas.openxmlformats.org/drawingml/2006/main" xmlns:r="http://schemas.openxmlformats.org/officeDocument/2006/relationships" xmlns:p="http://schemas.openxmlformats.org/presentationml/2006/main">
+  <p:cSld>
+    <p:spTree>
+      <p:nvGrpSpPr>
+        <p:cNvPr id="1" name=""/>
+        <p:cNvGrpSpPr/>
+        <p:nvPr/>
+      </p:nvGrpSpPr>
+      <p:grpSpPr>
+        <a:xfrm>
+          <a:off x="0" y="0"/>
+          <a:ext cx="0" cy="0"/>
+          <a:chOff x="0" y="0"/>
+          <a:chExt cx="0" cy="0"/>
+        </a:xfrm>
+      </p:grpSpPr>
+      <p:sp>
+        <p:nvSpPr>
+          <p:cNvPr id="2" name="Slide Image Placeholder 1"/>
+          <p:cNvSpPr>
+            <a:spLocks noGrp="1" noRot="1" noChangeAspect="1"/>
+          </p:cNvSpPr>
+          <p:nvPr>
+            <p:ph type="sldImg"/>
+          </p:nvPr>
+        </p:nvSpPr>
+        <p:spPr/>
+      </p:sp>
+      <p:sp>
+        <p:nvSpPr>
+          <p:cNvPr id="3" name="Notes Placeholder 2"/>
+          <p:cNvSpPr>
+            <a:spLocks noGrp="1"/>
+          </p:cNvSpPr>
+          <p:nvPr>
+            <p:ph type="body" idx="1"/>
+          </p:nvPr>
+        </p:nvSpPr>
+        <p:spPr/>
+        <p:txBody>
+          <a:bodyPr/>
+          <a:lstStyle/>
+          <a:p>
+            <a:r>
+              <a:rPr lang="en-US" dirty="0"/>
+              <a:t>Doug</a:t>
+            </a:r>
+          </a:p>
+        </p:txBody>
+      </p:sp>
+      <p:sp>
+        <p:nvSpPr>
+          <p:cNvPr id="4" name="Slide Number Placeholder 3"/>
+          <p:cNvSpPr>
+            <a:spLocks noGrp="1"/>
+          </p:cNvSpPr>
+          <p:nvPr>
+            <p:ph type="sldNum" sz="quarter" idx="5"/>
+          </p:nvPr>
+        </p:nvSpPr>
+        <p:spPr/>
+        <p:txBody>
+          <a:bodyPr/>
+          <a:lstStyle/>
+          <a:p>
+            <a:fld id="{B5409C19-1286-E84C-8244-E1A1BF094CAB}" type="slidenum">
+              <a:rPr lang="en-US" smtClean="0"/>
+              <a:t>14</a:t>
+            </a:fld>
+            <a:endParaRPr lang="en-US"/>
+          </a:p>
+        </p:txBody>
+      </p:sp>
+    </p:spTree>
+    <p:extLst>
+      <p:ext uri="{BB962C8B-B14F-4D97-AF65-F5344CB8AC3E}">
+        <p14:creationId xmlns:p14="http://schemas.microsoft.com/office/powerpoint/2010/main" val="3228779605"/>
+      </p:ext>
+    </p:extLst>
+  </p:cSld>
+  <p:clrMapOvr>
+    <a:masterClrMapping/>
+  </p:clrMapOvr>
+</p:notes>
+</file>
+
+<file path=ppt/notesSlides/notesSlide15.xml><?xml version="1.0" encoding="utf-8"?>
+<p:notes xmlns:a="http://schemas.openxmlformats.org/drawingml/2006/main" xmlns:r="http://schemas.openxmlformats.org/officeDocument/2006/relationships" xmlns:p="http://schemas.openxmlformats.org/presentationml/2006/main">
+  <p:cSld>
+    <p:spTree>
+      <p:nvGrpSpPr>
+        <p:cNvPr id="1" name=""/>
+        <p:cNvGrpSpPr/>
+        <p:nvPr/>
+      </p:nvGrpSpPr>
+      <p:grpSpPr>
+        <a:xfrm>
+          <a:off x="0" y="0"/>
+          <a:ext cx="0" cy="0"/>
+          <a:chOff x="0" y="0"/>
+          <a:chExt cx="0" cy="0"/>
+        </a:xfrm>
+      </p:grpSpPr>
+      <p:sp>
+        <p:nvSpPr>
+          <p:cNvPr id="2" name="Slide Image Placeholder 1"/>
+          <p:cNvSpPr>
+            <a:spLocks noGrp="1" noRot="1" noChangeAspect="1"/>
+          </p:cNvSpPr>
+          <p:nvPr>
+            <p:ph type="sldImg"/>
+          </p:nvPr>
+        </p:nvSpPr>
+        <p:spPr/>
+      </p:sp>
+      <p:sp>
+        <p:nvSpPr>
+          <p:cNvPr id="3" name="Notes Placeholder 2"/>
+          <p:cNvSpPr>
+            <a:spLocks noGrp="1"/>
+          </p:cNvSpPr>
+          <p:nvPr>
+            <p:ph type="body" idx="1"/>
+          </p:nvPr>
+        </p:nvSpPr>
+        <p:spPr/>
+        <p:txBody>
+          <a:bodyPr/>
+          <a:lstStyle/>
+          <a:p>
+            <a:r>
+              <a:rPr lang="en-US" dirty="0"/>
+              <a:t>Damon</a:t>
+            </a:r>
+          </a:p>
+        </p:txBody>
+      </p:sp>
+      <p:sp>
+        <p:nvSpPr>
+          <p:cNvPr id="4" name="Slide Number Placeholder 3"/>
+          <p:cNvSpPr>
+            <a:spLocks noGrp="1"/>
+          </p:cNvSpPr>
+          <p:nvPr>
+            <p:ph type="sldNum" sz="quarter" idx="5"/>
+          </p:nvPr>
+        </p:nvSpPr>
+        <p:spPr/>
+        <p:txBody>
+          <a:bodyPr/>
+          <a:lstStyle/>
+          <a:p>
+            <a:fld id="{B5409C19-1286-E84C-8244-E1A1BF094CAB}" type="slidenum">
+              <a:rPr lang="en-US" smtClean="0"/>
+              <a:t>15</a:t>
+            </a:fld>
+            <a:endParaRPr lang="en-US"/>
+          </a:p>
+        </p:txBody>
+      </p:sp>
+    </p:spTree>
+    <p:extLst>
+      <p:ext uri="{BB962C8B-B14F-4D97-AF65-F5344CB8AC3E}">
+        <p14:creationId xmlns:p14="http://schemas.microsoft.com/office/powerpoint/2010/main" val="3687391712"/>
+      </p:ext>
+    </p:extLst>
+  </p:cSld>
+  <p:clrMapOvr>
+    <a:masterClrMapping/>
+  </p:clrMapOvr>
+</p:notes>
+</file>
+
+<file path=ppt/notesSlides/notesSlide16.xml><?xml version="1.0" encoding="utf-8"?>
+<p:notes xmlns:a="http://schemas.openxmlformats.org/drawingml/2006/main" xmlns:r="http://schemas.openxmlformats.org/officeDocument/2006/relationships" xmlns:p="http://schemas.openxmlformats.org/presentationml/2006/main">
+  <p:cSld>
+    <p:spTree>
+      <p:nvGrpSpPr>
+        <p:cNvPr id="1" name=""/>
+        <p:cNvGrpSpPr/>
+        <p:nvPr/>
+      </p:nvGrpSpPr>
+      <p:grpSpPr>
+        <a:xfrm>
+          <a:off x="0" y="0"/>
+          <a:ext cx="0" cy="0"/>
+          <a:chOff x="0" y="0"/>
+          <a:chExt cx="0" cy="0"/>
+        </a:xfrm>
+      </p:grpSpPr>
+      <p:sp>
+        <p:nvSpPr>
+          <p:cNvPr id="2" name="Slide Image Placeholder 1"/>
+          <p:cNvSpPr>
+            <a:spLocks noGrp="1" noRot="1" noChangeAspect="1"/>
+          </p:cNvSpPr>
+          <p:nvPr>
+            <p:ph type="sldImg"/>
+          </p:nvPr>
+        </p:nvSpPr>
+        <p:spPr/>
+      </p:sp>
+      <p:sp>
+        <p:nvSpPr>
+          <p:cNvPr id="3" name="Notes Placeholder 2"/>
+          <p:cNvSpPr>
+            <a:spLocks noGrp="1"/>
+          </p:cNvSpPr>
+          <p:nvPr>
+            <p:ph type="body" idx="1"/>
+          </p:nvPr>
+        </p:nvSpPr>
+        <p:spPr/>
+        <p:txBody>
+          <a:bodyPr/>
+          <a:lstStyle/>
+          <a:p>
+            <a:r>
+              <a:rPr lang="en-US" dirty="0"/>
+              <a:t>Doug</a:t>
+            </a:r>
+          </a:p>
+        </p:txBody>
+      </p:sp>
+      <p:sp>
+        <p:nvSpPr>
+          <p:cNvPr id="4" name="Slide Number Placeholder 3"/>
+          <p:cNvSpPr>
+            <a:spLocks noGrp="1"/>
+          </p:cNvSpPr>
+          <p:nvPr>
+            <p:ph type="sldNum" sz="quarter" idx="5"/>
+          </p:nvPr>
+        </p:nvSpPr>
+        <p:spPr/>
+        <p:txBody>
+          <a:bodyPr/>
+          <a:lstStyle/>
+          <a:p>
+            <a:fld id="{B5409C19-1286-E84C-8244-E1A1BF094CAB}" type="slidenum">
+              <a:rPr lang="en-US" smtClean="0"/>
+              <a:t>16</a:t>
+            </a:fld>
+            <a:endParaRPr lang="en-US"/>
+          </a:p>
+        </p:txBody>
+      </p:sp>
+    </p:spTree>
+    <p:extLst>
+      <p:ext uri="{BB962C8B-B14F-4D97-AF65-F5344CB8AC3E}">
+        <p14:creationId xmlns:p14="http://schemas.microsoft.com/office/powerpoint/2010/main" val="1354869741"/>
+      </p:ext>
+    </p:extLst>
+  </p:cSld>
+  <p:clrMapOvr>
+    <a:masterClrMapping/>
+  </p:clrMapOvr>
+</p:notes>
+</file>
+
+<file path=ppt/notesSlides/notesSlide2.xml><?xml version="1.0" encoding="utf-8"?>
+<p:notes xmlns:a="http://schemas.openxmlformats.org/drawingml/2006/main" xmlns:r="http://schemas.openxmlformats.org/officeDocument/2006/relationships" xmlns:p="http://schemas.openxmlformats.org/presentationml/2006/main">
+  <p:cSld>
+    <p:spTree>
+      <p:nvGrpSpPr>
+        <p:cNvPr id="1" name=""/>
+        <p:cNvGrpSpPr/>
+        <p:nvPr/>
+      </p:nvGrpSpPr>
+      <p:grpSpPr>
+        <a:xfrm>
+          <a:off x="0" y="0"/>
+          <a:ext cx="0" cy="0"/>
+          <a:chOff x="0" y="0"/>
+          <a:chExt cx="0" cy="0"/>
+        </a:xfrm>
+      </p:grpSpPr>
+      <p:sp>
+        <p:nvSpPr>
+          <p:cNvPr id="2" name="Slide Image Placeholder 1"/>
+          <p:cNvSpPr>
+            <a:spLocks noGrp="1" noRot="1" noChangeAspect="1"/>
+          </p:cNvSpPr>
+          <p:nvPr>
+            <p:ph type="sldImg"/>
+          </p:nvPr>
+        </p:nvSpPr>
+        <p:spPr/>
+      </p:sp>
+      <p:sp>
+        <p:nvSpPr>
+          <p:cNvPr id="3" name="Notes Placeholder 2"/>
+          <p:cNvSpPr>
+            <a:spLocks noGrp="1"/>
+          </p:cNvSpPr>
+          <p:nvPr>
+            <p:ph type="body" idx="1"/>
+          </p:nvPr>
+        </p:nvSpPr>
+        <p:spPr/>
+        <p:txBody>
+          <a:bodyPr/>
+          <a:lstStyle/>
+          <a:p>
+            <a:r>
+              <a:rPr lang="en-US" dirty="0"/>
+              <a:t>Damon</a:t>
+            </a:r>
+          </a:p>
+        </p:txBody>
+      </p:sp>
+      <p:sp>
+        <p:nvSpPr>
+          <p:cNvPr id="4" name="Slide Number Placeholder 3"/>
+          <p:cNvSpPr>
+            <a:spLocks noGrp="1"/>
+          </p:cNvSpPr>
+          <p:nvPr>
+            <p:ph type="sldNum" sz="quarter" idx="5"/>
+          </p:nvPr>
+        </p:nvSpPr>
+        <p:spPr/>
+        <p:txBody>
+          <a:bodyPr/>
+          <a:lstStyle/>
+          <a:p>
+            <a:fld id="{B5409C19-1286-E84C-8244-E1A1BF094CAB}" type="slidenum">
+              <a:rPr lang="en-US" smtClean="0"/>
+              <a:t>2</a:t>
+            </a:fld>
+            <a:endParaRPr lang="en-US"/>
+          </a:p>
+        </p:txBody>
+      </p:sp>
+    </p:spTree>
+    <p:extLst>
+      <p:ext uri="{BB962C8B-B14F-4D97-AF65-F5344CB8AC3E}">
+        <p14:creationId xmlns:p14="http://schemas.microsoft.com/office/powerpoint/2010/main" val="2767138927"/>
+      </p:ext>
+    </p:extLst>
+  </p:cSld>
+  <p:clrMapOvr>
+    <a:masterClrMapping/>
+  </p:clrMapOvr>
+</p:notes>
+</file>
+
+<file path=ppt/notesSlides/notesSlide3.xml><?xml version="1.0" encoding="utf-8"?>
+<p:notes xmlns:a="http://schemas.openxmlformats.org/drawingml/2006/main" xmlns:r="http://schemas.openxmlformats.org/officeDocument/2006/relationships" xmlns:p="http://schemas.openxmlformats.org/presentationml/2006/main">
+  <p:cSld>
+    <p:spTree>
+      <p:nvGrpSpPr>
+        <p:cNvPr id="1" name=""/>
+        <p:cNvGrpSpPr/>
+        <p:nvPr/>
+      </p:nvGrpSpPr>
+      <p:grpSpPr>
+        <a:xfrm>
+          <a:off x="0" y="0"/>
+          <a:ext cx="0" cy="0"/>
+          <a:chOff x="0" y="0"/>
+          <a:chExt cx="0" cy="0"/>
+        </a:xfrm>
+      </p:grpSpPr>
+      <p:sp>
+        <p:nvSpPr>
+          <p:cNvPr id="2" name="Slide Image Placeholder 1"/>
+          <p:cNvSpPr>
+            <a:spLocks noGrp="1" noRot="1" noChangeAspect="1"/>
+          </p:cNvSpPr>
+          <p:nvPr>
+            <p:ph type="sldImg"/>
+          </p:nvPr>
+        </p:nvSpPr>
+        <p:spPr/>
+      </p:sp>
+      <p:sp>
+        <p:nvSpPr>
+          <p:cNvPr id="3" name="Notes Placeholder 2"/>
+          <p:cNvSpPr>
+            <a:spLocks noGrp="1"/>
+          </p:cNvSpPr>
+          <p:nvPr>
+            <p:ph type="body" idx="1"/>
+          </p:nvPr>
+        </p:nvSpPr>
+        <p:spPr/>
+        <p:txBody>
+          <a:bodyPr/>
+          <a:lstStyle/>
+          <a:p>
+            <a:r>
+              <a:rPr lang="en-US" dirty="0"/>
+              <a:t>Doug</a:t>
+            </a:r>
+          </a:p>
+        </p:txBody>
+      </p:sp>
+      <p:sp>
+        <p:nvSpPr>
+          <p:cNvPr id="4" name="Slide Number Placeholder 3"/>
+          <p:cNvSpPr>
+            <a:spLocks noGrp="1"/>
+          </p:cNvSpPr>
+          <p:nvPr>
+            <p:ph type="sldNum" sz="quarter" idx="5"/>
+          </p:nvPr>
+        </p:nvSpPr>
+        <p:spPr/>
+        <p:txBody>
+          <a:bodyPr/>
+          <a:lstStyle/>
+          <a:p>
+            <a:fld id="{B5409C19-1286-E84C-8244-E1A1BF094CAB}" type="slidenum">
+              <a:rPr lang="en-US" smtClean="0"/>
+              <a:t>3</a:t>
+            </a:fld>
+            <a:endParaRPr lang="en-US"/>
+          </a:p>
+        </p:txBody>
+      </p:sp>
+    </p:spTree>
+    <p:extLst>
+      <p:ext uri="{BB962C8B-B14F-4D97-AF65-F5344CB8AC3E}">
+        <p14:creationId xmlns:p14="http://schemas.microsoft.com/office/powerpoint/2010/main" val="1289478068"/>
+      </p:ext>
+    </p:extLst>
+  </p:cSld>
+  <p:clrMapOvr>
+    <a:masterClrMapping/>
+  </p:clrMapOvr>
+</p:notes>
+</file>
+
+<file path=ppt/notesSlides/notesSlide4.xml><?xml version="1.0" encoding="utf-8"?>
+<p:notes xmlns:a="http://schemas.openxmlformats.org/drawingml/2006/main" xmlns:r="http://schemas.openxmlformats.org/officeDocument/2006/relationships" xmlns:p="http://schemas.openxmlformats.org/presentationml/2006/main">
+  <p:cSld>
+    <p:spTree>
+      <p:nvGrpSpPr>
+        <p:cNvPr id="1" name=""/>
+        <p:cNvGrpSpPr/>
+        <p:nvPr/>
+      </p:nvGrpSpPr>
+      <p:grpSpPr>
+        <a:xfrm>
+          <a:off x="0" y="0"/>
+          <a:ext cx="0" cy="0"/>
+          <a:chOff x="0" y="0"/>
+          <a:chExt cx="0" cy="0"/>
+        </a:xfrm>
+      </p:grpSpPr>
+      <p:sp>
+        <p:nvSpPr>
+          <p:cNvPr id="2" name="Slide Image Placeholder 1"/>
+          <p:cNvSpPr>
+            <a:spLocks noGrp="1" noRot="1" noChangeAspect="1"/>
+          </p:cNvSpPr>
+          <p:nvPr>
+            <p:ph type="sldImg"/>
+          </p:nvPr>
+        </p:nvSpPr>
+        <p:spPr/>
+      </p:sp>
+      <p:sp>
+        <p:nvSpPr>
+          <p:cNvPr id="3" name="Notes Placeholder 2"/>
+          <p:cNvSpPr>
+            <a:spLocks noGrp="1"/>
+          </p:cNvSpPr>
+          <p:nvPr>
+            <p:ph type="body" idx="1"/>
+          </p:nvPr>
+        </p:nvSpPr>
+        <p:spPr/>
+        <p:txBody>
+          <a:bodyPr/>
+          <a:lstStyle/>
+          <a:p>
+            <a:endParaRPr lang="en-US" dirty="0"/>
+          </a:p>
+        </p:txBody>
+      </p:sp>
+      <p:sp>
+        <p:nvSpPr>
+          <p:cNvPr id="4" name="Slide Number Placeholder 3"/>
+          <p:cNvSpPr>
+            <a:spLocks noGrp="1"/>
+          </p:cNvSpPr>
+          <p:nvPr>
+            <p:ph type="sldNum" sz="quarter" idx="5"/>
+          </p:nvPr>
+        </p:nvSpPr>
+        <p:spPr/>
+        <p:txBody>
+          <a:bodyPr/>
+          <a:lstStyle/>
+          <a:p>
+            <a:fld id="{B5409C19-1286-E84C-8244-E1A1BF094CAB}" type="slidenum">
+              <a:rPr lang="en-US" smtClean="0"/>
+              <a:t>4</a:t>
+            </a:fld>
+            <a:endParaRPr lang="en-US"/>
+          </a:p>
+        </p:txBody>
+      </p:sp>
+    </p:spTree>
+    <p:extLst>
+      <p:ext uri="{BB962C8B-B14F-4D97-AF65-F5344CB8AC3E}">
+        <p14:creationId xmlns:p14="http://schemas.microsoft.com/office/powerpoint/2010/main" val="422601159"/>
+      </p:ext>
+    </p:extLst>
+  </p:cSld>
+  <p:clrMapOvr>
+    <a:masterClrMapping/>
+  </p:clrMapOvr>
+</p:notes>
+</file>
+
+<file path=ppt/notesSlides/notesSlide5.xml><?xml version="1.0" encoding="utf-8"?>
+<p:notes xmlns:a="http://schemas.openxmlformats.org/drawingml/2006/main" xmlns:r="http://schemas.openxmlformats.org/officeDocument/2006/relationships" xmlns:p="http://schemas.openxmlformats.org/presentationml/2006/main">
+  <p:cSld>
+    <p:spTree>
+      <p:nvGrpSpPr>
+        <p:cNvPr id="1" name=""/>
+        <p:cNvGrpSpPr/>
+        <p:nvPr/>
+      </p:nvGrpSpPr>
+      <p:grpSpPr>
+        <a:xfrm>
+          <a:off x="0" y="0"/>
+          <a:ext cx="0" cy="0"/>
+          <a:chOff x="0" y="0"/>
+          <a:chExt cx="0" cy="0"/>
+        </a:xfrm>
+      </p:grpSpPr>
+      <p:sp>
+        <p:nvSpPr>
+          <p:cNvPr id="2" name="Slide Image Placeholder 1"/>
+          <p:cNvSpPr>
+            <a:spLocks noGrp="1" noRot="1" noChangeAspect="1"/>
+          </p:cNvSpPr>
+          <p:nvPr>
+            <p:ph type="sldImg"/>
+          </p:nvPr>
+        </p:nvSpPr>
+        <p:spPr/>
+      </p:sp>
+      <p:sp>
+        <p:nvSpPr>
+          <p:cNvPr id="3" name="Notes Placeholder 2"/>
+          <p:cNvSpPr>
+            <a:spLocks noGrp="1"/>
+          </p:cNvSpPr>
+          <p:nvPr>
+            <p:ph type="body" idx="1"/>
+          </p:nvPr>
+        </p:nvSpPr>
+        <p:spPr/>
+        <p:txBody>
+          <a:bodyPr/>
+          <a:lstStyle/>
+          <a:p>
+            <a:r>
+              <a:rPr lang="en-US" dirty="0"/>
+              <a:t>Damon</a:t>
+            </a:r>
+          </a:p>
+        </p:txBody>
+      </p:sp>
+      <p:sp>
+        <p:nvSpPr>
+          <p:cNvPr id="4" name="Slide Number Placeholder 3"/>
+          <p:cNvSpPr>
+            <a:spLocks noGrp="1"/>
+          </p:cNvSpPr>
+          <p:nvPr>
+            <p:ph type="sldNum" sz="quarter" idx="5"/>
+          </p:nvPr>
+        </p:nvSpPr>
+        <p:spPr/>
+        <p:txBody>
+          <a:bodyPr/>
+          <a:lstStyle/>
+          <a:p>
+            <a:fld id="{B5409C19-1286-E84C-8244-E1A1BF094CAB}" type="slidenum">
+              <a:rPr lang="en-US" smtClean="0"/>
+              <a:t>5</a:t>
+            </a:fld>
+            <a:endParaRPr lang="en-US"/>
+          </a:p>
+        </p:txBody>
+      </p:sp>
+    </p:spTree>
+    <p:extLst>
+      <p:ext uri="{BB962C8B-B14F-4D97-AF65-F5344CB8AC3E}">
+        <p14:creationId xmlns:p14="http://schemas.microsoft.com/office/powerpoint/2010/main" val="341098838"/>
+      </p:ext>
+    </p:extLst>
+  </p:cSld>
+  <p:clrMapOvr>
+    <a:masterClrMapping/>
+  </p:clrMapOvr>
+</p:notes>
+</file>
+
+<file path=ppt/notesSlides/notesSlide6.xml><?xml version="1.0" encoding="utf-8"?>
+<p:notes xmlns:a="http://schemas.openxmlformats.org/drawingml/2006/main" xmlns:r="http://schemas.openxmlformats.org/officeDocument/2006/relationships" xmlns:p="http://schemas.openxmlformats.org/presentationml/2006/main">
+  <p:cSld>
+    <p:spTree>
+      <p:nvGrpSpPr>
+        <p:cNvPr id="1" name=""/>
+        <p:cNvGrpSpPr/>
+        <p:nvPr/>
+      </p:nvGrpSpPr>
+      <p:grpSpPr>
+        <a:xfrm>
+          <a:off x="0" y="0"/>
+          <a:ext cx="0" cy="0"/>
+          <a:chOff x="0" y="0"/>
+          <a:chExt cx="0" cy="0"/>
+        </a:xfrm>
+      </p:grpSpPr>
+      <p:sp>
+        <p:nvSpPr>
+          <p:cNvPr id="2" name="Slide Image Placeholder 1"/>
+          <p:cNvSpPr>
+            <a:spLocks noGrp="1" noRot="1" noChangeAspect="1"/>
+          </p:cNvSpPr>
+          <p:nvPr>
+            <p:ph type="sldImg"/>
+          </p:nvPr>
+        </p:nvSpPr>
+        <p:spPr/>
+      </p:sp>
+      <p:sp>
+        <p:nvSpPr>
+          <p:cNvPr id="3" name="Notes Placeholder 2"/>
+          <p:cNvSpPr>
+            <a:spLocks noGrp="1"/>
+          </p:cNvSpPr>
+          <p:nvPr>
+            <p:ph type="body" idx="1"/>
+          </p:nvPr>
+        </p:nvSpPr>
+        <p:spPr/>
+        <p:txBody>
+          <a:bodyPr/>
+          <a:lstStyle/>
+          <a:p>
+            <a:r>
+              <a:rPr lang="en-US" dirty="0"/>
+              <a:t>Doug</a:t>
+            </a:r>
+          </a:p>
+        </p:txBody>
+      </p:sp>
+      <p:sp>
+        <p:nvSpPr>
+          <p:cNvPr id="4" name="Slide Number Placeholder 3"/>
+          <p:cNvSpPr>
+            <a:spLocks noGrp="1"/>
+          </p:cNvSpPr>
+          <p:nvPr>
+            <p:ph type="sldNum" sz="quarter" idx="5"/>
+          </p:nvPr>
+        </p:nvSpPr>
+        <p:spPr/>
+        <p:txBody>
+          <a:bodyPr/>
+          <a:lstStyle/>
+          <a:p>
+            <a:fld id="{B5409C19-1286-E84C-8244-E1A1BF094CAB}" type="slidenum">
+              <a:rPr lang="en-US" smtClean="0"/>
+              <a:t>6</a:t>
+            </a:fld>
+            <a:endParaRPr lang="en-US"/>
+          </a:p>
+        </p:txBody>
+      </p:sp>
+    </p:spTree>
+    <p:extLst>
+      <p:ext uri="{BB962C8B-B14F-4D97-AF65-F5344CB8AC3E}">
+        <p14:creationId xmlns:p14="http://schemas.microsoft.com/office/powerpoint/2010/main" val="3192476930"/>
+      </p:ext>
+    </p:extLst>
+  </p:cSld>
+  <p:clrMapOvr>
+    <a:masterClrMapping/>
+  </p:clrMapOvr>
+</p:notes>
+</file>
+
+<file path=ppt/notesSlides/notesSlide7.xml><?xml version="1.0" encoding="utf-8"?>
+<p:notes xmlns:a="http://schemas.openxmlformats.org/drawingml/2006/main" xmlns:r="http://schemas.openxmlformats.org/officeDocument/2006/relationships" xmlns:p="http://schemas.openxmlformats.org/presentationml/2006/main">
+  <p:cSld>
+    <p:spTree>
+      <p:nvGrpSpPr>
+        <p:cNvPr id="1" name=""/>
+        <p:cNvGrpSpPr/>
+        <p:nvPr/>
+      </p:nvGrpSpPr>
+      <p:grpSpPr>
+        <a:xfrm>
+          <a:off x="0" y="0"/>
+          <a:ext cx="0" cy="0"/>
+          <a:chOff x="0" y="0"/>
+          <a:chExt cx="0" cy="0"/>
+        </a:xfrm>
+      </p:grpSpPr>
+      <p:sp>
+        <p:nvSpPr>
+          <p:cNvPr id="2" name="Slide Image Placeholder 1"/>
+          <p:cNvSpPr>
+            <a:spLocks noGrp="1" noRot="1" noChangeAspect="1"/>
+          </p:cNvSpPr>
+          <p:nvPr>
+            <p:ph type="sldImg"/>
+          </p:nvPr>
+        </p:nvSpPr>
+        <p:spPr/>
+      </p:sp>
+      <p:sp>
+        <p:nvSpPr>
+          <p:cNvPr id="3" name="Notes Placeholder 2"/>
+          <p:cNvSpPr>
+            <a:spLocks noGrp="1"/>
+          </p:cNvSpPr>
+          <p:nvPr>
+            <p:ph type="body" idx="1"/>
+          </p:nvPr>
+        </p:nvSpPr>
+        <p:spPr/>
+        <p:txBody>
+          <a:bodyPr/>
+          <a:lstStyle/>
+          <a:p>
+            <a:r>
+              <a:rPr lang="en-US" dirty="0"/>
+              <a:t>Damon</a:t>
+            </a:r>
+          </a:p>
+        </p:txBody>
+      </p:sp>
+      <p:sp>
+        <p:nvSpPr>
+          <p:cNvPr id="4" name="Slide Number Placeholder 3"/>
+          <p:cNvSpPr>
+            <a:spLocks noGrp="1"/>
+          </p:cNvSpPr>
+          <p:nvPr>
+            <p:ph type="sldNum" sz="quarter" idx="5"/>
+          </p:nvPr>
+        </p:nvSpPr>
+        <p:spPr/>
+        <p:txBody>
+          <a:bodyPr/>
+          <a:lstStyle/>
+          <a:p>
+            <a:fld id="{B5409C19-1286-E84C-8244-E1A1BF094CAB}" type="slidenum">
+              <a:rPr lang="en-US" smtClean="0"/>
+              <a:t>7</a:t>
+            </a:fld>
+            <a:endParaRPr lang="en-US"/>
+          </a:p>
+        </p:txBody>
+      </p:sp>
+    </p:spTree>
+    <p:extLst>
+      <p:ext uri="{BB962C8B-B14F-4D97-AF65-F5344CB8AC3E}">
+        <p14:creationId xmlns:p14="http://schemas.microsoft.com/office/powerpoint/2010/main" val="2755690196"/>
+      </p:ext>
+    </p:extLst>
+  </p:cSld>
+  <p:clrMapOvr>
+    <a:masterClrMapping/>
+  </p:clrMapOvr>
+</p:notes>
+</file>
+
+<file path=ppt/notesSlides/notesSlide8.xml><?xml version="1.0" encoding="utf-8"?>
+<p:notes xmlns:a="http://schemas.openxmlformats.org/drawingml/2006/main" xmlns:r="http://schemas.openxmlformats.org/officeDocument/2006/relationships" xmlns:p="http://schemas.openxmlformats.org/presentationml/2006/main">
+  <p:cSld>
+    <p:spTree>
+      <p:nvGrpSpPr>
+        <p:cNvPr id="1" name=""/>
+        <p:cNvGrpSpPr/>
+        <p:nvPr/>
+      </p:nvGrpSpPr>
+      <p:grpSpPr>
+        <a:xfrm>
+          <a:off x="0" y="0"/>
+          <a:ext cx="0" cy="0"/>
+          <a:chOff x="0" y="0"/>
+          <a:chExt cx="0" cy="0"/>
+        </a:xfrm>
+      </p:grpSpPr>
+      <p:sp>
+        <p:nvSpPr>
+          <p:cNvPr id="2" name="Slide Image Placeholder 1"/>
+          <p:cNvSpPr>
+            <a:spLocks noGrp="1" noRot="1" noChangeAspect="1"/>
+          </p:cNvSpPr>
+          <p:nvPr>
+            <p:ph type="sldImg"/>
+          </p:nvPr>
+        </p:nvSpPr>
+        <p:spPr/>
+      </p:sp>
+      <p:sp>
+        <p:nvSpPr>
+          <p:cNvPr id="3" name="Notes Placeholder 2"/>
+          <p:cNvSpPr>
+            <a:spLocks noGrp="1"/>
+          </p:cNvSpPr>
+          <p:nvPr>
+            <p:ph type="body" idx="1"/>
+          </p:nvPr>
+        </p:nvSpPr>
+        <p:spPr/>
+        <p:txBody>
+          <a:bodyPr/>
+          <a:lstStyle/>
+          <a:p>
+            <a:r>
+              <a:rPr lang="en-US" dirty="0"/>
+              <a:t>Doug</a:t>
+            </a:r>
+          </a:p>
+        </p:txBody>
+      </p:sp>
+      <p:sp>
+        <p:nvSpPr>
+          <p:cNvPr id="4" name="Slide Number Placeholder 3"/>
+          <p:cNvSpPr>
+            <a:spLocks noGrp="1"/>
+          </p:cNvSpPr>
+          <p:nvPr>
+            <p:ph type="sldNum" sz="quarter" idx="5"/>
+          </p:nvPr>
+        </p:nvSpPr>
+        <p:spPr/>
+        <p:txBody>
+          <a:bodyPr/>
+          <a:lstStyle/>
+          <a:p>
+            <a:fld id="{B5409C19-1286-E84C-8244-E1A1BF094CAB}" type="slidenum">
+              <a:rPr lang="en-US" smtClean="0"/>
+              <a:t>8</a:t>
+            </a:fld>
+            <a:endParaRPr lang="en-US"/>
+          </a:p>
+        </p:txBody>
+      </p:sp>
+    </p:spTree>
+    <p:extLst>
+      <p:ext uri="{BB962C8B-B14F-4D97-AF65-F5344CB8AC3E}">
+        <p14:creationId xmlns:p14="http://schemas.microsoft.com/office/powerpoint/2010/main" val="1076701455"/>
+      </p:ext>
+    </p:extLst>
+  </p:cSld>
+  <p:clrMapOvr>
+    <a:masterClrMapping/>
+  </p:clrMapOvr>
+</p:notes>
+</file>
+
+<file path=ppt/notesSlides/notesSlide9.xml><?xml version="1.0" encoding="utf-8"?>
+<p:notes xmlns:a="http://schemas.openxmlformats.org/drawingml/2006/main" xmlns:r="http://schemas.openxmlformats.org/officeDocument/2006/relationships" xmlns:p="http://schemas.openxmlformats.org/presentationml/2006/main">
+  <p:cSld>
+    <p:spTree>
+      <p:nvGrpSpPr>
+        <p:cNvPr id="1" name=""/>
+        <p:cNvGrpSpPr/>
+        <p:nvPr/>
+      </p:nvGrpSpPr>
+      <p:grpSpPr>
+        <a:xfrm>
+          <a:off x="0" y="0"/>
+          <a:ext cx="0" cy="0"/>
+          <a:chOff x="0" y="0"/>
+          <a:chExt cx="0" cy="0"/>
+        </a:xfrm>
+      </p:grpSpPr>
+      <p:sp>
+        <p:nvSpPr>
+          <p:cNvPr id="2" name="Slide Image Placeholder 1"/>
+          <p:cNvSpPr>
+            <a:spLocks noGrp="1" noRot="1" noChangeAspect="1"/>
+          </p:cNvSpPr>
+          <p:nvPr>
+            <p:ph type="sldImg"/>
+          </p:nvPr>
+        </p:nvSpPr>
+        <p:spPr/>
+      </p:sp>
+      <p:sp>
+        <p:nvSpPr>
+          <p:cNvPr id="3" name="Notes Placeholder 2"/>
+          <p:cNvSpPr>
+            <a:spLocks noGrp="1"/>
+          </p:cNvSpPr>
+          <p:nvPr>
+            <p:ph type="body" idx="1"/>
+          </p:nvPr>
+        </p:nvSpPr>
+        <p:spPr/>
+        <p:txBody>
+          <a:bodyPr/>
+          <a:lstStyle/>
+          <a:p>
+            <a:r>
+              <a:rPr lang="en-US" dirty="0"/>
+              <a:t>Damon</a:t>
+            </a:r>
+          </a:p>
+        </p:txBody>
+      </p:sp>
+      <p:sp>
+        <p:nvSpPr>
+          <p:cNvPr id="4" name="Slide Number Placeholder 3"/>
+          <p:cNvSpPr>
+            <a:spLocks noGrp="1"/>
+          </p:cNvSpPr>
+          <p:nvPr>
+            <p:ph type="sldNum" sz="quarter" idx="5"/>
+          </p:nvPr>
+        </p:nvSpPr>
+        <p:spPr/>
+        <p:txBody>
+          <a:bodyPr/>
+          <a:lstStyle/>
+          <a:p>
+            <a:fld id="{B5409C19-1286-E84C-8244-E1A1BF094CAB}" type="slidenum">
+              <a:rPr lang="en-US" smtClean="0"/>
+              <a:t>9</a:t>
+            </a:fld>
+            <a:endParaRPr lang="en-US"/>
+          </a:p>
+        </p:txBody>
+      </p:sp>
+    </p:spTree>
+    <p:extLst>
+      <p:ext uri="{BB962C8B-B14F-4D97-AF65-F5344CB8AC3E}">
+        <p14:creationId xmlns:p14="http://schemas.microsoft.com/office/powerpoint/2010/main" val="153727371"/>
+      </p:ext>
+    </p:extLst>
+  </p:cSld>
+  <p:clrMapOvr>
+    <a:masterClrMapping/>
+  </p:clrMapOvr>
+</p:notes>
+</file>
+
 <file path=ppt/slideLayouts/slideLayout1.xml><?xml version="1.0" encoding="utf-8"?>
 <p:sldLayout xmlns:a="http://schemas.openxmlformats.org/drawingml/2006/main" xmlns:r="http://schemas.openxmlformats.org/officeDocument/2006/relationships" xmlns:p="http://schemas.openxmlformats.org/presentationml/2006/main" type="title" preserve="1">
   <p:cSld name="Title Slide">
@@ -625,7 +5169,7 @@
           <a:p>
             <a:fld id="{59ED46AA-65FE-4AA6-90A6-8BABD663A628}" type="datetimeFigureOut">
               <a:rPr lang="en-US" smtClean="0"/>
-              <a:t>1/24/21</a:t>
+              <a:t>1/27/21</a:t>
             </a:fld>
             <a:endParaRPr lang="en-US"/>
           </a:p>
@@ -823,7 +5367,7 @@
           <a:p>
             <a:fld id="{59ED46AA-65FE-4AA6-90A6-8BABD663A628}" type="datetimeFigureOut">
               <a:rPr lang="en-US" smtClean="0"/>
-              <a:t>1/24/21</a:t>
+              <a:t>1/27/21</a:t>
             </a:fld>
             <a:endParaRPr lang="en-US"/>
           </a:p>
@@ -1031,7 +5575,7 @@
           <a:p>
             <a:fld id="{59ED46AA-65FE-4AA6-90A6-8BABD663A628}" type="datetimeFigureOut">
               <a:rPr lang="en-US" smtClean="0"/>
-              <a:t>1/24/21</a:t>
+              <a:t>1/27/21</a:t>
             </a:fld>
             <a:endParaRPr lang="en-US"/>
           </a:p>
@@ -1229,7 +5773,7 @@
           <a:p>
             <a:fld id="{59ED46AA-65FE-4AA6-90A6-8BABD663A628}" type="datetimeFigureOut">
               <a:rPr lang="en-US" smtClean="0"/>
-              <a:t>1/24/21</a:t>
+              <a:t>1/27/21</a:t>
             </a:fld>
             <a:endParaRPr lang="en-US"/>
           </a:p>
@@ -1504,7 +6048,7 @@
           <a:p>
             <a:fld id="{59ED46AA-65FE-4AA6-90A6-8BABD663A628}" type="datetimeFigureOut">
               <a:rPr lang="en-US" smtClean="0"/>
-              <a:t>1/24/21</a:t>
+              <a:t>1/27/21</a:t>
             </a:fld>
             <a:endParaRPr lang="en-US"/>
           </a:p>
@@ -1769,7 +6313,7 @@
           <a:p>
             <a:fld id="{59ED46AA-65FE-4AA6-90A6-8BABD663A628}" type="datetimeFigureOut">
               <a:rPr lang="en-US" smtClean="0"/>
-              <a:t>1/24/21</a:t>
+              <a:t>1/27/21</a:t>
             </a:fld>
             <a:endParaRPr lang="en-US"/>
           </a:p>
@@ -2181,7 +6725,7 @@
           <a:p>
             <a:fld id="{59ED46AA-65FE-4AA6-90A6-8BABD663A628}" type="datetimeFigureOut">
               <a:rPr lang="en-US" smtClean="0"/>
-              <a:t>1/24/21</a:t>
+              <a:t>1/27/21</a:t>
             </a:fld>
             <a:endParaRPr lang="en-US"/>
           </a:p>
@@ -2322,7 +6866,7 @@
           <a:p>
             <a:fld id="{59ED46AA-65FE-4AA6-90A6-8BABD663A628}" type="datetimeFigureOut">
               <a:rPr lang="en-US" smtClean="0"/>
-              <a:t>1/24/21</a:t>
+              <a:t>1/27/21</a:t>
             </a:fld>
             <a:endParaRPr lang="en-US"/>
           </a:p>
@@ -2435,7 +6979,7 @@
           <a:p>
             <a:fld id="{59ED46AA-65FE-4AA6-90A6-8BABD663A628}" type="datetimeFigureOut">
               <a:rPr lang="en-US" smtClean="0"/>
-              <a:t>1/24/21</a:t>
+              <a:t>1/27/21</a:t>
             </a:fld>
             <a:endParaRPr lang="en-US"/>
           </a:p>
@@ -2746,7 +7290,7 @@
           <a:p>
             <a:fld id="{59ED46AA-65FE-4AA6-90A6-8BABD663A628}" type="datetimeFigureOut">
               <a:rPr lang="en-US" smtClean="0"/>
-              <a:t>1/24/21</a:t>
+              <a:t>1/27/21</a:t>
             </a:fld>
             <a:endParaRPr lang="en-US"/>
           </a:p>
@@ -3034,7 +7578,7 @@
           <a:p>
             <a:fld id="{59ED46AA-65FE-4AA6-90A6-8BABD663A628}" type="datetimeFigureOut">
               <a:rPr lang="en-US" smtClean="0"/>
-              <a:t>1/24/21</a:t>
+              <a:t>1/27/21</a:t>
             </a:fld>
             <a:endParaRPr lang="en-US"/>
           </a:p>
@@ -3275,7 +7819,7 @@
           <a:p>
             <a:fld id="{59ED46AA-65FE-4AA6-90A6-8BABD663A628}" type="datetimeFigureOut">
               <a:rPr lang="en-US" smtClean="0"/>
-              <a:t>1/24/21</a:t>
+              <a:t>1/27/21</a:t>
             </a:fld>
             <a:endParaRPr lang="en-US"/>
           </a:p>
@@ -3715,7 +8259,7 @@
           <p:nvPr/>
         </p:nvPicPr>
         <p:blipFill rotWithShape="1">
-          <a:blip r:embed="rId2">
+          <a:blip r:embed="rId3">
             <a:extLst>
               <a:ext uri="{28A0092B-C50C-407E-A947-70E740481C1C}">
                 <a14:useLocalDpi xmlns:a14="http://schemas.microsoft.com/office/drawing/2010/main" val="0"/>
@@ -3727,7 +8271,7 @@
         </p:blipFill>
         <p:spPr>
           <a:xfrm>
-            <a:off x="20" y="10"/>
+            <a:off x="0" y="10"/>
             <a:ext cx="12191980" cy="6857990"/>
           </a:xfrm>
           <a:prstGeom prst="rect">
@@ -3977,6 +8521,71 @@
 </file>
 
 <file path=ppt/slides/slide10.xml><?xml version="1.0" encoding="utf-8"?>
+<p:sld xmlns:a="http://schemas.openxmlformats.org/drawingml/2006/main" xmlns:r="http://schemas.openxmlformats.org/officeDocument/2006/relationships" xmlns:p="http://schemas.openxmlformats.org/presentationml/2006/main">
+  <p:cSld>
+    <p:spTree>
+      <p:nvGrpSpPr>
+        <p:cNvPr id="1" name=""/>
+        <p:cNvGrpSpPr/>
+        <p:nvPr/>
+      </p:nvGrpSpPr>
+      <p:grpSpPr>
+        <a:xfrm>
+          <a:off x="0" y="0"/>
+          <a:ext cx="0" cy="0"/>
+          <a:chOff x="0" y="0"/>
+          <a:chExt cx="0" cy="0"/>
+        </a:xfrm>
+      </p:grpSpPr>
+      <p:pic>
+        <p:nvPicPr>
+          <p:cNvPr id="5" name="Picture 4" descr="Graphical user interface, application&#10;&#10;Description automatically generated with medium confidence">
+            <a:extLst>
+              <a:ext uri="{FF2B5EF4-FFF2-40B4-BE49-F238E27FC236}">
+                <a16:creationId xmlns:a16="http://schemas.microsoft.com/office/drawing/2014/main" id="{A1D77B90-DEE2-4821-9EDB-B7D156E9BEDB}"/>
+              </a:ext>
+            </a:extLst>
+          </p:cNvPr>
+          <p:cNvPicPr>
+            <a:picLocks noChangeAspect="1"/>
+          </p:cNvPicPr>
+          <p:nvPr/>
+        </p:nvPicPr>
+        <p:blipFill rotWithShape="1">
+          <a:blip r:embed="rId3">
+            <a:extLst>
+              <a:ext uri="{28A0092B-C50C-407E-A947-70E740481C1C}">
+                <a14:useLocalDpi xmlns:a14="http://schemas.microsoft.com/office/drawing/2010/main" val="0"/>
+              </a:ext>
+            </a:extLst>
+          </a:blip>
+          <a:srcRect r="6325" b="45974"/>
+          <a:stretch/>
+        </p:blipFill>
+        <p:spPr>
+          <a:xfrm>
+            <a:off x="0" y="768927"/>
+            <a:ext cx="12192000" cy="5320145"/>
+          </a:xfrm>
+          <a:prstGeom prst="rect">
+            <a:avLst/>
+          </a:prstGeom>
+        </p:spPr>
+      </p:pic>
+    </p:spTree>
+    <p:extLst>
+      <p:ext uri="{BB962C8B-B14F-4D97-AF65-F5344CB8AC3E}">
+        <p14:creationId xmlns:p14="http://schemas.microsoft.com/office/powerpoint/2010/main" val="413630685"/>
+      </p:ext>
+    </p:extLst>
+  </p:cSld>
+  <p:clrMapOvr>
+    <a:masterClrMapping/>
+  </p:clrMapOvr>
+</p:sld>
+</file>
+
+<file path=ppt/slides/slide11.xml><?xml version="1.0" encoding="utf-8"?>
 <p:sld xmlns:a="http://schemas.openxmlformats.org/drawingml/2006/main" xmlns:r="http://schemas.openxmlformats.org/officeDocument/2006/relationships" xmlns:p="http://schemas.openxmlformats.org/presentationml/2006/main">
   <p:cSld>
     <p:bg>
@@ -5611,7 +10220,7 @@
           </p:nvPr>
         </p:nvPicPr>
         <p:blipFill>
-          <a:blip r:embed="rId2">
+          <a:blip r:embed="rId3">
             <a:extLst>
               <a:ext uri="{28A0092B-C50C-407E-A947-70E740481C1C}">
                 <a14:useLocalDpi xmlns:a14="http://schemas.microsoft.com/office/drawing/2010/main" val="0"/>
@@ -5711,7 +10320,7 @@
 </p:sld>
 </file>
 
-<file path=ppt/slides/slide11.xml><?xml version="1.0" encoding="utf-8"?>
+<file path=ppt/slides/slide12.xml><?xml version="1.0" encoding="utf-8"?>
 <p:sld xmlns:a="http://schemas.openxmlformats.org/drawingml/2006/main" xmlns:r="http://schemas.openxmlformats.org/officeDocument/2006/relationships" xmlns:p="http://schemas.openxmlformats.org/presentationml/2006/main">
   <p:cSld>
     <p:spTree>
@@ -5743,7 +10352,7 @@
           <p:nvPr/>
         </p:nvPicPr>
         <p:blipFill>
-          <a:blip r:embed="rId2">
+          <a:blip r:embed="rId3">
             <a:extLst>
               <a:ext uri="{28A0092B-C50C-407E-A947-70E740481C1C}">
                 <a14:useLocalDpi xmlns:a14="http://schemas.microsoft.com/office/drawing/2010/main" val="0"/>
@@ -5777,7 +10386,7 @@
 </p:sld>
 </file>
 
-<file path=ppt/slides/slide12.xml><?xml version="1.0" encoding="utf-8"?>
+<file path=ppt/slides/slide13.xml><?xml version="1.0" encoding="utf-8"?>
 <p:sld xmlns:a="http://schemas.openxmlformats.org/drawingml/2006/main" xmlns:r="http://schemas.openxmlformats.org/officeDocument/2006/relationships" xmlns:p="http://schemas.openxmlformats.org/presentationml/2006/main">
   <p:cSld>
     <p:bg>
@@ -7412,7 +12021,7 @@
           </p:nvPr>
         </p:nvPicPr>
         <p:blipFill>
-          <a:blip r:embed="rId2">
+          <a:blip r:embed="rId3">
             <a:extLst>
               <a:ext uri="{28A0092B-C50C-407E-A947-70E740481C1C}">
                 <a14:useLocalDpi xmlns:a14="http://schemas.microsoft.com/office/drawing/2010/main" val="0"/>
@@ -8854,7 +13463,7 @@
 </p:sld>
 </file>
 
-<file path=ppt/slides/slide13.xml><?xml version="1.0" encoding="utf-8"?>
+<file path=ppt/slides/slide14.xml><?xml version="1.0" encoding="utf-8"?>
 <p:sld xmlns:a="http://schemas.openxmlformats.org/drawingml/2006/main" xmlns:r="http://schemas.openxmlformats.org/officeDocument/2006/relationships" xmlns:p="http://schemas.openxmlformats.org/presentationml/2006/main">
   <p:cSld>
     <p:spTree>
@@ -8886,7 +13495,7 @@
           <p:nvPr/>
         </p:nvPicPr>
         <p:blipFill>
-          <a:blip r:embed="rId2">
+          <a:blip r:embed="rId3">
             <a:extLst>
               <a:ext uri="{28A0092B-C50C-407E-A947-70E740481C1C}">
                 <a14:useLocalDpi xmlns:a14="http://schemas.microsoft.com/office/drawing/2010/main" val="0"/>
@@ -8920,7 +13529,92 @@
 </p:sld>
 </file>
 
-<file path=ppt/slides/slide14.xml><?xml version="1.0" encoding="utf-8"?>
+<file path=ppt/slides/slide15.xml><?xml version="1.0" encoding="utf-8"?>
+<p:sld xmlns:a="http://schemas.openxmlformats.org/drawingml/2006/main" xmlns:r="http://schemas.openxmlformats.org/officeDocument/2006/relationships" xmlns:p="http://schemas.openxmlformats.org/presentationml/2006/main">
+  <p:cSld>
+    <p:spTree>
+      <p:nvGrpSpPr>
+        <p:cNvPr id="1" name=""/>
+        <p:cNvGrpSpPr/>
+        <p:nvPr/>
+      </p:nvGrpSpPr>
+      <p:grpSpPr>
+        <a:xfrm>
+          <a:off x="0" y="0"/>
+          <a:ext cx="0" cy="0"/>
+          <a:chOff x="0" y="0"/>
+          <a:chExt cx="0" cy="0"/>
+        </a:xfrm>
+      </p:grpSpPr>
+      <p:sp>
+        <p:nvSpPr>
+          <p:cNvPr id="2" name="Title 1">
+            <a:extLst>
+              <a:ext uri="{FF2B5EF4-FFF2-40B4-BE49-F238E27FC236}">
+                <a16:creationId xmlns:a16="http://schemas.microsoft.com/office/drawing/2014/main" id="{7BCF793F-FCDC-644B-90EA-06E652561946}"/>
+              </a:ext>
+            </a:extLst>
+          </p:cNvPr>
+          <p:cNvSpPr>
+            <a:spLocks noGrp="1"/>
+          </p:cNvSpPr>
+          <p:nvPr>
+            <p:ph type="title"/>
+          </p:nvPr>
+        </p:nvSpPr>
+        <p:spPr/>
+        <p:txBody>
+          <a:bodyPr/>
+          <a:lstStyle/>
+          <a:p>
+            <a:pPr algn="ctr"/>
+            <a:r>
+              <a:rPr lang="en-US" dirty="0"/>
+              <a:t>Summary</a:t>
+            </a:r>
+          </a:p>
+        </p:txBody>
+      </p:sp>
+      <p:graphicFrame>
+        <p:nvGraphicFramePr>
+          <p:cNvPr id="5" name="Content Placeholder 2">
+            <a:extLst>
+              <a:ext uri="{FF2B5EF4-FFF2-40B4-BE49-F238E27FC236}">
+                <a16:creationId xmlns:a16="http://schemas.microsoft.com/office/drawing/2014/main" id="{4D024E00-A5B8-4029-A6CB-D6A39AB5FFBB}"/>
+              </a:ext>
+            </a:extLst>
+          </p:cNvPr>
+          <p:cNvGraphicFramePr>
+            <a:graphicFrameLocks noGrp="1"/>
+          </p:cNvGraphicFramePr>
+          <p:nvPr>
+            <p:ph idx="1"/>
+          </p:nvPr>
+        </p:nvGraphicFramePr>
+        <p:xfrm>
+          <a:off x="838200" y="1825625"/>
+          <a:ext cx="10515600" cy="4351338"/>
+        </p:xfrm>
+        <a:graphic>
+          <a:graphicData uri="http://schemas.openxmlformats.org/drawingml/2006/diagram">
+            <dgm:relIds xmlns:dgm="http://schemas.openxmlformats.org/drawingml/2006/diagram" xmlns:r="http://schemas.openxmlformats.org/officeDocument/2006/relationships" r:dm="rId3" r:lo="rId4" r:qs="rId5" r:cs="rId6"/>
+          </a:graphicData>
+        </a:graphic>
+      </p:graphicFrame>
+    </p:spTree>
+    <p:extLst>
+      <p:ext uri="{BB962C8B-B14F-4D97-AF65-F5344CB8AC3E}">
+        <p14:creationId xmlns:p14="http://schemas.microsoft.com/office/powerpoint/2010/main" val="1379847543"/>
+      </p:ext>
+    </p:extLst>
+  </p:cSld>
+  <p:clrMapOvr>
+    <a:masterClrMapping/>
+  </p:clrMapOvr>
+</p:sld>
+</file>
+
+<file path=ppt/slides/slide16.xml><?xml version="1.0" encoding="utf-8"?>
 <p:sld xmlns:a="http://schemas.openxmlformats.org/drawingml/2006/main" xmlns:r="http://schemas.openxmlformats.org/officeDocument/2006/relationships" xmlns:p="http://schemas.openxmlformats.org/presentationml/2006/main">
   <p:cSld>
     <p:bg>
@@ -8966,19 +13660,19 @@
         </p:nvSpPr>
         <p:spPr>
           <a:xfrm>
-            <a:off x="8218581" y="200023"/>
-            <a:ext cx="2850961" cy="958323"/>
+            <a:off x="7786689" y="200023"/>
+            <a:ext cx="3282854" cy="958323"/>
           </a:xfrm>
         </p:spPr>
         <p:txBody>
           <a:bodyPr vert="horz" lIns="91440" tIns="45720" rIns="91440" bIns="45720" rtlCol="0" anchor="b">
-            <a:normAutofit/>
+            <a:normAutofit fontScale="90000"/>
           </a:bodyPr>
           <a:lstStyle/>
           <a:p>
             <a:r>
               <a:rPr lang="en-US" sz="5400" dirty="0"/>
-              <a:t>Summary</a:t>
+              <a:t>Conclusions</a:t>
             </a:r>
           </a:p>
         </p:txBody>
@@ -9138,7 +13832,7 @@
           </p:nvPr>
         </p:nvPicPr>
         <p:blipFill rotWithShape="1">
-          <a:blip r:embed="rId2">
+          <a:blip r:embed="rId3">
             <a:extLst>
               <a:ext uri="{28A0092B-C50C-407E-A947-70E740481C1C}">
                 <a14:useLocalDpi xmlns:a14="http://schemas.microsoft.com/office/drawing/2010/main" val="0"/>
@@ -9240,7 +13934,7 @@
           <a:p>
             <a:r>
               <a:rPr lang="en-US" dirty="0"/>
-              <a:t>Some opportunities were disappearing, such as the dine-in experience that Chick-fil-A is known for, but they excelled drive-thru experience to make up for it. </a:t>
+              <a:t>Some opportunities were disappearing, such as the dine-in experience that Chick-fil-A is known for, but they excelled in drive-thru experience to make up for it. </a:t>
             </a:r>
           </a:p>
         </p:txBody>
@@ -9301,7 +13995,7 @@
 </p:sld>
 </file>
 
-<file path=ppt/slides/slide15.xml><?xml version="1.0" encoding="utf-8"?>
+<file path=ppt/slides/slide17.xml><?xml version="1.0" encoding="utf-8"?>
 <p:sld xmlns:a="http://schemas.openxmlformats.org/drawingml/2006/main" xmlns:r="http://schemas.openxmlformats.org/officeDocument/2006/relationships" xmlns:p="http://schemas.openxmlformats.org/presentationml/2006/main">
   <p:cSld>
     <p:bg>
@@ -9749,9 +14443,10 @@
           <a:lstStyle/>
           <a:p>
             <a:r>
-              <a:rPr lang="en-US" sz="4000" dirty="0"/>
+              <a:rPr lang="en-US" sz="4000"/>
               <a:t>Damon Manley</a:t>
             </a:r>
+            <a:endParaRPr lang="en-US" sz="4000" dirty="0"/>
           </a:p>
         </p:txBody>
       </p:sp>
@@ -9770,7 +14465,7 @@
           <p:nvPr/>
         </p:nvPicPr>
         <p:blipFill rotWithShape="1">
-          <a:blip r:embed="rId2">
+          <a:blip r:embed="rId3">
             <a:extLst>
               <a:ext uri="{28A0092B-C50C-407E-A947-70E740481C1C}">
                 <a14:useLocalDpi xmlns:a14="http://schemas.microsoft.com/office/drawing/2010/main" val="0"/>
@@ -9875,7 +14570,7 @@
               <a:buChar char="•"/>
             </a:pPr>
             <a:r>
-              <a:rPr lang="en-US" sz="2400" dirty="0"/>
+              <a:rPr lang="en-US" sz="2400"/>
               <a:t>Born and raised in Charleston, South Carolina</a:t>
             </a:r>
           </a:p>
@@ -9885,7 +14580,7 @@
               <a:buChar char="•"/>
             </a:pPr>
             <a:r>
-              <a:rPr lang="en-US" sz="2400" dirty="0"/>
+              <a:rPr lang="en-US" sz="2400"/>
               <a:t>Graduated with a BS in Exercise Science from College of Charleston in 2017</a:t>
             </a:r>
           </a:p>
@@ -9895,7 +14590,7 @@
               <a:buChar char="•"/>
             </a:pPr>
             <a:r>
-              <a:rPr lang="en-US" sz="2400" dirty="0"/>
+              <a:rPr lang="en-US" sz="2400"/>
               <a:t>Married to my wife Kelsey in November 2017</a:t>
             </a:r>
           </a:p>
@@ -9905,7 +14600,7 @@
               <a:buChar char="•"/>
             </a:pPr>
             <a:r>
-              <a:rPr lang="en-US" sz="2400" dirty="0"/>
+              <a:rPr lang="en-US" sz="2400"/>
               <a:t>Working at Chick-fil-A since 2016</a:t>
             </a:r>
           </a:p>
@@ -9915,7 +14610,7 @@
               <a:buChar char="•"/>
             </a:pPr>
             <a:r>
-              <a:rPr lang="en-US" sz="2400" dirty="0"/>
+              <a:rPr lang="en-US" sz="2400"/>
               <a:t>Director of Hospitality, Kitchen Director, Scheduling, Inventory</a:t>
             </a:r>
           </a:p>
@@ -9925,9 +14620,10 @@
               <a:buChar char="•"/>
             </a:pPr>
             <a:r>
-              <a:rPr lang="en-US" sz="2400" dirty="0"/>
+              <a:rPr lang="en-US" sz="2400"/>
               <a:t>Analyzing business trends has helped in my career at Chick-fil-A and has led me to pursue the path to data science</a:t>
             </a:r>
+            <a:endParaRPr lang="en-US" sz="2400" dirty="0"/>
           </a:p>
         </p:txBody>
       </p:sp>
@@ -10085,7 +14781,7 @@
           <p:nvPr/>
         </p:nvPicPr>
         <p:blipFill rotWithShape="1">
-          <a:blip r:embed="rId2">
+          <a:blip r:embed="rId3">
             <a:extLst>
               <a:ext uri="{28A0092B-C50C-407E-A947-70E740481C1C}">
                 <a14:useLocalDpi xmlns:a14="http://schemas.microsoft.com/office/drawing/2010/main" val="0"/>
@@ -10284,12 +14980,12 @@
           <a:chExt cx="0" cy="0"/>
         </a:xfrm>
       </p:grpSpPr>
-      <p:sp useBgFill="1">
-        <p:nvSpPr>
-          <p:cNvPr id="15" name="Rectangle 14">
+      <p:sp>
+        <p:nvSpPr>
+          <p:cNvPr id="38" name="Rectangle 21">
             <a:extLst>
               <a:ext uri="{FF2B5EF4-FFF2-40B4-BE49-F238E27FC236}">
-                <a16:creationId xmlns:a16="http://schemas.microsoft.com/office/drawing/2014/main" id="{C1DD1A8A-57D5-4A81-AD04-532B043C5611}"/>
+                <a16:creationId xmlns:a16="http://schemas.microsoft.com/office/drawing/2014/main" id="{E20EB187-900F-4AF5-813B-101456D9FD39}"/>
               </a:ext>
               <a:ext uri="{C183D7F6-B498-43B3-948B-1728B52AA6E4}">
                 <adec:decorative xmlns:adec="http://schemas.microsoft.com/office/drawing/2017/decorative" val="1"/>
@@ -10309,7 +15005,293 @@
         </p:nvSpPr>
         <p:spPr>
           <a:xfrm>
-            <a:off x="-1" y="0"/>
+            <a:off x="0" y="0"/>
+            <a:ext cx="12192000" cy="6858000"/>
+          </a:xfrm>
+          <a:prstGeom prst="rect">
+            <a:avLst/>
+          </a:prstGeom>
+          <a:solidFill>
+            <a:srgbClr val="000000"/>
+          </a:solidFill>
+          <a:ln>
+            <a:noFill/>
+          </a:ln>
+        </p:spPr>
+        <p:style>
+          <a:lnRef idx="2">
+            <a:schemeClr val="accent1">
+              <a:shade val="50000"/>
+            </a:schemeClr>
+          </a:lnRef>
+          <a:fillRef idx="1">
+            <a:schemeClr val="accent1"/>
+          </a:fillRef>
+          <a:effectRef idx="0">
+            <a:schemeClr val="accent1"/>
+          </a:effectRef>
+          <a:fontRef idx="minor">
+            <a:schemeClr val="lt1"/>
+          </a:fontRef>
+        </p:style>
+        <p:txBody>
+          <a:bodyPr rtlCol="0" anchor="ctr"/>
+          <a:lstStyle/>
+          <a:p>
+            <a:pPr algn="ctr"/>
+            <a:endParaRPr lang="en-US"/>
+          </a:p>
+        </p:txBody>
+      </p:sp>
+      <p:pic>
+        <p:nvPicPr>
+          <p:cNvPr id="5" name="Picture 4" descr="A sign in front of a building&#10;&#10;Description automatically generated with medium confidence">
+            <a:extLst>
+              <a:ext uri="{FF2B5EF4-FFF2-40B4-BE49-F238E27FC236}">
+                <a16:creationId xmlns:a16="http://schemas.microsoft.com/office/drawing/2014/main" id="{A0DE0D40-EC30-4926-9857-6E1E46B8FFD4}"/>
+              </a:ext>
+            </a:extLst>
+          </p:cNvPr>
+          <p:cNvPicPr>
+            <a:picLocks noChangeAspect="1"/>
+          </p:cNvPicPr>
+          <p:nvPr/>
+        </p:nvPicPr>
+        <p:blipFill rotWithShape="1">
+          <a:blip r:embed="rId3">
+            <a:alphaModFix amt="50000"/>
+            <a:extLst>
+              <a:ext uri="{28A0092B-C50C-407E-A947-70E740481C1C}">
+                <a14:useLocalDpi xmlns:a14="http://schemas.microsoft.com/office/drawing/2010/main" val="0"/>
+              </a:ext>
+            </a:extLst>
+          </a:blip>
+          <a:srcRect t="32755" b="9993"/>
+          <a:stretch/>
+        </p:blipFill>
+        <p:spPr>
+          <a:xfrm>
+            <a:off x="20" y="1"/>
+            <a:ext cx="12191980" cy="6857999"/>
+          </a:xfrm>
+          <a:prstGeom prst="rect">
+            <a:avLst/>
+          </a:prstGeom>
+        </p:spPr>
+      </p:pic>
+      <p:sp>
+        <p:nvSpPr>
+          <p:cNvPr id="2" name="Title 1">
+            <a:extLst>
+              <a:ext uri="{FF2B5EF4-FFF2-40B4-BE49-F238E27FC236}">
+                <a16:creationId xmlns:a16="http://schemas.microsoft.com/office/drawing/2014/main" id="{921141D0-171C-4FF1-8CB3-A7E786539073}"/>
+              </a:ext>
+            </a:extLst>
+          </p:cNvPr>
+          <p:cNvSpPr>
+            <a:spLocks noGrp="1"/>
+          </p:cNvSpPr>
+          <p:nvPr>
+            <p:ph type="ctrTitle"/>
+          </p:nvPr>
+        </p:nvSpPr>
+        <p:spPr>
+          <a:xfrm>
+            <a:off x="4387349" y="1200152"/>
+            <a:ext cx="6897171" cy="4457696"/>
+          </a:xfrm>
+        </p:spPr>
+        <p:txBody>
+          <a:bodyPr vert="horz" lIns="91440" tIns="45720" rIns="91440" bIns="45720" rtlCol="0" anchor="ctr">
+            <a:normAutofit/>
+          </a:bodyPr>
+          <a:lstStyle/>
+          <a:p>
+            <a:pPr algn="l"/>
+            <a:r>
+              <a:rPr lang="en-US" sz="2600">
+                <a:solidFill>
+                  <a:srgbClr val="FFFFFF"/>
+                </a:solidFill>
+                <a:effectLst/>
+              </a:rPr>
+              <a:t>Covid 19 has negatively impacted the restaurant industry, but how has it impacted one specific location of the Chick-fil-A (CFA) restaurant chain?  This project will analyze data from a CFA location in Charleston, SC. CFA has given access to unlimited data but due to the time constraints of this project, we will only be considering a few questions.</a:t>
+            </a:r>
+            <a:br>
+              <a:rPr lang="en-US" sz="2600" i="1">
+                <a:solidFill>
+                  <a:srgbClr val="FFFFFF"/>
+                </a:solidFill>
+                <a:effectLst/>
+              </a:rPr>
+            </a:br>
+            <a:endParaRPr lang="en-US" sz="2600" i="1">
+              <a:solidFill>
+                <a:srgbClr val="FFFFFF"/>
+              </a:solidFill>
+            </a:endParaRPr>
+          </a:p>
+        </p:txBody>
+      </p:sp>
+      <p:cxnSp>
+        <p:nvCxnSpPr>
+          <p:cNvPr id="39" name="Straight Connector 23">
+            <a:extLst>
+              <a:ext uri="{FF2B5EF4-FFF2-40B4-BE49-F238E27FC236}">
+                <a16:creationId xmlns:a16="http://schemas.microsoft.com/office/drawing/2014/main" id="{624D17C8-E9C2-48A4-AA36-D7048A6CCC41}"/>
+              </a:ext>
+              <a:ext uri="{C183D7F6-B498-43B3-948B-1728B52AA6E4}">
+                <adec:decorative xmlns:adec="http://schemas.microsoft.com/office/drawing/2017/decorative" val="1"/>
+              </a:ext>
+            </a:extLst>
+          </p:cNvPr>
+          <p:cNvCxnSpPr>
+            <a:cxnSpLocks noGrp="1" noRot="1" noChangeAspect="1" noMove="1" noResize="1" noEditPoints="1" noAdjustHandles="1" noChangeArrowheads="1" noChangeShapeType="1"/>
+          </p:cNvCxnSpPr>
+          <p:nvPr>
+            <p:extLst>
+              <p:ext uri="{386F3935-93C4-4BCD-93E2-E3B085C9AB24}">
+                <p16:designElem xmlns:p16="http://schemas.microsoft.com/office/powerpoint/2015/main" val="1"/>
+              </p:ext>
+            </p:extLst>
+          </p:nvPr>
+        </p:nvCxnSpPr>
+        <p:spPr>
+          <a:xfrm>
+            <a:off x="4055891" y="2286000"/>
+            <a:ext cx="0" cy="2286000"/>
+          </a:xfrm>
+          <a:prstGeom prst="line">
+            <a:avLst/>
+          </a:prstGeom>
+          <a:ln w="19050">
+            <a:solidFill>
+              <a:srgbClr val="FFFFFF"/>
+            </a:solidFill>
+          </a:ln>
+        </p:spPr>
+        <p:style>
+          <a:lnRef idx="1">
+            <a:schemeClr val="accent1"/>
+          </a:lnRef>
+          <a:fillRef idx="0">
+            <a:schemeClr val="accent1"/>
+          </a:fillRef>
+          <a:effectRef idx="0">
+            <a:schemeClr val="accent1"/>
+          </a:effectRef>
+          <a:fontRef idx="minor">
+            <a:schemeClr val="tx1"/>
+          </a:fontRef>
+        </p:style>
+      </p:cxnSp>
+      <p:sp>
+        <p:nvSpPr>
+          <p:cNvPr id="8" name="TextBox 7">
+            <a:extLst>
+              <a:ext uri="{FF2B5EF4-FFF2-40B4-BE49-F238E27FC236}">
+                <a16:creationId xmlns:a16="http://schemas.microsoft.com/office/drawing/2014/main" id="{69467E2D-32F9-8D4A-A645-FE67555F1742}"/>
+              </a:ext>
+            </a:extLst>
+          </p:cNvPr>
+          <p:cNvSpPr txBox="1"/>
+          <p:nvPr/>
+        </p:nvSpPr>
+        <p:spPr>
+          <a:xfrm>
+            <a:off x="2485356" y="607038"/>
+            <a:ext cx="3243263" cy="830997"/>
+          </a:xfrm>
+          <a:prstGeom prst="rect">
+            <a:avLst/>
+          </a:prstGeom>
+          <a:noFill/>
+        </p:spPr>
+        <p:txBody>
+          <a:bodyPr wrap="square" rtlCol="0">
+            <a:spAutoFit/>
+          </a:bodyPr>
+          <a:lstStyle/>
+          <a:p>
+            <a:pPr>
+              <a:spcAft>
+                <a:spcPts val="600"/>
+              </a:spcAft>
+            </a:pPr>
+            <a:r>
+              <a:rPr lang="en-US" sz="4800"/>
+              <a:t>Background</a:t>
+            </a:r>
+          </a:p>
+        </p:txBody>
+      </p:sp>
+    </p:spTree>
+    <p:extLst>
+      <p:ext uri="{BB962C8B-B14F-4D97-AF65-F5344CB8AC3E}">
+        <p14:creationId xmlns:p14="http://schemas.microsoft.com/office/powerpoint/2010/main" val="1039325569"/>
+      </p:ext>
+    </p:extLst>
+  </p:cSld>
+  <p:clrMapOvr>
+    <a:overrideClrMapping bg1="dk1" tx1="lt1" bg2="dk2" tx2="lt2" accent1="accent1" accent2="accent2" accent3="accent3" accent4="accent4" accent5="accent5" accent6="accent6" hlink="hlink" folHlink="folHlink"/>
+  </p:clrMapOvr>
+</p:sld>
+</file>
+
+<file path=ppt/slides/slide5.xml><?xml version="1.0" encoding="utf-8"?>
+<p:sld xmlns:a="http://schemas.openxmlformats.org/drawingml/2006/main" xmlns:r="http://schemas.openxmlformats.org/officeDocument/2006/relationships" xmlns:p="http://schemas.openxmlformats.org/presentationml/2006/main">
+  <p:cSld>
+    <p:bg>
+      <p:bgPr>
+        <a:solidFill>
+          <a:schemeClr val="bg1">
+            <a:tint val="95000"/>
+            <a:satMod val="170000"/>
+          </a:schemeClr>
+        </a:solidFill>
+        <a:effectLst/>
+      </p:bgPr>
+    </p:bg>
+    <p:spTree>
+      <p:nvGrpSpPr>
+        <p:cNvPr id="1" name=""/>
+        <p:cNvGrpSpPr/>
+        <p:nvPr/>
+      </p:nvGrpSpPr>
+      <p:grpSpPr>
+        <a:xfrm>
+          <a:off x="0" y="0"/>
+          <a:ext cx="0" cy="0"/>
+          <a:chOff x="0" y="0"/>
+          <a:chExt cx="0" cy="0"/>
+        </a:xfrm>
+      </p:grpSpPr>
+      <p:sp useBgFill="1">
+        <p:nvSpPr>
+          <p:cNvPr id="22" name="Rectangle 16">
+            <a:extLst>
+              <a:ext uri="{FF2B5EF4-FFF2-40B4-BE49-F238E27FC236}">
+                <a16:creationId xmlns:a16="http://schemas.microsoft.com/office/drawing/2014/main" id="{87A57295-2710-4920-B99A-4D1FA03A62BD}"/>
+              </a:ext>
+              <a:ext uri="{C183D7F6-B498-43B3-948B-1728B52AA6E4}">
+                <adec:decorative xmlns:adec="http://schemas.microsoft.com/office/drawing/2017/decorative" val="1"/>
+              </a:ext>
+            </a:extLst>
+          </p:cNvPr>
+          <p:cNvSpPr>
+            <a:spLocks noGrp="1" noRot="1" noChangeAspect="1" noMove="1" noResize="1" noEditPoints="1" noAdjustHandles="1" noChangeArrowheads="1" noChangeShapeType="1" noTextEdit="1"/>
+          </p:cNvSpPr>
+          <p:nvPr>
+            <p:extLst>
+              <p:ext uri="{386F3935-93C4-4BCD-93E2-E3B085C9AB24}">
+                <p16:designElem xmlns:p16="http://schemas.microsoft.com/office/powerpoint/2015/main" val="1"/>
+              </p:ext>
+            </p:extLst>
+          </p:nvPr>
+        </p:nvSpPr>
+        <p:spPr>
+          <a:xfrm>
+            <a:off x="0" y="0"/>
             <a:ext cx="12188952" cy="6858000"/>
           </a:xfrm>
           <a:prstGeom prst="rect">
@@ -10344,47 +15326,12 @@
           </a:p>
         </p:txBody>
       </p:sp>
-      <p:pic>
-        <p:nvPicPr>
-          <p:cNvPr id="5" name="Picture 4" descr="A sign in front of a building&#10;&#10;Description automatically generated with medium confidence">
+      <p:sp>
+        <p:nvSpPr>
+          <p:cNvPr id="23" name="Rectangle 18">
             <a:extLst>
               <a:ext uri="{FF2B5EF4-FFF2-40B4-BE49-F238E27FC236}">
-                <a16:creationId xmlns:a16="http://schemas.microsoft.com/office/drawing/2014/main" id="{A0DE0D40-EC30-4926-9857-6E1E46B8FFD4}"/>
-              </a:ext>
-            </a:extLst>
-          </p:cNvPr>
-          <p:cNvPicPr>
-            <a:picLocks noChangeAspect="1"/>
-          </p:cNvPicPr>
-          <p:nvPr/>
-        </p:nvPicPr>
-        <p:blipFill rotWithShape="1">
-          <a:blip r:embed="rId2">
-            <a:extLst>
-              <a:ext uri="{28A0092B-C50C-407E-A947-70E740481C1C}">
-                <a14:useLocalDpi xmlns:a14="http://schemas.microsoft.com/office/drawing/2010/main" val="0"/>
-              </a:ext>
-            </a:extLst>
-          </a:blip>
-          <a:srcRect t="32928" b="9820"/>
-          <a:stretch/>
-        </p:blipFill>
-        <p:spPr>
-          <a:xfrm>
-            <a:off x="-3049" y="10"/>
-            <a:ext cx="12191999" cy="6857990"/>
-          </a:xfrm>
-          <a:prstGeom prst="rect">
-            <a:avLst/>
-          </a:prstGeom>
-        </p:spPr>
-      </p:pic>
-      <p:sp>
-        <p:nvSpPr>
-          <p:cNvPr id="17" name="Rectangle 16">
-            <a:extLst>
-              <a:ext uri="{FF2B5EF4-FFF2-40B4-BE49-F238E27FC236}">
-                <a16:creationId xmlns:a16="http://schemas.microsoft.com/office/drawing/2014/main" id="{007891EC-4501-44ED-A8C8-B11B6DB767AB}"/>
+                <a16:creationId xmlns:a16="http://schemas.microsoft.com/office/drawing/2014/main" id="{78067929-4D33-4306-9E2F-67C49CDDB5DE}"/>
               </a:ext>
               <a:ext uri="{C183D7F6-B498-43B3-948B-1728B52AA6E4}">
                 <adec:decorative xmlns:adec="http://schemas.microsoft.com/office/drawing/2017/decorative" val="1"/>
@@ -10404,46 +15351,17 @@
         </p:nvSpPr>
         <p:spPr>
           <a:xfrm>
-            <a:off x="0" y="2207602"/>
-            <a:ext cx="12191999" cy="3162146"/>
+            <a:off x="533400" y="465745"/>
+            <a:ext cx="11125200" cy="5639435"/>
           </a:xfrm>
           <a:prstGeom prst="rect">
             <a:avLst/>
           </a:prstGeom>
-          <a:gradFill flip="none" rotWithShape="1">
-            <a:gsLst>
-              <a:gs pos="0">
-                <a:srgbClr val="000000">
-                  <a:alpha val="0"/>
-                </a:srgbClr>
-              </a:gs>
-              <a:gs pos="25000">
-                <a:srgbClr val="000000">
-                  <a:alpha val="15000"/>
-                </a:srgbClr>
-              </a:gs>
-              <a:gs pos="75000">
-                <a:srgbClr val="000000">
-                  <a:alpha val="15000"/>
-                </a:srgbClr>
-              </a:gs>
-              <a:gs pos="50000">
-                <a:srgbClr val="000000">
-                  <a:alpha val="30000"/>
-                </a:srgbClr>
-              </a:gs>
-              <a:gs pos="100000">
-                <a:srgbClr val="000000">
-                  <a:alpha val="0"/>
-                </a:srgbClr>
-              </a:gs>
-            </a:gsLst>
-            <a:lin ang="16200000" scaled="1"/>
-            <a:tileRect/>
-          </a:gradFill>
-          <a:ln>
-            <a:noFill/>
-          </a:ln>
+          <a:solidFill>
+            <a:schemeClr val="tx1">
+              <a:alpha val="93000"/>
+            </a:schemeClr>
+          </a:solidFill>
         </p:spPr>
         <p:style>
           <a:lnRef idx="2">
@@ -10475,7 +15393,7 @@
           <p:cNvPr id="2" name="Title 1">
             <a:extLst>
               <a:ext uri="{FF2B5EF4-FFF2-40B4-BE49-F238E27FC236}">
-                <a16:creationId xmlns:a16="http://schemas.microsoft.com/office/drawing/2014/main" id="{921141D0-171C-4FF1-8CB3-A7E786539073}"/>
+                <a16:creationId xmlns:a16="http://schemas.microsoft.com/office/drawing/2014/main" id="{872FED5C-8093-8D4F-A67C-5648C229706D}"/>
               </a:ext>
             </a:extLst>
           </p:cNvPr>
@@ -10483,50 +15401,31 @@
             <a:spLocks noGrp="1"/>
           </p:cNvSpPr>
           <p:nvPr>
-            <p:ph type="ctrTitle"/>
+            <p:ph type="title"/>
           </p:nvPr>
         </p:nvSpPr>
         <p:spPr>
           <a:xfrm>
-            <a:off x="1097280" y="288324"/>
-            <a:ext cx="10058400" cy="1977081"/>
+            <a:off x="838200" y="894027"/>
+            <a:ext cx="3494362" cy="4782873"/>
           </a:xfrm>
-          <a:effectLst>
-            <a:outerShdw blurRad="50800" dist="38100" dir="2700000" algn="tl" rotWithShape="0">
-              <a:prstClr val="black">
-                <a:alpha val="40000"/>
-              </a:prstClr>
-            </a:outerShdw>
-          </a:effectLst>
         </p:spPr>
         <p:txBody>
           <a:bodyPr>
-            <a:normAutofit fontScale="90000"/>
+            <a:normAutofit/>
           </a:bodyPr>
           <a:lstStyle/>
           <a:p>
+            <a:pPr algn="r"/>
             <a:r>
-              <a:rPr lang="en-US" sz="2400" b="1" dirty="0">
+              <a:rPr lang="en-US">
                 <a:solidFill>
                   <a:schemeClr val="bg1"/>
                 </a:solidFill>
-                <a:effectLst/>
-                <a:latin typeface="Helvetica" panose="020B0604020202020204" pitchFamily="34" charset="0"/>
-                <a:ea typeface="Times New Roman" panose="02020603050405020304" pitchFamily="18" charset="0"/>
               </a:rPr>
-              <a:t>Covid 19 has negatively impacted the restaurant industry, but how has it impacted one specific location of the CFA restaurant chain?  This project will analyze data from a CFA location in Charleston, SC.   CFA has given access to unlimited data but due to the time constraints of this project, we will only be considering a few questions.</a:t>
+              <a:t>Objectives:</a:t>
             </a:r>
-            <a:br>
-              <a:rPr lang="en-US" sz="2400" b="1" i="1" dirty="0">
-                <a:solidFill>
-                  <a:schemeClr val="bg1"/>
-                </a:solidFill>
-                <a:effectLst/>
-                <a:latin typeface="Helvetica" panose="020B0604020202020204" pitchFamily="34" charset="0"/>
-                <a:ea typeface="Times New Roman" panose="02020603050405020304" pitchFamily="18" charset="0"/>
-              </a:rPr>
-            </a:br>
-            <a:endParaRPr lang="en-US" sz="2400" b="1" i="1" dirty="0">
+            <a:endParaRPr lang="en-US" dirty="0">
               <a:solidFill>
                 <a:schemeClr val="bg1"/>
               </a:solidFill>
@@ -10534,62 +15433,90 @@
           </a:p>
         </p:txBody>
       </p:sp>
-      <p:sp>
-        <p:nvSpPr>
-          <p:cNvPr id="7" name="Title 1">
+      <p:cxnSp>
+        <p:nvCxnSpPr>
+          <p:cNvPr id="21" name="Straight Connector 20">
             <a:extLst>
               <a:ext uri="{FF2B5EF4-FFF2-40B4-BE49-F238E27FC236}">
-                <a16:creationId xmlns:a16="http://schemas.microsoft.com/office/drawing/2014/main" id="{1829CD57-F64C-426E-9ACA-6961A0995425}"/>
+                <a16:creationId xmlns:a16="http://schemas.microsoft.com/office/drawing/2014/main" id="{2D72A2C9-F3CA-4216-8BAD-FA4C970C3C4E}"/>
+              </a:ext>
+              <a:ext uri="{C183D7F6-B498-43B3-948B-1728B52AA6E4}">
+                <adec:decorative xmlns:adec="http://schemas.microsoft.com/office/drawing/2017/decorative" val="1"/>
               </a:ext>
             </a:extLst>
           </p:cNvPr>
-          <p:cNvSpPr txBox="1">
-            <a:spLocks/>
-          </p:cNvSpPr>
-          <p:nvPr/>
-        </p:nvSpPr>
+          <p:cNvCxnSpPr>
+            <a:cxnSpLocks noGrp="1" noRot="1" noChangeAspect="1" noMove="1" noResize="1" noEditPoints="1" noAdjustHandles="1" noChangeArrowheads="1" noChangeShapeType="1"/>
+          </p:cNvCxnSpPr>
+          <p:nvPr>
+            <p:extLst>
+              <p:ext uri="{386F3935-93C4-4BCD-93E2-E3B085C9AB24}">
+                <p16:designElem xmlns:p16="http://schemas.microsoft.com/office/powerpoint/2015/main" val="1"/>
+              </p:ext>
+            </p:extLst>
+          </p:nvPr>
+        </p:nvCxnSpPr>
         <p:spPr>
           <a:xfrm>
-            <a:off x="4053017" y="2108738"/>
-            <a:ext cx="6801982" cy="2249506"/>
+            <a:off x="4654296" y="2057400"/>
+            <a:ext cx="0" cy="2743200"/>
           </a:xfrm>
-          <a:prstGeom prst="rect">
+          <a:prstGeom prst="line">
             <a:avLst/>
           </a:prstGeom>
-          <a:effectLst>
-            <a:outerShdw blurRad="50800" dist="38100" dir="2700000" algn="tl" rotWithShape="0">
-              <a:prstClr val="black">
-                <a:alpha val="40000"/>
-              </a:prstClr>
-            </a:outerShdw>
-          </a:effectLst>
+          <a:ln w="19050">
+            <a:solidFill>
+              <a:schemeClr val="bg1">
+                <a:alpha val="80000"/>
+              </a:schemeClr>
+            </a:solidFill>
+          </a:ln>
+        </p:spPr>
+        <p:style>
+          <a:lnRef idx="1">
+            <a:schemeClr val="accent1"/>
+          </a:lnRef>
+          <a:fillRef idx="0">
+            <a:schemeClr val="accent1"/>
+          </a:fillRef>
+          <a:effectRef idx="0">
+            <a:schemeClr val="accent1"/>
+          </a:effectRef>
+          <a:fontRef idx="minor">
+            <a:schemeClr val="tx1"/>
+          </a:fontRef>
+        </p:style>
+      </p:cxnSp>
+      <p:sp>
+        <p:nvSpPr>
+          <p:cNvPr id="3" name="Content Placeholder 2">
+            <a:extLst>
+              <a:ext uri="{FF2B5EF4-FFF2-40B4-BE49-F238E27FC236}">
+                <a16:creationId xmlns:a16="http://schemas.microsoft.com/office/drawing/2014/main" id="{D0D2E8E2-5C22-A042-A93F-6394720E44B8}"/>
+              </a:ext>
+            </a:extLst>
+          </p:cNvPr>
+          <p:cNvSpPr>
+            <a:spLocks noGrp="1"/>
+          </p:cNvSpPr>
+          <p:nvPr>
+            <p:ph idx="1"/>
+          </p:nvPr>
+        </p:nvSpPr>
+        <p:spPr>
+          <a:xfrm>
+            <a:off x="4976032" y="1037563"/>
+            <a:ext cx="6377768" cy="4782873"/>
+          </a:xfrm>
         </p:spPr>
         <p:txBody>
-          <a:bodyPr vert="horz" lIns="91440" tIns="45720" rIns="91440" bIns="45720" rtlCol="0" anchor="b">
-            <a:normAutofit lnSpcReduction="10000"/>
+          <a:bodyPr anchor="ctr">
+            <a:normAutofit/>
           </a:bodyPr>
-          <a:lstStyle>
-            <a:lvl1pPr algn="ctr" defTabSz="914400" rtl="0" eaLnBrk="1" latinLnBrk="0" hangingPunct="1">
-              <a:lnSpc>
-                <a:spcPct val="90000"/>
-              </a:lnSpc>
-              <a:spcBef>
-                <a:spcPct val="0"/>
-              </a:spcBef>
-              <a:buNone/>
-              <a:defRPr sz="6000" kern="1200">
-                <a:solidFill>
-                  <a:schemeClr val="tx1"/>
-                </a:solidFill>
-                <a:latin typeface="+mj-lt"/>
-                <a:ea typeface="+mj-ea"/>
-                <a:cs typeface="+mj-cs"/>
-              </a:defRPr>
-            </a:lvl1pPr>
-          </a:lstStyle>
+          <a:lstStyle/>
           <a:p>
             <a:r>
-              <a:rPr lang="en-US" sz="2400" b="1" i="1" dirty="0">
+              <a:rPr lang="en-US" sz="2400" b="1" i="1">
                 <a:solidFill>
                   <a:schemeClr val="bg1"/>
                 </a:solidFill>
@@ -10600,7 +15527,7 @@
             </a:r>
           </a:p>
           <a:p>
-            <a:endParaRPr lang="en-US" sz="2400" b="1" i="1" dirty="0">
+            <a:endParaRPr lang="en-US" sz="2400" b="1" i="1">
               <a:solidFill>
                 <a:schemeClr val="bg1"/>
               </a:solidFill>
@@ -10609,7 +15536,7 @@
           </a:p>
           <a:p>
             <a:r>
-              <a:rPr lang="en-US" sz="2400" b="1" i="1" dirty="0">
+              <a:rPr lang="en-US" sz="2400" b="1" i="1">
                 <a:solidFill>
                   <a:schemeClr val="bg1"/>
                 </a:solidFill>
@@ -10619,7 +15546,7 @@
             </a:r>
           </a:p>
           <a:p>
-            <a:endParaRPr lang="en-US" sz="2400" b="1" i="1" dirty="0">
+            <a:endParaRPr lang="en-US" sz="2400" b="1" i="1">
               <a:solidFill>
                 <a:schemeClr val="bg1"/>
               </a:solidFill>
@@ -10628,7 +15555,7 @@
           </a:p>
           <a:p>
             <a:r>
-              <a:rPr lang="en-US" sz="2400" b="1" i="1" dirty="0">
+              <a:rPr lang="en-US" sz="2400" b="1" i="1">
                 <a:solidFill>
                   <a:schemeClr val="bg1"/>
                 </a:solidFill>
@@ -10636,28 +15563,35 @@
               </a:rPr>
               <a:t>How has the way guests order changed during Covid?</a:t>
             </a:r>
-            <a:endParaRPr lang="en-US" sz="2400" b="1" i="1" dirty="0">
+            <a:endParaRPr lang="en-US" sz="2400" b="1" i="1">
               <a:solidFill>
                 <a:schemeClr val="bg1"/>
               </a:solidFill>
             </a:endParaRPr>
           </a:p>
+          <a:p>
+            <a:endParaRPr lang="en-US" sz="2400" dirty="0">
+              <a:solidFill>
+                <a:schemeClr val="bg1"/>
+              </a:solidFill>
+            </a:endParaRPr>
+          </a:p>
         </p:txBody>
       </p:sp>
     </p:spTree>
     <p:extLst>
       <p:ext uri="{BB962C8B-B14F-4D97-AF65-F5344CB8AC3E}">
-        <p14:creationId xmlns:p14="http://schemas.microsoft.com/office/powerpoint/2010/main" val="1039325569"/>
+        <p14:creationId xmlns:p14="http://schemas.microsoft.com/office/powerpoint/2010/main" val="75702645"/>
       </p:ext>
     </p:extLst>
   </p:cSld>
   <p:clrMapOvr>
-    <a:masterClrMapping/>
+    <a:overrideClrMapping bg1="dk1" tx1="lt1" bg2="dk2" tx2="lt2" accent1="accent1" accent2="accent2" accent3="accent3" accent4="accent4" accent5="accent5" accent6="accent6" hlink="hlink" folHlink="folHlink"/>
   </p:clrMapOvr>
 </p:sld>
 </file>
 
-<file path=ppt/slides/slide5.xml><?xml version="1.0" encoding="utf-8"?>
+<file path=ppt/slides/slide6.xml><?xml version="1.0" encoding="utf-8"?>
 <p:sld xmlns:a="http://schemas.openxmlformats.org/drawingml/2006/main" xmlns:r="http://schemas.openxmlformats.org/officeDocument/2006/relationships" xmlns:p="http://schemas.openxmlformats.org/presentationml/2006/main">
   <p:cSld>
     <p:bg>
@@ -10787,7 +15721,7 @@
                   <a:schemeClr val="bg1"/>
                 </a:solidFill>
               </a:rPr>
-              <a:t>Methods of Analysis:</a:t>
+              <a:t>Methods: The Data</a:t>
             </a:r>
           </a:p>
         </p:txBody>
@@ -10878,7 +15812,7 @@
                   <a:schemeClr val="bg1"/>
                 </a:solidFill>
               </a:rPr>
-              <a:t>Gathered data from the Sales Activity from November 2019 through November 2020. </a:t>
+              <a:t>Gathered data from the Sales Activity from November 2019 through November 2020 to create the dataset that was used. </a:t>
             </a:r>
           </a:p>
           <a:p>
@@ -10983,7 +15917,7 @@
 </p:sld>
 </file>
 
-<file path=ppt/slides/slide6.xml><?xml version="1.0" encoding="utf-8"?>
+<file path=ppt/slides/slide7.xml><?xml version="1.0" encoding="utf-8"?>
 <p:sld xmlns:a="http://schemas.openxmlformats.org/drawingml/2006/main" xmlns:r="http://schemas.openxmlformats.org/officeDocument/2006/relationships" xmlns:p="http://schemas.openxmlformats.org/presentationml/2006/main">
   <p:cSld>
     <p:bg>
@@ -11113,23 +16047,7 @@
                   <a:schemeClr val="bg1"/>
                 </a:solidFill>
               </a:rPr>
-              <a:t>Methods of Analysis (</a:t>
-            </a:r>
-            <a:r>
-              <a:rPr lang="en-US" dirty="0" err="1">
-                <a:solidFill>
-                  <a:schemeClr val="bg1"/>
-                </a:solidFill>
-              </a:rPr>
-              <a:t>cont</a:t>
-            </a:r>
-            <a:r>
-              <a:rPr lang="en-US" dirty="0">
-                <a:solidFill>
-                  <a:schemeClr val="bg1"/>
-                </a:solidFill>
-              </a:rPr>
-              <a:t>):</a:t>
+              <a:t>Methods of Analysis:</a:t>
             </a:r>
           </a:p>
         </p:txBody>
@@ -11220,146 +16138,48 @@
                   <a:schemeClr val="bg1"/>
                 </a:solidFill>
               </a:rPr>
-              <a:t>Statistical analyses that were used:</a:t>
+              <a:t>ANOVA analysis to test if there is a significant difference in sales over time for each variable.</a:t>
             </a:r>
           </a:p>
           <a:p>
-            <a:pPr lvl="1"/>
+            <a:pPr marL="0" indent="0">
+              <a:buNone/>
+            </a:pPr>
+            <a:endParaRPr lang="en-US" sz="2400" dirty="0">
+              <a:solidFill>
+                <a:schemeClr val="bg1"/>
+              </a:solidFill>
+            </a:endParaRPr>
+          </a:p>
+          <a:p>
             <a:r>
-              <a:rPr lang="en-US" sz="2000" dirty="0">
+              <a:rPr lang="en-US" sz="2400" dirty="0">
                 <a:solidFill>
                   <a:schemeClr val="bg1"/>
                 </a:solidFill>
               </a:rPr>
-              <a:t>ANOVA analysis to test if there is a significant difference in sales over time for each variable.</a:t>
+              <a:t>Linear Regression analysis to analyze how productivity changed through time. </a:t>
             </a:r>
           </a:p>
           <a:p>
-            <a:pPr lvl="2"/>
+            <a:pPr marL="0" indent="0">
+              <a:buNone/>
+            </a:pPr>
+            <a:endParaRPr lang="en-US" sz="2400" dirty="0">
+              <a:solidFill>
+                <a:schemeClr val="bg1"/>
+              </a:solidFill>
+            </a:endParaRPr>
+          </a:p>
+          <a:p>
             <a:r>
-              <a:rPr lang="en-US" sz="1600" dirty="0">
-                <a:solidFill>
-                  <a:schemeClr val="bg1"/>
-                </a:solidFill>
-              </a:rPr>
-              <a:t>Dependent Variables: Sales, </a:t>
-            </a:r>
-            <a:r>
-              <a:rPr lang="en-US" sz="1600" dirty="0" err="1">
-                <a:solidFill>
-                  <a:schemeClr val="bg1"/>
-                </a:solidFill>
-              </a:rPr>
-              <a:t>NormDT</a:t>
-            </a:r>
-            <a:r>
-              <a:rPr lang="en-US" sz="1600" dirty="0">
-                <a:solidFill>
-                  <a:schemeClr val="bg1"/>
-                </a:solidFill>
-              </a:rPr>
-              <a:t>, </a:t>
-            </a:r>
-            <a:r>
-              <a:rPr lang="en-US" sz="1600" dirty="0" err="1">
-                <a:solidFill>
-                  <a:schemeClr val="bg1"/>
-                </a:solidFill>
-              </a:rPr>
-              <a:t>MobDT</a:t>
-            </a:r>
-            <a:r>
-              <a:rPr lang="en-US" sz="1600" dirty="0">
-                <a:solidFill>
-                  <a:schemeClr val="bg1"/>
-                </a:solidFill>
-              </a:rPr>
-              <a:t>, and 3rdParty</a:t>
-            </a:r>
-          </a:p>
-          <a:p>
-            <a:pPr lvl="2"/>
-            <a:r>
-              <a:rPr lang="en-US" sz="1600" dirty="0">
-                <a:solidFill>
-                  <a:schemeClr val="bg1"/>
-                </a:solidFill>
-              </a:rPr>
-              <a:t>Independent Variable: Time </a:t>
-            </a:r>
-          </a:p>
-          <a:p>
-            <a:pPr lvl="1"/>
-            <a:r>
-              <a:rPr lang="en-US" sz="2000" dirty="0">
-                <a:solidFill>
-                  <a:schemeClr val="bg1"/>
-                </a:solidFill>
-              </a:rPr>
-              <a:t>Linear regression analysis to analyze how productivity changed through time. </a:t>
-            </a:r>
-          </a:p>
-          <a:p>
-            <a:pPr lvl="2"/>
-            <a:r>
-              <a:rPr lang="en-US" sz="1600" dirty="0">
-                <a:solidFill>
-                  <a:schemeClr val="bg1"/>
-                </a:solidFill>
-              </a:rPr>
-              <a:t>Dependent Variable: Productivity</a:t>
-            </a:r>
-          </a:p>
-          <a:p>
-            <a:pPr lvl="2"/>
-            <a:r>
-              <a:rPr lang="en-US" sz="1600" dirty="0">
-                <a:solidFill>
-                  <a:schemeClr val="bg1"/>
-                </a:solidFill>
-              </a:rPr>
-              <a:t>Independent Variable: Time</a:t>
-            </a:r>
-          </a:p>
-          <a:p>
-            <a:pPr lvl="1"/>
-            <a:r>
-              <a:rPr lang="en-US" sz="2000" dirty="0">
+              <a:rPr lang="en-US" sz="2400" dirty="0">
                 <a:solidFill>
                   <a:schemeClr val="bg1"/>
                 </a:solidFill>
               </a:rPr>
               <a:t>MANOVA analysis to see which ordering methods have become more popular since the start of the pandemic.</a:t>
             </a:r>
-          </a:p>
-          <a:p>
-            <a:pPr lvl="2"/>
-            <a:r>
-              <a:rPr lang="en-US" sz="1600" dirty="0">
-                <a:solidFill>
-                  <a:schemeClr val="bg1"/>
-                </a:solidFill>
-              </a:rPr>
-              <a:t>Dependent Variables: MobCO, MobDI, DineIn, Catering, CarryO, NormDT, 3rdParty</a:t>
-            </a:r>
-          </a:p>
-          <a:p>
-            <a:pPr lvl="2"/>
-            <a:r>
-              <a:rPr lang="en-US" sz="1600" dirty="0">
-                <a:solidFill>
-                  <a:schemeClr val="bg1"/>
-                </a:solidFill>
-              </a:rPr>
-              <a:t>Independent Variable: Time.</a:t>
-            </a:r>
-          </a:p>
-          <a:p>
-            <a:endParaRPr lang="en-US" sz="2400" dirty="0">
-              <a:solidFill>
-                <a:schemeClr val="bg1"/>
-              </a:solidFill>
-            </a:endParaRPr>
           </a:p>
           <a:p>
             <a:endParaRPr lang="en-US" sz="2400" dirty="0">
@@ -11383,16 +16203,13 @@
 </p:sld>
 </file>
 
-<file path=ppt/slides/slide7.xml><?xml version="1.0" encoding="utf-8"?>
+<file path=ppt/slides/slide8.xml><?xml version="1.0" encoding="utf-8"?>
 <p:sld xmlns:a="http://schemas.openxmlformats.org/drawingml/2006/main" xmlns:r="http://schemas.openxmlformats.org/officeDocument/2006/relationships" xmlns:p="http://schemas.openxmlformats.org/presentationml/2006/main">
   <p:cSld>
     <p:bg>
       <p:bgPr>
         <a:solidFill>
-          <a:schemeClr val="tx1">
-            <a:lumMod val="75000"/>
-            <a:lumOff val="25000"/>
-          </a:schemeClr>
+          <a:schemeClr val="bg1"/>
         </a:solidFill>
         <a:effectLst/>
       </p:bgPr>
@@ -11413,10 +16230,81 @@
       </p:grpSpPr>
       <p:sp>
         <p:nvSpPr>
+          <p:cNvPr id="12" name="Rectangle 7">
+            <a:extLst>
+              <a:ext uri="{FF2B5EF4-FFF2-40B4-BE49-F238E27FC236}">
+                <a16:creationId xmlns:a16="http://schemas.microsoft.com/office/drawing/2014/main" id="{F98ED85F-DCEE-4B50-802E-71A6E3E12B04}"/>
+              </a:ext>
+              <a:ext uri="{C183D7F6-B498-43B3-948B-1728B52AA6E4}">
+                <adec:decorative xmlns:adec="http://schemas.microsoft.com/office/drawing/2017/decorative" val="1"/>
+              </a:ext>
+            </a:extLst>
+          </p:cNvPr>
+          <p:cNvSpPr>
+            <a:spLocks noGrp="1" noRot="1" noChangeAspect="1" noMove="1" noResize="1" noEditPoints="1" noAdjustHandles="1" noChangeArrowheads="1" noChangeShapeType="1" noTextEdit="1"/>
+          </p:cNvSpPr>
+          <p:nvPr>
+            <p:extLst>
+              <p:ext uri="{386F3935-93C4-4BCD-93E2-E3B085C9AB24}">
+                <p16:designElem xmlns:p16="http://schemas.microsoft.com/office/powerpoint/2015/main" val="1"/>
+              </p:ext>
+            </p:extLst>
+          </p:nvPr>
+        </p:nvSpPr>
+        <p:spPr bwMode="ltGray">
+          <a:xfrm>
+            <a:off x="321564" y="320040"/>
+            <a:ext cx="11548872" cy="6217920"/>
+          </a:xfrm>
+          <a:prstGeom prst="rect">
+            <a:avLst/>
+          </a:prstGeom>
+          <a:solidFill>
+            <a:schemeClr val="tx1">
+              <a:lumMod val="75000"/>
+              <a:lumOff val="25000"/>
+            </a:schemeClr>
+          </a:solidFill>
+          <a:ln w="127000" cap="sq" cmpd="thinThick">
+            <a:solidFill>
+              <a:schemeClr val="tx1">
+                <a:lumMod val="75000"/>
+                <a:lumOff val="25000"/>
+              </a:schemeClr>
+            </a:solidFill>
+          </a:ln>
+        </p:spPr>
+        <p:style>
+          <a:lnRef idx="2">
+            <a:schemeClr val="accent1">
+              <a:shade val="50000"/>
+            </a:schemeClr>
+          </a:lnRef>
+          <a:fillRef idx="1">
+            <a:schemeClr val="accent1"/>
+          </a:fillRef>
+          <a:effectRef idx="0">
+            <a:schemeClr val="accent1"/>
+          </a:effectRef>
+          <a:fontRef idx="minor">
+            <a:schemeClr val="lt1"/>
+          </a:fontRef>
+        </p:style>
+        <p:txBody>
+          <a:bodyPr rtlCol="0" anchor="ctr"/>
+          <a:lstStyle/>
+          <a:p>
+            <a:pPr algn="ctr"/>
+            <a:endParaRPr lang="en-US"/>
+          </a:p>
+        </p:txBody>
+      </p:sp>
+      <p:sp>
+        <p:nvSpPr>
           <p:cNvPr id="2" name="Title 1">
             <a:extLst>
               <a:ext uri="{FF2B5EF4-FFF2-40B4-BE49-F238E27FC236}">
-                <a16:creationId xmlns:a16="http://schemas.microsoft.com/office/drawing/2014/main" id="{AC7C8176-7EFC-4ACF-8066-1A0266BFA34E}"/>
+                <a16:creationId xmlns:a16="http://schemas.microsoft.com/office/drawing/2014/main" id="{7AE5B17A-4206-4076-AF15-34373FC0737A}"/>
               </a:ext>
             </a:extLst>
           </p:cNvPr>
@@ -11429,34 +16317,85 @@
         </p:nvSpPr>
         <p:spPr>
           <a:xfrm>
-            <a:off x="838200" y="365126"/>
-            <a:ext cx="10515600" cy="646552"/>
+            <a:off x="838200" y="631825"/>
+            <a:ext cx="10515600" cy="1325563"/>
           </a:xfrm>
         </p:spPr>
         <p:txBody>
           <a:bodyPr>
-            <a:noAutofit/>
+            <a:normAutofit/>
           </a:bodyPr>
           <a:lstStyle/>
           <a:p>
             <a:r>
-              <a:rPr lang="en-US" sz="4800" u="sng" dirty="0">
+              <a:rPr lang="en-US" dirty="0">
                 <a:solidFill>
                   <a:schemeClr val="bg1"/>
                 </a:solidFill>
               </a:rPr>
-              <a:t>Variables used in analysis (Meta-Data):                           </a:t>
+              <a:t>Programs and Wrangling:</a:t>
             </a:r>
-            <a:endParaRPr lang="en-US" sz="4800" u="sng" dirty="0"/>
           </a:p>
         </p:txBody>
       </p:sp>
+      <p:cxnSp>
+        <p:nvCxnSpPr>
+          <p:cNvPr id="13" name="Straight Connector 9">
+            <a:extLst>
+              <a:ext uri="{FF2B5EF4-FFF2-40B4-BE49-F238E27FC236}">
+                <a16:creationId xmlns:a16="http://schemas.microsoft.com/office/drawing/2014/main" id="{E8E35B83-1EC3-4F87-9D54-D863463351B9}"/>
+              </a:ext>
+              <a:ext uri="{C183D7F6-B498-43B3-948B-1728B52AA6E4}">
+                <adec:decorative xmlns:adec="http://schemas.microsoft.com/office/drawing/2017/decorative" val="1"/>
+              </a:ext>
+            </a:extLst>
+          </p:cNvPr>
+          <p:cNvCxnSpPr>
+            <a:cxnSpLocks noGrp="1" noRot="1" noChangeAspect="1" noMove="1" noResize="1" noEditPoints="1" noAdjustHandles="1" noChangeArrowheads="1" noChangeShapeType="1"/>
+          </p:cNvCxnSpPr>
+          <p:nvPr>
+            <p:extLst>
+              <p:ext uri="{386F3935-93C4-4BCD-93E2-E3B085C9AB24}">
+                <p16:designElem xmlns:p16="http://schemas.microsoft.com/office/powerpoint/2015/main" val="1"/>
+              </p:ext>
+            </p:extLst>
+          </p:nvPr>
+        </p:nvCxnSpPr>
+        <p:spPr>
+          <a:xfrm>
+            <a:off x="897636" y="1957388"/>
+            <a:ext cx="10396728" cy="0"/>
+          </a:xfrm>
+          <a:prstGeom prst="line">
+            <a:avLst/>
+          </a:prstGeom>
+          <a:ln w="22225">
+            <a:solidFill>
+              <a:schemeClr val="bg1"/>
+            </a:solidFill>
+          </a:ln>
+        </p:spPr>
+        <p:style>
+          <a:lnRef idx="1">
+            <a:schemeClr val="accent1"/>
+          </a:lnRef>
+          <a:fillRef idx="0">
+            <a:schemeClr val="accent1"/>
+          </a:fillRef>
+          <a:effectRef idx="0">
+            <a:schemeClr val="accent1"/>
+          </a:effectRef>
+          <a:fontRef idx="minor">
+            <a:schemeClr val="tx1"/>
+          </a:fontRef>
+        </p:style>
+      </p:cxnSp>
       <p:sp>
         <p:nvSpPr>
           <p:cNvPr id="3" name="Content Placeholder 2">
             <a:extLst>
               <a:ext uri="{FF2B5EF4-FFF2-40B4-BE49-F238E27FC236}">
-                <a16:creationId xmlns:a16="http://schemas.microsoft.com/office/drawing/2014/main" id="{CD32B198-7AE3-4D1C-8E43-29C5143BDA9D}"/>
+                <a16:creationId xmlns:a16="http://schemas.microsoft.com/office/drawing/2014/main" id="{83EA27C2-97B2-419A-91A7-038692070155}"/>
               </a:ext>
             </a:extLst>
           </p:cNvPr>
@@ -11469,898 +16408,98 @@
         </p:nvSpPr>
         <p:spPr>
           <a:xfrm>
-            <a:off x="838200" y="1247242"/>
-            <a:ext cx="10515600" cy="5245631"/>
+            <a:off x="838200" y="2269173"/>
+            <a:ext cx="10515600" cy="3659988"/>
           </a:xfrm>
         </p:spPr>
         <p:txBody>
           <a:bodyPr>
-            <a:normAutofit fontScale="47500" lnSpcReduction="20000"/>
+            <a:normAutofit/>
           </a:bodyPr>
           <a:lstStyle/>
           <a:p>
-            <a:pPr marL="0" marR="0" indent="0">
-              <a:lnSpc>
-                <a:spcPct val="107000"/>
-              </a:lnSpc>
-              <a:spcBef>
-                <a:spcPts val="0"/>
-              </a:spcBef>
-              <a:spcAft>
-                <a:spcPts val="800"/>
-              </a:spcAft>
-              <a:buNone/>
-            </a:pPr>
             <a:r>
-              <a:rPr lang="en-US" sz="2900" b="1" dirty="0">
+              <a:rPr lang="en-US" sz="2400" dirty="0">
                 <a:solidFill>
                   <a:schemeClr val="bg1"/>
                 </a:solidFill>
-                <a:effectLst/>
-                <a:latin typeface="Calibri" panose="020F0502020204030204" pitchFamily="34" charset="0"/>
-                <a:ea typeface="Calibri" panose="020F0502020204030204" pitchFamily="34" charset="0"/>
-                <a:cs typeface="Times New Roman" panose="02020603050405020304" pitchFamily="18" charset="0"/>
               </a:rPr>
-              <a:t>Sales</a:t>
+              <a:t>R and R studio for Statistical Analyses</a:t>
             </a:r>
+          </a:p>
+          <a:p>
+            <a:endParaRPr lang="en-US" sz="2400" dirty="0">
+              <a:solidFill>
+                <a:schemeClr val="bg1"/>
+              </a:solidFill>
+            </a:endParaRPr>
+          </a:p>
+          <a:p>
             <a:r>
-              <a:rPr lang="en-US" sz="2900" dirty="0">
+              <a:rPr lang="en-US" sz="2400" dirty="0">
                 <a:solidFill>
                   <a:schemeClr val="bg1"/>
                 </a:solidFill>
-                <a:effectLst/>
-                <a:latin typeface="Calibri" panose="020F0502020204030204" pitchFamily="34" charset="0"/>
-                <a:ea typeface="Calibri" panose="020F0502020204030204" pitchFamily="34" charset="0"/>
-                <a:cs typeface="Times New Roman" panose="02020603050405020304" pitchFamily="18" charset="0"/>
               </a:rPr>
-              <a:t>: Total amount of sales in each week in USD.</a:t>
+              <a:t>Python and </a:t>
             </a:r>
-          </a:p>
-          <a:p>
-            <a:pPr marL="0" marR="0" indent="0">
-              <a:lnSpc>
-                <a:spcPct val="107000"/>
-              </a:lnSpc>
-              <a:spcBef>
-                <a:spcPts val="0"/>
-              </a:spcBef>
-              <a:spcAft>
-                <a:spcPts val="800"/>
-              </a:spcAft>
-              <a:buNone/>
-            </a:pPr>
             <a:r>
-              <a:rPr lang="en-US" sz="2900" b="1" dirty="0">
+              <a:rPr lang="en-US" sz="2400" dirty="0" err="1">
                 <a:solidFill>
                   <a:schemeClr val="bg1"/>
                 </a:solidFill>
-                <a:effectLst/>
-                <a:latin typeface="Calibri" panose="020F0502020204030204" pitchFamily="34" charset="0"/>
-                <a:ea typeface="Calibri" panose="020F0502020204030204" pitchFamily="34" charset="0"/>
-                <a:cs typeface="Times New Roman" panose="02020603050405020304" pitchFamily="18" charset="0"/>
               </a:rPr>
-              <a:t>HoursUsed</a:t>
+              <a:t>Jupyter</a:t>
             </a:r>
             <a:r>
-              <a:rPr lang="en-US" sz="2900" dirty="0">
+              <a:rPr lang="en-US" sz="2400" dirty="0">
                 <a:solidFill>
                   <a:schemeClr val="bg1"/>
                 </a:solidFill>
-                <a:effectLst/>
-                <a:latin typeface="Calibri" panose="020F0502020204030204" pitchFamily="34" charset="0"/>
-                <a:ea typeface="Calibri" panose="020F0502020204030204" pitchFamily="34" charset="0"/>
-                <a:cs typeface="Times New Roman" panose="02020603050405020304" pitchFamily="18" charset="0"/>
               </a:rPr>
-              <a:t>: Total number of man hours used each week. </a:t>
+              <a:t> Notebook for Data Wrangling</a:t>
             </a:r>
           </a:p>
           <a:p>
-            <a:pPr marL="0" marR="0" indent="0">
-              <a:lnSpc>
-                <a:spcPct val="107000"/>
-              </a:lnSpc>
-              <a:spcBef>
-                <a:spcPts val="0"/>
-              </a:spcBef>
-              <a:spcAft>
-                <a:spcPts val="800"/>
-              </a:spcAft>
-              <a:buNone/>
-            </a:pPr>
+            <a:endParaRPr lang="en-US" sz="2400" dirty="0">
+              <a:solidFill>
+                <a:schemeClr val="bg1"/>
+              </a:solidFill>
+            </a:endParaRPr>
+          </a:p>
+          <a:p>
             <a:r>
-              <a:rPr lang="en-US" sz="2900" b="1" dirty="0">
+              <a:rPr lang="en-US" sz="2400" dirty="0">
                 <a:solidFill>
                   <a:schemeClr val="bg1"/>
                 </a:solidFill>
-                <a:effectLst/>
-                <a:latin typeface="Calibri" panose="020F0502020204030204" pitchFamily="34" charset="0"/>
-                <a:ea typeface="Calibri" panose="020F0502020204030204" pitchFamily="34" charset="0"/>
-                <a:cs typeface="Times New Roman" panose="02020603050405020304" pitchFamily="18" charset="0"/>
               </a:rPr>
-              <a:t>MobCO</a:t>
+              <a:t>Tableau for Visualization</a:t>
             </a:r>
+          </a:p>
+          <a:p>
+            <a:endParaRPr lang="en-US" sz="2400" dirty="0">
+              <a:solidFill>
+                <a:schemeClr val="bg1"/>
+              </a:solidFill>
+            </a:endParaRPr>
+          </a:p>
+          <a:p>
             <a:r>
-              <a:rPr lang="en-US" sz="2900" dirty="0">
+              <a:rPr lang="en-US" sz="2400" dirty="0">
                 <a:solidFill>
                   <a:schemeClr val="bg1"/>
                 </a:solidFill>
-                <a:effectLst/>
-                <a:latin typeface="Calibri" panose="020F0502020204030204" pitchFamily="34" charset="0"/>
-                <a:ea typeface="Calibri" panose="020F0502020204030204" pitchFamily="34" charset="0"/>
-                <a:cs typeface="Times New Roman" panose="02020603050405020304" pitchFamily="18" charset="0"/>
               </a:rPr>
-              <a:t>: Total sales by Mobile Carryout - guest orders on the app, pick up </a:t>
+              <a:t>Excel for Pivot Table</a:t>
             </a:r>
-            <a:r>
-              <a:rPr lang="en-US" sz="2900" dirty="0">
-                <a:solidFill>
-                  <a:schemeClr val="bg1"/>
-                </a:solidFill>
-                <a:latin typeface="Calibri" panose="020F0502020204030204" pitchFamily="34" charset="0"/>
-                <a:ea typeface="Calibri" panose="020F0502020204030204" pitchFamily="34" charset="0"/>
-                <a:cs typeface="Times New Roman" panose="02020603050405020304" pitchFamily="18" charset="0"/>
-              </a:rPr>
-              <a:t>meal</a:t>
-            </a:r>
-            <a:r>
-              <a:rPr lang="en-US" sz="2900" dirty="0">
-                <a:solidFill>
-                  <a:schemeClr val="bg1"/>
-                </a:solidFill>
-                <a:effectLst/>
-                <a:latin typeface="Calibri" panose="020F0502020204030204" pitchFamily="34" charset="0"/>
-                <a:ea typeface="Calibri" panose="020F0502020204030204" pitchFamily="34" charset="0"/>
-                <a:cs typeface="Times New Roman" panose="02020603050405020304" pitchFamily="18" charset="0"/>
-              </a:rPr>
-              <a:t> inside the restaurant, and </a:t>
-            </a:r>
-            <a:r>
-              <a:rPr lang="en-US" sz="2900" dirty="0">
-                <a:solidFill>
-                  <a:schemeClr val="bg1"/>
-                </a:solidFill>
-                <a:latin typeface="Calibri" panose="020F0502020204030204" pitchFamily="34" charset="0"/>
-                <a:ea typeface="Calibri" panose="020F0502020204030204" pitchFamily="34" charset="0"/>
-                <a:cs typeface="Times New Roman" panose="02020603050405020304" pitchFamily="18" charset="0"/>
-              </a:rPr>
-              <a:t>take</a:t>
-            </a:r>
-            <a:r>
-              <a:rPr lang="en-US" sz="2900" dirty="0">
-                <a:solidFill>
-                  <a:schemeClr val="bg1"/>
-                </a:solidFill>
-                <a:effectLst/>
-                <a:latin typeface="Calibri" panose="020F0502020204030204" pitchFamily="34" charset="0"/>
-                <a:ea typeface="Calibri" panose="020F0502020204030204" pitchFamily="34" charset="0"/>
-                <a:cs typeface="Times New Roman" panose="02020603050405020304" pitchFamily="18" charset="0"/>
-              </a:rPr>
-              <a:t> </a:t>
-            </a:r>
-            <a:r>
-              <a:rPr lang="en-US" sz="2900" dirty="0">
-                <a:solidFill>
-                  <a:schemeClr val="bg1"/>
-                </a:solidFill>
-                <a:latin typeface="Calibri" panose="020F0502020204030204" pitchFamily="34" charset="0"/>
-                <a:ea typeface="Calibri" panose="020F0502020204030204" pitchFamily="34" charset="0"/>
-                <a:cs typeface="Times New Roman" panose="02020603050405020304" pitchFamily="18" charset="0"/>
-              </a:rPr>
-              <a:t>their meal to go</a:t>
-            </a:r>
-            <a:r>
-              <a:rPr lang="en-US" sz="2900" dirty="0">
-                <a:solidFill>
-                  <a:schemeClr val="bg1"/>
-                </a:solidFill>
-                <a:effectLst/>
-                <a:latin typeface="Calibri" panose="020F0502020204030204" pitchFamily="34" charset="0"/>
-                <a:ea typeface="Calibri" panose="020F0502020204030204" pitchFamily="34" charset="0"/>
-                <a:cs typeface="Times New Roman" panose="02020603050405020304" pitchFamily="18" charset="0"/>
-              </a:rPr>
-              <a:t>.</a:t>
-            </a:r>
-          </a:p>
-          <a:p>
-            <a:pPr marL="0" marR="0" indent="0">
-              <a:lnSpc>
-                <a:spcPct val="107000"/>
-              </a:lnSpc>
-              <a:spcBef>
-                <a:spcPts val="0"/>
-              </a:spcBef>
-              <a:spcAft>
-                <a:spcPts val="800"/>
-              </a:spcAft>
-              <a:buNone/>
-            </a:pPr>
-            <a:r>
-              <a:rPr lang="en-US" sz="2900" b="1" dirty="0">
-                <a:solidFill>
-                  <a:schemeClr val="bg1"/>
-                </a:solidFill>
-                <a:effectLst/>
-                <a:latin typeface="Calibri" panose="020F0502020204030204" pitchFamily="34" charset="0"/>
-                <a:ea typeface="Calibri" panose="020F0502020204030204" pitchFamily="34" charset="0"/>
-                <a:cs typeface="Times New Roman" panose="02020603050405020304" pitchFamily="18" charset="0"/>
-              </a:rPr>
-              <a:t>MobDI</a:t>
-            </a:r>
-            <a:r>
-              <a:rPr lang="en-US" sz="2900" dirty="0">
-                <a:solidFill>
-                  <a:schemeClr val="bg1"/>
-                </a:solidFill>
-                <a:effectLst/>
-                <a:latin typeface="Calibri" panose="020F0502020204030204" pitchFamily="34" charset="0"/>
-                <a:ea typeface="Calibri" panose="020F0502020204030204" pitchFamily="34" charset="0"/>
-                <a:cs typeface="Times New Roman" panose="02020603050405020304" pitchFamily="18" charset="0"/>
-              </a:rPr>
-              <a:t>: Total sales by Mobile Dine-In orders – guest orders on the app, finds a table and </a:t>
-            </a:r>
-            <a:r>
-              <a:rPr lang="en-US" sz="2900" dirty="0">
-                <a:solidFill>
-                  <a:schemeClr val="bg1"/>
-                </a:solidFill>
-                <a:latin typeface="Calibri" panose="020F0502020204030204" pitchFamily="34" charset="0"/>
-                <a:ea typeface="Calibri" panose="020F0502020204030204" pitchFamily="34" charset="0"/>
-                <a:cs typeface="Times New Roman" panose="02020603050405020304" pitchFamily="18" charset="0"/>
-              </a:rPr>
-              <a:t>scan the barcode</a:t>
-            </a:r>
-            <a:r>
-              <a:rPr lang="en-US" sz="2900" dirty="0">
-                <a:solidFill>
-                  <a:schemeClr val="bg1"/>
-                </a:solidFill>
-                <a:effectLst/>
-                <a:latin typeface="Calibri" panose="020F0502020204030204" pitchFamily="34" charset="0"/>
-                <a:ea typeface="Calibri" panose="020F0502020204030204" pitchFamily="34" charset="0"/>
-                <a:cs typeface="Times New Roman" panose="02020603050405020304" pitchFamily="18" charset="0"/>
-              </a:rPr>
-              <a:t> in the dining room, and order is brought to </a:t>
-            </a:r>
-            <a:r>
-              <a:rPr lang="en-US" sz="2900" dirty="0">
-                <a:solidFill>
-                  <a:schemeClr val="bg1"/>
-                </a:solidFill>
-                <a:latin typeface="Calibri" panose="020F0502020204030204" pitchFamily="34" charset="0"/>
-                <a:ea typeface="Calibri" panose="020F0502020204030204" pitchFamily="34" charset="0"/>
-                <a:cs typeface="Times New Roman" panose="02020603050405020304" pitchFamily="18" charset="0"/>
-              </a:rPr>
-              <a:t>them</a:t>
-            </a:r>
-            <a:r>
-              <a:rPr lang="en-US" sz="2900" dirty="0">
-                <a:solidFill>
-                  <a:schemeClr val="bg1"/>
-                </a:solidFill>
-                <a:effectLst/>
-                <a:latin typeface="Calibri" panose="020F0502020204030204" pitchFamily="34" charset="0"/>
-                <a:ea typeface="Calibri" panose="020F0502020204030204" pitchFamily="34" charset="0"/>
-                <a:cs typeface="Times New Roman" panose="02020603050405020304" pitchFamily="18" charset="0"/>
-              </a:rPr>
-              <a:t>.</a:t>
-            </a:r>
-          </a:p>
-          <a:p>
-            <a:pPr marL="0" marR="0" indent="0">
-              <a:lnSpc>
-                <a:spcPct val="107000"/>
-              </a:lnSpc>
-              <a:spcBef>
-                <a:spcPts val="0"/>
-              </a:spcBef>
-              <a:spcAft>
-                <a:spcPts val="800"/>
-              </a:spcAft>
-              <a:buNone/>
-            </a:pPr>
-            <a:r>
-              <a:rPr lang="en-US" sz="2900" b="1" dirty="0">
-                <a:solidFill>
-                  <a:schemeClr val="bg1"/>
-                </a:solidFill>
-                <a:effectLst/>
-                <a:latin typeface="Calibri" panose="020F0502020204030204" pitchFamily="34" charset="0"/>
-                <a:ea typeface="Calibri" panose="020F0502020204030204" pitchFamily="34" charset="0"/>
-                <a:cs typeface="Times New Roman" panose="02020603050405020304" pitchFamily="18" charset="0"/>
-              </a:rPr>
-              <a:t>MobDT</a:t>
-            </a:r>
-            <a:r>
-              <a:rPr lang="en-US" sz="2900" dirty="0">
-                <a:solidFill>
-                  <a:schemeClr val="bg1"/>
-                </a:solidFill>
-                <a:effectLst/>
-                <a:latin typeface="Calibri" panose="020F0502020204030204" pitchFamily="34" charset="0"/>
-                <a:ea typeface="Calibri" panose="020F0502020204030204" pitchFamily="34" charset="0"/>
-                <a:cs typeface="Times New Roman" panose="02020603050405020304" pitchFamily="18" charset="0"/>
-              </a:rPr>
-              <a:t>: Total sales by Mobile Drive-Thru orders - guest orders on the app and picks up their meal in the drive-thru line.</a:t>
-            </a:r>
-          </a:p>
-          <a:p>
-            <a:pPr marL="0" marR="0" indent="0">
-              <a:lnSpc>
-                <a:spcPct val="107000"/>
-              </a:lnSpc>
-              <a:spcBef>
-                <a:spcPts val="0"/>
-              </a:spcBef>
-              <a:spcAft>
-                <a:spcPts val="800"/>
-              </a:spcAft>
-              <a:buNone/>
-            </a:pPr>
-            <a:r>
-              <a:rPr lang="en-US" sz="2900" b="1" dirty="0">
-                <a:solidFill>
-                  <a:schemeClr val="bg1"/>
-                </a:solidFill>
-                <a:effectLst/>
-                <a:latin typeface="Calibri" panose="020F0502020204030204" pitchFamily="34" charset="0"/>
-                <a:ea typeface="Calibri" panose="020F0502020204030204" pitchFamily="34" charset="0"/>
-                <a:cs typeface="Times New Roman" panose="02020603050405020304" pitchFamily="18" charset="0"/>
-              </a:rPr>
-              <a:t>Mobile Sales</a:t>
-            </a:r>
-            <a:r>
-              <a:rPr lang="en-US" sz="2900" dirty="0">
-                <a:solidFill>
-                  <a:schemeClr val="bg1"/>
-                </a:solidFill>
-                <a:effectLst/>
-                <a:latin typeface="Calibri" panose="020F0502020204030204" pitchFamily="34" charset="0"/>
-                <a:ea typeface="Calibri" panose="020F0502020204030204" pitchFamily="34" charset="0"/>
-                <a:cs typeface="Times New Roman" panose="02020603050405020304" pitchFamily="18" charset="0"/>
-              </a:rPr>
-              <a:t>: Total sales done through the mobile app in total. </a:t>
-            </a:r>
-            <a:r>
-              <a:rPr lang="en-US" sz="2900" dirty="0" err="1">
-                <a:solidFill>
-                  <a:schemeClr val="bg1"/>
-                </a:solidFill>
-                <a:effectLst/>
-                <a:latin typeface="Calibri" panose="020F0502020204030204" pitchFamily="34" charset="0"/>
-                <a:ea typeface="Calibri" panose="020F0502020204030204" pitchFamily="34" charset="0"/>
-                <a:cs typeface="Times New Roman" panose="02020603050405020304" pitchFamily="18" charset="0"/>
-              </a:rPr>
-              <a:t>MobCO</a:t>
-            </a:r>
-            <a:r>
-              <a:rPr lang="en-US" sz="2900" dirty="0">
-                <a:solidFill>
-                  <a:schemeClr val="bg1"/>
-                </a:solidFill>
-                <a:effectLst/>
-                <a:latin typeface="Calibri" panose="020F0502020204030204" pitchFamily="34" charset="0"/>
-                <a:ea typeface="Calibri" panose="020F0502020204030204" pitchFamily="34" charset="0"/>
-                <a:cs typeface="Times New Roman" panose="02020603050405020304" pitchFamily="18" charset="0"/>
-              </a:rPr>
-              <a:t> + </a:t>
-            </a:r>
-            <a:r>
-              <a:rPr lang="en-US" sz="2900" dirty="0" err="1">
-                <a:solidFill>
-                  <a:schemeClr val="bg1"/>
-                </a:solidFill>
-                <a:effectLst/>
-                <a:latin typeface="Calibri" panose="020F0502020204030204" pitchFamily="34" charset="0"/>
-                <a:ea typeface="Calibri" panose="020F0502020204030204" pitchFamily="34" charset="0"/>
-                <a:cs typeface="Times New Roman" panose="02020603050405020304" pitchFamily="18" charset="0"/>
-              </a:rPr>
-              <a:t>MobDI</a:t>
-            </a:r>
-            <a:r>
-              <a:rPr lang="en-US" sz="2900" dirty="0">
-                <a:solidFill>
-                  <a:schemeClr val="bg1"/>
-                </a:solidFill>
-                <a:effectLst/>
-                <a:latin typeface="Calibri" panose="020F0502020204030204" pitchFamily="34" charset="0"/>
-                <a:ea typeface="Calibri" panose="020F0502020204030204" pitchFamily="34" charset="0"/>
-                <a:cs typeface="Times New Roman" panose="02020603050405020304" pitchFamily="18" charset="0"/>
-              </a:rPr>
-              <a:t> + </a:t>
-            </a:r>
-            <a:r>
-              <a:rPr lang="en-US" sz="2900" dirty="0" err="1">
-                <a:solidFill>
-                  <a:schemeClr val="bg1"/>
-                </a:solidFill>
-                <a:effectLst/>
-                <a:latin typeface="Calibri" panose="020F0502020204030204" pitchFamily="34" charset="0"/>
-                <a:ea typeface="Calibri" panose="020F0502020204030204" pitchFamily="34" charset="0"/>
-                <a:cs typeface="Times New Roman" panose="02020603050405020304" pitchFamily="18" charset="0"/>
-              </a:rPr>
-              <a:t>MobDT</a:t>
-            </a:r>
-            <a:endParaRPr lang="en-US" sz="2900" dirty="0">
-              <a:solidFill>
-                <a:schemeClr val="bg1"/>
-              </a:solidFill>
-              <a:effectLst/>
-              <a:latin typeface="Calibri" panose="020F0502020204030204" pitchFamily="34" charset="0"/>
-              <a:ea typeface="Calibri" panose="020F0502020204030204" pitchFamily="34" charset="0"/>
-              <a:cs typeface="Times New Roman" panose="02020603050405020304" pitchFamily="18" charset="0"/>
-            </a:endParaRPr>
-          </a:p>
-          <a:p>
-            <a:pPr marL="0" marR="0" indent="0">
-              <a:lnSpc>
-                <a:spcPct val="107000"/>
-              </a:lnSpc>
-              <a:spcBef>
-                <a:spcPts val="0"/>
-              </a:spcBef>
-              <a:spcAft>
-                <a:spcPts val="800"/>
-              </a:spcAft>
-              <a:buNone/>
-            </a:pPr>
-            <a:r>
-              <a:rPr lang="en-US" sz="2900" b="1" dirty="0">
-                <a:solidFill>
-                  <a:schemeClr val="bg1"/>
-                </a:solidFill>
-                <a:effectLst/>
-                <a:latin typeface="Calibri" panose="020F0502020204030204" pitchFamily="34" charset="0"/>
-                <a:ea typeface="Calibri" panose="020F0502020204030204" pitchFamily="34" charset="0"/>
-                <a:cs typeface="Times New Roman" panose="02020603050405020304" pitchFamily="18" charset="0"/>
-              </a:rPr>
-              <a:t>3rdParty</a:t>
-            </a:r>
-            <a:r>
-              <a:rPr lang="en-US" sz="2900" dirty="0">
-                <a:solidFill>
-                  <a:schemeClr val="bg1"/>
-                </a:solidFill>
-                <a:effectLst/>
-                <a:latin typeface="Calibri" panose="020F0502020204030204" pitchFamily="34" charset="0"/>
-                <a:ea typeface="Calibri" panose="020F0502020204030204" pitchFamily="34" charset="0"/>
-                <a:cs typeface="Times New Roman" panose="02020603050405020304" pitchFamily="18" charset="0"/>
-              </a:rPr>
-              <a:t>: Total sales done through a 3</a:t>
-            </a:r>
-            <a:r>
-              <a:rPr lang="en-US" sz="2900" baseline="30000" dirty="0">
-                <a:solidFill>
-                  <a:schemeClr val="bg1"/>
-                </a:solidFill>
-                <a:effectLst/>
-                <a:latin typeface="Calibri" panose="020F0502020204030204" pitchFamily="34" charset="0"/>
-                <a:ea typeface="Calibri" panose="020F0502020204030204" pitchFamily="34" charset="0"/>
-                <a:cs typeface="Times New Roman" panose="02020603050405020304" pitchFamily="18" charset="0"/>
-              </a:rPr>
-              <a:t>rd</a:t>
-            </a:r>
-            <a:r>
-              <a:rPr lang="en-US" sz="2900" dirty="0">
-                <a:solidFill>
-                  <a:schemeClr val="bg1"/>
-                </a:solidFill>
-                <a:effectLst/>
-                <a:latin typeface="Calibri" panose="020F0502020204030204" pitchFamily="34" charset="0"/>
-                <a:ea typeface="Calibri" panose="020F0502020204030204" pitchFamily="34" charset="0"/>
-                <a:cs typeface="Times New Roman" panose="02020603050405020304" pitchFamily="18" charset="0"/>
-              </a:rPr>
-              <a:t> party delivery company, typically Uber Eats or DoorDash.</a:t>
-            </a:r>
-          </a:p>
-          <a:p>
-            <a:pPr marL="0" marR="0" indent="0">
-              <a:lnSpc>
-                <a:spcPct val="107000"/>
-              </a:lnSpc>
-              <a:spcBef>
-                <a:spcPts val="0"/>
-              </a:spcBef>
-              <a:spcAft>
-                <a:spcPts val="800"/>
-              </a:spcAft>
-              <a:buNone/>
-            </a:pPr>
-            <a:r>
-              <a:rPr lang="en-US" sz="2900" b="1" dirty="0">
-                <a:solidFill>
-                  <a:schemeClr val="bg1"/>
-                </a:solidFill>
-                <a:effectLst/>
-                <a:latin typeface="Calibri" panose="020F0502020204030204" pitchFamily="34" charset="0"/>
-                <a:ea typeface="Calibri" panose="020F0502020204030204" pitchFamily="34" charset="0"/>
-                <a:cs typeface="Times New Roman" panose="02020603050405020304" pitchFamily="18" charset="0"/>
-              </a:rPr>
-              <a:t>NormDT</a:t>
-            </a:r>
-            <a:r>
-              <a:rPr lang="en-US" sz="2900" dirty="0">
-                <a:solidFill>
-                  <a:schemeClr val="bg1"/>
-                </a:solidFill>
-                <a:effectLst/>
-                <a:latin typeface="Calibri" panose="020F0502020204030204" pitchFamily="34" charset="0"/>
-                <a:ea typeface="Calibri" panose="020F0502020204030204" pitchFamily="34" charset="0"/>
-                <a:cs typeface="Times New Roman" panose="02020603050405020304" pitchFamily="18" charset="0"/>
-              </a:rPr>
-              <a:t>: Total sales done through the traditional drive-thru process.</a:t>
-            </a:r>
-          </a:p>
-          <a:p>
-            <a:pPr marL="0" marR="0" indent="0">
-              <a:lnSpc>
-                <a:spcPct val="107000"/>
-              </a:lnSpc>
-              <a:spcBef>
-                <a:spcPts val="0"/>
-              </a:spcBef>
-              <a:spcAft>
-                <a:spcPts val="800"/>
-              </a:spcAft>
-              <a:buNone/>
-            </a:pPr>
-            <a:r>
-              <a:rPr lang="en-US" sz="2900" b="1" dirty="0">
-                <a:solidFill>
-                  <a:schemeClr val="bg1"/>
-                </a:solidFill>
-                <a:effectLst/>
-                <a:latin typeface="Calibri" panose="020F0502020204030204" pitchFamily="34" charset="0"/>
-                <a:ea typeface="Calibri" panose="020F0502020204030204" pitchFamily="34" charset="0"/>
-                <a:cs typeface="Times New Roman" panose="02020603050405020304" pitchFamily="18" charset="0"/>
-              </a:rPr>
-              <a:t>CarryO</a:t>
-            </a:r>
-            <a:r>
-              <a:rPr lang="en-US" sz="2900" dirty="0">
-                <a:solidFill>
-                  <a:schemeClr val="bg1"/>
-                </a:solidFill>
-                <a:effectLst/>
-                <a:latin typeface="Calibri" panose="020F0502020204030204" pitchFamily="34" charset="0"/>
-                <a:ea typeface="Calibri" panose="020F0502020204030204" pitchFamily="34" charset="0"/>
-                <a:cs typeface="Times New Roman" panose="02020603050405020304" pitchFamily="18" charset="0"/>
-              </a:rPr>
-              <a:t>: The gues</a:t>
-            </a:r>
-            <a:r>
-              <a:rPr lang="en-US" sz="2900" dirty="0">
-                <a:solidFill>
-                  <a:schemeClr val="bg1"/>
-                </a:solidFill>
-                <a:latin typeface="Calibri" panose="020F0502020204030204" pitchFamily="34" charset="0"/>
-                <a:ea typeface="Calibri" panose="020F0502020204030204" pitchFamily="34" charset="0"/>
-                <a:cs typeface="Times New Roman" panose="02020603050405020304" pitchFamily="18" charset="0"/>
-              </a:rPr>
-              <a:t>t walks inside, orders at the counter, then takes their meal to go</a:t>
-            </a:r>
-            <a:r>
-              <a:rPr lang="en-US" sz="2900" dirty="0">
-                <a:solidFill>
-                  <a:schemeClr val="bg1"/>
-                </a:solidFill>
-                <a:effectLst/>
-                <a:latin typeface="Calibri" panose="020F0502020204030204" pitchFamily="34" charset="0"/>
-                <a:ea typeface="Calibri" panose="020F0502020204030204" pitchFamily="34" charset="0"/>
-                <a:cs typeface="Times New Roman" panose="02020603050405020304" pitchFamily="18" charset="0"/>
-              </a:rPr>
-              <a:t>.</a:t>
-            </a:r>
-          </a:p>
-          <a:p>
-            <a:pPr marL="0" marR="0" indent="0">
-              <a:lnSpc>
-                <a:spcPct val="107000"/>
-              </a:lnSpc>
-              <a:spcBef>
-                <a:spcPts val="0"/>
-              </a:spcBef>
-              <a:spcAft>
-                <a:spcPts val="800"/>
-              </a:spcAft>
-              <a:buNone/>
-            </a:pPr>
-            <a:r>
-              <a:rPr lang="en-US" sz="2900" b="1" dirty="0">
-                <a:solidFill>
-                  <a:schemeClr val="bg1"/>
-                </a:solidFill>
-                <a:effectLst/>
-                <a:latin typeface="Calibri" panose="020F0502020204030204" pitchFamily="34" charset="0"/>
-                <a:ea typeface="Calibri" panose="020F0502020204030204" pitchFamily="34" charset="0"/>
-                <a:cs typeface="Times New Roman" panose="02020603050405020304" pitchFamily="18" charset="0"/>
-              </a:rPr>
-              <a:t>DineIn</a:t>
-            </a:r>
-            <a:r>
-              <a:rPr lang="en-US" sz="2900" dirty="0">
-                <a:solidFill>
-                  <a:schemeClr val="bg1"/>
-                </a:solidFill>
-                <a:effectLst/>
-                <a:latin typeface="Calibri" panose="020F0502020204030204" pitchFamily="34" charset="0"/>
-                <a:ea typeface="Calibri" panose="020F0502020204030204" pitchFamily="34" charset="0"/>
-                <a:cs typeface="Times New Roman" panose="02020603050405020304" pitchFamily="18" charset="0"/>
-              </a:rPr>
-              <a:t>: The guest places their order at the counter and goes to find a seat that the team member will bring their order to.</a:t>
-            </a:r>
-          </a:p>
-          <a:p>
-            <a:pPr marL="0" marR="0" indent="0">
-              <a:lnSpc>
-                <a:spcPct val="107000"/>
-              </a:lnSpc>
-              <a:spcBef>
-                <a:spcPts val="0"/>
-              </a:spcBef>
-              <a:spcAft>
-                <a:spcPts val="800"/>
-              </a:spcAft>
-              <a:buNone/>
-            </a:pPr>
-            <a:r>
-              <a:rPr lang="en-US" sz="2900" b="1" dirty="0">
-                <a:solidFill>
-                  <a:schemeClr val="bg1"/>
-                </a:solidFill>
-                <a:effectLst/>
-                <a:latin typeface="Calibri" panose="020F0502020204030204" pitchFamily="34" charset="0"/>
-                <a:ea typeface="Calibri" panose="020F0502020204030204" pitchFamily="34" charset="0"/>
-                <a:cs typeface="Times New Roman" panose="02020603050405020304" pitchFamily="18" charset="0"/>
-              </a:rPr>
-              <a:t>Catering</a:t>
-            </a:r>
-            <a:r>
-              <a:rPr lang="en-US" sz="2900" dirty="0">
-                <a:solidFill>
-                  <a:schemeClr val="bg1"/>
-                </a:solidFill>
-                <a:effectLst/>
-                <a:latin typeface="Calibri" panose="020F0502020204030204" pitchFamily="34" charset="0"/>
-                <a:ea typeface="Calibri" panose="020F0502020204030204" pitchFamily="34" charset="0"/>
-                <a:cs typeface="Times New Roman" panose="02020603050405020304" pitchFamily="18" charset="0"/>
-              </a:rPr>
-              <a:t>: Total sales for event catering.</a:t>
-            </a:r>
-          </a:p>
-          <a:p>
-            <a:pPr marL="0" marR="0" indent="0">
-              <a:lnSpc>
-                <a:spcPct val="107000"/>
-              </a:lnSpc>
-              <a:spcBef>
-                <a:spcPts val="0"/>
-              </a:spcBef>
-              <a:spcAft>
-                <a:spcPts val="800"/>
-              </a:spcAft>
-              <a:buNone/>
-            </a:pPr>
-            <a:r>
-              <a:rPr lang="en-US" sz="2900" b="1" dirty="0">
-                <a:solidFill>
-                  <a:schemeClr val="bg1"/>
-                </a:solidFill>
-                <a:effectLst/>
-                <a:latin typeface="Calibri" panose="020F0502020204030204" pitchFamily="34" charset="0"/>
-                <a:ea typeface="Calibri" panose="020F0502020204030204" pitchFamily="34" charset="0"/>
-                <a:cs typeface="Times New Roman" panose="02020603050405020304" pitchFamily="18" charset="0"/>
-              </a:rPr>
-              <a:t>Time</a:t>
-            </a:r>
-            <a:r>
-              <a:rPr lang="en-US" sz="2900" dirty="0">
-                <a:solidFill>
-                  <a:schemeClr val="bg1"/>
-                </a:solidFill>
-                <a:effectLst/>
-                <a:latin typeface="Calibri" panose="020F0502020204030204" pitchFamily="34" charset="0"/>
-                <a:ea typeface="Calibri" panose="020F0502020204030204" pitchFamily="34" charset="0"/>
-                <a:cs typeface="Times New Roman" panose="02020603050405020304" pitchFamily="18" charset="0"/>
-              </a:rPr>
-              <a:t>:</a:t>
-            </a:r>
-          </a:p>
-          <a:p>
-            <a:pPr marL="0" marR="0" indent="0">
-              <a:lnSpc>
-                <a:spcPct val="107000"/>
-              </a:lnSpc>
-              <a:spcBef>
-                <a:spcPts val="0"/>
-              </a:spcBef>
-              <a:spcAft>
-                <a:spcPts val="800"/>
-              </a:spcAft>
-              <a:buNone/>
-            </a:pPr>
-            <a:r>
-              <a:rPr lang="en-US" sz="2900" b="1" dirty="0">
-                <a:solidFill>
-                  <a:schemeClr val="bg1"/>
-                </a:solidFill>
-                <a:latin typeface="Calibri" panose="020F0502020204030204" pitchFamily="34" charset="0"/>
-                <a:ea typeface="Calibri" panose="020F0502020204030204" pitchFamily="34" charset="0"/>
-                <a:cs typeface="Times New Roman" panose="02020603050405020304" pitchFamily="18" charset="0"/>
-              </a:rPr>
-              <a:t>          </a:t>
-            </a:r>
-            <a:r>
-              <a:rPr lang="en-US" sz="2900" b="1" dirty="0">
-                <a:solidFill>
-                  <a:schemeClr val="bg1"/>
-                </a:solidFill>
-                <a:effectLst/>
-                <a:latin typeface="Calibri" panose="020F0502020204030204" pitchFamily="34" charset="0"/>
-                <a:ea typeface="Calibri" panose="020F0502020204030204" pitchFamily="34" charset="0"/>
-                <a:cs typeface="Times New Roman" panose="02020603050405020304" pitchFamily="18" charset="0"/>
-              </a:rPr>
-              <a:t>Before:</a:t>
-            </a:r>
-            <a:r>
-              <a:rPr lang="en-US" sz="2900" dirty="0">
-                <a:solidFill>
-                  <a:schemeClr val="bg1"/>
-                </a:solidFill>
-                <a:effectLst/>
-                <a:latin typeface="Calibri" panose="020F0502020204030204" pitchFamily="34" charset="0"/>
-                <a:ea typeface="Calibri" panose="020F0502020204030204" pitchFamily="34" charset="0"/>
-                <a:cs typeface="Times New Roman" panose="02020603050405020304" pitchFamily="18" charset="0"/>
-              </a:rPr>
-              <a:t> “Pre-Covid19” or any time in the weeks leading up to the 6-week lockdown period.	</a:t>
-            </a:r>
-          </a:p>
-          <a:p>
-            <a:pPr marL="0" marR="0" indent="0">
-              <a:lnSpc>
-                <a:spcPct val="107000"/>
-              </a:lnSpc>
-              <a:spcBef>
-                <a:spcPts val="0"/>
-              </a:spcBef>
-              <a:spcAft>
-                <a:spcPts val="800"/>
-              </a:spcAft>
-              <a:buNone/>
-            </a:pPr>
-            <a:r>
-              <a:rPr lang="en-US" sz="2900" b="1" dirty="0">
-                <a:solidFill>
-                  <a:schemeClr val="bg1"/>
-                </a:solidFill>
-                <a:effectLst/>
-                <a:latin typeface="Calibri" panose="020F0502020204030204" pitchFamily="34" charset="0"/>
-                <a:ea typeface="Calibri" panose="020F0502020204030204" pitchFamily="34" charset="0"/>
-                <a:cs typeface="Times New Roman" panose="02020603050405020304" pitchFamily="18" charset="0"/>
-              </a:rPr>
-              <a:t>          During: </a:t>
-            </a:r>
-            <a:r>
-              <a:rPr lang="en-US" sz="2900" dirty="0">
-                <a:solidFill>
-                  <a:schemeClr val="bg1"/>
-                </a:solidFill>
-                <a:effectLst/>
-                <a:latin typeface="Calibri" panose="020F0502020204030204" pitchFamily="34" charset="0"/>
-                <a:ea typeface="Calibri" panose="020F0502020204030204" pitchFamily="34" charset="0"/>
-                <a:cs typeface="Times New Roman" panose="02020603050405020304" pitchFamily="18" charset="0"/>
-              </a:rPr>
-              <a:t>During the 6-week lockdown period.							</a:t>
-            </a:r>
-          </a:p>
-          <a:p>
-            <a:pPr marL="0" marR="0" indent="0">
-              <a:lnSpc>
-                <a:spcPct val="107000"/>
-              </a:lnSpc>
-              <a:spcBef>
-                <a:spcPts val="0"/>
-              </a:spcBef>
-              <a:spcAft>
-                <a:spcPts val="800"/>
-              </a:spcAft>
-              <a:buNone/>
-            </a:pPr>
-            <a:r>
-              <a:rPr lang="en-US" sz="2900" b="1" dirty="0">
-                <a:solidFill>
-                  <a:schemeClr val="bg1"/>
-                </a:solidFill>
-                <a:effectLst/>
-                <a:latin typeface="Calibri" panose="020F0502020204030204" pitchFamily="34" charset="0"/>
-                <a:ea typeface="Calibri" panose="020F0502020204030204" pitchFamily="34" charset="0"/>
-                <a:cs typeface="Times New Roman" panose="02020603050405020304" pitchFamily="18" charset="0"/>
-              </a:rPr>
-              <a:t>          After:</a:t>
-            </a:r>
-            <a:r>
-              <a:rPr lang="en-US" sz="2900" dirty="0">
-                <a:solidFill>
-                  <a:schemeClr val="bg1"/>
-                </a:solidFill>
-                <a:effectLst/>
-                <a:latin typeface="Calibri" panose="020F0502020204030204" pitchFamily="34" charset="0"/>
-                <a:ea typeface="Calibri" panose="020F0502020204030204" pitchFamily="34" charset="0"/>
-                <a:cs typeface="Times New Roman" panose="02020603050405020304" pitchFamily="18" charset="0"/>
-              </a:rPr>
-              <a:t> After the 6-week lockdown period and people started to understand what the new norm may look like.</a:t>
-            </a:r>
-          </a:p>
-          <a:p>
-            <a:pPr marL="0" marR="0" indent="0">
-              <a:lnSpc>
-                <a:spcPct val="107000"/>
-              </a:lnSpc>
-              <a:spcBef>
-                <a:spcPts val="0"/>
-              </a:spcBef>
-              <a:spcAft>
-                <a:spcPts val="800"/>
-              </a:spcAft>
-              <a:buNone/>
-            </a:pPr>
-            <a:r>
-              <a:rPr lang="en-US" sz="2900" b="1" dirty="0">
-                <a:solidFill>
-                  <a:schemeClr val="bg1"/>
-                </a:solidFill>
-                <a:effectLst/>
-                <a:latin typeface="Calibri" panose="020F0502020204030204" pitchFamily="34" charset="0"/>
-                <a:ea typeface="Calibri" panose="020F0502020204030204" pitchFamily="34" charset="0"/>
-                <a:cs typeface="Times New Roman" panose="02020603050405020304" pitchFamily="18" charset="0"/>
-              </a:rPr>
-              <a:t>Productivity:</a:t>
-            </a:r>
-            <a:r>
-              <a:rPr lang="en-US" sz="2900" dirty="0">
-                <a:solidFill>
-                  <a:schemeClr val="bg1"/>
-                </a:solidFill>
-                <a:effectLst/>
-                <a:latin typeface="Calibri" panose="020F0502020204030204" pitchFamily="34" charset="0"/>
-                <a:ea typeface="Calibri" panose="020F0502020204030204" pitchFamily="34" charset="0"/>
-                <a:cs typeface="Times New Roman" panose="02020603050405020304" pitchFamily="18" charset="0"/>
-              </a:rPr>
-              <a:t> Sales/</a:t>
-            </a:r>
-            <a:r>
-              <a:rPr lang="en-US" sz="2900" dirty="0" err="1">
-                <a:solidFill>
-                  <a:schemeClr val="bg1"/>
-                </a:solidFill>
-                <a:effectLst/>
-                <a:latin typeface="Calibri" panose="020F0502020204030204" pitchFamily="34" charset="0"/>
-                <a:ea typeface="Calibri" panose="020F0502020204030204" pitchFamily="34" charset="0"/>
-                <a:cs typeface="Times New Roman" panose="02020603050405020304" pitchFamily="18" charset="0"/>
-              </a:rPr>
-              <a:t>HoursUsed</a:t>
-            </a:r>
-            <a:r>
-              <a:rPr lang="en-US" sz="2900" dirty="0">
-                <a:solidFill>
-                  <a:schemeClr val="bg1"/>
-                </a:solidFill>
-                <a:effectLst/>
-                <a:latin typeface="Calibri" panose="020F0502020204030204" pitchFamily="34" charset="0"/>
-                <a:ea typeface="Calibri" panose="020F0502020204030204" pitchFamily="34" charset="0"/>
-                <a:cs typeface="Times New Roman" panose="02020603050405020304" pitchFamily="18" charset="0"/>
-              </a:rPr>
-              <a:t> – Total Sales per person on the clock per hour.</a:t>
-            </a:r>
-          </a:p>
-          <a:p>
-            <a:endParaRPr lang="en-US" dirty="0"/>
           </a:p>
         </p:txBody>
       </p:sp>
     </p:spTree>
     <p:extLst>
       <p:ext uri="{BB962C8B-B14F-4D97-AF65-F5344CB8AC3E}">
-        <p14:creationId xmlns:p14="http://schemas.microsoft.com/office/powerpoint/2010/main" val="2067907585"/>
+        <p14:creationId xmlns:p14="http://schemas.microsoft.com/office/powerpoint/2010/main" val="2887077404"/>
       </p:ext>
     </p:extLst>
   </p:cSld>
@@ -12370,7 +16509,7 @@
 </p:sld>
 </file>
 
-<file path=ppt/slides/slide8.xml><?xml version="1.0" encoding="utf-8"?>
+<file path=ppt/slides/slide9.xml><?xml version="1.0" encoding="utf-8"?>
 <p:sld xmlns:a="http://schemas.openxmlformats.org/drawingml/2006/main" xmlns:r="http://schemas.openxmlformats.org/officeDocument/2006/relationships" xmlns:p="http://schemas.openxmlformats.org/presentationml/2006/main">
   <p:cSld>
     <p:bg>
@@ -14005,7 +18144,7 @@
           </p:nvPr>
         </p:nvPicPr>
         <p:blipFill rotWithShape="1">
-          <a:blip r:embed="rId2">
+          <a:blip r:embed="rId3">
             <a:extLst>
               <a:ext uri="{28A0092B-C50C-407E-A947-70E740481C1C}">
                 <a14:useLocalDpi xmlns:a14="http://schemas.microsoft.com/office/drawing/2010/main" val="0"/>
@@ -14017,7 +18156,7 @@
         </p:blipFill>
         <p:spPr>
           <a:xfrm>
-            <a:off x="8376635" y="4357093"/>
+            <a:off x="7455283" y="3970902"/>
             <a:ext cx="3873125" cy="2666138"/>
           </a:xfrm>
           <a:custGeom>
@@ -14076,8 +18215,8 @@
         </p:nvSpPr>
         <p:spPr>
           <a:xfrm>
-            <a:off x="1827491" y="1380541"/>
-            <a:ext cx="9510961" cy="3416320"/>
+            <a:off x="1671098" y="2026084"/>
+            <a:ext cx="6027714" cy="3693319"/>
           </a:xfrm>
           <a:prstGeom prst="rect">
             <a:avLst/>
@@ -14095,15 +18234,65 @@
               <a:buChar char="•"/>
             </a:pPr>
             <a:r>
-              <a:rPr lang="en-US" dirty="0"/>
-              <a:t>Looked at how each drive-thru variable changed in relationship to the pandemic.</a:t>
+              <a:rPr lang="en-US" u="sng" dirty="0"/>
+              <a:t>3</a:t>
             </a:r>
-          </a:p>
-          <a:p>
+            <a:r>
+              <a:rPr lang="en-US" u="sng" baseline="30000" dirty="0"/>
+              <a:t>rd</a:t>
+            </a:r>
+            <a:r>
+              <a:rPr lang="en-US" u="sng" dirty="0"/>
+              <a:t> Party Delivery:</a:t>
+            </a:r>
+          </a:p>
+          <a:p>
+            <a:pPr marL="742950" lvl="1" indent="-285750">
+              <a:buFont typeface="Arial" panose="020B0604020202020204" pitchFamily="34" charset="0"/>
+              <a:buChar char="•"/>
+            </a:pPr>
             <a:r>
               <a:rPr lang="en-US" dirty="0"/>
-              <a:t> </a:t>
+              <a:t>Chick-fil-A started partnering with 3</a:t>
             </a:r>
+            <a:r>
+              <a:rPr lang="en-US" baseline="30000" dirty="0"/>
+              <a:t>rd</a:t>
+            </a:r>
+            <a:r>
+              <a:rPr lang="en-US" dirty="0"/>
+              <a:t> party delivery companies not too long before </a:t>
+            </a:r>
+            <a:r>
+              <a:rPr lang="en-US" dirty="0" err="1"/>
+              <a:t>Covid</a:t>
+            </a:r>
+            <a:r>
+              <a:rPr lang="en-US" dirty="0"/>
+              <a:t> started. </a:t>
+            </a:r>
+          </a:p>
+          <a:p>
+            <a:pPr marL="742950" lvl="1" indent="-285750">
+              <a:buFont typeface="Arial" panose="020B0604020202020204" pitchFamily="34" charset="0"/>
+              <a:buChar char="•"/>
+            </a:pPr>
+            <a:r>
+              <a:rPr lang="en-US" dirty="0"/>
+              <a:t>This proved to be a very timely decision as 3</a:t>
+            </a:r>
+            <a:r>
+              <a:rPr lang="en-US" baseline="30000" dirty="0"/>
+              <a:t>rd</a:t>
+            </a:r>
+            <a:r>
+              <a:rPr lang="en-US" dirty="0"/>
+              <a:t> party sales grew 3 times during the course of our data, </a:t>
+            </a:r>
+          </a:p>
+          <a:p>
+            <a:pPr lvl="1"/>
+            <a:endParaRPr lang="en-US" dirty="0"/>
           </a:p>
           <a:p>
             <a:pPr marL="285750" indent="-285750">
@@ -14111,19 +18300,12 @@
               <a:buChar char="•"/>
             </a:pPr>
             <a:r>
-              <a:rPr lang="en-US" dirty="0"/>
-              <a:t>We found that before and after were almost equal when it came to overall sales. Even through the pandemic, this Chick-fil-A location increased their sales. </a:t>
+              <a:rPr lang="en-US" u="sng" dirty="0"/>
+              <a:t>Traditional Drive-Thru:</a:t>
             </a:r>
           </a:p>
           <a:p>
-            <a:pPr marL="285750" indent="-285750">
-              <a:buFont typeface="Arial" panose="020B0604020202020204" pitchFamily="34" charset="0"/>
-              <a:buChar char="•"/>
-            </a:pPr>
-            <a:endParaRPr lang="en-US" dirty="0"/>
-          </a:p>
-          <a:p>
-            <a:pPr marL="285750" indent="-285750">
+            <a:pPr marL="742950" lvl="1" indent="-285750">
               <a:buFont typeface="Arial" panose="020B0604020202020204" pitchFamily="34" charset="0"/>
               <a:buChar char="•"/>
             </a:pPr>
@@ -14155,14 +18337,61 @@
             </a:pPr>
             <a:endParaRPr lang="en-US" dirty="0"/>
           </a:p>
+        </p:txBody>
+      </p:sp>
+      <p:sp>
+        <p:nvSpPr>
+          <p:cNvPr id="4" name="TextBox 3">
+            <a:extLst>
+              <a:ext uri="{FF2B5EF4-FFF2-40B4-BE49-F238E27FC236}">
+                <a16:creationId xmlns:a16="http://schemas.microsoft.com/office/drawing/2014/main" id="{5FA3267A-22C0-4645-A9A8-125F24C52BE3}"/>
+              </a:ext>
+            </a:extLst>
+          </p:cNvPr>
+          <p:cNvSpPr txBox="1"/>
+          <p:nvPr/>
+        </p:nvSpPr>
+        <p:spPr>
+          <a:xfrm>
+            <a:off x="7505298" y="2010348"/>
+            <a:ext cx="3859481" cy="2031325"/>
+          </a:xfrm>
+          <a:prstGeom prst="rect">
+            <a:avLst/>
+          </a:prstGeom>
+          <a:noFill/>
+        </p:spPr>
+        <p:txBody>
+          <a:bodyPr wrap="square" rtlCol="0">
+            <a:spAutoFit/>
+          </a:bodyPr>
+          <a:lstStyle/>
           <a:p>
             <a:pPr marL="285750" indent="-285750">
               <a:buFont typeface="Arial" panose="020B0604020202020204" pitchFamily="34" charset="0"/>
               <a:buChar char="•"/>
             </a:pPr>
             <a:r>
+              <a:rPr lang="en-US" u="sng" dirty="0"/>
+              <a:t>Mobile Drive-Thru Ordering:</a:t>
+            </a:r>
+          </a:p>
+          <a:p>
+            <a:pPr marL="742950" lvl="1" indent="-285750">
+              <a:buFont typeface="Arial" panose="020B0604020202020204" pitchFamily="34" charset="0"/>
+              <a:buChar char="•"/>
+            </a:pPr>
+            <a:r>
               <a:rPr lang="en-US" dirty="0"/>
-              <a:t>Before the start of </a:t>
+              <a:t>~$7,300/</a:t>
+            </a:r>
+            <a:r>
+              <a:rPr lang="en-US" dirty="0" err="1"/>
+              <a:t>wk</a:t>
+            </a:r>
+            <a:r>
+              <a:rPr lang="en-US" dirty="0"/>
+              <a:t> before the start of </a:t>
             </a:r>
             <a:r>
               <a:rPr lang="en-US" dirty="0" err="1"/>
@@ -14170,7 +18399,17 @@
             </a:r>
             <a:r>
               <a:rPr lang="en-US" dirty="0"/>
-              <a:t>, this location was averaging ~$7,300/</a:t>
+              <a:t> </a:t>
+            </a:r>
+          </a:p>
+          <a:p>
+            <a:pPr marL="742950" lvl="1" indent="-285750">
+              <a:buFont typeface="Arial" panose="020B0604020202020204" pitchFamily="34" charset="0"/>
+              <a:buChar char="•"/>
+            </a:pPr>
+            <a:r>
+              <a:rPr lang="en-US" dirty="0"/>
+              <a:t>~$17,000/</a:t>
             </a:r>
             <a:r>
               <a:rPr lang="en-US" dirty="0" err="1"/>
@@ -14178,7 +18417,25 @@
             </a:r>
             <a:r>
               <a:rPr lang="en-US" dirty="0"/>
-              <a:t> in Drive-Thru Mobile orders. During the 6-week lockdown period, this rose to ~$17,000/wk. After the lockdown, these sales increased significantly again up to ~$26,000/wk. </a:t>
+              <a:t> during the 6-week lockdown</a:t>
+            </a:r>
+          </a:p>
+          <a:p>
+            <a:pPr marL="742950" lvl="1" indent="-285750">
+              <a:buFont typeface="Arial" panose="020B0604020202020204" pitchFamily="34" charset="0"/>
+              <a:buChar char="•"/>
+            </a:pPr>
+            <a:r>
+              <a:rPr lang="en-US" dirty="0"/>
+              <a:t>~$26,000/</a:t>
+            </a:r>
+            <a:r>
+              <a:rPr lang="en-US" dirty="0" err="1"/>
+              <a:t>wk</a:t>
+            </a:r>
+            <a:r>
+              <a:rPr lang="en-US" dirty="0"/>
+              <a:t> after the lockdown was over</a:t>
             </a:r>
           </a:p>
         </p:txBody>
@@ -14187,71 +18444,6 @@
     <p:extLst>
       <p:ext uri="{BB962C8B-B14F-4D97-AF65-F5344CB8AC3E}">
         <p14:creationId xmlns:p14="http://schemas.microsoft.com/office/powerpoint/2010/main" val="2471385220"/>
-      </p:ext>
-    </p:extLst>
-  </p:cSld>
-  <p:clrMapOvr>
-    <a:masterClrMapping/>
-  </p:clrMapOvr>
-</p:sld>
-</file>
-
-<file path=ppt/slides/slide9.xml><?xml version="1.0" encoding="utf-8"?>
-<p:sld xmlns:a="http://schemas.openxmlformats.org/drawingml/2006/main" xmlns:r="http://schemas.openxmlformats.org/officeDocument/2006/relationships" xmlns:p="http://schemas.openxmlformats.org/presentationml/2006/main">
-  <p:cSld>
-    <p:spTree>
-      <p:nvGrpSpPr>
-        <p:cNvPr id="1" name=""/>
-        <p:cNvGrpSpPr/>
-        <p:nvPr/>
-      </p:nvGrpSpPr>
-      <p:grpSpPr>
-        <a:xfrm>
-          <a:off x="0" y="0"/>
-          <a:ext cx="0" cy="0"/>
-          <a:chOff x="0" y="0"/>
-          <a:chExt cx="0" cy="0"/>
-        </a:xfrm>
-      </p:grpSpPr>
-      <p:pic>
-        <p:nvPicPr>
-          <p:cNvPr id="5" name="Picture 4" descr="Graphical user interface, application&#10;&#10;Description automatically generated with medium confidence">
-            <a:extLst>
-              <a:ext uri="{FF2B5EF4-FFF2-40B4-BE49-F238E27FC236}">
-                <a16:creationId xmlns:a16="http://schemas.microsoft.com/office/drawing/2014/main" id="{A1D77B90-DEE2-4821-9EDB-B7D156E9BEDB}"/>
-              </a:ext>
-            </a:extLst>
-          </p:cNvPr>
-          <p:cNvPicPr>
-            <a:picLocks noChangeAspect="1"/>
-          </p:cNvPicPr>
-          <p:nvPr/>
-        </p:nvPicPr>
-        <p:blipFill rotWithShape="1">
-          <a:blip r:embed="rId2">
-            <a:extLst>
-              <a:ext uri="{28A0092B-C50C-407E-A947-70E740481C1C}">
-                <a14:useLocalDpi xmlns:a14="http://schemas.microsoft.com/office/drawing/2010/main" val="0"/>
-              </a:ext>
-            </a:extLst>
-          </a:blip>
-          <a:srcRect r="6325" b="45974"/>
-          <a:stretch/>
-        </p:blipFill>
-        <p:spPr>
-          <a:xfrm>
-            <a:off x="0" y="768927"/>
-            <a:ext cx="12192000" cy="5320145"/>
-          </a:xfrm>
-          <a:prstGeom prst="rect">
-            <a:avLst/>
-          </a:prstGeom>
-        </p:spPr>
-      </p:pic>
-    </p:spTree>
-    <p:extLst>
-      <p:ext uri="{BB962C8B-B14F-4D97-AF65-F5344CB8AC3E}">
-        <p14:creationId xmlns:p14="http://schemas.microsoft.com/office/powerpoint/2010/main" val="413630685"/>
       </p:ext>
     </p:extLst>
   </p:cSld>

--- a/Presentation.pptx
+++ b/Presentation.pptx
@@ -1005,9 +1005,14 @@
             </a:lnSpc>
           </a:pPr>
           <a:r>
-            <a:rPr lang="en-US"/>
-            <a:t>Tradition Drive-Thru Average has increased by $20,000/wk</a:t>
+            <a:rPr lang="en-US" dirty="0"/>
+            <a:t>Traditional Drive-Thru Average has increased by $20,000/</a:t>
           </a:r>
+          <a:r>
+            <a:rPr lang="en-US" dirty="0" err="1"/>
+            <a:t>wk</a:t>
+          </a:r>
+          <a:endParaRPr lang="en-US" dirty="0"/>
         </a:p>
       </dgm:t>
     </dgm:pt>
@@ -1687,9 +1692,14 @@
             <a:buNone/>
           </a:pPr>
           <a:r>
-            <a:rPr lang="en-US" sz="1100" kern="1200"/>
-            <a:t>Tradition Drive-Thru Average has increased by $20,000/wk</a:t>
+            <a:rPr lang="en-US" sz="1100" kern="1200" dirty="0"/>
+            <a:t>Traditional Drive-Thru Average has increased by $20,000/</a:t>
           </a:r>
+          <a:r>
+            <a:rPr lang="en-US" sz="1100" kern="1200" dirty="0" err="1"/>
+            <a:t>wk</a:t>
+          </a:r>
+          <a:endParaRPr lang="en-US" sz="1100" kern="1200" dirty="0"/>
         </a:p>
       </dsp:txBody>
       <dsp:txXfrm>
@@ -3366,7 +3376,7 @@
           <a:p>
             <a:fld id="{DC4C920C-E88C-9B46-8DAA-02CD0C667D93}" type="datetimeFigureOut">
               <a:rPr lang="en-US" smtClean="0"/>
-              <a:t>1/27/21</a:t>
+              <a:t>1/28/21</a:t>
             </a:fld>
             <a:endParaRPr lang="en-US"/>
           </a:p>
@@ -4547,7 +4557,10 @@
           <a:bodyPr/>
           <a:lstStyle/>
           <a:p>
-            <a:endParaRPr lang="en-US" dirty="0"/>
+            <a:r>
+              <a:rPr lang="en-US" dirty="0"/>
+              <a:t>Damon</a:t>
+            </a:r>
           </a:p>
         </p:txBody>
       </p:sp>
@@ -4633,7 +4646,7 @@
           <a:p>
             <a:r>
               <a:rPr lang="en-US" dirty="0"/>
-              <a:t>Damon</a:t>
+              <a:t>Doug</a:t>
             </a:r>
           </a:p>
         </p:txBody>
@@ -4720,7 +4733,7 @@
           <a:p>
             <a:r>
               <a:rPr lang="en-US" dirty="0"/>
-              <a:t>Doug</a:t>
+              <a:t>Damon</a:t>
             </a:r>
           </a:p>
         </p:txBody>
@@ -4807,7 +4820,7 @@
           <a:p>
             <a:r>
               <a:rPr lang="en-US" dirty="0"/>
-              <a:t>Damon</a:t>
+              <a:t>Doug</a:t>
             </a:r>
           </a:p>
         </p:txBody>
@@ -5169,7 +5182,7 @@
           <a:p>
             <a:fld id="{59ED46AA-65FE-4AA6-90A6-8BABD663A628}" type="datetimeFigureOut">
               <a:rPr lang="en-US" smtClean="0"/>
-              <a:t>1/27/21</a:t>
+              <a:t>1/28/21</a:t>
             </a:fld>
             <a:endParaRPr lang="en-US"/>
           </a:p>
@@ -5367,7 +5380,7 @@
           <a:p>
             <a:fld id="{59ED46AA-65FE-4AA6-90A6-8BABD663A628}" type="datetimeFigureOut">
               <a:rPr lang="en-US" smtClean="0"/>
-              <a:t>1/27/21</a:t>
+              <a:t>1/28/21</a:t>
             </a:fld>
             <a:endParaRPr lang="en-US"/>
           </a:p>
@@ -5575,7 +5588,7 @@
           <a:p>
             <a:fld id="{59ED46AA-65FE-4AA6-90A6-8BABD663A628}" type="datetimeFigureOut">
               <a:rPr lang="en-US" smtClean="0"/>
-              <a:t>1/27/21</a:t>
+              <a:t>1/28/21</a:t>
             </a:fld>
             <a:endParaRPr lang="en-US"/>
           </a:p>
@@ -5773,7 +5786,7 @@
           <a:p>
             <a:fld id="{59ED46AA-65FE-4AA6-90A6-8BABD663A628}" type="datetimeFigureOut">
               <a:rPr lang="en-US" smtClean="0"/>
-              <a:t>1/27/21</a:t>
+              <a:t>1/28/21</a:t>
             </a:fld>
             <a:endParaRPr lang="en-US"/>
           </a:p>
@@ -6048,7 +6061,7 @@
           <a:p>
             <a:fld id="{59ED46AA-65FE-4AA6-90A6-8BABD663A628}" type="datetimeFigureOut">
               <a:rPr lang="en-US" smtClean="0"/>
-              <a:t>1/27/21</a:t>
+              <a:t>1/28/21</a:t>
             </a:fld>
             <a:endParaRPr lang="en-US"/>
           </a:p>
@@ -6313,7 +6326,7 @@
           <a:p>
             <a:fld id="{59ED46AA-65FE-4AA6-90A6-8BABD663A628}" type="datetimeFigureOut">
               <a:rPr lang="en-US" smtClean="0"/>
-              <a:t>1/27/21</a:t>
+              <a:t>1/28/21</a:t>
             </a:fld>
             <a:endParaRPr lang="en-US"/>
           </a:p>
@@ -6725,7 +6738,7 @@
           <a:p>
             <a:fld id="{59ED46AA-65FE-4AA6-90A6-8BABD663A628}" type="datetimeFigureOut">
               <a:rPr lang="en-US" smtClean="0"/>
-              <a:t>1/27/21</a:t>
+              <a:t>1/28/21</a:t>
             </a:fld>
             <a:endParaRPr lang="en-US"/>
           </a:p>
@@ -6866,7 +6879,7 @@
           <a:p>
             <a:fld id="{59ED46AA-65FE-4AA6-90A6-8BABD663A628}" type="datetimeFigureOut">
               <a:rPr lang="en-US" smtClean="0"/>
-              <a:t>1/27/21</a:t>
+              <a:t>1/28/21</a:t>
             </a:fld>
             <a:endParaRPr lang="en-US"/>
           </a:p>
@@ -6979,7 +6992,7 @@
           <a:p>
             <a:fld id="{59ED46AA-65FE-4AA6-90A6-8BABD663A628}" type="datetimeFigureOut">
               <a:rPr lang="en-US" smtClean="0"/>
-              <a:t>1/27/21</a:t>
+              <a:t>1/28/21</a:t>
             </a:fld>
             <a:endParaRPr lang="en-US"/>
           </a:p>
@@ -7290,7 +7303,7 @@
           <a:p>
             <a:fld id="{59ED46AA-65FE-4AA6-90A6-8BABD663A628}" type="datetimeFigureOut">
               <a:rPr lang="en-US" smtClean="0"/>
-              <a:t>1/27/21</a:t>
+              <a:t>1/28/21</a:t>
             </a:fld>
             <a:endParaRPr lang="en-US"/>
           </a:p>
@@ -7578,7 +7591,7 @@
           <a:p>
             <a:fld id="{59ED46AA-65FE-4AA6-90A6-8BABD663A628}" type="datetimeFigureOut">
               <a:rPr lang="en-US" smtClean="0"/>
-              <a:t>1/27/21</a:t>
+              <a:t>1/28/21</a:t>
             </a:fld>
             <a:endParaRPr lang="en-US"/>
           </a:p>
@@ -7819,7 +7832,7 @@
           <a:p>
             <a:fld id="{59ED46AA-65FE-4AA6-90A6-8BABD663A628}" type="datetimeFigureOut">
               <a:rPr lang="en-US" smtClean="0"/>
-              <a:t>1/27/21</a:t>
+              <a:t>1/28/21</a:t>
             </a:fld>
             <a:endParaRPr lang="en-US"/>
           </a:p>
@@ -10272,7 +10285,7 @@
             </a:pPr>
             <a:r>
               <a:rPr lang="en-US" sz="2400" dirty="0"/>
-              <a:t>Productivity was proven to stay constant, with not a lot of error or overall change, throughout the entire year. </a:t>
+              <a:t>Productivity was proven to stay constant, with not a lot of overall change, throughout the entire year. </a:t>
             </a:r>
           </a:p>
           <a:p>
@@ -13589,6 +13602,11 @@
           </p:cNvGraphicFramePr>
           <p:nvPr>
             <p:ph idx="1"/>
+            <p:extLst>
+              <p:ext uri="{D42A27DB-BD31-4B8C-83A1-F6EECF244321}">
+                <p14:modId xmlns:p14="http://schemas.microsoft.com/office/powerpoint/2010/main" val="3504092261"/>
+              </p:ext>
+            </p:extLst>
           </p:nvPr>
         </p:nvGraphicFramePr>
         <p:xfrm>
@@ -15071,7 +15089,7 @@
         </p:blipFill>
         <p:spPr>
           <a:xfrm>
-            <a:off x="20" y="1"/>
+            <a:off x="0" y="1"/>
             <a:ext cx="12191980" cy="6857999"/>
           </a:xfrm>
           <a:prstGeom prst="rect">
@@ -15109,23 +15127,32 @@
           <a:p>
             <a:pPr algn="l"/>
             <a:r>
-              <a:rPr lang="en-US" sz="2600">
+              <a:rPr lang="en-US" sz="2600" dirty="0" err="1">
                 <a:solidFill>
                   <a:srgbClr val="FFFFFF"/>
                 </a:solidFill>
                 <a:effectLst/>
               </a:rPr>
-              <a:t>Covid 19 has negatively impacted the restaurant industry, but how has it impacted one specific location of the Chick-fil-A (CFA) restaurant chain?  This project will analyze data from a CFA location in Charleston, SC. CFA has given access to unlimited data but due to the time constraints of this project, we will only be considering a few questions.</a:t>
+              <a:t>Covid</a:t>
+            </a:r>
+            <a:r>
+              <a:rPr lang="en-US" sz="2600" dirty="0">
+                <a:solidFill>
+                  <a:srgbClr val="FFFFFF"/>
+                </a:solidFill>
+                <a:effectLst/>
+              </a:rPr>
+              <a:t> 19 has negatively impacted the restaurant industry, but how has it impacted one specific location of the Chick-fil-A (CFA) restaurant chain?  This project will analyze data from a CFA location in Charleston, SC. CFA has given access to unlimited data but due to the time constraints of this project, this project will only be covering a few questions.</a:t>
             </a:r>
             <a:br>
-              <a:rPr lang="en-US" sz="2600" i="1">
+              <a:rPr lang="en-US" sz="2600" i="1" dirty="0">
                 <a:solidFill>
                   <a:srgbClr val="FFFFFF"/>
                 </a:solidFill>
                 <a:effectLst/>
               </a:rPr>
             </a:br>
-            <a:endParaRPr lang="en-US" sz="2600" i="1">
+            <a:endParaRPr lang="en-US" sz="2600" i="1" dirty="0">
               <a:solidFill>
                 <a:srgbClr val="FFFFFF"/>
               </a:solidFill>
@@ -16138,7 +16165,7 @@
                   <a:schemeClr val="bg1"/>
                 </a:solidFill>
               </a:rPr>
-              <a:t>ANOVA analysis to test if there is a significant difference in sales over time for each variable.</a:t>
+              <a:t>ANOVA to test if there is a significant difference in sales over time for each variable.</a:t>
             </a:r>
           </a:p>
           <a:p>
@@ -16178,7 +16205,7 @@
                   <a:schemeClr val="bg1"/>
                 </a:solidFill>
               </a:rPr>
-              <a:t>MANOVA analysis to see which ordering methods have become more popular since the start of the pandemic.</a:t>
+              <a:t>MANOVA to see which ordering methods have become more popular since the start of the pandemic.</a:t>
             </a:r>
           </a:p>
           <a:p>
